--- a/DAC2024/MOGA-CmpCNN/MOGA-CmpCNN A Multi-Objective Genetic Algorithm Intergrated with CmpCNN Model for CMP-Aware Metal Fill.pptx
+++ b/DAC2024/MOGA-CmpCNN/MOGA-CmpCNN A Multi-Objective Genetic Algorithm Intergrated with CmpCNN Model for CMP-Aware Metal Fill.pptx
@@ -5,7 +5,7 @@
     <p:sldMasterId id="2147483648" r:id="rId1"/>
   </p:sldMasterIdLst>
   <p:notesMasterIdLst>
-    <p:notesMasterId r:id="rId14"/>
+    <p:notesMasterId r:id="rId22"/>
   </p:notesMasterIdLst>
   <p:sldIdLst>
     <p:sldId id="256" r:id="rId2"/>
@@ -19,7 +19,15 @@
     <p:sldId id="305" r:id="rId10"/>
     <p:sldId id="306" r:id="rId11"/>
     <p:sldId id="307" r:id="rId12"/>
-    <p:sldId id="298" r:id="rId13"/>
+    <p:sldId id="308" r:id="rId13"/>
+    <p:sldId id="309" r:id="rId14"/>
+    <p:sldId id="310" r:id="rId15"/>
+    <p:sldId id="311" r:id="rId16"/>
+    <p:sldId id="312" r:id="rId17"/>
+    <p:sldId id="313" r:id="rId18"/>
+    <p:sldId id="314" r:id="rId19"/>
+    <p:sldId id="315" r:id="rId20"/>
+    <p:sldId id="298" r:id="rId21"/>
   </p:sldIdLst>
   <p:sldSz cx="12192000" cy="6858000"/>
   <p:notesSz cx="6858000" cy="9144000"/>
@@ -1475,7 +1483,7 @@
           <a:p>
             <a:fld id="{C9ED61FB-B9B0-4D85-A72E-A614C28ECC4E}" type="datetimeFigureOut">
               <a:rPr lang="en-US" smtClean="0"/>
-              <a:t>1/16/2024</a:t>
+              <a:t>1/17/2024</a:t>
             </a:fld>
             <a:endParaRPr lang="en-US"/>
           </a:p>
@@ -1826,6 +1834,649 @@
 </p:notes>
 </file>
 
+<file path=ppt/notesSlides/notesSlide10.xml><?xml version="1.0" encoding="utf-8"?>
+<p:notes xmlns:a="http://schemas.openxmlformats.org/drawingml/2006/main" xmlns:r="http://schemas.openxmlformats.org/officeDocument/2006/relationships" xmlns:p="http://schemas.openxmlformats.org/presentationml/2006/main">
+  <p:cSld>
+    <p:spTree>
+      <p:nvGrpSpPr>
+        <p:cNvPr id="1" name=""/>
+        <p:cNvGrpSpPr/>
+        <p:nvPr/>
+      </p:nvGrpSpPr>
+      <p:grpSpPr>
+        <a:xfrm>
+          <a:off x="0" y="0"/>
+          <a:ext cx="0" cy="0"/>
+          <a:chOff x="0" y="0"/>
+          <a:chExt cx="0" cy="0"/>
+        </a:xfrm>
+      </p:grpSpPr>
+      <p:sp>
+        <p:nvSpPr>
+          <p:cNvPr id="2" name="投影片影像版面配置區 1"/>
+          <p:cNvSpPr>
+            <a:spLocks noGrp="1" noRot="1" noChangeAspect="1"/>
+          </p:cNvSpPr>
+          <p:nvPr>
+            <p:ph type="sldImg"/>
+          </p:nvPr>
+        </p:nvSpPr>
+        <p:spPr/>
+      </p:sp>
+      <p:sp>
+        <p:nvSpPr>
+          <p:cNvPr id="3" name="備忘稿版面配置區 2"/>
+          <p:cNvSpPr>
+            <a:spLocks noGrp="1"/>
+          </p:cNvSpPr>
+          <p:nvPr>
+            <p:ph type="body" idx="1"/>
+          </p:nvPr>
+        </p:nvSpPr>
+        <p:spPr/>
+        <p:txBody>
+          <a:bodyPr/>
+          <a:lstStyle/>
+          <a:p>
+            <a:endParaRPr lang="zh-TW" altLang="en-US" dirty="0"/>
+          </a:p>
+        </p:txBody>
+      </p:sp>
+      <p:sp>
+        <p:nvSpPr>
+          <p:cNvPr id="4" name="投影片編號版面配置區 3"/>
+          <p:cNvSpPr>
+            <a:spLocks noGrp="1"/>
+          </p:cNvSpPr>
+          <p:nvPr>
+            <p:ph type="sldNum" sz="quarter" idx="5"/>
+          </p:nvPr>
+        </p:nvSpPr>
+        <p:spPr/>
+        <p:txBody>
+          <a:bodyPr/>
+          <a:lstStyle/>
+          <a:p>
+            <a:fld id="{9D457EAB-1485-47AD-BEAD-484FAEBF5A54}" type="slidenum">
+              <a:rPr lang="en-US" smtClean="0"/>
+              <a:t>12</a:t>
+            </a:fld>
+            <a:endParaRPr lang="en-US"/>
+          </a:p>
+        </p:txBody>
+      </p:sp>
+    </p:spTree>
+    <p:extLst>
+      <p:ext uri="{BB962C8B-B14F-4D97-AF65-F5344CB8AC3E}">
+        <p14:creationId xmlns:p14="http://schemas.microsoft.com/office/powerpoint/2010/main" val="3303056348"/>
+      </p:ext>
+    </p:extLst>
+  </p:cSld>
+  <p:clrMapOvr>
+    <a:masterClrMapping/>
+  </p:clrMapOvr>
+</p:notes>
+</file>
+
+<file path=ppt/notesSlides/notesSlide11.xml><?xml version="1.0" encoding="utf-8"?>
+<p:notes xmlns:a="http://schemas.openxmlformats.org/drawingml/2006/main" xmlns:r="http://schemas.openxmlformats.org/officeDocument/2006/relationships" xmlns:p="http://schemas.openxmlformats.org/presentationml/2006/main">
+  <p:cSld>
+    <p:spTree>
+      <p:nvGrpSpPr>
+        <p:cNvPr id="1" name=""/>
+        <p:cNvGrpSpPr/>
+        <p:nvPr/>
+      </p:nvGrpSpPr>
+      <p:grpSpPr>
+        <a:xfrm>
+          <a:off x="0" y="0"/>
+          <a:ext cx="0" cy="0"/>
+          <a:chOff x="0" y="0"/>
+          <a:chExt cx="0" cy="0"/>
+        </a:xfrm>
+      </p:grpSpPr>
+      <p:sp>
+        <p:nvSpPr>
+          <p:cNvPr id="2" name="投影片影像版面配置區 1"/>
+          <p:cNvSpPr>
+            <a:spLocks noGrp="1" noRot="1" noChangeAspect="1"/>
+          </p:cNvSpPr>
+          <p:nvPr>
+            <p:ph type="sldImg"/>
+          </p:nvPr>
+        </p:nvSpPr>
+        <p:spPr/>
+      </p:sp>
+      <p:sp>
+        <p:nvSpPr>
+          <p:cNvPr id="3" name="備忘稿版面配置區 2"/>
+          <p:cNvSpPr>
+            <a:spLocks noGrp="1"/>
+          </p:cNvSpPr>
+          <p:nvPr>
+            <p:ph type="body" idx="1"/>
+          </p:nvPr>
+        </p:nvSpPr>
+        <p:spPr/>
+        <p:txBody>
+          <a:bodyPr/>
+          <a:lstStyle/>
+          <a:p>
+            <a:endParaRPr lang="zh-TW" altLang="en-US" dirty="0"/>
+          </a:p>
+        </p:txBody>
+      </p:sp>
+      <p:sp>
+        <p:nvSpPr>
+          <p:cNvPr id="4" name="投影片編號版面配置區 3"/>
+          <p:cNvSpPr>
+            <a:spLocks noGrp="1"/>
+          </p:cNvSpPr>
+          <p:nvPr>
+            <p:ph type="sldNum" sz="quarter" idx="5"/>
+          </p:nvPr>
+        </p:nvSpPr>
+        <p:spPr/>
+        <p:txBody>
+          <a:bodyPr/>
+          <a:lstStyle/>
+          <a:p>
+            <a:fld id="{9D457EAB-1485-47AD-BEAD-484FAEBF5A54}" type="slidenum">
+              <a:rPr lang="en-US" smtClean="0"/>
+              <a:t>13</a:t>
+            </a:fld>
+            <a:endParaRPr lang="en-US"/>
+          </a:p>
+        </p:txBody>
+      </p:sp>
+    </p:spTree>
+    <p:extLst>
+      <p:ext uri="{BB962C8B-B14F-4D97-AF65-F5344CB8AC3E}">
+        <p14:creationId xmlns:p14="http://schemas.microsoft.com/office/powerpoint/2010/main" val="2475832876"/>
+      </p:ext>
+    </p:extLst>
+  </p:cSld>
+  <p:clrMapOvr>
+    <a:masterClrMapping/>
+  </p:clrMapOvr>
+</p:notes>
+</file>
+
+<file path=ppt/notesSlides/notesSlide12.xml><?xml version="1.0" encoding="utf-8"?>
+<p:notes xmlns:a="http://schemas.openxmlformats.org/drawingml/2006/main" xmlns:r="http://schemas.openxmlformats.org/officeDocument/2006/relationships" xmlns:p="http://schemas.openxmlformats.org/presentationml/2006/main">
+  <p:cSld>
+    <p:spTree>
+      <p:nvGrpSpPr>
+        <p:cNvPr id="1" name=""/>
+        <p:cNvGrpSpPr/>
+        <p:nvPr/>
+      </p:nvGrpSpPr>
+      <p:grpSpPr>
+        <a:xfrm>
+          <a:off x="0" y="0"/>
+          <a:ext cx="0" cy="0"/>
+          <a:chOff x="0" y="0"/>
+          <a:chExt cx="0" cy="0"/>
+        </a:xfrm>
+      </p:grpSpPr>
+      <p:sp>
+        <p:nvSpPr>
+          <p:cNvPr id="2" name="投影片影像版面配置區 1"/>
+          <p:cNvSpPr>
+            <a:spLocks noGrp="1" noRot="1" noChangeAspect="1"/>
+          </p:cNvSpPr>
+          <p:nvPr>
+            <p:ph type="sldImg"/>
+          </p:nvPr>
+        </p:nvSpPr>
+        <p:spPr/>
+      </p:sp>
+      <p:sp>
+        <p:nvSpPr>
+          <p:cNvPr id="3" name="備忘稿版面配置區 2"/>
+          <p:cNvSpPr>
+            <a:spLocks noGrp="1"/>
+          </p:cNvSpPr>
+          <p:nvPr>
+            <p:ph type="body" idx="1"/>
+          </p:nvPr>
+        </p:nvSpPr>
+        <p:spPr/>
+        <p:txBody>
+          <a:bodyPr/>
+          <a:lstStyle/>
+          <a:p>
+            <a:endParaRPr lang="zh-TW" altLang="en-US" dirty="0"/>
+          </a:p>
+        </p:txBody>
+      </p:sp>
+      <p:sp>
+        <p:nvSpPr>
+          <p:cNvPr id="4" name="投影片編號版面配置區 3"/>
+          <p:cNvSpPr>
+            <a:spLocks noGrp="1"/>
+          </p:cNvSpPr>
+          <p:nvPr>
+            <p:ph type="sldNum" sz="quarter" idx="5"/>
+          </p:nvPr>
+        </p:nvSpPr>
+        <p:spPr/>
+        <p:txBody>
+          <a:bodyPr/>
+          <a:lstStyle/>
+          <a:p>
+            <a:fld id="{9D457EAB-1485-47AD-BEAD-484FAEBF5A54}" type="slidenum">
+              <a:rPr lang="en-US" smtClean="0"/>
+              <a:t>14</a:t>
+            </a:fld>
+            <a:endParaRPr lang="en-US"/>
+          </a:p>
+        </p:txBody>
+      </p:sp>
+    </p:spTree>
+    <p:extLst>
+      <p:ext uri="{BB962C8B-B14F-4D97-AF65-F5344CB8AC3E}">
+        <p14:creationId xmlns:p14="http://schemas.microsoft.com/office/powerpoint/2010/main" val="4168520213"/>
+      </p:ext>
+    </p:extLst>
+  </p:cSld>
+  <p:clrMapOvr>
+    <a:masterClrMapping/>
+  </p:clrMapOvr>
+</p:notes>
+</file>
+
+<file path=ppt/notesSlides/notesSlide13.xml><?xml version="1.0" encoding="utf-8"?>
+<p:notes xmlns:a="http://schemas.openxmlformats.org/drawingml/2006/main" xmlns:r="http://schemas.openxmlformats.org/officeDocument/2006/relationships" xmlns:p="http://schemas.openxmlformats.org/presentationml/2006/main">
+  <p:cSld>
+    <p:spTree>
+      <p:nvGrpSpPr>
+        <p:cNvPr id="1" name=""/>
+        <p:cNvGrpSpPr/>
+        <p:nvPr/>
+      </p:nvGrpSpPr>
+      <p:grpSpPr>
+        <a:xfrm>
+          <a:off x="0" y="0"/>
+          <a:ext cx="0" cy="0"/>
+          <a:chOff x="0" y="0"/>
+          <a:chExt cx="0" cy="0"/>
+        </a:xfrm>
+      </p:grpSpPr>
+      <p:sp>
+        <p:nvSpPr>
+          <p:cNvPr id="2" name="投影片影像版面配置區 1"/>
+          <p:cNvSpPr>
+            <a:spLocks noGrp="1" noRot="1" noChangeAspect="1"/>
+          </p:cNvSpPr>
+          <p:nvPr>
+            <p:ph type="sldImg"/>
+          </p:nvPr>
+        </p:nvSpPr>
+        <p:spPr/>
+      </p:sp>
+      <p:sp>
+        <p:nvSpPr>
+          <p:cNvPr id="3" name="備忘稿版面配置區 2"/>
+          <p:cNvSpPr>
+            <a:spLocks noGrp="1"/>
+          </p:cNvSpPr>
+          <p:nvPr>
+            <p:ph type="body" idx="1"/>
+          </p:nvPr>
+        </p:nvSpPr>
+        <p:spPr/>
+        <p:txBody>
+          <a:bodyPr/>
+          <a:lstStyle/>
+          <a:p>
+            <a:endParaRPr lang="zh-TW" altLang="en-US" dirty="0"/>
+          </a:p>
+        </p:txBody>
+      </p:sp>
+      <p:sp>
+        <p:nvSpPr>
+          <p:cNvPr id="4" name="投影片編號版面配置區 3"/>
+          <p:cNvSpPr>
+            <a:spLocks noGrp="1"/>
+          </p:cNvSpPr>
+          <p:nvPr>
+            <p:ph type="sldNum" sz="quarter" idx="5"/>
+          </p:nvPr>
+        </p:nvSpPr>
+        <p:spPr/>
+        <p:txBody>
+          <a:bodyPr/>
+          <a:lstStyle/>
+          <a:p>
+            <a:fld id="{9D457EAB-1485-47AD-BEAD-484FAEBF5A54}" type="slidenum">
+              <a:rPr lang="en-US" smtClean="0"/>
+              <a:t>15</a:t>
+            </a:fld>
+            <a:endParaRPr lang="en-US"/>
+          </a:p>
+        </p:txBody>
+      </p:sp>
+    </p:spTree>
+    <p:extLst>
+      <p:ext uri="{BB962C8B-B14F-4D97-AF65-F5344CB8AC3E}">
+        <p14:creationId xmlns:p14="http://schemas.microsoft.com/office/powerpoint/2010/main" val="4021933917"/>
+      </p:ext>
+    </p:extLst>
+  </p:cSld>
+  <p:clrMapOvr>
+    <a:masterClrMapping/>
+  </p:clrMapOvr>
+</p:notes>
+</file>
+
+<file path=ppt/notesSlides/notesSlide14.xml><?xml version="1.0" encoding="utf-8"?>
+<p:notes xmlns:a="http://schemas.openxmlformats.org/drawingml/2006/main" xmlns:r="http://schemas.openxmlformats.org/officeDocument/2006/relationships" xmlns:p="http://schemas.openxmlformats.org/presentationml/2006/main">
+  <p:cSld>
+    <p:spTree>
+      <p:nvGrpSpPr>
+        <p:cNvPr id="1" name=""/>
+        <p:cNvGrpSpPr/>
+        <p:nvPr/>
+      </p:nvGrpSpPr>
+      <p:grpSpPr>
+        <a:xfrm>
+          <a:off x="0" y="0"/>
+          <a:ext cx="0" cy="0"/>
+          <a:chOff x="0" y="0"/>
+          <a:chExt cx="0" cy="0"/>
+        </a:xfrm>
+      </p:grpSpPr>
+      <p:sp>
+        <p:nvSpPr>
+          <p:cNvPr id="2" name="投影片影像版面配置區 1"/>
+          <p:cNvSpPr>
+            <a:spLocks noGrp="1" noRot="1" noChangeAspect="1"/>
+          </p:cNvSpPr>
+          <p:nvPr>
+            <p:ph type="sldImg"/>
+          </p:nvPr>
+        </p:nvSpPr>
+        <p:spPr/>
+      </p:sp>
+      <p:sp>
+        <p:nvSpPr>
+          <p:cNvPr id="3" name="備忘稿版面配置區 2"/>
+          <p:cNvSpPr>
+            <a:spLocks noGrp="1"/>
+          </p:cNvSpPr>
+          <p:nvPr>
+            <p:ph type="body" idx="1"/>
+          </p:nvPr>
+        </p:nvSpPr>
+        <p:spPr/>
+        <p:txBody>
+          <a:bodyPr/>
+          <a:lstStyle/>
+          <a:p>
+            <a:endParaRPr lang="zh-TW" altLang="en-US" dirty="0"/>
+          </a:p>
+        </p:txBody>
+      </p:sp>
+      <p:sp>
+        <p:nvSpPr>
+          <p:cNvPr id="4" name="投影片編號版面配置區 3"/>
+          <p:cNvSpPr>
+            <a:spLocks noGrp="1"/>
+          </p:cNvSpPr>
+          <p:nvPr>
+            <p:ph type="sldNum" sz="quarter" idx="5"/>
+          </p:nvPr>
+        </p:nvSpPr>
+        <p:spPr/>
+        <p:txBody>
+          <a:bodyPr/>
+          <a:lstStyle/>
+          <a:p>
+            <a:fld id="{9D457EAB-1485-47AD-BEAD-484FAEBF5A54}" type="slidenum">
+              <a:rPr lang="en-US" smtClean="0"/>
+              <a:t>16</a:t>
+            </a:fld>
+            <a:endParaRPr lang="en-US"/>
+          </a:p>
+        </p:txBody>
+      </p:sp>
+    </p:spTree>
+    <p:extLst>
+      <p:ext uri="{BB962C8B-B14F-4D97-AF65-F5344CB8AC3E}">
+        <p14:creationId xmlns:p14="http://schemas.microsoft.com/office/powerpoint/2010/main" val="90596409"/>
+      </p:ext>
+    </p:extLst>
+  </p:cSld>
+  <p:clrMapOvr>
+    <a:masterClrMapping/>
+  </p:clrMapOvr>
+</p:notes>
+</file>
+
+<file path=ppt/notesSlides/notesSlide15.xml><?xml version="1.0" encoding="utf-8"?>
+<p:notes xmlns:a="http://schemas.openxmlformats.org/drawingml/2006/main" xmlns:r="http://schemas.openxmlformats.org/officeDocument/2006/relationships" xmlns:p="http://schemas.openxmlformats.org/presentationml/2006/main">
+  <p:cSld>
+    <p:spTree>
+      <p:nvGrpSpPr>
+        <p:cNvPr id="1" name=""/>
+        <p:cNvGrpSpPr/>
+        <p:nvPr/>
+      </p:nvGrpSpPr>
+      <p:grpSpPr>
+        <a:xfrm>
+          <a:off x="0" y="0"/>
+          <a:ext cx="0" cy="0"/>
+          <a:chOff x="0" y="0"/>
+          <a:chExt cx="0" cy="0"/>
+        </a:xfrm>
+      </p:grpSpPr>
+      <p:sp>
+        <p:nvSpPr>
+          <p:cNvPr id="2" name="投影片影像版面配置區 1"/>
+          <p:cNvSpPr>
+            <a:spLocks noGrp="1" noRot="1" noChangeAspect="1"/>
+          </p:cNvSpPr>
+          <p:nvPr>
+            <p:ph type="sldImg"/>
+          </p:nvPr>
+        </p:nvSpPr>
+        <p:spPr/>
+      </p:sp>
+      <p:sp>
+        <p:nvSpPr>
+          <p:cNvPr id="3" name="備忘稿版面配置區 2"/>
+          <p:cNvSpPr>
+            <a:spLocks noGrp="1"/>
+          </p:cNvSpPr>
+          <p:nvPr>
+            <p:ph type="body" idx="1"/>
+          </p:nvPr>
+        </p:nvSpPr>
+        <p:spPr/>
+        <p:txBody>
+          <a:bodyPr/>
+          <a:lstStyle/>
+          <a:p>
+            <a:r>
+              <a:rPr lang="zh-TW" altLang="en-US" dirty="0"/>
+              <a:t>在生成</a:t>
+            </a:r>
+            <a:r>
+              <a:rPr lang="en-US" altLang="zh-TW" dirty="0"/>
+              <a:t>fill solution</a:t>
+            </a:r>
+            <a:r>
+              <a:rPr lang="zh-TW" altLang="en-US" dirty="0"/>
+              <a:t>後，會進行圖像生成以及密度的計算。圖像會先進行</a:t>
+            </a:r>
+            <a:r>
+              <a:rPr lang="en-US" altLang="zh-TW" dirty="0"/>
+              <a:t>feature extraction</a:t>
+            </a:r>
+            <a:r>
+              <a:rPr lang="zh-TW" altLang="en-US" dirty="0"/>
+              <a:t>，並且將這些特徵與</a:t>
+            </a:r>
+            <a:r>
+              <a:rPr lang="en-US" altLang="zh-TW" dirty="0"/>
+              <a:t>density</a:t>
+            </a:r>
+            <a:r>
+              <a:rPr lang="zh-TW" altLang="en-US" dirty="0"/>
+              <a:t>一起丟到</a:t>
+            </a:r>
+            <a:r>
+              <a:rPr lang="en-US" altLang="zh-TW" dirty="0"/>
+              <a:t>regression network</a:t>
+            </a:r>
+            <a:r>
+              <a:rPr lang="zh-TW" altLang="en-US" dirty="0"/>
+              <a:t>來進行填充高度的預測。 之後會用剛剛的</a:t>
+            </a:r>
+            <a:r>
+              <a:rPr lang="en-US" altLang="zh-TW" dirty="0"/>
+              <a:t>fitness score</a:t>
+            </a:r>
+            <a:r>
+              <a:rPr lang="zh-TW" altLang="en-US" dirty="0"/>
+              <a:t>來計算適應度分數。</a:t>
+            </a:r>
+            <a:endParaRPr lang="en-US" altLang="zh-TW" dirty="0"/>
+          </a:p>
+          <a:p>
+            <a:endParaRPr lang="zh-TW" altLang="en-US" dirty="0"/>
+          </a:p>
+        </p:txBody>
+      </p:sp>
+      <p:sp>
+        <p:nvSpPr>
+          <p:cNvPr id="4" name="投影片編號版面配置區 3"/>
+          <p:cNvSpPr>
+            <a:spLocks noGrp="1"/>
+          </p:cNvSpPr>
+          <p:nvPr>
+            <p:ph type="sldNum" sz="quarter" idx="5"/>
+          </p:nvPr>
+        </p:nvSpPr>
+        <p:spPr/>
+        <p:txBody>
+          <a:bodyPr/>
+          <a:lstStyle/>
+          <a:p>
+            <a:fld id="{9D457EAB-1485-47AD-BEAD-484FAEBF5A54}" type="slidenum">
+              <a:rPr lang="en-US" smtClean="0"/>
+              <a:t>17</a:t>
+            </a:fld>
+            <a:endParaRPr lang="en-US"/>
+          </a:p>
+        </p:txBody>
+      </p:sp>
+    </p:spTree>
+    <p:extLst>
+      <p:ext uri="{BB962C8B-B14F-4D97-AF65-F5344CB8AC3E}">
+        <p14:creationId xmlns:p14="http://schemas.microsoft.com/office/powerpoint/2010/main" val="3859843752"/>
+      </p:ext>
+    </p:extLst>
+  </p:cSld>
+  <p:clrMapOvr>
+    <a:masterClrMapping/>
+  </p:clrMapOvr>
+</p:notes>
+</file>
+
+<file path=ppt/notesSlides/notesSlide16.xml><?xml version="1.0" encoding="utf-8"?>
+<p:notes xmlns:a="http://schemas.openxmlformats.org/drawingml/2006/main" xmlns:r="http://schemas.openxmlformats.org/officeDocument/2006/relationships" xmlns:p="http://schemas.openxmlformats.org/presentationml/2006/main">
+  <p:cSld>
+    <p:spTree>
+      <p:nvGrpSpPr>
+        <p:cNvPr id="1" name=""/>
+        <p:cNvGrpSpPr/>
+        <p:nvPr/>
+      </p:nvGrpSpPr>
+      <p:grpSpPr>
+        <a:xfrm>
+          <a:off x="0" y="0"/>
+          <a:ext cx="0" cy="0"/>
+          <a:chOff x="0" y="0"/>
+          <a:chExt cx="0" cy="0"/>
+        </a:xfrm>
+      </p:grpSpPr>
+      <p:sp>
+        <p:nvSpPr>
+          <p:cNvPr id="2" name="投影片影像版面配置區 1"/>
+          <p:cNvSpPr>
+            <a:spLocks noGrp="1" noRot="1" noChangeAspect="1"/>
+          </p:cNvSpPr>
+          <p:nvPr>
+            <p:ph type="sldImg"/>
+          </p:nvPr>
+        </p:nvSpPr>
+        <p:spPr/>
+      </p:sp>
+      <p:sp>
+        <p:nvSpPr>
+          <p:cNvPr id="3" name="備忘稿版面配置區 2"/>
+          <p:cNvSpPr>
+            <a:spLocks noGrp="1"/>
+          </p:cNvSpPr>
+          <p:nvPr>
+            <p:ph type="body" idx="1"/>
+          </p:nvPr>
+        </p:nvSpPr>
+        <p:spPr/>
+        <p:txBody>
+          <a:bodyPr/>
+          <a:lstStyle/>
+          <a:p>
+            <a:r>
+              <a:rPr lang="en-US" altLang="zh-TW" dirty="0" err="1"/>
+              <a:t>OpenGA</a:t>
+            </a:r>
+            <a:r>
+              <a:rPr lang="en-US" altLang="zh-TW" dirty="0"/>
+              <a:t>: open source genetic algorithm library</a:t>
+            </a:r>
+            <a:endParaRPr lang="zh-TW" altLang="en-US" dirty="0"/>
+          </a:p>
+        </p:txBody>
+      </p:sp>
+      <p:sp>
+        <p:nvSpPr>
+          <p:cNvPr id="4" name="投影片編號版面配置區 3"/>
+          <p:cNvSpPr>
+            <a:spLocks noGrp="1"/>
+          </p:cNvSpPr>
+          <p:nvPr>
+            <p:ph type="sldNum" sz="quarter" idx="5"/>
+          </p:nvPr>
+        </p:nvSpPr>
+        <p:spPr/>
+        <p:txBody>
+          <a:bodyPr/>
+          <a:lstStyle/>
+          <a:p>
+            <a:fld id="{9D457EAB-1485-47AD-BEAD-484FAEBF5A54}" type="slidenum">
+              <a:rPr lang="en-US" smtClean="0"/>
+              <a:t>18</a:t>
+            </a:fld>
+            <a:endParaRPr lang="en-US"/>
+          </a:p>
+        </p:txBody>
+      </p:sp>
+    </p:spTree>
+    <p:extLst>
+      <p:ext uri="{BB962C8B-B14F-4D97-AF65-F5344CB8AC3E}">
+        <p14:creationId xmlns:p14="http://schemas.microsoft.com/office/powerpoint/2010/main" val="4167624664"/>
+      </p:ext>
+    </p:extLst>
+  </p:cSld>
+  <p:clrMapOvr>
+    <a:masterClrMapping/>
+  </p:clrMapOvr>
+</p:notes>
+</file>
+
 <file path=ppt/notesSlides/notesSlide2.xml><?xml version="1.0" encoding="utf-8"?>
 <p:notes xmlns:a="http://schemas.openxmlformats.org/drawingml/2006/main" xmlns:r="http://schemas.openxmlformats.org/officeDocument/2006/relationships" xmlns:p="http://schemas.openxmlformats.org/presentationml/2006/main">
   <p:cSld>
@@ -2585,22 +3236,7 @@
           <a:bodyPr/>
           <a:lstStyle/>
           <a:p>
-            <a:r>
-              <a:rPr lang="en-US" altLang="zh-TW" dirty="0"/>
-              <a:t>* </a:t>
-            </a:r>
-            <a:r>
-              <a:rPr lang="zh-TW" altLang="en-US" dirty="0"/>
-              <a:t>這樣就有符合</a:t>
-            </a:r>
-            <a:r>
-              <a:rPr lang="en-US" altLang="zh-TW" dirty="0"/>
-              <a:t>minimum spacing</a:t>
-            </a:r>
-            <a:r>
-              <a:rPr lang="zh-TW" altLang="en-US" dirty="0"/>
-              <a:t>的要求了</a:t>
-            </a:r>
+            <a:endParaRPr lang="zh-TW" altLang="en-US" dirty="0"/>
           </a:p>
         </p:txBody>
       </p:sp>
@@ -2631,6 +3267,90 @@
     <p:extLst>
       <p:ext uri="{BB962C8B-B14F-4D97-AF65-F5344CB8AC3E}">
         <p14:creationId xmlns:p14="http://schemas.microsoft.com/office/powerpoint/2010/main" val="279027497"/>
+      </p:ext>
+    </p:extLst>
+  </p:cSld>
+  <p:clrMapOvr>
+    <a:masterClrMapping/>
+  </p:clrMapOvr>
+</p:notes>
+</file>
+
+<file path=ppt/notesSlides/notesSlide9.xml><?xml version="1.0" encoding="utf-8"?>
+<p:notes xmlns:a="http://schemas.openxmlformats.org/drawingml/2006/main" xmlns:r="http://schemas.openxmlformats.org/officeDocument/2006/relationships" xmlns:p="http://schemas.openxmlformats.org/presentationml/2006/main">
+  <p:cSld>
+    <p:spTree>
+      <p:nvGrpSpPr>
+        <p:cNvPr id="1" name=""/>
+        <p:cNvGrpSpPr/>
+        <p:nvPr/>
+      </p:nvGrpSpPr>
+      <p:grpSpPr>
+        <a:xfrm>
+          <a:off x="0" y="0"/>
+          <a:ext cx="0" cy="0"/>
+          <a:chOff x="0" y="0"/>
+          <a:chExt cx="0" cy="0"/>
+        </a:xfrm>
+      </p:grpSpPr>
+      <p:sp>
+        <p:nvSpPr>
+          <p:cNvPr id="2" name="投影片影像版面配置區 1"/>
+          <p:cNvSpPr>
+            <a:spLocks noGrp="1" noRot="1" noChangeAspect="1"/>
+          </p:cNvSpPr>
+          <p:nvPr>
+            <p:ph type="sldImg"/>
+          </p:nvPr>
+        </p:nvSpPr>
+        <p:spPr/>
+      </p:sp>
+      <p:sp>
+        <p:nvSpPr>
+          <p:cNvPr id="3" name="備忘稿版面配置區 2"/>
+          <p:cNvSpPr>
+            <a:spLocks noGrp="1"/>
+          </p:cNvSpPr>
+          <p:nvPr>
+            <p:ph type="body" idx="1"/>
+          </p:nvPr>
+        </p:nvSpPr>
+        <p:spPr/>
+        <p:txBody>
+          <a:bodyPr/>
+          <a:lstStyle/>
+          <a:p>
+            <a:endParaRPr lang="zh-TW" altLang="en-US" dirty="0"/>
+          </a:p>
+        </p:txBody>
+      </p:sp>
+      <p:sp>
+        <p:nvSpPr>
+          <p:cNvPr id="4" name="投影片編號版面配置區 3"/>
+          <p:cNvSpPr>
+            <a:spLocks noGrp="1"/>
+          </p:cNvSpPr>
+          <p:nvPr>
+            <p:ph type="sldNum" sz="quarter" idx="5"/>
+          </p:nvPr>
+        </p:nvSpPr>
+        <p:spPr/>
+        <p:txBody>
+          <a:bodyPr/>
+          <a:lstStyle/>
+          <a:p>
+            <a:fld id="{9D457EAB-1485-47AD-BEAD-484FAEBF5A54}" type="slidenum">
+              <a:rPr lang="en-US" smtClean="0"/>
+              <a:t>11</a:t>
+            </a:fld>
+            <a:endParaRPr lang="en-US"/>
+          </a:p>
+        </p:txBody>
+      </p:sp>
+    </p:spTree>
+    <p:extLst>
+      <p:ext uri="{BB962C8B-B14F-4D97-AF65-F5344CB8AC3E}">
+        <p14:creationId xmlns:p14="http://schemas.microsoft.com/office/powerpoint/2010/main" val="3335668254"/>
       </p:ext>
     </p:extLst>
   </p:cSld>
@@ -2787,7 +3507,7 @@
           <a:p>
             <a:fld id="{99BA7BAB-F69F-4C21-8D40-7AA273A2D01F}" type="datetime1">
               <a:rPr lang="en-US" smtClean="0"/>
-              <a:t>1/16/2024</a:t>
+              <a:t>1/17/2024</a:t>
             </a:fld>
             <a:endParaRPr lang="en-US"/>
           </a:p>
@@ -2992,7 +3712,7 @@
           <a:p>
             <a:fld id="{FB00A8EC-4678-43EE-BE64-F312B7F1A46F}" type="datetime1">
               <a:rPr lang="en-US" smtClean="0"/>
-              <a:t>1/16/2024</a:t>
+              <a:t>1/17/2024</a:t>
             </a:fld>
             <a:endParaRPr lang="en-US"/>
           </a:p>
@@ -3200,7 +3920,7 @@
           <a:p>
             <a:fld id="{9487F23D-EA8F-4C56-9373-23F6109AD11F}" type="datetime1">
               <a:rPr lang="en-US" smtClean="0"/>
-              <a:t>1/16/2024</a:t>
+              <a:t>1/17/2024</a:t>
             </a:fld>
             <a:endParaRPr lang="en-US"/>
           </a:p>
@@ -3398,7 +4118,7 @@
           <a:p>
             <a:fld id="{A34E716E-0239-4A81-9CF4-D3B9651721CF}" type="datetime1">
               <a:rPr lang="en-US" smtClean="0"/>
-              <a:t>1/16/2024</a:t>
+              <a:t>1/17/2024</a:t>
             </a:fld>
             <a:endParaRPr lang="en-US"/>
           </a:p>
@@ -3680,7 +4400,7 @@
           <a:p>
             <a:fld id="{CC112E56-3D97-4B86-935C-1C493DD86A08}" type="datetime1">
               <a:rPr lang="en-US" smtClean="0"/>
-              <a:t>1/16/2024</a:t>
+              <a:t>1/17/2024</a:t>
             </a:fld>
             <a:endParaRPr lang="en-US"/>
           </a:p>
@@ -3945,7 +4665,7 @@
           <a:p>
             <a:fld id="{40649135-BABF-4F63-9AF8-3CEC545E47DC}" type="datetime1">
               <a:rPr lang="en-US" smtClean="0"/>
-              <a:t>1/16/2024</a:t>
+              <a:t>1/17/2024</a:t>
             </a:fld>
             <a:endParaRPr lang="en-US"/>
           </a:p>
@@ -4357,7 +5077,7 @@
           <a:p>
             <a:fld id="{B16EBC02-C9C0-442D-A8A6-494057203542}" type="datetime1">
               <a:rPr lang="en-US" smtClean="0"/>
-              <a:t>1/16/2024</a:t>
+              <a:t>1/17/2024</a:t>
             </a:fld>
             <a:endParaRPr lang="en-US"/>
           </a:p>
@@ -4498,7 +5218,7 @@
           <a:p>
             <a:fld id="{A126C4B4-559D-414E-BC9C-16A745BBF3C3}" type="datetime1">
               <a:rPr lang="en-US" smtClean="0"/>
-              <a:t>1/16/2024</a:t>
+              <a:t>1/17/2024</a:t>
             </a:fld>
             <a:endParaRPr lang="en-US"/>
           </a:p>
@@ -4611,7 +5331,7 @@
           <a:p>
             <a:fld id="{0D49D49E-73A5-4C03-BFEA-3D845EB044D8}" type="datetime1">
               <a:rPr lang="en-US" smtClean="0"/>
-              <a:t>1/16/2024</a:t>
+              <a:t>1/17/2024</a:t>
             </a:fld>
             <a:endParaRPr lang="en-US"/>
           </a:p>
@@ -4922,7 +5642,7 @@
           <a:p>
             <a:fld id="{4A0F93E6-3134-410C-B573-A5F6B38FC346}" type="datetime1">
               <a:rPr lang="en-US" smtClean="0"/>
-              <a:t>1/16/2024</a:t>
+              <a:t>1/17/2024</a:t>
             </a:fld>
             <a:endParaRPr lang="en-US"/>
           </a:p>
@@ -5210,7 +5930,7 @@
           <a:p>
             <a:fld id="{F766E70F-5320-45A5-BE33-1819A93C2AF4}" type="datetime1">
               <a:rPr lang="en-US" smtClean="0"/>
-              <a:t>1/16/2024</a:t>
+              <a:t>1/17/2024</a:t>
             </a:fld>
             <a:endParaRPr lang="en-US"/>
           </a:p>
@@ -5451,7 +6171,7 @@
           <a:p>
             <a:fld id="{A706458B-0289-40FF-A02D-2C541B7F1CB6}" type="datetime1">
               <a:rPr lang="en-US" smtClean="0"/>
-              <a:t>1/16/2024</a:t>
+              <a:t>1/17/2024</a:t>
             </a:fld>
             <a:endParaRPr lang="en-US"/>
           </a:p>
@@ -6102,8 +6822,8 @@
           </a:p>
         </p:txBody>
       </p:sp>
-      <mc:AlternateContent xmlns:mc="http://schemas.openxmlformats.org/markup-compatibility/2006">
-        <mc:Choice xmlns:a14="http://schemas.microsoft.com/office/drawing/2010/main" Requires="a14">
+      <mc:AlternateContent xmlns:mc="http://schemas.openxmlformats.org/markup-compatibility/2006" xmlns:a14="http://schemas.microsoft.com/office/drawing/2010/main">
+        <mc:Choice Requires="a14">
           <p:sp>
             <p:nvSpPr>
               <p:cNvPr id="3" name="內容版面配置區 2">
@@ -6514,7 +7234,7 @@
             </p:txBody>
           </p:sp>
         </mc:Choice>
-        <mc:Fallback>
+        <mc:Fallback xmlns="">
           <p:sp>
             <p:nvSpPr>
               <p:cNvPr id="3" name="內容版面配置區 2">
@@ -6686,8 +7406,8 @@
         </p:nvSpPr>
         <p:spPr>
           <a:xfrm>
-            <a:off x="838200" y="1825625"/>
-            <a:ext cx="11353800" cy="4351338"/>
+            <a:off x="838199" y="1825625"/>
+            <a:ext cx="11823551" cy="4351338"/>
           </a:xfrm>
         </p:spPr>
         <p:txBody>
@@ -6725,15 +7445,7 @@
                 <a:ea typeface="標楷體" panose="03000509000000000000" pitchFamily="65" charset="-120"/>
                 <a:cs typeface="Times" panose="02020603050405020304" pitchFamily="18" charset="0"/>
               </a:rPr>
-              <a:t> </a:t>
-            </a:r>
-            <a:r>
-              <a:rPr lang="en-US" altLang="zh-TW" sz="2200">
-                <a:latin typeface="Times" panose="02020603050405020304" pitchFamily="18" charset="0"/>
-                <a:ea typeface="標楷體" panose="03000509000000000000" pitchFamily="65" charset="-120"/>
-                <a:cs typeface="Times" panose="02020603050405020304" pitchFamily="18" charset="0"/>
-              </a:rPr>
-              <a:t>Fill Insertion</a:t>
+              <a:t> Fill Insertion</a:t>
             </a:r>
           </a:p>
           <a:p>
@@ -6742,7 +7454,85 @@
                 <a:spcPct val="150000"/>
               </a:lnSpc>
             </a:pPr>
-            <a:endParaRPr lang="en-US" altLang="zh-TW" sz="1800" dirty="0">
+            <a:r>
+              <a:rPr lang="en-US" altLang="zh-TW" sz="2000" dirty="0">
+                <a:latin typeface="Times" panose="02020603050405020304" pitchFamily="18" charset="0"/>
+                <a:ea typeface="標楷體" panose="03000509000000000000" pitchFamily="65" charset="-120"/>
+                <a:cs typeface="Times" panose="02020603050405020304" pitchFamily="18" charset="0"/>
+              </a:rPr>
+              <a:t>View the entire metal fill process as a unified entity.</a:t>
+            </a:r>
+          </a:p>
+          <a:p>
+            <a:pPr lvl="1">
+              <a:lnSpc>
+                <a:spcPct val="150000"/>
+              </a:lnSpc>
+            </a:pPr>
+            <a:r>
+              <a:rPr lang="en-US" altLang="zh-TW" sz="2000" dirty="0">
+                <a:latin typeface="Times" panose="02020603050405020304" pitchFamily="18" charset="0"/>
+                <a:ea typeface="標楷體" panose="03000509000000000000" pitchFamily="65" charset="-120"/>
+                <a:cs typeface="Times" panose="02020603050405020304" pitchFamily="18" charset="0"/>
+              </a:rPr>
+              <a:t>Integrate MOGA with </a:t>
+            </a:r>
+            <a:r>
+              <a:rPr lang="en-US" altLang="zh-TW" sz="2000" dirty="0" err="1">
+                <a:latin typeface="Times" panose="02020603050405020304" pitchFamily="18" charset="0"/>
+                <a:ea typeface="標楷體" panose="03000509000000000000" pitchFamily="65" charset="-120"/>
+                <a:cs typeface="Times" panose="02020603050405020304" pitchFamily="18" charset="0"/>
+              </a:rPr>
+              <a:t>CmpCNN</a:t>
+            </a:r>
+            <a:r>
+              <a:rPr lang="en-US" altLang="zh-TW" sz="2000" dirty="0">
+                <a:latin typeface="Times" panose="02020603050405020304" pitchFamily="18" charset="0"/>
+                <a:ea typeface="標楷體" panose="03000509000000000000" pitchFamily="65" charset="-120"/>
+                <a:cs typeface="Times" panose="02020603050405020304" pitchFamily="18" charset="0"/>
+              </a:rPr>
+              <a:t> model to optimize </a:t>
+            </a:r>
+            <a:r>
+              <a:rPr lang="en-US" altLang="zh-TW" sz="2000" i="1" dirty="0">
+                <a:latin typeface="Times" panose="02020603050405020304" pitchFamily="18" charset="0"/>
+                <a:ea typeface="標楷體" panose="03000509000000000000" pitchFamily="65" charset="-120"/>
+                <a:cs typeface="Times" panose="02020603050405020304" pitchFamily="18" charset="0"/>
+              </a:rPr>
+              <a:t>fill width, fill length, </a:t>
+            </a:r>
+            <a:r>
+              <a:rPr lang="en-US" altLang="zh-TW" sz="2000" dirty="0">
+                <a:latin typeface="Times" panose="02020603050405020304" pitchFamily="18" charset="0"/>
+                <a:ea typeface="標楷體" panose="03000509000000000000" pitchFamily="65" charset="-120"/>
+                <a:cs typeface="Times" panose="02020603050405020304" pitchFamily="18" charset="0"/>
+              </a:rPr>
+              <a:t>and </a:t>
+            </a:r>
+            <a:r>
+              <a:rPr lang="en-US" altLang="zh-TW" sz="2000" i="1" dirty="0">
+                <a:latin typeface="Times" panose="02020603050405020304" pitchFamily="18" charset="0"/>
+                <a:ea typeface="標楷體" panose="03000509000000000000" pitchFamily="65" charset="-120"/>
+                <a:cs typeface="Times" panose="02020603050405020304" pitchFamily="18" charset="0"/>
+              </a:rPr>
+              <a:t>fill space </a:t>
+            </a:r>
+            <a:r>
+              <a:rPr lang="en-US" altLang="zh-TW" sz="2000" dirty="0">
+                <a:latin typeface="Times" panose="02020603050405020304" pitchFamily="18" charset="0"/>
+                <a:ea typeface="標楷體" panose="03000509000000000000" pitchFamily="65" charset="-120"/>
+                <a:cs typeface="Times" panose="02020603050405020304" pitchFamily="18" charset="0"/>
+              </a:rPr>
+              <a:t>in 2 directions.</a:t>
+            </a:r>
+          </a:p>
+          <a:p>
+            <a:pPr lvl="1">
+              <a:lnSpc>
+                <a:spcPct val="150000"/>
+              </a:lnSpc>
+            </a:pPr>
+            <a:endParaRPr lang="en-US" altLang="zh-TW" sz="2000" dirty="0">
               <a:latin typeface="Times" panose="02020603050405020304" pitchFamily="18" charset="0"/>
               <a:ea typeface="標楷體" panose="03000509000000000000" pitchFamily="65" charset="-120"/>
               <a:cs typeface="Times" panose="02020603050405020304" pitchFamily="18" charset="0"/>
@@ -6811,10 +7601,184 @@
       </p:grpSpPr>
       <p:sp>
         <p:nvSpPr>
-          <p:cNvPr id="4" name="Slide Number Placeholder 3">
+          <p:cNvPr id="2" name="標題 1">
             <a:extLst>
               <a:ext uri="{FF2B5EF4-FFF2-40B4-BE49-F238E27FC236}">
-                <a16:creationId xmlns:a16="http://schemas.microsoft.com/office/drawing/2014/main" id="{DB47E6D4-11C1-7FA3-40FD-EC8CC1AC8613}"/>
+                <a16:creationId xmlns:a16="http://schemas.microsoft.com/office/drawing/2014/main" id="{F49B282A-FF7E-D28E-E7C9-7C9011B3A142}"/>
+              </a:ext>
+            </a:extLst>
+          </p:cNvPr>
+          <p:cNvSpPr>
+            <a:spLocks noGrp="1"/>
+          </p:cNvSpPr>
+          <p:nvPr>
+            <p:ph type="title"/>
+          </p:nvPr>
+        </p:nvSpPr>
+        <p:spPr/>
+        <p:txBody>
+          <a:bodyPr>
+            <a:normAutofit/>
+          </a:bodyPr>
+          <a:lstStyle/>
+          <a:p>
+            <a:r>
+              <a:rPr lang="en-US" altLang="zh-TW" sz="4000" dirty="0">
+                <a:latin typeface="Times" panose="02020603050405020304" pitchFamily="18" charset="0"/>
+                <a:cs typeface="Times" panose="02020603050405020304" pitchFamily="18" charset="0"/>
+              </a:rPr>
+              <a:t>MOGA-</a:t>
+            </a:r>
+            <a:r>
+              <a:rPr lang="en-US" altLang="zh-TW" sz="4000" dirty="0" err="1">
+                <a:latin typeface="Times" panose="02020603050405020304" pitchFamily="18" charset="0"/>
+                <a:cs typeface="Times" panose="02020603050405020304" pitchFamily="18" charset="0"/>
+              </a:rPr>
+              <a:t>CmpCNN</a:t>
+            </a:r>
+            <a:r>
+              <a:rPr lang="en-US" altLang="zh-TW" sz="4000" dirty="0">
+                <a:latin typeface="Times" panose="02020603050405020304" pitchFamily="18" charset="0"/>
+                <a:cs typeface="Times" panose="02020603050405020304" pitchFamily="18" charset="0"/>
+              </a:rPr>
+              <a:t> Framework</a:t>
+            </a:r>
+            <a:endParaRPr lang="zh-TW" altLang="en-US" sz="4000" dirty="0">
+              <a:latin typeface="Times" panose="02020603050405020304" pitchFamily="18" charset="0"/>
+              <a:cs typeface="Times" panose="02020603050405020304" pitchFamily="18" charset="0"/>
+            </a:endParaRPr>
+          </a:p>
+        </p:txBody>
+      </p:sp>
+      <p:sp>
+        <p:nvSpPr>
+          <p:cNvPr id="3" name="內容版面配置區 2">
+            <a:extLst>
+              <a:ext uri="{FF2B5EF4-FFF2-40B4-BE49-F238E27FC236}">
+                <a16:creationId xmlns:a16="http://schemas.microsoft.com/office/drawing/2014/main" id="{6532586F-2B33-9C61-58DC-9046125E1570}"/>
+              </a:ext>
+            </a:extLst>
+          </p:cNvPr>
+          <p:cNvSpPr>
+            <a:spLocks noGrp="1"/>
+          </p:cNvSpPr>
+          <p:nvPr>
+            <p:ph idx="1"/>
+          </p:nvPr>
+        </p:nvSpPr>
+        <p:spPr>
+          <a:xfrm>
+            <a:off x="838199" y="1825625"/>
+            <a:ext cx="11823551" cy="4351338"/>
+          </a:xfrm>
+        </p:spPr>
+        <p:txBody>
+          <a:bodyPr>
+            <a:normAutofit/>
+          </a:bodyPr>
+          <a:lstStyle/>
+          <a:p>
+            <a:pPr marL="457200" indent="-457200">
+              <a:lnSpc>
+                <a:spcPct val="150000"/>
+              </a:lnSpc>
+              <a:buFont typeface="+mj-lt"/>
+              <a:buAutoNum type="arabicPeriod" startAt="3"/>
+            </a:pPr>
+            <a:r>
+              <a:rPr lang="en-US" altLang="zh-TW" sz="2200" dirty="0">
+                <a:latin typeface="Times" panose="02020603050405020304" pitchFamily="18" charset="0"/>
+                <a:ea typeface="標楷體" panose="03000509000000000000" pitchFamily="65" charset="-120"/>
+                <a:cs typeface="Times" panose="02020603050405020304" pitchFamily="18" charset="0"/>
+              </a:rPr>
+              <a:t>MOGA-</a:t>
+            </a:r>
+            <a:r>
+              <a:rPr lang="en-US" altLang="zh-TW" sz="2200" dirty="0" err="1">
+                <a:latin typeface="Times" panose="02020603050405020304" pitchFamily="18" charset="0"/>
+                <a:ea typeface="標楷體" panose="03000509000000000000" pitchFamily="65" charset="-120"/>
+                <a:cs typeface="Times" panose="02020603050405020304" pitchFamily="18" charset="0"/>
+              </a:rPr>
+              <a:t>CmpCNN</a:t>
+            </a:r>
+            <a:r>
+              <a:rPr lang="en-US" altLang="zh-TW" sz="2200" dirty="0">
+                <a:latin typeface="Times" panose="02020603050405020304" pitchFamily="18" charset="0"/>
+                <a:ea typeface="標楷體" panose="03000509000000000000" pitchFamily="65" charset="-120"/>
+                <a:cs typeface="Times" panose="02020603050405020304" pitchFamily="18" charset="0"/>
+              </a:rPr>
+              <a:t> Fill Insertion</a:t>
+            </a:r>
+          </a:p>
+          <a:p>
+            <a:pPr marL="457200" indent="-457200">
+              <a:lnSpc>
+                <a:spcPct val="150000"/>
+              </a:lnSpc>
+              <a:buFont typeface="+mj-lt"/>
+              <a:buAutoNum type="arabicPeriod" startAt="3"/>
+            </a:pPr>
+            <a:endParaRPr lang="en-US" altLang="zh-TW" sz="400" dirty="0">
+              <a:latin typeface="Times" panose="02020603050405020304" pitchFamily="18" charset="0"/>
+              <a:ea typeface="標楷體" panose="03000509000000000000" pitchFamily="65" charset="-120"/>
+              <a:cs typeface="Times" panose="02020603050405020304" pitchFamily="18" charset="0"/>
+            </a:endParaRPr>
+          </a:p>
+          <a:p>
+            <a:pPr marL="971550" lvl="1" indent="-514350">
+              <a:lnSpc>
+                <a:spcPct val="150000"/>
+              </a:lnSpc>
+              <a:buAutoNum type="romanLcParenBoth"/>
+            </a:pPr>
+            <a:r>
+              <a:rPr lang="en-US" altLang="zh-TW" sz="2000" dirty="0">
+                <a:latin typeface="Times" panose="02020603050405020304" pitchFamily="18" charset="0"/>
+                <a:ea typeface="標楷體" panose="03000509000000000000" pitchFamily="65" charset="-120"/>
+                <a:cs typeface="Times" panose="02020603050405020304" pitchFamily="18" charset="0"/>
+              </a:rPr>
+              <a:t>Initialization</a:t>
+            </a:r>
+          </a:p>
+          <a:p>
+            <a:pPr lvl="2">
+              <a:lnSpc>
+                <a:spcPct val="125000"/>
+              </a:lnSpc>
+            </a:pPr>
+            <a:r>
+              <a:rPr lang="en-US" altLang="zh-TW" sz="1800" dirty="0">
+                <a:latin typeface="Times" panose="02020603050405020304" pitchFamily="18" charset="0"/>
+                <a:ea typeface="標楷體" panose="03000509000000000000" pitchFamily="65" charset="-120"/>
+                <a:cs typeface="Times" panose="02020603050405020304" pitchFamily="18" charset="0"/>
+              </a:rPr>
+              <a:t>Generate an initial population of individuals, </a:t>
+            </a:r>
+          </a:p>
+          <a:p>
+            <a:pPr marL="914400" lvl="2" indent="0">
+              <a:lnSpc>
+                <a:spcPct val="125000"/>
+              </a:lnSpc>
+              <a:buNone/>
+            </a:pPr>
+            <a:r>
+              <a:rPr lang="en-US" altLang="zh-TW" sz="1800" dirty="0">
+                <a:latin typeface="Times" panose="02020603050405020304" pitchFamily="18" charset="0"/>
+                <a:ea typeface="標楷體" panose="03000509000000000000" pitchFamily="65" charset="-120"/>
+                <a:cs typeface="Times" panose="02020603050405020304" pitchFamily="18" charset="0"/>
+              </a:rPr>
+              <a:t>    each characterized by values for fill parameters.</a:t>
+            </a:r>
+          </a:p>
+        </p:txBody>
+      </p:sp>
+      <p:sp>
+        <p:nvSpPr>
+          <p:cNvPr id="4" name="投影片編號版面配置區 3">
+            <a:extLst>
+              <a:ext uri="{FF2B5EF4-FFF2-40B4-BE49-F238E27FC236}">
+                <a16:creationId xmlns:a16="http://schemas.microsoft.com/office/drawing/2014/main" id="{4F34BD4F-A1A7-2695-B9CD-0B31024175B2}"/>
               </a:ext>
             </a:extLst>
           </p:cNvPr>
@@ -6838,52 +7802,2747 @@
           </a:p>
         </p:txBody>
       </p:sp>
-      <p:sp>
-        <p:nvSpPr>
-          <p:cNvPr id="5" name="TextBox 4">
+      <p:pic>
+        <p:nvPicPr>
+          <p:cNvPr id="6" name="圖片 5">
             <a:extLst>
               <a:ext uri="{FF2B5EF4-FFF2-40B4-BE49-F238E27FC236}">
-                <a16:creationId xmlns:a16="http://schemas.microsoft.com/office/drawing/2014/main" id="{DE342AA9-4E4B-2420-9858-9BBA5A519307}"/>
+                <a16:creationId xmlns:a16="http://schemas.microsoft.com/office/drawing/2014/main" id="{B4003395-F28F-F980-8EEC-CBA4912DEDD0}"/>
               </a:ext>
             </a:extLst>
           </p:cNvPr>
-          <p:cNvSpPr txBox="1"/>
+          <p:cNvPicPr>
+            <a:picLocks noChangeAspect="1"/>
+          </p:cNvPicPr>
           <p:nvPr/>
-        </p:nvSpPr>
+        </p:nvPicPr>
+        <p:blipFill>
+          <a:blip r:embed="rId3"/>
+          <a:stretch>
+            <a:fillRect/>
+          </a:stretch>
+        </p:blipFill>
         <p:spPr>
           <a:xfrm>
-            <a:off x="2697986" y="2967335"/>
-            <a:ext cx="6936514" cy="923330"/>
+            <a:off x="6669451" y="1378475"/>
+            <a:ext cx="5433530" cy="4538232"/>
           </a:xfrm>
           <a:prstGeom prst="rect">
             <a:avLst/>
           </a:prstGeom>
-          <a:noFill/>
         </p:spPr>
-        <p:txBody>
-          <a:bodyPr wrap="none" rtlCol="0">
-            <a:spAutoFit/>
+      </p:pic>
+    </p:spTree>
+    <p:extLst>
+      <p:ext uri="{BB962C8B-B14F-4D97-AF65-F5344CB8AC3E}">
+        <p14:creationId xmlns:p14="http://schemas.microsoft.com/office/powerpoint/2010/main" val="3197657835"/>
+      </p:ext>
+    </p:extLst>
+  </p:cSld>
+  <p:clrMapOvr>
+    <a:masterClrMapping/>
+  </p:clrMapOvr>
+</p:sld>
+</file>
+
+<file path=ppt/slides/slide13.xml><?xml version="1.0" encoding="utf-8"?>
+<p:sld xmlns:a="http://schemas.openxmlformats.org/drawingml/2006/main" xmlns:r="http://schemas.openxmlformats.org/officeDocument/2006/relationships" xmlns:p="http://schemas.openxmlformats.org/presentationml/2006/main">
+  <p:cSld>
+    <p:spTree>
+      <p:nvGrpSpPr>
+        <p:cNvPr id="1" name=""/>
+        <p:cNvGrpSpPr/>
+        <p:nvPr/>
+      </p:nvGrpSpPr>
+      <p:grpSpPr>
+        <a:xfrm>
+          <a:off x="0" y="0"/>
+          <a:ext cx="0" cy="0"/>
+          <a:chOff x="0" y="0"/>
+          <a:chExt cx="0" cy="0"/>
+        </a:xfrm>
+      </p:grpSpPr>
+      <p:sp>
+        <p:nvSpPr>
+          <p:cNvPr id="2" name="標題 1">
+            <a:extLst>
+              <a:ext uri="{FF2B5EF4-FFF2-40B4-BE49-F238E27FC236}">
+                <a16:creationId xmlns:a16="http://schemas.microsoft.com/office/drawing/2014/main" id="{F49B282A-FF7E-D28E-E7C9-7C9011B3A142}"/>
+              </a:ext>
+            </a:extLst>
+          </p:cNvPr>
+          <p:cNvSpPr>
+            <a:spLocks noGrp="1"/>
+          </p:cNvSpPr>
+          <p:nvPr>
+            <p:ph type="title"/>
+          </p:nvPr>
+        </p:nvSpPr>
+        <p:spPr/>
+        <p:txBody>
+          <a:bodyPr>
+            <a:normAutofit/>
           </a:bodyPr>
           <a:lstStyle/>
           <a:p>
             <a:r>
-              <a:rPr lang="en-US" altLang="zh-TW" sz="5400" dirty="0">
+              <a:rPr lang="en-US" altLang="zh-TW" sz="4000" dirty="0">
                 <a:latin typeface="Times" panose="02020603050405020304" pitchFamily="18" charset="0"/>
                 <a:cs typeface="Times" panose="02020603050405020304" pitchFamily="18" charset="0"/>
               </a:rPr>
-              <a:t>Thank you for listening!</a:t>
-            </a:r>
-            <a:endParaRPr lang="zh-TW" altLang="en-US" sz="5400" dirty="0">
+              <a:t>MOGA-</a:t>
+            </a:r>
+            <a:r>
+              <a:rPr lang="en-US" altLang="zh-TW" sz="4000" dirty="0" err="1">
+                <a:latin typeface="Times" panose="02020603050405020304" pitchFamily="18" charset="0"/>
+                <a:cs typeface="Times" panose="02020603050405020304" pitchFamily="18" charset="0"/>
+              </a:rPr>
+              <a:t>CmpCNN</a:t>
+            </a:r>
+            <a:r>
+              <a:rPr lang="en-US" altLang="zh-TW" sz="4000" dirty="0">
+                <a:latin typeface="Times" panose="02020603050405020304" pitchFamily="18" charset="0"/>
+                <a:cs typeface="Times" panose="02020603050405020304" pitchFamily="18" charset="0"/>
+              </a:rPr>
+              <a:t> Framework</a:t>
+            </a:r>
+            <a:endParaRPr lang="zh-TW" altLang="en-US" sz="4000" dirty="0">
               <a:latin typeface="Times" panose="02020603050405020304" pitchFamily="18" charset="0"/>
               <a:cs typeface="Times" panose="02020603050405020304" pitchFamily="18" charset="0"/>
             </a:endParaRPr>
           </a:p>
         </p:txBody>
       </p:sp>
+      <p:sp>
+        <p:nvSpPr>
+          <p:cNvPr id="3" name="內容版面配置區 2">
+            <a:extLst>
+              <a:ext uri="{FF2B5EF4-FFF2-40B4-BE49-F238E27FC236}">
+                <a16:creationId xmlns:a16="http://schemas.microsoft.com/office/drawing/2014/main" id="{6532586F-2B33-9C61-58DC-9046125E1570}"/>
+              </a:ext>
+            </a:extLst>
+          </p:cNvPr>
+          <p:cNvSpPr>
+            <a:spLocks noGrp="1"/>
+          </p:cNvSpPr>
+          <p:nvPr>
+            <p:ph idx="1"/>
+          </p:nvPr>
+        </p:nvSpPr>
+        <p:spPr>
+          <a:xfrm>
+            <a:off x="838199" y="1825625"/>
+            <a:ext cx="11823551" cy="4351338"/>
+          </a:xfrm>
+        </p:spPr>
+        <p:txBody>
+          <a:bodyPr>
+            <a:normAutofit/>
+          </a:bodyPr>
+          <a:lstStyle/>
+          <a:p>
+            <a:pPr marL="457200" indent="-457200">
+              <a:lnSpc>
+                <a:spcPct val="150000"/>
+              </a:lnSpc>
+              <a:buFont typeface="+mj-lt"/>
+              <a:buAutoNum type="arabicPeriod" startAt="3"/>
+            </a:pPr>
+            <a:r>
+              <a:rPr lang="en-US" altLang="zh-TW" sz="2200" dirty="0">
+                <a:latin typeface="Times" panose="02020603050405020304" pitchFamily="18" charset="0"/>
+                <a:ea typeface="標楷體" panose="03000509000000000000" pitchFamily="65" charset="-120"/>
+                <a:cs typeface="Times" panose="02020603050405020304" pitchFamily="18" charset="0"/>
+              </a:rPr>
+              <a:t>MOGA-</a:t>
+            </a:r>
+            <a:r>
+              <a:rPr lang="en-US" altLang="zh-TW" sz="2200" dirty="0" err="1">
+                <a:latin typeface="Times" panose="02020603050405020304" pitchFamily="18" charset="0"/>
+                <a:ea typeface="標楷體" panose="03000509000000000000" pitchFamily="65" charset="-120"/>
+                <a:cs typeface="Times" panose="02020603050405020304" pitchFamily="18" charset="0"/>
+              </a:rPr>
+              <a:t>CmpCNN</a:t>
+            </a:r>
+            <a:r>
+              <a:rPr lang="en-US" altLang="zh-TW" sz="2200" dirty="0">
+                <a:latin typeface="Times" panose="02020603050405020304" pitchFamily="18" charset="0"/>
+                <a:ea typeface="標楷體" panose="03000509000000000000" pitchFamily="65" charset="-120"/>
+                <a:cs typeface="Times" panose="02020603050405020304" pitchFamily="18" charset="0"/>
+              </a:rPr>
+              <a:t> Fill Insertion</a:t>
+            </a:r>
+          </a:p>
+          <a:p>
+            <a:pPr marL="457200" indent="-457200">
+              <a:lnSpc>
+                <a:spcPct val="150000"/>
+              </a:lnSpc>
+              <a:buFont typeface="+mj-lt"/>
+              <a:buAutoNum type="arabicPeriod" startAt="3"/>
+            </a:pPr>
+            <a:endParaRPr lang="en-US" altLang="zh-TW" sz="400" dirty="0">
+              <a:latin typeface="Times" panose="02020603050405020304" pitchFamily="18" charset="0"/>
+              <a:ea typeface="標楷體" panose="03000509000000000000" pitchFamily="65" charset="-120"/>
+              <a:cs typeface="Times" panose="02020603050405020304" pitchFamily="18" charset="0"/>
+            </a:endParaRPr>
+          </a:p>
+          <a:p>
+            <a:pPr marL="457200" lvl="1" indent="0">
+              <a:lnSpc>
+                <a:spcPct val="150000"/>
+              </a:lnSpc>
+              <a:buNone/>
+            </a:pPr>
+            <a:r>
+              <a:rPr lang="en-US" altLang="zh-TW" sz="2000" dirty="0">
+                <a:latin typeface="Times" panose="02020603050405020304" pitchFamily="18" charset="0"/>
+                <a:ea typeface="標楷體" panose="03000509000000000000" pitchFamily="65" charset="-120"/>
+                <a:cs typeface="Times" panose="02020603050405020304" pitchFamily="18" charset="0"/>
+              </a:rPr>
+              <a:t>(ii)   Evaluation</a:t>
+            </a:r>
+          </a:p>
+          <a:p>
+            <a:pPr lvl="2">
+              <a:lnSpc>
+                <a:spcPct val="125000"/>
+              </a:lnSpc>
+            </a:pPr>
+            <a:r>
+              <a:rPr lang="en-US" altLang="zh-TW" sz="1800" dirty="0">
+                <a:latin typeface="Times" panose="02020603050405020304" pitchFamily="18" charset="0"/>
+                <a:ea typeface="標楷體" panose="03000509000000000000" pitchFamily="65" charset="-120"/>
+                <a:cs typeface="Times" panose="02020603050405020304" pitchFamily="18" charset="0"/>
+              </a:rPr>
+              <a:t>Generate precise fill solutions based on </a:t>
+            </a:r>
+          </a:p>
+          <a:p>
+            <a:pPr marL="914400" lvl="2" indent="0">
+              <a:lnSpc>
+                <a:spcPct val="125000"/>
+              </a:lnSpc>
+              <a:buNone/>
+            </a:pPr>
+            <a:r>
+              <a:rPr lang="en-US" altLang="zh-TW" sz="1800" dirty="0">
+                <a:latin typeface="Times" panose="02020603050405020304" pitchFamily="18" charset="0"/>
+                <a:ea typeface="標楷體" panose="03000509000000000000" pitchFamily="65" charset="-120"/>
+                <a:cs typeface="Times" panose="02020603050405020304" pitchFamily="18" charset="0"/>
+              </a:rPr>
+              <a:t>    individual fill parameters and evaluate the </a:t>
+            </a:r>
+          </a:p>
+          <a:p>
+            <a:pPr marL="914400" lvl="2" indent="0">
+              <a:lnSpc>
+                <a:spcPct val="125000"/>
+              </a:lnSpc>
+              <a:buNone/>
+            </a:pPr>
+            <a:r>
+              <a:rPr lang="en-US" altLang="zh-TW" sz="1800" dirty="0">
+                <a:latin typeface="Times" panose="02020603050405020304" pitchFamily="18" charset="0"/>
+                <a:ea typeface="標楷體" panose="03000509000000000000" pitchFamily="65" charset="-120"/>
+                <a:cs typeface="Times" panose="02020603050405020304" pitchFamily="18" charset="0"/>
+              </a:rPr>
+              <a:t>    corresponding fitness score.</a:t>
+            </a:r>
+          </a:p>
+        </p:txBody>
+      </p:sp>
+      <p:sp>
+        <p:nvSpPr>
+          <p:cNvPr id="4" name="投影片編號版面配置區 3">
+            <a:extLst>
+              <a:ext uri="{FF2B5EF4-FFF2-40B4-BE49-F238E27FC236}">
+                <a16:creationId xmlns:a16="http://schemas.microsoft.com/office/drawing/2014/main" id="{4F34BD4F-A1A7-2695-B9CD-0B31024175B2}"/>
+              </a:ext>
+            </a:extLst>
+          </p:cNvPr>
+          <p:cNvSpPr>
+            <a:spLocks noGrp="1"/>
+          </p:cNvSpPr>
+          <p:nvPr>
+            <p:ph type="sldNum" sz="quarter" idx="12"/>
+          </p:nvPr>
+        </p:nvSpPr>
+        <p:spPr/>
+        <p:txBody>
+          <a:bodyPr/>
+          <a:lstStyle/>
+          <a:p>
+            <a:fld id="{666274A1-CF9C-426A-8DD4-B13ED0C24231}" type="slidenum">
+              <a:rPr lang="en-US" smtClean="0"/>
+              <a:t>12</a:t>
+            </a:fld>
+            <a:endParaRPr lang="en-US"/>
+          </a:p>
+        </p:txBody>
+      </p:sp>
+      <p:pic>
+        <p:nvPicPr>
+          <p:cNvPr id="6" name="圖片 5">
+            <a:extLst>
+              <a:ext uri="{FF2B5EF4-FFF2-40B4-BE49-F238E27FC236}">
+                <a16:creationId xmlns:a16="http://schemas.microsoft.com/office/drawing/2014/main" id="{B4003395-F28F-F980-8EEC-CBA4912DEDD0}"/>
+              </a:ext>
+            </a:extLst>
+          </p:cNvPr>
+          <p:cNvPicPr>
+            <a:picLocks noChangeAspect="1"/>
+          </p:cNvPicPr>
+          <p:nvPr/>
+        </p:nvPicPr>
+        <p:blipFill>
+          <a:blip r:embed="rId3"/>
+          <a:stretch>
+            <a:fillRect/>
+          </a:stretch>
+        </p:blipFill>
+        <p:spPr>
+          <a:xfrm>
+            <a:off x="6669451" y="1378475"/>
+            <a:ext cx="5433530" cy="4538232"/>
+          </a:xfrm>
+          <a:prstGeom prst="rect">
+            <a:avLst/>
+          </a:prstGeom>
+        </p:spPr>
+      </p:pic>
     </p:spTree>
     <p:extLst>
       <p:ext uri="{BB962C8B-B14F-4D97-AF65-F5344CB8AC3E}">
-        <p14:creationId xmlns:p14="http://schemas.microsoft.com/office/powerpoint/2010/main" val="1947749228"/>
+        <p14:creationId xmlns:p14="http://schemas.microsoft.com/office/powerpoint/2010/main" val="1600017890"/>
+      </p:ext>
+    </p:extLst>
+  </p:cSld>
+  <p:clrMapOvr>
+    <a:masterClrMapping/>
+  </p:clrMapOvr>
+</p:sld>
+</file>
+
+<file path=ppt/slides/slide14.xml><?xml version="1.0" encoding="utf-8"?>
+<p:sld xmlns:a="http://schemas.openxmlformats.org/drawingml/2006/main" xmlns:r="http://schemas.openxmlformats.org/officeDocument/2006/relationships" xmlns:p="http://schemas.openxmlformats.org/presentationml/2006/main">
+  <p:cSld>
+    <p:spTree>
+      <p:nvGrpSpPr>
+        <p:cNvPr id="1" name=""/>
+        <p:cNvGrpSpPr/>
+        <p:nvPr/>
+      </p:nvGrpSpPr>
+      <p:grpSpPr>
+        <a:xfrm>
+          <a:off x="0" y="0"/>
+          <a:ext cx="0" cy="0"/>
+          <a:chOff x="0" y="0"/>
+          <a:chExt cx="0" cy="0"/>
+        </a:xfrm>
+      </p:grpSpPr>
+      <p:sp>
+        <p:nvSpPr>
+          <p:cNvPr id="2" name="標題 1">
+            <a:extLst>
+              <a:ext uri="{FF2B5EF4-FFF2-40B4-BE49-F238E27FC236}">
+                <a16:creationId xmlns:a16="http://schemas.microsoft.com/office/drawing/2014/main" id="{F49B282A-FF7E-D28E-E7C9-7C9011B3A142}"/>
+              </a:ext>
+            </a:extLst>
+          </p:cNvPr>
+          <p:cNvSpPr>
+            <a:spLocks noGrp="1"/>
+          </p:cNvSpPr>
+          <p:nvPr>
+            <p:ph type="title"/>
+          </p:nvPr>
+        </p:nvSpPr>
+        <p:spPr/>
+        <p:txBody>
+          <a:bodyPr>
+            <a:normAutofit/>
+          </a:bodyPr>
+          <a:lstStyle/>
+          <a:p>
+            <a:r>
+              <a:rPr lang="en-US" altLang="zh-TW" sz="4000" dirty="0">
+                <a:latin typeface="Times" panose="02020603050405020304" pitchFamily="18" charset="0"/>
+                <a:cs typeface="Times" panose="02020603050405020304" pitchFamily="18" charset="0"/>
+              </a:rPr>
+              <a:t>MOGA-</a:t>
+            </a:r>
+            <a:r>
+              <a:rPr lang="en-US" altLang="zh-TW" sz="4000" dirty="0" err="1">
+                <a:latin typeface="Times" panose="02020603050405020304" pitchFamily="18" charset="0"/>
+                <a:cs typeface="Times" panose="02020603050405020304" pitchFamily="18" charset="0"/>
+              </a:rPr>
+              <a:t>CmpCNN</a:t>
+            </a:r>
+            <a:r>
+              <a:rPr lang="en-US" altLang="zh-TW" sz="4000" dirty="0">
+                <a:latin typeface="Times" panose="02020603050405020304" pitchFamily="18" charset="0"/>
+                <a:cs typeface="Times" panose="02020603050405020304" pitchFamily="18" charset="0"/>
+              </a:rPr>
+              <a:t> Framework</a:t>
+            </a:r>
+            <a:endParaRPr lang="zh-TW" altLang="en-US" sz="4000" dirty="0">
+              <a:latin typeface="Times" panose="02020603050405020304" pitchFamily="18" charset="0"/>
+              <a:cs typeface="Times" panose="02020603050405020304" pitchFamily="18" charset="0"/>
+            </a:endParaRPr>
+          </a:p>
+        </p:txBody>
+      </p:sp>
+      <p:sp>
+        <p:nvSpPr>
+          <p:cNvPr id="3" name="內容版面配置區 2">
+            <a:extLst>
+              <a:ext uri="{FF2B5EF4-FFF2-40B4-BE49-F238E27FC236}">
+                <a16:creationId xmlns:a16="http://schemas.microsoft.com/office/drawing/2014/main" id="{6532586F-2B33-9C61-58DC-9046125E1570}"/>
+              </a:ext>
+            </a:extLst>
+          </p:cNvPr>
+          <p:cNvSpPr>
+            <a:spLocks noGrp="1"/>
+          </p:cNvSpPr>
+          <p:nvPr>
+            <p:ph idx="1"/>
+          </p:nvPr>
+        </p:nvSpPr>
+        <p:spPr>
+          <a:xfrm>
+            <a:off x="838199" y="1825625"/>
+            <a:ext cx="11823551" cy="4351338"/>
+          </a:xfrm>
+        </p:spPr>
+        <p:txBody>
+          <a:bodyPr>
+            <a:normAutofit/>
+          </a:bodyPr>
+          <a:lstStyle/>
+          <a:p>
+            <a:pPr marL="457200" indent="-457200">
+              <a:lnSpc>
+                <a:spcPct val="150000"/>
+              </a:lnSpc>
+              <a:buFont typeface="+mj-lt"/>
+              <a:buAutoNum type="arabicPeriod" startAt="3"/>
+            </a:pPr>
+            <a:r>
+              <a:rPr lang="en-US" altLang="zh-TW" sz="2200" dirty="0">
+                <a:latin typeface="Times" panose="02020603050405020304" pitchFamily="18" charset="0"/>
+                <a:ea typeface="標楷體" panose="03000509000000000000" pitchFamily="65" charset="-120"/>
+                <a:cs typeface="Times" panose="02020603050405020304" pitchFamily="18" charset="0"/>
+              </a:rPr>
+              <a:t>MOGA-</a:t>
+            </a:r>
+            <a:r>
+              <a:rPr lang="en-US" altLang="zh-TW" sz="2200" dirty="0" err="1">
+                <a:latin typeface="Times" panose="02020603050405020304" pitchFamily="18" charset="0"/>
+                <a:ea typeface="標楷體" panose="03000509000000000000" pitchFamily="65" charset="-120"/>
+                <a:cs typeface="Times" panose="02020603050405020304" pitchFamily="18" charset="0"/>
+              </a:rPr>
+              <a:t>CmpCNN</a:t>
+            </a:r>
+            <a:r>
+              <a:rPr lang="en-US" altLang="zh-TW" sz="2200" dirty="0">
+                <a:latin typeface="Times" panose="02020603050405020304" pitchFamily="18" charset="0"/>
+                <a:ea typeface="標楷體" panose="03000509000000000000" pitchFamily="65" charset="-120"/>
+                <a:cs typeface="Times" panose="02020603050405020304" pitchFamily="18" charset="0"/>
+              </a:rPr>
+              <a:t> Fill Insertion</a:t>
+            </a:r>
+          </a:p>
+          <a:p>
+            <a:pPr marL="457200" indent="-457200">
+              <a:lnSpc>
+                <a:spcPct val="150000"/>
+              </a:lnSpc>
+              <a:buFont typeface="+mj-lt"/>
+              <a:buAutoNum type="arabicPeriod" startAt="3"/>
+            </a:pPr>
+            <a:endParaRPr lang="en-US" altLang="zh-TW" sz="400" dirty="0">
+              <a:latin typeface="Times" panose="02020603050405020304" pitchFamily="18" charset="0"/>
+              <a:ea typeface="標楷體" panose="03000509000000000000" pitchFamily="65" charset="-120"/>
+              <a:cs typeface="Times" panose="02020603050405020304" pitchFamily="18" charset="0"/>
+            </a:endParaRPr>
+          </a:p>
+          <a:p>
+            <a:pPr marL="457200" lvl="1" indent="0">
+              <a:lnSpc>
+                <a:spcPct val="150000"/>
+              </a:lnSpc>
+              <a:buNone/>
+            </a:pPr>
+            <a:r>
+              <a:rPr lang="en-US" altLang="zh-TW" sz="2000" dirty="0">
+                <a:latin typeface="Times" panose="02020603050405020304" pitchFamily="18" charset="0"/>
+                <a:ea typeface="標楷體" panose="03000509000000000000" pitchFamily="65" charset="-120"/>
+                <a:cs typeface="Times" panose="02020603050405020304" pitchFamily="18" charset="0"/>
+              </a:rPr>
+              <a:t>(iii) GA Operator</a:t>
+            </a:r>
+          </a:p>
+          <a:p>
+            <a:pPr lvl="2">
+              <a:lnSpc>
+                <a:spcPct val="125000"/>
+              </a:lnSpc>
+            </a:pPr>
+            <a:r>
+              <a:rPr lang="en-US" altLang="zh-TW" sz="1800" dirty="0">
+                <a:latin typeface="Times" panose="02020603050405020304" pitchFamily="18" charset="0"/>
+                <a:ea typeface="標楷體" panose="03000509000000000000" pitchFamily="65" charset="-120"/>
+                <a:cs typeface="Times" panose="02020603050405020304" pitchFamily="18" charset="0"/>
+              </a:rPr>
+              <a:t>Create a new generation of individuals by </a:t>
+            </a:r>
+          </a:p>
+          <a:p>
+            <a:pPr marL="914400" lvl="2" indent="0">
+              <a:lnSpc>
+                <a:spcPct val="125000"/>
+              </a:lnSpc>
+              <a:buNone/>
+            </a:pPr>
+            <a:r>
+              <a:rPr lang="en-US" altLang="zh-TW" sz="1800" dirty="0">
+                <a:latin typeface="Times" panose="02020603050405020304" pitchFamily="18" charset="0"/>
+                <a:ea typeface="標楷體" panose="03000509000000000000" pitchFamily="65" charset="-120"/>
+                <a:cs typeface="Times" panose="02020603050405020304" pitchFamily="18" charset="0"/>
+              </a:rPr>
+              <a:t>    applying GA operators simultaneously, </a:t>
+            </a:r>
+          </a:p>
+          <a:p>
+            <a:pPr marL="914400" lvl="2" indent="0">
+              <a:lnSpc>
+                <a:spcPct val="125000"/>
+              </a:lnSpc>
+              <a:buNone/>
+            </a:pPr>
+            <a:r>
+              <a:rPr lang="en-US" altLang="zh-TW" sz="1800" dirty="0">
+                <a:latin typeface="Times" panose="02020603050405020304" pitchFamily="18" charset="0"/>
+                <a:ea typeface="標楷體" panose="03000509000000000000" pitchFamily="65" charset="-120"/>
+                <a:cs typeface="Times" panose="02020603050405020304" pitchFamily="18" charset="0"/>
+              </a:rPr>
+              <a:t>    including selection, crossover, mutation, and </a:t>
+            </a:r>
+          </a:p>
+          <a:p>
+            <a:pPr marL="914400" lvl="2" indent="0">
+              <a:lnSpc>
+                <a:spcPct val="125000"/>
+              </a:lnSpc>
+              <a:buNone/>
+            </a:pPr>
+            <a:r>
+              <a:rPr lang="en-US" altLang="zh-TW" sz="1800" dirty="0">
+                <a:latin typeface="Times" panose="02020603050405020304" pitchFamily="18" charset="0"/>
+                <a:ea typeface="標楷體" panose="03000509000000000000" pitchFamily="65" charset="-120"/>
+                <a:cs typeface="Times" panose="02020603050405020304" pitchFamily="18" charset="0"/>
+              </a:rPr>
+              <a:t>    replacement.</a:t>
+            </a:r>
+          </a:p>
+        </p:txBody>
+      </p:sp>
+      <p:sp>
+        <p:nvSpPr>
+          <p:cNvPr id="4" name="投影片編號版面配置區 3">
+            <a:extLst>
+              <a:ext uri="{FF2B5EF4-FFF2-40B4-BE49-F238E27FC236}">
+                <a16:creationId xmlns:a16="http://schemas.microsoft.com/office/drawing/2014/main" id="{4F34BD4F-A1A7-2695-B9CD-0B31024175B2}"/>
+              </a:ext>
+            </a:extLst>
+          </p:cNvPr>
+          <p:cNvSpPr>
+            <a:spLocks noGrp="1"/>
+          </p:cNvSpPr>
+          <p:nvPr>
+            <p:ph type="sldNum" sz="quarter" idx="12"/>
+          </p:nvPr>
+        </p:nvSpPr>
+        <p:spPr/>
+        <p:txBody>
+          <a:bodyPr/>
+          <a:lstStyle/>
+          <a:p>
+            <a:fld id="{666274A1-CF9C-426A-8DD4-B13ED0C24231}" type="slidenum">
+              <a:rPr lang="en-US" smtClean="0"/>
+              <a:t>13</a:t>
+            </a:fld>
+            <a:endParaRPr lang="en-US"/>
+          </a:p>
+        </p:txBody>
+      </p:sp>
+      <p:pic>
+        <p:nvPicPr>
+          <p:cNvPr id="6" name="圖片 5">
+            <a:extLst>
+              <a:ext uri="{FF2B5EF4-FFF2-40B4-BE49-F238E27FC236}">
+                <a16:creationId xmlns:a16="http://schemas.microsoft.com/office/drawing/2014/main" id="{B4003395-F28F-F980-8EEC-CBA4912DEDD0}"/>
+              </a:ext>
+            </a:extLst>
+          </p:cNvPr>
+          <p:cNvPicPr>
+            <a:picLocks noChangeAspect="1"/>
+          </p:cNvPicPr>
+          <p:nvPr/>
+        </p:nvPicPr>
+        <p:blipFill>
+          <a:blip r:embed="rId3"/>
+          <a:stretch>
+            <a:fillRect/>
+          </a:stretch>
+        </p:blipFill>
+        <p:spPr>
+          <a:xfrm>
+            <a:off x="6669451" y="1378475"/>
+            <a:ext cx="5433530" cy="4538232"/>
+          </a:xfrm>
+          <a:prstGeom prst="rect">
+            <a:avLst/>
+          </a:prstGeom>
+        </p:spPr>
+      </p:pic>
+    </p:spTree>
+    <p:extLst>
+      <p:ext uri="{BB962C8B-B14F-4D97-AF65-F5344CB8AC3E}">
+        <p14:creationId xmlns:p14="http://schemas.microsoft.com/office/powerpoint/2010/main" val="2611884970"/>
+      </p:ext>
+    </p:extLst>
+  </p:cSld>
+  <p:clrMapOvr>
+    <a:masterClrMapping/>
+  </p:clrMapOvr>
+</p:sld>
+</file>
+
+<file path=ppt/slides/slide15.xml><?xml version="1.0" encoding="utf-8"?>
+<p:sld xmlns:a="http://schemas.openxmlformats.org/drawingml/2006/main" xmlns:r="http://schemas.openxmlformats.org/officeDocument/2006/relationships" xmlns:p="http://schemas.openxmlformats.org/presentationml/2006/main">
+  <p:cSld>
+    <p:spTree>
+      <p:nvGrpSpPr>
+        <p:cNvPr id="1" name=""/>
+        <p:cNvGrpSpPr/>
+        <p:nvPr/>
+      </p:nvGrpSpPr>
+      <p:grpSpPr>
+        <a:xfrm>
+          <a:off x="0" y="0"/>
+          <a:ext cx="0" cy="0"/>
+          <a:chOff x="0" y="0"/>
+          <a:chExt cx="0" cy="0"/>
+        </a:xfrm>
+      </p:grpSpPr>
+      <p:sp>
+        <p:nvSpPr>
+          <p:cNvPr id="2" name="標題 1">
+            <a:extLst>
+              <a:ext uri="{FF2B5EF4-FFF2-40B4-BE49-F238E27FC236}">
+                <a16:creationId xmlns:a16="http://schemas.microsoft.com/office/drawing/2014/main" id="{F49B282A-FF7E-D28E-E7C9-7C9011B3A142}"/>
+              </a:ext>
+            </a:extLst>
+          </p:cNvPr>
+          <p:cNvSpPr>
+            <a:spLocks noGrp="1"/>
+          </p:cNvSpPr>
+          <p:nvPr>
+            <p:ph type="title"/>
+          </p:nvPr>
+        </p:nvSpPr>
+        <p:spPr/>
+        <p:txBody>
+          <a:bodyPr>
+            <a:normAutofit/>
+          </a:bodyPr>
+          <a:lstStyle/>
+          <a:p>
+            <a:r>
+              <a:rPr lang="en-US" altLang="zh-TW" sz="4000" dirty="0">
+                <a:latin typeface="Times" panose="02020603050405020304" pitchFamily="18" charset="0"/>
+                <a:cs typeface="Times" panose="02020603050405020304" pitchFamily="18" charset="0"/>
+              </a:rPr>
+              <a:t>MOGA-</a:t>
+            </a:r>
+            <a:r>
+              <a:rPr lang="en-US" altLang="zh-TW" sz="4000" dirty="0" err="1">
+                <a:latin typeface="Times" panose="02020603050405020304" pitchFamily="18" charset="0"/>
+                <a:cs typeface="Times" panose="02020603050405020304" pitchFamily="18" charset="0"/>
+              </a:rPr>
+              <a:t>CmpCNN</a:t>
+            </a:r>
+            <a:r>
+              <a:rPr lang="en-US" altLang="zh-TW" sz="4000" dirty="0">
+                <a:latin typeface="Times" panose="02020603050405020304" pitchFamily="18" charset="0"/>
+                <a:cs typeface="Times" panose="02020603050405020304" pitchFamily="18" charset="0"/>
+              </a:rPr>
+              <a:t> Framework</a:t>
+            </a:r>
+            <a:endParaRPr lang="zh-TW" altLang="en-US" sz="4000" dirty="0">
+              <a:latin typeface="Times" panose="02020603050405020304" pitchFamily="18" charset="0"/>
+              <a:cs typeface="Times" panose="02020603050405020304" pitchFamily="18" charset="0"/>
+            </a:endParaRPr>
+          </a:p>
+        </p:txBody>
+      </p:sp>
+      <p:sp>
+        <p:nvSpPr>
+          <p:cNvPr id="3" name="內容版面配置區 2">
+            <a:extLst>
+              <a:ext uri="{FF2B5EF4-FFF2-40B4-BE49-F238E27FC236}">
+                <a16:creationId xmlns:a16="http://schemas.microsoft.com/office/drawing/2014/main" id="{6532586F-2B33-9C61-58DC-9046125E1570}"/>
+              </a:ext>
+            </a:extLst>
+          </p:cNvPr>
+          <p:cNvSpPr>
+            <a:spLocks noGrp="1"/>
+          </p:cNvSpPr>
+          <p:nvPr>
+            <p:ph idx="1"/>
+          </p:nvPr>
+        </p:nvSpPr>
+        <p:spPr>
+          <a:xfrm>
+            <a:off x="838199" y="1825625"/>
+            <a:ext cx="11823551" cy="4351338"/>
+          </a:xfrm>
+        </p:spPr>
+        <p:txBody>
+          <a:bodyPr>
+            <a:normAutofit/>
+          </a:bodyPr>
+          <a:lstStyle/>
+          <a:p>
+            <a:pPr marL="457200" indent="-457200">
+              <a:lnSpc>
+                <a:spcPct val="150000"/>
+              </a:lnSpc>
+              <a:buFont typeface="+mj-lt"/>
+              <a:buAutoNum type="arabicPeriod" startAt="3"/>
+            </a:pPr>
+            <a:r>
+              <a:rPr lang="en-US" altLang="zh-TW" sz="2200" dirty="0">
+                <a:latin typeface="Times" panose="02020603050405020304" pitchFamily="18" charset="0"/>
+                <a:ea typeface="標楷體" panose="03000509000000000000" pitchFamily="65" charset="-120"/>
+                <a:cs typeface="Times" panose="02020603050405020304" pitchFamily="18" charset="0"/>
+              </a:rPr>
+              <a:t>MOGA-</a:t>
+            </a:r>
+            <a:r>
+              <a:rPr lang="en-US" altLang="zh-TW" sz="2200" dirty="0" err="1">
+                <a:latin typeface="Times" panose="02020603050405020304" pitchFamily="18" charset="0"/>
+                <a:ea typeface="標楷體" panose="03000509000000000000" pitchFamily="65" charset="-120"/>
+                <a:cs typeface="Times" panose="02020603050405020304" pitchFamily="18" charset="0"/>
+              </a:rPr>
+              <a:t>CmpCNN</a:t>
+            </a:r>
+            <a:r>
+              <a:rPr lang="en-US" altLang="zh-TW" sz="2200" dirty="0">
+                <a:latin typeface="Times" panose="02020603050405020304" pitchFamily="18" charset="0"/>
+                <a:ea typeface="標楷體" panose="03000509000000000000" pitchFamily="65" charset="-120"/>
+                <a:cs typeface="Times" panose="02020603050405020304" pitchFamily="18" charset="0"/>
+              </a:rPr>
+              <a:t> Fill Insertion</a:t>
+            </a:r>
+          </a:p>
+          <a:p>
+            <a:pPr marL="457200" indent="-457200">
+              <a:lnSpc>
+                <a:spcPct val="150000"/>
+              </a:lnSpc>
+              <a:buFont typeface="+mj-lt"/>
+              <a:buAutoNum type="arabicPeriod" startAt="3"/>
+            </a:pPr>
+            <a:endParaRPr lang="en-US" altLang="zh-TW" sz="400" dirty="0">
+              <a:latin typeface="Times" panose="02020603050405020304" pitchFamily="18" charset="0"/>
+              <a:ea typeface="標楷體" panose="03000509000000000000" pitchFamily="65" charset="-120"/>
+              <a:cs typeface="Times" panose="02020603050405020304" pitchFamily="18" charset="0"/>
+            </a:endParaRPr>
+          </a:p>
+          <a:p>
+            <a:pPr marL="457200" lvl="1" indent="0">
+              <a:lnSpc>
+                <a:spcPct val="150000"/>
+              </a:lnSpc>
+              <a:buNone/>
+            </a:pPr>
+            <a:r>
+              <a:rPr lang="en-US" altLang="zh-TW" sz="2000" dirty="0">
+                <a:latin typeface="Times" panose="02020603050405020304" pitchFamily="18" charset="0"/>
+                <a:ea typeface="標楷體" panose="03000509000000000000" pitchFamily="65" charset="-120"/>
+                <a:cs typeface="Times" panose="02020603050405020304" pitchFamily="18" charset="0"/>
+              </a:rPr>
+              <a:t>(iv) Stop Criteria</a:t>
+            </a:r>
+          </a:p>
+          <a:p>
+            <a:pPr lvl="2">
+              <a:lnSpc>
+                <a:spcPct val="125000"/>
+              </a:lnSpc>
+            </a:pPr>
+            <a:r>
+              <a:rPr lang="en-US" altLang="zh-TW" sz="1800" dirty="0">
+                <a:latin typeface="Times" panose="02020603050405020304" pitchFamily="18" charset="0"/>
+                <a:ea typeface="標楷體" panose="03000509000000000000" pitchFamily="65" charset="-120"/>
+                <a:cs typeface="Times" panose="02020603050405020304" pitchFamily="18" charset="0"/>
+              </a:rPr>
+              <a:t>Check if stop conditions are satisfied</a:t>
+            </a:r>
+          </a:p>
+          <a:p>
+            <a:pPr marL="914400" lvl="2" indent="0">
+              <a:lnSpc>
+                <a:spcPct val="125000"/>
+              </a:lnSpc>
+              <a:buNone/>
+            </a:pPr>
+            <a:r>
+              <a:rPr lang="en-US" altLang="zh-TW" sz="1800" dirty="0">
+                <a:latin typeface="Times" panose="02020603050405020304" pitchFamily="18" charset="0"/>
+                <a:ea typeface="標楷體" panose="03000509000000000000" pitchFamily="65" charset="-120"/>
+                <a:cs typeface="Times" panose="02020603050405020304" pitchFamily="18" charset="0"/>
+              </a:rPr>
+              <a:t>    (e.g., number of generations, achieving </a:t>
+            </a:r>
+          </a:p>
+          <a:p>
+            <a:pPr marL="914400" lvl="2" indent="0">
+              <a:lnSpc>
+                <a:spcPct val="125000"/>
+              </a:lnSpc>
+              <a:buNone/>
+            </a:pPr>
+            <a:r>
+              <a:rPr lang="en-US" altLang="zh-TW" sz="1800" dirty="0">
+                <a:latin typeface="Times" panose="02020603050405020304" pitchFamily="18" charset="0"/>
+                <a:ea typeface="標楷體" panose="03000509000000000000" pitchFamily="65" charset="-120"/>
+                <a:cs typeface="Times" panose="02020603050405020304" pitchFamily="18" charset="0"/>
+              </a:rPr>
+              <a:t>    satisfactory fitness score, or convergence).</a:t>
+            </a:r>
+          </a:p>
+        </p:txBody>
+      </p:sp>
+      <p:sp>
+        <p:nvSpPr>
+          <p:cNvPr id="4" name="投影片編號版面配置區 3">
+            <a:extLst>
+              <a:ext uri="{FF2B5EF4-FFF2-40B4-BE49-F238E27FC236}">
+                <a16:creationId xmlns:a16="http://schemas.microsoft.com/office/drawing/2014/main" id="{4F34BD4F-A1A7-2695-B9CD-0B31024175B2}"/>
+              </a:ext>
+            </a:extLst>
+          </p:cNvPr>
+          <p:cNvSpPr>
+            <a:spLocks noGrp="1"/>
+          </p:cNvSpPr>
+          <p:nvPr>
+            <p:ph type="sldNum" sz="quarter" idx="12"/>
+          </p:nvPr>
+        </p:nvSpPr>
+        <p:spPr/>
+        <p:txBody>
+          <a:bodyPr/>
+          <a:lstStyle/>
+          <a:p>
+            <a:fld id="{666274A1-CF9C-426A-8DD4-B13ED0C24231}" type="slidenum">
+              <a:rPr lang="en-US" smtClean="0"/>
+              <a:t>14</a:t>
+            </a:fld>
+            <a:endParaRPr lang="en-US"/>
+          </a:p>
+        </p:txBody>
+      </p:sp>
+      <p:pic>
+        <p:nvPicPr>
+          <p:cNvPr id="6" name="圖片 5">
+            <a:extLst>
+              <a:ext uri="{FF2B5EF4-FFF2-40B4-BE49-F238E27FC236}">
+                <a16:creationId xmlns:a16="http://schemas.microsoft.com/office/drawing/2014/main" id="{B4003395-F28F-F980-8EEC-CBA4912DEDD0}"/>
+              </a:ext>
+            </a:extLst>
+          </p:cNvPr>
+          <p:cNvPicPr>
+            <a:picLocks noChangeAspect="1"/>
+          </p:cNvPicPr>
+          <p:nvPr/>
+        </p:nvPicPr>
+        <p:blipFill>
+          <a:blip r:embed="rId3"/>
+          <a:stretch>
+            <a:fillRect/>
+          </a:stretch>
+        </p:blipFill>
+        <p:spPr>
+          <a:xfrm>
+            <a:off x="6669451" y="1378475"/>
+            <a:ext cx="5433530" cy="4538232"/>
+          </a:xfrm>
+          <a:prstGeom prst="rect">
+            <a:avLst/>
+          </a:prstGeom>
+        </p:spPr>
+      </p:pic>
+    </p:spTree>
+    <p:extLst>
+      <p:ext uri="{BB962C8B-B14F-4D97-AF65-F5344CB8AC3E}">
+        <p14:creationId xmlns:p14="http://schemas.microsoft.com/office/powerpoint/2010/main" val="1886750486"/>
+      </p:ext>
+    </p:extLst>
+  </p:cSld>
+  <p:clrMapOvr>
+    <a:masterClrMapping/>
+  </p:clrMapOvr>
+</p:sld>
+</file>
+
+<file path=ppt/slides/slide16.xml><?xml version="1.0" encoding="utf-8"?>
+<p:sld xmlns:a="http://schemas.openxmlformats.org/drawingml/2006/main" xmlns:r="http://schemas.openxmlformats.org/officeDocument/2006/relationships" xmlns:p="http://schemas.openxmlformats.org/presentationml/2006/main">
+  <p:cSld>
+    <p:spTree>
+      <p:nvGrpSpPr>
+        <p:cNvPr id="1" name=""/>
+        <p:cNvGrpSpPr/>
+        <p:nvPr/>
+      </p:nvGrpSpPr>
+      <p:grpSpPr>
+        <a:xfrm>
+          <a:off x="0" y="0"/>
+          <a:ext cx="0" cy="0"/>
+          <a:chOff x="0" y="0"/>
+          <a:chExt cx="0" cy="0"/>
+        </a:xfrm>
+      </p:grpSpPr>
+      <p:sp>
+        <p:nvSpPr>
+          <p:cNvPr id="2" name="標題 1">
+            <a:extLst>
+              <a:ext uri="{FF2B5EF4-FFF2-40B4-BE49-F238E27FC236}">
+                <a16:creationId xmlns:a16="http://schemas.microsoft.com/office/drawing/2014/main" id="{F49B282A-FF7E-D28E-E7C9-7C9011B3A142}"/>
+              </a:ext>
+            </a:extLst>
+          </p:cNvPr>
+          <p:cNvSpPr>
+            <a:spLocks noGrp="1"/>
+          </p:cNvSpPr>
+          <p:nvPr>
+            <p:ph type="title"/>
+          </p:nvPr>
+        </p:nvSpPr>
+        <p:spPr/>
+        <p:txBody>
+          <a:bodyPr>
+            <a:normAutofit/>
+          </a:bodyPr>
+          <a:lstStyle/>
+          <a:p>
+            <a:r>
+              <a:rPr lang="en-US" altLang="zh-TW" sz="4000" dirty="0">
+                <a:latin typeface="Times" panose="02020603050405020304" pitchFamily="18" charset="0"/>
+                <a:cs typeface="Times" panose="02020603050405020304" pitchFamily="18" charset="0"/>
+              </a:rPr>
+              <a:t>MOGA-</a:t>
+            </a:r>
+            <a:r>
+              <a:rPr lang="en-US" altLang="zh-TW" sz="4000" dirty="0" err="1">
+                <a:latin typeface="Times" panose="02020603050405020304" pitchFamily="18" charset="0"/>
+                <a:cs typeface="Times" panose="02020603050405020304" pitchFamily="18" charset="0"/>
+              </a:rPr>
+              <a:t>CmpCNN</a:t>
+            </a:r>
+            <a:r>
+              <a:rPr lang="en-US" altLang="zh-TW" sz="4000" dirty="0">
+                <a:latin typeface="Times" panose="02020603050405020304" pitchFamily="18" charset="0"/>
+                <a:cs typeface="Times" panose="02020603050405020304" pitchFamily="18" charset="0"/>
+              </a:rPr>
+              <a:t> Framework</a:t>
+            </a:r>
+            <a:endParaRPr lang="zh-TW" altLang="en-US" sz="4000" dirty="0">
+              <a:latin typeface="Times" panose="02020603050405020304" pitchFamily="18" charset="0"/>
+              <a:cs typeface="Times" panose="02020603050405020304" pitchFamily="18" charset="0"/>
+            </a:endParaRPr>
+          </a:p>
+        </p:txBody>
+      </p:sp>
+      <p:sp>
+        <p:nvSpPr>
+          <p:cNvPr id="3" name="內容版面配置區 2">
+            <a:extLst>
+              <a:ext uri="{FF2B5EF4-FFF2-40B4-BE49-F238E27FC236}">
+                <a16:creationId xmlns:a16="http://schemas.microsoft.com/office/drawing/2014/main" id="{6532586F-2B33-9C61-58DC-9046125E1570}"/>
+              </a:ext>
+            </a:extLst>
+          </p:cNvPr>
+          <p:cNvSpPr>
+            <a:spLocks noGrp="1"/>
+          </p:cNvSpPr>
+          <p:nvPr>
+            <p:ph idx="1"/>
+          </p:nvPr>
+        </p:nvSpPr>
+        <p:spPr>
+          <a:xfrm>
+            <a:off x="838199" y="1825625"/>
+            <a:ext cx="11823551" cy="4351338"/>
+          </a:xfrm>
+        </p:spPr>
+        <p:txBody>
+          <a:bodyPr>
+            <a:normAutofit/>
+          </a:bodyPr>
+          <a:lstStyle/>
+          <a:p>
+            <a:pPr marL="457200" indent="-457200">
+              <a:lnSpc>
+                <a:spcPct val="150000"/>
+              </a:lnSpc>
+              <a:buFont typeface="+mj-lt"/>
+              <a:buAutoNum type="arabicPeriod" startAt="3"/>
+            </a:pPr>
+            <a:r>
+              <a:rPr lang="en-US" altLang="zh-TW" sz="2200" dirty="0">
+                <a:latin typeface="Times" panose="02020603050405020304" pitchFamily="18" charset="0"/>
+                <a:ea typeface="標楷體" panose="03000509000000000000" pitchFamily="65" charset="-120"/>
+                <a:cs typeface="Times" panose="02020603050405020304" pitchFamily="18" charset="0"/>
+              </a:rPr>
+              <a:t>MOGA-</a:t>
+            </a:r>
+            <a:r>
+              <a:rPr lang="en-US" altLang="zh-TW" sz="2200" dirty="0" err="1">
+                <a:latin typeface="Times" panose="02020603050405020304" pitchFamily="18" charset="0"/>
+                <a:ea typeface="標楷體" panose="03000509000000000000" pitchFamily="65" charset="-120"/>
+                <a:cs typeface="Times" panose="02020603050405020304" pitchFamily="18" charset="0"/>
+              </a:rPr>
+              <a:t>CmpCNN</a:t>
+            </a:r>
+            <a:r>
+              <a:rPr lang="en-US" altLang="zh-TW" sz="2200" dirty="0">
+                <a:latin typeface="Times" panose="02020603050405020304" pitchFamily="18" charset="0"/>
+                <a:ea typeface="標楷體" panose="03000509000000000000" pitchFamily="65" charset="-120"/>
+                <a:cs typeface="Times" panose="02020603050405020304" pitchFamily="18" charset="0"/>
+              </a:rPr>
+              <a:t> Fill Insertion</a:t>
+            </a:r>
+          </a:p>
+          <a:p>
+            <a:pPr marL="457200" indent="-457200">
+              <a:lnSpc>
+                <a:spcPct val="150000"/>
+              </a:lnSpc>
+              <a:buFont typeface="+mj-lt"/>
+              <a:buAutoNum type="arabicPeriod" startAt="3"/>
+            </a:pPr>
+            <a:endParaRPr lang="en-US" altLang="zh-TW" sz="400" dirty="0">
+              <a:latin typeface="Times" panose="02020603050405020304" pitchFamily="18" charset="0"/>
+              <a:ea typeface="標楷體" panose="03000509000000000000" pitchFamily="65" charset="-120"/>
+              <a:cs typeface="Times" panose="02020603050405020304" pitchFamily="18" charset="0"/>
+            </a:endParaRPr>
+          </a:p>
+          <a:p>
+            <a:pPr marL="457200" lvl="1" indent="0">
+              <a:lnSpc>
+                <a:spcPct val="150000"/>
+              </a:lnSpc>
+              <a:buNone/>
+            </a:pPr>
+            <a:r>
+              <a:rPr lang="en-US" altLang="zh-TW" sz="2000" dirty="0">
+                <a:latin typeface="Times" panose="02020603050405020304" pitchFamily="18" charset="0"/>
+                <a:ea typeface="標楷體" panose="03000509000000000000" pitchFamily="65" charset="-120"/>
+                <a:cs typeface="Times" panose="02020603050405020304" pitchFamily="18" charset="0"/>
+              </a:rPr>
+              <a:t>(v)  Stop or iteration</a:t>
+            </a:r>
+          </a:p>
+          <a:p>
+            <a:pPr lvl="2">
+              <a:lnSpc>
+                <a:spcPct val="125000"/>
+              </a:lnSpc>
+            </a:pPr>
+            <a:r>
+              <a:rPr lang="en-US" altLang="zh-TW" sz="1800" dirty="0">
+                <a:latin typeface="Times" panose="02020603050405020304" pitchFamily="18" charset="0"/>
+                <a:ea typeface="標楷體" panose="03000509000000000000" pitchFamily="65" charset="-120"/>
+                <a:cs typeface="Times" panose="02020603050405020304" pitchFamily="18" charset="0"/>
+              </a:rPr>
+              <a:t>If stop conditions are satisfied, the algorithm </a:t>
+            </a:r>
+          </a:p>
+          <a:p>
+            <a:pPr marL="914400" lvl="2" indent="0">
+              <a:lnSpc>
+                <a:spcPct val="125000"/>
+              </a:lnSpc>
+              <a:buNone/>
+            </a:pPr>
+            <a:r>
+              <a:rPr lang="en-US" altLang="zh-TW" sz="1800" dirty="0">
+                <a:latin typeface="Times" panose="02020603050405020304" pitchFamily="18" charset="0"/>
+                <a:ea typeface="標楷體" panose="03000509000000000000" pitchFamily="65" charset="-120"/>
+                <a:cs typeface="Times" panose="02020603050405020304" pitchFamily="18" charset="0"/>
+              </a:rPr>
+              <a:t>    stops, returning the best fill solution. Otherwise, </a:t>
+            </a:r>
+          </a:p>
+          <a:p>
+            <a:pPr marL="914400" lvl="2" indent="0">
+              <a:lnSpc>
+                <a:spcPct val="125000"/>
+              </a:lnSpc>
+              <a:buNone/>
+            </a:pPr>
+            <a:r>
+              <a:rPr lang="en-US" altLang="zh-TW" sz="1800" dirty="0">
+                <a:latin typeface="Times" panose="02020603050405020304" pitchFamily="18" charset="0"/>
+                <a:ea typeface="標楷體" panose="03000509000000000000" pitchFamily="65" charset="-120"/>
+                <a:cs typeface="Times" panose="02020603050405020304" pitchFamily="18" charset="0"/>
+              </a:rPr>
+              <a:t>    return to step (ii) and repeat the optimization </a:t>
+            </a:r>
+          </a:p>
+          <a:p>
+            <a:pPr marL="914400" lvl="2" indent="0">
+              <a:lnSpc>
+                <a:spcPct val="125000"/>
+              </a:lnSpc>
+              <a:buNone/>
+            </a:pPr>
+            <a:r>
+              <a:rPr lang="en-US" altLang="zh-TW" sz="1800" dirty="0">
+                <a:latin typeface="Times" panose="02020603050405020304" pitchFamily="18" charset="0"/>
+                <a:ea typeface="標楷體" panose="03000509000000000000" pitchFamily="65" charset="-120"/>
+                <a:cs typeface="Times" panose="02020603050405020304" pitchFamily="18" charset="0"/>
+              </a:rPr>
+              <a:t>    process.</a:t>
+            </a:r>
+          </a:p>
+        </p:txBody>
+      </p:sp>
+      <p:sp>
+        <p:nvSpPr>
+          <p:cNvPr id="4" name="投影片編號版面配置區 3">
+            <a:extLst>
+              <a:ext uri="{FF2B5EF4-FFF2-40B4-BE49-F238E27FC236}">
+                <a16:creationId xmlns:a16="http://schemas.microsoft.com/office/drawing/2014/main" id="{4F34BD4F-A1A7-2695-B9CD-0B31024175B2}"/>
+              </a:ext>
+            </a:extLst>
+          </p:cNvPr>
+          <p:cNvSpPr>
+            <a:spLocks noGrp="1"/>
+          </p:cNvSpPr>
+          <p:nvPr>
+            <p:ph type="sldNum" sz="quarter" idx="12"/>
+          </p:nvPr>
+        </p:nvSpPr>
+        <p:spPr/>
+        <p:txBody>
+          <a:bodyPr/>
+          <a:lstStyle/>
+          <a:p>
+            <a:fld id="{666274A1-CF9C-426A-8DD4-B13ED0C24231}" type="slidenum">
+              <a:rPr lang="en-US" smtClean="0"/>
+              <a:t>15</a:t>
+            </a:fld>
+            <a:endParaRPr lang="en-US"/>
+          </a:p>
+        </p:txBody>
+      </p:sp>
+      <p:pic>
+        <p:nvPicPr>
+          <p:cNvPr id="6" name="圖片 5">
+            <a:extLst>
+              <a:ext uri="{FF2B5EF4-FFF2-40B4-BE49-F238E27FC236}">
+                <a16:creationId xmlns:a16="http://schemas.microsoft.com/office/drawing/2014/main" id="{B4003395-F28F-F980-8EEC-CBA4912DEDD0}"/>
+              </a:ext>
+            </a:extLst>
+          </p:cNvPr>
+          <p:cNvPicPr>
+            <a:picLocks noChangeAspect="1"/>
+          </p:cNvPicPr>
+          <p:nvPr/>
+        </p:nvPicPr>
+        <p:blipFill>
+          <a:blip r:embed="rId3"/>
+          <a:stretch>
+            <a:fillRect/>
+          </a:stretch>
+        </p:blipFill>
+        <p:spPr>
+          <a:xfrm>
+            <a:off x="6669451" y="1378475"/>
+            <a:ext cx="5433530" cy="4538232"/>
+          </a:xfrm>
+          <a:prstGeom prst="rect">
+            <a:avLst/>
+          </a:prstGeom>
+        </p:spPr>
+      </p:pic>
+    </p:spTree>
+    <p:extLst>
+      <p:ext uri="{BB962C8B-B14F-4D97-AF65-F5344CB8AC3E}">
+        <p14:creationId xmlns:p14="http://schemas.microsoft.com/office/powerpoint/2010/main" val="2658445840"/>
+      </p:ext>
+    </p:extLst>
+  </p:cSld>
+  <p:clrMapOvr>
+    <a:masterClrMapping/>
+  </p:clrMapOvr>
+</p:sld>
+</file>
+
+<file path=ppt/slides/slide17.xml><?xml version="1.0" encoding="utf-8"?>
+<p:sld xmlns:a="http://schemas.openxmlformats.org/drawingml/2006/main" xmlns:r="http://schemas.openxmlformats.org/officeDocument/2006/relationships" xmlns:p="http://schemas.openxmlformats.org/presentationml/2006/main">
+  <p:cSld>
+    <p:spTree>
+      <p:nvGrpSpPr>
+        <p:cNvPr id="1" name=""/>
+        <p:cNvGrpSpPr/>
+        <p:nvPr/>
+      </p:nvGrpSpPr>
+      <p:grpSpPr>
+        <a:xfrm>
+          <a:off x="0" y="0"/>
+          <a:ext cx="0" cy="0"/>
+          <a:chOff x="0" y="0"/>
+          <a:chExt cx="0" cy="0"/>
+        </a:xfrm>
+      </p:grpSpPr>
+      <p:sp>
+        <p:nvSpPr>
+          <p:cNvPr id="2" name="標題 1">
+            <a:extLst>
+              <a:ext uri="{FF2B5EF4-FFF2-40B4-BE49-F238E27FC236}">
+                <a16:creationId xmlns:a16="http://schemas.microsoft.com/office/drawing/2014/main" id="{F49B282A-FF7E-D28E-E7C9-7C9011B3A142}"/>
+              </a:ext>
+            </a:extLst>
+          </p:cNvPr>
+          <p:cNvSpPr>
+            <a:spLocks noGrp="1"/>
+          </p:cNvSpPr>
+          <p:nvPr>
+            <p:ph type="title"/>
+          </p:nvPr>
+        </p:nvSpPr>
+        <p:spPr/>
+        <p:txBody>
+          <a:bodyPr>
+            <a:normAutofit/>
+          </a:bodyPr>
+          <a:lstStyle/>
+          <a:p>
+            <a:r>
+              <a:rPr lang="en-US" altLang="zh-TW" sz="4000" dirty="0">
+                <a:latin typeface="Times" panose="02020603050405020304" pitchFamily="18" charset="0"/>
+                <a:cs typeface="Times" panose="02020603050405020304" pitchFamily="18" charset="0"/>
+              </a:rPr>
+              <a:t>MOGA-</a:t>
+            </a:r>
+            <a:r>
+              <a:rPr lang="en-US" altLang="zh-TW" sz="4000" dirty="0" err="1">
+                <a:latin typeface="Times" panose="02020603050405020304" pitchFamily="18" charset="0"/>
+                <a:cs typeface="Times" panose="02020603050405020304" pitchFamily="18" charset="0"/>
+              </a:rPr>
+              <a:t>CmpCNN</a:t>
+            </a:r>
+            <a:r>
+              <a:rPr lang="en-US" altLang="zh-TW" sz="4000" dirty="0">
+                <a:latin typeface="Times" panose="02020603050405020304" pitchFamily="18" charset="0"/>
+                <a:cs typeface="Times" panose="02020603050405020304" pitchFamily="18" charset="0"/>
+              </a:rPr>
+              <a:t> Framework</a:t>
+            </a:r>
+            <a:endParaRPr lang="zh-TW" altLang="en-US" sz="4000" dirty="0">
+              <a:latin typeface="Times" panose="02020603050405020304" pitchFamily="18" charset="0"/>
+              <a:cs typeface="Times" panose="02020603050405020304" pitchFamily="18" charset="0"/>
+            </a:endParaRPr>
+          </a:p>
+        </p:txBody>
+      </p:sp>
+      <mc:AlternateContent xmlns:mc="http://schemas.openxmlformats.org/markup-compatibility/2006">
+        <mc:Choice xmlns:a14="http://schemas.microsoft.com/office/drawing/2010/main" Requires="a14">
+          <p:sp>
+            <p:nvSpPr>
+              <p:cNvPr id="3" name="內容版面配置區 2">
+                <a:extLst>
+                  <a:ext uri="{FF2B5EF4-FFF2-40B4-BE49-F238E27FC236}">
+                    <a16:creationId xmlns:a16="http://schemas.microsoft.com/office/drawing/2014/main" id="{6532586F-2B33-9C61-58DC-9046125E1570}"/>
+                  </a:ext>
+                </a:extLst>
+              </p:cNvPr>
+              <p:cNvSpPr>
+                <a:spLocks noGrp="1"/>
+              </p:cNvSpPr>
+              <p:nvPr>
+                <p:ph idx="1"/>
+              </p:nvPr>
+            </p:nvSpPr>
+            <p:spPr>
+              <a:xfrm>
+                <a:off x="838199" y="1690689"/>
+                <a:ext cx="11823551" cy="5030786"/>
+              </a:xfrm>
+            </p:spPr>
+            <p:txBody>
+              <a:bodyPr>
+                <a:normAutofit/>
+              </a:bodyPr>
+              <a:lstStyle/>
+              <a:p>
+                <a:pPr marL="457200" indent="-457200">
+                  <a:lnSpc>
+                    <a:spcPct val="150000"/>
+                  </a:lnSpc>
+                  <a:buFont typeface="+mj-lt"/>
+                  <a:buAutoNum type="arabicPeriod" startAt="3"/>
+                </a:pPr>
+                <a:r>
+                  <a:rPr lang="en-US" altLang="zh-TW" sz="2200" dirty="0">
+                    <a:latin typeface="Times" panose="02020603050405020304" pitchFamily="18" charset="0"/>
+                    <a:ea typeface="標楷體" panose="03000509000000000000" pitchFamily="65" charset="-120"/>
+                    <a:cs typeface="Times" panose="02020603050405020304" pitchFamily="18" charset="0"/>
+                  </a:rPr>
+                  <a:t>MOGA-</a:t>
+                </a:r>
+                <a:r>
+                  <a:rPr lang="en-US" altLang="zh-TW" sz="2200" dirty="0" err="1">
+                    <a:latin typeface="Times" panose="02020603050405020304" pitchFamily="18" charset="0"/>
+                    <a:ea typeface="標楷體" panose="03000509000000000000" pitchFamily="65" charset="-120"/>
+                    <a:cs typeface="Times" panose="02020603050405020304" pitchFamily="18" charset="0"/>
+                  </a:rPr>
+                  <a:t>CmpCNN</a:t>
+                </a:r>
+                <a:r>
+                  <a:rPr lang="en-US" altLang="zh-TW" sz="2200" dirty="0">
+                    <a:latin typeface="Times" panose="02020603050405020304" pitchFamily="18" charset="0"/>
+                    <a:ea typeface="標楷體" panose="03000509000000000000" pitchFamily="65" charset="-120"/>
+                    <a:cs typeface="Times" panose="02020603050405020304" pitchFamily="18" charset="0"/>
+                  </a:rPr>
+                  <a:t> Fill Insertion</a:t>
+                </a:r>
+              </a:p>
+              <a:p>
+                <a:pPr lvl="1">
+                  <a:lnSpc>
+                    <a:spcPct val="150000"/>
+                  </a:lnSpc>
+                </a:pPr>
+                <a:r>
+                  <a:rPr lang="en-US" altLang="zh-TW" sz="2000" dirty="0">
+                    <a:latin typeface="Times" panose="02020603050405020304" pitchFamily="18" charset="0"/>
+                    <a:ea typeface="標楷體" panose="03000509000000000000" pitchFamily="65" charset="-120"/>
+                    <a:cs typeface="Times" panose="02020603050405020304" pitchFamily="18" charset="0"/>
+                  </a:rPr>
+                  <a:t>Multi-Objective Fitness Score</a:t>
+                </a:r>
+              </a:p>
+              <a:p>
+                <a:pPr lvl="2">
+                  <a:lnSpc>
+                    <a:spcPct val="150000"/>
+                  </a:lnSpc>
+                </a:pPr>
+                <a14:m>
+                  <m:oMath xmlns:m="http://schemas.openxmlformats.org/officeDocument/2006/math">
+                    <m:r>
+                      <a:rPr lang="en-US" altLang="zh-TW" sz="1800" b="1" i="0" smtClean="0">
+                        <a:latin typeface="Cambria Math" panose="02040503050406030204" pitchFamily="18" charset="0"/>
+                      </a:rPr>
+                      <m:t>𝐅𝐢𝐭𝐧𝐞𝐬𝐬</m:t>
+                    </m:r>
+                    <m:r>
+                      <a:rPr lang="en-US" altLang="zh-TW" sz="1800" b="1" i="0" smtClean="0">
+                        <a:latin typeface="Cambria Math" panose="02040503050406030204" pitchFamily="18" charset="0"/>
+                      </a:rPr>
+                      <m:t> </m:t>
+                    </m:r>
+                    <m:r>
+                      <a:rPr lang="en-US" altLang="zh-TW" sz="1800" b="1" i="0" smtClean="0">
+                        <a:latin typeface="Cambria Math" panose="02040503050406030204" pitchFamily="18" charset="0"/>
+                      </a:rPr>
+                      <m:t>𝐬𝐜𝐨𝐫𝐞</m:t>
+                    </m:r>
+                    <m:r>
+                      <a:rPr lang="en-US" altLang="zh-TW" sz="1800" b="1" i="0" smtClean="0">
+                        <a:latin typeface="Cambria Math" panose="02040503050406030204" pitchFamily="18" charset="0"/>
+                      </a:rPr>
+                      <m:t> </m:t>
+                    </m:r>
+                  </m:oMath>
+                </a14:m>
+                <a:r>
+                  <a:rPr lang="en-US" altLang="zh-TW" sz="1800" dirty="0">
+                    <a:latin typeface="Times" panose="02020603050405020304" pitchFamily="18" charset="0"/>
+                    <a:cs typeface="Times" panose="02020603050405020304" pitchFamily="18" charset="0"/>
+                  </a:rPr>
+                  <a:t>= </a:t>
+                </a:r>
+                <a:r>
+                  <a:rPr lang="en-US" altLang="zh-TW" sz="1800" b="1" dirty="0">
+                    <a:latin typeface="Times" panose="02020603050405020304" pitchFamily="18" charset="0"/>
+                    <a:cs typeface="Times" panose="02020603050405020304" pitchFamily="18" charset="0"/>
+                  </a:rPr>
+                  <a:t>d</a:t>
+                </a:r>
+                <a:r>
+                  <a:rPr lang="en-US" altLang="zh-TW" sz="1800" b="1" dirty="0">
+                    <a:latin typeface="Times" panose="02020603050405020304" pitchFamily="18" charset="0"/>
+                    <a:ea typeface="標楷體" panose="03000509000000000000" pitchFamily="65" charset="-120"/>
+                    <a:cs typeface="Times" panose="02020603050405020304" pitchFamily="18" charset="0"/>
+                  </a:rPr>
+                  <a:t>ensity score </a:t>
+                </a:r>
+                <a:r>
+                  <a:rPr lang="en-US" altLang="zh-TW" sz="1800" dirty="0">
+                    <a:latin typeface="Times" panose="02020603050405020304" pitchFamily="18" charset="0"/>
+                    <a:ea typeface="標楷體" panose="03000509000000000000" pitchFamily="65" charset="-120"/>
+                    <a:cs typeface="Times" panose="02020603050405020304" pitchFamily="18" charset="0"/>
+                  </a:rPr>
+                  <a:t>(</a:t>
+                </a:r>
+                <a14:m>
+                  <m:oMath xmlns:m="http://schemas.openxmlformats.org/officeDocument/2006/math">
+                    <m:sSub>
+                      <m:sSubPr>
+                        <m:ctrlPr>
+                          <a:rPr lang="en-US" altLang="zh-TW" sz="1800" i="1" smtClean="0">
+                            <a:latin typeface="Cambria Math" panose="02040503050406030204" pitchFamily="18" charset="0"/>
+                            <a:ea typeface="標楷體" panose="03000509000000000000" pitchFamily="65" charset="-120"/>
+                            <a:cs typeface="Times" panose="02020603050405020304" pitchFamily="18" charset="0"/>
+                          </a:rPr>
+                        </m:ctrlPr>
+                      </m:sSubPr>
+                      <m:e>
+                        <m:r>
+                          <a:rPr lang="en-US" altLang="zh-TW" sz="1800" b="0" i="1" smtClean="0">
+                            <a:latin typeface="Cambria Math" panose="02040503050406030204" pitchFamily="18" charset="0"/>
+                            <a:ea typeface="標楷體" panose="03000509000000000000" pitchFamily="65" charset="-120"/>
+                            <a:cs typeface="Times" panose="02020603050405020304" pitchFamily="18" charset="0"/>
+                          </a:rPr>
+                          <m:t>𝑆𝑐𝑜𝑟𝑒</m:t>
+                        </m:r>
+                      </m:e>
+                      <m:sub>
+                        <m:r>
+                          <a:rPr lang="en-US" altLang="zh-TW" sz="1800" b="0" i="1" smtClean="0">
+                            <a:latin typeface="Cambria Math" panose="02040503050406030204" pitchFamily="18" charset="0"/>
+                            <a:ea typeface="標楷體" panose="03000509000000000000" pitchFamily="65" charset="-120"/>
+                            <a:cs typeface="Times" panose="02020603050405020304" pitchFamily="18" charset="0"/>
+                          </a:rPr>
+                          <m:t>𝑑</m:t>
+                        </m:r>
+                      </m:sub>
+                    </m:sSub>
+                  </m:oMath>
+                </a14:m>
+                <a:r>
+                  <a:rPr lang="en-US" altLang="zh-TW" sz="1800" dirty="0">
+                    <a:latin typeface="Times" panose="02020603050405020304" pitchFamily="18" charset="0"/>
+                    <a:ea typeface="標楷體" panose="03000509000000000000" pitchFamily="65" charset="-120"/>
+                    <a:cs typeface="Times" panose="02020603050405020304" pitchFamily="18" charset="0"/>
+                  </a:rPr>
+                  <a:t>) + </a:t>
+                </a:r>
+                <a:r>
+                  <a:rPr lang="en-US" altLang="zh-TW" sz="1800" b="1" dirty="0">
+                    <a:latin typeface="Times" panose="02020603050405020304" pitchFamily="18" charset="0"/>
+                    <a:ea typeface="標楷體" panose="03000509000000000000" pitchFamily="65" charset="-120"/>
+                    <a:cs typeface="Times" panose="02020603050405020304" pitchFamily="18" charset="0"/>
+                  </a:rPr>
+                  <a:t>height score </a:t>
+                </a:r>
+                <a:r>
+                  <a:rPr lang="en-US" altLang="zh-TW" sz="1800" dirty="0">
+                    <a:latin typeface="Times" panose="02020603050405020304" pitchFamily="18" charset="0"/>
+                    <a:ea typeface="標楷體" panose="03000509000000000000" pitchFamily="65" charset="-120"/>
+                    <a:cs typeface="Times" panose="02020603050405020304" pitchFamily="18" charset="0"/>
+                  </a:rPr>
+                  <a:t>(</a:t>
+                </a:r>
+                <a14:m>
+                  <m:oMath xmlns:m="http://schemas.openxmlformats.org/officeDocument/2006/math">
+                    <m:sSub>
+                      <m:sSubPr>
+                        <m:ctrlPr>
+                          <a:rPr lang="en-US" altLang="zh-TW" sz="1800" i="1" smtClean="0">
+                            <a:latin typeface="Cambria Math" panose="02040503050406030204" pitchFamily="18" charset="0"/>
+                            <a:ea typeface="標楷體" panose="03000509000000000000" pitchFamily="65" charset="-120"/>
+                            <a:cs typeface="Times" panose="02020603050405020304" pitchFamily="18" charset="0"/>
+                          </a:rPr>
+                        </m:ctrlPr>
+                      </m:sSubPr>
+                      <m:e>
+                        <m:r>
+                          <a:rPr lang="en-US" altLang="zh-TW" sz="1800" b="0" i="1" smtClean="0">
+                            <a:latin typeface="Cambria Math" panose="02040503050406030204" pitchFamily="18" charset="0"/>
+                            <a:ea typeface="標楷體" panose="03000509000000000000" pitchFamily="65" charset="-120"/>
+                            <a:cs typeface="Times" panose="02020603050405020304" pitchFamily="18" charset="0"/>
+                          </a:rPr>
+                          <m:t>𝑆𝑐𝑜𝑟𝑒</m:t>
+                        </m:r>
+                      </m:e>
+                      <m:sub>
+                        <m:r>
+                          <a:rPr lang="en-US" altLang="zh-TW" sz="1800" b="0" i="1" smtClean="0">
+                            <a:latin typeface="Cambria Math" panose="02040503050406030204" pitchFamily="18" charset="0"/>
+                            <a:ea typeface="標楷體" panose="03000509000000000000" pitchFamily="65" charset="-120"/>
+                            <a:cs typeface="Times" panose="02020603050405020304" pitchFamily="18" charset="0"/>
+                          </a:rPr>
+                          <m:t>h</m:t>
+                        </m:r>
+                      </m:sub>
+                    </m:sSub>
+                  </m:oMath>
+                </a14:m>
+                <a:r>
+                  <a:rPr lang="en-US" altLang="zh-TW" sz="1800" dirty="0">
+                    <a:latin typeface="Times" panose="02020603050405020304" pitchFamily="18" charset="0"/>
+                    <a:ea typeface="標楷體" panose="03000509000000000000" pitchFamily="65" charset="-120"/>
+                    <a:cs typeface="Times" panose="02020603050405020304" pitchFamily="18" charset="0"/>
+                  </a:rPr>
+                  <a:t>) + </a:t>
+                </a:r>
+                <a:r>
+                  <a:rPr lang="en-US" altLang="zh-TW" sz="1800" b="1" dirty="0">
+                    <a:latin typeface="Times" panose="02020603050405020304" pitchFamily="18" charset="0"/>
+                    <a:ea typeface="標楷體" panose="03000509000000000000" pitchFamily="65" charset="-120"/>
+                    <a:cs typeface="Times" panose="02020603050405020304" pitchFamily="18" charset="0"/>
+                  </a:rPr>
+                  <a:t>fill amount score </a:t>
+                </a:r>
+                <a:r>
+                  <a:rPr lang="en-US" altLang="zh-TW" sz="1800" dirty="0">
+                    <a:latin typeface="Times" panose="02020603050405020304" pitchFamily="18" charset="0"/>
+                    <a:ea typeface="標楷體" panose="03000509000000000000" pitchFamily="65" charset="-120"/>
+                    <a:cs typeface="Times" panose="02020603050405020304" pitchFamily="18" charset="0"/>
+                  </a:rPr>
+                  <a:t>(</a:t>
+                </a:r>
+                <a14:m>
+                  <m:oMath xmlns:m="http://schemas.openxmlformats.org/officeDocument/2006/math">
+                    <m:sSub>
+                      <m:sSubPr>
+                        <m:ctrlPr>
+                          <a:rPr lang="en-US" altLang="zh-TW" sz="1800" i="1" smtClean="0">
+                            <a:latin typeface="Cambria Math" panose="02040503050406030204" pitchFamily="18" charset="0"/>
+                            <a:ea typeface="標楷體" panose="03000509000000000000" pitchFamily="65" charset="-120"/>
+                            <a:cs typeface="Times" panose="02020603050405020304" pitchFamily="18" charset="0"/>
+                          </a:rPr>
+                        </m:ctrlPr>
+                      </m:sSubPr>
+                      <m:e>
+                        <m:r>
+                          <a:rPr lang="en-US" altLang="zh-TW" sz="1800" b="0" i="1" smtClean="0">
+                            <a:latin typeface="Cambria Math" panose="02040503050406030204" pitchFamily="18" charset="0"/>
+                            <a:ea typeface="標楷體" panose="03000509000000000000" pitchFamily="65" charset="-120"/>
+                            <a:cs typeface="Times" panose="02020603050405020304" pitchFamily="18" charset="0"/>
+                          </a:rPr>
+                          <m:t>𝑆𝑐𝑜𝑟𝑒</m:t>
+                        </m:r>
+                      </m:e>
+                      <m:sub>
+                        <m:r>
+                          <a:rPr lang="en-US" altLang="zh-TW" sz="1800" b="0" i="1" smtClean="0">
+                            <a:latin typeface="Cambria Math" panose="02040503050406030204" pitchFamily="18" charset="0"/>
+                            <a:ea typeface="標楷體" panose="03000509000000000000" pitchFamily="65" charset="-120"/>
+                            <a:cs typeface="Times" panose="02020603050405020304" pitchFamily="18" charset="0"/>
+                          </a:rPr>
+                          <m:t>𝑓</m:t>
+                        </m:r>
+                      </m:sub>
+                    </m:sSub>
+                  </m:oMath>
+                </a14:m>
+                <a:r>
+                  <a:rPr lang="en-US" altLang="zh-TW" sz="1800" dirty="0">
+                    <a:latin typeface="Times" panose="02020603050405020304" pitchFamily="18" charset="0"/>
+                    <a:ea typeface="標楷體" panose="03000509000000000000" pitchFamily="65" charset="-120"/>
+                    <a:cs typeface="Times" panose="02020603050405020304" pitchFamily="18" charset="0"/>
+                  </a:rPr>
+                  <a:t>).</a:t>
+                </a:r>
+              </a:p>
+              <a:p>
+                <a:pPr lvl="2">
+                  <a:lnSpc>
+                    <a:spcPct val="150000"/>
+                  </a:lnSpc>
+                </a:pPr>
+                <a:endParaRPr lang="en-US" altLang="zh-TW" sz="800" dirty="0">
+                  <a:latin typeface="Times" panose="02020603050405020304" pitchFamily="18" charset="0"/>
+                  <a:ea typeface="標楷體" panose="03000509000000000000" pitchFamily="65" charset="-120"/>
+                  <a:cs typeface="Times" panose="02020603050405020304" pitchFamily="18" charset="0"/>
+                </a:endParaRPr>
+              </a:p>
+              <a:p>
+                <a:pPr lvl="2">
+                  <a:lnSpc>
+                    <a:spcPct val="150000"/>
+                  </a:lnSpc>
+                </a:pPr>
+                <a:r>
+                  <a:rPr lang="en-US" altLang="zh-TW" sz="1800" dirty="0">
+                    <a:latin typeface="Times" panose="02020603050405020304" pitchFamily="18" charset="0"/>
+                    <a:ea typeface="標楷體" panose="03000509000000000000" pitchFamily="65" charset="-120"/>
+                    <a:cs typeface="Times" panose="02020603050405020304" pitchFamily="18" charset="0"/>
+                  </a:rPr>
+                  <a:t> </a:t>
+                </a:r>
+              </a:p>
+              <a:p>
+                <a:pPr lvl="2">
+                  <a:lnSpc>
+                    <a:spcPct val="150000"/>
+                  </a:lnSpc>
+                </a:pPr>
+                <a:endParaRPr lang="en-US" altLang="zh-TW" sz="800" dirty="0">
+                  <a:latin typeface="Times" panose="02020603050405020304" pitchFamily="18" charset="0"/>
+                  <a:ea typeface="標楷體" panose="03000509000000000000" pitchFamily="65" charset="-120"/>
+                  <a:cs typeface="Times" panose="02020603050405020304" pitchFamily="18" charset="0"/>
+                </a:endParaRPr>
+              </a:p>
+              <a:p>
+                <a:pPr lvl="2">
+                  <a:lnSpc>
+                    <a:spcPct val="150000"/>
+                  </a:lnSpc>
+                </a:pPr>
+                <a:r>
+                  <a:rPr lang="en-US" altLang="zh-TW" sz="1800" dirty="0">
+                    <a:latin typeface="Times" panose="02020603050405020304" pitchFamily="18" charset="0"/>
+                    <a:ea typeface="標楷體" panose="03000509000000000000" pitchFamily="65" charset="-120"/>
+                    <a:cs typeface="Times" panose="02020603050405020304" pitchFamily="18" charset="0"/>
+                  </a:rPr>
+                  <a:t> </a:t>
+                </a:r>
+              </a:p>
+              <a:p>
+                <a:pPr lvl="2">
+                  <a:lnSpc>
+                    <a:spcPct val="150000"/>
+                  </a:lnSpc>
+                </a:pPr>
+                <a:endParaRPr lang="en-US" altLang="zh-TW" sz="1000" dirty="0">
+                  <a:latin typeface="Times" panose="02020603050405020304" pitchFamily="18" charset="0"/>
+                  <a:ea typeface="標楷體" panose="03000509000000000000" pitchFamily="65" charset="-120"/>
+                  <a:cs typeface="Times" panose="02020603050405020304" pitchFamily="18" charset="0"/>
+                </a:endParaRPr>
+              </a:p>
+              <a:p>
+                <a:pPr lvl="2">
+                  <a:lnSpc>
+                    <a:spcPct val="150000"/>
+                  </a:lnSpc>
+                </a:pPr>
+                <a:r>
+                  <a:rPr lang="en-US" altLang="zh-TW" sz="1800" dirty="0">
+                    <a:latin typeface="Times" panose="02020603050405020304" pitchFamily="18" charset="0"/>
+                    <a:ea typeface="標楷體" panose="03000509000000000000" pitchFamily="65" charset="-120"/>
+                    <a:cs typeface="Times" panose="02020603050405020304" pitchFamily="18" charset="0"/>
+                  </a:rPr>
+                  <a:t> </a:t>
+                </a:r>
+              </a:p>
+              <a:p>
+                <a:pPr marL="914400" lvl="2" indent="0">
+                  <a:lnSpc>
+                    <a:spcPct val="150000"/>
+                  </a:lnSpc>
+                  <a:buNone/>
+                </a:pPr>
+                <a:endParaRPr lang="en-US" altLang="zh-TW" sz="1600" dirty="0">
+                  <a:latin typeface="Times" panose="02020603050405020304" pitchFamily="18" charset="0"/>
+                  <a:ea typeface="標楷體" panose="03000509000000000000" pitchFamily="65" charset="-120"/>
+                  <a:cs typeface="Times" panose="02020603050405020304" pitchFamily="18" charset="0"/>
+                </a:endParaRPr>
+              </a:p>
+            </p:txBody>
+          </p:sp>
+        </mc:Choice>
+        <mc:Fallback>
+          <p:sp>
+            <p:nvSpPr>
+              <p:cNvPr id="3" name="內容版面配置區 2">
+                <a:extLst>
+                  <a:ext uri="{FF2B5EF4-FFF2-40B4-BE49-F238E27FC236}">
+                    <a16:creationId xmlns:a16="http://schemas.microsoft.com/office/drawing/2014/main" id="{6532586F-2B33-9C61-58DC-9046125E1570}"/>
+                  </a:ext>
+                </a:extLst>
+              </p:cNvPr>
+              <p:cNvSpPr>
+                <a:spLocks noGrp="1" noRot="1" noChangeAspect="1" noMove="1" noResize="1" noEditPoints="1" noAdjustHandles="1" noChangeArrowheads="1" noChangeShapeType="1" noTextEdit="1"/>
+              </p:cNvSpPr>
+              <p:nvPr>
+                <p:ph idx="1"/>
+              </p:nvPr>
+            </p:nvSpPr>
+            <p:spPr>
+              <a:xfrm>
+                <a:off x="838199" y="1690689"/>
+                <a:ext cx="11823551" cy="5030786"/>
+              </a:xfrm>
+              <a:blipFill>
+                <a:blip r:embed="rId3"/>
+                <a:stretch>
+                  <a:fillRect l="-515"/>
+                </a:stretch>
+              </a:blipFill>
+            </p:spPr>
+            <p:txBody>
+              <a:bodyPr/>
+              <a:lstStyle/>
+              <a:p>
+                <a:r>
+                  <a:rPr lang="zh-TW" altLang="en-US">
+                    <a:noFill/>
+                  </a:rPr>
+                  <a:t> </a:t>
+                </a:r>
+              </a:p>
+            </p:txBody>
+          </p:sp>
+        </mc:Fallback>
+      </mc:AlternateContent>
+      <p:sp>
+        <p:nvSpPr>
+          <p:cNvPr id="4" name="投影片編號版面配置區 3">
+            <a:extLst>
+              <a:ext uri="{FF2B5EF4-FFF2-40B4-BE49-F238E27FC236}">
+                <a16:creationId xmlns:a16="http://schemas.microsoft.com/office/drawing/2014/main" id="{4F34BD4F-A1A7-2695-B9CD-0B31024175B2}"/>
+              </a:ext>
+            </a:extLst>
+          </p:cNvPr>
+          <p:cNvSpPr>
+            <a:spLocks noGrp="1"/>
+          </p:cNvSpPr>
+          <p:nvPr>
+            <p:ph type="sldNum" sz="quarter" idx="12"/>
+          </p:nvPr>
+        </p:nvSpPr>
+        <p:spPr/>
+        <p:txBody>
+          <a:bodyPr/>
+          <a:lstStyle/>
+          <a:p>
+            <a:fld id="{666274A1-CF9C-426A-8DD4-B13ED0C24231}" type="slidenum">
+              <a:rPr lang="en-US" smtClean="0"/>
+              <a:t>16</a:t>
+            </a:fld>
+            <a:endParaRPr lang="en-US" dirty="0"/>
+          </a:p>
+        </p:txBody>
+      </p:sp>
+      <p:grpSp>
+        <p:nvGrpSpPr>
+          <p:cNvPr id="12" name="群組 11">
+            <a:extLst>
+              <a:ext uri="{FF2B5EF4-FFF2-40B4-BE49-F238E27FC236}">
+                <a16:creationId xmlns:a16="http://schemas.microsoft.com/office/drawing/2014/main" id="{7E362BE6-4F95-A7D3-8671-0D9D372E76C2}"/>
+              </a:ext>
+            </a:extLst>
+          </p:cNvPr>
+          <p:cNvGrpSpPr/>
+          <p:nvPr/>
+        </p:nvGrpSpPr>
+        <p:grpSpPr>
+          <a:xfrm>
+            <a:off x="1980911" y="3473926"/>
+            <a:ext cx="5452621" cy="2208501"/>
+            <a:chOff x="1980913" y="4147849"/>
+            <a:chExt cx="5452621" cy="2208501"/>
+          </a:xfrm>
+        </p:grpSpPr>
+        <p:pic>
+          <p:nvPicPr>
+            <p:cNvPr id="7" name="圖片 6">
+              <a:extLst>
+                <a:ext uri="{FF2B5EF4-FFF2-40B4-BE49-F238E27FC236}">
+                  <a16:creationId xmlns:a16="http://schemas.microsoft.com/office/drawing/2014/main" id="{01ED4316-2561-803C-7E9A-0B5A49E8F41E}"/>
+                </a:ext>
+              </a:extLst>
+            </p:cNvPr>
+            <p:cNvPicPr>
+              <a:picLocks noChangeAspect="1"/>
+            </p:cNvPicPr>
+            <p:nvPr/>
+          </p:nvPicPr>
+          <p:blipFill>
+            <a:blip r:embed="rId4"/>
+            <a:stretch>
+              <a:fillRect/>
+            </a:stretch>
+          </p:blipFill>
+          <p:spPr>
+            <a:xfrm>
+              <a:off x="1980913" y="4147849"/>
+              <a:ext cx="5452621" cy="687305"/>
+            </a:xfrm>
+            <a:prstGeom prst="rect">
+              <a:avLst/>
+            </a:prstGeom>
+          </p:spPr>
+        </p:pic>
+        <p:pic>
+          <p:nvPicPr>
+            <p:cNvPr id="9" name="圖片 8">
+              <a:extLst>
+                <a:ext uri="{FF2B5EF4-FFF2-40B4-BE49-F238E27FC236}">
+                  <a16:creationId xmlns:a16="http://schemas.microsoft.com/office/drawing/2014/main" id="{F7A16937-01CC-53C8-1520-B436AA74CA72}"/>
+                </a:ext>
+              </a:extLst>
+            </p:cNvPr>
+            <p:cNvPicPr>
+              <a:picLocks noChangeAspect="1"/>
+            </p:cNvPicPr>
+            <p:nvPr/>
+          </p:nvPicPr>
+          <p:blipFill>
+            <a:blip r:embed="rId5"/>
+            <a:stretch>
+              <a:fillRect/>
+            </a:stretch>
+          </p:blipFill>
+          <p:spPr>
+            <a:xfrm>
+              <a:off x="1980913" y="4970091"/>
+              <a:ext cx="3215032" cy="446322"/>
+            </a:xfrm>
+            <a:prstGeom prst="rect">
+              <a:avLst/>
+            </a:prstGeom>
+          </p:spPr>
+        </p:pic>
+        <p:pic>
+          <p:nvPicPr>
+            <p:cNvPr id="11" name="圖片 10">
+              <a:extLst>
+                <a:ext uri="{FF2B5EF4-FFF2-40B4-BE49-F238E27FC236}">
+                  <a16:creationId xmlns:a16="http://schemas.microsoft.com/office/drawing/2014/main" id="{E590C5BA-A71F-009D-9606-93652CED3958}"/>
+                </a:ext>
+              </a:extLst>
+            </p:cNvPr>
+            <p:cNvPicPr>
+              <a:picLocks noChangeAspect="1"/>
+            </p:cNvPicPr>
+            <p:nvPr/>
+          </p:nvPicPr>
+          <p:blipFill>
+            <a:blip r:embed="rId6"/>
+            <a:stretch>
+              <a:fillRect/>
+            </a:stretch>
+          </p:blipFill>
+          <p:spPr>
+            <a:xfrm>
+              <a:off x="2034703" y="5605715"/>
+              <a:ext cx="4827689" cy="750635"/>
+            </a:xfrm>
+            <a:prstGeom prst="rect">
+              <a:avLst/>
+            </a:prstGeom>
+          </p:spPr>
+        </p:pic>
+      </p:grpSp>
+      <mc:AlternateContent xmlns:mc="http://schemas.openxmlformats.org/markup-compatibility/2006">
+        <mc:Choice xmlns:a14="http://schemas.microsoft.com/office/drawing/2010/main" Requires="a14">
+          <p:sp>
+            <p:nvSpPr>
+              <p:cNvPr id="14" name="文字方塊 13">
+                <a:extLst>
+                  <a:ext uri="{FF2B5EF4-FFF2-40B4-BE49-F238E27FC236}">
+                    <a16:creationId xmlns:a16="http://schemas.microsoft.com/office/drawing/2014/main" id="{F1DD8F5F-B729-5E0B-E13B-49DB572BAD44}"/>
+                  </a:ext>
+                </a:extLst>
+              </p:cNvPr>
+              <p:cNvSpPr txBox="1"/>
+              <p:nvPr/>
+            </p:nvSpPr>
+            <p:spPr>
+              <a:xfrm>
+                <a:off x="7098656" y="4417186"/>
+                <a:ext cx="5071828" cy="1779461"/>
+              </a:xfrm>
+              <a:prstGeom prst="rect">
+                <a:avLst/>
+              </a:prstGeom>
+              <a:noFill/>
+              <a:ln>
+                <a:solidFill>
+                  <a:schemeClr val="tx1"/>
+                </a:solidFill>
+              </a:ln>
+            </p:spPr>
+            <p:txBody>
+              <a:bodyPr wrap="square" rtlCol="0">
+                <a:spAutoFit/>
+              </a:bodyPr>
+              <a:lstStyle/>
+              <a:p>
+                <a:pPr marL="285750" indent="-285750">
+                  <a:lnSpc>
+                    <a:spcPct val="120000"/>
+                  </a:lnSpc>
+                  <a:buFont typeface="Wingdings" panose="05000000000000000000" pitchFamily="2" charset="2"/>
+                  <a:buChar char="Ø"/>
+                </a:pPr>
+                <a14:m>
+                  <m:oMath xmlns:m="http://schemas.openxmlformats.org/officeDocument/2006/math">
+                    <m:r>
+                      <a:rPr lang="en-US" altLang="zh-TW" i="1" dirty="0" smtClean="0">
+                        <a:latin typeface="Cambria Math" panose="02040503050406030204" pitchFamily="18" charset="0"/>
+                        <a:cs typeface="Times" panose="02020603050405020304" pitchFamily="18" charset="0"/>
+                      </a:rPr>
+                      <m:t> </m:t>
+                    </m:r>
+                    <m:r>
+                      <a:rPr lang="en-US" altLang="zh-TW" i="1" dirty="0" smtClean="0">
+                        <a:latin typeface="Cambria Math" panose="02040503050406030204" pitchFamily="18" charset="0"/>
+                        <a:cs typeface="Times" panose="02020603050405020304" pitchFamily="18" charset="0"/>
+                      </a:rPr>
+                      <m:t>𝑑</m:t>
+                    </m:r>
+                    <m:r>
+                      <a:rPr lang="en-US" altLang="zh-TW" i="1" dirty="0" smtClean="0">
+                        <a:latin typeface="Cambria Math" panose="02040503050406030204" pitchFamily="18" charset="0"/>
+                        <a:cs typeface="Times" panose="02020603050405020304" pitchFamily="18" charset="0"/>
+                      </a:rPr>
+                      <m:t>:      </m:t>
+                    </m:r>
+                    <m:r>
+                      <a:rPr lang="en-US" altLang="zh-TW" b="0" i="1" dirty="0" smtClean="0">
+                        <a:latin typeface="Cambria Math" panose="02040503050406030204" pitchFamily="18" charset="0"/>
+                        <a:cs typeface="Times" panose="02020603050405020304" pitchFamily="18" charset="0"/>
+                      </a:rPr>
+                      <m:t>    </m:t>
+                    </m:r>
+                    <m:r>
+                      <a:rPr lang="en-US" altLang="zh-TW" i="1" dirty="0" smtClean="0">
+                        <a:latin typeface="Cambria Math" panose="02040503050406030204" pitchFamily="18" charset="0"/>
+                        <a:cs typeface="Times" panose="02020603050405020304" pitchFamily="18" charset="0"/>
+                      </a:rPr>
+                      <m:t>𝑑𝑒𝑛𝑠𝑖𝑡𝑦</m:t>
+                    </m:r>
+                    <m:r>
+                      <a:rPr lang="en-US" altLang="zh-TW" i="1" dirty="0" smtClean="0">
+                        <a:latin typeface="Cambria Math" panose="02040503050406030204" pitchFamily="18" charset="0"/>
+                        <a:cs typeface="Times" panose="02020603050405020304" pitchFamily="18" charset="0"/>
+                      </a:rPr>
+                      <m:t> </m:t>
+                    </m:r>
+                    <m:r>
+                      <a:rPr lang="en-US" altLang="zh-TW" i="1" dirty="0" smtClean="0">
+                        <a:latin typeface="Cambria Math" panose="02040503050406030204" pitchFamily="18" charset="0"/>
+                        <a:cs typeface="Times" panose="02020603050405020304" pitchFamily="18" charset="0"/>
+                      </a:rPr>
+                      <m:t>𝑜𝑓</m:t>
+                    </m:r>
+                    <m:r>
+                      <a:rPr lang="en-US" altLang="zh-TW" i="1" dirty="0" smtClean="0">
+                        <a:latin typeface="Cambria Math" panose="02040503050406030204" pitchFamily="18" charset="0"/>
+                        <a:cs typeface="Times" panose="02020603050405020304" pitchFamily="18" charset="0"/>
+                      </a:rPr>
+                      <m:t> </m:t>
+                    </m:r>
+                    <m:r>
+                      <a:rPr lang="en-US" altLang="zh-TW" i="1" dirty="0" smtClean="0">
+                        <a:latin typeface="Cambria Math" panose="02040503050406030204" pitchFamily="18" charset="0"/>
+                        <a:cs typeface="Times" panose="02020603050405020304" pitchFamily="18" charset="0"/>
+                      </a:rPr>
+                      <m:t>𝑡h𝑒</m:t>
+                    </m:r>
+                    <m:r>
+                      <a:rPr lang="en-US" altLang="zh-TW" i="1" dirty="0" smtClean="0">
+                        <a:latin typeface="Cambria Math" panose="02040503050406030204" pitchFamily="18" charset="0"/>
+                        <a:cs typeface="Times" panose="02020603050405020304" pitchFamily="18" charset="0"/>
+                      </a:rPr>
+                      <m:t> </m:t>
+                    </m:r>
+                    <m:r>
+                      <a:rPr lang="en-US" altLang="zh-TW" i="1" dirty="0" smtClean="0">
+                        <a:latin typeface="Cambria Math" panose="02040503050406030204" pitchFamily="18" charset="0"/>
+                        <a:cs typeface="Times" panose="02020603050405020304" pitchFamily="18" charset="0"/>
+                      </a:rPr>
+                      <m:t>𝑓𝑖𝑙𝑙</m:t>
+                    </m:r>
+                    <m:r>
+                      <a:rPr lang="en-US" altLang="zh-TW" i="1" dirty="0" smtClean="0">
+                        <a:latin typeface="Cambria Math" panose="02040503050406030204" pitchFamily="18" charset="0"/>
+                        <a:cs typeface="Times" panose="02020603050405020304" pitchFamily="18" charset="0"/>
+                      </a:rPr>
+                      <m:t> </m:t>
+                    </m:r>
+                    <m:r>
+                      <a:rPr lang="en-US" altLang="zh-TW" i="1" dirty="0" smtClean="0">
+                        <a:latin typeface="Cambria Math" panose="02040503050406030204" pitchFamily="18" charset="0"/>
+                        <a:cs typeface="Times" panose="02020603050405020304" pitchFamily="18" charset="0"/>
+                      </a:rPr>
+                      <m:t>𝑠𝑜𝑙𝑢𝑡𝑖𝑜𝑛</m:t>
+                    </m:r>
+                  </m:oMath>
+                </a14:m>
+                <a:endParaRPr lang="en-US" altLang="zh-TW" dirty="0">
+                  <a:latin typeface="Times" panose="02020603050405020304" pitchFamily="18" charset="0"/>
+                  <a:cs typeface="Times" panose="02020603050405020304" pitchFamily="18" charset="0"/>
+                </a:endParaRPr>
+              </a:p>
+              <a:p>
+                <a:pPr marL="285750" indent="-285750">
+                  <a:lnSpc>
+                    <a:spcPct val="120000"/>
+                  </a:lnSpc>
+                  <a:buFont typeface="Wingdings" panose="05000000000000000000" pitchFamily="2" charset="2"/>
+                  <a:buChar char="Ø"/>
+                </a:pPr>
+                <a14:m>
+                  <m:oMath xmlns:m="http://schemas.openxmlformats.org/officeDocument/2006/math">
+                    <m:sSub>
+                      <m:sSubPr>
+                        <m:ctrlPr>
+                          <a:rPr lang="en-US" altLang="zh-TW" i="1" smtClean="0">
+                            <a:latin typeface="Cambria Math" panose="02040503050406030204" pitchFamily="18" charset="0"/>
+                            <a:cs typeface="Times" panose="02020603050405020304" pitchFamily="18" charset="0"/>
+                          </a:rPr>
+                        </m:ctrlPr>
+                      </m:sSubPr>
+                      <m:e>
+                        <m:r>
+                          <a:rPr lang="en-US" altLang="zh-TW" b="0" i="1" smtClean="0">
+                            <a:latin typeface="Cambria Math" panose="02040503050406030204" pitchFamily="18" charset="0"/>
+                            <a:cs typeface="Times" panose="02020603050405020304" pitchFamily="18" charset="0"/>
+                          </a:rPr>
+                          <m:t>𝑑</m:t>
+                        </m:r>
+                      </m:e>
+                      <m:sub>
+                        <m:r>
+                          <a:rPr lang="en-US" altLang="zh-TW" b="0" i="1" smtClean="0">
+                            <a:latin typeface="Cambria Math" panose="02040503050406030204" pitchFamily="18" charset="0"/>
+                            <a:cs typeface="Times" panose="02020603050405020304" pitchFamily="18" charset="0"/>
+                          </a:rPr>
+                          <m:t>𝑡𝑎𝑟𝑔𝑒𝑡</m:t>
+                        </m:r>
+                      </m:sub>
+                    </m:sSub>
+                    <m:r>
+                      <a:rPr lang="en-US" altLang="zh-TW" b="0" i="1" smtClean="0">
+                        <a:latin typeface="Cambria Math" panose="02040503050406030204" pitchFamily="18" charset="0"/>
+                        <a:cs typeface="Times" panose="02020603050405020304" pitchFamily="18" charset="0"/>
+                      </a:rPr>
+                      <m:t>: </m:t>
+                    </m:r>
+                    <m:r>
+                      <a:rPr lang="en-US" altLang="zh-TW" b="0" i="1" smtClean="0">
+                        <a:latin typeface="Cambria Math" panose="02040503050406030204" pitchFamily="18" charset="0"/>
+                        <a:cs typeface="Times" panose="02020603050405020304" pitchFamily="18" charset="0"/>
+                      </a:rPr>
+                      <m:t>𝑡𝑎𝑟𝑔𝑒𝑡</m:t>
+                    </m:r>
+                    <m:r>
+                      <a:rPr lang="en-US" altLang="zh-TW" b="0" i="1" smtClean="0">
+                        <a:latin typeface="Cambria Math" panose="02040503050406030204" pitchFamily="18" charset="0"/>
+                        <a:cs typeface="Times" panose="02020603050405020304" pitchFamily="18" charset="0"/>
+                      </a:rPr>
+                      <m:t> </m:t>
+                    </m:r>
+                    <m:r>
+                      <a:rPr lang="en-US" altLang="zh-TW" b="0" i="1" smtClean="0">
+                        <a:latin typeface="Cambria Math" panose="02040503050406030204" pitchFamily="18" charset="0"/>
+                        <a:cs typeface="Times" panose="02020603050405020304" pitchFamily="18" charset="0"/>
+                      </a:rPr>
+                      <m:t>𝑑𝑒𝑛𝑠𝑖𝑡𝑦</m:t>
+                    </m:r>
+                  </m:oMath>
+                </a14:m>
+                <a:endParaRPr lang="en-US" altLang="zh-TW" b="0" dirty="0">
+                  <a:latin typeface="Times" panose="02020603050405020304" pitchFamily="18" charset="0"/>
+                  <a:cs typeface="Times" panose="02020603050405020304" pitchFamily="18" charset="0"/>
+                </a:endParaRPr>
+              </a:p>
+              <a:p>
+                <a:pPr marL="285750" indent="-285750">
+                  <a:lnSpc>
+                    <a:spcPct val="120000"/>
+                  </a:lnSpc>
+                  <a:buFont typeface="Wingdings" panose="05000000000000000000" pitchFamily="2" charset="2"/>
+                  <a:buChar char="Ø"/>
+                </a:pPr>
+                <a14:m>
+                  <m:oMath xmlns:m="http://schemas.openxmlformats.org/officeDocument/2006/math">
+                    <m:r>
+                      <a:rPr lang="en-US" altLang="zh-TW" b="0" i="1" smtClean="0">
+                        <a:latin typeface="Cambria Math" panose="02040503050406030204" pitchFamily="18" charset="0"/>
+                        <a:cs typeface="Times" panose="02020603050405020304" pitchFamily="18" charset="0"/>
+                      </a:rPr>
+                      <m:t>h</m:t>
+                    </m:r>
+                    <m:r>
+                      <a:rPr lang="en-US" altLang="zh-TW" b="0" i="1" smtClean="0">
+                        <a:latin typeface="Cambria Math" panose="02040503050406030204" pitchFamily="18" charset="0"/>
+                        <a:cs typeface="Times" panose="02020603050405020304" pitchFamily="18" charset="0"/>
+                      </a:rPr>
+                      <m:t>:            </m:t>
+                    </m:r>
+                    <m:r>
+                      <a:rPr lang="en-US" altLang="zh-TW" b="0" i="1" smtClean="0">
+                        <a:latin typeface="Cambria Math" panose="02040503050406030204" pitchFamily="18" charset="0"/>
+                        <a:cs typeface="Times" panose="02020603050405020304" pitchFamily="18" charset="0"/>
+                      </a:rPr>
+                      <m:t>𝑝𝑟𝑒𝑑𝑖𝑐𝑡𝑒𝑑</m:t>
+                    </m:r>
+                    <m:r>
+                      <a:rPr lang="en-US" altLang="zh-TW" b="0" i="1" smtClean="0">
+                        <a:latin typeface="Cambria Math" panose="02040503050406030204" pitchFamily="18" charset="0"/>
+                        <a:cs typeface="Times" panose="02020603050405020304" pitchFamily="18" charset="0"/>
+                      </a:rPr>
+                      <m:t> </m:t>
+                    </m:r>
+                    <m:r>
+                      <a:rPr lang="en-US" altLang="zh-TW" b="0" i="1" smtClean="0">
+                        <a:latin typeface="Cambria Math" panose="02040503050406030204" pitchFamily="18" charset="0"/>
+                        <a:cs typeface="Times" panose="02020603050405020304" pitchFamily="18" charset="0"/>
+                      </a:rPr>
+                      <m:t>h𝑒𝑖𝑔h𝑡</m:t>
+                    </m:r>
+                    <m:r>
+                      <a:rPr lang="en-US" altLang="zh-TW" b="0" i="1" smtClean="0">
+                        <a:latin typeface="Cambria Math" panose="02040503050406030204" pitchFamily="18" charset="0"/>
+                        <a:cs typeface="Times" panose="02020603050405020304" pitchFamily="18" charset="0"/>
+                      </a:rPr>
+                      <m:t> </m:t>
+                    </m:r>
+                    <m:r>
+                      <a:rPr lang="en-US" altLang="zh-TW" b="0" i="1" smtClean="0">
+                        <a:latin typeface="Cambria Math" panose="02040503050406030204" pitchFamily="18" charset="0"/>
+                        <a:cs typeface="Times" panose="02020603050405020304" pitchFamily="18" charset="0"/>
+                      </a:rPr>
+                      <m:t>𝑜𝑓</m:t>
+                    </m:r>
+                    <m:r>
+                      <a:rPr lang="en-US" altLang="zh-TW" b="0" i="1" smtClean="0">
+                        <a:latin typeface="Cambria Math" panose="02040503050406030204" pitchFamily="18" charset="0"/>
+                        <a:cs typeface="Times" panose="02020603050405020304" pitchFamily="18" charset="0"/>
+                      </a:rPr>
+                      <m:t> </m:t>
+                    </m:r>
+                    <m:r>
+                      <a:rPr lang="en-US" altLang="zh-TW" b="0" i="1" smtClean="0">
+                        <a:latin typeface="Cambria Math" panose="02040503050406030204" pitchFamily="18" charset="0"/>
+                        <a:cs typeface="Times" panose="02020603050405020304" pitchFamily="18" charset="0"/>
+                      </a:rPr>
+                      <m:t>𝑡h𝑒</m:t>
+                    </m:r>
+                    <m:r>
+                      <a:rPr lang="en-US" altLang="zh-TW" b="0" i="1" smtClean="0">
+                        <a:latin typeface="Cambria Math" panose="02040503050406030204" pitchFamily="18" charset="0"/>
+                        <a:cs typeface="Times" panose="02020603050405020304" pitchFamily="18" charset="0"/>
+                      </a:rPr>
+                      <m:t> </m:t>
+                    </m:r>
+                    <m:r>
+                      <a:rPr lang="en-US" altLang="zh-TW" b="0" i="1" smtClean="0">
+                        <a:latin typeface="Cambria Math" panose="02040503050406030204" pitchFamily="18" charset="0"/>
+                        <a:cs typeface="Times" panose="02020603050405020304" pitchFamily="18" charset="0"/>
+                      </a:rPr>
+                      <m:t>𝑓𝑖𝑙𝑙</m:t>
+                    </m:r>
+                    <m:r>
+                      <a:rPr lang="en-US" altLang="zh-TW" b="0" i="1" smtClean="0">
+                        <a:latin typeface="Cambria Math" panose="02040503050406030204" pitchFamily="18" charset="0"/>
+                        <a:cs typeface="Times" panose="02020603050405020304" pitchFamily="18" charset="0"/>
+                      </a:rPr>
+                      <m:t> </m:t>
+                    </m:r>
+                    <m:r>
+                      <a:rPr lang="en-US" altLang="zh-TW" b="0" i="1" smtClean="0">
+                        <a:latin typeface="Cambria Math" panose="02040503050406030204" pitchFamily="18" charset="0"/>
+                        <a:cs typeface="Times" panose="02020603050405020304" pitchFamily="18" charset="0"/>
+                      </a:rPr>
+                      <m:t>𝑠𝑜𝑙𝑢𝑡𝑖𝑜𝑛</m:t>
+                    </m:r>
+                  </m:oMath>
+                </a14:m>
+                <a:endParaRPr lang="en-US" altLang="zh-TW" b="0" dirty="0">
+                  <a:latin typeface="Times" panose="02020603050405020304" pitchFamily="18" charset="0"/>
+                  <a:cs typeface="Times" panose="02020603050405020304" pitchFamily="18" charset="0"/>
+                </a:endParaRPr>
+              </a:p>
+              <a:p>
+                <a:pPr marL="285750" indent="-285750">
+                  <a:lnSpc>
+                    <a:spcPct val="120000"/>
+                  </a:lnSpc>
+                  <a:buFont typeface="Wingdings" panose="05000000000000000000" pitchFamily="2" charset="2"/>
+                  <a:buChar char="Ø"/>
+                </a:pPr>
+                <a14:m>
+                  <m:oMath xmlns:m="http://schemas.openxmlformats.org/officeDocument/2006/math">
+                    <m:sSub>
+                      <m:sSubPr>
+                        <m:ctrlPr>
+                          <a:rPr lang="en-US" altLang="zh-TW" i="1" smtClean="0">
+                            <a:latin typeface="Cambria Math" panose="02040503050406030204" pitchFamily="18" charset="0"/>
+                            <a:cs typeface="Times" panose="02020603050405020304" pitchFamily="18" charset="0"/>
+                          </a:rPr>
+                        </m:ctrlPr>
+                      </m:sSubPr>
+                      <m:e>
+                        <m:r>
+                          <a:rPr lang="en-US" altLang="zh-TW" b="0" i="1" smtClean="0">
+                            <a:latin typeface="Cambria Math" panose="02040503050406030204" pitchFamily="18" charset="0"/>
+                            <a:cs typeface="Times" panose="02020603050405020304" pitchFamily="18" charset="0"/>
+                          </a:rPr>
+                          <m:t>h</m:t>
+                        </m:r>
+                      </m:e>
+                      <m:sub>
+                        <m:r>
+                          <a:rPr lang="en-US" altLang="zh-TW" b="0" i="1" smtClean="0">
+                            <a:latin typeface="Cambria Math" panose="02040503050406030204" pitchFamily="18" charset="0"/>
+                            <a:cs typeface="Times" panose="02020603050405020304" pitchFamily="18" charset="0"/>
+                          </a:rPr>
+                          <m:t>𝑡𝑎𝑟𝑔𝑒𝑡</m:t>
+                        </m:r>
+                      </m:sub>
+                    </m:sSub>
+                    <m:r>
+                      <a:rPr lang="en-US" altLang="zh-TW" b="0" i="1" smtClean="0">
+                        <a:latin typeface="Cambria Math" panose="02040503050406030204" pitchFamily="18" charset="0"/>
+                        <a:cs typeface="Times" panose="02020603050405020304" pitchFamily="18" charset="0"/>
+                      </a:rPr>
+                      <m:t>: </m:t>
+                    </m:r>
+                    <m:r>
+                      <a:rPr lang="en-US" altLang="zh-TW" b="0" i="1" smtClean="0">
+                        <a:latin typeface="Cambria Math" panose="02040503050406030204" pitchFamily="18" charset="0"/>
+                        <a:cs typeface="Times" panose="02020603050405020304" pitchFamily="18" charset="0"/>
+                      </a:rPr>
+                      <m:t>𝑡𝑎𝑟𝑔𝑒𝑡</m:t>
+                    </m:r>
+                    <m:r>
+                      <a:rPr lang="en-US" altLang="zh-TW" b="0" i="1" smtClean="0">
+                        <a:latin typeface="Cambria Math" panose="02040503050406030204" pitchFamily="18" charset="0"/>
+                        <a:cs typeface="Times" panose="02020603050405020304" pitchFamily="18" charset="0"/>
+                      </a:rPr>
+                      <m:t> </m:t>
+                    </m:r>
+                    <m:r>
+                      <a:rPr lang="en-US" altLang="zh-TW" b="0" i="1" smtClean="0">
+                        <a:latin typeface="Cambria Math" panose="02040503050406030204" pitchFamily="18" charset="0"/>
+                        <a:cs typeface="Times" panose="02020603050405020304" pitchFamily="18" charset="0"/>
+                      </a:rPr>
+                      <m:t>h𝑒𝑖𝑔h𝑡</m:t>
+                    </m:r>
+                  </m:oMath>
+                </a14:m>
+                <a:endParaRPr lang="en-US" altLang="zh-TW" b="0" dirty="0">
+                  <a:latin typeface="Times" panose="02020603050405020304" pitchFamily="18" charset="0"/>
+                  <a:cs typeface="Times" panose="02020603050405020304" pitchFamily="18" charset="0"/>
+                </a:endParaRPr>
+              </a:p>
+              <a:p>
+                <a:pPr marL="285750" indent="-285750">
+                  <a:lnSpc>
+                    <a:spcPct val="120000"/>
+                  </a:lnSpc>
+                  <a:buFont typeface="Wingdings" panose="05000000000000000000" pitchFamily="2" charset="2"/>
+                  <a:buChar char="Ø"/>
+                </a:pPr>
+                <a14:m>
+                  <m:oMath xmlns:m="http://schemas.openxmlformats.org/officeDocument/2006/math">
+                    <m:r>
+                      <a:rPr lang="en-US" altLang="zh-TW" b="0" i="1" smtClean="0">
+                        <a:latin typeface="Cambria Math" panose="02040503050406030204" pitchFamily="18" charset="0"/>
+                        <a:cs typeface="Times" panose="02020603050405020304" pitchFamily="18" charset="0"/>
+                      </a:rPr>
+                      <m:t>#</m:t>
+                    </m:r>
+                    <m:r>
+                      <a:rPr lang="en-US" altLang="zh-TW" b="0" i="1" smtClean="0">
+                        <a:latin typeface="Cambria Math" panose="02040503050406030204" pitchFamily="18" charset="0"/>
+                        <a:cs typeface="Times" panose="02020603050405020304" pitchFamily="18" charset="0"/>
+                      </a:rPr>
+                      <m:t>𝑓𝑖𝑙𝑙</m:t>
+                    </m:r>
+                    <m:r>
+                      <a:rPr lang="en-US" altLang="zh-TW" b="0" i="1" smtClean="0">
+                        <a:latin typeface="Cambria Math" panose="02040503050406030204" pitchFamily="18" charset="0"/>
+                        <a:cs typeface="Times" panose="02020603050405020304" pitchFamily="18" charset="0"/>
+                      </a:rPr>
+                      <m:t>:    </m:t>
+                    </m:r>
+                    <m:r>
+                      <a:rPr lang="en-US" altLang="zh-TW" b="0" i="1" smtClean="0">
+                        <a:latin typeface="Cambria Math" panose="02040503050406030204" pitchFamily="18" charset="0"/>
+                        <a:cs typeface="Times" panose="02020603050405020304" pitchFamily="18" charset="0"/>
+                      </a:rPr>
+                      <m:t>𝑓𝑖𝑙𝑙</m:t>
+                    </m:r>
+                    <m:r>
+                      <a:rPr lang="en-US" altLang="zh-TW" b="0" i="1" smtClean="0">
+                        <a:latin typeface="Cambria Math" panose="02040503050406030204" pitchFamily="18" charset="0"/>
+                        <a:cs typeface="Times" panose="02020603050405020304" pitchFamily="18" charset="0"/>
+                      </a:rPr>
+                      <m:t> </m:t>
+                    </m:r>
+                    <m:r>
+                      <a:rPr lang="en-US" altLang="zh-TW" b="0" i="1" smtClean="0">
+                        <a:latin typeface="Cambria Math" panose="02040503050406030204" pitchFamily="18" charset="0"/>
+                        <a:cs typeface="Times" panose="02020603050405020304" pitchFamily="18" charset="0"/>
+                      </a:rPr>
+                      <m:t>𝑎𝑚𝑜𝑢𝑛𝑡</m:t>
+                    </m:r>
+                  </m:oMath>
+                </a14:m>
+                <a:endParaRPr lang="zh-TW" altLang="en-US" dirty="0">
+                  <a:latin typeface="Times" panose="02020603050405020304" pitchFamily="18" charset="0"/>
+                  <a:cs typeface="Times" panose="02020603050405020304" pitchFamily="18" charset="0"/>
+                </a:endParaRPr>
+              </a:p>
+            </p:txBody>
+          </p:sp>
+        </mc:Choice>
+        <mc:Fallback>
+          <p:sp>
+            <p:nvSpPr>
+              <p:cNvPr id="14" name="文字方塊 13">
+                <a:extLst>
+                  <a:ext uri="{FF2B5EF4-FFF2-40B4-BE49-F238E27FC236}">
+                    <a16:creationId xmlns:a16="http://schemas.microsoft.com/office/drawing/2014/main" id="{F1DD8F5F-B729-5E0B-E13B-49DB572BAD44}"/>
+                  </a:ext>
+                </a:extLst>
+              </p:cNvPr>
+              <p:cNvSpPr txBox="1">
+                <a:spLocks noRot="1" noChangeAspect="1" noMove="1" noResize="1" noEditPoints="1" noAdjustHandles="1" noChangeArrowheads="1" noChangeShapeType="1" noTextEdit="1"/>
+              </p:cNvSpPr>
+              <p:nvPr/>
+            </p:nvSpPr>
+            <p:spPr>
+              <a:xfrm>
+                <a:off x="7098656" y="4417186"/>
+                <a:ext cx="5071828" cy="1779461"/>
+              </a:xfrm>
+              <a:prstGeom prst="rect">
+                <a:avLst/>
+              </a:prstGeom>
+              <a:blipFill>
+                <a:blip r:embed="rId7"/>
+                <a:stretch>
+                  <a:fillRect l="-600" b="-3061"/>
+                </a:stretch>
+              </a:blipFill>
+              <a:ln>
+                <a:solidFill>
+                  <a:schemeClr val="tx1"/>
+                </a:solidFill>
+              </a:ln>
+            </p:spPr>
+            <p:txBody>
+              <a:bodyPr/>
+              <a:lstStyle/>
+              <a:p>
+                <a:r>
+                  <a:rPr lang="zh-TW" altLang="en-US">
+                    <a:noFill/>
+                  </a:rPr>
+                  <a:t> </a:t>
+                </a:r>
+              </a:p>
+            </p:txBody>
+          </p:sp>
+        </mc:Fallback>
+      </mc:AlternateContent>
+    </p:spTree>
+    <p:extLst>
+      <p:ext uri="{BB962C8B-B14F-4D97-AF65-F5344CB8AC3E}">
+        <p14:creationId xmlns:p14="http://schemas.microsoft.com/office/powerpoint/2010/main" val="749716849"/>
+      </p:ext>
+    </p:extLst>
+  </p:cSld>
+  <p:clrMapOvr>
+    <a:masterClrMapping/>
+  </p:clrMapOvr>
+</p:sld>
+</file>
+
+<file path=ppt/slides/slide18.xml><?xml version="1.0" encoding="utf-8"?>
+<p:sld xmlns:a="http://schemas.openxmlformats.org/drawingml/2006/main" xmlns:r="http://schemas.openxmlformats.org/officeDocument/2006/relationships" xmlns:p="http://schemas.openxmlformats.org/presentationml/2006/main">
+  <p:cSld>
+    <p:spTree>
+      <p:nvGrpSpPr>
+        <p:cNvPr id="1" name=""/>
+        <p:cNvGrpSpPr/>
+        <p:nvPr/>
+      </p:nvGrpSpPr>
+      <p:grpSpPr>
+        <a:xfrm>
+          <a:off x="0" y="0"/>
+          <a:ext cx="0" cy="0"/>
+          <a:chOff x="0" y="0"/>
+          <a:chExt cx="0" cy="0"/>
+        </a:xfrm>
+      </p:grpSpPr>
+      <p:sp>
+        <p:nvSpPr>
+          <p:cNvPr id="2" name="標題 1">
+            <a:extLst>
+              <a:ext uri="{FF2B5EF4-FFF2-40B4-BE49-F238E27FC236}">
+                <a16:creationId xmlns:a16="http://schemas.microsoft.com/office/drawing/2014/main" id="{F49B282A-FF7E-D28E-E7C9-7C9011B3A142}"/>
+              </a:ext>
+            </a:extLst>
+          </p:cNvPr>
+          <p:cNvSpPr>
+            <a:spLocks noGrp="1"/>
+          </p:cNvSpPr>
+          <p:nvPr>
+            <p:ph type="title"/>
+          </p:nvPr>
+        </p:nvSpPr>
+        <p:spPr/>
+        <p:txBody>
+          <a:bodyPr>
+            <a:normAutofit/>
+          </a:bodyPr>
+          <a:lstStyle/>
+          <a:p>
+            <a:r>
+              <a:rPr lang="en-US" altLang="zh-TW" sz="4000" dirty="0">
+                <a:latin typeface="Times" panose="02020603050405020304" pitchFamily="18" charset="0"/>
+                <a:cs typeface="Times" panose="02020603050405020304" pitchFamily="18" charset="0"/>
+              </a:rPr>
+              <a:t>MOGA-</a:t>
+            </a:r>
+            <a:r>
+              <a:rPr lang="en-US" altLang="zh-TW" sz="4000" dirty="0" err="1">
+                <a:latin typeface="Times" panose="02020603050405020304" pitchFamily="18" charset="0"/>
+                <a:cs typeface="Times" panose="02020603050405020304" pitchFamily="18" charset="0"/>
+              </a:rPr>
+              <a:t>CmpCNN</a:t>
+            </a:r>
+            <a:r>
+              <a:rPr lang="en-US" altLang="zh-TW" sz="4000" dirty="0">
+                <a:latin typeface="Times" panose="02020603050405020304" pitchFamily="18" charset="0"/>
+                <a:cs typeface="Times" panose="02020603050405020304" pitchFamily="18" charset="0"/>
+              </a:rPr>
+              <a:t> Framework </a:t>
+            </a:r>
+            <a:r>
+              <a:rPr lang="en-US" altLang="zh-TW" sz="2400" dirty="0">
+                <a:latin typeface="Times" panose="02020603050405020304" pitchFamily="18" charset="0"/>
+                <a:cs typeface="Times" panose="02020603050405020304" pitchFamily="18" charset="0"/>
+              </a:rPr>
+              <a:t>[16]</a:t>
+            </a:r>
+            <a:endParaRPr lang="zh-TW" altLang="en-US" sz="4000" dirty="0">
+              <a:latin typeface="Times" panose="02020603050405020304" pitchFamily="18" charset="0"/>
+              <a:cs typeface="Times" panose="02020603050405020304" pitchFamily="18" charset="0"/>
+            </a:endParaRPr>
+          </a:p>
+        </p:txBody>
+      </p:sp>
+      <p:sp>
+        <p:nvSpPr>
+          <p:cNvPr id="4" name="投影片編號版面配置區 3">
+            <a:extLst>
+              <a:ext uri="{FF2B5EF4-FFF2-40B4-BE49-F238E27FC236}">
+                <a16:creationId xmlns:a16="http://schemas.microsoft.com/office/drawing/2014/main" id="{4F34BD4F-A1A7-2695-B9CD-0B31024175B2}"/>
+              </a:ext>
+            </a:extLst>
+          </p:cNvPr>
+          <p:cNvSpPr>
+            <a:spLocks noGrp="1"/>
+          </p:cNvSpPr>
+          <p:nvPr>
+            <p:ph type="sldNum" sz="quarter" idx="12"/>
+          </p:nvPr>
+        </p:nvSpPr>
+        <p:spPr/>
+        <p:txBody>
+          <a:bodyPr/>
+          <a:lstStyle/>
+          <a:p>
+            <a:fld id="{666274A1-CF9C-426A-8DD4-B13ED0C24231}" type="slidenum">
+              <a:rPr lang="en-US" smtClean="0"/>
+              <a:t>17</a:t>
+            </a:fld>
+            <a:endParaRPr lang="en-US" dirty="0"/>
+          </a:p>
+        </p:txBody>
+      </p:sp>
+      <p:pic>
+        <p:nvPicPr>
+          <p:cNvPr id="6" name="圖片 5">
+            <a:extLst>
+              <a:ext uri="{FF2B5EF4-FFF2-40B4-BE49-F238E27FC236}">
+                <a16:creationId xmlns:a16="http://schemas.microsoft.com/office/drawing/2014/main" id="{95EF382E-9F2C-80DE-D082-2C1390A6AD1C}"/>
+              </a:ext>
+            </a:extLst>
+          </p:cNvPr>
+          <p:cNvPicPr>
+            <a:picLocks noChangeAspect="1"/>
+          </p:cNvPicPr>
+          <p:nvPr/>
+        </p:nvPicPr>
+        <p:blipFill>
+          <a:blip r:embed="rId3"/>
+          <a:stretch>
+            <a:fillRect/>
+          </a:stretch>
+        </p:blipFill>
+        <p:spPr>
+          <a:xfrm>
+            <a:off x="0" y="1879408"/>
+            <a:ext cx="12192000" cy="4288221"/>
+          </a:xfrm>
+          <a:prstGeom prst="rect">
+            <a:avLst/>
+          </a:prstGeom>
+        </p:spPr>
+      </p:pic>
+    </p:spTree>
+    <p:extLst>
+      <p:ext uri="{BB962C8B-B14F-4D97-AF65-F5344CB8AC3E}">
+        <p14:creationId xmlns:p14="http://schemas.microsoft.com/office/powerpoint/2010/main" val="3953459414"/>
+      </p:ext>
+    </p:extLst>
+  </p:cSld>
+  <p:clrMapOvr>
+    <a:masterClrMapping/>
+  </p:clrMapOvr>
+</p:sld>
+</file>
+
+<file path=ppt/slides/slide19.xml><?xml version="1.0" encoding="utf-8"?>
+<p:sld xmlns:a="http://schemas.openxmlformats.org/drawingml/2006/main" xmlns:r="http://schemas.openxmlformats.org/officeDocument/2006/relationships" xmlns:p="http://schemas.openxmlformats.org/presentationml/2006/main">
+  <p:cSld>
+    <p:spTree>
+      <p:nvGrpSpPr>
+        <p:cNvPr id="1" name=""/>
+        <p:cNvGrpSpPr/>
+        <p:nvPr/>
+      </p:nvGrpSpPr>
+      <p:grpSpPr>
+        <a:xfrm>
+          <a:off x="0" y="0"/>
+          <a:ext cx="0" cy="0"/>
+          <a:chOff x="0" y="0"/>
+          <a:chExt cx="0" cy="0"/>
+        </a:xfrm>
+      </p:grpSpPr>
+      <p:sp>
+        <p:nvSpPr>
+          <p:cNvPr id="2" name="標題 1">
+            <a:extLst>
+              <a:ext uri="{FF2B5EF4-FFF2-40B4-BE49-F238E27FC236}">
+                <a16:creationId xmlns:a16="http://schemas.microsoft.com/office/drawing/2014/main" id="{F49B282A-FF7E-D28E-E7C9-7C9011B3A142}"/>
+              </a:ext>
+            </a:extLst>
+          </p:cNvPr>
+          <p:cNvSpPr>
+            <a:spLocks noGrp="1"/>
+          </p:cNvSpPr>
+          <p:nvPr>
+            <p:ph type="title"/>
+          </p:nvPr>
+        </p:nvSpPr>
+        <p:spPr/>
+        <p:txBody>
+          <a:bodyPr>
+            <a:normAutofit/>
+          </a:bodyPr>
+          <a:lstStyle/>
+          <a:p>
+            <a:r>
+              <a:rPr lang="en-US" altLang="zh-TW" sz="4000" dirty="0">
+                <a:latin typeface="Times" panose="02020603050405020304" pitchFamily="18" charset="0"/>
+                <a:cs typeface="Times" panose="02020603050405020304" pitchFamily="18" charset="0"/>
+              </a:rPr>
+              <a:t>Experimental Result</a:t>
+            </a:r>
+            <a:endParaRPr lang="zh-TW" altLang="en-US" sz="4000" dirty="0">
+              <a:latin typeface="Times" panose="02020603050405020304" pitchFamily="18" charset="0"/>
+              <a:cs typeface="Times" panose="02020603050405020304" pitchFamily="18" charset="0"/>
+            </a:endParaRPr>
+          </a:p>
+        </p:txBody>
+      </p:sp>
+      <p:sp>
+        <p:nvSpPr>
+          <p:cNvPr id="3" name="內容版面配置區 2">
+            <a:extLst>
+              <a:ext uri="{FF2B5EF4-FFF2-40B4-BE49-F238E27FC236}">
+                <a16:creationId xmlns:a16="http://schemas.microsoft.com/office/drawing/2014/main" id="{6532586F-2B33-9C61-58DC-9046125E1570}"/>
+              </a:ext>
+            </a:extLst>
+          </p:cNvPr>
+          <p:cNvSpPr>
+            <a:spLocks noGrp="1"/>
+          </p:cNvSpPr>
+          <p:nvPr>
+            <p:ph idx="1"/>
+          </p:nvPr>
+        </p:nvSpPr>
+        <p:spPr>
+          <a:xfrm>
+            <a:off x="838199" y="1825625"/>
+            <a:ext cx="11823551" cy="4351338"/>
+          </a:xfrm>
+        </p:spPr>
+        <p:txBody>
+          <a:bodyPr>
+            <a:normAutofit/>
+          </a:bodyPr>
+          <a:lstStyle/>
+          <a:p>
+            <a:pPr>
+              <a:lnSpc>
+                <a:spcPct val="150000"/>
+              </a:lnSpc>
+            </a:pPr>
+            <a:r>
+              <a:rPr lang="en-US" altLang="zh-TW" sz="2200" dirty="0">
+                <a:latin typeface="Times" panose="02020603050405020304" pitchFamily="18" charset="0"/>
+                <a:ea typeface="標楷體" panose="03000509000000000000" pitchFamily="65" charset="-120"/>
+                <a:cs typeface="Times" panose="02020603050405020304" pitchFamily="18" charset="0"/>
+              </a:rPr>
+              <a:t>C++, and run on Linux machine.</a:t>
+            </a:r>
+          </a:p>
+          <a:p>
+            <a:pPr>
+              <a:lnSpc>
+                <a:spcPct val="150000"/>
+              </a:lnSpc>
+            </a:pPr>
+            <a:r>
+              <a:rPr lang="en-US" altLang="zh-TW" sz="2200" dirty="0">
+                <a:latin typeface="Times" panose="02020603050405020304" pitchFamily="18" charset="0"/>
+                <a:ea typeface="標楷體" panose="03000509000000000000" pitchFamily="65" charset="-120"/>
+                <a:cs typeface="Times" panose="02020603050405020304" pitchFamily="18" charset="0"/>
+              </a:rPr>
+              <a:t>2.50 GHz CPU and </a:t>
+            </a:r>
+            <a:r>
+              <a:rPr lang="pt-BR" altLang="zh-TW" sz="2200" dirty="0">
+                <a:latin typeface="Times" panose="02020603050405020304" pitchFamily="18" charset="0"/>
+                <a:ea typeface="標楷體" panose="03000509000000000000" pitchFamily="65" charset="-120"/>
+                <a:cs typeface="Times" panose="02020603050405020304" pitchFamily="18" charset="0"/>
+              </a:rPr>
+              <a:t>Nvidia GTX 2080Ti GPU.</a:t>
+            </a:r>
+          </a:p>
+          <a:p>
+            <a:pPr>
+              <a:lnSpc>
+                <a:spcPct val="150000"/>
+              </a:lnSpc>
+            </a:pPr>
+            <a:r>
+              <a:rPr lang="en-US" altLang="zh-TW" sz="2200" dirty="0">
+                <a:latin typeface="Times" panose="02020603050405020304" pitchFamily="18" charset="0"/>
+                <a:ea typeface="標楷體" panose="03000509000000000000" pitchFamily="65" charset="-120"/>
+                <a:cs typeface="Times" panose="02020603050405020304" pitchFamily="18" charset="0"/>
+              </a:rPr>
+              <a:t>Use </a:t>
+            </a:r>
+            <a:r>
+              <a:rPr lang="en-US" altLang="zh-TW" sz="2200" dirty="0" err="1">
+                <a:latin typeface="Times" panose="02020603050405020304" pitchFamily="18" charset="0"/>
+                <a:ea typeface="標楷體" panose="03000509000000000000" pitchFamily="65" charset="-120"/>
+                <a:cs typeface="Times" panose="02020603050405020304" pitchFamily="18" charset="0"/>
+              </a:rPr>
+              <a:t>OpenGA</a:t>
+            </a:r>
+            <a:r>
+              <a:rPr lang="en-US" altLang="zh-TW" sz="2200" dirty="0">
+                <a:latin typeface="Times" panose="02020603050405020304" pitchFamily="18" charset="0"/>
+                <a:ea typeface="標楷體" panose="03000509000000000000" pitchFamily="65" charset="-120"/>
+                <a:cs typeface="Times" panose="02020603050405020304" pitchFamily="18" charset="0"/>
+              </a:rPr>
+              <a:t> library [22] and Pytorch C++ library.</a:t>
+            </a:r>
+          </a:p>
+          <a:p>
+            <a:pPr>
+              <a:lnSpc>
+                <a:spcPct val="150000"/>
+              </a:lnSpc>
+            </a:pPr>
+            <a:r>
+              <a:rPr lang="en-US" altLang="zh-TW" sz="2200" dirty="0">
+                <a:latin typeface="Times" panose="02020603050405020304" pitchFamily="18" charset="0"/>
+                <a:ea typeface="標楷體" panose="03000509000000000000" pitchFamily="65" charset="-120"/>
+                <a:cs typeface="Times" panose="02020603050405020304" pitchFamily="18" charset="0"/>
+              </a:rPr>
+              <a:t>Layout design: ICCAD 2018 contest</a:t>
+            </a:r>
+          </a:p>
+        </p:txBody>
+      </p:sp>
+      <p:sp>
+        <p:nvSpPr>
+          <p:cNvPr id="4" name="投影片編號版面配置區 3">
+            <a:extLst>
+              <a:ext uri="{FF2B5EF4-FFF2-40B4-BE49-F238E27FC236}">
+                <a16:creationId xmlns:a16="http://schemas.microsoft.com/office/drawing/2014/main" id="{4F34BD4F-A1A7-2695-B9CD-0B31024175B2}"/>
+              </a:ext>
+            </a:extLst>
+          </p:cNvPr>
+          <p:cNvSpPr>
+            <a:spLocks noGrp="1"/>
+          </p:cNvSpPr>
+          <p:nvPr>
+            <p:ph type="sldNum" sz="quarter" idx="12"/>
+          </p:nvPr>
+        </p:nvSpPr>
+        <p:spPr/>
+        <p:txBody>
+          <a:bodyPr/>
+          <a:lstStyle/>
+          <a:p>
+            <a:fld id="{666274A1-CF9C-426A-8DD4-B13ED0C24231}" type="slidenum">
+              <a:rPr lang="en-US" smtClean="0"/>
+              <a:t>18</a:t>
+            </a:fld>
+            <a:endParaRPr lang="en-US"/>
+          </a:p>
+        </p:txBody>
+      </p:sp>
+      <p:pic>
+        <p:nvPicPr>
+          <p:cNvPr id="6" name="圖片 5">
+            <a:extLst>
+              <a:ext uri="{FF2B5EF4-FFF2-40B4-BE49-F238E27FC236}">
+                <a16:creationId xmlns:a16="http://schemas.microsoft.com/office/drawing/2014/main" id="{23CA0547-CECD-06A5-7202-712C744CCB1A}"/>
+              </a:ext>
+            </a:extLst>
+          </p:cNvPr>
+          <p:cNvPicPr>
+            <a:picLocks noChangeAspect="1"/>
+          </p:cNvPicPr>
+          <p:nvPr/>
+        </p:nvPicPr>
+        <p:blipFill>
+          <a:blip r:embed="rId3"/>
+          <a:stretch>
+            <a:fillRect/>
+          </a:stretch>
+        </p:blipFill>
+        <p:spPr>
+          <a:xfrm>
+            <a:off x="6137446" y="441326"/>
+            <a:ext cx="4946307" cy="1565332"/>
+          </a:xfrm>
+          <a:prstGeom prst="rect">
+            <a:avLst/>
+          </a:prstGeom>
+        </p:spPr>
+      </p:pic>
+    </p:spTree>
+    <p:extLst>
+      <p:ext uri="{BB962C8B-B14F-4D97-AF65-F5344CB8AC3E}">
+        <p14:creationId xmlns:p14="http://schemas.microsoft.com/office/powerpoint/2010/main" val="505268570"/>
       </p:ext>
     </p:extLst>
   </p:cSld>
@@ -7292,6 +10951,107 @@
 </p:sld>
 </file>
 
+<file path=ppt/slides/slide20.xml><?xml version="1.0" encoding="utf-8"?>
+<p:sld xmlns:a="http://schemas.openxmlformats.org/drawingml/2006/main" xmlns:r="http://schemas.openxmlformats.org/officeDocument/2006/relationships" xmlns:p="http://schemas.openxmlformats.org/presentationml/2006/main">
+  <p:cSld>
+    <p:spTree>
+      <p:nvGrpSpPr>
+        <p:cNvPr id="1" name=""/>
+        <p:cNvGrpSpPr/>
+        <p:nvPr/>
+      </p:nvGrpSpPr>
+      <p:grpSpPr>
+        <a:xfrm>
+          <a:off x="0" y="0"/>
+          <a:ext cx="0" cy="0"/>
+          <a:chOff x="0" y="0"/>
+          <a:chExt cx="0" cy="0"/>
+        </a:xfrm>
+      </p:grpSpPr>
+      <p:sp>
+        <p:nvSpPr>
+          <p:cNvPr id="4" name="Slide Number Placeholder 3">
+            <a:extLst>
+              <a:ext uri="{FF2B5EF4-FFF2-40B4-BE49-F238E27FC236}">
+                <a16:creationId xmlns:a16="http://schemas.microsoft.com/office/drawing/2014/main" id="{DB47E6D4-11C1-7FA3-40FD-EC8CC1AC8613}"/>
+              </a:ext>
+            </a:extLst>
+          </p:cNvPr>
+          <p:cNvSpPr>
+            <a:spLocks noGrp="1"/>
+          </p:cNvSpPr>
+          <p:nvPr>
+            <p:ph type="sldNum" sz="quarter" idx="12"/>
+          </p:nvPr>
+        </p:nvSpPr>
+        <p:spPr/>
+        <p:txBody>
+          <a:bodyPr/>
+          <a:lstStyle/>
+          <a:p>
+            <a:fld id="{666274A1-CF9C-426A-8DD4-B13ED0C24231}" type="slidenum">
+              <a:rPr lang="en-US" smtClean="0"/>
+              <a:t>19</a:t>
+            </a:fld>
+            <a:endParaRPr lang="en-US"/>
+          </a:p>
+        </p:txBody>
+      </p:sp>
+      <p:sp>
+        <p:nvSpPr>
+          <p:cNvPr id="5" name="TextBox 4">
+            <a:extLst>
+              <a:ext uri="{FF2B5EF4-FFF2-40B4-BE49-F238E27FC236}">
+                <a16:creationId xmlns:a16="http://schemas.microsoft.com/office/drawing/2014/main" id="{DE342AA9-4E4B-2420-9858-9BBA5A519307}"/>
+              </a:ext>
+            </a:extLst>
+          </p:cNvPr>
+          <p:cNvSpPr txBox="1"/>
+          <p:nvPr/>
+        </p:nvSpPr>
+        <p:spPr>
+          <a:xfrm>
+            <a:off x="2697986" y="2967335"/>
+            <a:ext cx="6936514" cy="923330"/>
+          </a:xfrm>
+          <a:prstGeom prst="rect">
+            <a:avLst/>
+          </a:prstGeom>
+          <a:noFill/>
+        </p:spPr>
+        <p:txBody>
+          <a:bodyPr wrap="none" rtlCol="0">
+            <a:spAutoFit/>
+          </a:bodyPr>
+          <a:lstStyle/>
+          <a:p>
+            <a:r>
+              <a:rPr lang="en-US" altLang="zh-TW" sz="5400" dirty="0">
+                <a:latin typeface="Times" panose="02020603050405020304" pitchFamily="18" charset="0"/>
+                <a:cs typeface="Times" panose="02020603050405020304" pitchFamily="18" charset="0"/>
+              </a:rPr>
+              <a:t>Thank you for listening!</a:t>
+            </a:r>
+            <a:endParaRPr lang="zh-TW" altLang="en-US" sz="5400" dirty="0">
+              <a:latin typeface="Times" panose="02020603050405020304" pitchFamily="18" charset="0"/>
+              <a:cs typeface="Times" panose="02020603050405020304" pitchFamily="18" charset="0"/>
+            </a:endParaRPr>
+          </a:p>
+        </p:txBody>
+      </p:sp>
+    </p:spTree>
+    <p:extLst>
+      <p:ext uri="{BB962C8B-B14F-4D97-AF65-F5344CB8AC3E}">
+        <p14:creationId xmlns:p14="http://schemas.microsoft.com/office/powerpoint/2010/main" val="1947749228"/>
+      </p:ext>
+    </p:extLst>
+  </p:cSld>
+  <p:clrMapOvr>
+    <a:masterClrMapping/>
+  </p:clrMapOvr>
+</p:sld>
+</file>
+
 <file path=ppt/slides/slide3.xml><?xml version="1.0" encoding="utf-8"?>
 <p:sld xmlns:a="http://schemas.openxmlformats.org/drawingml/2006/main" xmlns:r="http://schemas.openxmlformats.org/officeDocument/2006/relationships" xmlns:p="http://schemas.openxmlformats.org/presentationml/2006/main">
   <p:cSld>
@@ -8406,6 +12166,21 @@
                     <a:cs typeface="Times" panose="02020603050405020304" pitchFamily="18" charset="0"/>
                   </a:rPr>
                   <a:t>Layout Discretization and Fillable Region Extraction</a:t>
+                </a:r>
+              </a:p>
+              <a:p>
+                <a:pPr lvl="1">
+                  <a:lnSpc>
+                    <a:spcPct val="150000"/>
+                  </a:lnSpc>
+                </a:pPr>
+                <a:r>
+                  <a:rPr lang="en-US" altLang="zh-TW" sz="2000" dirty="0">
+                    <a:latin typeface="Times" panose="02020603050405020304" pitchFamily="18" charset="0"/>
+                    <a:ea typeface="標楷體" panose="03000509000000000000" pitchFamily="65" charset="-120"/>
+                    <a:cs typeface="Times" panose="02020603050405020304" pitchFamily="18" charset="0"/>
+                  </a:rPr>
+                  <a:t>MOGA: multi-objective genetic algorithms.</a:t>
                 </a:r>
               </a:p>
               <a:p>

--- a/DAC2024/MOGA-CmpCNN/MOGA-CmpCNN A Multi-Objective Genetic Algorithm Intergrated with CmpCNN Model for CMP-Aware Metal Fill.pptx
+++ b/DAC2024/MOGA-CmpCNN/MOGA-CmpCNN A Multi-Objective Genetic Algorithm Intergrated with CmpCNN Model for CMP-Aware Metal Fill.pptx
@@ -5,7 +5,7 @@
     <p:sldMasterId id="2147483648" r:id="rId1"/>
   </p:sldMasterIdLst>
   <p:notesMasterIdLst>
-    <p:notesMasterId r:id="rId22"/>
+    <p:notesMasterId r:id="rId29"/>
   </p:notesMasterIdLst>
   <p:sldIdLst>
     <p:sldId id="256" r:id="rId2"/>
@@ -13,21 +13,28 @@
     <p:sldId id="300" r:id="rId4"/>
     <p:sldId id="299" r:id="rId5"/>
     <p:sldId id="301" r:id="rId6"/>
-    <p:sldId id="302" r:id="rId7"/>
-    <p:sldId id="303" r:id="rId8"/>
-    <p:sldId id="304" r:id="rId9"/>
-    <p:sldId id="305" r:id="rId10"/>
-    <p:sldId id="306" r:id="rId11"/>
-    <p:sldId id="307" r:id="rId12"/>
-    <p:sldId id="308" r:id="rId13"/>
-    <p:sldId id="309" r:id="rId14"/>
-    <p:sldId id="310" r:id="rId15"/>
-    <p:sldId id="311" r:id="rId16"/>
-    <p:sldId id="312" r:id="rId17"/>
-    <p:sldId id="313" r:id="rId18"/>
-    <p:sldId id="314" r:id="rId19"/>
-    <p:sldId id="315" r:id="rId20"/>
-    <p:sldId id="298" r:id="rId21"/>
+    <p:sldId id="323" r:id="rId7"/>
+    <p:sldId id="302" r:id="rId8"/>
+    <p:sldId id="303" r:id="rId9"/>
+    <p:sldId id="304" r:id="rId10"/>
+    <p:sldId id="305" r:id="rId11"/>
+    <p:sldId id="306" r:id="rId12"/>
+    <p:sldId id="307" r:id="rId13"/>
+    <p:sldId id="308" r:id="rId14"/>
+    <p:sldId id="309" r:id="rId15"/>
+    <p:sldId id="310" r:id="rId16"/>
+    <p:sldId id="311" r:id="rId17"/>
+    <p:sldId id="312" r:id="rId18"/>
+    <p:sldId id="313" r:id="rId19"/>
+    <p:sldId id="314" r:id="rId20"/>
+    <p:sldId id="316" r:id="rId21"/>
+    <p:sldId id="317" r:id="rId22"/>
+    <p:sldId id="318" r:id="rId23"/>
+    <p:sldId id="319" r:id="rId24"/>
+    <p:sldId id="320" r:id="rId25"/>
+    <p:sldId id="321" r:id="rId26"/>
+    <p:sldId id="322" r:id="rId27"/>
+    <p:sldId id="298" r:id="rId28"/>
   </p:sldIdLst>
   <p:sldSz cx="12192000" cy="6858000"/>
   <p:notesSz cx="6858000" cy="9144000"/>
@@ -1483,7 +1490,7 @@
           <a:p>
             <a:fld id="{C9ED61FB-B9B0-4D85-A72E-A614C28ECC4E}" type="datetimeFigureOut">
               <a:rPr lang="en-US" smtClean="0"/>
-              <a:t>1/17/2024</a:t>
+              <a:t>1/18/2024</a:t>
             </a:fld>
             <a:endParaRPr lang="en-US"/>
           </a:p>
@@ -1899,7 +1906,7 @@
           <a:p>
             <a:fld id="{9D457EAB-1485-47AD-BEAD-484FAEBF5A54}" type="slidenum">
               <a:rPr lang="en-US" smtClean="0"/>
-              <a:t>12</a:t>
+              <a:t>13</a:t>
             </a:fld>
             <a:endParaRPr lang="en-US"/>
           </a:p>
@@ -1983,7 +1990,7 @@
           <a:p>
             <a:fld id="{9D457EAB-1485-47AD-BEAD-484FAEBF5A54}" type="slidenum">
               <a:rPr lang="en-US" smtClean="0"/>
-              <a:t>13</a:t>
+              <a:t>14</a:t>
             </a:fld>
             <a:endParaRPr lang="en-US"/>
           </a:p>
@@ -2067,7 +2074,7 @@
           <a:p>
             <a:fld id="{9D457EAB-1485-47AD-BEAD-484FAEBF5A54}" type="slidenum">
               <a:rPr lang="en-US" smtClean="0"/>
-              <a:t>14</a:t>
+              <a:t>15</a:t>
             </a:fld>
             <a:endParaRPr lang="en-US"/>
           </a:p>
@@ -2151,7 +2158,7 @@
           <a:p>
             <a:fld id="{9D457EAB-1485-47AD-BEAD-484FAEBF5A54}" type="slidenum">
               <a:rPr lang="en-US" smtClean="0"/>
-              <a:t>15</a:t>
+              <a:t>16</a:t>
             </a:fld>
             <a:endParaRPr lang="en-US"/>
           </a:p>
@@ -2235,7 +2242,7 @@
           <a:p>
             <a:fld id="{9D457EAB-1485-47AD-BEAD-484FAEBF5A54}" type="slidenum">
               <a:rPr lang="en-US" smtClean="0"/>
-              <a:t>16</a:t>
+              <a:t>17</a:t>
             </a:fld>
             <a:endParaRPr lang="en-US"/>
           </a:p>
@@ -2366,7 +2373,7 @@
           <a:p>
             <a:fld id="{9D457EAB-1485-47AD-BEAD-484FAEBF5A54}" type="slidenum">
               <a:rPr lang="en-US" smtClean="0"/>
-              <a:t>17</a:t>
+              <a:t>18</a:t>
             </a:fld>
             <a:endParaRPr lang="en-US"/>
           </a:p>
@@ -2429,14 +2436,6 @@
           <a:bodyPr/>
           <a:lstStyle/>
           <a:p>
-            <a:r>
-              <a:rPr lang="en-US" altLang="zh-TW" dirty="0" err="1"/>
-              <a:t>OpenGA</a:t>
-            </a:r>
-            <a:r>
-              <a:rPr lang="en-US" altLang="zh-TW" dirty="0"/>
-              <a:t>: open source genetic algorithm library</a:t>
-            </a:r>
             <a:endParaRPr lang="zh-TW" altLang="en-US" dirty="0"/>
           </a:p>
         </p:txBody>
@@ -2458,7 +2457,7 @@
           <a:p>
             <a:fld id="{9D457EAB-1485-47AD-BEAD-484FAEBF5A54}" type="slidenum">
               <a:rPr lang="en-US" smtClean="0"/>
-              <a:t>18</a:t>
+              <a:t>19</a:t>
             </a:fld>
             <a:endParaRPr lang="en-US"/>
           </a:p>
@@ -2467,7 +2466,349 @@
     </p:spTree>
     <p:extLst>
       <p:ext uri="{BB962C8B-B14F-4D97-AF65-F5344CB8AC3E}">
-        <p14:creationId xmlns:p14="http://schemas.microsoft.com/office/powerpoint/2010/main" val="4167624664"/>
+        <p14:creationId xmlns:p14="http://schemas.microsoft.com/office/powerpoint/2010/main" val="3266866473"/>
+      </p:ext>
+    </p:extLst>
+  </p:cSld>
+  <p:clrMapOvr>
+    <a:masterClrMapping/>
+  </p:clrMapOvr>
+</p:notes>
+</file>
+
+<file path=ppt/notesSlides/notesSlide17.xml><?xml version="1.0" encoding="utf-8"?>
+<p:notes xmlns:a="http://schemas.openxmlformats.org/drawingml/2006/main" xmlns:r="http://schemas.openxmlformats.org/officeDocument/2006/relationships" xmlns:p="http://schemas.openxmlformats.org/presentationml/2006/main">
+  <p:cSld>
+    <p:spTree>
+      <p:nvGrpSpPr>
+        <p:cNvPr id="1" name=""/>
+        <p:cNvGrpSpPr/>
+        <p:nvPr/>
+      </p:nvGrpSpPr>
+      <p:grpSpPr>
+        <a:xfrm>
+          <a:off x="0" y="0"/>
+          <a:ext cx="0" cy="0"/>
+          <a:chOff x="0" y="0"/>
+          <a:chExt cx="0" cy="0"/>
+        </a:xfrm>
+      </p:grpSpPr>
+      <p:sp>
+        <p:nvSpPr>
+          <p:cNvPr id="2" name="投影片影像版面配置區 1"/>
+          <p:cNvSpPr>
+            <a:spLocks noGrp="1" noRot="1" noChangeAspect="1"/>
+          </p:cNvSpPr>
+          <p:nvPr>
+            <p:ph type="sldImg"/>
+          </p:nvPr>
+        </p:nvSpPr>
+        <p:spPr/>
+      </p:sp>
+      <p:sp>
+        <p:nvSpPr>
+          <p:cNvPr id="3" name="備忘稿版面配置區 2"/>
+          <p:cNvSpPr>
+            <a:spLocks noGrp="1"/>
+          </p:cNvSpPr>
+          <p:nvPr>
+            <p:ph type="body" idx="1"/>
+          </p:nvPr>
+        </p:nvSpPr>
+        <p:spPr/>
+        <p:txBody>
+          <a:bodyPr/>
+          <a:lstStyle/>
+          <a:p>
+            <a:r>
+              <a:rPr lang="zh-TW" altLang="en-US" b="0" i="0" dirty="0">
+                <a:solidFill>
+                  <a:srgbClr val="374151"/>
+                </a:solidFill>
+                <a:effectLst/>
+                <a:latin typeface="Söhne"/>
+              </a:rPr>
+              <a:t>每一層的高度都有一個對應的高度標準差（描述該層內高度的變異情況）。</a:t>
+            </a:r>
+            <a:r>
+              <a:rPr lang="en-US" altLang="zh-TW" b="0" i="0" dirty="0">
+                <a:solidFill>
+                  <a:srgbClr val="374151"/>
+                </a:solidFill>
+                <a:effectLst/>
+                <a:latin typeface="Söhne"/>
+              </a:rPr>
+              <a:t>OV</a:t>
+            </a:r>
+            <a:r>
+              <a:rPr lang="zh-TW" altLang="en-US" b="0" i="0" dirty="0">
+                <a:solidFill>
+                  <a:srgbClr val="374151"/>
+                </a:solidFill>
+                <a:effectLst/>
+                <a:latin typeface="Söhne"/>
+              </a:rPr>
+              <a:t>則是這些標準差的總和。這裡的每一層用 𝜎𝑘 來表示，其中 𝜎 是標準差的符號，而 𝑘 是層的索引。</a:t>
+            </a:r>
+            <a:endParaRPr lang="zh-TW" altLang="en-US" dirty="0"/>
+          </a:p>
+        </p:txBody>
+      </p:sp>
+      <p:sp>
+        <p:nvSpPr>
+          <p:cNvPr id="4" name="投影片編號版面配置區 3"/>
+          <p:cNvSpPr>
+            <a:spLocks noGrp="1"/>
+          </p:cNvSpPr>
+          <p:nvPr>
+            <p:ph type="sldNum" sz="quarter" idx="5"/>
+          </p:nvPr>
+        </p:nvSpPr>
+        <p:spPr/>
+        <p:txBody>
+          <a:bodyPr/>
+          <a:lstStyle/>
+          <a:p>
+            <a:fld id="{9D457EAB-1485-47AD-BEAD-484FAEBF5A54}" type="slidenum">
+              <a:rPr lang="en-US" smtClean="0"/>
+              <a:t>20</a:t>
+            </a:fld>
+            <a:endParaRPr lang="en-US"/>
+          </a:p>
+        </p:txBody>
+      </p:sp>
+    </p:spTree>
+    <p:extLst>
+      <p:ext uri="{BB962C8B-B14F-4D97-AF65-F5344CB8AC3E}">
+        <p14:creationId xmlns:p14="http://schemas.microsoft.com/office/powerpoint/2010/main" val="2805368881"/>
+      </p:ext>
+    </p:extLst>
+  </p:cSld>
+  <p:clrMapOvr>
+    <a:masterClrMapping/>
+  </p:clrMapOvr>
+</p:notes>
+</file>
+
+<file path=ppt/notesSlides/notesSlide18.xml><?xml version="1.0" encoding="utf-8"?>
+<p:notes xmlns:a="http://schemas.openxmlformats.org/drawingml/2006/main" xmlns:r="http://schemas.openxmlformats.org/officeDocument/2006/relationships" xmlns:p="http://schemas.openxmlformats.org/presentationml/2006/main">
+  <p:cSld>
+    <p:spTree>
+      <p:nvGrpSpPr>
+        <p:cNvPr id="1" name=""/>
+        <p:cNvGrpSpPr/>
+        <p:nvPr/>
+      </p:nvGrpSpPr>
+      <p:grpSpPr>
+        <a:xfrm>
+          <a:off x="0" y="0"/>
+          <a:ext cx="0" cy="0"/>
+          <a:chOff x="0" y="0"/>
+          <a:chExt cx="0" cy="0"/>
+        </a:xfrm>
+      </p:grpSpPr>
+      <p:sp>
+        <p:nvSpPr>
+          <p:cNvPr id="2" name="投影片影像版面配置區 1"/>
+          <p:cNvSpPr>
+            <a:spLocks noGrp="1" noRot="1" noChangeAspect="1"/>
+          </p:cNvSpPr>
+          <p:nvPr>
+            <p:ph type="sldImg"/>
+          </p:nvPr>
+        </p:nvSpPr>
+        <p:spPr/>
+      </p:sp>
+      <p:sp>
+        <p:nvSpPr>
+          <p:cNvPr id="3" name="備忘稿版面配置區 2"/>
+          <p:cNvSpPr>
+            <a:spLocks noGrp="1"/>
+          </p:cNvSpPr>
+          <p:nvPr>
+            <p:ph type="body" idx="1"/>
+          </p:nvPr>
+        </p:nvSpPr>
+        <p:spPr/>
+        <p:txBody>
+          <a:bodyPr/>
+          <a:lstStyle/>
+          <a:p>
+            <a:r>
+              <a:rPr lang="zh-TW" altLang="en-US" b="0" i="0" dirty="0">
+                <a:solidFill>
+                  <a:srgbClr val="374151"/>
+                </a:solidFill>
+                <a:effectLst/>
+                <a:latin typeface="Söhne"/>
+              </a:rPr>
+              <a:t>每一層的高度都有一個對應的高度標準差（描述該層內高度的變異情況）。</a:t>
+            </a:r>
+            <a:r>
+              <a:rPr lang="en-US" altLang="zh-TW" b="0" i="0" dirty="0">
+                <a:solidFill>
+                  <a:srgbClr val="374151"/>
+                </a:solidFill>
+                <a:effectLst/>
+                <a:latin typeface="Söhne"/>
+              </a:rPr>
+              <a:t>OV</a:t>
+            </a:r>
+            <a:r>
+              <a:rPr lang="zh-TW" altLang="en-US" b="0" i="0" dirty="0">
+                <a:solidFill>
+                  <a:srgbClr val="374151"/>
+                </a:solidFill>
+                <a:effectLst/>
+                <a:latin typeface="Söhne"/>
+              </a:rPr>
+              <a:t>則是這些標準差的總和。這裡的每一層用 𝜎𝑘 來表示，其中 𝜎 是標準差的符號，而 𝑘 是層的索引。</a:t>
+            </a:r>
+            <a:endParaRPr lang="zh-TW" altLang="en-US" dirty="0"/>
+          </a:p>
+        </p:txBody>
+      </p:sp>
+      <p:sp>
+        <p:nvSpPr>
+          <p:cNvPr id="4" name="投影片編號版面配置區 3"/>
+          <p:cNvSpPr>
+            <a:spLocks noGrp="1"/>
+          </p:cNvSpPr>
+          <p:nvPr>
+            <p:ph type="sldNum" sz="quarter" idx="5"/>
+          </p:nvPr>
+        </p:nvSpPr>
+        <p:spPr/>
+        <p:txBody>
+          <a:bodyPr/>
+          <a:lstStyle/>
+          <a:p>
+            <a:fld id="{9D457EAB-1485-47AD-BEAD-484FAEBF5A54}" type="slidenum">
+              <a:rPr lang="en-US" smtClean="0"/>
+              <a:t>21</a:t>
+            </a:fld>
+            <a:endParaRPr lang="en-US"/>
+          </a:p>
+        </p:txBody>
+      </p:sp>
+    </p:spTree>
+    <p:extLst>
+      <p:ext uri="{BB962C8B-B14F-4D97-AF65-F5344CB8AC3E}">
+        <p14:creationId xmlns:p14="http://schemas.microsoft.com/office/powerpoint/2010/main" val="1690136171"/>
+      </p:ext>
+    </p:extLst>
+  </p:cSld>
+  <p:clrMapOvr>
+    <a:masterClrMapping/>
+  </p:clrMapOvr>
+</p:notes>
+</file>
+
+<file path=ppt/notesSlides/notesSlide19.xml><?xml version="1.0" encoding="utf-8"?>
+<p:notes xmlns:a="http://schemas.openxmlformats.org/drawingml/2006/main" xmlns:r="http://schemas.openxmlformats.org/officeDocument/2006/relationships" xmlns:p="http://schemas.openxmlformats.org/presentationml/2006/main">
+  <p:cSld>
+    <p:spTree>
+      <p:nvGrpSpPr>
+        <p:cNvPr id="1" name=""/>
+        <p:cNvGrpSpPr/>
+        <p:nvPr/>
+      </p:nvGrpSpPr>
+      <p:grpSpPr>
+        <a:xfrm>
+          <a:off x="0" y="0"/>
+          <a:ext cx="0" cy="0"/>
+          <a:chOff x="0" y="0"/>
+          <a:chExt cx="0" cy="0"/>
+        </a:xfrm>
+      </p:grpSpPr>
+      <p:sp>
+        <p:nvSpPr>
+          <p:cNvPr id="2" name="投影片影像版面配置區 1"/>
+          <p:cNvSpPr>
+            <a:spLocks noGrp="1" noRot="1" noChangeAspect="1"/>
+          </p:cNvSpPr>
+          <p:nvPr>
+            <p:ph type="sldImg"/>
+          </p:nvPr>
+        </p:nvSpPr>
+        <p:spPr/>
+      </p:sp>
+      <p:sp>
+        <p:nvSpPr>
+          <p:cNvPr id="3" name="備忘稿版面配置區 2"/>
+          <p:cNvSpPr>
+            <a:spLocks noGrp="1"/>
+          </p:cNvSpPr>
+          <p:nvPr>
+            <p:ph type="body" idx="1"/>
+          </p:nvPr>
+        </p:nvSpPr>
+        <p:spPr/>
+        <p:txBody>
+          <a:bodyPr/>
+          <a:lstStyle/>
+          <a:p>
+            <a:r>
+              <a:rPr lang="zh-TW" altLang="en-US" b="0" i="0" dirty="0">
+                <a:solidFill>
+                  <a:srgbClr val="374151"/>
+                </a:solidFill>
+                <a:effectLst/>
+                <a:latin typeface="Söhne"/>
+              </a:rPr>
+              <a:t>每一層的高度都有一個對應的高度標準差（描述該層內高度的變異情況）。</a:t>
+            </a:r>
+            <a:r>
+              <a:rPr lang="en-US" altLang="zh-TW" b="0" i="0" dirty="0">
+                <a:solidFill>
+                  <a:srgbClr val="374151"/>
+                </a:solidFill>
+                <a:effectLst/>
+                <a:latin typeface="Söhne"/>
+              </a:rPr>
+              <a:t>OV</a:t>
+            </a:r>
+            <a:r>
+              <a:rPr lang="zh-TW" altLang="en-US" b="0" i="0" dirty="0">
+                <a:solidFill>
+                  <a:srgbClr val="374151"/>
+                </a:solidFill>
+                <a:effectLst/>
+                <a:latin typeface="Söhne"/>
+              </a:rPr>
+              <a:t>則是這些標準差的總和。這裡的每一層用 𝜎𝑘 來表示，其中 𝜎 是標準差的符號，而 𝑘 是層的索引。</a:t>
+            </a:r>
+            <a:endParaRPr lang="zh-TW" altLang="en-US" dirty="0"/>
+          </a:p>
+        </p:txBody>
+      </p:sp>
+      <p:sp>
+        <p:nvSpPr>
+          <p:cNvPr id="4" name="投影片編號版面配置區 3"/>
+          <p:cNvSpPr>
+            <a:spLocks noGrp="1"/>
+          </p:cNvSpPr>
+          <p:nvPr>
+            <p:ph type="sldNum" sz="quarter" idx="5"/>
+          </p:nvPr>
+        </p:nvSpPr>
+        <p:spPr/>
+        <p:txBody>
+          <a:bodyPr/>
+          <a:lstStyle/>
+          <a:p>
+            <a:fld id="{9D457EAB-1485-47AD-BEAD-484FAEBF5A54}" type="slidenum">
+              <a:rPr lang="en-US" smtClean="0"/>
+              <a:t>22</a:t>
+            </a:fld>
+            <a:endParaRPr lang="en-US"/>
+          </a:p>
+        </p:txBody>
+      </p:sp>
+    </p:spTree>
+    <p:extLst>
+      <p:ext uri="{BB962C8B-B14F-4D97-AF65-F5344CB8AC3E}">
+        <p14:creationId xmlns:p14="http://schemas.microsoft.com/office/powerpoint/2010/main" val="2119980269"/>
       </p:ext>
     </p:extLst>
   </p:cSld>
@@ -2552,6 +2893,348 @@
     <p:extLst>
       <p:ext uri="{BB962C8B-B14F-4D97-AF65-F5344CB8AC3E}">
         <p14:creationId xmlns:p14="http://schemas.microsoft.com/office/powerpoint/2010/main" val="217789593"/>
+      </p:ext>
+    </p:extLst>
+  </p:cSld>
+  <p:clrMapOvr>
+    <a:masterClrMapping/>
+  </p:clrMapOvr>
+</p:notes>
+</file>
+
+<file path=ppt/notesSlides/notesSlide20.xml><?xml version="1.0" encoding="utf-8"?>
+<p:notes xmlns:a="http://schemas.openxmlformats.org/drawingml/2006/main" xmlns:r="http://schemas.openxmlformats.org/officeDocument/2006/relationships" xmlns:p="http://schemas.openxmlformats.org/presentationml/2006/main">
+  <p:cSld>
+    <p:spTree>
+      <p:nvGrpSpPr>
+        <p:cNvPr id="1" name=""/>
+        <p:cNvGrpSpPr/>
+        <p:nvPr/>
+      </p:nvGrpSpPr>
+      <p:grpSpPr>
+        <a:xfrm>
+          <a:off x="0" y="0"/>
+          <a:ext cx="0" cy="0"/>
+          <a:chOff x="0" y="0"/>
+          <a:chExt cx="0" cy="0"/>
+        </a:xfrm>
+      </p:grpSpPr>
+      <p:sp>
+        <p:nvSpPr>
+          <p:cNvPr id="2" name="投影片影像版面配置區 1"/>
+          <p:cNvSpPr>
+            <a:spLocks noGrp="1" noRot="1" noChangeAspect="1"/>
+          </p:cNvSpPr>
+          <p:nvPr>
+            <p:ph type="sldImg"/>
+          </p:nvPr>
+        </p:nvSpPr>
+        <p:spPr/>
+      </p:sp>
+      <p:sp>
+        <p:nvSpPr>
+          <p:cNvPr id="3" name="備忘稿版面配置區 2"/>
+          <p:cNvSpPr>
+            <a:spLocks noGrp="1"/>
+          </p:cNvSpPr>
+          <p:nvPr>
+            <p:ph type="body" idx="1"/>
+          </p:nvPr>
+        </p:nvSpPr>
+        <p:spPr/>
+        <p:txBody>
+          <a:bodyPr/>
+          <a:lstStyle/>
+          <a:p>
+            <a:r>
+              <a:rPr lang="zh-TW" altLang="en-US" b="0" i="0" dirty="0">
+                <a:solidFill>
+                  <a:srgbClr val="374151"/>
+                </a:solidFill>
+                <a:effectLst/>
+                <a:latin typeface="Söhne"/>
+              </a:rPr>
+              <a:t>每一層的高度都有一個對應的高度標準差（描述該層內高度的變異情況）。</a:t>
+            </a:r>
+            <a:r>
+              <a:rPr lang="en-US" altLang="zh-TW" b="0" i="0" dirty="0">
+                <a:solidFill>
+                  <a:srgbClr val="374151"/>
+                </a:solidFill>
+                <a:effectLst/>
+                <a:latin typeface="Söhne"/>
+              </a:rPr>
+              <a:t>OV</a:t>
+            </a:r>
+            <a:r>
+              <a:rPr lang="zh-TW" altLang="en-US" b="0" i="0" dirty="0">
+                <a:solidFill>
+                  <a:srgbClr val="374151"/>
+                </a:solidFill>
+                <a:effectLst/>
+                <a:latin typeface="Söhne"/>
+              </a:rPr>
+              <a:t>則是這些標準差的總和。這裡的每一層用 𝜎𝑘 來表示，其中 𝜎 是標準差的符號，而 𝑘 是層的索引。</a:t>
+            </a:r>
+            <a:endParaRPr lang="zh-TW" altLang="en-US" dirty="0"/>
+          </a:p>
+        </p:txBody>
+      </p:sp>
+      <p:sp>
+        <p:nvSpPr>
+          <p:cNvPr id="4" name="投影片編號版面配置區 3"/>
+          <p:cNvSpPr>
+            <a:spLocks noGrp="1"/>
+          </p:cNvSpPr>
+          <p:nvPr>
+            <p:ph type="sldNum" sz="quarter" idx="5"/>
+          </p:nvPr>
+        </p:nvSpPr>
+        <p:spPr/>
+        <p:txBody>
+          <a:bodyPr/>
+          <a:lstStyle/>
+          <a:p>
+            <a:fld id="{9D457EAB-1485-47AD-BEAD-484FAEBF5A54}" type="slidenum">
+              <a:rPr lang="en-US" smtClean="0"/>
+              <a:t>23</a:t>
+            </a:fld>
+            <a:endParaRPr lang="en-US"/>
+          </a:p>
+        </p:txBody>
+      </p:sp>
+    </p:spTree>
+    <p:extLst>
+      <p:ext uri="{BB962C8B-B14F-4D97-AF65-F5344CB8AC3E}">
+        <p14:creationId xmlns:p14="http://schemas.microsoft.com/office/powerpoint/2010/main" val="2446882062"/>
+      </p:ext>
+    </p:extLst>
+  </p:cSld>
+  <p:clrMapOvr>
+    <a:masterClrMapping/>
+  </p:clrMapOvr>
+</p:notes>
+</file>
+
+<file path=ppt/notesSlides/notesSlide21.xml><?xml version="1.0" encoding="utf-8"?>
+<p:notes xmlns:a="http://schemas.openxmlformats.org/drawingml/2006/main" xmlns:r="http://schemas.openxmlformats.org/officeDocument/2006/relationships" xmlns:p="http://schemas.openxmlformats.org/presentationml/2006/main">
+  <p:cSld>
+    <p:spTree>
+      <p:nvGrpSpPr>
+        <p:cNvPr id="1" name=""/>
+        <p:cNvGrpSpPr/>
+        <p:nvPr/>
+      </p:nvGrpSpPr>
+      <p:grpSpPr>
+        <a:xfrm>
+          <a:off x="0" y="0"/>
+          <a:ext cx="0" cy="0"/>
+          <a:chOff x="0" y="0"/>
+          <a:chExt cx="0" cy="0"/>
+        </a:xfrm>
+      </p:grpSpPr>
+      <p:sp>
+        <p:nvSpPr>
+          <p:cNvPr id="2" name="投影片影像版面配置區 1"/>
+          <p:cNvSpPr>
+            <a:spLocks noGrp="1" noRot="1" noChangeAspect="1"/>
+          </p:cNvSpPr>
+          <p:nvPr>
+            <p:ph type="sldImg"/>
+          </p:nvPr>
+        </p:nvSpPr>
+        <p:spPr/>
+      </p:sp>
+      <p:sp>
+        <p:nvSpPr>
+          <p:cNvPr id="3" name="備忘稿版面配置區 2"/>
+          <p:cNvSpPr>
+            <a:spLocks noGrp="1"/>
+          </p:cNvSpPr>
+          <p:nvPr>
+            <p:ph type="body" idx="1"/>
+          </p:nvPr>
+        </p:nvSpPr>
+        <p:spPr/>
+        <p:txBody>
+          <a:bodyPr/>
+          <a:lstStyle/>
+          <a:p>
+            <a:r>
+              <a:rPr lang="zh-TW" altLang="en-US" b="0" i="0" dirty="0">
+                <a:solidFill>
+                  <a:srgbClr val="374151"/>
+                </a:solidFill>
+                <a:effectLst/>
+                <a:latin typeface="Söhne"/>
+              </a:rPr>
+              <a:t>每一層的高度都有一個對應的高度標準差（描述該層內高度的變異情況）。</a:t>
+            </a:r>
+            <a:r>
+              <a:rPr lang="en-US" altLang="zh-TW" b="0" i="0" dirty="0">
+                <a:solidFill>
+                  <a:srgbClr val="374151"/>
+                </a:solidFill>
+                <a:effectLst/>
+                <a:latin typeface="Söhne"/>
+              </a:rPr>
+              <a:t>OV</a:t>
+            </a:r>
+            <a:r>
+              <a:rPr lang="zh-TW" altLang="en-US" b="0" i="0" dirty="0">
+                <a:solidFill>
+                  <a:srgbClr val="374151"/>
+                </a:solidFill>
+                <a:effectLst/>
+                <a:latin typeface="Söhne"/>
+              </a:rPr>
+              <a:t>則是這些標準差的總和。這裡的每一層用 𝜎𝑘 來表示，其中 𝜎 是標準差的符號，而 𝑘 是層的索引。</a:t>
+            </a:r>
+            <a:endParaRPr lang="zh-TW" altLang="en-US" dirty="0"/>
+          </a:p>
+        </p:txBody>
+      </p:sp>
+      <p:sp>
+        <p:nvSpPr>
+          <p:cNvPr id="4" name="投影片編號版面配置區 3"/>
+          <p:cNvSpPr>
+            <a:spLocks noGrp="1"/>
+          </p:cNvSpPr>
+          <p:nvPr>
+            <p:ph type="sldNum" sz="quarter" idx="5"/>
+          </p:nvPr>
+        </p:nvSpPr>
+        <p:spPr/>
+        <p:txBody>
+          <a:bodyPr/>
+          <a:lstStyle/>
+          <a:p>
+            <a:fld id="{9D457EAB-1485-47AD-BEAD-484FAEBF5A54}" type="slidenum">
+              <a:rPr lang="en-US" smtClean="0"/>
+              <a:t>24</a:t>
+            </a:fld>
+            <a:endParaRPr lang="en-US"/>
+          </a:p>
+        </p:txBody>
+      </p:sp>
+    </p:spTree>
+    <p:extLst>
+      <p:ext uri="{BB962C8B-B14F-4D97-AF65-F5344CB8AC3E}">
+        <p14:creationId xmlns:p14="http://schemas.microsoft.com/office/powerpoint/2010/main" val="1353918984"/>
+      </p:ext>
+    </p:extLst>
+  </p:cSld>
+  <p:clrMapOvr>
+    <a:masterClrMapping/>
+  </p:clrMapOvr>
+</p:notes>
+</file>
+
+<file path=ppt/notesSlides/notesSlide22.xml><?xml version="1.0" encoding="utf-8"?>
+<p:notes xmlns:a="http://schemas.openxmlformats.org/drawingml/2006/main" xmlns:r="http://schemas.openxmlformats.org/officeDocument/2006/relationships" xmlns:p="http://schemas.openxmlformats.org/presentationml/2006/main">
+  <p:cSld>
+    <p:spTree>
+      <p:nvGrpSpPr>
+        <p:cNvPr id="1" name=""/>
+        <p:cNvGrpSpPr/>
+        <p:nvPr/>
+      </p:nvGrpSpPr>
+      <p:grpSpPr>
+        <a:xfrm>
+          <a:off x="0" y="0"/>
+          <a:ext cx="0" cy="0"/>
+          <a:chOff x="0" y="0"/>
+          <a:chExt cx="0" cy="0"/>
+        </a:xfrm>
+      </p:grpSpPr>
+      <p:sp>
+        <p:nvSpPr>
+          <p:cNvPr id="2" name="投影片影像版面配置區 1"/>
+          <p:cNvSpPr>
+            <a:spLocks noGrp="1" noRot="1" noChangeAspect="1"/>
+          </p:cNvSpPr>
+          <p:nvPr>
+            <p:ph type="sldImg"/>
+          </p:nvPr>
+        </p:nvSpPr>
+        <p:spPr/>
+      </p:sp>
+      <p:sp>
+        <p:nvSpPr>
+          <p:cNvPr id="3" name="備忘稿版面配置區 2"/>
+          <p:cNvSpPr>
+            <a:spLocks noGrp="1"/>
+          </p:cNvSpPr>
+          <p:nvPr>
+            <p:ph type="body" idx="1"/>
+          </p:nvPr>
+        </p:nvSpPr>
+        <p:spPr/>
+        <p:txBody>
+          <a:bodyPr/>
+          <a:lstStyle/>
+          <a:p>
+            <a:r>
+              <a:rPr lang="zh-TW" altLang="en-US" b="0" i="0" dirty="0">
+                <a:solidFill>
+                  <a:srgbClr val="374151"/>
+                </a:solidFill>
+                <a:effectLst/>
+                <a:latin typeface="Söhne"/>
+              </a:rPr>
+              <a:t>每一層的高度都有一個對應的高度標準差（描述該層內高度的變異情況）。</a:t>
+            </a:r>
+            <a:r>
+              <a:rPr lang="en-US" altLang="zh-TW" b="0" i="0" dirty="0">
+                <a:solidFill>
+                  <a:srgbClr val="374151"/>
+                </a:solidFill>
+                <a:effectLst/>
+                <a:latin typeface="Söhne"/>
+              </a:rPr>
+              <a:t>OV</a:t>
+            </a:r>
+            <a:r>
+              <a:rPr lang="zh-TW" altLang="en-US" b="0" i="0" dirty="0">
+                <a:solidFill>
+                  <a:srgbClr val="374151"/>
+                </a:solidFill>
+                <a:effectLst/>
+                <a:latin typeface="Söhne"/>
+              </a:rPr>
+              <a:t>則是這些標準差的總和。這裡的每一層用 𝜎𝑘 來表示，其中 𝜎 是標準差的符號，而 𝑘 是層的索引。</a:t>
+            </a:r>
+            <a:endParaRPr lang="zh-TW" altLang="en-US" dirty="0"/>
+          </a:p>
+        </p:txBody>
+      </p:sp>
+      <p:sp>
+        <p:nvSpPr>
+          <p:cNvPr id="4" name="投影片編號版面配置區 3"/>
+          <p:cNvSpPr>
+            <a:spLocks noGrp="1"/>
+          </p:cNvSpPr>
+          <p:nvPr>
+            <p:ph type="sldNum" sz="quarter" idx="5"/>
+          </p:nvPr>
+        </p:nvSpPr>
+        <p:spPr/>
+        <p:txBody>
+          <a:bodyPr/>
+          <a:lstStyle/>
+          <a:p>
+            <a:fld id="{9D457EAB-1485-47AD-BEAD-484FAEBF5A54}" type="slidenum">
+              <a:rPr lang="en-US" smtClean="0"/>
+              <a:t>25</a:t>
+            </a:fld>
+            <a:endParaRPr lang="en-US"/>
+          </a:p>
+        </p:txBody>
+      </p:sp>
+    </p:spTree>
+    <p:extLst>
+      <p:ext uri="{BB962C8B-B14F-4D97-AF65-F5344CB8AC3E}">
+        <p14:creationId xmlns:p14="http://schemas.microsoft.com/office/powerpoint/2010/main" val="102760052"/>
       </p:ext>
     </p:extLst>
   </p:cSld>
@@ -2866,7 +3549,7 @@
           <a:p>
             <a:fld id="{9D457EAB-1485-47AD-BEAD-484FAEBF5A54}" type="slidenum">
               <a:rPr lang="en-US" smtClean="0"/>
-              <a:t>6</a:t>
+              <a:t>7</a:t>
             </a:fld>
             <a:endParaRPr lang="en-US"/>
           </a:p>
@@ -3074,7 +3757,7 @@
           <a:p>
             <a:fld id="{9D457EAB-1485-47AD-BEAD-484FAEBF5A54}" type="slidenum">
               <a:rPr lang="en-US" smtClean="0"/>
-              <a:t>8</a:t>
+              <a:t>9</a:t>
             </a:fld>
             <a:endParaRPr lang="en-US"/>
           </a:p>
@@ -3173,7 +3856,7 @@
           <a:p>
             <a:fld id="{9D457EAB-1485-47AD-BEAD-484FAEBF5A54}" type="slidenum">
               <a:rPr lang="en-US" smtClean="0"/>
-              <a:t>9</a:t>
+              <a:t>10</a:t>
             </a:fld>
             <a:endParaRPr lang="en-US"/>
           </a:p>
@@ -3257,7 +3940,7 @@
           <a:p>
             <a:fld id="{9D457EAB-1485-47AD-BEAD-484FAEBF5A54}" type="slidenum">
               <a:rPr lang="en-US" smtClean="0"/>
-              <a:t>10</a:t>
+              <a:t>11</a:t>
             </a:fld>
             <a:endParaRPr lang="en-US"/>
           </a:p>
@@ -3341,7 +4024,7 @@
           <a:p>
             <a:fld id="{9D457EAB-1485-47AD-BEAD-484FAEBF5A54}" type="slidenum">
               <a:rPr lang="en-US" smtClean="0"/>
-              <a:t>11</a:t>
+              <a:t>12</a:t>
             </a:fld>
             <a:endParaRPr lang="en-US"/>
           </a:p>
@@ -3507,7 +4190,7 @@
           <a:p>
             <a:fld id="{99BA7BAB-F69F-4C21-8D40-7AA273A2D01F}" type="datetime1">
               <a:rPr lang="en-US" smtClean="0"/>
-              <a:t>1/17/2024</a:t>
+              <a:t>1/18/2024</a:t>
             </a:fld>
             <a:endParaRPr lang="en-US"/>
           </a:p>
@@ -3712,7 +4395,7 @@
           <a:p>
             <a:fld id="{FB00A8EC-4678-43EE-BE64-F312B7F1A46F}" type="datetime1">
               <a:rPr lang="en-US" smtClean="0"/>
-              <a:t>1/17/2024</a:t>
+              <a:t>1/18/2024</a:t>
             </a:fld>
             <a:endParaRPr lang="en-US"/>
           </a:p>
@@ -3920,7 +4603,7 @@
           <a:p>
             <a:fld id="{9487F23D-EA8F-4C56-9373-23F6109AD11F}" type="datetime1">
               <a:rPr lang="en-US" smtClean="0"/>
-              <a:t>1/17/2024</a:t>
+              <a:t>1/18/2024</a:t>
             </a:fld>
             <a:endParaRPr lang="en-US"/>
           </a:p>
@@ -4118,7 +4801,7 @@
           <a:p>
             <a:fld id="{A34E716E-0239-4A81-9CF4-D3B9651721CF}" type="datetime1">
               <a:rPr lang="en-US" smtClean="0"/>
-              <a:t>1/17/2024</a:t>
+              <a:t>1/18/2024</a:t>
             </a:fld>
             <a:endParaRPr lang="en-US"/>
           </a:p>
@@ -4400,7 +5083,7 @@
           <a:p>
             <a:fld id="{CC112E56-3D97-4B86-935C-1C493DD86A08}" type="datetime1">
               <a:rPr lang="en-US" smtClean="0"/>
-              <a:t>1/17/2024</a:t>
+              <a:t>1/18/2024</a:t>
             </a:fld>
             <a:endParaRPr lang="en-US"/>
           </a:p>
@@ -4665,7 +5348,7 @@
           <a:p>
             <a:fld id="{40649135-BABF-4F63-9AF8-3CEC545E47DC}" type="datetime1">
               <a:rPr lang="en-US" smtClean="0"/>
-              <a:t>1/17/2024</a:t>
+              <a:t>1/18/2024</a:t>
             </a:fld>
             <a:endParaRPr lang="en-US"/>
           </a:p>
@@ -5077,7 +5760,7 @@
           <a:p>
             <a:fld id="{B16EBC02-C9C0-442D-A8A6-494057203542}" type="datetime1">
               <a:rPr lang="en-US" smtClean="0"/>
-              <a:t>1/17/2024</a:t>
+              <a:t>1/18/2024</a:t>
             </a:fld>
             <a:endParaRPr lang="en-US"/>
           </a:p>
@@ -5218,7 +5901,7 @@
           <a:p>
             <a:fld id="{A126C4B4-559D-414E-BC9C-16A745BBF3C3}" type="datetime1">
               <a:rPr lang="en-US" smtClean="0"/>
-              <a:t>1/17/2024</a:t>
+              <a:t>1/18/2024</a:t>
             </a:fld>
             <a:endParaRPr lang="en-US"/>
           </a:p>
@@ -5331,7 +6014,7 @@
           <a:p>
             <a:fld id="{0D49D49E-73A5-4C03-BFEA-3D845EB044D8}" type="datetime1">
               <a:rPr lang="en-US" smtClean="0"/>
-              <a:t>1/17/2024</a:t>
+              <a:t>1/18/2024</a:t>
             </a:fld>
             <a:endParaRPr lang="en-US"/>
           </a:p>
@@ -5642,7 +6325,7 @@
           <a:p>
             <a:fld id="{4A0F93E6-3134-410C-B573-A5F6B38FC346}" type="datetime1">
               <a:rPr lang="en-US" smtClean="0"/>
-              <a:t>1/17/2024</a:t>
+              <a:t>1/18/2024</a:t>
             </a:fld>
             <a:endParaRPr lang="en-US"/>
           </a:p>
@@ -5930,7 +6613,7 @@
           <a:p>
             <a:fld id="{F766E70F-5320-45A5-BE33-1819A93C2AF4}" type="datetime1">
               <a:rPr lang="en-US" smtClean="0"/>
-              <a:t>1/17/2024</a:t>
+              <a:t>1/18/2024</a:t>
             </a:fld>
             <a:endParaRPr lang="en-US"/>
           </a:p>
@@ -6171,7 +6854,7 @@
           <a:p>
             <a:fld id="{A706458B-0289-40FF-A02D-2C541B7F1CB6}" type="datetime1">
               <a:rPr lang="en-US" smtClean="0"/>
-              <a:t>1/17/2024</a:t>
+              <a:t>1/18/2024</a:t>
             </a:fld>
             <a:endParaRPr lang="en-US"/>
           </a:p>
@@ -6755,6 +7438,173 @@
 </file>
 
 <file path=ppt/slides/slide10.xml><?xml version="1.0" encoding="utf-8"?>
+<p:sld xmlns:a="http://schemas.openxmlformats.org/drawingml/2006/main" xmlns:r="http://schemas.openxmlformats.org/officeDocument/2006/relationships" xmlns:p="http://schemas.openxmlformats.org/presentationml/2006/main">
+  <p:cSld>
+    <p:spTree>
+      <p:nvGrpSpPr>
+        <p:cNvPr id="1" name=""/>
+        <p:cNvGrpSpPr/>
+        <p:nvPr/>
+      </p:nvGrpSpPr>
+      <p:grpSpPr>
+        <a:xfrm>
+          <a:off x="0" y="0"/>
+          <a:ext cx="0" cy="0"/>
+          <a:chOff x="0" y="0"/>
+          <a:chExt cx="0" cy="0"/>
+        </a:xfrm>
+      </p:grpSpPr>
+      <p:sp>
+        <p:nvSpPr>
+          <p:cNvPr id="2" name="標題 1">
+            <a:extLst>
+              <a:ext uri="{FF2B5EF4-FFF2-40B4-BE49-F238E27FC236}">
+                <a16:creationId xmlns:a16="http://schemas.microsoft.com/office/drawing/2014/main" id="{ADF75E3A-4F22-3C0A-E950-5621D0E0BE69}"/>
+              </a:ext>
+            </a:extLst>
+          </p:cNvPr>
+          <p:cNvSpPr>
+            <a:spLocks noGrp="1"/>
+          </p:cNvSpPr>
+          <p:nvPr>
+            <p:ph type="title"/>
+          </p:nvPr>
+        </p:nvSpPr>
+        <p:spPr/>
+        <p:txBody>
+          <a:bodyPr/>
+          <a:lstStyle/>
+          <a:p>
+            <a:endParaRPr lang="zh-TW" altLang="en-US" dirty="0"/>
+          </a:p>
+        </p:txBody>
+      </p:sp>
+      <p:sp>
+        <p:nvSpPr>
+          <p:cNvPr id="3" name="內容版面配置區 2">
+            <a:extLst>
+              <a:ext uri="{FF2B5EF4-FFF2-40B4-BE49-F238E27FC236}">
+                <a16:creationId xmlns:a16="http://schemas.microsoft.com/office/drawing/2014/main" id="{1DE082D5-A70E-399C-EBA0-91AEFD242464}"/>
+              </a:ext>
+            </a:extLst>
+          </p:cNvPr>
+          <p:cNvSpPr>
+            <a:spLocks noGrp="1"/>
+          </p:cNvSpPr>
+          <p:nvPr>
+            <p:ph idx="1"/>
+          </p:nvPr>
+        </p:nvSpPr>
+        <p:spPr/>
+        <p:txBody>
+          <a:bodyPr/>
+          <a:lstStyle/>
+          <a:p>
+            <a:endParaRPr lang="zh-TW" altLang="en-US" dirty="0"/>
+          </a:p>
+        </p:txBody>
+      </p:sp>
+      <p:sp>
+        <p:nvSpPr>
+          <p:cNvPr id="4" name="投影片編號版面配置區 3">
+            <a:extLst>
+              <a:ext uri="{FF2B5EF4-FFF2-40B4-BE49-F238E27FC236}">
+                <a16:creationId xmlns:a16="http://schemas.microsoft.com/office/drawing/2014/main" id="{26C67376-488E-0B96-D3A0-8A190AACC19C}"/>
+              </a:ext>
+            </a:extLst>
+          </p:cNvPr>
+          <p:cNvSpPr>
+            <a:spLocks noGrp="1"/>
+          </p:cNvSpPr>
+          <p:nvPr>
+            <p:ph type="sldNum" sz="quarter" idx="12"/>
+          </p:nvPr>
+        </p:nvSpPr>
+        <p:spPr/>
+        <p:txBody>
+          <a:bodyPr/>
+          <a:lstStyle/>
+          <a:p>
+            <a:fld id="{666274A1-CF9C-426A-8DD4-B13ED0C24231}" type="slidenum">
+              <a:rPr lang="en-US" smtClean="0"/>
+              <a:t>9</a:t>
+            </a:fld>
+            <a:endParaRPr lang="en-US"/>
+          </a:p>
+        </p:txBody>
+      </p:sp>
+      <p:pic>
+        <p:nvPicPr>
+          <p:cNvPr id="6" name="圖片 5">
+            <a:extLst>
+              <a:ext uri="{FF2B5EF4-FFF2-40B4-BE49-F238E27FC236}">
+                <a16:creationId xmlns:a16="http://schemas.microsoft.com/office/drawing/2014/main" id="{7AD8045F-CE45-F29F-C807-183B6CFCB402}"/>
+              </a:ext>
+            </a:extLst>
+          </p:cNvPr>
+          <p:cNvPicPr>
+            <a:picLocks noChangeAspect="1"/>
+          </p:cNvPicPr>
+          <p:nvPr/>
+        </p:nvPicPr>
+        <p:blipFill rotWithShape="1">
+          <a:blip r:embed="rId3"/>
+          <a:srcRect t="1346" b="48121"/>
+          <a:stretch/>
+        </p:blipFill>
+        <p:spPr>
+          <a:xfrm>
+            <a:off x="-118335" y="2592593"/>
+            <a:ext cx="5884433" cy="3345292"/>
+          </a:xfrm>
+          <a:prstGeom prst="rect">
+            <a:avLst/>
+          </a:prstGeom>
+        </p:spPr>
+      </p:pic>
+      <p:pic>
+        <p:nvPicPr>
+          <p:cNvPr id="5" name="圖片 4">
+            <a:extLst>
+              <a:ext uri="{FF2B5EF4-FFF2-40B4-BE49-F238E27FC236}">
+                <a16:creationId xmlns:a16="http://schemas.microsoft.com/office/drawing/2014/main" id="{29394B92-B5BF-F407-D5F7-D466A639A705}"/>
+              </a:ext>
+            </a:extLst>
+          </p:cNvPr>
+          <p:cNvPicPr>
+            <a:picLocks noChangeAspect="1"/>
+          </p:cNvPicPr>
+          <p:nvPr/>
+        </p:nvPicPr>
+        <p:blipFill rotWithShape="1">
+          <a:blip r:embed="rId3"/>
+          <a:srcRect t="51386"/>
+          <a:stretch/>
+        </p:blipFill>
+        <p:spPr>
+          <a:xfrm>
+            <a:off x="5838517" y="2592593"/>
+            <a:ext cx="6353483" cy="3474720"/>
+          </a:xfrm>
+          <a:prstGeom prst="rect">
+            <a:avLst/>
+          </a:prstGeom>
+        </p:spPr>
+      </p:pic>
+    </p:spTree>
+    <p:extLst>
+      <p:ext uri="{BB962C8B-B14F-4D97-AF65-F5344CB8AC3E}">
+        <p14:creationId xmlns:p14="http://schemas.microsoft.com/office/powerpoint/2010/main" val="468702892"/>
+      </p:ext>
+    </p:extLst>
+  </p:cSld>
+  <p:clrMapOvr>
+    <a:masterClrMapping/>
+  </p:clrMapOvr>
+</p:sld>
+</file>
+
+<file path=ppt/slides/slide11.xml><?xml version="1.0" encoding="utf-8"?>
 <p:sld xmlns:a="http://schemas.openxmlformats.org/drawingml/2006/main" xmlns:r="http://schemas.openxmlformats.org/officeDocument/2006/relationships" xmlns:p="http://schemas.openxmlformats.org/presentationml/2006/main">
   <p:cSld>
     <p:spTree>
@@ -7301,7 +8151,7 @@
           <a:p>
             <a:fld id="{666274A1-CF9C-426A-8DD4-B13ED0C24231}" type="slidenum">
               <a:rPr lang="en-US" smtClean="0"/>
-              <a:t>9</a:t>
+              <a:t>10</a:t>
             </a:fld>
             <a:endParaRPr lang="en-US"/>
           </a:p>
@@ -7311,268 +8161,6 @@
     <p:extLst>
       <p:ext uri="{BB962C8B-B14F-4D97-AF65-F5344CB8AC3E}">
         <p14:creationId xmlns:p14="http://schemas.microsoft.com/office/powerpoint/2010/main" val="1378858122"/>
-      </p:ext>
-    </p:extLst>
-  </p:cSld>
-  <p:clrMapOvr>
-    <a:masterClrMapping/>
-  </p:clrMapOvr>
-</p:sld>
-</file>
-
-<file path=ppt/slides/slide11.xml><?xml version="1.0" encoding="utf-8"?>
-<p:sld xmlns:a="http://schemas.openxmlformats.org/drawingml/2006/main" xmlns:r="http://schemas.openxmlformats.org/officeDocument/2006/relationships" xmlns:p="http://schemas.openxmlformats.org/presentationml/2006/main">
-  <p:cSld>
-    <p:spTree>
-      <p:nvGrpSpPr>
-        <p:cNvPr id="1" name=""/>
-        <p:cNvGrpSpPr/>
-        <p:nvPr/>
-      </p:nvGrpSpPr>
-      <p:grpSpPr>
-        <a:xfrm>
-          <a:off x="0" y="0"/>
-          <a:ext cx="0" cy="0"/>
-          <a:chOff x="0" y="0"/>
-          <a:chExt cx="0" cy="0"/>
-        </a:xfrm>
-      </p:grpSpPr>
-      <p:sp>
-        <p:nvSpPr>
-          <p:cNvPr id="2" name="標題 1">
-            <a:extLst>
-              <a:ext uri="{FF2B5EF4-FFF2-40B4-BE49-F238E27FC236}">
-                <a16:creationId xmlns:a16="http://schemas.microsoft.com/office/drawing/2014/main" id="{F49B282A-FF7E-D28E-E7C9-7C9011B3A142}"/>
-              </a:ext>
-            </a:extLst>
-          </p:cNvPr>
-          <p:cNvSpPr>
-            <a:spLocks noGrp="1"/>
-          </p:cNvSpPr>
-          <p:nvPr>
-            <p:ph type="title"/>
-          </p:nvPr>
-        </p:nvSpPr>
-        <p:spPr/>
-        <p:txBody>
-          <a:bodyPr>
-            <a:normAutofit/>
-          </a:bodyPr>
-          <a:lstStyle/>
-          <a:p>
-            <a:r>
-              <a:rPr lang="en-US" altLang="zh-TW" sz="4000" dirty="0">
-                <a:latin typeface="Times" panose="02020603050405020304" pitchFamily="18" charset="0"/>
-                <a:cs typeface="Times" panose="02020603050405020304" pitchFamily="18" charset="0"/>
-              </a:rPr>
-              <a:t>MOGA-</a:t>
-            </a:r>
-            <a:r>
-              <a:rPr lang="en-US" altLang="zh-TW" sz="4000" dirty="0" err="1">
-                <a:latin typeface="Times" panose="02020603050405020304" pitchFamily="18" charset="0"/>
-                <a:cs typeface="Times" panose="02020603050405020304" pitchFamily="18" charset="0"/>
-              </a:rPr>
-              <a:t>CmpCNN</a:t>
-            </a:r>
-            <a:r>
-              <a:rPr lang="en-US" altLang="zh-TW" sz="4000" dirty="0">
-                <a:latin typeface="Times" panose="02020603050405020304" pitchFamily="18" charset="0"/>
-                <a:cs typeface="Times" panose="02020603050405020304" pitchFamily="18" charset="0"/>
-              </a:rPr>
-              <a:t> Framework</a:t>
-            </a:r>
-            <a:endParaRPr lang="zh-TW" altLang="en-US" sz="4000" dirty="0">
-              <a:latin typeface="Times" panose="02020603050405020304" pitchFamily="18" charset="0"/>
-              <a:cs typeface="Times" panose="02020603050405020304" pitchFamily="18" charset="0"/>
-            </a:endParaRPr>
-          </a:p>
-        </p:txBody>
-      </p:sp>
-      <p:sp>
-        <p:nvSpPr>
-          <p:cNvPr id="3" name="內容版面配置區 2">
-            <a:extLst>
-              <a:ext uri="{FF2B5EF4-FFF2-40B4-BE49-F238E27FC236}">
-                <a16:creationId xmlns:a16="http://schemas.microsoft.com/office/drawing/2014/main" id="{6532586F-2B33-9C61-58DC-9046125E1570}"/>
-              </a:ext>
-            </a:extLst>
-          </p:cNvPr>
-          <p:cNvSpPr>
-            <a:spLocks noGrp="1"/>
-          </p:cNvSpPr>
-          <p:nvPr>
-            <p:ph idx="1"/>
-          </p:nvPr>
-        </p:nvSpPr>
-        <p:spPr>
-          <a:xfrm>
-            <a:off x="838199" y="1825625"/>
-            <a:ext cx="11823551" cy="4351338"/>
-          </a:xfrm>
-        </p:spPr>
-        <p:txBody>
-          <a:bodyPr>
-            <a:normAutofit/>
-          </a:bodyPr>
-          <a:lstStyle/>
-          <a:p>
-            <a:pPr marL="457200" indent="-457200">
-              <a:lnSpc>
-                <a:spcPct val="150000"/>
-              </a:lnSpc>
-              <a:buFont typeface="+mj-lt"/>
-              <a:buAutoNum type="arabicPeriod" startAt="3"/>
-            </a:pPr>
-            <a:r>
-              <a:rPr lang="en-US" altLang="zh-TW" sz="2200" dirty="0">
-                <a:latin typeface="Times" panose="02020603050405020304" pitchFamily="18" charset="0"/>
-                <a:ea typeface="標楷體" panose="03000509000000000000" pitchFamily="65" charset="-120"/>
-                <a:cs typeface="Times" panose="02020603050405020304" pitchFamily="18" charset="0"/>
-              </a:rPr>
-              <a:t>MOGA-</a:t>
-            </a:r>
-            <a:r>
-              <a:rPr lang="en-US" altLang="zh-TW" sz="2200" dirty="0" err="1">
-                <a:latin typeface="Times" panose="02020603050405020304" pitchFamily="18" charset="0"/>
-                <a:ea typeface="標楷體" panose="03000509000000000000" pitchFamily="65" charset="-120"/>
-                <a:cs typeface="Times" panose="02020603050405020304" pitchFamily="18" charset="0"/>
-              </a:rPr>
-              <a:t>CmpCNN</a:t>
-            </a:r>
-            <a:r>
-              <a:rPr lang="en-US" altLang="zh-TW" sz="2200" dirty="0">
-                <a:latin typeface="Times" panose="02020603050405020304" pitchFamily="18" charset="0"/>
-                <a:ea typeface="標楷體" panose="03000509000000000000" pitchFamily="65" charset="-120"/>
-                <a:cs typeface="Times" panose="02020603050405020304" pitchFamily="18" charset="0"/>
-              </a:rPr>
-              <a:t> Fill Insertion</a:t>
-            </a:r>
-          </a:p>
-          <a:p>
-            <a:pPr lvl="1">
-              <a:lnSpc>
-                <a:spcPct val="150000"/>
-              </a:lnSpc>
-            </a:pPr>
-            <a:r>
-              <a:rPr lang="en-US" altLang="zh-TW" sz="2000" dirty="0">
-                <a:latin typeface="Times" panose="02020603050405020304" pitchFamily="18" charset="0"/>
-                <a:ea typeface="標楷體" panose="03000509000000000000" pitchFamily="65" charset="-120"/>
-                <a:cs typeface="Times" panose="02020603050405020304" pitchFamily="18" charset="0"/>
-              </a:rPr>
-              <a:t>View the entire metal fill process as a unified entity.</a:t>
-            </a:r>
-          </a:p>
-          <a:p>
-            <a:pPr lvl="1">
-              <a:lnSpc>
-                <a:spcPct val="150000"/>
-              </a:lnSpc>
-            </a:pPr>
-            <a:r>
-              <a:rPr lang="en-US" altLang="zh-TW" sz="2000" dirty="0">
-                <a:latin typeface="Times" panose="02020603050405020304" pitchFamily="18" charset="0"/>
-                <a:ea typeface="標楷體" panose="03000509000000000000" pitchFamily="65" charset="-120"/>
-                <a:cs typeface="Times" panose="02020603050405020304" pitchFamily="18" charset="0"/>
-              </a:rPr>
-              <a:t>Integrate MOGA with </a:t>
-            </a:r>
-            <a:r>
-              <a:rPr lang="en-US" altLang="zh-TW" sz="2000" dirty="0" err="1">
-                <a:latin typeface="Times" panose="02020603050405020304" pitchFamily="18" charset="0"/>
-                <a:ea typeface="標楷體" panose="03000509000000000000" pitchFamily="65" charset="-120"/>
-                <a:cs typeface="Times" panose="02020603050405020304" pitchFamily="18" charset="0"/>
-              </a:rPr>
-              <a:t>CmpCNN</a:t>
-            </a:r>
-            <a:r>
-              <a:rPr lang="en-US" altLang="zh-TW" sz="2000" dirty="0">
-                <a:latin typeface="Times" panose="02020603050405020304" pitchFamily="18" charset="0"/>
-                <a:ea typeface="標楷體" panose="03000509000000000000" pitchFamily="65" charset="-120"/>
-                <a:cs typeface="Times" panose="02020603050405020304" pitchFamily="18" charset="0"/>
-              </a:rPr>
-              <a:t> model to optimize </a:t>
-            </a:r>
-            <a:r>
-              <a:rPr lang="en-US" altLang="zh-TW" sz="2000" i="1" dirty="0">
-                <a:latin typeface="Times" panose="02020603050405020304" pitchFamily="18" charset="0"/>
-                <a:ea typeface="標楷體" panose="03000509000000000000" pitchFamily="65" charset="-120"/>
-                <a:cs typeface="Times" panose="02020603050405020304" pitchFamily="18" charset="0"/>
-              </a:rPr>
-              <a:t>fill width, fill length, </a:t>
-            </a:r>
-            <a:r>
-              <a:rPr lang="en-US" altLang="zh-TW" sz="2000" dirty="0">
-                <a:latin typeface="Times" panose="02020603050405020304" pitchFamily="18" charset="0"/>
-                <a:ea typeface="標楷體" panose="03000509000000000000" pitchFamily="65" charset="-120"/>
-                <a:cs typeface="Times" panose="02020603050405020304" pitchFamily="18" charset="0"/>
-              </a:rPr>
-              <a:t>and </a:t>
-            </a:r>
-            <a:r>
-              <a:rPr lang="en-US" altLang="zh-TW" sz="2000" i="1" dirty="0">
-                <a:latin typeface="Times" panose="02020603050405020304" pitchFamily="18" charset="0"/>
-                <a:ea typeface="標楷體" panose="03000509000000000000" pitchFamily="65" charset="-120"/>
-                <a:cs typeface="Times" panose="02020603050405020304" pitchFamily="18" charset="0"/>
-              </a:rPr>
-              <a:t>fill space </a:t>
-            </a:r>
-            <a:r>
-              <a:rPr lang="en-US" altLang="zh-TW" sz="2000" dirty="0">
-                <a:latin typeface="Times" panose="02020603050405020304" pitchFamily="18" charset="0"/>
-                <a:ea typeface="標楷體" panose="03000509000000000000" pitchFamily="65" charset="-120"/>
-                <a:cs typeface="Times" panose="02020603050405020304" pitchFamily="18" charset="0"/>
-              </a:rPr>
-              <a:t>in 2 directions.</a:t>
-            </a:r>
-          </a:p>
-          <a:p>
-            <a:pPr lvl="1">
-              <a:lnSpc>
-                <a:spcPct val="150000"/>
-              </a:lnSpc>
-            </a:pPr>
-            <a:endParaRPr lang="en-US" altLang="zh-TW" sz="2000" dirty="0">
-              <a:latin typeface="Times" panose="02020603050405020304" pitchFamily="18" charset="0"/>
-              <a:ea typeface="標楷體" panose="03000509000000000000" pitchFamily="65" charset="-120"/>
-              <a:cs typeface="Times" panose="02020603050405020304" pitchFamily="18" charset="0"/>
-            </a:endParaRPr>
-          </a:p>
-        </p:txBody>
-      </p:sp>
-      <p:sp>
-        <p:nvSpPr>
-          <p:cNvPr id="4" name="投影片編號版面配置區 3">
-            <a:extLst>
-              <a:ext uri="{FF2B5EF4-FFF2-40B4-BE49-F238E27FC236}">
-                <a16:creationId xmlns:a16="http://schemas.microsoft.com/office/drawing/2014/main" id="{4F34BD4F-A1A7-2695-B9CD-0B31024175B2}"/>
-              </a:ext>
-            </a:extLst>
-          </p:cNvPr>
-          <p:cNvSpPr>
-            <a:spLocks noGrp="1"/>
-          </p:cNvSpPr>
-          <p:nvPr>
-            <p:ph type="sldNum" sz="quarter" idx="12"/>
-          </p:nvPr>
-        </p:nvSpPr>
-        <p:spPr/>
-        <p:txBody>
-          <a:bodyPr/>
-          <a:lstStyle/>
-          <a:p>
-            <a:fld id="{666274A1-CF9C-426A-8DD4-B13ED0C24231}" type="slidenum">
-              <a:rPr lang="en-US" smtClean="0"/>
-              <a:t>10</a:t>
-            </a:fld>
-            <a:endParaRPr lang="en-US"/>
-          </a:p>
-        </p:txBody>
-      </p:sp>
-    </p:spTree>
-    <p:extLst>
-      <p:ext uri="{BB962C8B-B14F-4D97-AF65-F5344CB8AC3E}">
-        <p14:creationId xmlns:p14="http://schemas.microsoft.com/office/powerpoint/2010/main" val="978978491"/>
       </p:ext>
     </p:extLst>
   </p:cSld>
@@ -7711,6 +8299,268 @@
             </a:r>
           </a:p>
           <a:p>
+            <a:pPr lvl="1">
+              <a:lnSpc>
+                <a:spcPct val="150000"/>
+              </a:lnSpc>
+            </a:pPr>
+            <a:r>
+              <a:rPr lang="en-US" altLang="zh-TW" sz="2000" dirty="0">
+                <a:latin typeface="Times" panose="02020603050405020304" pitchFamily="18" charset="0"/>
+                <a:ea typeface="標楷體" panose="03000509000000000000" pitchFamily="65" charset="-120"/>
+                <a:cs typeface="Times" panose="02020603050405020304" pitchFamily="18" charset="0"/>
+              </a:rPr>
+              <a:t>View the entire metal fill process as a unified entity.</a:t>
+            </a:r>
+          </a:p>
+          <a:p>
+            <a:pPr lvl="1">
+              <a:lnSpc>
+                <a:spcPct val="150000"/>
+              </a:lnSpc>
+            </a:pPr>
+            <a:r>
+              <a:rPr lang="en-US" altLang="zh-TW" sz="2000" dirty="0">
+                <a:latin typeface="Times" panose="02020603050405020304" pitchFamily="18" charset="0"/>
+                <a:ea typeface="標楷體" panose="03000509000000000000" pitchFamily="65" charset="-120"/>
+                <a:cs typeface="Times" panose="02020603050405020304" pitchFamily="18" charset="0"/>
+              </a:rPr>
+              <a:t>Integrate MOGA with </a:t>
+            </a:r>
+            <a:r>
+              <a:rPr lang="en-US" altLang="zh-TW" sz="2000" dirty="0" err="1">
+                <a:latin typeface="Times" panose="02020603050405020304" pitchFamily="18" charset="0"/>
+                <a:ea typeface="標楷體" panose="03000509000000000000" pitchFamily="65" charset="-120"/>
+                <a:cs typeface="Times" panose="02020603050405020304" pitchFamily="18" charset="0"/>
+              </a:rPr>
+              <a:t>CmpCNN</a:t>
+            </a:r>
+            <a:r>
+              <a:rPr lang="en-US" altLang="zh-TW" sz="2000" dirty="0">
+                <a:latin typeface="Times" panose="02020603050405020304" pitchFamily="18" charset="0"/>
+                <a:ea typeface="標楷體" panose="03000509000000000000" pitchFamily="65" charset="-120"/>
+                <a:cs typeface="Times" panose="02020603050405020304" pitchFamily="18" charset="0"/>
+              </a:rPr>
+              <a:t> model to optimize </a:t>
+            </a:r>
+            <a:r>
+              <a:rPr lang="en-US" altLang="zh-TW" sz="2000" i="1" dirty="0">
+                <a:latin typeface="Times" panose="02020603050405020304" pitchFamily="18" charset="0"/>
+                <a:ea typeface="標楷體" panose="03000509000000000000" pitchFamily="65" charset="-120"/>
+                <a:cs typeface="Times" panose="02020603050405020304" pitchFamily="18" charset="0"/>
+              </a:rPr>
+              <a:t>fill width, fill length, </a:t>
+            </a:r>
+            <a:r>
+              <a:rPr lang="en-US" altLang="zh-TW" sz="2000" dirty="0">
+                <a:latin typeface="Times" panose="02020603050405020304" pitchFamily="18" charset="0"/>
+                <a:ea typeface="標楷體" panose="03000509000000000000" pitchFamily="65" charset="-120"/>
+                <a:cs typeface="Times" panose="02020603050405020304" pitchFamily="18" charset="0"/>
+              </a:rPr>
+              <a:t>and </a:t>
+            </a:r>
+            <a:r>
+              <a:rPr lang="en-US" altLang="zh-TW" sz="2000" i="1" dirty="0">
+                <a:latin typeface="Times" panose="02020603050405020304" pitchFamily="18" charset="0"/>
+                <a:ea typeface="標楷體" panose="03000509000000000000" pitchFamily="65" charset="-120"/>
+                <a:cs typeface="Times" panose="02020603050405020304" pitchFamily="18" charset="0"/>
+              </a:rPr>
+              <a:t>fill space </a:t>
+            </a:r>
+            <a:r>
+              <a:rPr lang="en-US" altLang="zh-TW" sz="2000" dirty="0">
+                <a:latin typeface="Times" panose="02020603050405020304" pitchFamily="18" charset="0"/>
+                <a:ea typeface="標楷體" panose="03000509000000000000" pitchFamily="65" charset="-120"/>
+                <a:cs typeface="Times" panose="02020603050405020304" pitchFamily="18" charset="0"/>
+              </a:rPr>
+              <a:t>in 2 directions.</a:t>
+            </a:r>
+          </a:p>
+          <a:p>
+            <a:pPr lvl="1">
+              <a:lnSpc>
+                <a:spcPct val="150000"/>
+              </a:lnSpc>
+            </a:pPr>
+            <a:endParaRPr lang="en-US" altLang="zh-TW" sz="2000" dirty="0">
+              <a:latin typeface="Times" panose="02020603050405020304" pitchFamily="18" charset="0"/>
+              <a:ea typeface="標楷體" panose="03000509000000000000" pitchFamily="65" charset="-120"/>
+              <a:cs typeface="Times" panose="02020603050405020304" pitchFamily="18" charset="0"/>
+            </a:endParaRPr>
+          </a:p>
+        </p:txBody>
+      </p:sp>
+      <p:sp>
+        <p:nvSpPr>
+          <p:cNvPr id="4" name="投影片編號版面配置區 3">
+            <a:extLst>
+              <a:ext uri="{FF2B5EF4-FFF2-40B4-BE49-F238E27FC236}">
+                <a16:creationId xmlns:a16="http://schemas.microsoft.com/office/drawing/2014/main" id="{4F34BD4F-A1A7-2695-B9CD-0B31024175B2}"/>
+              </a:ext>
+            </a:extLst>
+          </p:cNvPr>
+          <p:cNvSpPr>
+            <a:spLocks noGrp="1"/>
+          </p:cNvSpPr>
+          <p:nvPr>
+            <p:ph type="sldNum" sz="quarter" idx="12"/>
+          </p:nvPr>
+        </p:nvSpPr>
+        <p:spPr/>
+        <p:txBody>
+          <a:bodyPr/>
+          <a:lstStyle/>
+          <a:p>
+            <a:fld id="{666274A1-CF9C-426A-8DD4-B13ED0C24231}" type="slidenum">
+              <a:rPr lang="en-US" smtClean="0"/>
+              <a:t>11</a:t>
+            </a:fld>
+            <a:endParaRPr lang="en-US"/>
+          </a:p>
+        </p:txBody>
+      </p:sp>
+    </p:spTree>
+    <p:extLst>
+      <p:ext uri="{BB962C8B-B14F-4D97-AF65-F5344CB8AC3E}">
+        <p14:creationId xmlns:p14="http://schemas.microsoft.com/office/powerpoint/2010/main" val="978978491"/>
+      </p:ext>
+    </p:extLst>
+  </p:cSld>
+  <p:clrMapOvr>
+    <a:masterClrMapping/>
+  </p:clrMapOvr>
+</p:sld>
+</file>
+
+<file path=ppt/slides/slide13.xml><?xml version="1.0" encoding="utf-8"?>
+<p:sld xmlns:a="http://schemas.openxmlformats.org/drawingml/2006/main" xmlns:r="http://schemas.openxmlformats.org/officeDocument/2006/relationships" xmlns:p="http://schemas.openxmlformats.org/presentationml/2006/main">
+  <p:cSld>
+    <p:spTree>
+      <p:nvGrpSpPr>
+        <p:cNvPr id="1" name=""/>
+        <p:cNvGrpSpPr/>
+        <p:nvPr/>
+      </p:nvGrpSpPr>
+      <p:grpSpPr>
+        <a:xfrm>
+          <a:off x="0" y="0"/>
+          <a:ext cx="0" cy="0"/>
+          <a:chOff x="0" y="0"/>
+          <a:chExt cx="0" cy="0"/>
+        </a:xfrm>
+      </p:grpSpPr>
+      <p:sp>
+        <p:nvSpPr>
+          <p:cNvPr id="2" name="標題 1">
+            <a:extLst>
+              <a:ext uri="{FF2B5EF4-FFF2-40B4-BE49-F238E27FC236}">
+                <a16:creationId xmlns:a16="http://schemas.microsoft.com/office/drawing/2014/main" id="{F49B282A-FF7E-D28E-E7C9-7C9011B3A142}"/>
+              </a:ext>
+            </a:extLst>
+          </p:cNvPr>
+          <p:cNvSpPr>
+            <a:spLocks noGrp="1"/>
+          </p:cNvSpPr>
+          <p:nvPr>
+            <p:ph type="title"/>
+          </p:nvPr>
+        </p:nvSpPr>
+        <p:spPr/>
+        <p:txBody>
+          <a:bodyPr>
+            <a:normAutofit/>
+          </a:bodyPr>
+          <a:lstStyle/>
+          <a:p>
+            <a:r>
+              <a:rPr lang="en-US" altLang="zh-TW" sz="4000" dirty="0">
+                <a:latin typeface="Times" panose="02020603050405020304" pitchFamily="18" charset="0"/>
+                <a:cs typeface="Times" panose="02020603050405020304" pitchFamily="18" charset="0"/>
+              </a:rPr>
+              <a:t>MOGA-</a:t>
+            </a:r>
+            <a:r>
+              <a:rPr lang="en-US" altLang="zh-TW" sz="4000" dirty="0" err="1">
+                <a:latin typeface="Times" panose="02020603050405020304" pitchFamily="18" charset="0"/>
+                <a:cs typeface="Times" panose="02020603050405020304" pitchFamily="18" charset="0"/>
+              </a:rPr>
+              <a:t>CmpCNN</a:t>
+            </a:r>
+            <a:r>
+              <a:rPr lang="en-US" altLang="zh-TW" sz="4000" dirty="0">
+                <a:latin typeface="Times" panose="02020603050405020304" pitchFamily="18" charset="0"/>
+                <a:cs typeface="Times" panose="02020603050405020304" pitchFamily="18" charset="0"/>
+              </a:rPr>
+              <a:t> Framework</a:t>
+            </a:r>
+            <a:endParaRPr lang="zh-TW" altLang="en-US" sz="4000" dirty="0">
+              <a:latin typeface="Times" panose="02020603050405020304" pitchFamily="18" charset="0"/>
+              <a:cs typeface="Times" panose="02020603050405020304" pitchFamily="18" charset="0"/>
+            </a:endParaRPr>
+          </a:p>
+        </p:txBody>
+      </p:sp>
+      <p:sp>
+        <p:nvSpPr>
+          <p:cNvPr id="3" name="內容版面配置區 2">
+            <a:extLst>
+              <a:ext uri="{FF2B5EF4-FFF2-40B4-BE49-F238E27FC236}">
+                <a16:creationId xmlns:a16="http://schemas.microsoft.com/office/drawing/2014/main" id="{6532586F-2B33-9C61-58DC-9046125E1570}"/>
+              </a:ext>
+            </a:extLst>
+          </p:cNvPr>
+          <p:cNvSpPr>
+            <a:spLocks noGrp="1"/>
+          </p:cNvSpPr>
+          <p:nvPr>
+            <p:ph idx="1"/>
+          </p:nvPr>
+        </p:nvSpPr>
+        <p:spPr>
+          <a:xfrm>
+            <a:off x="838199" y="1825625"/>
+            <a:ext cx="11823551" cy="4351338"/>
+          </a:xfrm>
+        </p:spPr>
+        <p:txBody>
+          <a:bodyPr>
+            <a:normAutofit/>
+          </a:bodyPr>
+          <a:lstStyle/>
+          <a:p>
+            <a:pPr marL="457200" indent="-457200">
+              <a:lnSpc>
+                <a:spcPct val="150000"/>
+              </a:lnSpc>
+              <a:buFont typeface="+mj-lt"/>
+              <a:buAutoNum type="arabicPeriod" startAt="3"/>
+            </a:pPr>
+            <a:r>
+              <a:rPr lang="en-US" altLang="zh-TW" sz="2200" dirty="0">
+                <a:latin typeface="Times" panose="02020603050405020304" pitchFamily="18" charset="0"/>
+                <a:ea typeface="標楷體" panose="03000509000000000000" pitchFamily="65" charset="-120"/>
+                <a:cs typeface="Times" panose="02020603050405020304" pitchFamily="18" charset="0"/>
+              </a:rPr>
+              <a:t>MOGA-</a:t>
+            </a:r>
+            <a:r>
+              <a:rPr lang="en-US" altLang="zh-TW" sz="2200" dirty="0" err="1">
+                <a:latin typeface="Times" panose="02020603050405020304" pitchFamily="18" charset="0"/>
+                <a:ea typeface="標楷體" panose="03000509000000000000" pitchFamily="65" charset="-120"/>
+                <a:cs typeface="Times" panose="02020603050405020304" pitchFamily="18" charset="0"/>
+              </a:rPr>
+              <a:t>CmpCNN</a:t>
+            </a:r>
+            <a:r>
+              <a:rPr lang="en-US" altLang="zh-TW" sz="2200" dirty="0">
+                <a:latin typeface="Times" panose="02020603050405020304" pitchFamily="18" charset="0"/>
+                <a:ea typeface="標楷體" panose="03000509000000000000" pitchFamily="65" charset="-120"/>
+                <a:cs typeface="Times" panose="02020603050405020304" pitchFamily="18" charset="0"/>
+              </a:rPr>
+              <a:t> Fill Insertion</a:t>
+            </a:r>
+          </a:p>
+          <a:p>
             <a:pPr marL="457200" indent="-457200">
               <a:lnSpc>
                 <a:spcPct val="150000"/>
@@ -7796,7 +8646,7 @@
           <a:p>
             <a:fld id="{666274A1-CF9C-426A-8DD4-B13ED0C24231}" type="slidenum">
               <a:rPr lang="en-US" smtClean="0"/>
-              <a:t>11</a:t>
+              <a:t>12</a:t>
             </a:fld>
             <a:endParaRPr lang="en-US"/>
           </a:p>
@@ -7845,7 +8695,7 @@
 </p:sld>
 </file>
 
-<file path=ppt/slides/slide13.xml><?xml version="1.0" encoding="utf-8"?>
+<file path=ppt/slides/slide14.xml><?xml version="1.0" encoding="utf-8"?>
 <p:sld xmlns:a="http://schemas.openxmlformats.org/drawingml/2006/main" xmlns:r="http://schemas.openxmlformats.org/officeDocument/2006/relationships" xmlns:p="http://schemas.openxmlformats.org/presentationml/2006/main">
   <p:cSld>
     <p:spTree>
@@ -8075,7 +8925,7 @@
           <a:p>
             <a:fld id="{666274A1-CF9C-426A-8DD4-B13ED0C24231}" type="slidenum">
               <a:rPr lang="en-US" smtClean="0"/>
-              <a:t>12</a:t>
+              <a:t>13</a:t>
             </a:fld>
             <a:endParaRPr lang="en-US"/>
           </a:p>
@@ -8124,7 +8974,7 @@
 </p:sld>
 </file>
 
-<file path=ppt/slides/slide14.xml><?xml version="1.0" encoding="utf-8"?>
+<file path=ppt/slides/slide15.xml><?xml version="1.0" encoding="utf-8"?>
 <p:sld xmlns:a="http://schemas.openxmlformats.org/drawingml/2006/main" xmlns:r="http://schemas.openxmlformats.org/officeDocument/2006/relationships" xmlns:p="http://schemas.openxmlformats.org/presentationml/2006/main">
   <p:cSld>
     <p:spTree>
@@ -8370,7 +9220,7 @@
           <a:p>
             <a:fld id="{666274A1-CF9C-426A-8DD4-B13ED0C24231}" type="slidenum">
               <a:rPr lang="en-US" smtClean="0"/>
-              <a:t>13</a:t>
+              <a:t>14</a:t>
             </a:fld>
             <a:endParaRPr lang="en-US"/>
           </a:p>
@@ -8419,7 +9269,7 @@
 </p:sld>
 </file>
 
-<file path=ppt/slides/slide15.xml><?xml version="1.0" encoding="utf-8"?>
+<file path=ppt/slides/slide16.xml><?xml version="1.0" encoding="utf-8"?>
 <p:sld xmlns:a="http://schemas.openxmlformats.org/drawingml/2006/main" xmlns:r="http://schemas.openxmlformats.org/officeDocument/2006/relationships" xmlns:p="http://schemas.openxmlformats.org/presentationml/2006/main">
   <p:cSld>
     <p:spTree>
@@ -8649,7 +9499,7 @@
           <a:p>
             <a:fld id="{666274A1-CF9C-426A-8DD4-B13ED0C24231}" type="slidenum">
               <a:rPr lang="en-US" smtClean="0"/>
-              <a:t>14</a:t>
+              <a:t>15</a:t>
             </a:fld>
             <a:endParaRPr lang="en-US"/>
           </a:p>
@@ -8698,7 +9548,7 @@
 </p:sld>
 </file>
 
-<file path=ppt/slides/slide16.xml><?xml version="1.0" encoding="utf-8"?>
+<file path=ppt/slides/slide17.xml><?xml version="1.0" encoding="utf-8"?>
 <p:sld xmlns:a="http://schemas.openxmlformats.org/drawingml/2006/main" xmlns:r="http://schemas.openxmlformats.org/officeDocument/2006/relationships" xmlns:p="http://schemas.openxmlformats.org/presentationml/2006/main">
   <p:cSld>
     <p:spTree>
@@ -8944,7 +9794,7 @@
           <a:p>
             <a:fld id="{666274A1-CF9C-426A-8DD4-B13ED0C24231}" type="slidenum">
               <a:rPr lang="en-US" smtClean="0"/>
-              <a:t>15</a:t>
+              <a:t>16</a:t>
             </a:fld>
             <a:endParaRPr lang="en-US"/>
           </a:p>
@@ -8993,7 +9843,7 @@
 </p:sld>
 </file>
 
-<file path=ppt/slides/slide17.xml><?xml version="1.0" encoding="utf-8"?>
+<file path=ppt/slides/slide18.xml><?xml version="1.0" encoding="utf-8"?>
 <p:sld xmlns:a="http://schemas.openxmlformats.org/drawingml/2006/main" xmlns:r="http://schemas.openxmlformats.org/officeDocument/2006/relationships" xmlns:p="http://schemas.openxmlformats.org/presentationml/2006/main">
   <p:cSld>
     <p:spTree>
@@ -9061,8 +9911,8 @@
           </a:p>
         </p:txBody>
       </p:sp>
-      <mc:AlternateContent xmlns:mc="http://schemas.openxmlformats.org/markup-compatibility/2006">
-        <mc:Choice xmlns:a14="http://schemas.microsoft.com/office/drawing/2010/main" Requires="a14">
+      <mc:AlternateContent xmlns:mc="http://schemas.openxmlformats.org/markup-compatibility/2006" xmlns:a14="http://schemas.microsoft.com/office/drawing/2010/main">
+        <mc:Choice Requires="a14">
           <p:sp>
             <p:nvSpPr>
               <p:cNvPr id="3" name="內容版面配置區 2">
@@ -9461,7 +10311,7 @@
             </p:txBody>
           </p:sp>
         </mc:Choice>
-        <mc:Fallback>
+        <mc:Fallback xmlns="">
           <p:sp>
             <p:nvSpPr>
               <p:cNvPr id="3" name="內容版面配置區 2">
@@ -9528,7 +10378,7 @@
           <a:p>
             <a:fld id="{666274A1-CF9C-426A-8DD4-B13ED0C24231}" type="slidenum">
               <a:rPr lang="en-US" smtClean="0"/>
-              <a:t>16</a:t>
+              <a:t>17</a:t>
             </a:fld>
             <a:endParaRPr lang="en-US" dirty="0"/>
           </a:p>
@@ -9645,8 +10495,8 @@
           </p:spPr>
         </p:pic>
       </p:grpSp>
-      <mc:AlternateContent xmlns:mc="http://schemas.openxmlformats.org/markup-compatibility/2006">
-        <mc:Choice xmlns:a14="http://schemas.microsoft.com/office/drawing/2010/main" Requires="a14">
+      <mc:AlternateContent xmlns:mc="http://schemas.openxmlformats.org/markup-compatibility/2006" xmlns:a14="http://schemas.microsoft.com/office/drawing/2010/main">
+        <mc:Choice Requires="a14">
           <p:sp>
             <p:nvSpPr>
               <p:cNvPr id="14" name="文字方塊 13">
@@ -9708,14 +10558,7 @@
                         <a:latin typeface="Cambria Math" panose="02040503050406030204" pitchFamily="18" charset="0"/>
                         <a:cs typeface="Times" panose="02020603050405020304" pitchFamily="18" charset="0"/>
                       </a:rPr>
-                      <m:t>:      </m:t>
-                    </m:r>
-                    <m:r>
-                      <a:rPr lang="en-US" altLang="zh-TW" b="0" i="1" dirty="0" smtClean="0">
-                        <a:latin typeface="Cambria Math" panose="02040503050406030204" pitchFamily="18" charset="0"/>
-                        <a:cs typeface="Times" panose="02020603050405020304" pitchFamily="18" charset="0"/>
-                      </a:rPr>
-                      <m:t>    </m:t>
+                      <m:t>:          </m:t>
                     </m:r>
                     <m:r>
                       <a:rPr lang="en-US" altLang="zh-TW" i="1" dirty="0" smtClean="0">
@@ -10103,7 +10946,7 @@
             </p:txBody>
           </p:sp>
         </mc:Choice>
-        <mc:Fallback>
+        <mc:Fallback xmlns="">
           <p:sp>
             <p:nvSpPr>
               <p:cNvPr id="14" name="文字方塊 13">
@@ -10166,7 +11009,7 @@
 </p:sld>
 </file>
 
-<file path=ppt/slides/slide18.xml><?xml version="1.0" encoding="utf-8"?>
+<file path=ppt/slides/slide19.xml><?xml version="1.0" encoding="utf-8"?>
 <p:sld xmlns:a="http://schemas.openxmlformats.org/drawingml/2006/main" xmlns:r="http://schemas.openxmlformats.org/officeDocument/2006/relationships" xmlns:p="http://schemas.openxmlformats.org/presentationml/2006/main">
   <p:cSld>
     <p:spTree>
@@ -10264,7 +11107,7 @@
           <a:p>
             <a:fld id="{666274A1-CF9C-426A-8DD4-B13ED0C24231}" type="slidenum">
               <a:rPr lang="en-US" smtClean="0"/>
-              <a:t>17</a:t>
+              <a:t>18</a:t>
             </a:fld>
             <a:endParaRPr lang="en-US" dirty="0"/>
           </a:p>
@@ -10304,245 +11147,6 @@
     <p:extLst>
       <p:ext uri="{BB962C8B-B14F-4D97-AF65-F5344CB8AC3E}">
         <p14:creationId xmlns:p14="http://schemas.microsoft.com/office/powerpoint/2010/main" val="3953459414"/>
-      </p:ext>
-    </p:extLst>
-  </p:cSld>
-  <p:clrMapOvr>
-    <a:masterClrMapping/>
-  </p:clrMapOvr>
-</p:sld>
-</file>
-
-<file path=ppt/slides/slide19.xml><?xml version="1.0" encoding="utf-8"?>
-<p:sld xmlns:a="http://schemas.openxmlformats.org/drawingml/2006/main" xmlns:r="http://schemas.openxmlformats.org/officeDocument/2006/relationships" xmlns:p="http://schemas.openxmlformats.org/presentationml/2006/main">
-  <p:cSld>
-    <p:spTree>
-      <p:nvGrpSpPr>
-        <p:cNvPr id="1" name=""/>
-        <p:cNvGrpSpPr/>
-        <p:nvPr/>
-      </p:nvGrpSpPr>
-      <p:grpSpPr>
-        <a:xfrm>
-          <a:off x="0" y="0"/>
-          <a:ext cx="0" cy="0"/>
-          <a:chOff x="0" y="0"/>
-          <a:chExt cx="0" cy="0"/>
-        </a:xfrm>
-      </p:grpSpPr>
-      <p:sp>
-        <p:nvSpPr>
-          <p:cNvPr id="2" name="標題 1">
-            <a:extLst>
-              <a:ext uri="{FF2B5EF4-FFF2-40B4-BE49-F238E27FC236}">
-                <a16:creationId xmlns:a16="http://schemas.microsoft.com/office/drawing/2014/main" id="{F49B282A-FF7E-D28E-E7C9-7C9011B3A142}"/>
-              </a:ext>
-            </a:extLst>
-          </p:cNvPr>
-          <p:cNvSpPr>
-            <a:spLocks noGrp="1"/>
-          </p:cNvSpPr>
-          <p:nvPr>
-            <p:ph type="title"/>
-          </p:nvPr>
-        </p:nvSpPr>
-        <p:spPr/>
-        <p:txBody>
-          <a:bodyPr>
-            <a:normAutofit/>
-          </a:bodyPr>
-          <a:lstStyle/>
-          <a:p>
-            <a:r>
-              <a:rPr lang="en-US" altLang="zh-TW" sz="4000" dirty="0">
-                <a:latin typeface="Times" panose="02020603050405020304" pitchFamily="18" charset="0"/>
-                <a:cs typeface="Times" panose="02020603050405020304" pitchFamily="18" charset="0"/>
-              </a:rPr>
-              <a:t>Experimental Result</a:t>
-            </a:r>
-            <a:endParaRPr lang="zh-TW" altLang="en-US" sz="4000" dirty="0">
-              <a:latin typeface="Times" panose="02020603050405020304" pitchFamily="18" charset="0"/>
-              <a:cs typeface="Times" panose="02020603050405020304" pitchFamily="18" charset="0"/>
-            </a:endParaRPr>
-          </a:p>
-        </p:txBody>
-      </p:sp>
-      <p:sp>
-        <p:nvSpPr>
-          <p:cNvPr id="3" name="內容版面配置區 2">
-            <a:extLst>
-              <a:ext uri="{FF2B5EF4-FFF2-40B4-BE49-F238E27FC236}">
-                <a16:creationId xmlns:a16="http://schemas.microsoft.com/office/drawing/2014/main" id="{6532586F-2B33-9C61-58DC-9046125E1570}"/>
-              </a:ext>
-            </a:extLst>
-          </p:cNvPr>
-          <p:cNvSpPr>
-            <a:spLocks noGrp="1"/>
-          </p:cNvSpPr>
-          <p:nvPr>
-            <p:ph idx="1"/>
-          </p:nvPr>
-        </p:nvSpPr>
-        <p:spPr>
-          <a:xfrm>
-            <a:off x="838199" y="1825625"/>
-            <a:ext cx="11823551" cy="4351338"/>
-          </a:xfrm>
-        </p:spPr>
-        <p:txBody>
-          <a:bodyPr>
-            <a:normAutofit/>
-          </a:bodyPr>
-          <a:lstStyle/>
-          <a:p>
-            <a:pPr>
-              <a:lnSpc>
-                <a:spcPct val="150000"/>
-              </a:lnSpc>
-            </a:pPr>
-            <a:r>
-              <a:rPr lang="en-US" altLang="zh-TW" sz="2200" dirty="0">
-                <a:latin typeface="Times" panose="02020603050405020304" pitchFamily="18" charset="0"/>
-                <a:ea typeface="標楷體" panose="03000509000000000000" pitchFamily="65" charset="-120"/>
-                <a:cs typeface="Times" panose="02020603050405020304" pitchFamily="18" charset="0"/>
-              </a:rPr>
-              <a:t>C++, and run on Linux machine.</a:t>
-            </a:r>
-          </a:p>
-          <a:p>
-            <a:pPr>
-              <a:lnSpc>
-                <a:spcPct val="150000"/>
-              </a:lnSpc>
-            </a:pPr>
-            <a:r>
-              <a:rPr lang="en-US" altLang="zh-TW" sz="2200" dirty="0">
-                <a:latin typeface="Times" panose="02020603050405020304" pitchFamily="18" charset="0"/>
-                <a:ea typeface="標楷體" panose="03000509000000000000" pitchFamily="65" charset="-120"/>
-                <a:cs typeface="Times" panose="02020603050405020304" pitchFamily="18" charset="0"/>
-              </a:rPr>
-              <a:t>2.50 GHz CPU and </a:t>
-            </a:r>
-            <a:r>
-              <a:rPr lang="pt-BR" altLang="zh-TW" sz="2200" dirty="0">
-                <a:latin typeface="Times" panose="02020603050405020304" pitchFamily="18" charset="0"/>
-                <a:ea typeface="標楷體" panose="03000509000000000000" pitchFamily="65" charset="-120"/>
-                <a:cs typeface="Times" panose="02020603050405020304" pitchFamily="18" charset="0"/>
-              </a:rPr>
-              <a:t>Nvidia GTX 2080Ti GPU.</a:t>
-            </a:r>
-          </a:p>
-          <a:p>
-            <a:pPr>
-              <a:lnSpc>
-                <a:spcPct val="150000"/>
-              </a:lnSpc>
-            </a:pPr>
-            <a:r>
-              <a:rPr lang="en-US" altLang="zh-TW" sz="2200" dirty="0">
-                <a:latin typeface="Times" panose="02020603050405020304" pitchFamily="18" charset="0"/>
-                <a:ea typeface="標楷體" panose="03000509000000000000" pitchFamily="65" charset="-120"/>
-                <a:cs typeface="Times" panose="02020603050405020304" pitchFamily="18" charset="0"/>
-              </a:rPr>
-              <a:t>Use </a:t>
-            </a:r>
-            <a:r>
-              <a:rPr lang="en-US" altLang="zh-TW" sz="2200" dirty="0" err="1">
-                <a:latin typeface="Times" panose="02020603050405020304" pitchFamily="18" charset="0"/>
-                <a:ea typeface="標楷體" panose="03000509000000000000" pitchFamily="65" charset="-120"/>
-                <a:cs typeface="Times" panose="02020603050405020304" pitchFamily="18" charset="0"/>
-              </a:rPr>
-              <a:t>OpenGA</a:t>
-            </a:r>
-            <a:r>
-              <a:rPr lang="en-US" altLang="zh-TW" sz="2200" dirty="0">
-                <a:latin typeface="Times" panose="02020603050405020304" pitchFamily="18" charset="0"/>
-                <a:ea typeface="標楷體" panose="03000509000000000000" pitchFamily="65" charset="-120"/>
-                <a:cs typeface="Times" panose="02020603050405020304" pitchFamily="18" charset="0"/>
-              </a:rPr>
-              <a:t> library [22] and Pytorch C++ library.</a:t>
-            </a:r>
-          </a:p>
-          <a:p>
-            <a:pPr>
-              <a:lnSpc>
-                <a:spcPct val="150000"/>
-              </a:lnSpc>
-            </a:pPr>
-            <a:r>
-              <a:rPr lang="en-US" altLang="zh-TW" sz="2200" dirty="0">
-                <a:latin typeface="Times" panose="02020603050405020304" pitchFamily="18" charset="0"/>
-                <a:ea typeface="標楷體" panose="03000509000000000000" pitchFamily="65" charset="-120"/>
-                <a:cs typeface="Times" panose="02020603050405020304" pitchFamily="18" charset="0"/>
-              </a:rPr>
-              <a:t>Layout design: ICCAD 2018 contest</a:t>
-            </a:r>
-          </a:p>
-        </p:txBody>
-      </p:sp>
-      <p:sp>
-        <p:nvSpPr>
-          <p:cNvPr id="4" name="投影片編號版面配置區 3">
-            <a:extLst>
-              <a:ext uri="{FF2B5EF4-FFF2-40B4-BE49-F238E27FC236}">
-                <a16:creationId xmlns:a16="http://schemas.microsoft.com/office/drawing/2014/main" id="{4F34BD4F-A1A7-2695-B9CD-0B31024175B2}"/>
-              </a:ext>
-            </a:extLst>
-          </p:cNvPr>
-          <p:cNvSpPr>
-            <a:spLocks noGrp="1"/>
-          </p:cNvSpPr>
-          <p:nvPr>
-            <p:ph type="sldNum" sz="quarter" idx="12"/>
-          </p:nvPr>
-        </p:nvSpPr>
-        <p:spPr/>
-        <p:txBody>
-          <a:bodyPr/>
-          <a:lstStyle/>
-          <a:p>
-            <a:fld id="{666274A1-CF9C-426A-8DD4-B13ED0C24231}" type="slidenum">
-              <a:rPr lang="en-US" smtClean="0"/>
-              <a:t>18</a:t>
-            </a:fld>
-            <a:endParaRPr lang="en-US"/>
-          </a:p>
-        </p:txBody>
-      </p:sp>
-      <p:pic>
-        <p:nvPicPr>
-          <p:cNvPr id="6" name="圖片 5">
-            <a:extLst>
-              <a:ext uri="{FF2B5EF4-FFF2-40B4-BE49-F238E27FC236}">
-                <a16:creationId xmlns:a16="http://schemas.microsoft.com/office/drawing/2014/main" id="{23CA0547-CECD-06A5-7202-712C744CCB1A}"/>
-              </a:ext>
-            </a:extLst>
-          </p:cNvPr>
-          <p:cNvPicPr>
-            <a:picLocks noChangeAspect="1"/>
-          </p:cNvPicPr>
-          <p:nvPr/>
-        </p:nvPicPr>
-        <p:blipFill>
-          <a:blip r:embed="rId3"/>
-          <a:stretch>
-            <a:fillRect/>
-          </a:stretch>
-        </p:blipFill>
-        <p:spPr>
-          <a:xfrm>
-            <a:off x="6137446" y="441326"/>
-            <a:ext cx="4946307" cy="1565332"/>
-          </a:xfrm>
-          <a:prstGeom prst="rect">
-            <a:avLst/>
-          </a:prstGeom>
-        </p:spPr>
-      </p:pic>
-    </p:spTree>
-    <p:extLst>
-      <p:ext uri="{BB962C8B-B14F-4D97-AF65-F5344CB8AC3E}">
-        <p14:creationId xmlns:p14="http://schemas.microsoft.com/office/powerpoint/2010/main" val="505268570"/>
       </p:ext>
     </p:extLst>
   </p:cSld>
@@ -10970,6 +11574,3338 @@
       </p:grpSpPr>
       <p:sp>
         <p:nvSpPr>
+          <p:cNvPr id="2" name="標題 1">
+            <a:extLst>
+              <a:ext uri="{FF2B5EF4-FFF2-40B4-BE49-F238E27FC236}">
+                <a16:creationId xmlns:a16="http://schemas.microsoft.com/office/drawing/2014/main" id="{F49B282A-FF7E-D28E-E7C9-7C9011B3A142}"/>
+              </a:ext>
+            </a:extLst>
+          </p:cNvPr>
+          <p:cNvSpPr>
+            <a:spLocks noGrp="1"/>
+          </p:cNvSpPr>
+          <p:nvPr>
+            <p:ph type="title"/>
+          </p:nvPr>
+        </p:nvSpPr>
+        <p:spPr/>
+        <p:txBody>
+          <a:bodyPr>
+            <a:normAutofit/>
+          </a:bodyPr>
+          <a:lstStyle/>
+          <a:p>
+            <a:r>
+              <a:rPr lang="en-US" altLang="zh-TW" sz="4000" dirty="0">
+                <a:latin typeface="Times" panose="02020603050405020304" pitchFamily="18" charset="0"/>
+                <a:cs typeface="Times" panose="02020603050405020304" pitchFamily="18" charset="0"/>
+              </a:rPr>
+              <a:t>Experimental Result</a:t>
+            </a:r>
+            <a:endParaRPr lang="zh-TW" altLang="en-US" sz="4000" dirty="0">
+              <a:latin typeface="Times" panose="02020603050405020304" pitchFamily="18" charset="0"/>
+              <a:cs typeface="Times" panose="02020603050405020304" pitchFamily="18" charset="0"/>
+            </a:endParaRPr>
+          </a:p>
+        </p:txBody>
+      </p:sp>
+      <mc:AlternateContent xmlns:mc="http://schemas.openxmlformats.org/markup-compatibility/2006">
+        <mc:Choice xmlns:a14="http://schemas.microsoft.com/office/drawing/2010/main" Requires="a14">
+          <p:sp>
+            <p:nvSpPr>
+              <p:cNvPr id="3" name="內容版面配置區 2">
+                <a:extLst>
+                  <a:ext uri="{FF2B5EF4-FFF2-40B4-BE49-F238E27FC236}">
+                    <a16:creationId xmlns:a16="http://schemas.microsoft.com/office/drawing/2014/main" id="{6532586F-2B33-9C61-58DC-9046125E1570}"/>
+                  </a:ext>
+                </a:extLst>
+              </p:cNvPr>
+              <p:cNvSpPr>
+                <a:spLocks noGrp="1"/>
+              </p:cNvSpPr>
+              <p:nvPr>
+                <p:ph idx="1"/>
+              </p:nvPr>
+            </p:nvSpPr>
+            <p:spPr>
+              <a:xfrm>
+                <a:off x="838199" y="1825625"/>
+                <a:ext cx="11823551" cy="4351338"/>
+              </a:xfrm>
+            </p:spPr>
+            <p:txBody>
+              <a:bodyPr>
+                <a:normAutofit/>
+              </a:bodyPr>
+              <a:lstStyle/>
+              <a:p>
+                <a:pPr>
+                  <a:lnSpc>
+                    <a:spcPct val="150000"/>
+                  </a:lnSpc>
+                </a:pPr>
+                <a:r>
+                  <a:rPr lang="en-US" altLang="zh-TW" sz="2200" dirty="0">
+                    <a:latin typeface="Times" panose="02020603050405020304" pitchFamily="18" charset="0"/>
+                    <a:ea typeface="標楷體" panose="03000509000000000000" pitchFamily="65" charset="-120"/>
+                    <a:cs typeface="Times" panose="02020603050405020304" pitchFamily="18" charset="0"/>
+                  </a:rPr>
+                  <a:t>C++, and run on Linux machine.</a:t>
+                </a:r>
+              </a:p>
+              <a:p>
+                <a:pPr>
+                  <a:lnSpc>
+                    <a:spcPct val="150000"/>
+                  </a:lnSpc>
+                </a:pPr>
+                <a:r>
+                  <a:rPr lang="en-US" altLang="zh-TW" sz="2200" dirty="0">
+                    <a:latin typeface="Times" panose="02020603050405020304" pitchFamily="18" charset="0"/>
+                    <a:ea typeface="標楷體" panose="03000509000000000000" pitchFamily="65" charset="-120"/>
+                    <a:cs typeface="Times" panose="02020603050405020304" pitchFamily="18" charset="0"/>
+                  </a:rPr>
+                  <a:t>2.50 GHz CPU and </a:t>
+                </a:r>
+                <a:r>
+                  <a:rPr lang="pt-BR" altLang="zh-TW" sz="2200" dirty="0">
+                    <a:latin typeface="Times" panose="02020603050405020304" pitchFamily="18" charset="0"/>
+                    <a:ea typeface="標楷體" panose="03000509000000000000" pitchFamily="65" charset="-120"/>
+                    <a:cs typeface="Times" panose="02020603050405020304" pitchFamily="18" charset="0"/>
+                  </a:rPr>
+                  <a:t>Nvidia GTX 2080Ti GPU.</a:t>
+                </a:r>
+              </a:p>
+              <a:p>
+                <a:pPr>
+                  <a:lnSpc>
+                    <a:spcPct val="150000"/>
+                  </a:lnSpc>
+                </a:pPr>
+                <a:r>
+                  <a:rPr lang="en-US" altLang="zh-TW" sz="2200" dirty="0">
+                    <a:latin typeface="Times" panose="02020603050405020304" pitchFamily="18" charset="0"/>
+                    <a:ea typeface="標楷體" panose="03000509000000000000" pitchFamily="65" charset="-120"/>
+                    <a:cs typeface="Times" panose="02020603050405020304" pitchFamily="18" charset="0"/>
+                  </a:rPr>
+                  <a:t>Use </a:t>
+                </a:r>
+                <a:r>
+                  <a:rPr lang="en-US" altLang="zh-TW" sz="2200" dirty="0" err="1">
+                    <a:latin typeface="Times" panose="02020603050405020304" pitchFamily="18" charset="0"/>
+                    <a:ea typeface="標楷體" panose="03000509000000000000" pitchFamily="65" charset="-120"/>
+                    <a:cs typeface="Times" panose="02020603050405020304" pitchFamily="18" charset="0"/>
+                  </a:rPr>
+                  <a:t>OpenGA</a:t>
+                </a:r>
+                <a:r>
+                  <a:rPr lang="en-US" altLang="zh-TW" sz="2200" dirty="0">
+                    <a:latin typeface="Times" panose="02020603050405020304" pitchFamily="18" charset="0"/>
+                    <a:ea typeface="標楷體" panose="03000509000000000000" pitchFamily="65" charset="-120"/>
+                    <a:cs typeface="Times" panose="02020603050405020304" pitchFamily="18" charset="0"/>
+                  </a:rPr>
+                  <a:t> library [22] and Pytorch C++ library.</a:t>
+                </a:r>
+              </a:p>
+              <a:p>
+                <a:pPr>
+                  <a:lnSpc>
+                    <a:spcPct val="150000"/>
+                  </a:lnSpc>
+                </a:pPr>
+                <a:r>
+                  <a:rPr lang="en-US" altLang="zh-TW" sz="2200" dirty="0">
+                    <a:latin typeface="Times" panose="02020603050405020304" pitchFamily="18" charset="0"/>
+                    <a:ea typeface="標楷體" panose="03000509000000000000" pitchFamily="65" charset="-120"/>
+                    <a:cs typeface="Times" panose="02020603050405020304" pitchFamily="18" charset="0"/>
+                  </a:rPr>
+                  <a:t>Layout design: ICCAD 2018 contest.</a:t>
+                </a:r>
+              </a:p>
+              <a:p>
+                <a:pPr>
+                  <a:lnSpc>
+                    <a:spcPct val="150000"/>
+                  </a:lnSpc>
+                </a:pPr>
+                <a:r>
+                  <a:rPr lang="en-US" altLang="zh-TW" sz="2200" dirty="0">
+                    <a:latin typeface="Times" panose="02020603050405020304" pitchFamily="18" charset="0"/>
+                    <a:ea typeface="標楷體" panose="03000509000000000000" pitchFamily="65" charset="-120"/>
+                    <a:cs typeface="Times" panose="02020603050405020304" pitchFamily="18" charset="0"/>
+                  </a:rPr>
+                  <a:t>Windows size is set as 20</a:t>
+                </a:r>
+                <a14:m>
+                  <m:oMath xmlns:m="http://schemas.openxmlformats.org/officeDocument/2006/math">
+                    <m:r>
+                      <a:rPr lang="zh-TW" altLang="en-US" sz="2200" i="1" smtClean="0">
+                        <a:latin typeface="Cambria Math" panose="02040503050406030204" pitchFamily="18" charset="0"/>
+                        <a:ea typeface="標楷體" panose="03000509000000000000" pitchFamily="65" charset="-120"/>
+                        <a:cs typeface="Times" panose="02020603050405020304" pitchFamily="18" charset="0"/>
+                      </a:rPr>
+                      <m:t>𝜇</m:t>
+                    </m:r>
+                    <m:r>
+                      <a:rPr lang="en-US" altLang="zh-TW" sz="2200" b="0" i="1" smtClean="0">
+                        <a:latin typeface="Cambria Math" panose="02040503050406030204" pitchFamily="18" charset="0"/>
+                        <a:ea typeface="標楷體" panose="03000509000000000000" pitchFamily="65" charset="-120"/>
+                        <a:cs typeface="Times" panose="02020603050405020304" pitchFamily="18" charset="0"/>
+                      </a:rPr>
+                      <m:t>𝑚</m:t>
+                    </m:r>
+                    <m:r>
+                      <a:rPr lang="en-US" altLang="zh-TW" sz="2200" b="0" i="1" smtClean="0">
+                        <a:latin typeface="Cambria Math" panose="02040503050406030204" pitchFamily="18" charset="0"/>
+                        <a:ea typeface="Cambria Math" panose="02040503050406030204" pitchFamily="18" charset="0"/>
+                        <a:cs typeface="Times" panose="02020603050405020304" pitchFamily="18" charset="0"/>
+                      </a:rPr>
+                      <m:t>×</m:t>
+                    </m:r>
+                  </m:oMath>
+                </a14:m>
+                <a:r>
+                  <a:rPr lang="en-US" altLang="zh-TW" sz="2200" dirty="0">
+                    <a:latin typeface="Times" panose="02020603050405020304" pitchFamily="18" charset="0"/>
+                    <a:ea typeface="標楷體" panose="03000509000000000000" pitchFamily="65" charset="-120"/>
+                    <a:cs typeface="Times" panose="02020603050405020304" pitchFamily="18" charset="0"/>
+                  </a:rPr>
+                  <a:t>20</a:t>
+                </a:r>
+                <a14:m>
+                  <m:oMath xmlns:m="http://schemas.openxmlformats.org/officeDocument/2006/math">
+                    <m:r>
+                      <a:rPr lang="zh-TW" altLang="en-US" sz="2200" i="1">
+                        <a:latin typeface="Cambria Math" panose="02040503050406030204" pitchFamily="18" charset="0"/>
+                        <a:ea typeface="標楷體" panose="03000509000000000000" pitchFamily="65" charset="-120"/>
+                        <a:cs typeface="Times" panose="02020603050405020304" pitchFamily="18" charset="0"/>
+                      </a:rPr>
+                      <m:t>𝜇</m:t>
+                    </m:r>
+                    <m:r>
+                      <a:rPr lang="en-US" altLang="zh-TW" sz="2200" i="1">
+                        <a:latin typeface="Cambria Math" panose="02040503050406030204" pitchFamily="18" charset="0"/>
+                        <a:ea typeface="標楷體" panose="03000509000000000000" pitchFamily="65" charset="-120"/>
+                        <a:cs typeface="Times" panose="02020603050405020304" pitchFamily="18" charset="0"/>
+                      </a:rPr>
+                      <m:t>𝑚</m:t>
+                    </m:r>
+                    <m:r>
+                      <a:rPr lang="en-US" altLang="zh-TW" sz="2200" b="0" i="1" smtClean="0">
+                        <a:latin typeface="Cambria Math" panose="02040503050406030204" pitchFamily="18" charset="0"/>
+                        <a:ea typeface="標楷體" panose="03000509000000000000" pitchFamily="65" charset="-120"/>
+                        <a:cs typeface="Times" panose="02020603050405020304" pitchFamily="18" charset="0"/>
+                      </a:rPr>
+                      <m:t>.</m:t>
+                    </m:r>
+                  </m:oMath>
+                </a14:m>
+                <a:endParaRPr lang="en-US" altLang="zh-TW" sz="2200" dirty="0">
+                  <a:latin typeface="Times" panose="02020603050405020304" pitchFamily="18" charset="0"/>
+                  <a:ea typeface="標楷體" panose="03000509000000000000" pitchFamily="65" charset="-120"/>
+                  <a:cs typeface="Times" panose="02020603050405020304" pitchFamily="18" charset="0"/>
+                </a:endParaRPr>
+              </a:p>
+              <a:p>
+                <a:pPr>
+                  <a:lnSpc>
+                    <a:spcPct val="150000"/>
+                  </a:lnSpc>
+                </a:pPr>
+                <a:r>
+                  <a:rPr lang="en-US" altLang="zh-TW" sz="2200" dirty="0">
+                    <a:latin typeface="Times" panose="02020603050405020304" pitchFamily="18" charset="0"/>
+                    <a:ea typeface="標楷體" panose="03000509000000000000" pitchFamily="65" charset="-120"/>
+                    <a:cs typeface="Times" panose="02020603050405020304" pitchFamily="18" charset="0"/>
+                  </a:rPr>
+                  <a:t>Density of each window after metal fill should be greater than 40%.</a:t>
+                </a:r>
+              </a:p>
+            </p:txBody>
+          </p:sp>
+        </mc:Choice>
+        <mc:Fallback>
+          <p:sp>
+            <p:nvSpPr>
+              <p:cNvPr id="3" name="內容版面配置區 2">
+                <a:extLst>
+                  <a:ext uri="{FF2B5EF4-FFF2-40B4-BE49-F238E27FC236}">
+                    <a16:creationId xmlns:a16="http://schemas.microsoft.com/office/drawing/2014/main" id="{6532586F-2B33-9C61-58DC-9046125E1570}"/>
+                  </a:ext>
+                </a:extLst>
+              </p:cNvPr>
+              <p:cNvSpPr>
+                <a:spLocks noGrp="1" noRot="1" noChangeAspect="1" noMove="1" noResize="1" noEditPoints="1" noAdjustHandles="1" noChangeArrowheads="1" noChangeShapeType="1" noTextEdit="1"/>
+              </p:cNvSpPr>
+              <p:nvPr>
+                <p:ph idx="1"/>
+              </p:nvPr>
+            </p:nvSpPr>
+            <p:spPr>
+              <a:xfrm>
+                <a:off x="838199" y="1825625"/>
+                <a:ext cx="11823551" cy="4351338"/>
+              </a:xfrm>
+              <a:blipFill>
+                <a:blip r:embed="rId3"/>
+                <a:stretch>
+                  <a:fillRect l="-567"/>
+                </a:stretch>
+              </a:blipFill>
+            </p:spPr>
+            <p:txBody>
+              <a:bodyPr/>
+              <a:lstStyle/>
+              <a:p>
+                <a:r>
+                  <a:rPr lang="zh-TW" altLang="en-US">
+                    <a:noFill/>
+                  </a:rPr>
+                  <a:t> </a:t>
+                </a:r>
+              </a:p>
+            </p:txBody>
+          </p:sp>
+        </mc:Fallback>
+      </mc:AlternateContent>
+      <p:sp>
+        <p:nvSpPr>
+          <p:cNvPr id="4" name="投影片編號版面配置區 3">
+            <a:extLst>
+              <a:ext uri="{FF2B5EF4-FFF2-40B4-BE49-F238E27FC236}">
+                <a16:creationId xmlns:a16="http://schemas.microsoft.com/office/drawing/2014/main" id="{4F34BD4F-A1A7-2695-B9CD-0B31024175B2}"/>
+              </a:ext>
+            </a:extLst>
+          </p:cNvPr>
+          <p:cNvSpPr>
+            <a:spLocks noGrp="1"/>
+          </p:cNvSpPr>
+          <p:nvPr>
+            <p:ph type="sldNum" sz="quarter" idx="12"/>
+          </p:nvPr>
+        </p:nvSpPr>
+        <p:spPr/>
+        <p:txBody>
+          <a:bodyPr/>
+          <a:lstStyle/>
+          <a:p>
+            <a:fld id="{666274A1-CF9C-426A-8DD4-B13ED0C24231}" type="slidenum">
+              <a:rPr lang="en-US" smtClean="0"/>
+              <a:t>19</a:t>
+            </a:fld>
+            <a:endParaRPr lang="en-US"/>
+          </a:p>
+        </p:txBody>
+      </p:sp>
+      <p:pic>
+        <p:nvPicPr>
+          <p:cNvPr id="6" name="圖片 5">
+            <a:extLst>
+              <a:ext uri="{FF2B5EF4-FFF2-40B4-BE49-F238E27FC236}">
+                <a16:creationId xmlns:a16="http://schemas.microsoft.com/office/drawing/2014/main" id="{23CA0547-CECD-06A5-7202-712C744CCB1A}"/>
+              </a:ext>
+            </a:extLst>
+          </p:cNvPr>
+          <p:cNvPicPr>
+            <a:picLocks noChangeAspect="1"/>
+          </p:cNvPicPr>
+          <p:nvPr/>
+        </p:nvPicPr>
+        <p:blipFill>
+          <a:blip r:embed="rId4"/>
+          <a:stretch>
+            <a:fillRect/>
+          </a:stretch>
+        </p:blipFill>
+        <p:spPr>
+          <a:xfrm>
+            <a:off x="6137446" y="441326"/>
+            <a:ext cx="4946307" cy="1565332"/>
+          </a:xfrm>
+          <a:prstGeom prst="rect">
+            <a:avLst/>
+          </a:prstGeom>
+        </p:spPr>
+      </p:pic>
+    </p:spTree>
+    <p:extLst>
+      <p:ext uri="{BB962C8B-B14F-4D97-AF65-F5344CB8AC3E}">
+        <p14:creationId xmlns:p14="http://schemas.microsoft.com/office/powerpoint/2010/main" val="445645200"/>
+      </p:ext>
+    </p:extLst>
+  </p:cSld>
+  <p:clrMapOvr>
+    <a:masterClrMapping/>
+  </p:clrMapOvr>
+</p:sld>
+</file>
+
+<file path=ppt/slides/slide21.xml><?xml version="1.0" encoding="utf-8"?>
+<p:sld xmlns:a="http://schemas.openxmlformats.org/drawingml/2006/main" xmlns:r="http://schemas.openxmlformats.org/officeDocument/2006/relationships" xmlns:p="http://schemas.openxmlformats.org/presentationml/2006/main">
+  <p:cSld>
+    <p:spTree>
+      <p:nvGrpSpPr>
+        <p:cNvPr id="1" name=""/>
+        <p:cNvGrpSpPr/>
+        <p:nvPr/>
+      </p:nvGrpSpPr>
+      <p:grpSpPr>
+        <a:xfrm>
+          <a:off x="0" y="0"/>
+          <a:ext cx="0" cy="0"/>
+          <a:chOff x="0" y="0"/>
+          <a:chExt cx="0" cy="0"/>
+        </a:xfrm>
+      </p:grpSpPr>
+      <p:sp>
+        <p:nvSpPr>
+          <p:cNvPr id="2" name="標題 1">
+            <a:extLst>
+              <a:ext uri="{FF2B5EF4-FFF2-40B4-BE49-F238E27FC236}">
+                <a16:creationId xmlns:a16="http://schemas.microsoft.com/office/drawing/2014/main" id="{F49B282A-FF7E-D28E-E7C9-7C9011B3A142}"/>
+              </a:ext>
+            </a:extLst>
+          </p:cNvPr>
+          <p:cNvSpPr>
+            <a:spLocks noGrp="1"/>
+          </p:cNvSpPr>
+          <p:nvPr>
+            <p:ph type="title"/>
+          </p:nvPr>
+        </p:nvSpPr>
+        <p:spPr/>
+        <p:txBody>
+          <a:bodyPr>
+            <a:normAutofit/>
+          </a:bodyPr>
+          <a:lstStyle/>
+          <a:p>
+            <a:r>
+              <a:rPr lang="en-US" altLang="zh-TW" sz="4000" dirty="0">
+                <a:latin typeface="Times" panose="02020603050405020304" pitchFamily="18" charset="0"/>
+                <a:cs typeface="Times" panose="02020603050405020304" pitchFamily="18" charset="0"/>
+              </a:rPr>
+              <a:t>Experimental Result</a:t>
+            </a:r>
+            <a:endParaRPr lang="zh-TW" altLang="en-US" sz="4000" dirty="0">
+              <a:latin typeface="Times" panose="02020603050405020304" pitchFamily="18" charset="0"/>
+              <a:cs typeface="Times" panose="02020603050405020304" pitchFamily="18" charset="0"/>
+            </a:endParaRPr>
+          </a:p>
+        </p:txBody>
+      </p:sp>
+      <mc:AlternateContent xmlns:mc="http://schemas.openxmlformats.org/markup-compatibility/2006">
+        <mc:Choice xmlns:a14="http://schemas.microsoft.com/office/drawing/2010/main" Requires="a14">
+          <p:sp>
+            <p:nvSpPr>
+              <p:cNvPr id="3" name="內容版面配置區 2">
+                <a:extLst>
+                  <a:ext uri="{FF2B5EF4-FFF2-40B4-BE49-F238E27FC236}">
+                    <a16:creationId xmlns:a16="http://schemas.microsoft.com/office/drawing/2014/main" id="{6532586F-2B33-9C61-58DC-9046125E1570}"/>
+                  </a:ext>
+                </a:extLst>
+              </p:cNvPr>
+              <p:cNvSpPr>
+                <a:spLocks noGrp="1"/>
+              </p:cNvSpPr>
+              <p:nvPr>
+                <p:ph idx="1"/>
+              </p:nvPr>
+            </p:nvSpPr>
+            <p:spPr>
+              <a:xfrm>
+                <a:off x="838199" y="1825625"/>
+                <a:ext cx="11823551" cy="4895850"/>
+              </a:xfrm>
+            </p:spPr>
+            <p:txBody>
+              <a:bodyPr>
+                <a:normAutofit/>
+              </a:bodyPr>
+              <a:lstStyle/>
+              <a:p>
+                <a:pPr>
+                  <a:lnSpc>
+                    <a:spcPct val="150000"/>
+                  </a:lnSpc>
+                </a:pPr>
+                <a:r>
+                  <a:rPr lang="en-US" altLang="zh-TW" sz="2200" dirty="0">
+                    <a:latin typeface="Times" panose="02020603050405020304" pitchFamily="18" charset="0"/>
+                    <a:ea typeface="標楷體" panose="03000509000000000000" pitchFamily="65" charset="-120"/>
+                    <a:cs typeface="Times" panose="02020603050405020304" pitchFamily="18" charset="0"/>
+                  </a:rPr>
+                  <a:t>Overall Variation (OV)</a:t>
+                </a:r>
+              </a:p>
+              <a:p>
+                <a:pPr lvl="1">
+                  <a:lnSpc>
+                    <a:spcPct val="150000"/>
+                  </a:lnSpc>
+                </a:pPr>
+                <a:r>
+                  <a:rPr lang="en-US" altLang="zh-TW" sz="2000" dirty="0">
+                    <a:latin typeface="Times" panose="02020603050405020304" pitchFamily="18" charset="0"/>
+                    <a:ea typeface="標楷體" panose="03000509000000000000" pitchFamily="65" charset="-120"/>
+                    <a:cs typeface="Times" panose="02020603050405020304" pitchFamily="18" charset="0"/>
+                  </a:rPr>
+                  <a:t>Sum of standard deviations of height per layer </a:t>
+                </a:r>
+                <a14:m>
+                  <m:oMath xmlns:m="http://schemas.openxmlformats.org/officeDocument/2006/math">
+                    <m:sSub>
+                      <m:sSubPr>
+                        <m:ctrlPr>
+                          <a:rPr lang="en-US" altLang="zh-TW" sz="2000" i="1" smtClean="0">
+                            <a:latin typeface="Cambria Math" panose="02040503050406030204" pitchFamily="18" charset="0"/>
+                            <a:ea typeface="標楷體" panose="03000509000000000000" pitchFamily="65" charset="-120"/>
+                            <a:cs typeface="Times" panose="02020603050405020304" pitchFamily="18" charset="0"/>
+                          </a:rPr>
+                        </m:ctrlPr>
+                      </m:sSubPr>
+                      <m:e>
+                        <m:r>
+                          <a:rPr lang="zh-TW" altLang="en-US" sz="2000" i="1" smtClean="0">
+                            <a:latin typeface="Cambria Math" panose="02040503050406030204" pitchFamily="18" charset="0"/>
+                            <a:ea typeface="標楷體" panose="03000509000000000000" pitchFamily="65" charset="-120"/>
+                            <a:cs typeface="Times" panose="02020603050405020304" pitchFamily="18" charset="0"/>
+                          </a:rPr>
+                          <m:t>𝜎</m:t>
+                        </m:r>
+                      </m:e>
+                      <m:sub>
+                        <m:r>
+                          <a:rPr lang="en-US" altLang="zh-TW" sz="2000" b="0" i="1" smtClean="0">
+                            <a:latin typeface="Cambria Math" panose="02040503050406030204" pitchFamily="18" charset="0"/>
+                            <a:ea typeface="標楷體" panose="03000509000000000000" pitchFamily="65" charset="-120"/>
+                            <a:cs typeface="Times" panose="02020603050405020304" pitchFamily="18" charset="0"/>
+                          </a:rPr>
+                          <m:t>𝑘</m:t>
+                        </m:r>
+                      </m:sub>
+                    </m:sSub>
+                  </m:oMath>
+                </a14:m>
+                <a:r>
+                  <a:rPr lang="en-US" altLang="zh-TW" sz="2000" dirty="0">
+                    <a:latin typeface="Times" panose="02020603050405020304" pitchFamily="18" charset="0"/>
+                    <a:ea typeface="標楷體" panose="03000509000000000000" pitchFamily="65" charset="-120"/>
+                    <a:cs typeface="Times" panose="02020603050405020304" pitchFamily="18" charset="0"/>
+                  </a:rPr>
+                  <a:t>.</a:t>
+                </a:r>
+              </a:p>
+              <a:p>
+                <a:pPr lvl="1">
+                  <a:lnSpc>
+                    <a:spcPct val="150000"/>
+                  </a:lnSpc>
+                </a:pPr>
+                <a:endParaRPr lang="en-US" altLang="zh-TW" sz="600" dirty="0">
+                  <a:latin typeface="Times" panose="02020603050405020304" pitchFamily="18" charset="0"/>
+                  <a:ea typeface="標楷體" panose="03000509000000000000" pitchFamily="65" charset="-120"/>
+                  <a:cs typeface="Times" panose="02020603050405020304" pitchFamily="18" charset="0"/>
+                </a:endParaRPr>
+              </a:p>
+              <a:p>
+                <a:pPr lvl="1">
+                  <a:lnSpc>
+                    <a:spcPct val="150000"/>
+                  </a:lnSpc>
+                </a:pPr>
+                <a:r>
+                  <a:rPr lang="en-US" altLang="zh-TW" sz="2000" dirty="0">
+                    <a:latin typeface="Times" panose="02020603050405020304" pitchFamily="18" charset="0"/>
+                    <a:ea typeface="標楷體" panose="03000509000000000000" pitchFamily="65" charset="-120"/>
+                    <a:cs typeface="Times" panose="02020603050405020304" pitchFamily="18" charset="0"/>
+                  </a:rPr>
+                  <a:t> </a:t>
+                </a:r>
+              </a:p>
+              <a:p>
+                <a:pPr lvl="1">
+                  <a:lnSpc>
+                    <a:spcPct val="150000"/>
+                  </a:lnSpc>
+                </a:pPr>
+                <a:endParaRPr lang="en-US" altLang="zh-TW" sz="2000" dirty="0">
+                  <a:latin typeface="Times" panose="02020603050405020304" pitchFamily="18" charset="0"/>
+                  <a:ea typeface="標楷體" panose="03000509000000000000" pitchFamily="65" charset="-120"/>
+                  <a:cs typeface="Times" panose="02020603050405020304" pitchFamily="18" charset="0"/>
+                </a:endParaRPr>
+              </a:p>
+              <a:p>
+                <a:pPr lvl="1">
+                  <a:lnSpc>
+                    <a:spcPct val="150000"/>
+                  </a:lnSpc>
+                </a:pPr>
+                <a:endParaRPr lang="en-US" altLang="zh-TW" sz="2000" dirty="0">
+                  <a:latin typeface="Times" panose="02020603050405020304" pitchFamily="18" charset="0"/>
+                  <a:ea typeface="標楷體" panose="03000509000000000000" pitchFamily="65" charset="-120"/>
+                  <a:cs typeface="Times" panose="02020603050405020304" pitchFamily="18" charset="0"/>
+                </a:endParaRPr>
+              </a:p>
+              <a:p>
+                <a:pPr lvl="1">
+                  <a:lnSpc>
+                    <a:spcPct val="150000"/>
+                  </a:lnSpc>
+                  <a:buFont typeface="Wingdings" panose="05000000000000000000" pitchFamily="2" charset="2"/>
+                  <a:buChar char="Ø"/>
+                </a:pPr>
+                <a:r>
+                  <a:rPr lang="en-US" altLang="zh-TW" sz="1800" dirty="0">
+                    <a:latin typeface="Times" panose="02020603050405020304" pitchFamily="18" charset="0"/>
+                    <a:ea typeface="標楷體" panose="03000509000000000000" pitchFamily="65" charset="-120"/>
+                    <a:cs typeface="Times" panose="02020603050405020304" pitchFamily="18" charset="0"/>
+                  </a:rPr>
+                  <a:t> K:         total layer.</a:t>
+                </a:r>
+              </a:p>
+              <a:p>
+                <a:pPr lvl="1">
+                  <a:lnSpc>
+                    <a:spcPct val="150000"/>
+                  </a:lnSpc>
+                  <a:buFont typeface="Wingdings" panose="05000000000000000000" pitchFamily="2" charset="2"/>
+                  <a:buChar char="Ø"/>
+                </a:pPr>
+                <a:r>
+                  <a:rPr lang="en-US" altLang="zh-TW" sz="1800" dirty="0">
+                    <a:latin typeface="Times" panose="02020603050405020304" pitchFamily="18" charset="0"/>
+                    <a:ea typeface="標楷體" panose="03000509000000000000" pitchFamily="65" charset="-120"/>
+                    <a:cs typeface="Times" panose="02020603050405020304" pitchFamily="18" charset="0"/>
+                  </a:rPr>
+                  <a:t> M (N):  column (row) of layout windows.</a:t>
+                </a:r>
+              </a:p>
+              <a:p>
+                <a:pPr lvl="1">
+                  <a:lnSpc>
+                    <a:spcPct val="150000"/>
+                  </a:lnSpc>
+                  <a:buFont typeface="Wingdings" panose="05000000000000000000" pitchFamily="2" charset="2"/>
+                  <a:buChar char="Ø"/>
+                </a:pPr>
+                <a:r>
+                  <a:rPr lang="en-US" altLang="zh-TW" sz="1800" dirty="0">
+                    <a:latin typeface="Times" panose="02020603050405020304" pitchFamily="18" charset="0"/>
+                    <a:ea typeface="標楷體" panose="03000509000000000000" pitchFamily="65" charset="-120"/>
+                    <a:cs typeface="Times" panose="02020603050405020304" pitchFamily="18" charset="0"/>
+                  </a:rPr>
+                  <a:t> </a:t>
+                </a:r>
+                <a14:m>
+                  <m:oMath xmlns:m="http://schemas.openxmlformats.org/officeDocument/2006/math">
+                    <m:sSub>
+                      <m:sSubPr>
+                        <m:ctrlPr>
+                          <a:rPr lang="en-US" altLang="zh-TW" sz="1800" i="1" smtClean="0">
+                            <a:latin typeface="Cambria Math" panose="02040503050406030204" pitchFamily="18" charset="0"/>
+                            <a:ea typeface="標楷體" panose="03000509000000000000" pitchFamily="65" charset="-120"/>
+                            <a:cs typeface="Times" panose="02020603050405020304" pitchFamily="18" charset="0"/>
+                          </a:rPr>
+                        </m:ctrlPr>
+                      </m:sSubPr>
+                      <m:e>
+                        <m:r>
+                          <a:rPr lang="en-US" altLang="zh-TW" sz="1800" b="0" i="1" smtClean="0">
+                            <a:latin typeface="Cambria Math" panose="02040503050406030204" pitchFamily="18" charset="0"/>
+                            <a:ea typeface="標楷體" panose="03000509000000000000" pitchFamily="65" charset="-120"/>
+                            <a:cs typeface="Times" panose="02020603050405020304" pitchFamily="18" charset="0"/>
+                          </a:rPr>
+                          <m:t>h</m:t>
+                        </m:r>
+                      </m:e>
+                      <m:sub>
+                        <m:r>
+                          <a:rPr lang="en-US" altLang="zh-TW" sz="1800" b="0" i="1" smtClean="0">
+                            <a:latin typeface="Cambria Math" panose="02040503050406030204" pitchFamily="18" charset="0"/>
+                            <a:ea typeface="標楷體" panose="03000509000000000000" pitchFamily="65" charset="-120"/>
+                            <a:cs typeface="Times" panose="02020603050405020304" pitchFamily="18" charset="0"/>
+                          </a:rPr>
+                          <m:t>𝑘</m:t>
+                        </m:r>
+                        <m:r>
+                          <a:rPr lang="en-US" altLang="zh-TW" sz="1800" b="0" i="1" smtClean="0">
+                            <a:latin typeface="Cambria Math" panose="02040503050406030204" pitchFamily="18" charset="0"/>
+                            <a:ea typeface="標楷體" panose="03000509000000000000" pitchFamily="65" charset="-120"/>
+                            <a:cs typeface="Times" panose="02020603050405020304" pitchFamily="18" charset="0"/>
+                          </a:rPr>
+                          <m:t>,</m:t>
+                        </m:r>
+                        <m:r>
+                          <a:rPr lang="en-US" altLang="zh-TW" sz="1800" b="0" i="1" smtClean="0">
+                            <a:latin typeface="Cambria Math" panose="02040503050406030204" pitchFamily="18" charset="0"/>
+                            <a:ea typeface="標楷體" panose="03000509000000000000" pitchFamily="65" charset="-120"/>
+                            <a:cs typeface="Times" panose="02020603050405020304" pitchFamily="18" charset="0"/>
+                          </a:rPr>
+                          <m:t>𝑚</m:t>
+                        </m:r>
+                        <m:r>
+                          <a:rPr lang="en-US" altLang="zh-TW" sz="1800" b="0" i="1" smtClean="0">
+                            <a:latin typeface="Cambria Math" panose="02040503050406030204" pitchFamily="18" charset="0"/>
+                            <a:ea typeface="標楷體" panose="03000509000000000000" pitchFamily="65" charset="-120"/>
+                            <a:cs typeface="Times" panose="02020603050405020304" pitchFamily="18" charset="0"/>
+                          </a:rPr>
+                          <m:t>,</m:t>
+                        </m:r>
+                        <m:r>
+                          <a:rPr lang="en-US" altLang="zh-TW" sz="1800" b="0" i="1" smtClean="0">
+                            <a:latin typeface="Cambria Math" panose="02040503050406030204" pitchFamily="18" charset="0"/>
+                            <a:ea typeface="標楷體" panose="03000509000000000000" pitchFamily="65" charset="-120"/>
+                            <a:cs typeface="Times" panose="02020603050405020304" pitchFamily="18" charset="0"/>
+                          </a:rPr>
+                          <m:t>𝑛</m:t>
+                        </m:r>
+                      </m:sub>
+                    </m:sSub>
+                  </m:oMath>
+                </a14:m>
+                <a:r>
+                  <a:rPr lang="en-US" altLang="zh-TW" sz="1800" dirty="0">
+                    <a:latin typeface="Times" panose="02020603050405020304" pitchFamily="18" charset="0"/>
+                    <a:ea typeface="標楷體" panose="03000509000000000000" pitchFamily="65" charset="-120"/>
+                    <a:cs typeface="Times" panose="02020603050405020304" pitchFamily="18" charset="0"/>
+                  </a:rPr>
+                  <a:t>:</a:t>
+                </a:r>
+                <a:r>
+                  <a:rPr lang="zh-TW" altLang="en-US" sz="1800" dirty="0">
+                    <a:latin typeface="Times" panose="02020603050405020304" pitchFamily="18" charset="0"/>
+                    <a:ea typeface="標楷體" panose="03000509000000000000" pitchFamily="65" charset="-120"/>
+                    <a:cs typeface="Times" panose="02020603050405020304" pitchFamily="18" charset="0"/>
+                  </a:rPr>
+                  <a:t>  </a:t>
+                </a:r>
+                <a:r>
+                  <a:rPr lang="en-US" altLang="zh-TW" sz="1800" dirty="0">
+                    <a:latin typeface="Times" panose="02020603050405020304" pitchFamily="18" charset="0"/>
+                    <a:ea typeface="標楷體" panose="03000509000000000000" pitchFamily="65" charset="-120"/>
+                    <a:cs typeface="Times" panose="02020603050405020304" pitchFamily="18" charset="0"/>
+                  </a:rPr>
+                  <a:t>windows height.</a:t>
+                </a:r>
+              </a:p>
+              <a:p>
+                <a:pPr lvl="1">
+                  <a:lnSpc>
+                    <a:spcPct val="150000"/>
+                  </a:lnSpc>
+                  <a:buFont typeface="Wingdings" panose="05000000000000000000" pitchFamily="2" charset="2"/>
+                  <a:buChar char="Ø"/>
+                </a:pPr>
+                <a14:m>
+                  <m:oMath xmlns:m="http://schemas.openxmlformats.org/officeDocument/2006/math">
+                    <m:r>
+                      <a:rPr lang="en-US" altLang="zh-TW" sz="1800" b="0" i="1" smtClean="0">
+                        <a:latin typeface="Cambria Math" panose="02040503050406030204" pitchFamily="18" charset="0"/>
+                        <a:ea typeface="標楷體" panose="03000509000000000000" pitchFamily="65" charset="-120"/>
+                        <a:cs typeface="Times" panose="02020603050405020304" pitchFamily="18" charset="0"/>
+                      </a:rPr>
+                      <m:t> </m:t>
+                    </m:r>
+                    <m:acc>
+                      <m:accPr>
+                        <m:chr m:val="̅"/>
+                        <m:ctrlPr>
+                          <a:rPr lang="en-US" altLang="zh-TW" sz="1800" i="1" smtClean="0">
+                            <a:latin typeface="Cambria Math" panose="02040503050406030204" pitchFamily="18" charset="0"/>
+                            <a:ea typeface="標楷體" panose="03000509000000000000" pitchFamily="65" charset="-120"/>
+                            <a:cs typeface="Times" panose="02020603050405020304" pitchFamily="18" charset="0"/>
+                          </a:rPr>
+                        </m:ctrlPr>
+                      </m:accPr>
+                      <m:e>
+                        <m:sSub>
+                          <m:sSubPr>
+                            <m:ctrlPr>
+                              <a:rPr lang="en-US" altLang="zh-TW" sz="1800" i="1" smtClean="0">
+                                <a:latin typeface="Cambria Math" panose="02040503050406030204" pitchFamily="18" charset="0"/>
+                                <a:ea typeface="標楷體" panose="03000509000000000000" pitchFamily="65" charset="-120"/>
+                                <a:cs typeface="Times" panose="02020603050405020304" pitchFamily="18" charset="0"/>
+                              </a:rPr>
+                            </m:ctrlPr>
+                          </m:sSubPr>
+                          <m:e>
+                            <m:r>
+                              <a:rPr lang="en-US" altLang="zh-TW" sz="1800" b="0" i="1" smtClean="0">
+                                <a:latin typeface="Cambria Math" panose="02040503050406030204" pitchFamily="18" charset="0"/>
+                                <a:ea typeface="標楷體" panose="03000509000000000000" pitchFamily="65" charset="-120"/>
+                                <a:cs typeface="Times" panose="02020603050405020304" pitchFamily="18" charset="0"/>
+                              </a:rPr>
+                              <m:t>h</m:t>
+                            </m:r>
+                          </m:e>
+                          <m:sub>
+                            <m:r>
+                              <a:rPr lang="en-US" altLang="zh-TW" sz="1800" b="0" i="1" smtClean="0">
+                                <a:latin typeface="Cambria Math" panose="02040503050406030204" pitchFamily="18" charset="0"/>
+                                <a:ea typeface="標楷體" panose="03000509000000000000" pitchFamily="65" charset="-120"/>
+                                <a:cs typeface="Times" panose="02020603050405020304" pitchFamily="18" charset="0"/>
+                              </a:rPr>
+                              <m:t>𝑘</m:t>
+                            </m:r>
+                          </m:sub>
+                        </m:sSub>
+                        <m:r>
+                          <a:rPr lang="en-US" altLang="zh-TW" sz="1800" b="0" i="1" smtClean="0">
+                            <a:latin typeface="Cambria Math" panose="02040503050406030204" pitchFamily="18" charset="0"/>
+                            <a:ea typeface="標楷體" panose="03000509000000000000" pitchFamily="65" charset="-120"/>
+                            <a:cs typeface="Times" panose="02020603050405020304" pitchFamily="18" charset="0"/>
+                          </a:rPr>
+                          <m:t> </m:t>
+                        </m:r>
+                      </m:e>
+                    </m:acc>
+                    <m:r>
+                      <a:rPr lang="en-US" altLang="zh-TW" sz="1800" b="0" i="1" smtClean="0">
+                        <a:latin typeface="Cambria Math" panose="02040503050406030204" pitchFamily="18" charset="0"/>
+                        <a:ea typeface="標楷體" panose="03000509000000000000" pitchFamily="65" charset="-120"/>
+                        <a:cs typeface="Times" panose="02020603050405020304" pitchFamily="18" charset="0"/>
+                      </a:rPr>
+                      <m:t>: </m:t>
+                    </m:r>
+                  </m:oMath>
+                </a14:m>
+                <a:r>
+                  <a:rPr lang="en-US" altLang="zh-TW" sz="1800" dirty="0">
+                    <a:latin typeface="Times" panose="02020603050405020304" pitchFamily="18" charset="0"/>
+                    <a:ea typeface="標楷體" panose="03000509000000000000" pitchFamily="65" charset="-120"/>
+                    <a:cs typeface="Times" panose="02020603050405020304" pitchFamily="18" charset="0"/>
+                  </a:rPr>
+                  <a:t>      average height of the corresponding layer.</a:t>
+                </a:r>
+              </a:p>
+            </p:txBody>
+          </p:sp>
+        </mc:Choice>
+        <mc:Fallback>
+          <p:sp>
+            <p:nvSpPr>
+              <p:cNvPr id="3" name="內容版面配置區 2">
+                <a:extLst>
+                  <a:ext uri="{FF2B5EF4-FFF2-40B4-BE49-F238E27FC236}">
+                    <a16:creationId xmlns:a16="http://schemas.microsoft.com/office/drawing/2014/main" id="{6532586F-2B33-9C61-58DC-9046125E1570}"/>
+                  </a:ext>
+                </a:extLst>
+              </p:cNvPr>
+              <p:cNvSpPr>
+                <a:spLocks noGrp="1" noRot="1" noChangeAspect="1" noMove="1" noResize="1" noEditPoints="1" noAdjustHandles="1" noChangeArrowheads="1" noChangeShapeType="1" noTextEdit="1"/>
+              </p:cNvSpPr>
+              <p:nvPr>
+                <p:ph idx="1"/>
+              </p:nvPr>
+            </p:nvSpPr>
+            <p:spPr>
+              <a:xfrm>
+                <a:off x="838199" y="1825625"/>
+                <a:ext cx="11823551" cy="4895850"/>
+              </a:xfrm>
+              <a:blipFill>
+                <a:blip r:embed="rId3"/>
+                <a:stretch>
+                  <a:fillRect l="-567"/>
+                </a:stretch>
+              </a:blipFill>
+            </p:spPr>
+            <p:txBody>
+              <a:bodyPr/>
+              <a:lstStyle/>
+              <a:p>
+                <a:r>
+                  <a:rPr lang="zh-TW" altLang="en-US">
+                    <a:noFill/>
+                  </a:rPr>
+                  <a:t> </a:t>
+                </a:r>
+              </a:p>
+            </p:txBody>
+          </p:sp>
+        </mc:Fallback>
+      </mc:AlternateContent>
+      <p:sp>
+        <p:nvSpPr>
+          <p:cNvPr id="4" name="投影片編號版面配置區 3">
+            <a:extLst>
+              <a:ext uri="{FF2B5EF4-FFF2-40B4-BE49-F238E27FC236}">
+                <a16:creationId xmlns:a16="http://schemas.microsoft.com/office/drawing/2014/main" id="{4F34BD4F-A1A7-2695-B9CD-0B31024175B2}"/>
+              </a:ext>
+            </a:extLst>
+          </p:cNvPr>
+          <p:cNvSpPr>
+            <a:spLocks noGrp="1"/>
+          </p:cNvSpPr>
+          <p:nvPr>
+            <p:ph type="sldNum" sz="quarter" idx="12"/>
+          </p:nvPr>
+        </p:nvSpPr>
+        <p:spPr/>
+        <p:txBody>
+          <a:bodyPr/>
+          <a:lstStyle/>
+          <a:p>
+            <a:fld id="{666274A1-CF9C-426A-8DD4-B13ED0C24231}" type="slidenum">
+              <a:rPr lang="en-US" smtClean="0"/>
+              <a:t>20</a:t>
+            </a:fld>
+            <a:endParaRPr lang="en-US"/>
+          </a:p>
+        </p:txBody>
+      </p:sp>
+      <p:pic>
+        <p:nvPicPr>
+          <p:cNvPr id="6" name="圖片 5">
+            <a:extLst>
+              <a:ext uri="{FF2B5EF4-FFF2-40B4-BE49-F238E27FC236}">
+                <a16:creationId xmlns:a16="http://schemas.microsoft.com/office/drawing/2014/main" id="{23CA0547-CECD-06A5-7202-712C744CCB1A}"/>
+              </a:ext>
+            </a:extLst>
+          </p:cNvPr>
+          <p:cNvPicPr>
+            <a:picLocks noChangeAspect="1"/>
+          </p:cNvPicPr>
+          <p:nvPr/>
+        </p:nvPicPr>
+        <p:blipFill>
+          <a:blip r:embed="rId4"/>
+          <a:stretch>
+            <a:fillRect/>
+          </a:stretch>
+        </p:blipFill>
+        <p:spPr>
+          <a:xfrm>
+            <a:off x="6137446" y="441326"/>
+            <a:ext cx="4946307" cy="1565332"/>
+          </a:xfrm>
+          <a:prstGeom prst="rect">
+            <a:avLst/>
+          </a:prstGeom>
+        </p:spPr>
+      </p:pic>
+      <p:pic>
+        <p:nvPicPr>
+          <p:cNvPr id="7" name="圖片 6">
+            <a:extLst>
+              <a:ext uri="{FF2B5EF4-FFF2-40B4-BE49-F238E27FC236}">
+                <a16:creationId xmlns:a16="http://schemas.microsoft.com/office/drawing/2014/main" id="{F3A2467D-4C54-798B-0923-D7A53D09CB71}"/>
+              </a:ext>
+            </a:extLst>
+          </p:cNvPr>
+          <p:cNvPicPr>
+            <a:picLocks noChangeAspect="1"/>
+          </p:cNvPicPr>
+          <p:nvPr/>
+        </p:nvPicPr>
+        <p:blipFill>
+          <a:blip r:embed="rId5"/>
+          <a:stretch>
+            <a:fillRect/>
+          </a:stretch>
+        </p:blipFill>
+        <p:spPr>
+          <a:xfrm>
+            <a:off x="1495984" y="2994793"/>
+            <a:ext cx="4426310" cy="803866"/>
+          </a:xfrm>
+          <a:prstGeom prst="rect">
+            <a:avLst/>
+          </a:prstGeom>
+        </p:spPr>
+      </p:pic>
+    </p:spTree>
+    <p:extLst>
+      <p:ext uri="{BB962C8B-B14F-4D97-AF65-F5344CB8AC3E}">
+        <p14:creationId xmlns:p14="http://schemas.microsoft.com/office/powerpoint/2010/main" val="234927144"/>
+      </p:ext>
+    </p:extLst>
+  </p:cSld>
+  <p:clrMapOvr>
+    <a:masterClrMapping/>
+  </p:clrMapOvr>
+</p:sld>
+</file>
+
+<file path=ppt/slides/slide22.xml><?xml version="1.0" encoding="utf-8"?>
+<p:sld xmlns:a="http://schemas.openxmlformats.org/drawingml/2006/main" xmlns:r="http://schemas.openxmlformats.org/officeDocument/2006/relationships" xmlns:p="http://schemas.openxmlformats.org/presentationml/2006/main">
+  <p:cSld>
+    <p:spTree>
+      <p:nvGrpSpPr>
+        <p:cNvPr id="1" name=""/>
+        <p:cNvGrpSpPr/>
+        <p:nvPr/>
+      </p:nvGrpSpPr>
+      <p:grpSpPr>
+        <a:xfrm>
+          <a:off x="0" y="0"/>
+          <a:ext cx="0" cy="0"/>
+          <a:chOff x="0" y="0"/>
+          <a:chExt cx="0" cy="0"/>
+        </a:xfrm>
+      </p:grpSpPr>
+      <p:sp>
+        <p:nvSpPr>
+          <p:cNvPr id="2" name="標題 1">
+            <a:extLst>
+              <a:ext uri="{FF2B5EF4-FFF2-40B4-BE49-F238E27FC236}">
+                <a16:creationId xmlns:a16="http://schemas.microsoft.com/office/drawing/2014/main" id="{F49B282A-FF7E-D28E-E7C9-7C9011B3A142}"/>
+              </a:ext>
+            </a:extLst>
+          </p:cNvPr>
+          <p:cNvSpPr>
+            <a:spLocks noGrp="1"/>
+          </p:cNvSpPr>
+          <p:nvPr>
+            <p:ph type="title"/>
+          </p:nvPr>
+        </p:nvSpPr>
+        <p:spPr/>
+        <p:txBody>
+          <a:bodyPr>
+            <a:normAutofit/>
+          </a:bodyPr>
+          <a:lstStyle/>
+          <a:p>
+            <a:r>
+              <a:rPr lang="en-US" altLang="zh-TW" sz="4000" dirty="0">
+                <a:latin typeface="Times" panose="02020603050405020304" pitchFamily="18" charset="0"/>
+                <a:cs typeface="Times" panose="02020603050405020304" pitchFamily="18" charset="0"/>
+              </a:rPr>
+              <a:t>Experimental Result</a:t>
+            </a:r>
+            <a:endParaRPr lang="zh-TW" altLang="en-US" sz="4000" dirty="0">
+              <a:latin typeface="Times" panose="02020603050405020304" pitchFamily="18" charset="0"/>
+              <a:cs typeface="Times" panose="02020603050405020304" pitchFamily="18" charset="0"/>
+            </a:endParaRPr>
+          </a:p>
+        </p:txBody>
+      </p:sp>
+      <mc:AlternateContent xmlns:mc="http://schemas.openxmlformats.org/markup-compatibility/2006">
+        <mc:Choice xmlns:a14="http://schemas.microsoft.com/office/drawing/2010/main" Requires="a14">
+          <p:sp>
+            <p:nvSpPr>
+              <p:cNvPr id="3" name="內容版面配置區 2">
+                <a:extLst>
+                  <a:ext uri="{FF2B5EF4-FFF2-40B4-BE49-F238E27FC236}">
+                    <a16:creationId xmlns:a16="http://schemas.microsoft.com/office/drawing/2014/main" id="{6532586F-2B33-9C61-58DC-9046125E1570}"/>
+                  </a:ext>
+                </a:extLst>
+              </p:cNvPr>
+              <p:cNvSpPr>
+                <a:spLocks noGrp="1"/>
+              </p:cNvSpPr>
+              <p:nvPr>
+                <p:ph idx="1"/>
+              </p:nvPr>
+            </p:nvSpPr>
+            <p:spPr>
+              <a:xfrm>
+                <a:off x="838199" y="1825625"/>
+                <a:ext cx="11823551" cy="4895850"/>
+              </a:xfrm>
+            </p:spPr>
+            <p:txBody>
+              <a:bodyPr>
+                <a:normAutofit/>
+              </a:bodyPr>
+              <a:lstStyle/>
+              <a:p>
+                <a:pPr>
+                  <a:lnSpc>
+                    <a:spcPct val="150000"/>
+                  </a:lnSpc>
+                </a:pPr>
+                <a:r>
+                  <a:rPr lang="en-US" altLang="zh-TW" sz="2200" dirty="0">
+                    <a:latin typeface="Times" panose="02020603050405020304" pitchFamily="18" charset="0"/>
+                    <a:ea typeface="標楷體" panose="03000509000000000000" pitchFamily="65" charset="-120"/>
+                    <a:cs typeface="Times" panose="02020603050405020304" pitchFamily="18" charset="0"/>
+                  </a:rPr>
+                  <a:t>Max Variation (MV)</a:t>
+                </a:r>
+              </a:p>
+              <a:p>
+                <a:pPr lvl="1">
+                  <a:lnSpc>
+                    <a:spcPct val="150000"/>
+                  </a:lnSpc>
+                </a:pPr>
+                <a:r>
+                  <a:rPr lang="en-US" altLang="zh-TW" sz="2000" dirty="0">
+                    <a:latin typeface="Times" panose="02020603050405020304" pitchFamily="18" charset="0"/>
+                    <a:ea typeface="標楷體" panose="03000509000000000000" pitchFamily="65" charset="-120"/>
+                    <a:cs typeface="Times" panose="02020603050405020304" pitchFamily="18" charset="0"/>
+                  </a:rPr>
+                  <a:t>Computes the maximum deviation of accumulated height across layers.</a:t>
+                </a:r>
+              </a:p>
+              <a:p>
+                <a:pPr lvl="1">
+                  <a:lnSpc>
+                    <a:spcPct val="150000"/>
+                  </a:lnSpc>
+                </a:pPr>
+                <a:r>
+                  <a:rPr lang="en-US" altLang="zh-TW" sz="2000" dirty="0">
+                    <a:latin typeface="Times" panose="02020603050405020304" pitchFamily="18" charset="0"/>
+                    <a:ea typeface="標楷體" panose="03000509000000000000" pitchFamily="65" charset="-120"/>
+                    <a:cs typeface="Times" panose="02020603050405020304" pitchFamily="18" charset="0"/>
+                  </a:rPr>
+                  <a:t> </a:t>
+                </a:r>
+                <a14:m>
+                  <m:oMath xmlns:m="http://schemas.openxmlformats.org/officeDocument/2006/math">
+                    <m:r>
+                      <a:rPr lang="en-US" altLang="zh-TW" sz="2000" b="0" i="1" smtClean="0">
+                        <a:latin typeface="Cambria Math" panose="02040503050406030204" pitchFamily="18" charset="0"/>
+                        <a:ea typeface="標楷體" panose="03000509000000000000" pitchFamily="65" charset="-120"/>
+                        <a:cs typeface="Times" panose="02020603050405020304" pitchFamily="18" charset="0"/>
+                      </a:rPr>
+                      <m:t>𝑀𝑉</m:t>
+                    </m:r>
+                    <m:r>
+                      <a:rPr lang="en-US" altLang="zh-TW" sz="2000" b="0" i="1" smtClean="0">
+                        <a:latin typeface="Cambria Math" panose="02040503050406030204" pitchFamily="18" charset="0"/>
+                        <a:ea typeface="標楷體" panose="03000509000000000000" pitchFamily="65" charset="-120"/>
+                        <a:cs typeface="Times" panose="02020603050405020304" pitchFamily="18" charset="0"/>
+                      </a:rPr>
+                      <m:t>=</m:t>
+                    </m:r>
+                    <m:func>
+                      <m:funcPr>
+                        <m:ctrlPr>
+                          <a:rPr lang="en-US" altLang="zh-TW" sz="2000" b="0" i="1" smtClean="0">
+                            <a:latin typeface="Cambria Math" panose="02040503050406030204" pitchFamily="18" charset="0"/>
+                            <a:ea typeface="標楷體" panose="03000509000000000000" pitchFamily="65" charset="-120"/>
+                            <a:cs typeface="Times" panose="02020603050405020304" pitchFamily="18" charset="0"/>
+                          </a:rPr>
+                        </m:ctrlPr>
+                      </m:funcPr>
+                      <m:fName>
+                        <m:r>
+                          <m:rPr>
+                            <m:sty m:val="p"/>
+                          </m:rPr>
+                          <a:rPr lang="en-US" altLang="zh-TW" sz="2000" b="0" i="0" smtClean="0">
+                            <a:latin typeface="Cambria Math" panose="02040503050406030204" pitchFamily="18" charset="0"/>
+                            <a:ea typeface="標楷體" panose="03000509000000000000" pitchFamily="65" charset="-120"/>
+                            <a:cs typeface="Times" panose="02020603050405020304" pitchFamily="18" charset="0"/>
+                          </a:rPr>
+                          <m:t>max</m:t>
+                        </m:r>
+                      </m:fName>
+                      <m:e>
+                        <m:d>
+                          <m:dPr>
+                            <m:ctrlPr>
+                              <a:rPr lang="en-US" altLang="zh-TW" sz="2000" b="0" i="1" smtClean="0">
+                                <a:latin typeface="Cambria Math" panose="02040503050406030204" pitchFamily="18" charset="0"/>
+                                <a:ea typeface="標楷體" panose="03000509000000000000" pitchFamily="65" charset="-120"/>
+                                <a:cs typeface="Times" panose="02020603050405020304" pitchFamily="18" charset="0"/>
+                              </a:rPr>
+                            </m:ctrlPr>
+                          </m:dPr>
+                          <m:e>
+                            <m:sSub>
+                              <m:sSubPr>
+                                <m:ctrlPr>
+                                  <a:rPr lang="en-US" altLang="zh-TW" sz="2000" b="0" i="1" smtClean="0">
+                                    <a:latin typeface="Cambria Math" panose="02040503050406030204" pitchFamily="18" charset="0"/>
+                                    <a:ea typeface="標楷體" panose="03000509000000000000" pitchFamily="65" charset="-120"/>
+                                    <a:cs typeface="Times" panose="02020603050405020304" pitchFamily="18" charset="0"/>
+                                  </a:rPr>
+                                </m:ctrlPr>
+                              </m:sSubPr>
+                              <m:e>
+                                <m:r>
+                                  <a:rPr lang="en-US" altLang="zh-TW" sz="2000" b="0" i="1" smtClean="0">
+                                    <a:latin typeface="Cambria Math" panose="02040503050406030204" pitchFamily="18" charset="0"/>
+                                    <a:ea typeface="標楷體" panose="03000509000000000000" pitchFamily="65" charset="-120"/>
+                                    <a:cs typeface="Times" panose="02020603050405020304" pitchFamily="18" charset="0"/>
+                                  </a:rPr>
+                                  <m:t>𝐻</m:t>
+                                </m:r>
+                              </m:e>
+                              <m:sub>
+                                <m:r>
+                                  <a:rPr lang="en-US" altLang="zh-TW" sz="2000" b="0" i="1" smtClean="0">
+                                    <a:latin typeface="Cambria Math" panose="02040503050406030204" pitchFamily="18" charset="0"/>
+                                    <a:ea typeface="標楷體" panose="03000509000000000000" pitchFamily="65" charset="-120"/>
+                                    <a:cs typeface="Times" panose="02020603050405020304" pitchFamily="18" charset="0"/>
+                                  </a:rPr>
+                                  <m:t>𝑚</m:t>
+                                </m:r>
+                                <m:r>
+                                  <a:rPr lang="en-US" altLang="zh-TW" sz="2000" b="0" i="1" smtClean="0">
+                                    <a:latin typeface="Cambria Math" panose="02040503050406030204" pitchFamily="18" charset="0"/>
+                                    <a:ea typeface="標楷體" panose="03000509000000000000" pitchFamily="65" charset="-120"/>
+                                    <a:cs typeface="Times" panose="02020603050405020304" pitchFamily="18" charset="0"/>
+                                  </a:rPr>
+                                  <m:t>,</m:t>
+                                </m:r>
+                                <m:r>
+                                  <a:rPr lang="en-US" altLang="zh-TW" sz="2000" b="0" i="1" smtClean="0">
+                                    <a:latin typeface="Cambria Math" panose="02040503050406030204" pitchFamily="18" charset="0"/>
+                                    <a:ea typeface="標楷體" panose="03000509000000000000" pitchFamily="65" charset="-120"/>
+                                    <a:cs typeface="Times" panose="02020603050405020304" pitchFamily="18" charset="0"/>
+                                  </a:rPr>
+                                  <m:t>𝑛</m:t>
+                                </m:r>
+                              </m:sub>
+                            </m:sSub>
+                          </m:e>
+                        </m:d>
+                      </m:e>
+                    </m:func>
+                    <m:r>
+                      <a:rPr lang="en-US" altLang="zh-TW" sz="2000" b="0" i="1" smtClean="0">
+                        <a:latin typeface="Cambria Math" panose="02040503050406030204" pitchFamily="18" charset="0"/>
+                        <a:ea typeface="標楷體" panose="03000509000000000000" pitchFamily="65" charset="-120"/>
+                        <a:cs typeface="Times" panose="02020603050405020304" pitchFamily="18" charset="0"/>
+                      </a:rPr>
+                      <m:t> −</m:t>
+                    </m:r>
+                    <m:r>
+                      <a:rPr lang="en-US" altLang="zh-TW" sz="2000" b="0" i="1" smtClean="0">
+                        <a:latin typeface="Cambria Math" panose="02040503050406030204" pitchFamily="18" charset="0"/>
+                        <a:ea typeface="標楷體" panose="03000509000000000000" pitchFamily="65" charset="-120"/>
+                        <a:cs typeface="Times" panose="02020603050405020304" pitchFamily="18" charset="0"/>
+                      </a:rPr>
+                      <m:t>𝑚𝑖𝑛</m:t>
+                    </m:r>
+                    <m:r>
+                      <a:rPr lang="en-US" altLang="zh-TW" sz="2000" b="0" i="1" smtClean="0">
+                        <a:latin typeface="Cambria Math" panose="02040503050406030204" pitchFamily="18" charset="0"/>
+                        <a:ea typeface="標楷體" panose="03000509000000000000" pitchFamily="65" charset="-120"/>
+                        <a:cs typeface="Times" panose="02020603050405020304" pitchFamily="18" charset="0"/>
+                      </a:rPr>
+                      <m:t>(</m:t>
+                    </m:r>
+                    <m:sSub>
+                      <m:sSubPr>
+                        <m:ctrlPr>
+                          <a:rPr lang="en-US" altLang="zh-TW" sz="2000" b="0" i="1" smtClean="0">
+                            <a:latin typeface="Cambria Math" panose="02040503050406030204" pitchFamily="18" charset="0"/>
+                            <a:ea typeface="標楷體" panose="03000509000000000000" pitchFamily="65" charset="-120"/>
+                            <a:cs typeface="Times" panose="02020603050405020304" pitchFamily="18" charset="0"/>
+                          </a:rPr>
+                        </m:ctrlPr>
+                      </m:sSubPr>
+                      <m:e>
+                        <m:r>
+                          <a:rPr lang="en-US" altLang="zh-TW" sz="2000" b="0" i="1" smtClean="0">
+                            <a:latin typeface="Cambria Math" panose="02040503050406030204" pitchFamily="18" charset="0"/>
+                            <a:ea typeface="標楷體" panose="03000509000000000000" pitchFamily="65" charset="-120"/>
+                            <a:cs typeface="Times" panose="02020603050405020304" pitchFamily="18" charset="0"/>
+                          </a:rPr>
+                          <m:t>𝐻</m:t>
+                        </m:r>
+                      </m:e>
+                      <m:sub>
+                        <m:r>
+                          <a:rPr lang="en-US" altLang="zh-TW" sz="2000" b="0" i="1" smtClean="0">
+                            <a:latin typeface="Cambria Math" panose="02040503050406030204" pitchFamily="18" charset="0"/>
+                            <a:ea typeface="標楷體" panose="03000509000000000000" pitchFamily="65" charset="-120"/>
+                            <a:cs typeface="Times" panose="02020603050405020304" pitchFamily="18" charset="0"/>
+                          </a:rPr>
+                          <m:t>𝑚</m:t>
+                        </m:r>
+                        <m:r>
+                          <a:rPr lang="en-US" altLang="zh-TW" sz="2000" b="0" i="1" smtClean="0">
+                            <a:latin typeface="Cambria Math" panose="02040503050406030204" pitchFamily="18" charset="0"/>
+                            <a:ea typeface="標楷體" panose="03000509000000000000" pitchFamily="65" charset="-120"/>
+                            <a:cs typeface="Times" panose="02020603050405020304" pitchFamily="18" charset="0"/>
+                          </a:rPr>
+                          <m:t>,</m:t>
+                        </m:r>
+                        <m:r>
+                          <a:rPr lang="en-US" altLang="zh-TW" sz="2000" b="0" i="1" smtClean="0">
+                            <a:latin typeface="Cambria Math" panose="02040503050406030204" pitchFamily="18" charset="0"/>
+                            <a:ea typeface="標楷體" panose="03000509000000000000" pitchFamily="65" charset="-120"/>
+                            <a:cs typeface="Times" panose="02020603050405020304" pitchFamily="18" charset="0"/>
+                          </a:rPr>
+                          <m:t>𝑛</m:t>
+                        </m:r>
+                      </m:sub>
+                    </m:sSub>
+                    <m:r>
+                      <a:rPr lang="en-US" altLang="zh-TW" sz="2000" b="0" i="1" smtClean="0">
+                        <a:latin typeface="Cambria Math" panose="02040503050406030204" pitchFamily="18" charset="0"/>
+                        <a:ea typeface="標楷體" panose="03000509000000000000" pitchFamily="65" charset="-120"/>
+                        <a:cs typeface="Times" panose="02020603050405020304" pitchFamily="18" charset="0"/>
+                      </a:rPr>
+                      <m:t>)</m:t>
+                    </m:r>
+                  </m:oMath>
+                </a14:m>
+                <a:endParaRPr lang="en-US" altLang="zh-TW" sz="2000" dirty="0">
+                  <a:latin typeface="Times" panose="02020603050405020304" pitchFamily="18" charset="0"/>
+                  <a:ea typeface="標楷體" panose="03000509000000000000" pitchFamily="65" charset="-120"/>
+                  <a:cs typeface="Times" panose="02020603050405020304" pitchFamily="18" charset="0"/>
+                </a:endParaRPr>
+              </a:p>
+              <a:p>
+                <a:pPr lvl="1">
+                  <a:lnSpc>
+                    <a:spcPct val="150000"/>
+                  </a:lnSpc>
+                </a:pPr>
+                <a:endParaRPr lang="en-US" altLang="zh-TW" sz="2000" dirty="0">
+                  <a:latin typeface="Times" panose="02020603050405020304" pitchFamily="18" charset="0"/>
+                  <a:ea typeface="標楷體" panose="03000509000000000000" pitchFamily="65" charset="-120"/>
+                  <a:cs typeface="Times" panose="02020603050405020304" pitchFamily="18" charset="0"/>
+                </a:endParaRPr>
+              </a:p>
+              <a:p>
+                <a:pPr marL="457200" lvl="1" indent="0">
+                  <a:lnSpc>
+                    <a:spcPct val="150000"/>
+                  </a:lnSpc>
+                  <a:buNone/>
+                </a:pPr>
+                <a:endParaRPr lang="en-US" altLang="zh-TW" sz="2000" dirty="0">
+                  <a:latin typeface="Times" panose="02020603050405020304" pitchFamily="18" charset="0"/>
+                  <a:ea typeface="標楷體" panose="03000509000000000000" pitchFamily="65" charset="-120"/>
+                  <a:cs typeface="Times" panose="02020603050405020304" pitchFamily="18" charset="0"/>
+                </a:endParaRPr>
+              </a:p>
+              <a:p>
+                <a:pPr lvl="1">
+                  <a:lnSpc>
+                    <a:spcPct val="150000"/>
+                  </a:lnSpc>
+                  <a:buFont typeface="Wingdings" panose="05000000000000000000" pitchFamily="2" charset="2"/>
+                  <a:buChar char="Ø"/>
+                </a:pPr>
+                <a:r>
+                  <a:rPr lang="zh-TW" altLang="en-US" sz="1800" dirty="0">
+                    <a:latin typeface="Times" panose="02020603050405020304" pitchFamily="18" charset="0"/>
+                    <a:ea typeface="標楷體" panose="03000509000000000000" pitchFamily="65" charset="-120"/>
+                    <a:cs typeface="Times" panose="02020603050405020304" pitchFamily="18" charset="0"/>
+                  </a:rPr>
+                  <a:t>𝐻</a:t>
+                </a:r>
+                <a:r>
+                  <a:rPr lang="en-US" altLang="zh-TW" sz="1800" dirty="0">
+                    <a:latin typeface="Times" panose="02020603050405020304" pitchFamily="18" charset="0"/>
+                    <a:ea typeface="標楷體" panose="03000509000000000000" pitchFamily="65" charset="-120"/>
+                    <a:cs typeface="Times" panose="02020603050405020304" pitchFamily="18" charset="0"/>
+                  </a:rPr>
+                  <a:t>(</a:t>
+                </a:r>
+                <a:r>
+                  <a:rPr lang="zh-TW" altLang="en-US" sz="1800" dirty="0">
+                    <a:latin typeface="Times" panose="02020603050405020304" pitchFamily="18" charset="0"/>
+                    <a:ea typeface="標楷體" panose="03000509000000000000" pitchFamily="65" charset="-120"/>
+                    <a:cs typeface="Times" panose="02020603050405020304" pitchFamily="18" charset="0"/>
+                  </a:rPr>
+                  <a:t>𝑚</a:t>
+                </a:r>
+                <a:r>
+                  <a:rPr lang="en-US" altLang="zh-TW" sz="1800" dirty="0">
+                    <a:latin typeface="Times" panose="02020603050405020304" pitchFamily="18" charset="0"/>
+                    <a:ea typeface="標楷體" panose="03000509000000000000" pitchFamily="65" charset="-120"/>
+                    <a:cs typeface="Times" panose="02020603050405020304" pitchFamily="18" charset="0"/>
+                  </a:rPr>
+                  <a:t>,</a:t>
+                </a:r>
+                <a:r>
+                  <a:rPr lang="zh-TW" altLang="en-US" sz="1800" dirty="0">
+                    <a:latin typeface="Times" panose="02020603050405020304" pitchFamily="18" charset="0"/>
+                    <a:ea typeface="標楷體" panose="03000509000000000000" pitchFamily="65" charset="-120"/>
+                    <a:cs typeface="Times" panose="02020603050405020304" pitchFamily="18" charset="0"/>
+                  </a:rPr>
+                  <a:t>𝑛</a:t>
+                </a:r>
+                <a:r>
+                  <a:rPr lang="en-US" altLang="zh-TW" sz="1800" dirty="0">
+                    <a:latin typeface="Times" panose="02020603050405020304" pitchFamily="18" charset="0"/>
+                    <a:ea typeface="標楷體" panose="03000509000000000000" pitchFamily="65" charset="-120"/>
+                    <a:cs typeface="Times" panose="02020603050405020304" pitchFamily="18" charset="0"/>
+                  </a:rPr>
+                  <a:t>) = </a:t>
+                </a:r>
+                <a14:m>
+                  <m:oMath xmlns:m="http://schemas.openxmlformats.org/officeDocument/2006/math">
+                    <m:nary>
+                      <m:naryPr>
+                        <m:chr m:val="∑"/>
+                        <m:ctrlPr>
+                          <a:rPr lang="en-US" altLang="zh-TW" sz="1800" i="1" smtClean="0">
+                            <a:latin typeface="Cambria Math" panose="02040503050406030204" pitchFamily="18" charset="0"/>
+                            <a:ea typeface="標楷體" panose="03000509000000000000" pitchFamily="65" charset="-120"/>
+                            <a:cs typeface="Times" panose="02020603050405020304" pitchFamily="18" charset="0"/>
+                          </a:rPr>
+                        </m:ctrlPr>
+                      </m:naryPr>
+                      <m:sub>
+                        <m:r>
+                          <m:rPr>
+                            <m:brk m:alnAt="23"/>
+                          </m:rPr>
+                          <a:rPr lang="en-US" altLang="zh-TW" sz="1800" b="0" i="1" smtClean="0">
+                            <a:latin typeface="Cambria Math" panose="02040503050406030204" pitchFamily="18" charset="0"/>
+                            <a:ea typeface="標楷體" panose="03000509000000000000" pitchFamily="65" charset="-120"/>
+                            <a:cs typeface="Times" panose="02020603050405020304" pitchFamily="18" charset="0"/>
+                          </a:rPr>
+                          <m:t>𝑘</m:t>
+                        </m:r>
+                        <m:r>
+                          <a:rPr lang="en-US" altLang="zh-TW" sz="1800" b="0" i="1" smtClean="0">
+                            <a:latin typeface="Cambria Math" panose="02040503050406030204" pitchFamily="18" charset="0"/>
+                            <a:ea typeface="標楷體" panose="03000509000000000000" pitchFamily="65" charset="-120"/>
+                            <a:cs typeface="Times" panose="02020603050405020304" pitchFamily="18" charset="0"/>
+                          </a:rPr>
+                          <m:t>=1</m:t>
+                        </m:r>
+                      </m:sub>
+                      <m:sup>
+                        <m:r>
+                          <a:rPr lang="en-US" altLang="zh-TW" sz="1800" b="0" i="1" smtClean="0">
+                            <a:latin typeface="Cambria Math" panose="02040503050406030204" pitchFamily="18" charset="0"/>
+                            <a:ea typeface="標楷體" panose="03000509000000000000" pitchFamily="65" charset="-120"/>
+                            <a:cs typeface="Times" panose="02020603050405020304" pitchFamily="18" charset="0"/>
+                          </a:rPr>
+                          <m:t>𝐾</m:t>
+                        </m:r>
+                      </m:sup>
+                      <m:e>
+                        <m:sSub>
+                          <m:sSubPr>
+                            <m:ctrlPr>
+                              <a:rPr lang="en-US" altLang="zh-TW" sz="1800" i="1" smtClean="0">
+                                <a:latin typeface="Cambria Math" panose="02040503050406030204" pitchFamily="18" charset="0"/>
+                                <a:ea typeface="標楷體" panose="03000509000000000000" pitchFamily="65" charset="-120"/>
+                                <a:cs typeface="Times" panose="02020603050405020304" pitchFamily="18" charset="0"/>
+                              </a:rPr>
+                            </m:ctrlPr>
+                          </m:sSubPr>
+                          <m:e>
+                            <m:r>
+                              <a:rPr lang="en-US" altLang="zh-TW" sz="1800" b="0" i="1" smtClean="0">
+                                <a:latin typeface="Cambria Math" panose="02040503050406030204" pitchFamily="18" charset="0"/>
+                                <a:ea typeface="標楷體" panose="03000509000000000000" pitchFamily="65" charset="-120"/>
+                                <a:cs typeface="Times" panose="02020603050405020304" pitchFamily="18" charset="0"/>
+                              </a:rPr>
+                              <m:t>h</m:t>
+                            </m:r>
+                          </m:e>
+                          <m:sub>
+                            <m:r>
+                              <a:rPr lang="en-US" altLang="zh-TW" sz="1800" b="0" i="1" smtClean="0">
+                                <a:latin typeface="Cambria Math" panose="02040503050406030204" pitchFamily="18" charset="0"/>
+                                <a:ea typeface="標楷體" panose="03000509000000000000" pitchFamily="65" charset="-120"/>
+                                <a:cs typeface="Times" panose="02020603050405020304" pitchFamily="18" charset="0"/>
+                              </a:rPr>
+                              <m:t>𝑘</m:t>
+                            </m:r>
+                            <m:r>
+                              <a:rPr lang="en-US" altLang="zh-TW" sz="1800" b="0" i="1" smtClean="0">
+                                <a:latin typeface="Cambria Math" panose="02040503050406030204" pitchFamily="18" charset="0"/>
+                                <a:ea typeface="標楷體" panose="03000509000000000000" pitchFamily="65" charset="-120"/>
+                                <a:cs typeface="Times" panose="02020603050405020304" pitchFamily="18" charset="0"/>
+                              </a:rPr>
+                              <m:t>,</m:t>
+                            </m:r>
+                            <m:r>
+                              <a:rPr lang="en-US" altLang="zh-TW" sz="1800" b="0" i="1" smtClean="0">
+                                <a:latin typeface="Cambria Math" panose="02040503050406030204" pitchFamily="18" charset="0"/>
+                                <a:ea typeface="標楷體" panose="03000509000000000000" pitchFamily="65" charset="-120"/>
+                                <a:cs typeface="Times" panose="02020603050405020304" pitchFamily="18" charset="0"/>
+                              </a:rPr>
+                              <m:t>𝑚</m:t>
+                            </m:r>
+                            <m:r>
+                              <a:rPr lang="en-US" altLang="zh-TW" sz="1800" b="0" i="1" smtClean="0">
+                                <a:latin typeface="Cambria Math" panose="02040503050406030204" pitchFamily="18" charset="0"/>
+                                <a:ea typeface="標楷體" panose="03000509000000000000" pitchFamily="65" charset="-120"/>
+                                <a:cs typeface="Times" panose="02020603050405020304" pitchFamily="18" charset="0"/>
+                              </a:rPr>
+                              <m:t>,</m:t>
+                            </m:r>
+                            <m:r>
+                              <a:rPr lang="en-US" altLang="zh-TW" sz="1800" b="0" i="1" smtClean="0">
+                                <a:latin typeface="Cambria Math" panose="02040503050406030204" pitchFamily="18" charset="0"/>
+                                <a:ea typeface="標楷體" panose="03000509000000000000" pitchFamily="65" charset="-120"/>
+                                <a:cs typeface="Times" panose="02020603050405020304" pitchFamily="18" charset="0"/>
+                              </a:rPr>
+                              <m:t>𝑛</m:t>
+                            </m:r>
+                          </m:sub>
+                        </m:sSub>
+                      </m:e>
+                    </m:nary>
+                  </m:oMath>
+                </a14:m>
+                <a:r>
+                  <a:rPr lang="en-US" altLang="zh-TW" sz="1800" dirty="0">
+                    <a:latin typeface="Times" panose="02020603050405020304" pitchFamily="18" charset="0"/>
+                    <a:ea typeface="標楷體" panose="03000509000000000000" pitchFamily="65" charset="-120"/>
+                    <a:cs typeface="Times" panose="02020603050405020304" pitchFamily="18" charset="0"/>
+                  </a:rPr>
+                  <a:t> , where denotes the cumulative height of each window.</a:t>
+                </a:r>
+              </a:p>
+            </p:txBody>
+          </p:sp>
+        </mc:Choice>
+        <mc:Fallback>
+          <p:sp>
+            <p:nvSpPr>
+              <p:cNvPr id="3" name="內容版面配置區 2">
+                <a:extLst>
+                  <a:ext uri="{FF2B5EF4-FFF2-40B4-BE49-F238E27FC236}">
+                    <a16:creationId xmlns:a16="http://schemas.microsoft.com/office/drawing/2014/main" id="{6532586F-2B33-9C61-58DC-9046125E1570}"/>
+                  </a:ext>
+                </a:extLst>
+              </p:cNvPr>
+              <p:cNvSpPr>
+                <a:spLocks noGrp="1" noRot="1" noChangeAspect="1" noMove="1" noResize="1" noEditPoints="1" noAdjustHandles="1" noChangeArrowheads="1" noChangeShapeType="1" noTextEdit="1"/>
+              </p:cNvSpPr>
+              <p:nvPr>
+                <p:ph idx="1"/>
+              </p:nvPr>
+            </p:nvSpPr>
+            <p:spPr>
+              <a:xfrm>
+                <a:off x="838199" y="1825625"/>
+                <a:ext cx="11823551" cy="4895850"/>
+              </a:xfrm>
+              <a:blipFill>
+                <a:blip r:embed="rId3"/>
+                <a:stretch>
+                  <a:fillRect l="-567"/>
+                </a:stretch>
+              </a:blipFill>
+            </p:spPr>
+            <p:txBody>
+              <a:bodyPr/>
+              <a:lstStyle/>
+              <a:p>
+                <a:r>
+                  <a:rPr lang="zh-TW" altLang="en-US">
+                    <a:noFill/>
+                  </a:rPr>
+                  <a:t> </a:t>
+                </a:r>
+              </a:p>
+            </p:txBody>
+          </p:sp>
+        </mc:Fallback>
+      </mc:AlternateContent>
+      <p:sp>
+        <p:nvSpPr>
+          <p:cNvPr id="4" name="投影片編號版面配置區 3">
+            <a:extLst>
+              <a:ext uri="{FF2B5EF4-FFF2-40B4-BE49-F238E27FC236}">
+                <a16:creationId xmlns:a16="http://schemas.microsoft.com/office/drawing/2014/main" id="{4F34BD4F-A1A7-2695-B9CD-0B31024175B2}"/>
+              </a:ext>
+            </a:extLst>
+          </p:cNvPr>
+          <p:cNvSpPr>
+            <a:spLocks noGrp="1"/>
+          </p:cNvSpPr>
+          <p:nvPr>
+            <p:ph type="sldNum" sz="quarter" idx="12"/>
+          </p:nvPr>
+        </p:nvSpPr>
+        <p:spPr/>
+        <p:txBody>
+          <a:bodyPr/>
+          <a:lstStyle/>
+          <a:p>
+            <a:fld id="{666274A1-CF9C-426A-8DD4-B13ED0C24231}" type="slidenum">
+              <a:rPr lang="en-US" smtClean="0"/>
+              <a:t>21</a:t>
+            </a:fld>
+            <a:endParaRPr lang="en-US"/>
+          </a:p>
+        </p:txBody>
+      </p:sp>
+      <p:pic>
+        <p:nvPicPr>
+          <p:cNvPr id="6" name="圖片 5">
+            <a:extLst>
+              <a:ext uri="{FF2B5EF4-FFF2-40B4-BE49-F238E27FC236}">
+                <a16:creationId xmlns:a16="http://schemas.microsoft.com/office/drawing/2014/main" id="{23CA0547-CECD-06A5-7202-712C744CCB1A}"/>
+              </a:ext>
+            </a:extLst>
+          </p:cNvPr>
+          <p:cNvPicPr>
+            <a:picLocks noChangeAspect="1"/>
+          </p:cNvPicPr>
+          <p:nvPr/>
+        </p:nvPicPr>
+        <p:blipFill>
+          <a:blip r:embed="rId4"/>
+          <a:stretch>
+            <a:fillRect/>
+          </a:stretch>
+        </p:blipFill>
+        <p:spPr>
+          <a:xfrm>
+            <a:off x="6137446" y="441326"/>
+            <a:ext cx="4946307" cy="1565332"/>
+          </a:xfrm>
+          <a:prstGeom prst="rect">
+            <a:avLst/>
+          </a:prstGeom>
+        </p:spPr>
+      </p:pic>
+    </p:spTree>
+    <p:extLst>
+      <p:ext uri="{BB962C8B-B14F-4D97-AF65-F5344CB8AC3E}">
+        <p14:creationId xmlns:p14="http://schemas.microsoft.com/office/powerpoint/2010/main" val="2888388060"/>
+      </p:ext>
+    </p:extLst>
+  </p:cSld>
+  <p:clrMapOvr>
+    <a:masterClrMapping/>
+  </p:clrMapOvr>
+</p:sld>
+</file>
+
+<file path=ppt/slides/slide23.xml><?xml version="1.0" encoding="utf-8"?>
+<p:sld xmlns:a="http://schemas.openxmlformats.org/drawingml/2006/main" xmlns:r="http://schemas.openxmlformats.org/officeDocument/2006/relationships" xmlns:p="http://schemas.openxmlformats.org/presentationml/2006/main">
+  <p:cSld>
+    <p:spTree>
+      <p:nvGrpSpPr>
+        <p:cNvPr id="1" name=""/>
+        <p:cNvGrpSpPr/>
+        <p:nvPr/>
+      </p:nvGrpSpPr>
+      <p:grpSpPr>
+        <a:xfrm>
+          <a:off x="0" y="0"/>
+          <a:ext cx="0" cy="0"/>
+          <a:chOff x="0" y="0"/>
+          <a:chExt cx="0" cy="0"/>
+        </a:xfrm>
+      </p:grpSpPr>
+      <p:sp>
+        <p:nvSpPr>
+          <p:cNvPr id="2" name="標題 1">
+            <a:extLst>
+              <a:ext uri="{FF2B5EF4-FFF2-40B4-BE49-F238E27FC236}">
+                <a16:creationId xmlns:a16="http://schemas.microsoft.com/office/drawing/2014/main" id="{F49B282A-FF7E-D28E-E7C9-7C9011B3A142}"/>
+              </a:ext>
+            </a:extLst>
+          </p:cNvPr>
+          <p:cNvSpPr>
+            <a:spLocks noGrp="1"/>
+          </p:cNvSpPr>
+          <p:nvPr>
+            <p:ph type="title"/>
+          </p:nvPr>
+        </p:nvSpPr>
+        <p:spPr/>
+        <p:txBody>
+          <a:bodyPr>
+            <a:normAutofit/>
+          </a:bodyPr>
+          <a:lstStyle/>
+          <a:p>
+            <a:r>
+              <a:rPr lang="en-US" altLang="zh-TW" sz="4000" dirty="0">
+                <a:latin typeface="Times" panose="02020603050405020304" pitchFamily="18" charset="0"/>
+                <a:cs typeface="Times" panose="02020603050405020304" pitchFamily="18" charset="0"/>
+              </a:rPr>
+              <a:t>Experimental Result</a:t>
+            </a:r>
+            <a:endParaRPr lang="zh-TW" altLang="en-US" sz="4000" dirty="0">
+              <a:latin typeface="Times" panose="02020603050405020304" pitchFamily="18" charset="0"/>
+              <a:cs typeface="Times" panose="02020603050405020304" pitchFamily="18" charset="0"/>
+            </a:endParaRPr>
+          </a:p>
+        </p:txBody>
+      </p:sp>
+      <mc:AlternateContent xmlns:mc="http://schemas.openxmlformats.org/markup-compatibility/2006">
+        <mc:Choice xmlns:a14="http://schemas.microsoft.com/office/drawing/2010/main" Requires="a14">
+          <p:sp>
+            <p:nvSpPr>
+              <p:cNvPr id="3" name="內容版面配置區 2">
+                <a:extLst>
+                  <a:ext uri="{FF2B5EF4-FFF2-40B4-BE49-F238E27FC236}">
+                    <a16:creationId xmlns:a16="http://schemas.microsoft.com/office/drawing/2014/main" id="{6532586F-2B33-9C61-58DC-9046125E1570}"/>
+                  </a:ext>
+                </a:extLst>
+              </p:cNvPr>
+              <p:cNvSpPr>
+                <a:spLocks noGrp="1"/>
+              </p:cNvSpPr>
+              <p:nvPr>
+                <p:ph idx="1"/>
+              </p:nvPr>
+            </p:nvSpPr>
+            <p:spPr>
+              <a:xfrm>
+                <a:off x="838199" y="1825625"/>
+                <a:ext cx="11823551" cy="4895850"/>
+              </a:xfrm>
+            </p:spPr>
+            <p:txBody>
+              <a:bodyPr>
+                <a:normAutofit/>
+              </a:bodyPr>
+              <a:lstStyle/>
+              <a:p>
+                <a:pPr>
+                  <a:lnSpc>
+                    <a:spcPct val="150000"/>
+                  </a:lnSpc>
+                </a:pPr>
+                <a:r>
+                  <a:rPr lang="en-US" altLang="zh-TW" sz="2200" dirty="0">
+                    <a:latin typeface="Times" panose="02020603050405020304" pitchFamily="18" charset="0"/>
+                    <a:ea typeface="標楷體" panose="03000509000000000000" pitchFamily="65" charset="-120"/>
+                    <a:cs typeface="Times" panose="02020603050405020304" pitchFamily="18" charset="0"/>
+                  </a:rPr>
+                  <a:t>Overall Density (OD)</a:t>
+                </a:r>
+              </a:p>
+              <a:p>
+                <a:pPr lvl="1">
+                  <a:lnSpc>
+                    <a:spcPct val="150000"/>
+                  </a:lnSpc>
+                </a:pPr>
+                <a:r>
+                  <a:rPr lang="en-US" altLang="zh-TW" sz="2000" dirty="0">
+                    <a:latin typeface="Times" panose="02020603050405020304" pitchFamily="18" charset="0"/>
+                    <a:ea typeface="標楷體" panose="03000509000000000000" pitchFamily="65" charset="-120"/>
+                    <a:cs typeface="Times" panose="02020603050405020304" pitchFamily="18" charset="0"/>
+                  </a:rPr>
+                  <a:t>Computes the overall density of the entire layout across layers.</a:t>
+                </a:r>
+                <a:endParaRPr lang="en-US" altLang="zh-TW" sz="2000" b="0" i="1" dirty="0">
+                  <a:latin typeface="Cambria Math" panose="02040503050406030204" pitchFamily="18" charset="0"/>
+                  <a:ea typeface="標楷體" panose="03000509000000000000" pitchFamily="65" charset="-120"/>
+                  <a:cs typeface="Times" panose="02020603050405020304" pitchFamily="18" charset="0"/>
+                </a:endParaRPr>
+              </a:p>
+              <a:p>
+                <a:pPr lvl="1">
+                  <a:lnSpc>
+                    <a:spcPct val="150000"/>
+                  </a:lnSpc>
+                </a:pPr>
+                <a:endParaRPr lang="en-US" altLang="zh-TW" sz="1200" dirty="0">
+                  <a:latin typeface="Times" panose="02020603050405020304" pitchFamily="18" charset="0"/>
+                  <a:ea typeface="標楷體" panose="03000509000000000000" pitchFamily="65" charset="-120"/>
+                  <a:cs typeface="Times" panose="02020603050405020304" pitchFamily="18" charset="0"/>
+                </a:endParaRPr>
+              </a:p>
+              <a:p>
+                <a:pPr lvl="1">
+                  <a:lnSpc>
+                    <a:spcPct val="150000"/>
+                  </a:lnSpc>
+                </a:pPr>
+                <a:r>
+                  <a:rPr lang="en-US" altLang="zh-TW" sz="2000" dirty="0">
+                    <a:latin typeface="Times" panose="02020603050405020304" pitchFamily="18" charset="0"/>
+                    <a:ea typeface="標楷體" panose="03000509000000000000" pitchFamily="65" charset="-120"/>
+                    <a:cs typeface="Times" panose="02020603050405020304" pitchFamily="18" charset="0"/>
+                  </a:rPr>
+                  <a:t> </a:t>
+                </a:r>
+              </a:p>
+              <a:p>
+                <a:pPr marL="457200" lvl="1" indent="0">
+                  <a:lnSpc>
+                    <a:spcPct val="150000"/>
+                  </a:lnSpc>
+                  <a:buNone/>
+                </a:pPr>
+                <a:endParaRPr lang="en-US" altLang="zh-TW" sz="2000" dirty="0">
+                  <a:latin typeface="Times" panose="02020603050405020304" pitchFamily="18" charset="0"/>
+                  <a:ea typeface="標楷體" panose="03000509000000000000" pitchFamily="65" charset="-120"/>
+                  <a:cs typeface="Times" panose="02020603050405020304" pitchFamily="18" charset="0"/>
+                </a:endParaRPr>
+              </a:p>
+              <a:p>
+                <a:pPr marL="457200" lvl="1" indent="0">
+                  <a:lnSpc>
+                    <a:spcPct val="150000"/>
+                  </a:lnSpc>
+                  <a:buNone/>
+                </a:pPr>
+                <a:endParaRPr lang="en-US" altLang="zh-TW" sz="2000" dirty="0">
+                  <a:latin typeface="Times" panose="02020603050405020304" pitchFamily="18" charset="0"/>
+                  <a:ea typeface="標楷體" panose="03000509000000000000" pitchFamily="65" charset="-120"/>
+                  <a:cs typeface="Times" panose="02020603050405020304" pitchFamily="18" charset="0"/>
+                </a:endParaRPr>
+              </a:p>
+              <a:p>
+                <a:pPr lvl="1">
+                  <a:lnSpc>
+                    <a:spcPct val="150000"/>
+                  </a:lnSpc>
+                  <a:buFont typeface="Wingdings" panose="05000000000000000000" pitchFamily="2" charset="2"/>
+                  <a:buChar char="Ø"/>
+                </a:pPr>
+                <a:r>
+                  <a:rPr lang="en-US" altLang="zh-TW" sz="1800" dirty="0">
+                    <a:latin typeface="Times" panose="02020603050405020304" pitchFamily="18" charset="0"/>
+                    <a:ea typeface="標楷體" panose="03000509000000000000" pitchFamily="65" charset="-120"/>
+                    <a:cs typeface="Times" panose="02020603050405020304" pitchFamily="18" charset="0"/>
+                  </a:rPr>
+                  <a:t> </a:t>
+                </a:r>
+                <a14:m>
+                  <m:oMath xmlns:m="http://schemas.openxmlformats.org/officeDocument/2006/math">
+                    <m:sSub>
+                      <m:sSubPr>
+                        <m:ctrlPr>
+                          <a:rPr lang="en-US" altLang="zh-TW" sz="1800" i="1" smtClean="0">
+                            <a:latin typeface="Cambria Math" panose="02040503050406030204" pitchFamily="18" charset="0"/>
+                            <a:ea typeface="標楷體" panose="03000509000000000000" pitchFamily="65" charset="-120"/>
+                            <a:cs typeface="Times" panose="02020603050405020304" pitchFamily="18" charset="0"/>
+                          </a:rPr>
+                        </m:ctrlPr>
+                      </m:sSubPr>
+                      <m:e>
+                        <m:r>
+                          <a:rPr lang="en-US" altLang="zh-TW" sz="1800" b="0" i="1" smtClean="0">
+                            <a:latin typeface="Cambria Math" panose="02040503050406030204" pitchFamily="18" charset="0"/>
+                            <a:ea typeface="標楷體" panose="03000509000000000000" pitchFamily="65" charset="-120"/>
+                            <a:cs typeface="Times" panose="02020603050405020304" pitchFamily="18" charset="0"/>
+                          </a:rPr>
+                          <m:t>𝑑</m:t>
+                        </m:r>
+                      </m:e>
+                      <m:sub>
+                        <m:r>
+                          <a:rPr lang="en-US" altLang="zh-TW" sz="1800" b="0" i="1" smtClean="0">
+                            <a:latin typeface="Cambria Math" panose="02040503050406030204" pitchFamily="18" charset="0"/>
+                            <a:ea typeface="標楷體" panose="03000509000000000000" pitchFamily="65" charset="-120"/>
+                            <a:cs typeface="Times" panose="02020603050405020304" pitchFamily="18" charset="0"/>
+                          </a:rPr>
+                          <m:t>𝑘</m:t>
+                        </m:r>
+                        <m:r>
+                          <a:rPr lang="en-US" altLang="zh-TW" sz="1800" b="0" i="1" smtClean="0">
+                            <a:latin typeface="Cambria Math" panose="02040503050406030204" pitchFamily="18" charset="0"/>
+                            <a:ea typeface="標楷體" panose="03000509000000000000" pitchFamily="65" charset="-120"/>
+                            <a:cs typeface="Times" panose="02020603050405020304" pitchFamily="18" charset="0"/>
+                          </a:rPr>
+                          <m:t>,</m:t>
+                        </m:r>
+                        <m:r>
+                          <a:rPr lang="en-US" altLang="zh-TW" sz="1800" b="0" i="1" smtClean="0">
+                            <a:latin typeface="Cambria Math" panose="02040503050406030204" pitchFamily="18" charset="0"/>
+                            <a:ea typeface="標楷體" panose="03000509000000000000" pitchFamily="65" charset="-120"/>
+                            <a:cs typeface="Times" panose="02020603050405020304" pitchFamily="18" charset="0"/>
+                          </a:rPr>
+                          <m:t>𝑚</m:t>
+                        </m:r>
+                        <m:r>
+                          <a:rPr lang="en-US" altLang="zh-TW" sz="1800" b="0" i="1" smtClean="0">
+                            <a:latin typeface="Cambria Math" panose="02040503050406030204" pitchFamily="18" charset="0"/>
+                            <a:ea typeface="標楷體" panose="03000509000000000000" pitchFamily="65" charset="-120"/>
+                            <a:cs typeface="Times" panose="02020603050405020304" pitchFamily="18" charset="0"/>
+                          </a:rPr>
+                          <m:t>,</m:t>
+                        </m:r>
+                        <m:r>
+                          <a:rPr lang="en-US" altLang="zh-TW" sz="1800" b="0" i="1" smtClean="0">
+                            <a:latin typeface="Cambria Math" panose="02040503050406030204" pitchFamily="18" charset="0"/>
+                            <a:ea typeface="標楷體" panose="03000509000000000000" pitchFamily="65" charset="-120"/>
+                            <a:cs typeface="Times" panose="02020603050405020304" pitchFamily="18" charset="0"/>
+                          </a:rPr>
+                          <m:t>𝑛</m:t>
+                        </m:r>
+                      </m:sub>
+                    </m:sSub>
+                    <m:r>
+                      <a:rPr lang="en-US" altLang="zh-TW" sz="1800" b="0" i="1" smtClean="0">
+                        <a:latin typeface="Cambria Math" panose="02040503050406030204" pitchFamily="18" charset="0"/>
+                        <a:ea typeface="標楷體" panose="03000509000000000000" pitchFamily="65" charset="-120"/>
+                        <a:cs typeface="Times" panose="02020603050405020304" pitchFamily="18" charset="0"/>
+                      </a:rPr>
+                      <m:t> </m:t>
+                    </m:r>
+                  </m:oMath>
+                </a14:m>
+                <a:r>
+                  <a:rPr lang="en-US" altLang="zh-TW" sz="1800" dirty="0">
+                    <a:latin typeface="Times" panose="02020603050405020304" pitchFamily="18" charset="0"/>
+                    <a:ea typeface="標楷體" panose="03000509000000000000" pitchFamily="65" charset="-120"/>
+                    <a:cs typeface="Times" panose="02020603050405020304" pitchFamily="18" charset="0"/>
+                  </a:rPr>
+                  <a:t>denotes the metal density of each windows.</a:t>
+                </a:r>
+              </a:p>
+            </p:txBody>
+          </p:sp>
+        </mc:Choice>
+        <mc:Fallback>
+          <p:sp>
+            <p:nvSpPr>
+              <p:cNvPr id="3" name="內容版面配置區 2">
+                <a:extLst>
+                  <a:ext uri="{FF2B5EF4-FFF2-40B4-BE49-F238E27FC236}">
+                    <a16:creationId xmlns:a16="http://schemas.microsoft.com/office/drawing/2014/main" id="{6532586F-2B33-9C61-58DC-9046125E1570}"/>
+                  </a:ext>
+                </a:extLst>
+              </p:cNvPr>
+              <p:cNvSpPr>
+                <a:spLocks noGrp="1" noRot="1" noChangeAspect="1" noMove="1" noResize="1" noEditPoints="1" noAdjustHandles="1" noChangeArrowheads="1" noChangeShapeType="1" noTextEdit="1"/>
+              </p:cNvSpPr>
+              <p:nvPr>
+                <p:ph idx="1"/>
+              </p:nvPr>
+            </p:nvSpPr>
+            <p:spPr>
+              <a:xfrm>
+                <a:off x="838199" y="1825625"/>
+                <a:ext cx="11823551" cy="4895850"/>
+              </a:xfrm>
+              <a:blipFill>
+                <a:blip r:embed="rId3"/>
+                <a:stretch>
+                  <a:fillRect l="-567"/>
+                </a:stretch>
+              </a:blipFill>
+            </p:spPr>
+            <p:txBody>
+              <a:bodyPr/>
+              <a:lstStyle/>
+              <a:p>
+                <a:r>
+                  <a:rPr lang="zh-TW" altLang="en-US">
+                    <a:noFill/>
+                  </a:rPr>
+                  <a:t> </a:t>
+                </a:r>
+              </a:p>
+            </p:txBody>
+          </p:sp>
+        </mc:Fallback>
+      </mc:AlternateContent>
+      <p:sp>
+        <p:nvSpPr>
+          <p:cNvPr id="4" name="投影片編號版面配置區 3">
+            <a:extLst>
+              <a:ext uri="{FF2B5EF4-FFF2-40B4-BE49-F238E27FC236}">
+                <a16:creationId xmlns:a16="http://schemas.microsoft.com/office/drawing/2014/main" id="{4F34BD4F-A1A7-2695-B9CD-0B31024175B2}"/>
+              </a:ext>
+            </a:extLst>
+          </p:cNvPr>
+          <p:cNvSpPr>
+            <a:spLocks noGrp="1"/>
+          </p:cNvSpPr>
+          <p:nvPr>
+            <p:ph type="sldNum" sz="quarter" idx="12"/>
+          </p:nvPr>
+        </p:nvSpPr>
+        <p:spPr/>
+        <p:txBody>
+          <a:bodyPr/>
+          <a:lstStyle/>
+          <a:p>
+            <a:fld id="{666274A1-CF9C-426A-8DD4-B13ED0C24231}" type="slidenum">
+              <a:rPr lang="en-US" smtClean="0"/>
+              <a:t>22</a:t>
+            </a:fld>
+            <a:endParaRPr lang="en-US"/>
+          </a:p>
+        </p:txBody>
+      </p:sp>
+      <p:pic>
+        <p:nvPicPr>
+          <p:cNvPr id="6" name="圖片 5">
+            <a:extLst>
+              <a:ext uri="{FF2B5EF4-FFF2-40B4-BE49-F238E27FC236}">
+                <a16:creationId xmlns:a16="http://schemas.microsoft.com/office/drawing/2014/main" id="{23CA0547-CECD-06A5-7202-712C744CCB1A}"/>
+              </a:ext>
+            </a:extLst>
+          </p:cNvPr>
+          <p:cNvPicPr>
+            <a:picLocks noChangeAspect="1"/>
+          </p:cNvPicPr>
+          <p:nvPr/>
+        </p:nvPicPr>
+        <p:blipFill>
+          <a:blip r:embed="rId4"/>
+          <a:stretch>
+            <a:fillRect/>
+          </a:stretch>
+        </p:blipFill>
+        <p:spPr>
+          <a:xfrm>
+            <a:off x="6137446" y="441326"/>
+            <a:ext cx="4946307" cy="1565332"/>
+          </a:xfrm>
+          <a:prstGeom prst="rect">
+            <a:avLst/>
+          </a:prstGeom>
+        </p:spPr>
+      </p:pic>
+      <p:pic>
+        <p:nvPicPr>
+          <p:cNvPr id="7" name="圖片 6">
+            <a:extLst>
+              <a:ext uri="{FF2B5EF4-FFF2-40B4-BE49-F238E27FC236}">
+                <a16:creationId xmlns:a16="http://schemas.microsoft.com/office/drawing/2014/main" id="{0B4C5438-6FB7-5E0B-9957-C18EA226F08C}"/>
+              </a:ext>
+            </a:extLst>
+          </p:cNvPr>
+          <p:cNvPicPr>
+            <a:picLocks noChangeAspect="1"/>
+          </p:cNvPicPr>
+          <p:nvPr/>
+        </p:nvPicPr>
+        <p:blipFill>
+          <a:blip r:embed="rId5"/>
+          <a:stretch>
+            <a:fillRect/>
+          </a:stretch>
+        </p:blipFill>
+        <p:spPr>
+          <a:xfrm>
+            <a:off x="1575693" y="3085808"/>
+            <a:ext cx="3444539" cy="773497"/>
+          </a:xfrm>
+          <a:prstGeom prst="rect">
+            <a:avLst/>
+          </a:prstGeom>
+        </p:spPr>
+      </p:pic>
+    </p:spTree>
+    <p:extLst>
+      <p:ext uri="{BB962C8B-B14F-4D97-AF65-F5344CB8AC3E}">
+        <p14:creationId xmlns:p14="http://schemas.microsoft.com/office/powerpoint/2010/main" val="2695256811"/>
+      </p:ext>
+    </p:extLst>
+  </p:cSld>
+  <p:clrMapOvr>
+    <a:masterClrMapping/>
+  </p:clrMapOvr>
+</p:sld>
+</file>
+
+<file path=ppt/slides/slide24.xml><?xml version="1.0" encoding="utf-8"?>
+<p:sld xmlns:a="http://schemas.openxmlformats.org/drawingml/2006/main" xmlns:r="http://schemas.openxmlformats.org/officeDocument/2006/relationships" xmlns:p="http://schemas.openxmlformats.org/presentationml/2006/main">
+  <p:cSld>
+    <p:spTree>
+      <p:nvGrpSpPr>
+        <p:cNvPr id="1" name=""/>
+        <p:cNvGrpSpPr/>
+        <p:nvPr/>
+      </p:nvGrpSpPr>
+      <p:grpSpPr>
+        <a:xfrm>
+          <a:off x="0" y="0"/>
+          <a:ext cx="0" cy="0"/>
+          <a:chOff x="0" y="0"/>
+          <a:chExt cx="0" cy="0"/>
+        </a:xfrm>
+      </p:grpSpPr>
+      <p:sp>
+        <p:nvSpPr>
+          <p:cNvPr id="2" name="標題 1">
+            <a:extLst>
+              <a:ext uri="{FF2B5EF4-FFF2-40B4-BE49-F238E27FC236}">
+                <a16:creationId xmlns:a16="http://schemas.microsoft.com/office/drawing/2014/main" id="{F49B282A-FF7E-D28E-E7C9-7C9011B3A142}"/>
+              </a:ext>
+            </a:extLst>
+          </p:cNvPr>
+          <p:cNvSpPr>
+            <a:spLocks noGrp="1"/>
+          </p:cNvSpPr>
+          <p:nvPr>
+            <p:ph type="title"/>
+          </p:nvPr>
+        </p:nvSpPr>
+        <p:spPr/>
+        <p:txBody>
+          <a:bodyPr>
+            <a:normAutofit/>
+          </a:bodyPr>
+          <a:lstStyle/>
+          <a:p>
+            <a:r>
+              <a:rPr lang="en-US" altLang="zh-TW" sz="4000" dirty="0">
+                <a:latin typeface="Times" panose="02020603050405020304" pitchFamily="18" charset="0"/>
+                <a:cs typeface="Times" panose="02020603050405020304" pitchFamily="18" charset="0"/>
+              </a:rPr>
+              <a:t>Experimental Result</a:t>
+            </a:r>
+            <a:endParaRPr lang="zh-TW" altLang="en-US" sz="4000" dirty="0">
+              <a:latin typeface="Times" panose="02020603050405020304" pitchFamily="18" charset="0"/>
+              <a:cs typeface="Times" panose="02020603050405020304" pitchFamily="18" charset="0"/>
+            </a:endParaRPr>
+          </a:p>
+        </p:txBody>
+      </p:sp>
+      <mc:AlternateContent xmlns:mc="http://schemas.openxmlformats.org/markup-compatibility/2006">
+        <mc:Choice xmlns:a14="http://schemas.microsoft.com/office/drawing/2010/main" Requires="a14">
+          <p:sp>
+            <p:nvSpPr>
+              <p:cNvPr id="3" name="內容版面配置區 2">
+                <a:extLst>
+                  <a:ext uri="{FF2B5EF4-FFF2-40B4-BE49-F238E27FC236}">
+                    <a16:creationId xmlns:a16="http://schemas.microsoft.com/office/drawing/2014/main" id="{6532586F-2B33-9C61-58DC-9046125E1570}"/>
+                  </a:ext>
+                </a:extLst>
+              </p:cNvPr>
+              <p:cNvSpPr>
+                <a:spLocks noGrp="1"/>
+              </p:cNvSpPr>
+              <p:nvPr>
+                <p:ph idx="1"/>
+              </p:nvPr>
+            </p:nvSpPr>
+            <p:spPr>
+              <a:xfrm>
+                <a:off x="838199" y="1825625"/>
+                <a:ext cx="11823551" cy="4895850"/>
+              </a:xfrm>
+            </p:spPr>
+            <p:txBody>
+              <a:bodyPr>
+                <a:normAutofit/>
+              </a:bodyPr>
+              <a:lstStyle/>
+              <a:p>
+                <a:pPr>
+                  <a:lnSpc>
+                    <a:spcPct val="150000"/>
+                  </a:lnSpc>
+                </a:pPr>
+                <a:r>
+                  <a:rPr lang="en-US" altLang="zh-TW" sz="2200" dirty="0">
+                    <a:latin typeface="Times" panose="02020603050405020304" pitchFamily="18" charset="0"/>
+                    <a:ea typeface="標楷體" panose="03000509000000000000" pitchFamily="65" charset="-120"/>
+                    <a:cs typeface="Times" panose="02020603050405020304" pitchFamily="18" charset="0"/>
+                  </a:rPr>
+                  <a:t>Lateral Capacitance (LC)</a:t>
+                </a:r>
+              </a:p>
+              <a:p>
+                <a:pPr lvl="1">
+                  <a:lnSpc>
+                    <a:spcPct val="150000"/>
+                  </a:lnSpc>
+                </a:pPr>
+                <a:r>
+                  <a:rPr lang="en-US" altLang="zh-TW" sz="2000" dirty="0">
+                    <a:latin typeface="Times" panose="02020603050405020304" pitchFamily="18" charset="0"/>
+                    <a:ea typeface="標楷體" panose="03000509000000000000" pitchFamily="65" charset="-120"/>
+                    <a:cs typeface="Times" panose="02020603050405020304" pitchFamily="18" charset="0"/>
+                  </a:rPr>
+                  <a:t>Computes the capacitance formed by the conductors on the same layer.</a:t>
+                </a:r>
+              </a:p>
+              <a:p>
+                <a:pPr lvl="1">
+                  <a:lnSpc>
+                    <a:spcPct val="150000"/>
+                  </a:lnSpc>
+                </a:pPr>
+                <a:r>
+                  <a:rPr lang="en-US" altLang="zh-TW" sz="2000" dirty="0">
+                    <a:latin typeface="Times" panose="02020603050405020304" pitchFamily="18" charset="0"/>
+                    <a:ea typeface="標楷體" panose="03000509000000000000" pitchFamily="65" charset="-120"/>
+                    <a:cs typeface="Times" panose="02020603050405020304" pitchFamily="18" charset="0"/>
+                  </a:rPr>
+                  <a:t> </a:t>
+                </a:r>
+                <a14:m>
+                  <m:oMath xmlns:m="http://schemas.openxmlformats.org/officeDocument/2006/math">
+                    <m:r>
+                      <a:rPr lang="en-US" altLang="zh-TW" sz="2000" b="0" i="1" smtClean="0">
+                        <a:latin typeface="Cambria Math" panose="02040503050406030204" pitchFamily="18" charset="0"/>
+                        <a:ea typeface="標楷體" panose="03000509000000000000" pitchFamily="65" charset="-120"/>
+                        <a:cs typeface="Times" panose="02020603050405020304" pitchFamily="18" charset="0"/>
+                      </a:rPr>
+                      <m:t>𝐿𝐶</m:t>
+                    </m:r>
+                    <m:r>
+                      <a:rPr lang="en-US" altLang="zh-TW" sz="2000" b="0" i="1" smtClean="0">
+                        <a:latin typeface="Cambria Math" panose="02040503050406030204" pitchFamily="18" charset="0"/>
+                        <a:ea typeface="標楷體" panose="03000509000000000000" pitchFamily="65" charset="-120"/>
+                        <a:cs typeface="Times" panose="02020603050405020304" pitchFamily="18" charset="0"/>
+                      </a:rPr>
+                      <m:t>= </m:t>
+                    </m:r>
+                    <m:sSub>
+                      <m:sSubPr>
+                        <m:ctrlPr>
+                          <a:rPr lang="en-US" altLang="zh-TW" sz="2000" b="0" i="1" smtClean="0">
+                            <a:latin typeface="Cambria Math" panose="02040503050406030204" pitchFamily="18" charset="0"/>
+                            <a:ea typeface="標楷體" panose="03000509000000000000" pitchFamily="65" charset="-120"/>
+                            <a:cs typeface="Times" panose="02020603050405020304" pitchFamily="18" charset="0"/>
+                          </a:rPr>
+                        </m:ctrlPr>
+                      </m:sSubPr>
+                      <m:e>
+                        <m:r>
+                          <a:rPr lang="en-US" altLang="zh-TW" sz="2000" b="0" i="1" smtClean="0">
+                            <a:latin typeface="Cambria Math" panose="02040503050406030204" pitchFamily="18" charset="0"/>
+                            <a:ea typeface="標楷體" panose="03000509000000000000" pitchFamily="65" charset="-120"/>
+                            <a:cs typeface="Times" panose="02020603050405020304" pitchFamily="18" charset="0"/>
+                          </a:rPr>
+                          <m:t>𝑃</m:t>
+                        </m:r>
+                      </m:e>
+                      <m:sub>
+                        <m:r>
+                          <a:rPr lang="en-US" altLang="zh-TW" sz="2000" b="0" i="1" smtClean="0">
+                            <a:latin typeface="Cambria Math" panose="02040503050406030204" pitchFamily="18" charset="0"/>
+                            <a:ea typeface="標楷體" panose="03000509000000000000" pitchFamily="65" charset="-120"/>
+                            <a:cs typeface="Times" panose="02020603050405020304" pitchFamily="18" charset="0"/>
+                          </a:rPr>
+                          <m:t>𝑙</m:t>
+                        </m:r>
+                      </m:sub>
+                    </m:sSub>
+                    <m:d>
+                      <m:dPr>
+                        <m:ctrlPr>
+                          <a:rPr lang="en-US" altLang="zh-TW" sz="2000" b="0" i="1" smtClean="0">
+                            <a:latin typeface="Cambria Math" panose="02040503050406030204" pitchFamily="18" charset="0"/>
+                            <a:ea typeface="標楷體" panose="03000509000000000000" pitchFamily="65" charset="-120"/>
+                            <a:cs typeface="Times" panose="02020603050405020304" pitchFamily="18" charset="0"/>
+                          </a:rPr>
+                        </m:ctrlPr>
+                      </m:dPr>
+                      <m:e>
+                        <m:r>
+                          <a:rPr lang="en-US" altLang="zh-TW" sz="2000" b="0" i="1" smtClean="0">
+                            <a:latin typeface="Cambria Math" panose="02040503050406030204" pitchFamily="18" charset="0"/>
+                            <a:ea typeface="標楷體" panose="03000509000000000000" pitchFamily="65" charset="-120"/>
+                            <a:cs typeface="Times" panose="02020603050405020304" pitchFamily="18" charset="0"/>
+                          </a:rPr>
+                          <m:t>𝑑</m:t>
+                        </m:r>
+                      </m:e>
+                    </m:d>
+                    <m:r>
+                      <a:rPr lang="en-US" altLang="zh-TW" sz="2000" b="0" i="1" smtClean="0">
+                        <a:latin typeface="Cambria Math" panose="02040503050406030204" pitchFamily="18" charset="0"/>
+                        <a:ea typeface="標楷體" panose="03000509000000000000" pitchFamily="65" charset="-120"/>
+                        <a:cs typeface="Times" panose="02020603050405020304" pitchFamily="18" charset="0"/>
+                      </a:rPr>
+                      <m:t> </m:t>
+                    </m:r>
+                    <m:r>
+                      <a:rPr lang="en-US" altLang="zh-TW" sz="2000" b="0" i="1" smtClean="0">
+                        <a:latin typeface="Cambria Math" panose="02040503050406030204" pitchFamily="18" charset="0"/>
+                        <a:ea typeface="Cambria Math" panose="02040503050406030204" pitchFamily="18" charset="0"/>
+                        <a:cs typeface="Times" panose="02020603050405020304" pitchFamily="18" charset="0"/>
+                      </a:rPr>
+                      <m:t>×</m:t>
+                    </m:r>
+                    <m:r>
+                      <a:rPr lang="en-US" altLang="zh-TW" sz="2000" b="0" i="1" smtClean="0">
+                        <a:latin typeface="Cambria Math" panose="02040503050406030204" pitchFamily="18" charset="0"/>
+                        <a:ea typeface="Cambria Math" panose="02040503050406030204" pitchFamily="18" charset="0"/>
+                        <a:cs typeface="Times" panose="02020603050405020304" pitchFamily="18" charset="0"/>
+                      </a:rPr>
+                      <m:t>𝑙</m:t>
+                    </m:r>
+                  </m:oMath>
+                </a14:m>
+                <a:endParaRPr lang="en-US" altLang="zh-TW" sz="2000" dirty="0">
+                  <a:latin typeface="Times" panose="02020603050405020304" pitchFamily="18" charset="0"/>
+                  <a:ea typeface="標楷體" panose="03000509000000000000" pitchFamily="65" charset="-120"/>
+                  <a:cs typeface="Times" panose="02020603050405020304" pitchFamily="18" charset="0"/>
+                </a:endParaRPr>
+              </a:p>
+              <a:p>
+                <a:pPr marL="457200" lvl="1" indent="0">
+                  <a:lnSpc>
+                    <a:spcPct val="150000"/>
+                  </a:lnSpc>
+                  <a:buNone/>
+                </a:pPr>
+                <a:endParaRPr lang="en-US" altLang="zh-TW" sz="2000" dirty="0">
+                  <a:latin typeface="Times" panose="02020603050405020304" pitchFamily="18" charset="0"/>
+                  <a:ea typeface="標楷體" panose="03000509000000000000" pitchFamily="65" charset="-120"/>
+                  <a:cs typeface="Times" panose="02020603050405020304" pitchFamily="18" charset="0"/>
+                </a:endParaRPr>
+              </a:p>
+              <a:p>
+                <a:pPr marL="457200" lvl="1" indent="0">
+                  <a:lnSpc>
+                    <a:spcPct val="150000"/>
+                  </a:lnSpc>
+                  <a:buNone/>
+                </a:pPr>
+                <a:endParaRPr lang="en-US" altLang="zh-TW" sz="2000" dirty="0">
+                  <a:latin typeface="Times" panose="02020603050405020304" pitchFamily="18" charset="0"/>
+                  <a:ea typeface="標楷體" panose="03000509000000000000" pitchFamily="65" charset="-120"/>
+                  <a:cs typeface="Times" panose="02020603050405020304" pitchFamily="18" charset="0"/>
+                </a:endParaRPr>
+              </a:p>
+              <a:p>
+                <a:pPr lvl="1">
+                  <a:lnSpc>
+                    <a:spcPct val="150000"/>
+                  </a:lnSpc>
+                  <a:buFont typeface="Wingdings" panose="05000000000000000000" pitchFamily="2" charset="2"/>
+                  <a:buChar char="Ø"/>
+                </a:pPr>
+                <a:r>
+                  <a:rPr lang="en-US" altLang="zh-TW" sz="1800" dirty="0">
+                    <a:latin typeface="Times" panose="02020603050405020304" pitchFamily="18" charset="0"/>
+                    <a:ea typeface="標楷體" panose="03000509000000000000" pitchFamily="65" charset="-120"/>
+                    <a:cs typeface="Times" panose="02020603050405020304" pitchFamily="18" charset="0"/>
+                  </a:rPr>
+                  <a:t> </a:t>
+                </a:r>
+                <a14:m>
+                  <m:oMath xmlns:m="http://schemas.openxmlformats.org/officeDocument/2006/math">
+                    <m:r>
+                      <a:rPr lang="en-US" altLang="zh-TW" sz="1800" b="0" i="1" smtClean="0">
+                        <a:latin typeface="Cambria Math" panose="02040503050406030204" pitchFamily="18" charset="0"/>
+                        <a:ea typeface="標楷體" panose="03000509000000000000" pitchFamily="65" charset="-120"/>
+                        <a:cs typeface="Times" panose="02020603050405020304" pitchFamily="18" charset="0"/>
+                      </a:rPr>
+                      <m:t>𝑙</m:t>
+                    </m:r>
+                    <m:r>
+                      <a:rPr lang="en-US" altLang="zh-TW" sz="1800" b="0" i="1" smtClean="0">
+                        <a:latin typeface="Cambria Math" panose="02040503050406030204" pitchFamily="18" charset="0"/>
+                        <a:ea typeface="標楷體" panose="03000509000000000000" pitchFamily="65" charset="-120"/>
+                        <a:cs typeface="Times" panose="02020603050405020304" pitchFamily="18" charset="0"/>
+                      </a:rPr>
+                      <m:t>: </m:t>
+                    </m:r>
+                  </m:oMath>
+                </a14:m>
+                <a:r>
+                  <a:rPr lang="en-US" altLang="zh-TW" sz="1800" dirty="0">
+                    <a:latin typeface="Times" panose="02020603050405020304" pitchFamily="18" charset="0"/>
+                    <a:ea typeface="標楷體" panose="03000509000000000000" pitchFamily="65" charset="-120"/>
+                    <a:cs typeface="Times" panose="02020603050405020304" pitchFamily="18" charset="0"/>
+                  </a:rPr>
+                  <a:t>length of parallel edges of conductors.</a:t>
+                </a:r>
+              </a:p>
+              <a:p>
+                <a:pPr lvl="1">
+                  <a:lnSpc>
+                    <a:spcPct val="150000"/>
+                  </a:lnSpc>
+                  <a:buFont typeface="Wingdings" panose="05000000000000000000" pitchFamily="2" charset="2"/>
+                  <a:buChar char="Ø"/>
+                </a:pPr>
+                <a:r>
+                  <a:rPr lang="en-US" altLang="zh-TW" sz="1800" dirty="0">
+                    <a:latin typeface="Times" panose="02020603050405020304" pitchFamily="18" charset="0"/>
+                    <a:ea typeface="標楷體" panose="03000509000000000000" pitchFamily="65" charset="-120"/>
+                    <a:cs typeface="Times" panose="02020603050405020304" pitchFamily="18" charset="0"/>
+                  </a:rPr>
+                  <a:t> </a:t>
+                </a:r>
+                <a14:m>
+                  <m:oMath xmlns:m="http://schemas.openxmlformats.org/officeDocument/2006/math">
+                    <m:r>
+                      <a:rPr lang="en-US" altLang="zh-TW" sz="1800" b="0" i="1" smtClean="0">
+                        <a:latin typeface="Cambria Math" panose="02040503050406030204" pitchFamily="18" charset="0"/>
+                        <a:ea typeface="標楷體" panose="03000509000000000000" pitchFamily="65" charset="-120"/>
+                        <a:cs typeface="Times" panose="02020603050405020304" pitchFamily="18" charset="0"/>
+                      </a:rPr>
+                      <m:t>𝑑</m:t>
+                    </m:r>
+                    <m:r>
+                      <a:rPr lang="en-US" altLang="zh-TW" sz="1800" b="0" i="1" smtClean="0">
+                        <a:latin typeface="Cambria Math" panose="02040503050406030204" pitchFamily="18" charset="0"/>
+                        <a:ea typeface="標楷體" panose="03000509000000000000" pitchFamily="65" charset="-120"/>
+                        <a:cs typeface="Times" panose="02020603050405020304" pitchFamily="18" charset="0"/>
+                      </a:rPr>
+                      <m:t>: </m:t>
+                    </m:r>
+                  </m:oMath>
+                </a14:m>
+                <a:r>
+                  <a:rPr lang="en-US" altLang="zh-TW" sz="1800" dirty="0">
+                    <a:latin typeface="Times" panose="02020603050405020304" pitchFamily="18" charset="0"/>
+                    <a:ea typeface="標楷體" panose="03000509000000000000" pitchFamily="65" charset="-120"/>
+                    <a:cs typeface="Times" panose="02020603050405020304" pitchFamily="18" charset="0"/>
+                  </a:rPr>
+                  <a:t>the distance between parallel edges.</a:t>
+                </a:r>
+              </a:p>
+              <a:p>
+                <a:pPr lvl="1">
+                  <a:lnSpc>
+                    <a:spcPct val="150000"/>
+                  </a:lnSpc>
+                  <a:buFont typeface="Wingdings" panose="05000000000000000000" pitchFamily="2" charset="2"/>
+                  <a:buChar char="Ø"/>
+                </a:pPr>
+                <a:r>
+                  <a:rPr lang="en-US" altLang="zh-TW" sz="1800" dirty="0">
+                    <a:latin typeface="Times" panose="02020603050405020304" pitchFamily="18" charset="0"/>
+                    <a:ea typeface="標楷體" panose="03000509000000000000" pitchFamily="65" charset="-120"/>
+                    <a:cs typeface="Times" panose="02020603050405020304" pitchFamily="18" charset="0"/>
+                  </a:rPr>
+                  <a:t> </a:t>
+                </a:r>
+                <a14:m>
+                  <m:oMath xmlns:m="http://schemas.openxmlformats.org/officeDocument/2006/math">
+                    <m:sSub>
+                      <m:sSubPr>
+                        <m:ctrlPr>
+                          <a:rPr lang="en-US" altLang="zh-TW" sz="1800" i="1" smtClean="0">
+                            <a:latin typeface="Cambria Math" panose="02040503050406030204" pitchFamily="18" charset="0"/>
+                            <a:ea typeface="標楷體" panose="03000509000000000000" pitchFamily="65" charset="-120"/>
+                            <a:cs typeface="Times" panose="02020603050405020304" pitchFamily="18" charset="0"/>
+                          </a:rPr>
+                        </m:ctrlPr>
+                      </m:sSubPr>
+                      <m:e>
+                        <m:r>
+                          <a:rPr lang="en-US" altLang="zh-TW" sz="1800" b="0" i="1" smtClean="0">
+                            <a:latin typeface="Cambria Math" panose="02040503050406030204" pitchFamily="18" charset="0"/>
+                            <a:ea typeface="標楷體" panose="03000509000000000000" pitchFamily="65" charset="-120"/>
+                            <a:cs typeface="Times" panose="02020603050405020304" pitchFamily="18" charset="0"/>
+                          </a:rPr>
+                          <m:t>𝑃</m:t>
+                        </m:r>
+                      </m:e>
+                      <m:sub>
+                        <m:r>
+                          <a:rPr lang="en-US" altLang="zh-TW" sz="1800" b="0" i="1" smtClean="0">
+                            <a:latin typeface="Cambria Math" panose="02040503050406030204" pitchFamily="18" charset="0"/>
+                            <a:ea typeface="標楷體" panose="03000509000000000000" pitchFamily="65" charset="-120"/>
+                            <a:cs typeface="Times" panose="02020603050405020304" pitchFamily="18" charset="0"/>
+                          </a:rPr>
+                          <m:t>𝑙</m:t>
+                        </m:r>
+                      </m:sub>
+                    </m:sSub>
+                    <m:r>
+                      <a:rPr lang="en-US" altLang="zh-TW" sz="1800" b="0" i="1" smtClean="0">
+                        <a:latin typeface="Cambria Math" panose="02040503050406030204" pitchFamily="18" charset="0"/>
+                        <a:ea typeface="標楷體" panose="03000509000000000000" pitchFamily="65" charset="-120"/>
+                        <a:cs typeface="Times" panose="02020603050405020304" pitchFamily="18" charset="0"/>
+                      </a:rPr>
+                      <m:t>: </m:t>
+                    </m:r>
+                  </m:oMath>
+                </a14:m>
+                <a:r>
+                  <a:rPr lang="en-US" altLang="zh-TW" sz="1800" dirty="0">
+                    <a:latin typeface="Times" panose="02020603050405020304" pitchFamily="18" charset="0"/>
+                    <a:ea typeface="標楷體" panose="03000509000000000000" pitchFamily="65" charset="-120"/>
+                    <a:cs typeface="Times" panose="02020603050405020304" pitchFamily="18" charset="0"/>
+                  </a:rPr>
+                  <a:t>lateral capacitance per unit length.</a:t>
+                </a:r>
+              </a:p>
+            </p:txBody>
+          </p:sp>
+        </mc:Choice>
+        <mc:Fallback>
+          <p:sp>
+            <p:nvSpPr>
+              <p:cNvPr id="3" name="內容版面配置區 2">
+                <a:extLst>
+                  <a:ext uri="{FF2B5EF4-FFF2-40B4-BE49-F238E27FC236}">
+                    <a16:creationId xmlns:a16="http://schemas.microsoft.com/office/drawing/2014/main" id="{6532586F-2B33-9C61-58DC-9046125E1570}"/>
+                  </a:ext>
+                </a:extLst>
+              </p:cNvPr>
+              <p:cNvSpPr>
+                <a:spLocks noGrp="1" noRot="1" noChangeAspect="1" noMove="1" noResize="1" noEditPoints="1" noAdjustHandles="1" noChangeArrowheads="1" noChangeShapeType="1" noTextEdit="1"/>
+              </p:cNvSpPr>
+              <p:nvPr>
+                <p:ph idx="1"/>
+              </p:nvPr>
+            </p:nvSpPr>
+            <p:spPr>
+              <a:xfrm>
+                <a:off x="838199" y="1825625"/>
+                <a:ext cx="11823551" cy="4895850"/>
+              </a:xfrm>
+              <a:blipFill>
+                <a:blip r:embed="rId3"/>
+                <a:stretch>
+                  <a:fillRect l="-567"/>
+                </a:stretch>
+              </a:blipFill>
+            </p:spPr>
+            <p:txBody>
+              <a:bodyPr/>
+              <a:lstStyle/>
+              <a:p>
+                <a:r>
+                  <a:rPr lang="zh-TW" altLang="en-US">
+                    <a:noFill/>
+                  </a:rPr>
+                  <a:t> </a:t>
+                </a:r>
+              </a:p>
+            </p:txBody>
+          </p:sp>
+        </mc:Fallback>
+      </mc:AlternateContent>
+      <p:sp>
+        <p:nvSpPr>
+          <p:cNvPr id="4" name="投影片編號版面配置區 3">
+            <a:extLst>
+              <a:ext uri="{FF2B5EF4-FFF2-40B4-BE49-F238E27FC236}">
+                <a16:creationId xmlns:a16="http://schemas.microsoft.com/office/drawing/2014/main" id="{4F34BD4F-A1A7-2695-B9CD-0B31024175B2}"/>
+              </a:ext>
+            </a:extLst>
+          </p:cNvPr>
+          <p:cNvSpPr>
+            <a:spLocks noGrp="1"/>
+          </p:cNvSpPr>
+          <p:nvPr>
+            <p:ph type="sldNum" sz="quarter" idx="12"/>
+          </p:nvPr>
+        </p:nvSpPr>
+        <p:spPr/>
+        <p:txBody>
+          <a:bodyPr/>
+          <a:lstStyle/>
+          <a:p>
+            <a:fld id="{666274A1-CF9C-426A-8DD4-B13ED0C24231}" type="slidenum">
+              <a:rPr lang="en-US" smtClean="0"/>
+              <a:t>23</a:t>
+            </a:fld>
+            <a:endParaRPr lang="en-US"/>
+          </a:p>
+        </p:txBody>
+      </p:sp>
+      <p:pic>
+        <p:nvPicPr>
+          <p:cNvPr id="6" name="圖片 5">
+            <a:extLst>
+              <a:ext uri="{FF2B5EF4-FFF2-40B4-BE49-F238E27FC236}">
+                <a16:creationId xmlns:a16="http://schemas.microsoft.com/office/drawing/2014/main" id="{23CA0547-CECD-06A5-7202-712C744CCB1A}"/>
+              </a:ext>
+            </a:extLst>
+          </p:cNvPr>
+          <p:cNvPicPr>
+            <a:picLocks noChangeAspect="1"/>
+          </p:cNvPicPr>
+          <p:nvPr/>
+        </p:nvPicPr>
+        <p:blipFill>
+          <a:blip r:embed="rId4"/>
+          <a:stretch>
+            <a:fillRect/>
+          </a:stretch>
+        </p:blipFill>
+        <p:spPr>
+          <a:xfrm>
+            <a:off x="6137446" y="441326"/>
+            <a:ext cx="4946307" cy="1565332"/>
+          </a:xfrm>
+          <a:prstGeom prst="rect">
+            <a:avLst/>
+          </a:prstGeom>
+        </p:spPr>
+      </p:pic>
+    </p:spTree>
+    <p:extLst>
+      <p:ext uri="{BB962C8B-B14F-4D97-AF65-F5344CB8AC3E}">
+        <p14:creationId xmlns:p14="http://schemas.microsoft.com/office/powerpoint/2010/main" val="1585446681"/>
+      </p:ext>
+    </p:extLst>
+  </p:cSld>
+  <p:clrMapOvr>
+    <a:masterClrMapping/>
+  </p:clrMapOvr>
+</p:sld>
+</file>
+
+<file path=ppt/slides/slide25.xml><?xml version="1.0" encoding="utf-8"?>
+<p:sld xmlns:a="http://schemas.openxmlformats.org/drawingml/2006/main" xmlns:r="http://schemas.openxmlformats.org/officeDocument/2006/relationships" xmlns:p="http://schemas.openxmlformats.org/presentationml/2006/main">
+  <p:cSld>
+    <p:spTree>
+      <p:nvGrpSpPr>
+        <p:cNvPr id="1" name=""/>
+        <p:cNvGrpSpPr/>
+        <p:nvPr/>
+      </p:nvGrpSpPr>
+      <p:grpSpPr>
+        <a:xfrm>
+          <a:off x="0" y="0"/>
+          <a:ext cx="0" cy="0"/>
+          <a:chOff x="0" y="0"/>
+          <a:chExt cx="0" cy="0"/>
+        </a:xfrm>
+      </p:grpSpPr>
+      <p:sp>
+        <p:nvSpPr>
+          <p:cNvPr id="2" name="標題 1">
+            <a:extLst>
+              <a:ext uri="{FF2B5EF4-FFF2-40B4-BE49-F238E27FC236}">
+                <a16:creationId xmlns:a16="http://schemas.microsoft.com/office/drawing/2014/main" id="{F49B282A-FF7E-D28E-E7C9-7C9011B3A142}"/>
+              </a:ext>
+            </a:extLst>
+          </p:cNvPr>
+          <p:cNvSpPr>
+            <a:spLocks noGrp="1"/>
+          </p:cNvSpPr>
+          <p:nvPr>
+            <p:ph type="title"/>
+          </p:nvPr>
+        </p:nvSpPr>
+        <p:spPr/>
+        <p:txBody>
+          <a:bodyPr>
+            <a:normAutofit/>
+          </a:bodyPr>
+          <a:lstStyle/>
+          <a:p>
+            <a:r>
+              <a:rPr lang="en-US" altLang="zh-TW" sz="4000" dirty="0">
+                <a:latin typeface="Times" panose="02020603050405020304" pitchFamily="18" charset="0"/>
+                <a:cs typeface="Times" panose="02020603050405020304" pitchFamily="18" charset="0"/>
+              </a:rPr>
+              <a:t>Experimental Result</a:t>
+            </a:r>
+            <a:endParaRPr lang="zh-TW" altLang="en-US" sz="4000" dirty="0">
+              <a:latin typeface="Times" panose="02020603050405020304" pitchFamily="18" charset="0"/>
+              <a:cs typeface="Times" panose="02020603050405020304" pitchFamily="18" charset="0"/>
+            </a:endParaRPr>
+          </a:p>
+        </p:txBody>
+      </p:sp>
+      <mc:AlternateContent xmlns:mc="http://schemas.openxmlformats.org/markup-compatibility/2006">
+        <mc:Choice xmlns:a14="http://schemas.microsoft.com/office/drawing/2010/main" Requires="a14">
+          <p:sp>
+            <p:nvSpPr>
+              <p:cNvPr id="3" name="內容版面配置區 2">
+                <a:extLst>
+                  <a:ext uri="{FF2B5EF4-FFF2-40B4-BE49-F238E27FC236}">
+                    <a16:creationId xmlns:a16="http://schemas.microsoft.com/office/drawing/2014/main" id="{6532586F-2B33-9C61-58DC-9046125E1570}"/>
+                  </a:ext>
+                </a:extLst>
+              </p:cNvPr>
+              <p:cNvSpPr>
+                <a:spLocks noGrp="1"/>
+              </p:cNvSpPr>
+              <p:nvPr>
+                <p:ph idx="1"/>
+              </p:nvPr>
+            </p:nvSpPr>
+            <p:spPr>
+              <a:xfrm>
+                <a:off x="838199" y="1825625"/>
+                <a:ext cx="11823551" cy="4895850"/>
+              </a:xfrm>
+            </p:spPr>
+            <p:txBody>
+              <a:bodyPr>
+                <a:normAutofit/>
+              </a:bodyPr>
+              <a:lstStyle/>
+              <a:p>
+                <a:pPr>
+                  <a:lnSpc>
+                    <a:spcPct val="150000"/>
+                  </a:lnSpc>
+                </a:pPr>
+                <a:r>
+                  <a:rPr lang="en-US" altLang="zh-TW" sz="2200" dirty="0">
+                    <a:latin typeface="Times" panose="02020603050405020304" pitchFamily="18" charset="0"/>
+                    <a:ea typeface="標楷體" panose="03000509000000000000" pitchFamily="65" charset="-120"/>
+                    <a:cs typeface="Times" panose="02020603050405020304" pitchFamily="18" charset="0"/>
+                  </a:rPr>
+                  <a:t>Fill Amount (FA)</a:t>
+                </a:r>
+              </a:p>
+              <a:p>
+                <a:pPr lvl="1">
+                  <a:lnSpc>
+                    <a:spcPct val="150000"/>
+                  </a:lnSpc>
+                </a:pPr>
+                <a:r>
+                  <a:rPr lang="en-US" altLang="zh-TW" sz="2000" dirty="0">
+                    <a:latin typeface="Times" panose="02020603050405020304" pitchFamily="18" charset="0"/>
+                    <a:ea typeface="標楷體" panose="03000509000000000000" pitchFamily="65" charset="-120"/>
+                    <a:cs typeface="Times" panose="02020603050405020304" pitchFamily="18" charset="0"/>
+                  </a:rPr>
+                  <a:t>Computes the total fill amount of each window across layers.</a:t>
+                </a:r>
+              </a:p>
+              <a:p>
+                <a:pPr lvl="1">
+                  <a:lnSpc>
+                    <a:spcPct val="150000"/>
+                  </a:lnSpc>
+                </a:pPr>
+                <a:endParaRPr lang="en-US" altLang="zh-TW" sz="1400" dirty="0">
+                  <a:latin typeface="Times" panose="02020603050405020304" pitchFamily="18" charset="0"/>
+                  <a:ea typeface="標楷體" panose="03000509000000000000" pitchFamily="65" charset="-120"/>
+                  <a:cs typeface="Times" panose="02020603050405020304" pitchFamily="18" charset="0"/>
+                </a:endParaRPr>
+              </a:p>
+              <a:p>
+                <a:pPr lvl="1">
+                  <a:lnSpc>
+                    <a:spcPct val="150000"/>
+                  </a:lnSpc>
+                </a:pPr>
+                <a:r>
+                  <a:rPr lang="en-US" altLang="zh-TW" sz="2000" dirty="0">
+                    <a:latin typeface="Times" panose="02020603050405020304" pitchFamily="18" charset="0"/>
+                    <a:ea typeface="標楷體" panose="03000509000000000000" pitchFamily="65" charset="-120"/>
+                    <a:cs typeface="Times" panose="02020603050405020304" pitchFamily="18" charset="0"/>
+                  </a:rPr>
+                  <a:t> </a:t>
+                </a:r>
+              </a:p>
+              <a:p>
+                <a:pPr marL="457200" lvl="1" indent="0">
+                  <a:lnSpc>
+                    <a:spcPct val="150000"/>
+                  </a:lnSpc>
+                  <a:buNone/>
+                </a:pPr>
+                <a:endParaRPr lang="en-US" altLang="zh-TW" sz="2000" dirty="0">
+                  <a:latin typeface="Times" panose="02020603050405020304" pitchFamily="18" charset="0"/>
+                  <a:ea typeface="標楷體" panose="03000509000000000000" pitchFamily="65" charset="-120"/>
+                  <a:cs typeface="Times" panose="02020603050405020304" pitchFamily="18" charset="0"/>
+                </a:endParaRPr>
+              </a:p>
+              <a:p>
+                <a:pPr marL="457200" lvl="1" indent="0">
+                  <a:lnSpc>
+                    <a:spcPct val="150000"/>
+                  </a:lnSpc>
+                  <a:buNone/>
+                </a:pPr>
+                <a:endParaRPr lang="en-US" altLang="zh-TW" sz="2000" dirty="0">
+                  <a:latin typeface="Times" panose="02020603050405020304" pitchFamily="18" charset="0"/>
+                  <a:ea typeface="標楷體" panose="03000509000000000000" pitchFamily="65" charset="-120"/>
+                  <a:cs typeface="Times" panose="02020603050405020304" pitchFamily="18" charset="0"/>
+                </a:endParaRPr>
+              </a:p>
+              <a:p>
+                <a:pPr lvl="1">
+                  <a:lnSpc>
+                    <a:spcPct val="150000"/>
+                  </a:lnSpc>
+                  <a:buFont typeface="Wingdings" panose="05000000000000000000" pitchFamily="2" charset="2"/>
+                  <a:buChar char="Ø"/>
+                </a:pPr>
+                <a:r>
+                  <a:rPr lang="en-US" altLang="zh-TW" sz="1800" dirty="0">
+                    <a:latin typeface="Times" panose="02020603050405020304" pitchFamily="18" charset="0"/>
+                    <a:ea typeface="標楷體" panose="03000509000000000000" pitchFamily="65" charset="-120"/>
+                    <a:cs typeface="Times" panose="02020603050405020304" pitchFamily="18" charset="0"/>
+                  </a:rPr>
+                  <a:t> </a:t>
+                </a:r>
+                <a14:m>
+                  <m:oMath xmlns:m="http://schemas.openxmlformats.org/officeDocument/2006/math">
+                    <m:r>
+                      <a:rPr lang="en-US" altLang="zh-TW" sz="1800" b="0" i="1" smtClean="0">
+                        <a:latin typeface="Cambria Math" panose="02040503050406030204" pitchFamily="18" charset="0"/>
+                        <a:ea typeface="標楷體" panose="03000509000000000000" pitchFamily="65" charset="-120"/>
+                        <a:cs typeface="Times" panose="02020603050405020304" pitchFamily="18" charset="0"/>
+                      </a:rPr>
+                      <m:t>#</m:t>
+                    </m:r>
+                    <m:sSub>
+                      <m:sSubPr>
+                        <m:ctrlPr>
+                          <a:rPr lang="en-US" altLang="zh-TW" sz="1800" b="0" i="1" smtClean="0">
+                            <a:latin typeface="Cambria Math" panose="02040503050406030204" pitchFamily="18" charset="0"/>
+                            <a:ea typeface="標楷體" panose="03000509000000000000" pitchFamily="65" charset="-120"/>
+                            <a:cs typeface="Times" panose="02020603050405020304" pitchFamily="18" charset="0"/>
+                          </a:rPr>
+                        </m:ctrlPr>
+                      </m:sSubPr>
+                      <m:e>
+                        <m:r>
+                          <a:rPr lang="en-US" altLang="zh-TW" sz="1800" b="0" i="1" smtClean="0">
+                            <a:latin typeface="Cambria Math" panose="02040503050406030204" pitchFamily="18" charset="0"/>
+                            <a:ea typeface="標楷體" panose="03000509000000000000" pitchFamily="65" charset="-120"/>
+                            <a:cs typeface="Times" panose="02020603050405020304" pitchFamily="18" charset="0"/>
+                          </a:rPr>
+                          <m:t>𝑓𝑖𝑙𝑙</m:t>
+                        </m:r>
+                      </m:e>
+                      <m:sub>
+                        <m:r>
+                          <a:rPr lang="en-US" altLang="zh-TW" sz="1800" b="0" i="1" smtClean="0">
+                            <a:latin typeface="Cambria Math" panose="02040503050406030204" pitchFamily="18" charset="0"/>
+                            <a:ea typeface="標楷體" panose="03000509000000000000" pitchFamily="65" charset="-120"/>
+                            <a:cs typeface="Times" panose="02020603050405020304" pitchFamily="18" charset="0"/>
+                          </a:rPr>
+                          <m:t>𝑘</m:t>
+                        </m:r>
+                        <m:r>
+                          <a:rPr lang="en-US" altLang="zh-TW" sz="1800" b="0" i="1" smtClean="0">
+                            <a:latin typeface="Cambria Math" panose="02040503050406030204" pitchFamily="18" charset="0"/>
+                            <a:ea typeface="標楷體" panose="03000509000000000000" pitchFamily="65" charset="-120"/>
+                            <a:cs typeface="Times" panose="02020603050405020304" pitchFamily="18" charset="0"/>
+                          </a:rPr>
+                          <m:t>,</m:t>
+                        </m:r>
+                        <m:r>
+                          <a:rPr lang="en-US" altLang="zh-TW" sz="1800" b="0" i="1" smtClean="0">
+                            <a:latin typeface="Cambria Math" panose="02040503050406030204" pitchFamily="18" charset="0"/>
+                            <a:ea typeface="標楷體" panose="03000509000000000000" pitchFamily="65" charset="-120"/>
+                            <a:cs typeface="Times" panose="02020603050405020304" pitchFamily="18" charset="0"/>
+                          </a:rPr>
+                          <m:t>𝑚</m:t>
+                        </m:r>
+                        <m:r>
+                          <a:rPr lang="en-US" altLang="zh-TW" sz="1800" b="0" i="1" smtClean="0">
+                            <a:latin typeface="Cambria Math" panose="02040503050406030204" pitchFamily="18" charset="0"/>
+                            <a:ea typeface="標楷體" panose="03000509000000000000" pitchFamily="65" charset="-120"/>
+                            <a:cs typeface="Times" panose="02020603050405020304" pitchFamily="18" charset="0"/>
+                          </a:rPr>
+                          <m:t>,</m:t>
+                        </m:r>
+                        <m:r>
+                          <a:rPr lang="en-US" altLang="zh-TW" sz="1800" b="0" i="1" smtClean="0">
+                            <a:latin typeface="Cambria Math" panose="02040503050406030204" pitchFamily="18" charset="0"/>
+                            <a:ea typeface="標楷體" panose="03000509000000000000" pitchFamily="65" charset="-120"/>
+                            <a:cs typeface="Times" panose="02020603050405020304" pitchFamily="18" charset="0"/>
+                          </a:rPr>
+                          <m:t>𝑛</m:t>
+                        </m:r>
+                      </m:sub>
+                    </m:sSub>
+                    <m:r>
+                      <a:rPr lang="en-US" altLang="zh-TW" sz="1800" b="0" i="1" smtClean="0">
+                        <a:latin typeface="Cambria Math" panose="02040503050406030204" pitchFamily="18" charset="0"/>
+                        <a:ea typeface="標楷體" panose="03000509000000000000" pitchFamily="65" charset="-120"/>
+                        <a:cs typeface="Times" panose="02020603050405020304" pitchFamily="18" charset="0"/>
+                      </a:rPr>
+                      <m:t> : </m:t>
+                    </m:r>
+                  </m:oMath>
+                </a14:m>
+                <a:r>
+                  <a:rPr lang="en-US" altLang="zh-TW" sz="1800" dirty="0">
+                    <a:latin typeface="Times" panose="02020603050405020304" pitchFamily="18" charset="0"/>
+                    <a:ea typeface="標楷體" panose="03000509000000000000" pitchFamily="65" charset="-120"/>
+                    <a:cs typeface="Times" panose="02020603050405020304" pitchFamily="18" charset="0"/>
+                  </a:rPr>
+                  <a:t>denotes the fill amount of each window.</a:t>
+                </a:r>
+              </a:p>
+            </p:txBody>
+          </p:sp>
+        </mc:Choice>
+        <mc:Fallback>
+          <p:sp>
+            <p:nvSpPr>
+              <p:cNvPr id="3" name="內容版面配置區 2">
+                <a:extLst>
+                  <a:ext uri="{FF2B5EF4-FFF2-40B4-BE49-F238E27FC236}">
+                    <a16:creationId xmlns:a16="http://schemas.microsoft.com/office/drawing/2014/main" id="{6532586F-2B33-9C61-58DC-9046125E1570}"/>
+                  </a:ext>
+                </a:extLst>
+              </p:cNvPr>
+              <p:cNvSpPr>
+                <a:spLocks noGrp="1" noRot="1" noChangeAspect="1" noMove="1" noResize="1" noEditPoints="1" noAdjustHandles="1" noChangeArrowheads="1" noChangeShapeType="1" noTextEdit="1"/>
+              </p:cNvSpPr>
+              <p:nvPr>
+                <p:ph idx="1"/>
+              </p:nvPr>
+            </p:nvSpPr>
+            <p:spPr>
+              <a:xfrm>
+                <a:off x="838199" y="1825625"/>
+                <a:ext cx="11823551" cy="4895850"/>
+              </a:xfrm>
+              <a:blipFill>
+                <a:blip r:embed="rId3"/>
+                <a:stretch>
+                  <a:fillRect l="-567"/>
+                </a:stretch>
+              </a:blipFill>
+            </p:spPr>
+            <p:txBody>
+              <a:bodyPr/>
+              <a:lstStyle/>
+              <a:p>
+                <a:r>
+                  <a:rPr lang="zh-TW" altLang="en-US">
+                    <a:noFill/>
+                  </a:rPr>
+                  <a:t> </a:t>
+                </a:r>
+              </a:p>
+            </p:txBody>
+          </p:sp>
+        </mc:Fallback>
+      </mc:AlternateContent>
+      <p:sp>
+        <p:nvSpPr>
+          <p:cNvPr id="4" name="投影片編號版面配置區 3">
+            <a:extLst>
+              <a:ext uri="{FF2B5EF4-FFF2-40B4-BE49-F238E27FC236}">
+                <a16:creationId xmlns:a16="http://schemas.microsoft.com/office/drawing/2014/main" id="{4F34BD4F-A1A7-2695-B9CD-0B31024175B2}"/>
+              </a:ext>
+            </a:extLst>
+          </p:cNvPr>
+          <p:cNvSpPr>
+            <a:spLocks noGrp="1"/>
+          </p:cNvSpPr>
+          <p:nvPr>
+            <p:ph type="sldNum" sz="quarter" idx="12"/>
+          </p:nvPr>
+        </p:nvSpPr>
+        <p:spPr/>
+        <p:txBody>
+          <a:bodyPr/>
+          <a:lstStyle/>
+          <a:p>
+            <a:fld id="{666274A1-CF9C-426A-8DD4-B13ED0C24231}" type="slidenum">
+              <a:rPr lang="en-US" smtClean="0"/>
+              <a:t>24</a:t>
+            </a:fld>
+            <a:endParaRPr lang="en-US"/>
+          </a:p>
+        </p:txBody>
+      </p:sp>
+      <p:pic>
+        <p:nvPicPr>
+          <p:cNvPr id="6" name="圖片 5">
+            <a:extLst>
+              <a:ext uri="{FF2B5EF4-FFF2-40B4-BE49-F238E27FC236}">
+                <a16:creationId xmlns:a16="http://schemas.microsoft.com/office/drawing/2014/main" id="{23CA0547-CECD-06A5-7202-712C744CCB1A}"/>
+              </a:ext>
+            </a:extLst>
+          </p:cNvPr>
+          <p:cNvPicPr>
+            <a:picLocks noChangeAspect="1"/>
+          </p:cNvPicPr>
+          <p:nvPr/>
+        </p:nvPicPr>
+        <p:blipFill>
+          <a:blip r:embed="rId4"/>
+          <a:stretch>
+            <a:fillRect/>
+          </a:stretch>
+        </p:blipFill>
+        <p:spPr>
+          <a:xfrm>
+            <a:off x="6137446" y="441326"/>
+            <a:ext cx="4946307" cy="1565332"/>
+          </a:xfrm>
+          <a:prstGeom prst="rect">
+            <a:avLst/>
+          </a:prstGeom>
+        </p:spPr>
+      </p:pic>
+      <p:pic>
+        <p:nvPicPr>
+          <p:cNvPr id="7" name="圖片 6">
+            <a:extLst>
+              <a:ext uri="{FF2B5EF4-FFF2-40B4-BE49-F238E27FC236}">
+                <a16:creationId xmlns:a16="http://schemas.microsoft.com/office/drawing/2014/main" id="{426B2C59-081A-FDF8-8B73-DFE05637DBCC}"/>
+              </a:ext>
+            </a:extLst>
+          </p:cNvPr>
+          <p:cNvPicPr>
+            <a:picLocks noChangeAspect="1"/>
+          </p:cNvPicPr>
+          <p:nvPr/>
+        </p:nvPicPr>
+        <p:blipFill>
+          <a:blip r:embed="rId5"/>
+          <a:stretch>
+            <a:fillRect/>
+          </a:stretch>
+        </p:blipFill>
+        <p:spPr>
+          <a:xfrm>
+            <a:off x="1589052" y="3100772"/>
+            <a:ext cx="3270864" cy="997891"/>
+          </a:xfrm>
+          <a:prstGeom prst="rect">
+            <a:avLst/>
+          </a:prstGeom>
+        </p:spPr>
+      </p:pic>
+    </p:spTree>
+    <p:extLst>
+      <p:ext uri="{BB962C8B-B14F-4D97-AF65-F5344CB8AC3E}">
+        <p14:creationId xmlns:p14="http://schemas.microsoft.com/office/powerpoint/2010/main" val="2164363198"/>
+      </p:ext>
+    </p:extLst>
+  </p:cSld>
+  <p:clrMapOvr>
+    <a:masterClrMapping/>
+  </p:clrMapOvr>
+</p:sld>
+</file>
+
+<file path=ppt/slides/slide26.xml><?xml version="1.0" encoding="utf-8"?>
+<p:sld xmlns:a="http://schemas.openxmlformats.org/drawingml/2006/main" xmlns:r="http://schemas.openxmlformats.org/officeDocument/2006/relationships" xmlns:p="http://schemas.openxmlformats.org/presentationml/2006/main">
+  <p:cSld>
+    <p:spTree>
+      <p:nvGrpSpPr>
+        <p:cNvPr id="1" name=""/>
+        <p:cNvGrpSpPr/>
+        <p:nvPr/>
+      </p:nvGrpSpPr>
+      <p:grpSpPr>
+        <a:xfrm>
+          <a:off x="0" y="0"/>
+          <a:ext cx="0" cy="0"/>
+          <a:chOff x="0" y="0"/>
+          <a:chExt cx="0" cy="0"/>
+        </a:xfrm>
+      </p:grpSpPr>
+      <p:sp>
+        <p:nvSpPr>
+          <p:cNvPr id="2" name="標題 1">
+            <a:extLst>
+              <a:ext uri="{FF2B5EF4-FFF2-40B4-BE49-F238E27FC236}">
+                <a16:creationId xmlns:a16="http://schemas.microsoft.com/office/drawing/2014/main" id="{F49B282A-FF7E-D28E-E7C9-7C9011B3A142}"/>
+              </a:ext>
+            </a:extLst>
+          </p:cNvPr>
+          <p:cNvSpPr>
+            <a:spLocks noGrp="1"/>
+          </p:cNvSpPr>
+          <p:nvPr>
+            <p:ph type="title"/>
+          </p:nvPr>
+        </p:nvSpPr>
+        <p:spPr/>
+        <p:txBody>
+          <a:bodyPr>
+            <a:normAutofit/>
+          </a:bodyPr>
+          <a:lstStyle/>
+          <a:p>
+            <a:r>
+              <a:rPr lang="en-US" altLang="zh-TW" sz="4000" dirty="0">
+                <a:latin typeface="Times" panose="02020603050405020304" pitchFamily="18" charset="0"/>
+                <a:cs typeface="Times" panose="02020603050405020304" pitchFamily="18" charset="0"/>
+              </a:rPr>
+              <a:t>Experimental Result</a:t>
+            </a:r>
+            <a:endParaRPr lang="zh-TW" altLang="en-US" sz="4000" dirty="0">
+              <a:latin typeface="Times" panose="02020603050405020304" pitchFamily="18" charset="0"/>
+              <a:cs typeface="Times" panose="02020603050405020304" pitchFamily="18" charset="0"/>
+            </a:endParaRPr>
+          </a:p>
+        </p:txBody>
+      </p:sp>
+      <mc:AlternateContent xmlns:mc="http://schemas.openxmlformats.org/markup-compatibility/2006">
+        <mc:Choice xmlns:a14="http://schemas.microsoft.com/office/drawing/2010/main" Requires="a14">
+          <p:sp>
+            <p:nvSpPr>
+              <p:cNvPr id="3" name="內容版面配置區 2">
+                <a:extLst>
+                  <a:ext uri="{FF2B5EF4-FFF2-40B4-BE49-F238E27FC236}">
+                    <a16:creationId xmlns:a16="http://schemas.microsoft.com/office/drawing/2014/main" id="{6532586F-2B33-9C61-58DC-9046125E1570}"/>
+                  </a:ext>
+                </a:extLst>
+              </p:cNvPr>
+              <p:cNvSpPr>
+                <a:spLocks noGrp="1"/>
+              </p:cNvSpPr>
+              <p:nvPr>
+                <p:ph idx="1"/>
+              </p:nvPr>
+            </p:nvSpPr>
+            <p:spPr>
+              <a:xfrm>
+                <a:off x="838200" y="1825625"/>
+                <a:ext cx="10887636" cy="4895850"/>
+              </a:xfrm>
+            </p:spPr>
+            <p:txBody>
+              <a:bodyPr>
+                <a:normAutofit/>
+              </a:bodyPr>
+              <a:lstStyle/>
+              <a:p>
+                <a:pPr>
+                  <a:lnSpc>
+                    <a:spcPct val="150000"/>
+                  </a:lnSpc>
+                </a:pPr>
+                <a:r>
+                  <a:rPr lang="en-US" altLang="zh-TW" sz="2200" dirty="0">
+                    <a:latin typeface="Times" panose="02020603050405020304" pitchFamily="18" charset="0"/>
+                    <a:ea typeface="標楷體" panose="03000509000000000000" pitchFamily="65" charset="-120"/>
+                    <a:cs typeface="Times" panose="02020603050405020304" pitchFamily="18" charset="0"/>
+                  </a:rPr>
+                  <a:t>Goal</a:t>
+                </a:r>
+              </a:p>
+              <a:p>
+                <a:pPr lvl="1">
+                  <a:lnSpc>
+                    <a:spcPct val="200000"/>
+                  </a:lnSpc>
+                </a:pPr>
+                <a:r>
+                  <a:rPr lang="en-US" altLang="zh-TW" sz="2000" dirty="0">
+                    <a:latin typeface="Times" panose="02020603050405020304" pitchFamily="18" charset="0"/>
+                    <a:ea typeface="標楷體" panose="03000509000000000000" pitchFamily="65" charset="-120"/>
+                    <a:cs typeface="Times" panose="02020603050405020304" pitchFamily="18" charset="0"/>
+                  </a:rPr>
+                  <a:t>Given a layout with a uniformed window size </a:t>
+                </a:r>
+                <a14:m>
+                  <m:oMath xmlns:m="http://schemas.openxmlformats.org/officeDocument/2006/math">
+                    <m:sSub>
+                      <m:sSubPr>
+                        <m:ctrlPr>
+                          <a:rPr lang="en-US" altLang="zh-TW" sz="2000" i="1" dirty="0" smtClean="0">
+                            <a:latin typeface="Cambria Math" panose="02040503050406030204" pitchFamily="18" charset="0"/>
+                            <a:ea typeface="標楷體" panose="03000509000000000000" pitchFamily="65" charset="-120"/>
+                            <a:cs typeface="Times" panose="02020603050405020304" pitchFamily="18" charset="0"/>
+                          </a:rPr>
+                        </m:ctrlPr>
+                      </m:sSubPr>
+                      <m:e>
+                        <m:r>
+                          <a:rPr lang="en-US" altLang="zh-TW" sz="2000" b="0" i="1" dirty="0" smtClean="0">
+                            <a:latin typeface="Cambria Math" panose="02040503050406030204" pitchFamily="18" charset="0"/>
+                            <a:ea typeface="標楷體" panose="03000509000000000000" pitchFamily="65" charset="-120"/>
+                            <a:cs typeface="Times" panose="02020603050405020304" pitchFamily="18" charset="0"/>
+                          </a:rPr>
+                          <m:t>𝑊</m:t>
+                        </m:r>
+                      </m:e>
+                      <m:sub>
+                        <m:r>
+                          <a:rPr lang="en-US" altLang="zh-TW" sz="2000" b="0" i="1" dirty="0" smtClean="0">
+                            <a:latin typeface="Cambria Math" panose="02040503050406030204" pitchFamily="18" charset="0"/>
+                            <a:ea typeface="標楷體" panose="03000509000000000000" pitchFamily="65" charset="-120"/>
+                            <a:cs typeface="Times" panose="02020603050405020304" pitchFamily="18" charset="0"/>
+                          </a:rPr>
+                          <m:t>1</m:t>
+                        </m:r>
+                      </m:sub>
+                    </m:sSub>
+                    <m:r>
+                      <a:rPr lang="en-US" altLang="zh-TW" sz="2000" i="1" dirty="0" smtClean="0">
+                        <a:latin typeface="Cambria Math" panose="02040503050406030204" pitchFamily="18" charset="0"/>
+                        <a:ea typeface="標楷體" panose="03000509000000000000" pitchFamily="65" charset="-120"/>
+                        <a:cs typeface="Times" panose="02020603050405020304" pitchFamily="18" charset="0"/>
+                      </a:rPr>
+                      <m:t> ×</m:t>
+                    </m:r>
+                    <m:sSub>
+                      <m:sSubPr>
+                        <m:ctrlPr>
+                          <a:rPr lang="en-US" altLang="zh-TW" sz="2000" i="1" dirty="0" smtClean="0">
+                            <a:latin typeface="Cambria Math" panose="02040503050406030204" pitchFamily="18" charset="0"/>
+                            <a:ea typeface="標楷體" panose="03000509000000000000" pitchFamily="65" charset="-120"/>
+                            <a:cs typeface="Times" panose="02020603050405020304" pitchFamily="18" charset="0"/>
+                          </a:rPr>
+                        </m:ctrlPr>
+                      </m:sSubPr>
+                      <m:e>
+                        <m:r>
+                          <a:rPr lang="en-US" altLang="zh-TW" sz="2000" b="0" i="1" dirty="0" smtClean="0">
+                            <a:latin typeface="Cambria Math" panose="02040503050406030204" pitchFamily="18" charset="0"/>
+                            <a:ea typeface="標楷體" panose="03000509000000000000" pitchFamily="65" charset="-120"/>
+                            <a:cs typeface="Times" panose="02020603050405020304" pitchFamily="18" charset="0"/>
+                          </a:rPr>
+                          <m:t>𝑊</m:t>
+                        </m:r>
+                      </m:e>
+                      <m:sub>
+                        <m:r>
+                          <a:rPr lang="en-US" altLang="zh-TW" sz="2000" b="0" i="1" dirty="0" smtClean="0">
+                            <a:latin typeface="Cambria Math" panose="02040503050406030204" pitchFamily="18" charset="0"/>
+                            <a:ea typeface="標楷體" panose="03000509000000000000" pitchFamily="65" charset="-120"/>
+                            <a:cs typeface="Times" panose="02020603050405020304" pitchFamily="18" charset="0"/>
+                          </a:rPr>
+                          <m:t>2</m:t>
+                        </m:r>
+                      </m:sub>
+                    </m:sSub>
+                  </m:oMath>
+                </a14:m>
+                <a:r>
+                  <a:rPr lang="en-US" altLang="zh-TW" sz="2000" dirty="0">
+                    <a:latin typeface="Times" panose="02020603050405020304" pitchFamily="18" charset="0"/>
+                    <a:ea typeface="標楷體" panose="03000509000000000000" pitchFamily="65" charset="-120"/>
+                    <a:cs typeface="Times" panose="02020603050405020304" pitchFamily="18" charset="0"/>
+                  </a:rPr>
+                  <a:t>.</a:t>
+                </a:r>
+              </a:p>
+              <a:p>
+                <a:pPr lvl="1">
+                  <a:lnSpc>
+                    <a:spcPct val="200000"/>
+                  </a:lnSpc>
+                </a:pPr>
+                <a:r>
+                  <a:rPr lang="en-US" altLang="zh-TW" sz="2000" dirty="0">
+                    <a:latin typeface="Times" panose="02020603050405020304" pitchFamily="18" charset="0"/>
+                    <a:ea typeface="標楷體" panose="03000509000000000000" pitchFamily="65" charset="-120"/>
+                    <a:cs typeface="Times" panose="02020603050405020304" pitchFamily="18" charset="0"/>
+                  </a:rPr>
+                  <a:t>To insert fills with </a:t>
+                </a:r>
+                <a:r>
+                  <a:rPr lang="en-US" altLang="zh-TW" sz="2000" b="1" dirty="0">
+                    <a:latin typeface="Times" panose="02020603050405020304" pitchFamily="18" charset="0"/>
+                    <a:ea typeface="標楷體" panose="03000509000000000000" pitchFamily="65" charset="-120"/>
+                    <a:cs typeface="Times" panose="02020603050405020304" pitchFamily="18" charset="0"/>
+                  </a:rPr>
+                  <a:t>minimum </a:t>
+                </a:r>
+                <a:r>
+                  <a:rPr lang="en-US" altLang="zh-TW" sz="2000" dirty="0">
+                    <a:latin typeface="Times" panose="02020603050405020304" pitchFamily="18" charset="0"/>
+                    <a:ea typeface="標楷體" panose="03000509000000000000" pitchFamily="65" charset="-120"/>
+                    <a:cs typeface="Times" panose="02020603050405020304" pitchFamily="18" charset="0"/>
+                  </a:rPr>
+                  <a:t>overall variation, max variation, overall density, fill amount, and lateral capacitance while meeting the design rule constrains (DRC).</a:t>
+                </a:r>
+              </a:p>
+            </p:txBody>
+          </p:sp>
+        </mc:Choice>
+        <mc:Fallback>
+          <p:sp>
+            <p:nvSpPr>
+              <p:cNvPr id="3" name="內容版面配置區 2">
+                <a:extLst>
+                  <a:ext uri="{FF2B5EF4-FFF2-40B4-BE49-F238E27FC236}">
+                    <a16:creationId xmlns:a16="http://schemas.microsoft.com/office/drawing/2014/main" id="{6532586F-2B33-9C61-58DC-9046125E1570}"/>
+                  </a:ext>
+                </a:extLst>
+              </p:cNvPr>
+              <p:cNvSpPr>
+                <a:spLocks noGrp="1" noRot="1" noChangeAspect="1" noMove="1" noResize="1" noEditPoints="1" noAdjustHandles="1" noChangeArrowheads="1" noChangeShapeType="1" noTextEdit="1"/>
+              </p:cNvSpPr>
+              <p:nvPr>
+                <p:ph idx="1"/>
+              </p:nvPr>
+            </p:nvSpPr>
+            <p:spPr>
+              <a:xfrm>
+                <a:off x="838200" y="1825625"/>
+                <a:ext cx="10887636" cy="4895850"/>
+              </a:xfrm>
+              <a:blipFill>
+                <a:blip r:embed="rId3"/>
+                <a:stretch>
+                  <a:fillRect l="-672"/>
+                </a:stretch>
+              </a:blipFill>
+            </p:spPr>
+            <p:txBody>
+              <a:bodyPr/>
+              <a:lstStyle/>
+              <a:p>
+                <a:r>
+                  <a:rPr lang="zh-TW" altLang="en-US">
+                    <a:noFill/>
+                  </a:rPr>
+                  <a:t> </a:t>
+                </a:r>
+              </a:p>
+            </p:txBody>
+          </p:sp>
+        </mc:Fallback>
+      </mc:AlternateContent>
+      <p:sp>
+        <p:nvSpPr>
+          <p:cNvPr id="4" name="投影片編號版面配置區 3">
+            <a:extLst>
+              <a:ext uri="{FF2B5EF4-FFF2-40B4-BE49-F238E27FC236}">
+                <a16:creationId xmlns:a16="http://schemas.microsoft.com/office/drawing/2014/main" id="{4F34BD4F-A1A7-2695-B9CD-0B31024175B2}"/>
+              </a:ext>
+            </a:extLst>
+          </p:cNvPr>
+          <p:cNvSpPr>
+            <a:spLocks noGrp="1"/>
+          </p:cNvSpPr>
+          <p:nvPr>
+            <p:ph type="sldNum" sz="quarter" idx="12"/>
+          </p:nvPr>
+        </p:nvSpPr>
+        <p:spPr/>
+        <p:txBody>
+          <a:bodyPr/>
+          <a:lstStyle/>
+          <a:p>
+            <a:fld id="{666274A1-CF9C-426A-8DD4-B13ED0C24231}" type="slidenum">
+              <a:rPr lang="en-US" smtClean="0"/>
+              <a:t>25</a:t>
+            </a:fld>
+            <a:endParaRPr lang="en-US"/>
+          </a:p>
+        </p:txBody>
+      </p:sp>
+      <p:pic>
+        <p:nvPicPr>
+          <p:cNvPr id="6" name="圖片 5">
+            <a:extLst>
+              <a:ext uri="{FF2B5EF4-FFF2-40B4-BE49-F238E27FC236}">
+                <a16:creationId xmlns:a16="http://schemas.microsoft.com/office/drawing/2014/main" id="{23CA0547-CECD-06A5-7202-712C744CCB1A}"/>
+              </a:ext>
+            </a:extLst>
+          </p:cNvPr>
+          <p:cNvPicPr>
+            <a:picLocks noChangeAspect="1"/>
+          </p:cNvPicPr>
+          <p:nvPr/>
+        </p:nvPicPr>
+        <p:blipFill>
+          <a:blip r:embed="rId4"/>
+          <a:stretch>
+            <a:fillRect/>
+          </a:stretch>
+        </p:blipFill>
+        <p:spPr>
+          <a:xfrm>
+            <a:off x="6137446" y="441326"/>
+            <a:ext cx="4946307" cy="1565332"/>
+          </a:xfrm>
+          <a:prstGeom prst="rect">
+            <a:avLst/>
+          </a:prstGeom>
+        </p:spPr>
+      </p:pic>
+    </p:spTree>
+    <p:extLst>
+      <p:ext uri="{BB962C8B-B14F-4D97-AF65-F5344CB8AC3E}">
+        <p14:creationId xmlns:p14="http://schemas.microsoft.com/office/powerpoint/2010/main" val="3016136167"/>
+      </p:ext>
+    </p:extLst>
+  </p:cSld>
+  <p:clrMapOvr>
+    <a:masterClrMapping/>
+  </p:clrMapOvr>
+</p:sld>
+</file>
+
+<file path=ppt/slides/slide27.xml><?xml version="1.0" encoding="utf-8"?>
+<p:sld xmlns:a="http://schemas.openxmlformats.org/drawingml/2006/main" xmlns:r="http://schemas.openxmlformats.org/officeDocument/2006/relationships" xmlns:p="http://schemas.openxmlformats.org/presentationml/2006/main">
+  <p:cSld>
+    <p:spTree>
+      <p:nvGrpSpPr>
+        <p:cNvPr id="1" name=""/>
+        <p:cNvGrpSpPr/>
+        <p:nvPr/>
+      </p:nvGrpSpPr>
+      <p:grpSpPr>
+        <a:xfrm>
+          <a:off x="0" y="0"/>
+          <a:ext cx="0" cy="0"/>
+          <a:chOff x="0" y="0"/>
+          <a:chExt cx="0" cy="0"/>
+        </a:xfrm>
+      </p:grpSpPr>
+      <p:sp>
+        <p:nvSpPr>
           <p:cNvPr id="4" name="Slide Number Placeholder 3">
             <a:extLst>
               <a:ext uri="{FF2B5EF4-FFF2-40B4-BE49-F238E27FC236}">
@@ -10991,7 +14927,7 @@
           <a:p>
             <a:fld id="{666274A1-CF9C-426A-8DD4-B13ED0C24231}" type="slidenum">
               <a:rPr lang="en-US" smtClean="0"/>
-              <a:t>19</a:t>
+              <a:t>26</a:t>
             </a:fld>
             <a:endParaRPr lang="en-US"/>
           </a:p>
@@ -11931,18 +15867,11 @@
           <a:lstStyle/>
           <a:p>
             <a:r>
-              <a:rPr lang="en-US" altLang="zh-TW" sz="4000" dirty="0" err="1">
-                <a:latin typeface="Times" panose="02020603050405020304" pitchFamily="18" charset="0"/>
-                <a:cs typeface="Times" panose="02020603050405020304" pitchFamily="18" charset="0"/>
-              </a:rPr>
-              <a:t>CmpCNN</a:t>
-            </a:r>
-            <a:r>
               <a:rPr lang="en-US" altLang="zh-TW" sz="4000" dirty="0">
                 <a:latin typeface="Times" panose="02020603050405020304" pitchFamily="18" charset="0"/>
                 <a:cs typeface="Times" panose="02020603050405020304" pitchFamily="18" charset="0"/>
               </a:rPr>
-              <a:t> Model</a:t>
+              <a:t>Preliminaries – Fill Patterns</a:t>
             </a:r>
             <a:endParaRPr lang="zh-TW" altLang="en-US" sz="4000" dirty="0">
               <a:latin typeface="Times" panose="02020603050405020304" pitchFamily="18" charset="0"/>
@@ -11951,72 +15880,35 @@
           </a:p>
         </p:txBody>
       </p:sp>
-      <p:sp>
-        <p:nvSpPr>
-          <p:cNvPr id="3" name="內容版面配置區 2">
+      <p:pic>
+        <p:nvPicPr>
+          <p:cNvPr id="6" name="內容版面配置區 5">
             <a:extLst>
               <a:ext uri="{FF2B5EF4-FFF2-40B4-BE49-F238E27FC236}">
-                <a16:creationId xmlns:a16="http://schemas.microsoft.com/office/drawing/2014/main" id="{6532586F-2B33-9C61-58DC-9046125E1570}"/>
+                <a16:creationId xmlns:a16="http://schemas.microsoft.com/office/drawing/2014/main" id="{BC673EDF-B841-62DD-A074-2EA3100C4154}"/>
               </a:ext>
             </a:extLst>
           </p:cNvPr>
-          <p:cNvSpPr>
-            <a:spLocks noGrp="1"/>
-          </p:cNvSpPr>
+          <p:cNvPicPr>
+            <a:picLocks noGrp="1" noChangeAspect="1"/>
+          </p:cNvPicPr>
           <p:nvPr>
             <p:ph idx="1"/>
           </p:nvPr>
-        </p:nvSpPr>
-        <p:spPr/>
-        <p:txBody>
-          <a:bodyPr>
-            <a:normAutofit/>
-          </a:bodyPr>
-          <a:lstStyle/>
-          <a:p>
-            <a:pPr>
-              <a:lnSpc>
-                <a:spcPct val="150000"/>
-              </a:lnSpc>
-            </a:pPr>
-            <a:r>
-              <a:rPr lang="en-US" altLang="zh-TW" sz="2200" dirty="0">
-                <a:latin typeface="Times" panose="02020603050405020304" pitchFamily="18" charset="0"/>
-                <a:ea typeface="標楷體" panose="03000509000000000000" pitchFamily="65" charset="-120"/>
-                <a:cs typeface="Times" panose="02020603050405020304" pitchFamily="18" charset="0"/>
-              </a:rPr>
-              <a:t>Accurate CMP model for height prediction to guide the fill process is of great importance.</a:t>
-            </a:r>
-          </a:p>
-          <a:p>
-            <a:pPr>
-              <a:lnSpc>
-                <a:spcPct val="150000"/>
-              </a:lnSpc>
-            </a:pPr>
-            <a:r>
-              <a:rPr lang="en-US" altLang="zh-TW" sz="2200" dirty="0">
-                <a:latin typeface="Times" panose="02020603050405020304" pitchFamily="18" charset="0"/>
-                <a:ea typeface="標楷體" panose="03000509000000000000" pitchFamily="65" charset="-120"/>
-                <a:cs typeface="Times" panose="02020603050405020304" pitchFamily="18" charset="0"/>
-              </a:rPr>
-              <a:t>Achieve 1.89× error reduction while also maintaining 57× speedup.</a:t>
-            </a:r>
-          </a:p>
-          <a:p>
-            <a:pPr>
-              <a:lnSpc>
-                <a:spcPct val="150000"/>
-              </a:lnSpc>
-            </a:pPr>
-            <a:endParaRPr lang="zh-TW" altLang="en-US" sz="2200" dirty="0">
-              <a:latin typeface="Times" panose="02020603050405020304" pitchFamily="18" charset="0"/>
-              <a:ea typeface="標楷體" panose="03000509000000000000" pitchFamily="65" charset="-120"/>
-              <a:cs typeface="Times" panose="02020603050405020304" pitchFamily="18" charset="0"/>
-            </a:endParaRPr>
-          </a:p>
-        </p:txBody>
-      </p:sp>
+        </p:nvPicPr>
+        <p:blipFill>
+          <a:blip r:embed="rId2"/>
+          <a:stretch>
+            <a:fillRect/>
+          </a:stretch>
+        </p:blipFill>
+        <p:spPr>
+          <a:xfrm>
+            <a:off x="-327288" y="2425281"/>
+            <a:ext cx="12459297" cy="3137058"/>
+          </a:xfrm>
+        </p:spPr>
+      </p:pic>
       <p:sp>
         <p:nvSpPr>
           <p:cNvPr id="4" name="投影片編號版面配置區 3">
@@ -12049,7 +15941,7 @@
     </p:spTree>
     <p:extLst>
       <p:ext uri="{BB962C8B-B14F-4D97-AF65-F5344CB8AC3E}">
-        <p14:creationId xmlns:p14="http://schemas.microsoft.com/office/powerpoint/2010/main" val="2895692459"/>
+        <p14:creationId xmlns:p14="http://schemas.microsoft.com/office/powerpoint/2010/main" val="1995692263"/>
       </p:ext>
     </p:extLst>
   </p:cSld>
@@ -12100,6 +15992,175 @@
           <a:lstStyle/>
           <a:p>
             <a:r>
+              <a:rPr lang="en-US" altLang="zh-TW" sz="4000" dirty="0" err="1">
+                <a:latin typeface="Times" panose="02020603050405020304" pitchFamily="18" charset="0"/>
+                <a:cs typeface="Times" panose="02020603050405020304" pitchFamily="18" charset="0"/>
+              </a:rPr>
+              <a:t>CmpCNN</a:t>
+            </a:r>
+            <a:r>
+              <a:rPr lang="en-US" altLang="zh-TW" sz="4000" dirty="0">
+                <a:latin typeface="Times" panose="02020603050405020304" pitchFamily="18" charset="0"/>
+                <a:cs typeface="Times" panose="02020603050405020304" pitchFamily="18" charset="0"/>
+              </a:rPr>
+              <a:t> Model</a:t>
+            </a:r>
+            <a:endParaRPr lang="zh-TW" altLang="en-US" sz="4000" dirty="0">
+              <a:latin typeface="Times" panose="02020603050405020304" pitchFamily="18" charset="0"/>
+              <a:cs typeface="Times" panose="02020603050405020304" pitchFamily="18" charset="0"/>
+            </a:endParaRPr>
+          </a:p>
+        </p:txBody>
+      </p:sp>
+      <p:sp>
+        <p:nvSpPr>
+          <p:cNvPr id="3" name="內容版面配置區 2">
+            <a:extLst>
+              <a:ext uri="{FF2B5EF4-FFF2-40B4-BE49-F238E27FC236}">
+                <a16:creationId xmlns:a16="http://schemas.microsoft.com/office/drawing/2014/main" id="{6532586F-2B33-9C61-58DC-9046125E1570}"/>
+              </a:ext>
+            </a:extLst>
+          </p:cNvPr>
+          <p:cNvSpPr>
+            <a:spLocks noGrp="1"/>
+          </p:cNvSpPr>
+          <p:nvPr>
+            <p:ph idx="1"/>
+          </p:nvPr>
+        </p:nvSpPr>
+        <p:spPr/>
+        <p:txBody>
+          <a:bodyPr>
+            <a:normAutofit/>
+          </a:bodyPr>
+          <a:lstStyle/>
+          <a:p>
+            <a:pPr>
+              <a:lnSpc>
+                <a:spcPct val="150000"/>
+              </a:lnSpc>
+            </a:pPr>
+            <a:r>
+              <a:rPr lang="en-US" altLang="zh-TW" sz="2200" dirty="0">
+                <a:latin typeface="Times" panose="02020603050405020304" pitchFamily="18" charset="0"/>
+                <a:ea typeface="標楷體" panose="03000509000000000000" pitchFamily="65" charset="-120"/>
+                <a:cs typeface="Times" panose="02020603050405020304" pitchFamily="18" charset="0"/>
+              </a:rPr>
+              <a:t>Accurate CMP model for height prediction to guide the fill process is of great importance.</a:t>
+            </a:r>
+          </a:p>
+          <a:p>
+            <a:pPr>
+              <a:lnSpc>
+                <a:spcPct val="150000"/>
+              </a:lnSpc>
+            </a:pPr>
+            <a:r>
+              <a:rPr lang="en-US" altLang="zh-TW" sz="2200" dirty="0">
+                <a:latin typeface="Times" panose="02020603050405020304" pitchFamily="18" charset="0"/>
+                <a:ea typeface="標楷體" panose="03000509000000000000" pitchFamily="65" charset="-120"/>
+                <a:cs typeface="Times" panose="02020603050405020304" pitchFamily="18" charset="0"/>
+              </a:rPr>
+              <a:t>Achieve 1.89× error reduction while also maintaining 57× speedup.</a:t>
+            </a:r>
+          </a:p>
+          <a:p>
+            <a:pPr>
+              <a:lnSpc>
+                <a:spcPct val="150000"/>
+              </a:lnSpc>
+            </a:pPr>
+            <a:endParaRPr lang="zh-TW" altLang="en-US" sz="2200" dirty="0">
+              <a:latin typeface="Times" panose="02020603050405020304" pitchFamily="18" charset="0"/>
+              <a:ea typeface="標楷體" panose="03000509000000000000" pitchFamily="65" charset="-120"/>
+              <a:cs typeface="Times" panose="02020603050405020304" pitchFamily="18" charset="0"/>
+            </a:endParaRPr>
+          </a:p>
+        </p:txBody>
+      </p:sp>
+      <p:sp>
+        <p:nvSpPr>
+          <p:cNvPr id="4" name="投影片編號版面配置區 3">
+            <a:extLst>
+              <a:ext uri="{FF2B5EF4-FFF2-40B4-BE49-F238E27FC236}">
+                <a16:creationId xmlns:a16="http://schemas.microsoft.com/office/drawing/2014/main" id="{4F34BD4F-A1A7-2695-B9CD-0B31024175B2}"/>
+              </a:ext>
+            </a:extLst>
+          </p:cNvPr>
+          <p:cNvSpPr>
+            <a:spLocks noGrp="1"/>
+          </p:cNvSpPr>
+          <p:nvPr>
+            <p:ph type="sldNum" sz="quarter" idx="12"/>
+          </p:nvPr>
+        </p:nvSpPr>
+        <p:spPr/>
+        <p:txBody>
+          <a:bodyPr/>
+          <a:lstStyle/>
+          <a:p>
+            <a:fld id="{666274A1-CF9C-426A-8DD4-B13ED0C24231}" type="slidenum">
+              <a:rPr lang="en-US" smtClean="0"/>
+              <a:t>6</a:t>
+            </a:fld>
+            <a:endParaRPr lang="en-US"/>
+          </a:p>
+        </p:txBody>
+      </p:sp>
+    </p:spTree>
+    <p:extLst>
+      <p:ext uri="{BB962C8B-B14F-4D97-AF65-F5344CB8AC3E}">
+        <p14:creationId xmlns:p14="http://schemas.microsoft.com/office/powerpoint/2010/main" val="2895692459"/>
+      </p:ext>
+    </p:extLst>
+  </p:cSld>
+  <p:clrMapOvr>
+    <a:masterClrMapping/>
+  </p:clrMapOvr>
+</p:sld>
+</file>
+
+<file path=ppt/slides/slide8.xml><?xml version="1.0" encoding="utf-8"?>
+<p:sld xmlns:a="http://schemas.openxmlformats.org/drawingml/2006/main" xmlns:r="http://schemas.openxmlformats.org/officeDocument/2006/relationships" xmlns:p="http://schemas.openxmlformats.org/presentationml/2006/main">
+  <p:cSld>
+    <p:spTree>
+      <p:nvGrpSpPr>
+        <p:cNvPr id="1" name=""/>
+        <p:cNvGrpSpPr/>
+        <p:nvPr/>
+      </p:nvGrpSpPr>
+      <p:grpSpPr>
+        <a:xfrm>
+          <a:off x="0" y="0"/>
+          <a:ext cx="0" cy="0"/>
+          <a:chOff x="0" y="0"/>
+          <a:chExt cx="0" cy="0"/>
+        </a:xfrm>
+      </p:grpSpPr>
+      <p:sp>
+        <p:nvSpPr>
+          <p:cNvPr id="2" name="標題 1">
+            <a:extLst>
+              <a:ext uri="{FF2B5EF4-FFF2-40B4-BE49-F238E27FC236}">
+                <a16:creationId xmlns:a16="http://schemas.microsoft.com/office/drawing/2014/main" id="{F49B282A-FF7E-D28E-E7C9-7C9011B3A142}"/>
+              </a:ext>
+            </a:extLst>
+          </p:cNvPr>
+          <p:cNvSpPr>
+            <a:spLocks noGrp="1"/>
+          </p:cNvSpPr>
+          <p:nvPr>
+            <p:ph type="title"/>
+          </p:nvPr>
+        </p:nvSpPr>
+        <p:spPr/>
+        <p:txBody>
+          <a:bodyPr>
+            <a:normAutofit/>
+          </a:bodyPr>
+          <a:lstStyle/>
+          <a:p>
+            <a:r>
               <a:rPr lang="en-US" altLang="zh-TW" sz="4000" dirty="0">
                 <a:latin typeface="Times" panose="02020603050405020304" pitchFamily="18" charset="0"/>
                 <a:cs typeface="Times" panose="02020603050405020304" pitchFamily="18" charset="0"/>
@@ -12127,8 +16188,8 @@
           </a:p>
         </p:txBody>
       </p:sp>
-      <mc:AlternateContent xmlns:mc="http://schemas.openxmlformats.org/markup-compatibility/2006">
-        <mc:Choice xmlns:a14="http://schemas.microsoft.com/office/drawing/2010/main" Requires="a14">
+      <mc:AlternateContent xmlns:mc="http://schemas.openxmlformats.org/markup-compatibility/2006" xmlns:a14="http://schemas.microsoft.com/office/drawing/2010/main">
+        <mc:Choice Requires="a14">
           <p:sp>
             <p:nvSpPr>
               <p:cNvPr id="3" name="內容版面配置區 2">
@@ -12334,7 +16395,7 @@
             </p:txBody>
           </p:sp>
         </mc:Choice>
-        <mc:Fallback>
+        <mc:Fallback xmlns="">
           <p:sp>
             <p:nvSpPr>
               <p:cNvPr id="3" name="內容版面配置區 2">
@@ -12397,7 +16458,7 @@
           <a:p>
             <a:fld id="{666274A1-CF9C-426A-8DD4-B13ED0C24231}" type="slidenum">
               <a:rPr lang="en-US" smtClean="0"/>
-              <a:t>6</a:t>
+              <a:t>7</a:t>
             </a:fld>
             <a:endParaRPr lang="en-US"/>
           </a:p>
@@ -12416,7 +16477,7 @@
 </p:sld>
 </file>
 
-<file path=ppt/slides/slide8.xml><?xml version="1.0" encoding="utf-8"?>
+<file path=ppt/slides/slide9.xml><?xml version="1.0" encoding="utf-8"?>
 <p:sld xmlns:a="http://schemas.openxmlformats.org/drawingml/2006/main" xmlns:r="http://schemas.openxmlformats.org/officeDocument/2006/relationships" xmlns:p="http://schemas.openxmlformats.org/presentationml/2006/main" show="0">
   <p:cSld>
     <p:spTree>
@@ -12510,7 +16571,7 @@
           <a:p>
             <a:fld id="{666274A1-CF9C-426A-8DD4-B13ED0C24231}" type="slidenum">
               <a:rPr lang="en-US" smtClean="0"/>
-              <a:t>7</a:t>
+              <a:t>8</a:t>
             </a:fld>
             <a:endParaRPr lang="en-US"/>
           </a:p>
@@ -12520,173 +16581,6 @@
     <p:extLst>
       <p:ext uri="{BB962C8B-B14F-4D97-AF65-F5344CB8AC3E}">
         <p14:creationId xmlns:p14="http://schemas.microsoft.com/office/powerpoint/2010/main" val="764224827"/>
-      </p:ext>
-    </p:extLst>
-  </p:cSld>
-  <p:clrMapOvr>
-    <a:masterClrMapping/>
-  </p:clrMapOvr>
-</p:sld>
-</file>
-
-<file path=ppt/slides/slide9.xml><?xml version="1.0" encoding="utf-8"?>
-<p:sld xmlns:a="http://schemas.openxmlformats.org/drawingml/2006/main" xmlns:r="http://schemas.openxmlformats.org/officeDocument/2006/relationships" xmlns:p="http://schemas.openxmlformats.org/presentationml/2006/main">
-  <p:cSld>
-    <p:spTree>
-      <p:nvGrpSpPr>
-        <p:cNvPr id="1" name=""/>
-        <p:cNvGrpSpPr/>
-        <p:nvPr/>
-      </p:nvGrpSpPr>
-      <p:grpSpPr>
-        <a:xfrm>
-          <a:off x="0" y="0"/>
-          <a:ext cx="0" cy="0"/>
-          <a:chOff x="0" y="0"/>
-          <a:chExt cx="0" cy="0"/>
-        </a:xfrm>
-      </p:grpSpPr>
-      <p:sp>
-        <p:nvSpPr>
-          <p:cNvPr id="2" name="標題 1">
-            <a:extLst>
-              <a:ext uri="{FF2B5EF4-FFF2-40B4-BE49-F238E27FC236}">
-                <a16:creationId xmlns:a16="http://schemas.microsoft.com/office/drawing/2014/main" id="{ADF75E3A-4F22-3C0A-E950-5621D0E0BE69}"/>
-              </a:ext>
-            </a:extLst>
-          </p:cNvPr>
-          <p:cNvSpPr>
-            <a:spLocks noGrp="1"/>
-          </p:cNvSpPr>
-          <p:nvPr>
-            <p:ph type="title"/>
-          </p:nvPr>
-        </p:nvSpPr>
-        <p:spPr/>
-        <p:txBody>
-          <a:bodyPr/>
-          <a:lstStyle/>
-          <a:p>
-            <a:endParaRPr lang="zh-TW" altLang="en-US" dirty="0"/>
-          </a:p>
-        </p:txBody>
-      </p:sp>
-      <p:sp>
-        <p:nvSpPr>
-          <p:cNvPr id="3" name="內容版面配置區 2">
-            <a:extLst>
-              <a:ext uri="{FF2B5EF4-FFF2-40B4-BE49-F238E27FC236}">
-                <a16:creationId xmlns:a16="http://schemas.microsoft.com/office/drawing/2014/main" id="{1DE082D5-A70E-399C-EBA0-91AEFD242464}"/>
-              </a:ext>
-            </a:extLst>
-          </p:cNvPr>
-          <p:cNvSpPr>
-            <a:spLocks noGrp="1"/>
-          </p:cNvSpPr>
-          <p:nvPr>
-            <p:ph idx="1"/>
-          </p:nvPr>
-        </p:nvSpPr>
-        <p:spPr/>
-        <p:txBody>
-          <a:bodyPr/>
-          <a:lstStyle/>
-          <a:p>
-            <a:endParaRPr lang="zh-TW" altLang="en-US" dirty="0"/>
-          </a:p>
-        </p:txBody>
-      </p:sp>
-      <p:sp>
-        <p:nvSpPr>
-          <p:cNvPr id="4" name="投影片編號版面配置區 3">
-            <a:extLst>
-              <a:ext uri="{FF2B5EF4-FFF2-40B4-BE49-F238E27FC236}">
-                <a16:creationId xmlns:a16="http://schemas.microsoft.com/office/drawing/2014/main" id="{26C67376-488E-0B96-D3A0-8A190AACC19C}"/>
-              </a:ext>
-            </a:extLst>
-          </p:cNvPr>
-          <p:cNvSpPr>
-            <a:spLocks noGrp="1"/>
-          </p:cNvSpPr>
-          <p:nvPr>
-            <p:ph type="sldNum" sz="quarter" idx="12"/>
-          </p:nvPr>
-        </p:nvSpPr>
-        <p:spPr/>
-        <p:txBody>
-          <a:bodyPr/>
-          <a:lstStyle/>
-          <a:p>
-            <a:fld id="{666274A1-CF9C-426A-8DD4-B13ED0C24231}" type="slidenum">
-              <a:rPr lang="en-US" smtClean="0"/>
-              <a:t>8</a:t>
-            </a:fld>
-            <a:endParaRPr lang="en-US"/>
-          </a:p>
-        </p:txBody>
-      </p:sp>
-      <p:pic>
-        <p:nvPicPr>
-          <p:cNvPr id="6" name="圖片 5">
-            <a:extLst>
-              <a:ext uri="{FF2B5EF4-FFF2-40B4-BE49-F238E27FC236}">
-                <a16:creationId xmlns:a16="http://schemas.microsoft.com/office/drawing/2014/main" id="{7AD8045F-CE45-F29F-C807-183B6CFCB402}"/>
-              </a:ext>
-            </a:extLst>
-          </p:cNvPr>
-          <p:cNvPicPr>
-            <a:picLocks noChangeAspect="1"/>
-          </p:cNvPicPr>
-          <p:nvPr/>
-        </p:nvPicPr>
-        <p:blipFill rotWithShape="1">
-          <a:blip r:embed="rId3"/>
-          <a:srcRect t="1346" b="48121"/>
-          <a:stretch/>
-        </p:blipFill>
-        <p:spPr>
-          <a:xfrm>
-            <a:off x="-118335" y="2592593"/>
-            <a:ext cx="5884433" cy="3345292"/>
-          </a:xfrm>
-          <a:prstGeom prst="rect">
-            <a:avLst/>
-          </a:prstGeom>
-        </p:spPr>
-      </p:pic>
-      <p:pic>
-        <p:nvPicPr>
-          <p:cNvPr id="5" name="圖片 4">
-            <a:extLst>
-              <a:ext uri="{FF2B5EF4-FFF2-40B4-BE49-F238E27FC236}">
-                <a16:creationId xmlns:a16="http://schemas.microsoft.com/office/drawing/2014/main" id="{29394B92-B5BF-F407-D5F7-D466A639A705}"/>
-              </a:ext>
-            </a:extLst>
-          </p:cNvPr>
-          <p:cNvPicPr>
-            <a:picLocks noChangeAspect="1"/>
-          </p:cNvPicPr>
-          <p:nvPr/>
-        </p:nvPicPr>
-        <p:blipFill rotWithShape="1">
-          <a:blip r:embed="rId3"/>
-          <a:srcRect t="51386"/>
-          <a:stretch/>
-        </p:blipFill>
-        <p:spPr>
-          <a:xfrm>
-            <a:off x="5838517" y="2592593"/>
-            <a:ext cx="6353483" cy="3474720"/>
-          </a:xfrm>
-          <a:prstGeom prst="rect">
-            <a:avLst/>
-          </a:prstGeom>
-        </p:spPr>
-      </p:pic>
-    </p:spTree>
-    <p:extLst>
-      <p:ext uri="{BB962C8B-B14F-4D97-AF65-F5344CB8AC3E}">
-        <p14:creationId xmlns:p14="http://schemas.microsoft.com/office/powerpoint/2010/main" val="468702892"/>
       </p:ext>
     </p:extLst>
   </p:cSld>

--- a/DAC2024/MOGA-CmpCNN/MOGA-CmpCNN A Multi-Objective Genetic Algorithm Intergrated with CmpCNN Model for CMP-Aware Metal Fill.pptx
+++ b/DAC2024/MOGA-CmpCNN/MOGA-CmpCNN A Multi-Objective Genetic Algorithm Intergrated with CmpCNN Model for CMP-Aware Metal Fill.pptx
@@ -5,7 +5,7 @@
     <p:sldMasterId id="2147483648" r:id="rId1"/>
   </p:sldMasterIdLst>
   <p:notesMasterIdLst>
-    <p:notesMasterId r:id="rId29"/>
+    <p:notesMasterId r:id="rId33"/>
   </p:notesMasterIdLst>
   <p:sldIdLst>
     <p:sldId id="256" r:id="rId2"/>
@@ -13,28 +13,32 @@
     <p:sldId id="300" r:id="rId4"/>
     <p:sldId id="299" r:id="rId5"/>
     <p:sldId id="301" r:id="rId6"/>
-    <p:sldId id="323" r:id="rId7"/>
-    <p:sldId id="302" r:id="rId8"/>
-    <p:sldId id="303" r:id="rId9"/>
-    <p:sldId id="304" r:id="rId10"/>
-    <p:sldId id="305" r:id="rId11"/>
-    <p:sldId id="306" r:id="rId12"/>
-    <p:sldId id="307" r:id="rId13"/>
-    <p:sldId id="308" r:id="rId14"/>
-    <p:sldId id="309" r:id="rId15"/>
-    <p:sldId id="310" r:id="rId16"/>
-    <p:sldId id="311" r:id="rId17"/>
-    <p:sldId id="312" r:id="rId18"/>
-    <p:sldId id="313" r:id="rId19"/>
-    <p:sldId id="314" r:id="rId20"/>
-    <p:sldId id="316" r:id="rId21"/>
-    <p:sldId id="317" r:id="rId22"/>
-    <p:sldId id="318" r:id="rId23"/>
-    <p:sldId id="319" r:id="rId24"/>
-    <p:sldId id="320" r:id="rId25"/>
-    <p:sldId id="321" r:id="rId26"/>
-    <p:sldId id="322" r:id="rId27"/>
-    <p:sldId id="298" r:id="rId28"/>
+    <p:sldId id="302" r:id="rId7"/>
+    <p:sldId id="303" r:id="rId8"/>
+    <p:sldId id="304" r:id="rId9"/>
+    <p:sldId id="305" r:id="rId10"/>
+    <p:sldId id="306" r:id="rId11"/>
+    <p:sldId id="307" r:id="rId12"/>
+    <p:sldId id="308" r:id="rId13"/>
+    <p:sldId id="309" r:id="rId14"/>
+    <p:sldId id="310" r:id="rId15"/>
+    <p:sldId id="311" r:id="rId16"/>
+    <p:sldId id="312" r:id="rId17"/>
+    <p:sldId id="313" r:id="rId18"/>
+    <p:sldId id="314" r:id="rId19"/>
+    <p:sldId id="316" r:id="rId20"/>
+    <p:sldId id="317" r:id="rId21"/>
+    <p:sldId id="318" r:id="rId22"/>
+    <p:sldId id="319" r:id="rId23"/>
+    <p:sldId id="320" r:id="rId24"/>
+    <p:sldId id="321" r:id="rId25"/>
+    <p:sldId id="322" r:id="rId26"/>
+    <p:sldId id="324" r:id="rId27"/>
+    <p:sldId id="325" r:id="rId28"/>
+    <p:sldId id="323" r:id="rId29"/>
+    <p:sldId id="326" r:id="rId30"/>
+    <p:sldId id="327" r:id="rId31"/>
+    <p:sldId id="298" r:id="rId32"/>
   </p:sldIdLst>
   <p:sldSz cx="12192000" cy="6858000"/>
   <p:notesSz cx="6858000" cy="9144000"/>
@@ -1490,7 +1494,7 @@
           <a:p>
             <a:fld id="{C9ED61FB-B9B0-4D85-A72E-A614C28ECC4E}" type="datetimeFigureOut">
               <a:rPr lang="en-US" smtClean="0"/>
-              <a:t>1/18/2024</a:t>
+              <a:t>1/19/2024</a:t>
             </a:fld>
             <a:endParaRPr lang="en-US"/>
           </a:p>
@@ -1906,7 +1910,7 @@
           <a:p>
             <a:fld id="{9D457EAB-1485-47AD-BEAD-484FAEBF5A54}" type="slidenum">
               <a:rPr lang="en-US" smtClean="0"/>
-              <a:t>13</a:t>
+              <a:t>12</a:t>
             </a:fld>
             <a:endParaRPr lang="en-US"/>
           </a:p>
@@ -1990,7 +1994,7 @@
           <a:p>
             <a:fld id="{9D457EAB-1485-47AD-BEAD-484FAEBF5A54}" type="slidenum">
               <a:rPr lang="en-US" smtClean="0"/>
-              <a:t>14</a:t>
+              <a:t>13</a:t>
             </a:fld>
             <a:endParaRPr lang="en-US"/>
           </a:p>
@@ -2074,7 +2078,7 @@
           <a:p>
             <a:fld id="{9D457EAB-1485-47AD-BEAD-484FAEBF5A54}" type="slidenum">
               <a:rPr lang="en-US" smtClean="0"/>
-              <a:t>15</a:t>
+              <a:t>14</a:t>
             </a:fld>
             <a:endParaRPr lang="en-US"/>
           </a:p>
@@ -2158,7 +2162,7 @@
           <a:p>
             <a:fld id="{9D457EAB-1485-47AD-BEAD-484FAEBF5A54}" type="slidenum">
               <a:rPr lang="en-US" smtClean="0"/>
-              <a:t>16</a:t>
+              <a:t>15</a:t>
             </a:fld>
             <a:endParaRPr lang="en-US"/>
           </a:p>
@@ -2242,7 +2246,7 @@
           <a:p>
             <a:fld id="{9D457EAB-1485-47AD-BEAD-484FAEBF5A54}" type="slidenum">
               <a:rPr lang="en-US" smtClean="0"/>
-              <a:t>17</a:t>
+              <a:t>16</a:t>
             </a:fld>
             <a:endParaRPr lang="en-US"/>
           </a:p>
@@ -2373,7 +2377,7 @@
           <a:p>
             <a:fld id="{9D457EAB-1485-47AD-BEAD-484FAEBF5A54}" type="slidenum">
               <a:rPr lang="en-US" smtClean="0"/>
-              <a:t>18</a:t>
+              <a:t>17</a:t>
             </a:fld>
             <a:endParaRPr lang="en-US"/>
           </a:p>
@@ -2457,7 +2461,7 @@
           <a:p>
             <a:fld id="{9D457EAB-1485-47AD-BEAD-484FAEBF5A54}" type="slidenum">
               <a:rPr lang="en-US" smtClean="0"/>
-              <a:t>19</a:t>
+              <a:t>18</a:t>
             </a:fld>
             <a:endParaRPr lang="en-US"/>
           </a:p>
@@ -2571,7 +2575,7 @@
           <a:p>
             <a:fld id="{9D457EAB-1485-47AD-BEAD-484FAEBF5A54}" type="slidenum">
               <a:rPr lang="en-US" smtClean="0"/>
-              <a:t>20</a:t>
+              <a:t>19</a:t>
             </a:fld>
             <a:endParaRPr lang="en-US"/>
           </a:p>
@@ -2685,7 +2689,7 @@
           <a:p>
             <a:fld id="{9D457EAB-1485-47AD-BEAD-484FAEBF5A54}" type="slidenum">
               <a:rPr lang="en-US" smtClean="0"/>
-              <a:t>21</a:t>
+              <a:t>20</a:t>
             </a:fld>
             <a:endParaRPr lang="en-US"/>
           </a:p>
@@ -2799,7 +2803,7 @@
           <a:p>
             <a:fld id="{9D457EAB-1485-47AD-BEAD-484FAEBF5A54}" type="slidenum">
               <a:rPr lang="en-US" smtClean="0"/>
-              <a:t>22</a:t>
+              <a:t>21</a:t>
             </a:fld>
             <a:endParaRPr lang="en-US"/>
           </a:p>
@@ -2997,7 +3001,7 @@
           <a:p>
             <a:fld id="{9D457EAB-1485-47AD-BEAD-484FAEBF5A54}" type="slidenum">
               <a:rPr lang="en-US" smtClean="0"/>
-              <a:t>23</a:t>
+              <a:t>22</a:t>
             </a:fld>
             <a:endParaRPr lang="en-US"/>
           </a:p>
@@ -3111,7 +3115,7 @@
           <a:p>
             <a:fld id="{9D457EAB-1485-47AD-BEAD-484FAEBF5A54}" type="slidenum">
               <a:rPr lang="en-US" smtClean="0"/>
-              <a:t>24</a:t>
+              <a:t>23</a:t>
             </a:fld>
             <a:endParaRPr lang="en-US"/>
           </a:p>
@@ -3225,7 +3229,7 @@
           <a:p>
             <a:fld id="{9D457EAB-1485-47AD-BEAD-484FAEBF5A54}" type="slidenum">
               <a:rPr lang="en-US" smtClean="0"/>
-              <a:t>25</a:t>
+              <a:t>24</a:t>
             </a:fld>
             <a:endParaRPr lang="en-US"/>
           </a:p>
@@ -3235,6 +3239,801 @@
     <p:extLst>
       <p:ext uri="{BB962C8B-B14F-4D97-AF65-F5344CB8AC3E}">
         <p14:creationId xmlns:p14="http://schemas.microsoft.com/office/powerpoint/2010/main" val="102760052"/>
+      </p:ext>
+    </p:extLst>
+  </p:cSld>
+  <p:clrMapOvr>
+    <a:masterClrMapping/>
+  </p:clrMapOvr>
+</p:notes>
+</file>
+
+<file path=ppt/notesSlides/notesSlide23.xml><?xml version="1.0" encoding="utf-8"?>
+<p:notes xmlns:a="http://schemas.openxmlformats.org/drawingml/2006/main" xmlns:r="http://schemas.openxmlformats.org/officeDocument/2006/relationships" xmlns:p="http://schemas.openxmlformats.org/presentationml/2006/main">
+  <p:cSld>
+    <p:spTree>
+      <p:nvGrpSpPr>
+        <p:cNvPr id="1" name=""/>
+        <p:cNvGrpSpPr/>
+        <p:nvPr/>
+      </p:nvGrpSpPr>
+      <p:grpSpPr>
+        <a:xfrm>
+          <a:off x="0" y="0"/>
+          <a:ext cx="0" cy="0"/>
+          <a:chOff x="0" y="0"/>
+          <a:chExt cx="0" cy="0"/>
+        </a:xfrm>
+      </p:grpSpPr>
+      <p:sp>
+        <p:nvSpPr>
+          <p:cNvPr id="2" name="投影片影像版面配置區 1"/>
+          <p:cNvSpPr>
+            <a:spLocks noGrp="1" noRot="1" noChangeAspect="1"/>
+          </p:cNvSpPr>
+          <p:nvPr>
+            <p:ph type="sldImg"/>
+          </p:nvPr>
+        </p:nvSpPr>
+        <p:spPr/>
+      </p:sp>
+      <p:sp>
+        <p:nvSpPr>
+          <p:cNvPr id="3" name="備忘稿版面配置區 2"/>
+          <p:cNvSpPr>
+            <a:spLocks noGrp="1"/>
+          </p:cNvSpPr>
+          <p:nvPr>
+            <p:ph type="body" idx="1"/>
+          </p:nvPr>
+        </p:nvSpPr>
+        <p:spPr/>
+        <p:txBody>
+          <a:bodyPr/>
+          <a:lstStyle/>
+          <a:p>
+            <a:r>
+              <a:rPr lang="en-US" altLang="zh-TW" sz="1200" dirty="0">
+                <a:latin typeface="Times" panose="02020603050405020304" pitchFamily="18" charset="0"/>
+                <a:ea typeface="標楷體" panose="03000509000000000000" pitchFamily="65" charset="-120"/>
+                <a:cs typeface="Times" panose="02020603050405020304" pitchFamily="18" charset="0"/>
+              </a:rPr>
+              <a:t>fill parameters: fill width and fill length</a:t>
+            </a:r>
+            <a:endParaRPr lang="zh-TW" altLang="en-US" dirty="0"/>
+          </a:p>
+        </p:txBody>
+      </p:sp>
+      <p:sp>
+        <p:nvSpPr>
+          <p:cNvPr id="4" name="投影片編號版面配置區 3"/>
+          <p:cNvSpPr>
+            <a:spLocks noGrp="1"/>
+          </p:cNvSpPr>
+          <p:nvPr>
+            <p:ph type="sldNum" sz="quarter" idx="5"/>
+          </p:nvPr>
+        </p:nvSpPr>
+        <p:spPr/>
+        <p:txBody>
+          <a:bodyPr/>
+          <a:lstStyle/>
+          <a:p>
+            <a:fld id="{9D457EAB-1485-47AD-BEAD-484FAEBF5A54}" type="slidenum">
+              <a:rPr lang="en-US" smtClean="0"/>
+              <a:t>25</a:t>
+            </a:fld>
+            <a:endParaRPr lang="en-US"/>
+          </a:p>
+        </p:txBody>
+      </p:sp>
+    </p:spTree>
+    <p:extLst>
+      <p:ext uri="{BB962C8B-B14F-4D97-AF65-F5344CB8AC3E}">
+        <p14:creationId xmlns:p14="http://schemas.microsoft.com/office/powerpoint/2010/main" val="2246036433"/>
+      </p:ext>
+    </p:extLst>
+  </p:cSld>
+  <p:clrMapOvr>
+    <a:masterClrMapping/>
+  </p:clrMapOvr>
+</p:notes>
+</file>
+
+<file path=ppt/notesSlides/notesSlide24.xml><?xml version="1.0" encoding="utf-8"?>
+<p:notes xmlns:a="http://schemas.openxmlformats.org/drawingml/2006/main" xmlns:r="http://schemas.openxmlformats.org/officeDocument/2006/relationships" xmlns:p="http://schemas.openxmlformats.org/presentationml/2006/main">
+  <p:cSld>
+    <p:spTree>
+      <p:nvGrpSpPr>
+        <p:cNvPr id="1" name=""/>
+        <p:cNvGrpSpPr/>
+        <p:nvPr/>
+      </p:nvGrpSpPr>
+      <p:grpSpPr>
+        <a:xfrm>
+          <a:off x="0" y="0"/>
+          <a:ext cx="0" cy="0"/>
+          <a:chOff x="0" y="0"/>
+          <a:chExt cx="0" cy="0"/>
+        </a:xfrm>
+      </p:grpSpPr>
+      <p:sp>
+        <p:nvSpPr>
+          <p:cNvPr id="2" name="投影片影像版面配置區 1"/>
+          <p:cNvSpPr>
+            <a:spLocks noGrp="1" noRot="1" noChangeAspect="1"/>
+          </p:cNvSpPr>
+          <p:nvPr>
+            <p:ph type="sldImg"/>
+          </p:nvPr>
+        </p:nvSpPr>
+        <p:spPr/>
+      </p:sp>
+      <p:sp>
+        <p:nvSpPr>
+          <p:cNvPr id="3" name="備忘稿版面配置區 2"/>
+          <p:cNvSpPr>
+            <a:spLocks noGrp="1"/>
+          </p:cNvSpPr>
+          <p:nvPr>
+            <p:ph type="body" idx="1"/>
+          </p:nvPr>
+        </p:nvSpPr>
+        <p:spPr/>
+        <p:txBody>
+          <a:bodyPr/>
+          <a:lstStyle/>
+          <a:p>
+            <a:r>
+              <a:rPr lang="zh-CN" altLang="en-US" b="0" i="0" dirty="0">
+                <a:solidFill>
+                  <a:srgbClr val="374151"/>
+                </a:solidFill>
+                <a:effectLst/>
+                <a:latin typeface="Söhne"/>
+              </a:rPr>
+              <a:t>最佳填充模式应根据高度变化、电容等因素的具体需求和权衡来确定。</a:t>
+            </a:r>
+            <a:endParaRPr lang="en-US" altLang="zh-CN" b="0" i="0" dirty="0">
+              <a:solidFill>
+                <a:srgbClr val="374151"/>
+              </a:solidFill>
+              <a:effectLst/>
+              <a:latin typeface="Söhne"/>
+            </a:endParaRPr>
+          </a:p>
+          <a:p>
+            <a:r>
+              <a:rPr lang="zh-CN" altLang="en-US" b="0" i="0" dirty="0">
+                <a:solidFill>
+                  <a:srgbClr val="374151"/>
+                </a:solidFill>
+                <a:effectLst/>
+                <a:latin typeface="Söhne"/>
+              </a:rPr>
+              <a:t>接下来的实验中将使用矩形填充，主要目标是最小化高度变化。</a:t>
+            </a:r>
+            <a:endParaRPr lang="zh-TW" altLang="en-US" dirty="0"/>
+          </a:p>
+        </p:txBody>
+      </p:sp>
+      <p:sp>
+        <p:nvSpPr>
+          <p:cNvPr id="4" name="投影片編號版面配置區 3"/>
+          <p:cNvSpPr>
+            <a:spLocks noGrp="1"/>
+          </p:cNvSpPr>
+          <p:nvPr>
+            <p:ph type="sldNum" sz="quarter" idx="5"/>
+          </p:nvPr>
+        </p:nvSpPr>
+        <p:spPr/>
+        <p:txBody>
+          <a:bodyPr/>
+          <a:lstStyle/>
+          <a:p>
+            <a:fld id="{9D457EAB-1485-47AD-BEAD-484FAEBF5A54}" type="slidenum">
+              <a:rPr lang="en-US" smtClean="0"/>
+              <a:t>26</a:t>
+            </a:fld>
+            <a:endParaRPr lang="en-US"/>
+          </a:p>
+        </p:txBody>
+      </p:sp>
+    </p:spTree>
+    <p:extLst>
+      <p:ext uri="{BB962C8B-B14F-4D97-AF65-F5344CB8AC3E}">
+        <p14:creationId xmlns:p14="http://schemas.microsoft.com/office/powerpoint/2010/main" val="1165159914"/>
+      </p:ext>
+    </p:extLst>
+  </p:cSld>
+  <p:clrMapOvr>
+    <a:masterClrMapping/>
+  </p:clrMapOvr>
+</p:notes>
+</file>
+
+<file path=ppt/notesSlides/notesSlide25.xml><?xml version="1.0" encoding="utf-8"?>
+<p:notes xmlns:a="http://schemas.openxmlformats.org/drawingml/2006/main" xmlns:r="http://schemas.openxmlformats.org/officeDocument/2006/relationships" xmlns:p="http://schemas.openxmlformats.org/presentationml/2006/main">
+  <p:cSld>
+    <p:spTree>
+      <p:nvGrpSpPr>
+        <p:cNvPr id="1" name=""/>
+        <p:cNvGrpSpPr/>
+        <p:nvPr/>
+      </p:nvGrpSpPr>
+      <p:grpSpPr>
+        <a:xfrm>
+          <a:off x="0" y="0"/>
+          <a:ext cx="0" cy="0"/>
+          <a:chOff x="0" y="0"/>
+          <a:chExt cx="0" cy="0"/>
+        </a:xfrm>
+      </p:grpSpPr>
+      <p:sp>
+        <p:nvSpPr>
+          <p:cNvPr id="2" name="投影片影像版面配置區 1"/>
+          <p:cNvSpPr>
+            <a:spLocks noGrp="1" noRot="1" noChangeAspect="1"/>
+          </p:cNvSpPr>
+          <p:nvPr>
+            <p:ph type="sldImg"/>
+          </p:nvPr>
+        </p:nvSpPr>
+        <p:spPr/>
+      </p:sp>
+      <p:sp>
+        <p:nvSpPr>
+          <p:cNvPr id="3" name="備忘稿版面配置區 2"/>
+          <p:cNvSpPr>
+            <a:spLocks noGrp="1"/>
+          </p:cNvSpPr>
+          <p:nvPr>
+            <p:ph type="body" idx="1"/>
+          </p:nvPr>
+        </p:nvSpPr>
+        <p:spPr/>
+        <p:txBody>
+          <a:bodyPr/>
+          <a:lstStyle/>
+          <a:p>
+            <a:endParaRPr lang="zh-TW" altLang="en-US" dirty="0"/>
+          </a:p>
+        </p:txBody>
+      </p:sp>
+      <p:sp>
+        <p:nvSpPr>
+          <p:cNvPr id="4" name="投影片編號版面配置區 3"/>
+          <p:cNvSpPr>
+            <a:spLocks noGrp="1"/>
+          </p:cNvSpPr>
+          <p:nvPr>
+            <p:ph type="sldNum" sz="quarter" idx="5"/>
+          </p:nvPr>
+        </p:nvSpPr>
+        <p:spPr/>
+        <p:txBody>
+          <a:bodyPr/>
+          <a:lstStyle/>
+          <a:p>
+            <a:fld id="{9D457EAB-1485-47AD-BEAD-484FAEBF5A54}" type="slidenum">
+              <a:rPr lang="en-US" smtClean="0"/>
+              <a:t>27</a:t>
+            </a:fld>
+            <a:endParaRPr lang="en-US"/>
+          </a:p>
+        </p:txBody>
+      </p:sp>
+    </p:spTree>
+    <p:extLst>
+      <p:ext uri="{BB962C8B-B14F-4D97-AF65-F5344CB8AC3E}">
+        <p14:creationId xmlns:p14="http://schemas.microsoft.com/office/powerpoint/2010/main" val="4035623837"/>
+      </p:ext>
+    </p:extLst>
+  </p:cSld>
+  <p:clrMapOvr>
+    <a:masterClrMapping/>
+  </p:clrMapOvr>
+</p:notes>
+</file>
+
+<file path=ppt/notesSlides/notesSlide26.xml><?xml version="1.0" encoding="utf-8"?>
+<p:notes xmlns:a="http://schemas.openxmlformats.org/drawingml/2006/main" xmlns:r="http://schemas.openxmlformats.org/officeDocument/2006/relationships" xmlns:p="http://schemas.openxmlformats.org/presentationml/2006/main">
+  <p:cSld>
+    <p:spTree>
+      <p:nvGrpSpPr>
+        <p:cNvPr id="1" name=""/>
+        <p:cNvGrpSpPr/>
+        <p:nvPr/>
+      </p:nvGrpSpPr>
+      <p:grpSpPr>
+        <a:xfrm>
+          <a:off x="0" y="0"/>
+          <a:ext cx="0" cy="0"/>
+          <a:chOff x="0" y="0"/>
+          <a:chExt cx="0" cy="0"/>
+        </a:xfrm>
+      </p:grpSpPr>
+      <p:sp>
+        <p:nvSpPr>
+          <p:cNvPr id="2" name="投影片影像版面配置區 1"/>
+          <p:cNvSpPr>
+            <a:spLocks noGrp="1" noRot="1" noChangeAspect="1"/>
+          </p:cNvSpPr>
+          <p:nvPr>
+            <p:ph type="sldImg"/>
+          </p:nvPr>
+        </p:nvSpPr>
+        <p:spPr/>
+      </p:sp>
+      <p:sp>
+        <p:nvSpPr>
+          <p:cNvPr id="3" name="備忘稿版面配置區 2"/>
+          <p:cNvSpPr>
+            <a:spLocks noGrp="1"/>
+          </p:cNvSpPr>
+          <p:nvPr>
+            <p:ph type="body" idx="1"/>
+          </p:nvPr>
+        </p:nvSpPr>
+        <p:spPr/>
+        <p:txBody>
+          <a:bodyPr/>
+          <a:lstStyle/>
+          <a:p>
+            <a:r>
+              <a:rPr lang="en-US" altLang="zh-CN" b="0" i="0" dirty="0">
+                <a:solidFill>
+                  <a:srgbClr val="374151"/>
+                </a:solidFill>
+                <a:effectLst/>
+                <a:latin typeface="Söhne"/>
+              </a:rPr>
+              <a:t>* </a:t>
+            </a:r>
+            <a:r>
+              <a:rPr lang="zh-CN" altLang="en-US" b="0" i="0" dirty="0">
+                <a:solidFill>
+                  <a:srgbClr val="374151"/>
+                </a:solidFill>
+                <a:effectLst/>
+                <a:latin typeface="Söhne"/>
+              </a:rPr>
+              <a:t>小的填充量得分对减少</a:t>
+            </a:r>
+            <a:r>
+              <a:rPr lang="en-US" altLang="zh-CN" b="0" i="0" dirty="0">
+                <a:solidFill>
+                  <a:srgbClr val="374151"/>
+                </a:solidFill>
+                <a:effectLst/>
+                <a:latin typeface="Söhne"/>
+              </a:rPr>
+              <a:t>FA</a:t>
+            </a:r>
+            <a:r>
+              <a:rPr lang="zh-CN" altLang="en-US" b="0" i="0" dirty="0">
+                <a:solidFill>
+                  <a:srgbClr val="374151"/>
+                </a:solidFill>
+                <a:effectLst/>
+                <a:latin typeface="Söhne"/>
+              </a:rPr>
+              <a:t>的影响较小，而大的填充量得分会导致更大的高度变化</a:t>
+            </a:r>
+            <a:endParaRPr lang="en-US" altLang="zh-CN" b="0" i="0" dirty="0">
+              <a:solidFill>
+                <a:srgbClr val="374151"/>
+              </a:solidFill>
+              <a:effectLst/>
+              <a:latin typeface="Söhne"/>
+            </a:endParaRPr>
+          </a:p>
+          <a:p>
+            <a:r>
+              <a:rPr lang="en-US" altLang="zh-CN" b="0" i="0" dirty="0">
+                <a:solidFill>
+                  <a:srgbClr val="374151"/>
+                </a:solidFill>
+                <a:effectLst/>
+                <a:latin typeface="Söhne"/>
+              </a:rPr>
+              <a:t>* </a:t>
+            </a:r>
+            <a:r>
+              <a:rPr lang="zh-CN" altLang="en-US" b="0" i="0" dirty="0">
+                <a:solidFill>
+                  <a:srgbClr val="374151"/>
+                </a:solidFill>
+                <a:effectLst/>
+                <a:latin typeface="Söhne"/>
+              </a:rPr>
+              <a:t>𝑐</a:t>
+            </a:r>
+            <a:r>
+              <a:rPr lang="en-US" altLang="zh-CN" b="0" i="0" dirty="0">
+                <a:solidFill>
+                  <a:srgbClr val="374151"/>
+                </a:solidFill>
+                <a:effectLst/>
+                <a:latin typeface="Söhne"/>
+              </a:rPr>
+              <a:t>4</a:t>
+            </a:r>
+            <a:r>
+              <a:rPr lang="zh-CN" altLang="en-US" b="0" i="0" dirty="0">
+                <a:solidFill>
+                  <a:srgbClr val="374151"/>
+                </a:solidFill>
+                <a:effectLst/>
+                <a:latin typeface="Söhne"/>
+              </a:rPr>
+              <a:t>被设置为</a:t>
+            </a:r>
+            <a:r>
+              <a:rPr lang="en-US" altLang="zh-CN" b="0" i="0" dirty="0">
+                <a:solidFill>
+                  <a:srgbClr val="374151"/>
+                </a:solidFill>
+                <a:effectLst/>
+                <a:latin typeface="Söhne"/>
+              </a:rPr>
+              <a:t>1</a:t>
+            </a:r>
+            <a:r>
+              <a:rPr lang="zh-CN" altLang="en-US" b="0" i="0" dirty="0">
+                <a:solidFill>
+                  <a:srgbClr val="374151"/>
+                </a:solidFill>
+                <a:effectLst/>
+                <a:latin typeface="Söhne"/>
+              </a:rPr>
+              <a:t>，因为它在只有轻微增加</a:t>
+            </a:r>
+            <a:r>
+              <a:rPr lang="en-US" altLang="zh-CN" b="0" i="0" dirty="0">
+                <a:solidFill>
+                  <a:srgbClr val="374151"/>
+                </a:solidFill>
+                <a:effectLst/>
+                <a:latin typeface="Söhne"/>
+              </a:rPr>
+              <a:t>OV</a:t>
+            </a:r>
+            <a:r>
+              <a:rPr lang="zh-CN" altLang="en-US" b="0" i="0" dirty="0">
+                <a:solidFill>
+                  <a:srgbClr val="374151"/>
+                </a:solidFill>
+                <a:effectLst/>
+                <a:latin typeface="Söhne"/>
+              </a:rPr>
+              <a:t>和</a:t>
+            </a:r>
+            <a:r>
+              <a:rPr lang="en-US" altLang="zh-CN" b="0" i="0" dirty="0">
+                <a:solidFill>
+                  <a:srgbClr val="374151"/>
+                </a:solidFill>
+                <a:effectLst/>
+                <a:latin typeface="Söhne"/>
+              </a:rPr>
+              <a:t>MV</a:t>
+            </a:r>
+            <a:r>
+              <a:rPr lang="zh-CN" altLang="en-US" b="0" i="0" dirty="0">
+                <a:solidFill>
+                  <a:srgbClr val="374151"/>
+                </a:solidFill>
+                <a:effectLst/>
+                <a:latin typeface="Söhne"/>
+              </a:rPr>
+              <a:t>的情况下实现了</a:t>
+            </a:r>
+            <a:r>
+              <a:rPr lang="en-US" altLang="zh-CN" b="0" i="0" dirty="0">
+                <a:solidFill>
+                  <a:srgbClr val="374151"/>
+                </a:solidFill>
+                <a:effectLst/>
+                <a:latin typeface="Söhne"/>
+              </a:rPr>
+              <a:t>FA</a:t>
+            </a:r>
+            <a:r>
+              <a:rPr lang="zh-CN" altLang="en-US" b="0" i="0" dirty="0">
+                <a:solidFill>
+                  <a:srgbClr val="374151"/>
+                </a:solidFill>
+                <a:effectLst/>
+                <a:latin typeface="Söhne"/>
+              </a:rPr>
+              <a:t>的显著减少。</a:t>
+            </a:r>
+            <a:endParaRPr lang="zh-TW" altLang="en-US" dirty="0"/>
+          </a:p>
+        </p:txBody>
+      </p:sp>
+      <p:sp>
+        <p:nvSpPr>
+          <p:cNvPr id="4" name="投影片編號版面配置區 3"/>
+          <p:cNvSpPr>
+            <a:spLocks noGrp="1"/>
+          </p:cNvSpPr>
+          <p:nvPr>
+            <p:ph type="sldNum" sz="quarter" idx="5"/>
+          </p:nvPr>
+        </p:nvSpPr>
+        <p:spPr/>
+        <p:txBody>
+          <a:bodyPr/>
+          <a:lstStyle/>
+          <a:p>
+            <a:fld id="{9D457EAB-1485-47AD-BEAD-484FAEBF5A54}" type="slidenum">
+              <a:rPr lang="en-US" smtClean="0"/>
+              <a:t>28</a:t>
+            </a:fld>
+            <a:endParaRPr lang="en-US"/>
+          </a:p>
+        </p:txBody>
+      </p:sp>
+    </p:spTree>
+    <p:extLst>
+      <p:ext uri="{BB962C8B-B14F-4D97-AF65-F5344CB8AC3E}">
+        <p14:creationId xmlns:p14="http://schemas.microsoft.com/office/powerpoint/2010/main" val="1525901704"/>
+      </p:ext>
+    </p:extLst>
+  </p:cSld>
+  <p:clrMapOvr>
+    <a:masterClrMapping/>
+  </p:clrMapOvr>
+</p:notes>
+</file>
+
+<file path=ppt/notesSlides/notesSlide27.xml><?xml version="1.0" encoding="utf-8"?>
+<p:notes xmlns:a="http://schemas.openxmlformats.org/drawingml/2006/main" xmlns:r="http://schemas.openxmlformats.org/officeDocument/2006/relationships" xmlns:p="http://schemas.openxmlformats.org/presentationml/2006/main">
+  <p:cSld>
+    <p:spTree>
+      <p:nvGrpSpPr>
+        <p:cNvPr id="1" name=""/>
+        <p:cNvGrpSpPr/>
+        <p:nvPr/>
+      </p:nvGrpSpPr>
+      <p:grpSpPr>
+        <a:xfrm>
+          <a:off x="0" y="0"/>
+          <a:ext cx="0" cy="0"/>
+          <a:chOff x="0" y="0"/>
+          <a:chExt cx="0" cy="0"/>
+        </a:xfrm>
+      </p:grpSpPr>
+      <p:sp>
+        <p:nvSpPr>
+          <p:cNvPr id="2" name="投影片影像版面配置區 1"/>
+          <p:cNvSpPr>
+            <a:spLocks noGrp="1" noRot="1" noChangeAspect="1"/>
+          </p:cNvSpPr>
+          <p:nvPr>
+            <p:ph type="sldImg"/>
+          </p:nvPr>
+        </p:nvSpPr>
+        <p:spPr/>
+      </p:sp>
+      <p:sp>
+        <p:nvSpPr>
+          <p:cNvPr id="3" name="備忘稿版面配置區 2"/>
+          <p:cNvSpPr>
+            <a:spLocks noGrp="1"/>
+          </p:cNvSpPr>
+          <p:nvPr>
+            <p:ph type="body" idx="1"/>
+          </p:nvPr>
+        </p:nvSpPr>
+        <p:spPr/>
+        <p:txBody>
+          <a:bodyPr/>
+          <a:lstStyle/>
+          <a:p>
+            <a:r>
+              <a:rPr lang="en-US" altLang="zh-CN" b="0" i="0" dirty="0">
+                <a:solidFill>
+                  <a:srgbClr val="374151"/>
+                </a:solidFill>
+                <a:effectLst/>
+                <a:latin typeface="Söhne"/>
+              </a:rPr>
+              <a:t>* </a:t>
+            </a:r>
+            <a:r>
+              <a:rPr lang="zh-CN" altLang="en-US" b="0" i="0" dirty="0">
+                <a:solidFill>
+                  <a:srgbClr val="374151"/>
+                </a:solidFill>
+                <a:effectLst/>
+                <a:latin typeface="Söhne"/>
+              </a:rPr>
+              <a:t>小的填充量得分对减少</a:t>
+            </a:r>
+            <a:r>
+              <a:rPr lang="en-US" altLang="zh-CN" b="0" i="0" dirty="0">
+                <a:solidFill>
+                  <a:srgbClr val="374151"/>
+                </a:solidFill>
+                <a:effectLst/>
+                <a:latin typeface="Söhne"/>
+              </a:rPr>
+              <a:t>FA</a:t>
+            </a:r>
+            <a:r>
+              <a:rPr lang="zh-CN" altLang="en-US" b="0" i="0" dirty="0">
+                <a:solidFill>
+                  <a:srgbClr val="374151"/>
+                </a:solidFill>
+                <a:effectLst/>
+                <a:latin typeface="Söhne"/>
+              </a:rPr>
+              <a:t>的影响较小，而大的填充量得分会导致更大的高度变化</a:t>
+            </a:r>
+            <a:endParaRPr lang="en-US" altLang="zh-CN" b="0" i="0" dirty="0">
+              <a:solidFill>
+                <a:srgbClr val="374151"/>
+              </a:solidFill>
+              <a:effectLst/>
+              <a:latin typeface="Söhne"/>
+            </a:endParaRPr>
+          </a:p>
+          <a:p>
+            <a:r>
+              <a:rPr lang="en-US" altLang="zh-CN" b="0" i="0" dirty="0">
+                <a:solidFill>
+                  <a:srgbClr val="374151"/>
+                </a:solidFill>
+                <a:effectLst/>
+                <a:latin typeface="Söhne"/>
+              </a:rPr>
+              <a:t>* </a:t>
+            </a:r>
+            <a:r>
+              <a:rPr lang="zh-CN" altLang="en-US" b="0" i="0" dirty="0">
+                <a:solidFill>
+                  <a:srgbClr val="374151"/>
+                </a:solidFill>
+                <a:effectLst/>
+                <a:latin typeface="Söhne"/>
+              </a:rPr>
+              <a:t>𝑐</a:t>
+            </a:r>
+            <a:r>
+              <a:rPr lang="en-US" altLang="zh-CN" b="0" i="0" dirty="0">
+                <a:solidFill>
+                  <a:srgbClr val="374151"/>
+                </a:solidFill>
+                <a:effectLst/>
+                <a:latin typeface="Söhne"/>
+              </a:rPr>
+              <a:t>4</a:t>
+            </a:r>
+            <a:r>
+              <a:rPr lang="zh-CN" altLang="en-US" b="0" i="0" dirty="0">
+                <a:solidFill>
+                  <a:srgbClr val="374151"/>
+                </a:solidFill>
+                <a:effectLst/>
+                <a:latin typeface="Söhne"/>
+              </a:rPr>
+              <a:t>被设置为</a:t>
+            </a:r>
+            <a:r>
+              <a:rPr lang="en-US" altLang="zh-CN" b="0" i="0" dirty="0">
+                <a:solidFill>
+                  <a:srgbClr val="374151"/>
+                </a:solidFill>
+                <a:effectLst/>
+                <a:latin typeface="Söhne"/>
+              </a:rPr>
+              <a:t>1</a:t>
+            </a:r>
+            <a:r>
+              <a:rPr lang="zh-CN" altLang="en-US" b="0" i="0" dirty="0">
+                <a:solidFill>
+                  <a:srgbClr val="374151"/>
+                </a:solidFill>
+                <a:effectLst/>
+                <a:latin typeface="Söhne"/>
+              </a:rPr>
+              <a:t>，因为它在只有轻微增加</a:t>
+            </a:r>
+            <a:r>
+              <a:rPr lang="en-US" altLang="zh-CN" b="0" i="0" dirty="0">
+                <a:solidFill>
+                  <a:srgbClr val="374151"/>
+                </a:solidFill>
+                <a:effectLst/>
+                <a:latin typeface="Söhne"/>
+              </a:rPr>
+              <a:t>OV</a:t>
+            </a:r>
+            <a:r>
+              <a:rPr lang="zh-CN" altLang="en-US" b="0" i="0" dirty="0">
+                <a:solidFill>
+                  <a:srgbClr val="374151"/>
+                </a:solidFill>
+                <a:effectLst/>
+                <a:latin typeface="Söhne"/>
+              </a:rPr>
+              <a:t>和</a:t>
+            </a:r>
+            <a:r>
+              <a:rPr lang="en-US" altLang="zh-CN" b="0" i="0" dirty="0">
+                <a:solidFill>
+                  <a:srgbClr val="374151"/>
+                </a:solidFill>
+                <a:effectLst/>
+                <a:latin typeface="Söhne"/>
+              </a:rPr>
+              <a:t>MV</a:t>
+            </a:r>
+            <a:r>
+              <a:rPr lang="zh-CN" altLang="en-US" b="0" i="0" dirty="0">
+                <a:solidFill>
+                  <a:srgbClr val="374151"/>
+                </a:solidFill>
+                <a:effectLst/>
+                <a:latin typeface="Söhne"/>
+              </a:rPr>
+              <a:t>的情况下实现了</a:t>
+            </a:r>
+            <a:r>
+              <a:rPr lang="en-US" altLang="zh-CN" b="0" i="0" dirty="0">
+                <a:solidFill>
+                  <a:srgbClr val="374151"/>
+                </a:solidFill>
+                <a:effectLst/>
+                <a:latin typeface="Söhne"/>
+              </a:rPr>
+              <a:t>FA</a:t>
+            </a:r>
+            <a:r>
+              <a:rPr lang="zh-CN" altLang="en-US" b="0" i="0" dirty="0">
+                <a:solidFill>
+                  <a:srgbClr val="374151"/>
+                </a:solidFill>
+                <a:effectLst/>
+                <a:latin typeface="Söhne"/>
+              </a:rPr>
+              <a:t>的显著减少。</a:t>
+            </a:r>
+            <a:endParaRPr lang="zh-TW" altLang="en-US" dirty="0"/>
+          </a:p>
+        </p:txBody>
+      </p:sp>
+      <p:sp>
+        <p:nvSpPr>
+          <p:cNvPr id="4" name="投影片編號版面配置區 3"/>
+          <p:cNvSpPr>
+            <a:spLocks noGrp="1"/>
+          </p:cNvSpPr>
+          <p:nvPr>
+            <p:ph type="sldNum" sz="quarter" idx="5"/>
+          </p:nvPr>
+        </p:nvSpPr>
+        <p:spPr/>
+        <p:txBody>
+          <a:bodyPr/>
+          <a:lstStyle/>
+          <a:p>
+            <a:fld id="{9D457EAB-1485-47AD-BEAD-484FAEBF5A54}" type="slidenum">
+              <a:rPr lang="en-US" smtClean="0"/>
+              <a:t>29</a:t>
+            </a:fld>
+            <a:endParaRPr lang="en-US"/>
+          </a:p>
+        </p:txBody>
+      </p:sp>
+    </p:spTree>
+    <p:extLst>
+      <p:ext uri="{BB962C8B-B14F-4D97-AF65-F5344CB8AC3E}">
+        <p14:creationId xmlns:p14="http://schemas.microsoft.com/office/powerpoint/2010/main" val="2107149703"/>
       </p:ext>
     </p:extLst>
   </p:cSld>
@@ -3549,7 +4348,7 @@
           <a:p>
             <a:fld id="{9D457EAB-1485-47AD-BEAD-484FAEBF5A54}" type="slidenum">
               <a:rPr lang="en-US" smtClean="0"/>
-              <a:t>7</a:t>
+              <a:t>6</a:t>
             </a:fld>
             <a:endParaRPr lang="en-US"/>
           </a:p>
@@ -3757,7 +4556,7 @@
           <a:p>
             <a:fld id="{9D457EAB-1485-47AD-BEAD-484FAEBF5A54}" type="slidenum">
               <a:rPr lang="en-US" smtClean="0"/>
-              <a:t>9</a:t>
+              <a:t>8</a:t>
             </a:fld>
             <a:endParaRPr lang="en-US"/>
           </a:p>
@@ -3856,7 +4655,7 @@
           <a:p>
             <a:fld id="{9D457EAB-1485-47AD-BEAD-484FAEBF5A54}" type="slidenum">
               <a:rPr lang="en-US" smtClean="0"/>
-              <a:t>10</a:t>
+              <a:t>9</a:t>
             </a:fld>
             <a:endParaRPr lang="en-US"/>
           </a:p>
@@ -3940,7 +4739,7 @@
           <a:p>
             <a:fld id="{9D457EAB-1485-47AD-BEAD-484FAEBF5A54}" type="slidenum">
               <a:rPr lang="en-US" smtClean="0"/>
-              <a:t>11</a:t>
+              <a:t>10</a:t>
             </a:fld>
             <a:endParaRPr lang="en-US"/>
           </a:p>
@@ -4024,7 +4823,7 @@
           <a:p>
             <a:fld id="{9D457EAB-1485-47AD-BEAD-484FAEBF5A54}" type="slidenum">
               <a:rPr lang="en-US" smtClean="0"/>
-              <a:t>12</a:t>
+              <a:t>11</a:t>
             </a:fld>
             <a:endParaRPr lang="en-US"/>
           </a:p>
@@ -4190,7 +4989,7 @@
           <a:p>
             <a:fld id="{99BA7BAB-F69F-4C21-8D40-7AA273A2D01F}" type="datetime1">
               <a:rPr lang="en-US" smtClean="0"/>
-              <a:t>1/18/2024</a:t>
+              <a:t>1/19/2024</a:t>
             </a:fld>
             <a:endParaRPr lang="en-US"/>
           </a:p>
@@ -4395,7 +5194,7 @@
           <a:p>
             <a:fld id="{FB00A8EC-4678-43EE-BE64-F312B7F1A46F}" type="datetime1">
               <a:rPr lang="en-US" smtClean="0"/>
-              <a:t>1/18/2024</a:t>
+              <a:t>1/19/2024</a:t>
             </a:fld>
             <a:endParaRPr lang="en-US"/>
           </a:p>
@@ -4603,7 +5402,7 @@
           <a:p>
             <a:fld id="{9487F23D-EA8F-4C56-9373-23F6109AD11F}" type="datetime1">
               <a:rPr lang="en-US" smtClean="0"/>
-              <a:t>1/18/2024</a:t>
+              <a:t>1/19/2024</a:t>
             </a:fld>
             <a:endParaRPr lang="en-US"/>
           </a:p>
@@ -4801,7 +5600,7 @@
           <a:p>
             <a:fld id="{A34E716E-0239-4A81-9CF4-D3B9651721CF}" type="datetime1">
               <a:rPr lang="en-US" smtClean="0"/>
-              <a:t>1/18/2024</a:t>
+              <a:t>1/19/2024</a:t>
             </a:fld>
             <a:endParaRPr lang="en-US"/>
           </a:p>
@@ -5083,7 +5882,7 @@
           <a:p>
             <a:fld id="{CC112E56-3D97-4B86-935C-1C493DD86A08}" type="datetime1">
               <a:rPr lang="en-US" smtClean="0"/>
-              <a:t>1/18/2024</a:t>
+              <a:t>1/19/2024</a:t>
             </a:fld>
             <a:endParaRPr lang="en-US"/>
           </a:p>
@@ -5348,7 +6147,7 @@
           <a:p>
             <a:fld id="{40649135-BABF-4F63-9AF8-3CEC545E47DC}" type="datetime1">
               <a:rPr lang="en-US" smtClean="0"/>
-              <a:t>1/18/2024</a:t>
+              <a:t>1/19/2024</a:t>
             </a:fld>
             <a:endParaRPr lang="en-US"/>
           </a:p>
@@ -5760,7 +6559,7 @@
           <a:p>
             <a:fld id="{B16EBC02-C9C0-442D-A8A6-494057203542}" type="datetime1">
               <a:rPr lang="en-US" smtClean="0"/>
-              <a:t>1/18/2024</a:t>
+              <a:t>1/19/2024</a:t>
             </a:fld>
             <a:endParaRPr lang="en-US"/>
           </a:p>
@@ -5901,7 +6700,7 @@
           <a:p>
             <a:fld id="{A126C4B4-559D-414E-BC9C-16A745BBF3C3}" type="datetime1">
               <a:rPr lang="en-US" smtClean="0"/>
-              <a:t>1/18/2024</a:t>
+              <a:t>1/19/2024</a:t>
             </a:fld>
             <a:endParaRPr lang="en-US"/>
           </a:p>
@@ -6014,7 +6813,7 @@
           <a:p>
             <a:fld id="{0D49D49E-73A5-4C03-BFEA-3D845EB044D8}" type="datetime1">
               <a:rPr lang="en-US" smtClean="0"/>
-              <a:t>1/18/2024</a:t>
+              <a:t>1/19/2024</a:t>
             </a:fld>
             <a:endParaRPr lang="en-US"/>
           </a:p>
@@ -6325,7 +7124,7 @@
           <a:p>
             <a:fld id="{4A0F93E6-3134-410C-B573-A5F6B38FC346}" type="datetime1">
               <a:rPr lang="en-US" smtClean="0"/>
-              <a:t>1/18/2024</a:t>
+              <a:t>1/19/2024</a:t>
             </a:fld>
             <a:endParaRPr lang="en-US"/>
           </a:p>
@@ -6613,7 +7412,7 @@
           <a:p>
             <a:fld id="{F766E70F-5320-45A5-BE33-1819A93C2AF4}" type="datetime1">
               <a:rPr lang="en-US" smtClean="0"/>
-              <a:t>1/18/2024</a:t>
+              <a:t>1/19/2024</a:t>
             </a:fld>
             <a:endParaRPr lang="en-US"/>
           </a:p>
@@ -6854,7 +7653,7 @@
           <a:p>
             <a:fld id="{A706458B-0289-40FF-A02D-2C541B7F1CB6}" type="datetime1">
               <a:rPr lang="en-US" smtClean="0"/>
-              <a:t>1/18/2024</a:t>
+              <a:t>1/19/2024</a:t>
             </a:fld>
             <a:endParaRPr lang="en-US"/>
           </a:p>
@@ -7438,173 +8237,6 @@
 </file>
 
 <file path=ppt/slides/slide10.xml><?xml version="1.0" encoding="utf-8"?>
-<p:sld xmlns:a="http://schemas.openxmlformats.org/drawingml/2006/main" xmlns:r="http://schemas.openxmlformats.org/officeDocument/2006/relationships" xmlns:p="http://schemas.openxmlformats.org/presentationml/2006/main">
-  <p:cSld>
-    <p:spTree>
-      <p:nvGrpSpPr>
-        <p:cNvPr id="1" name=""/>
-        <p:cNvGrpSpPr/>
-        <p:nvPr/>
-      </p:nvGrpSpPr>
-      <p:grpSpPr>
-        <a:xfrm>
-          <a:off x="0" y="0"/>
-          <a:ext cx="0" cy="0"/>
-          <a:chOff x="0" y="0"/>
-          <a:chExt cx="0" cy="0"/>
-        </a:xfrm>
-      </p:grpSpPr>
-      <p:sp>
-        <p:nvSpPr>
-          <p:cNvPr id="2" name="標題 1">
-            <a:extLst>
-              <a:ext uri="{FF2B5EF4-FFF2-40B4-BE49-F238E27FC236}">
-                <a16:creationId xmlns:a16="http://schemas.microsoft.com/office/drawing/2014/main" id="{ADF75E3A-4F22-3C0A-E950-5621D0E0BE69}"/>
-              </a:ext>
-            </a:extLst>
-          </p:cNvPr>
-          <p:cNvSpPr>
-            <a:spLocks noGrp="1"/>
-          </p:cNvSpPr>
-          <p:nvPr>
-            <p:ph type="title"/>
-          </p:nvPr>
-        </p:nvSpPr>
-        <p:spPr/>
-        <p:txBody>
-          <a:bodyPr/>
-          <a:lstStyle/>
-          <a:p>
-            <a:endParaRPr lang="zh-TW" altLang="en-US" dirty="0"/>
-          </a:p>
-        </p:txBody>
-      </p:sp>
-      <p:sp>
-        <p:nvSpPr>
-          <p:cNvPr id="3" name="內容版面配置區 2">
-            <a:extLst>
-              <a:ext uri="{FF2B5EF4-FFF2-40B4-BE49-F238E27FC236}">
-                <a16:creationId xmlns:a16="http://schemas.microsoft.com/office/drawing/2014/main" id="{1DE082D5-A70E-399C-EBA0-91AEFD242464}"/>
-              </a:ext>
-            </a:extLst>
-          </p:cNvPr>
-          <p:cNvSpPr>
-            <a:spLocks noGrp="1"/>
-          </p:cNvSpPr>
-          <p:nvPr>
-            <p:ph idx="1"/>
-          </p:nvPr>
-        </p:nvSpPr>
-        <p:spPr/>
-        <p:txBody>
-          <a:bodyPr/>
-          <a:lstStyle/>
-          <a:p>
-            <a:endParaRPr lang="zh-TW" altLang="en-US" dirty="0"/>
-          </a:p>
-        </p:txBody>
-      </p:sp>
-      <p:sp>
-        <p:nvSpPr>
-          <p:cNvPr id="4" name="投影片編號版面配置區 3">
-            <a:extLst>
-              <a:ext uri="{FF2B5EF4-FFF2-40B4-BE49-F238E27FC236}">
-                <a16:creationId xmlns:a16="http://schemas.microsoft.com/office/drawing/2014/main" id="{26C67376-488E-0B96-D3A0-8A190AACC19C}"/>
-              </a:ext>
-            </a:extLst>
-          </p:cNvPr>
-          <p:cNvSpPr>
-            <a:spLocks noGrp="1"/>
-          </p:cNvSpPr>
-          <p:nvPr>
-            <p:ph type="sldNum" sz="quarter" idx="12"/>
-          </p:nvPr>
-        </p:nvSpPr>
-        <p:spPr/>
-        <p:txBody>
-          <a:bodyPr/>
-          <a:lstStyle/>
-          <a:p>
-            <a:fld id="{666274A1-CF9C-426A-8DD4-B13ED0C24231}" type="slidenum">
-              <a:rPr lang="en-US" smtClean="0"/>
-              <a:t>9</a:t>
-            </a:fld>
-            <a:endParaRPr lang="en-US"/>
-          </a:p>
-        </p:txBody>
-      </p:sp>
-      <p:pic>
-        <p:nvPicPr>
-          <p:cNvPr id="6" name="圖片 5">
-            <a:extLst>
-              <a:ext uri="{FF2B5EF4-FFF2-40B4-BE49-F238E27FC236}">
-                <a16:creationId xmlns:a16="http://schemas.microsoft.com/office/drawing/2014/main" id="{7AD8045F-CE45-F29F-C807-183B6CFCB402}"/>
-              </a:ext>
-            </a:extLst>
-          </p:cNvPr>
-          <p:cNvPicPr>
-            <a:picLocks noChangeAspect="1"/>
-          </p:cNvPicPr>
-          <p:nvPr/>
-        </p:nvPicPr>
-        <p:blipFill rotWithShape="1">
-          <a:blip r:embed="rId3"/>
-          <a:srcRect t="1346" b="48121"/>
-          <a:stretch/>
-        </p:blipFill>
-        <p:spPr>
-          <a:xfrm>
-            <a:off x="-118335" y="2592593"/>
-            <a:ext cx="5884433" cy="3345292"/>
-          </a:xfrm>
-          <a:prstGeom prst="rect">
-            <a:avLst/>
-          </a:prstGeom>
-        </p:spPr>
-      </p:pic>
-      <p:pic>
-        <p:nvPicPr>
-          <p:cNvPr id="5" name="圖片 4">
-            <a:extLst>
-              <a:ext uri="{FF2B5EF4-FFF2-40B4-BE49-F238E27FC236}">
-                <a16:creationId xmlns:a16="http://schemas.microsoft.com/office/drawing/2014/main" id="{29394B92-B5BF-F407-D5F7-D466A639A705}"/>
-              </a:ext>
-            </a:extLst>
-          </p:cNvPr>
-          <p:cNvPicPr>
-            <a:picLocks noChangeAspect="1"/>
-          </p:cNvPicPr>
-          <p:nvPr/>
-        </p:nvPicPr>
-        <p:blipFill rotWithShape="1">
-          <a:blip r:embed="rId3"/>
-          <a:srcRect t="51386"/>
-          <a:stretch/>
-        </p:blipFill>
-        <p:spPr>
-          <a:xfrm>
-            <a:off x="5838517" y="2592593"/>
-            <a:ext cx="6353483" cy="3474720"/>
-          </a:xfrm>
-          <a:prstGeom prst="rect">
-            <a:avLst/>
-          </a:prstGeom>
-        </p:spPr>
-      </p:pic>
-    </p:spTree>
-    <p:extLst>
-      <p:ext uri="{BB962C8B-B14F-4D97-AF65-F5344CB8AC3E}">
-        <p14:creationId xmlns:p14="http://schemas.microsoft.com/office/powerpoint/2010/main" val="468702892"/>
-      </p:ext>
-    </p:extLst>
-  </p:cSld>
-  <p:clrMapOvr>
-    <a:masterClrMapping/>
-  </p:clrMapOvr>
-</p:sld>
-</file>
-
-<file path=ppt/slides/slide11.xml><?xml version="1.0" encoding="utf-8"?>
 <p:sld xmlns:a="http://schemas.openxmlformats.org/drawingml/2006/main" xmlns:r="http://schemas.openxmlformats.org/officeDocument/2006/relationships" xmlns:p="http://schemas.openxmlformats.org/presentationml/2006/main">
   <p:cSld>
     <p:spTree>
@@ -8151,7 +8783,7 @@
           <a:p>
             <a:fld id="{666274A1-CF9C-426A-8DD4-B13ED0C24231}" type="slidenum">
               <a:rPr lang="en-US" smtClean="0"/>
-              <a:t>10</a:t>
+              <a:t>9</a:t>
             </a:fld>
             <a:endParaRPr lang="en-US"/>
           </a:p>
@@ -8161,6 +8793,268 @@
     <p:extLst>
       <p:ext uri="{BB962C8B-B14F-4D97-AF65-F5344CB8AC3E}">
         <p14:creationId xmlns:p14="http://schemas.microsoft.com/office/powerpoint/2010/main" val="1378858122"/>
+      </p:ext>
+    </p:extLst>
+  </p:cSld>
+  <p:clrMapOvr>
+    <a:masterClrMapping/>
+  </p:clrMapOvr>
+</p:sld>
+</file>
+
+<file path=ppt/slides/slide11.xml><?xml version="1.0" encoding="utf-8"?>
+<p:sld xmlns:a="http://schemas.openxmlformats.org/drawingml/2006/main" xmlns:r="http://schemas.openxmlformats.org/officeDocument/2006/relationships" xmlns:p="http://schemas.openxmlformats.org/presentationml/2006/main">
+  <p:cSld>
+    <p:spTree>
+      <p:nvGrpSpPr>
+        <p:cNvPr id="1" name=""/>
+        <p:cNvGrpSpPr/>
+        <p:nvPr/>
+      </p:nvGrpSpPr>
+      <p:grpSpPr>
+        <a:xfrm>
+          <a:off x="0" y="0"/>
+          <a:ext cx="0" cy="0"/>
+          <a:chOff x="0" y="0"/>
+          <a:chExt cx="0" cy="0"/>
+        </a:xfrm>
+      </p:grpSpPr>
+      <p:sp>
+        <p:nvSpPr>
+          <p:cNvPr id="2" name="標題 1">
+            <a:extLst>
+              <a:ext uri="{FF2B5EF4-FFF2-40B4-BE49-F238E27FC236}">
+                <a16:creationId xmlns:a16="http://schemas.microsoft.com/office/drawing/2014/main" id="{F49B282A-FF7E-D28E-E7C9-7C9011B3A142}"/>
+              </a:ext>
+            </a:extLst>
+          </p:cNvPr>
+          <p:cNvSpPr>
+            <a:spLocks noGrp="1"/>
+          </p:cNvSpPr>
+          <p:nvPr>
+            <p:ph type="title"/>
+          </p:nvPr>
+        </p:nvSpPr>
+        <p:spPr/>
+        <p:txBody>
+          <a:bodyPr>
+            <a:normAutofit/>
+          </a:bodyPr>
+          <a:lstStyle/>
+          <a:p>
+            <a:r>
+              <a:rPr lang="en-US" altLang="zh-TW" sz="4000" dirty="0">
+                <a:latin typeface="Times" panose="02020603050405020304" pitchFamily="18" charset="0"/>
+                <a:cs typeface="Times" panose="02020603050405020304" pitchFamily="18" charset="0"/>
+              </a:rPr>
+              <a:t>MOGA-</a:t>
+            </a:r>
+            <a:r>
+              <a:rPr lang="en-US" altLang="zh-TW" sz="4000" dirty="0" err="1">
+                <a:latin typeface="Times" panose="02020603050405020304" pitchFamily="18" charset="0"/>
+                <a:cs typeface="Times" panose="02020603050405020304" pitchFamily="18" charset="0"/>
+              </a:rPr>
+              <a:t>CmpCNN</a:t>
+            </a:r>
+            <a:r>
+              <a:rPr lang="en-US" altLang="zh-TW" sz="4000" dirty="0">
+                <a:latin typeface="Times" panose="02020603050405020304" pitchFamily="18" charset="0"/>
+                <a:cs typeface="Times" panose="02020603050405020304" pitchFamily="18" charset="0"/>
+              </a:rPr>
+              <a:t> Framework</a:t>
+            </a:r>
+            <a:endParaRPr lang="zh-TW" altLang="en-US" sz="4000" dirty="0">
+              <a:latin typeface="Times" panose="02020603050405020304" pitchFamily="18" charset="0"/>
+              <a:cs typeface="Times" panose="02020603050405020304" pitchFamily="18" charset="0"/>
+            </a:endParaRPr>
+          </a:p>
+        </p:txBody>
+      </p:sp>
+      <p:sp>
+        <p:nvSpPr>
+          <p:cNvPr id="3" name="內容版面配置區 2">
+            <a:extLst>
+              <a:ext uri="{FF2B5EF4-FFF2-40B4-BE49-F238E27FC236}">
+                <a16:creationId xmlns:a16="http://schemas.microsoft.com/office/drawing/2014/main" id="{6532586F-2B33-9C61-58DC-9046125E1570}"/>
+              </a:ext>
+            </a:extLst>
+          </p:cNvPr>
+          <p:cNvSpPr>
+            <a:spLocks noGrp="1"/>
+          </p:cNvSpPr>
+          <p:nvPr>
+            <p:ph idx="1"/>
+          </p:nvPr>
+        </p:nvSpPr>
+        <p:spPr>
+          <a:xfrm>
+            <a:off x="838199" y="1825625"/>
+            <a:ext cx="11823551" cy="4351338"/>
+          </a:xfrm>
+        </p:spPr>
+        <p:txBody>
+          <a:bodyPr>
+            <a:normAutofit/>
+          </a:bodyPr>
+          <a:lstStyle/>
+          <a:p>
+            <a:pPr marL="457200" indent="-457200">
+              <a:lnSpc>
+                <a:spcPct val="150000"/>
+              </a:lnSpc>
+              <a:buFont typeface="+mj-lt"/>
+              <a:buAutoNum type="arabicPeriod" startAt="3"/>
+            </a:pPr>
+            <a:r>
+              <a:rPr lang="en-US" altLang="zh-TW" sz="2200" dirty="0">
+                <a:latin typeface="Times" panose="02020603050405020304" pitchFamily="18" charset="0"/>
+                <a:ea typeface="標楷體" panose="03000509000000000000" pitchFamily="65" charset="-120"/>
+                <a:cs typeface="Times" panose="02020603050405020304" pitchFamily="18" charset="0"/>
+              </a:rPr>
+              <a:t>MOGA-</a:t>
+            </a:r>
+            <a:r>
+              <a:rPr lang="en-US" altLang="zh-TW" sz="2200" dirty="0" err="1">
+                <a:latin typeface="Times" panose="02020603050405020304" pitchFamily="18" charset="0"/>
+                <a:ea typeface="標楷體" panose="03000509000000000000" pitchFamily="65" charset="-120"/>
+                <a:cs typeface="Times" panose="02020603050405020304" pitchFamily="18" charset="0"/>
+              </a:rPr>
+              <a:t>CmpCNN</a:t>
+            </a:r>
+            <a:r>
+              <a:rPr lang="en-US" altLang="zh-TW" sz="2200" dirty="0">
+                <a:latin typeface="Times" panose="02020603050405020304" pitchFamily="18" charset="0"/>
+                <a:ea typeface="標楷體" panose="03000509000000000000" pitchFamily="65" charset="-120"/>
+                <a:cs typeface="Times" panose="02020603050405020304" pitchFamily="18" charset="0"/>
+              </a:rPr>
+              <a:t> Fill Insertion</a:t>
+            </a:r>
+          </a:p>
+          <a:p>
+            <a:pPr lvl="1">
+              <a:lnSpc>
+                <a:spcPct val="150000"/>
+              </a:lnSpc>
+            </a:pPr>
+            <a:r>
+              <a:rPr lang="en-US" altLang="zh-TW" sz="2000" dirty="0">
+                <a:latin typeface="Times" panose="02020603050405020304" pitchFamily="18" charset="0"/>
+                <a:ea typeface="標楷體" panose="03000509000000000000" pitchFamily="65" charset="-120"/>
+                <a:cs typeface="Times" panose="02020603050405020304" pitchFamily="18" charset="0"/>
+              </a:rPr>
+              <a:t>View the entire metal fill process as a unified entity.</a:t>
+            </a:r>
+          </a:p>
+          <a:p>
+            <a:pPr lvl="1">
+              <a:lnSpc>
+                <a:spcPct val="150000"/>
+              </a:lnSpc>
+            </a:pPr>
+            <a:r>
+              <a:rPr lang="en-US" altLang="zh-TW" sz="2000" dirty="0">
+                <a:latin typeface="Times" panose="02020603050405020304" pitchFamily="18" charset="0"/>
+                <a:ea typeface="標楷體" panose="03000509000000000000" pitchFamily="65" charset="-120"/>
+                <a:cs typeface="Times" panose="02020603050405020304" pitchFamily="18" charset="0"/>
+              </a:rPr>
+              <a:t>Integrate MOGA with </a:t>
+            </a:r>
+            <a:r>
+              <a:rPr lang="en-US" altLang="zh-TW" sz="2000" dirty="0" err="1">
+                <a:latin typeface="Times" panose="02020603050405020304" pitchFamily="18" charset="0"/>
+                <a:ea typeface="標楷體" panose="03000509000000000000" pitchFamily="65" charset="-120"/>
+                <a:cs typeface="Times" panose="02020603050405020304" pitchFamily="18" charset="0"/>
+              </a:rPr>
+              <a:t>CmpCNN</a:t>
+            </a:r>
+            <a:r>
+              <a:rPr lang="en-US" altLang="zh-TW" sz="2000" dirty="0">
+                <a:latin typeface="Times" panose="02020603050405020304" pitchFamily="18" charset="0"/>
+                <a:ea typeface="標楷體" panose="03000509000000000000" pitchFamily="65" charset="-120"/>
+                <a:cs typeface="Times" panose="02020603050405020304" pitchFamily="18" charset="0"/>
+              </a:rPr>
+              <a:t> model to optimize </a:t>
+            </a:r>
+            <a:r>
+              <a:rPr lang="en-US" altLang="zh-TW" sz="2000" i="1" dirty="0">
+                <a:latin typeface="Times" panose="02020603050405020304" pitchFamily="18" charset="0"/>
+                <a:ea typeface="標楷體" panose="03000509000000000000" pitchFamily="65" charset="-120"/>
+                <a:cs typeface="Times" panose="02020603050405020304" pitchFamily="18" charset="0"/>
+              </a:rPr>
+              <a:t>fill width, fill length, </a:t>
+            </a:r>
+            <a:r>
+              <a:rPr lang="en-US" altLang="zh-TW" sz="2000" dirty="0">
+                <a:latin typeface="Times" panose="02020603050405020304" pitchFamily="18" charset="0"/>
+                <a:ea typeface="標楷體" panose="03000509000000000000" pitchFamily="65" charset="-120"/>
+                <a:cs typeface="Times" panose="02020603050405020304" pitchFamily="18" charset="0"/>
+              </a:rPr>
+              <a:t>and </a:t>
+            </a:r>
+            <a:r>
+              <a:rPr lang="en-US" altLang="zh-TW" sz="2000" i="1" dirty="0">
+                <a:latin typeface="Times" panose="02020603050405020304" pitchFamily="18" charset="0"/>
+                <a:ea typeface="標楷體" panose="03000509000000000000" pitchFamily="65" charset="-120"/>
+                <a:cs typeface="Times" panose="02020603050405020304" pitchFamily="18" charset="0"/>
+              </a:rPr>
+              <a:t>fill space </a:t>
+            </a:r>
+            <a:r>
+              <a:rPr lang="en-US" altLang="zh-TW" sz="2000" dirty="0">
+                <a:latin typeface="Times" panose="02020603050405020304" pitchFamily="18" charset="0"/>
+                <a:ea typeface="標楷體" panose="03000509000000000000" pitchFamily="65" charset="-120"/>
+                <a:cs typeface="Times" panose="02020603050405020304" pitchFamily="18" charset="0"/>
+              </a:rPr>
+              <a:t>in 2 directions.</a:t>
+            </a:r>
+          </a:p>
+          <a:p>
+            <a:pPr lvl="1">
+              <a:lnSpc>
+                <a:spcPct val="150000"/>
+              </a:lnSpc>
+            </a:pPr>
+            <a:endParaRPr lang="en-US" altLang="zh-TW" sz="2000" dirty="0">
+              <a:latin typeface="Times" panose="02020603050405020304" pitchFamily="18" charset="0"/>
+              <a:ea typeface="標楷體" panose="03000509000000000000" pitchFamily="65" charset="-120"/>
+              <a:cs typeface="Times" panose="02020603050405020304" pitchFamily="18" charset="0"/>
+            </a:endParaRPr>
+          </a:p>
+        </p:txBody>
+      </p:sp>
+      <p:sp>
+        <p:nvSpPr>
+          <p:cNvPr id="4" name="投影片編號版面配置區 3">
+            <a:extLst>
+              <a:ext uri="{FF2B5EF4-FFF2-40B4-BE49-F238E27FC236}">
+                <a16:creationId xmlns:a16="http://schemas.microsoft.com/office/drawing/2014/main" id="{4F34BD4F-A1A7-2695-B9CD-0B31024175B2}"/>
+              </a:ext>
+            </a:extLst>
+          </p:cNvPr>
+          <p:cNvSpPr>
+            <a:spLocks noGrp="1"/>
+          </p:cNvSpPr>
+          <p:nvPr>
+            <p:ph type="sldNum" sz="quarter" idx="12"/>
+          </p:nvPr>
+        </p:nvSpPr>
+        <p:spPr/>
+        <p:txBody>
+          <a:bodyPr/>
+          <a:lstStyle/>
+          <a:p>
+            <a:fld id="{666274A1-CF9C-426A-8DD4-B13ED0C24231}" type="slidenum">
+              <a:rPr lang="en-US" smtClean="0"/>
+              <a:t>10</a:t>
+            </a:fld>
+            <a:endParaRPr lang="en-US"/>
+          </a:p>
+        </p:txBody>
+      </p:sp>
+    </p:spTree>
+    <p:extLst>
+      <p:ext uri="{BB962C8B-B14F-4D97-AF65-F5344CB8AC3E}">
+        <p14:creationId xmlns:p14="http://schemas.microsoft.com/office/powerpoint/2010/main" val="978978491"/>
       </p:ext>
     </p:extLst>
   </p:cSld>
@@ -8299,268 +9193,6 @@
             </a:r>
           </a:p>
           <a:p>
-            <a:pPr lvl="1">
-              <a:lnSpc>
-                <a:spcPct val="150000"/>
-              </a:lnSpc>
-            </a:pPr>
-            <a:r>
-              <a:rPr lang="en-US" altLang="zh-TW" sz="2000" dirty="0">
-                <a:latin typeface="Times" panose="02020603050405020304" pitchFamily="18" charset="0"/>
-                <a:ea typeface="標楷體" panose="03000509000000000000" pitchFamily="65" charset="-120"/>
-                <a:cs typeface="Times" panose="02020603050405020304" pitchFamily="18" charset="0"/>
-              </a:rPr>
-              <a:t>View the entire metal fill process as a unified entity.</a:t>
-            </a:r>
-          </a:p>
-          <a:p>
-            <a:pPr lvl="1">
-              <a:lnSpc>
-                <a:spcPct val="150000"/>
-              </a:lnSpc>
-            </a:pPr>
-            <a:r>
-              <a:rPr lang="en-US" altLang="zh-TW" sz="2000" dirty="0">
-                <a:latin typeface="Times" panose="02020603050405020304" pitchFamily="18" charset="0"/>
-                <a:ea typeface="標楷體" panose="03000509000000000000" pitchFamily="65" charset="-120"/>
-                <a:cs typeface="Times" panose="02020603050405020304" pitchFamily="18" charset="0"/>
-              </a:rPr>
-              <a:t>Integrate MOGA with </a:t>
-            </a:r>
-            <a:r>
-              <a:rPr lang="en-US" altLang="zh-TW" sz="2000" dirty="0" err="1">
-                <a:latin typeface="Times" panose="02020603050405020304" pitchFamily="18" charset="0"/>
-                <a:ea typeface="標楷體" panose="03000509000000000000" pitchFamily="65" charset="-120"/>
-                <a:cs typeface="Times" panose="02020603050405020304" pitchFamily="18" charset="0"/>
-              </a:rPr>
-              <a:t>CmpCNN</a:t>
-            </a:r>
-            <a:r>
-              <a:rPr lang="en-US" altLang="zh-TW" sz="2000" dirty="0">
-                <a:latin typeface="Times" panose="02020603050405020304" pitchFamily="18" charset="0"/>
-                <a:ea typeface="標楷體" panose="03000509000000000000" pitchFamily="65" charset="-120"/>
-                <a:cs typeface="Times" panose="02020603050405020304" pitchFamily="18" charset="0"/>
-              </a:rPr>
-              <a:t> model to optimize </a:t>
-            </a:r>
-            <a:r>
-              <a:rPr lang="en-US" altLang="zh-TW" sz="2000" i="1" dirty="0">
-                <a:latin typeface="Times" panose="02020603050405020304" pitchFamily="18" charset="0"/>
-                <a:ea typeface="標楷體" panose="03000509000000000000" pitchFamily="65" charset="-120"/>
-                <a:cs typeface="Times" panose="02020603050405020304" pitchFamily="18" charset="0"/>
-              </a:rPr>
-              <a:t>fill width, fill length, </a:t>
-            </a:r>
-            <a:r>
-              <a:rPr lang="en-US" altLang="zh-TW" sz="2000" dirty="0">
-                <a:latin typeface="Times" panose="02020603050405020304" pitchFamily="18" charset="0"/>
-                <a:ea typeface="標楷體" panose="03000509000000000000" pitchFamily="65" charset="-120"/>
-                <a:cs typeface="Times" panose="02020603050405020304" pitchFamily="18" charset="0"/>
-              </a:rPr>
-              <a:t>and </a:t>
-            </a:r>
-            <a:r>
-              <a:rPr lang="en-US" altLang="zh-TW" sz="2000" i="1" dirty="0">
-                <a:latin typeface="Times" panose="02020603050405020304" pitchFamily="18" charset="0"/>
-                <a:ea typeface="標楷體" panose="03000509000000000000" pitchFamily="65" charset="-120"/>
-                <a:cs typeface="Times" panose="02020603050405020304" pitchFamily="18" charset="0"/>
-              </a:rPr>
-              <a:t>fill space </a:t>
-            </a:r>
-            <a:r>
-              <a:rPr lang="en-US" altLang="zh-TW" sz="2000" dirty="0">
-                <a:latin typeface="Times" panose="02020603050405020304" pitchFamily="18" charset="0"/>
-                <a:ea typeface="標楷體" panose="03000509000000000000" pitchFamily="65" charset="-120"/>
-                <a:cs typeface="Times" panose="02020603050405020304" pitchFamily="18" charset="0"/>
-              </a:rPr>
-              <a:t>in 2 directions.</a:t>
-            </a:r>
-          </a:p>
-          <a:p>
-            <a:pPr lvl="1">
-              <a:lnSpc>
-                <a:spcPct val="150000"/>
-              </a:lnSpc>
-            </a:pPr>
-            <a:endParaRPr lang="en-US" altLang="zh-TW" sz="2000" dirty="0">
-              <a:latin typeface="Times" panose="02020603050405020304" pitchFamily="18" charset="0"/>
-              <a:ea typeface="標楷體" panose="03000509000000000000" pitchFamily="65" charset="-120"/>
-              <a:cs typeface="Times" panose="02020603050405020304" pitchFamily="18" charset="0"/>
-            </a:endParaRPr>
-          </a:p>
-        </p:txBody>
-      </p:sp>
-      <p:sp>
-        <p:nvSpPr>
-          <p:cNvPr id="4" name="投影片編號版面配置區 3">
-            <a:extLst>
-              <a:ext uri="{FF2B5EF4-FFF2-40B4-BE49-F238E27FC236}">
-                <a16:creationId xmlns:a16="http://schemas.microsoft.com/office/drawing/2014/main" id="{4F34BD4F-A1A7-2695-B9CD-0B31024175B2}"/>
-              </a:ext>
-            </a:extLst>
-          </p:cNvPr>
-          <p:cNvSpPr>
-            <a:spLocks noGrp="1"/>
-          </p:cNvSpPr>
-          <p:nvPr>
-            <p:ph type="sldNum" sz="quarter" idx="12"/>
-          </p:nvPr>
-        </p:nvSpPr>
-        <p:spPr/>
-        <p:txBody>
-          <a:bodyPr/>
-          <a:lstStyle/>
-          <a:p>
-            <a:fld id="{666274A1-CF9C-426A-8DD4-B13ED0C24231}" type="slidenum">
-              <a:rPr lang="en-US" smtClean="0"/>
-              <a:t>11</a:t>
-            </a:fld>
-            <a:endParaRPr lang="en-US"/>
-          </a:p>
-        </p:txBody>
-      </p:sp>
-    </p:spTree>
-    <p:extLst>
-      <p:ext uri="{BB962C8B-B14F-4D97-AF65-F5344CB8AC3E}">
-        <p14:creationId xmlns:p14="http://schemas.microsoft.com/office/powerpoint/2010/main" val="978978491"/>
-      </p:ext>
-    </p:extLst>
-  </p:cSld>
-  <p:clrMapOvr>
-    <a:masterClrMapping/>
-  </p:clrMapOvr>
-</p:sld>
-</file>
-
-<file path=ppt/slides/slide13.xml><?xml version="1.0" encoding="utf-8"?>
-<p:sld xmlns:a="http://schemas.openxmlformats.org/drawingml/2006/main" xmlns:r="http://schemas.openxmlformats.org/officeDocument/2006/relationships" xmlns:p="http://schemas.openxmlformats.org/presentationml/2006/main">
-  <p:cSld>
-    <p:spTree>
-      <p:nvGrpSpPr>
-        <p:cNvPr id="1" name=""/>
-        <p:cNvGrpSpPr/>
-        <p:nvPr/>
-      </p:nvGrpSpPr>
-      <p:grpSpPr>
-        <a:xfrm>
-          <a:off x="0" y="0"/>
-          <a:ext cx="0" cy="0"/>
-          <a:chOff x="0" y="0"/>
-          <a:chExt cx="0" cy="0"/>
-        </a:xfrm>
-      </p:grpSpPr>
-      <p:sp>
-        <p:nvSpPr>
-          <p:cNvPr id="2" name="標題 1">
-            <a:extLst>
-              <a:ext uri="{FF2B5EF4-FFF2-40B4-BE49-F238E27FC236}">
-                <a16:creationId xmlns:a16="http://schemas.microsoft.com/office/drawing/2014/main" id="{F49B282A-FF7E-D28E-E7C9-7C9011B3A142}"/>
-              </a:ext>
-            </a:extLst>
-          </p:cNvPr>
-          <p:cNvSpPr>
-            <a:spLocks noGrp="1"/>
-          </p:cNvSpPr>
-          <p:nvPr>
-            <p:ph type="title"/>
-          </p:nvPr>
-        </p:nvSpPr>
-        <p:spPr/>
-        <p:txBody>
-          <a:bodyPr>
-            <a:normAutofit/>
-          </a:bodyPr>
-          <a:lstStyle/>
-          <a:p>
-            <a:r>
-              <a:rPr lang="en-US" altLang="zh-TW" sz="4000" dirty="0">
-                <a:latin typeface="Times" panose="02020603050405020304" pitchFamily="18" charset="0"/>
-                <a:cs typeface="Times" panose="02020603050405020304" pitchFamily="18" charset="0"/>
-              </a:rPr>
-              <a:t>MOGA-</a:t>
-            </a:r>
-            <a:r>
-              <a:rPr lang="en-US" altLang="zh-TW" sz="4000" dirty="0" err="1">
-                <a:latin typeface="Times" panose="02020603050405020304" pitchFamily="18" charset="0"/>
-                <a:cs typeface="Times" panose="02020603050405020304" pitchFamily="18" charset="0"/>
-              </a:rPr>
-              <a:t>CmpCNN</a:t>
-            </a:r>
-            <a:r>
-              <a:rPr lang="en-US" altLang="zh-TW" sz="4000" dirty="0">
-                <a:latin typeface="Times" panose="02020603050405020304" pitchFamily="18" charset="0"/>
-                <a:cs typeface="Times" panose="02020603050405020304" pitchFamily="18" charset="0"/>
-              </a:rPr>
-              <a:t> Framework</a:t>
-            </a:r>
-            <a:endParaRPr lang="zh-TW" altLang="en-US" sz="4000" dirty="0">
-              <a:latin typeface="Times" panose="02020603050405020304" pitchFamily="18" charset="0"/>
-              <a:cs typeface="Times" panose="02020603050405020304" pitchFamily="18" charset="0"/>
-            </a:endParaRPr>
-          </a:p>
-        </p:txBody>
-      </p:sp>
-      <p:sp>
-        <p:nvSpPr>
-          <p:cNvPr id="3" name="內容版面配置區 2">
-            <a:extLst>
-              <a:ext uri="{FF2B5EF4-FFF2-40B4-BE49-F238E27FC236}">
-                <a16:creationId xmlns:a16="http://schemas.microsoft.com/office/drawing/2014/main" id="{6532586F-2B33-9C61-58DC-9046125E1570}"/>
-              </a:ext>
-            </a:extLst>
-          </p:cNvPr>
-          <p:cNvSpPr>
-            <a:spLocks noGrp="1"/>
-          </p:cNvSpPr>
-          <p:nvPr>
-            <p:ph idx="1"/>
-          </p:nvPr>
-        </p:nvSpPr>
-        <p:spPr>
-          <a:xfrm>
-            <a:off x="838199" y="1825625"/>
-            <a:ext cx="11823551" cy="4351338"/>
-          </a:xfrm>
-        </p:spPr>
-        <p:txBody>
-          <a:bodyPr>
-            <a:normAutofit/>
-          </a:bodyPr>
-          <a:lstStyle/>
-          <a:p>
-            <a:pPr marL="457200" indent="-457200">
-              <a:lnSpc>
-                <a:spcPct val="150000"/>
-              </a:lnSpc>
-              <a:buFont typeface="+mj-lt"/>
-              <a:buAutoNum type="arabicPeriod" startAt="3"/>
-            </a:pPr>
-            <a:r>
-              <a:rPr lang="en-US" altLang="zh-TW" sz="2200" dirty="0">
-                <a:latin typeface="Times" panose="02020603050405020304" pitchFamily="18" charset="0"/>
-                <a:ea typeface="標楷體" panose="03000509000000000000" pitchFamily="65" charset="-120"/>
-                <a:cs typeface="Times" panose="02020603050405020304" pitchFamily="18" charset="0"/>
-              </a:rPr>
-              <a:t>MOGA-</a:t>
-            </a:r>
-            <a:r>
-              <a:rPr lang="en-US" altLang="zh-TW" sz="2200" dirty="0" err="1">
-                <a:latin typeface="Times" panose="02020603050405020304" pitchFamily="18" charset="0"/>
-                <a:ea typeface="標楷體" panose="03000509000000000000" pitchFamily="65" charset="-120"/>
-                <a:cs typeface="Times" panose="02020603050405020304" pitchFamily="18" charset="0"/>
-              </a:rPr>
-              <a:t>CmpCNN</a:t>
-            </a:r>
-            <a:r>
-              <a:rPr lang="en-US" altLang="zh-TW" sz="2200" dirty="0">
-                <a:latin typeface="Times" panose="02020603050405020304" pitchFamily="18" charset="0"/>
-                <a:ea typeface="標楷體" panose="03000509000000000000" pitchFamily="65" charset="-120"/>
-                <a:cs typeface="Times" panose="02020603050405020304" pitchFamily="18" charset="0"/>
-              </a:rPr>
-              <a:t> Fill Insertion</a:t>
-            </a:r>
-          </a:p>
-          <a:p>
             <a:pPr marL="457200" indent="-457200">
               <a:lnSpc>
                 <a:spcPct val="150000"/>
@@ -8646,7 +9278,7 @@
           <a:p>
             <a:fld id="{666274A1-CF9C-426A-8DD4-B13ED0C24231}" type="slidenum">
               <a:rPr lang="en-US" smtClean="0"/>
-              <a:t>12</a:t>
+              <a:t>11</a:t>
             </a:fld>
             <a:endParaRPr lang="en-US"/>
           </a:p>
@@ -8695,7 +9327,7 @@
 </p:sld>
 </file>
 
-<file path=ppt/slides/slide14.xml><?xml version="1.0" encoding="utf-8"?>
+<file path=ppt/slides/slide13.xml><?xml version="1.0" encoding="utf-8"?>
 <p:sld xmlns:a="http://schemas.openxmlformats.org/drawingml/2006/main" xmlns:r="http://schemas.openxmlformats.org/officeDocument/2006/relationships" xmlns:p="http://schemas.openxmlformats.org/presentationml/2006/main">
   <p:cSld>
     <p:spTree>
@@ -8925,7 +9557,7 @@
           <a:p>
             <a:fld id="{666274A1-CF9C-426A-8DD4-B13ED0C24231}" type="slidenum">
               <a:rPr lang="en-US" smtClean="0"/>
-              <a:t>13</a:t>
+              <a:t>12</a:t>
             </a:fld>
             <a:endParaRPr lang="en-US"/>
           </a:p>
@@ -8974,7 +9606,7 @@
 </p:sld>
 </file>
 
-<file path=ppt/slides/slide15.xml><?xml version="1.0" encoding="utf-8"?>
+<file path=ppt/slides/slide14.xml><?xml version="1.0" encoding="utf-8"?>
 <p:sld xmlns:a="http://schemas.openxmlformats.org/drawingml/2006/main" xmlns:r="http://schemas.openxmlformats.org/officeDocument/2006/relationships" xmlns:p="http://schemas.openxmlformats.org/presentationml/2006/main">
   <p:cSld>
     <p:spTree>
@@ -9220,7 +9852,7 @@
           <a:p>
             <a:fld id="{666274A1-CF9C-426A-8DD4-B13ED0C24231}" type="slidenum">
               <a:rPr lang="en-US" smtClean="0"/>
-              <a:t>14</a:t>
+              <a:t>13</a:t>
             </a:fld>
             <a:endParaRPr lang="en-US"/>
           </a:p>
@@ -9269,7 +9901,7 @@
 </p:sld>
 </file>
 
-<file path=ppt/slides/slide16.xml><?xml version="1.0" encoding="utf-8"?>
+<file path=ppt/slides/slide15.xml><?xml version="1.0" encoding="utf-8"?>
 <p:sld xmlns:a="http://schemas.openxmlformats.org/drawingml/2006/main" xmlns:r="http://schemas.openxmlformats.org/officeDocument/2006/relationships" xmlns:p="http://schemas.openxmlformats.org/presentationml/2006/main">
   <p:cSld>
     <p:spTree>
@@ -9499,7 +10131,7 @@
           <a:p>
             <a:fld id="{666274A1-CF9C-426A-8DD4-B13ED0C24231}" type="slidenum">
               <a:rPr lang="en-US" smtClean="0"/>
-              <a:t>15</a:t>
+              <a:t>14</a:t>
             </a:fld>
             <a:endParaRPr lang="en-US"/>
           </a:p>
@@ -9548,7 +10180,7 @@
 </p:sld>
 </file>
 
-<file path=ppt/slides/slide17.xml><?xml version="1.0" encoding="utf-8"?>
+<file path=ppt/slides/slide16.xml><?xml version="1.0" encoding="utf-8"?>
 <p:sld xmlns:a="http://schemas.openxmlformats.org/drawingml/2006/main" xmlns:r="http://schemas.openxmlformats.org/officeDocument/2006/relationships" xmlns:p="http://schemas.openxmlformats.org/presentationml/2006/main">
   <p:cSld>
     <p:spTree>
@@ -9794,7 +10426,7 @@
           <a:p>
             <a:fld id="{666274A1-CF9C-426A-8DD4-B13ED0C24231}" type="slidenum">
               <a:rPr lang="en-US" smtClean="0"/>
-              <a:t>16</a:t>
+              <a:t>15</a:t>
             </a:fld>
             <a:endParaRPr lang="en-US"/>
           </a:p>
@@ -9843,7 +10475,7 @@
 </p:sld>
 </file>
 
-<file path=ppt/slides/slide18.xml><?xml version="1.0" encoding="utf-8"?>
+<file path=ppt/slides/slide17.xml><?xml version="1.0" encoding="utf-8"?>
 <p:sld xmlns:a="http://schemas.openxmlformats.org/drawingml/2006/main" xmlns:r="http://schemas.openxmlformats.org/officeDocument/2006/relationships" xmlns:p="http://schemas.openxmlformats.org/presentationml/2006/main">
   <p:cSld>
     <p:spTree>
@@ -10378,7 +11010,7 @@
           <a:p>
             <a:fld id="{666274A1-CF9C-426A-8DD4-B13ED0C24231}" type="slidenum">
               <a:rPr lang="en-US" smtClean="0"/>
-              <a:t>17</a:t>
+              <a:t>16</a:t>
             </a:fld>
             <a:endParaRPr lang="en-US" dirty="0"/>
           </a:p>
@@ -11009,7 +11641,7 @@
 </p:sld>
 </file>
 
-<file path=ppt/slides/slide19.xml><?xml version="1.0" encoding="utf-8"?>
+<file path=ppt/slides/slide18.xml><?xml version="1.0" encoding="utf-8"?>
 <p:sld xmlns:a="http://schemas.openxmlformats.org/drawingml/2006/main" xmlns:r="http://schemas.openxmlformats.org/officeDocument/2006/relationships" xmlns:p="http://schemas.openxmlformats.org/presentationml/2006/main">
   <p:cSld>
     <p:spTree>
@@ -11107,7 +11739,7 @@
           <a:p>
             <a:fld id="{666274A1-CF9C-426A-8DD4-B13ED0C24231}" type="slidenum">
               <a:rPr lang="en-US" smtClean="0"/>
-              <a:t>18</a:t>
+              <a:t>17</a:t>
             </a:fld>
             <a:endParaRPr lang="en-US" dirty="0"/>
           </a:p>
@@ -11156,7 +11788,7 @@
 </p:sld>
 </file>
 
-<file path=ppt/slides/slide2.xml><?xml version="1.0" encoding="utf-8"?>
+<file path=ppt/slides/slide19.xml><?xml version="1.0" encoding="utf-8"?>
 <p:sld xmlns:a="http://schemas.openxmlformats.org/drawingml/2006/main" xmlns:r="http://schemas.openxmlformats.org/officeDocument/2006/relationships" xmlns:p="http://schemas.openxmlformats.org/presentationml/2006/main">
   <p:cSld>
     <p:spTree>
@@ -11175,405 +11807,6 @@
       </p:grpSpPr>
       <p:sp>
         <p:nvSpPr>
-          <p:cNvPr id="2" name="Title 1">
-            <a:extLst>
-              <a:ext uri="{FF2B5EF4-FFF2-40B4-BE49-F238E27FC236}">
-                <a16:creationId xmlns:a16="http://schemas.microsoft.com/office/drawing/2014/main" id="{034B2B09-3A89-725A-85C2-749F88A4474D}"/>
-              </a:ext>
-            </a:extLst>
-          </p:cNvPr>
-          <p:cNvSpPr>
-            <a:spLocks noGrp="1"/>
-          </p:cNvSpPr>
-          <p:nvPr>
-            <p:ph type="title"/>
-          </p:nvPr>
-        </p:nvSpPr>
-        <p:spPr/>
-        <p:txBody>
-          <a:bodyPr/>
-          <a:lstStyle/>
-          <a:p>
-            <a:r>
-              <a:rPr lang="en-US" sz="4000" dirty="0">
-                <a:latin typeface="Times New Roman" panose="02020603050405020304" pitchFamily="18" charset="0"/>
-                <a:cs typeface="Times New Roman" panose="02020603050405020304" pitchFamily="18" charset="0"/>
-              </a:rPr>
-              <a:t>Outline</a:t>
-            </a:r>
-            <a:endParaRPr lang="en-US" dirty="0">
-              <a:latin typeface="Times New Roman" panose="02020603050405020304" pitchFamily="18" charset="0"/>
-              <a:cs typeface="Times New Roman" panose="02020603050405020304" pitchFamily="18" charset="0"/>
-            </a:endParaRPr>
-          </a:p>
-        </p:txBody>
-      </p:sp>
-      <p:sp>
-        <p:nvSpPr>
-          <p:cNvPr id="4" name="Slide Number Placeholder 3">
-            <a:extLst>
-              <a:ext uri="{FF2B5EF4-FFF2-40B4-BE49-F238E27FC236}">
-                <a16:creationId xmlns:a16="http://schemas.microsoft.com/office/drawing/2014/main" id="{3592E110-E718-0573-BF00-CE5E90916A66}"/>
-              </a:ext>
-            </a:extLst>
-          </p:cNvPr>
-          <p:cNvSpPr>
-            <a:spLocks noGrp="1"/>
-          </p:cNvSpPr>
-          <p:nvPr>
-            <p:ph type="sldNum" sz="quarter" idx="12"/>
-          </p:nvPr>
-        </p:nvSpPr>
-        <p:spPr/>
-        <p:txBody>
-          <a:bodyPr/>
-          <a:lstStyle/>
-          <a:p>
-            <a:fld id="{666274A1-CF9C-426A-8DD4-B13ED0C24231}" type="slidenum">
-              <a:rPr lang="en-US" smtClean="0"/>
-              <a:t>1</a:t>
-            </a:fld>
-            <a:endParaRPr lang="en-US"/>
-          </a:p>
-        </p:txBody>
-      </p:sp>
-      <p:sp>
-        <p:nvSpPr>
-          <p:cNvPr id="7" name="Content Placeholder 2">
-            <a:extLst>
-              <a:ext uri="{FF2B5EF4-FFF2-40B4-BE49-F238E27FC236}">
-                <a16:creationId xmlns:a16="http://schemas.microsoft.com/office/drawing/2014/main" id="{85FB6EDC-A81C-417F-C3B2-4378D3D43B94}"/>
-              </a:ext>
-            </a:extLst>
-          </p:cNvPr>
-          <p:cNvSpPr txBox="1">
-            <a:spLocks/>
-          </p:cNvSpPr>
-          <p:nvPr/>
-        </p:nvSpPr>
-        <p:spPr>
-          <a:xfrm>
-            <a:off x="1028700" y="1690688"/>
-            <a:ext cx="10515600" cy="4351338"/>
-          </a:xfrm>
-          <a:prstGeom prst="rect">
-            <a:avLst/>
-          </a:prstGeom>
-        </p:spPr>
-        <p:txBody>
-          <a:bodyPr vert="horz" lIns="91440" tIns="45720" rIns="91440" bIns="45720" rtlCol="0">
-            <a:normAutofit/>
-          </a:bodyPr>
-          <a:lstStyle>
-            <a:lvl1pPr marL="228600" indent="-228600" algn="l" defTabSz="914400" rtl="0" eaLnBrk="1" latinLnBrk="0" hangingPunct="1">
-              <a:lnSpc>
-                <a:spcPct val="90000"/>
-              </a:lnSpc>
-              <a:spcBef>
-                <a:spcPts val="1000"/>
-              </a:spcBef>
-              <a:buFont typeface="Arial" panose="020B0604020202020204" pitchFamily="34" charset="0"/>
-              <a:buChar char="•"/>
-              <a:defRPr sz="2800" kern="1200">
-                <a:solidFill>
-                  <a:schemeClr val="tx1"/>
-                </a:solidFill>
-                <a:latin typeface="+mn-lt"/>
-                <a:ea typeface="+mn-ea"/>
-                <a:cs typeface="+mn-cs"/>
-              </a:defRPr>
-            </a:lvl1pPr>
-            <a:lvl2pPr marL="685800" indent="-228600" algn="l" defTabSz="914400" rtl="0" eaLnBrk="1" latinLnBrk="0" hangingPunct="1">
-              <a:lnSpc>
-                <a:spcPct val="90000"/>
-              </a:lnSpc>
-              <a:spcBef>
-                <a:spcPts val="500"/>
-              </a:spcBef>
-              <a:buFont typeface="Arial" panose="020B0604020202020204" pitchFamily="34" charset="0"/>
-              <a:buChar char="•"/>
-              <a:defRPr sz="2400" kern="1200">
-                <a:solidFill>
-                  <a:schemeClr val="tx1"/>
-                </a:solidFill>
-                <a:latin typeface="+mn-lt"/>
-                <a:ea typeface="+mn-ea"/>
-                <a:cs typeface="+mn-cs"/>
-              </a:defRPr>
-            </a:lvl2pPr>
-            <a:lvl3pPr marL="1143000" indent="-228600" algn="l" defTabSz="914400" rtl="0" eaLnBrk="1" latinLnBrk="0" hangingPunct="1">
-              <a:lnSpc>
-                <a:spcPct val="90000"/>
-              </a:lnSpc>
-              <a:spcBef>
-                <a:spcPts val="500"/>
-              </a:spcBef>
-              <a:buFont typeface="Arial" panose="020B0604020202020204" pitchFamily="34" charset="0"/>
-              <a:buChar char="•"/>
-              <a:defRPr sz="2000" kern="1200">
-                <a:solidFill>
-                  <a:schemeClr val="tx1"/>
-                </a:solidFill>
-                <a:latin typeface="+mn-lt"/>
-                <a:ea typeface="+mn-ea"/>
-                <a:cs typeface="+mn-cs"/>
-              </a:defRPr>
-            </a:lvl3pPr>
-            <a:lvl4pPr marL="1600200" indent="-228600" algn="l" defTabSz="914400" rtl="0" eaLnBrk="1" latinLnBrk="0" hangingPunct="1">
-              <a:lnSpc>
-                <a:spcPct val="90000"/>
-              </a:lnSpc>
-              <a:spcBef>
-                <a:spcPts val="500"/>
-              </a:spcBef>
-              <a:buFont typeface="Arial" panose="020B0604020202020204" pitchFamily="34" charset="0"/>
-              <a:buChar char="•"/>
-              <a:defRPr sz="1800" kern="1200">
-                <a:solidFill>
-                  <a:schemeClr val="tx1"/>
-                </a:solidFill>
-                <a:latin typeface="+mn-lt"/>
-                <a:ea typeface="+mn-ea"/>
-                <a:cs typeface="+mn-cs"/>
-              </a:defRPr>
-            </a:lvl4pPr>
-            <a:lvl5pPr marL="2057400" indent="-228600" algn="l" defTabSz="914400" rtl="0" eaLnBrk="1" latinLnBrk="0" hangingPunct="1">
-              <a:lnSpc>
-                <a:spcPct val="90000"/>
-              </a:lnSpc>
-              <a:spcBef>
-                <a:spcPts val="500"/>
-              </a:spcBef>
-              <a:buFont typeface="Arial" panose="020B0604020202020204" pitchFamily="34" charset="0"/>
-              <a:buChar char="•"/>
-              <a:defRPr sz="1800" kern="1200">
-                <a:solidFill>
-                  <a:schemeClr val="tx1"/>
-                </a:solidFill>
-                <a:latin typeface="+mn-lt"/>
-                <a:ea typeface="+mn-ea"/>
-                <a:cs typeface="+mn-cs"/>
-              </a:defRPr>
-            </a:lvl5pPr>
-            <a:lvl6pPr marL="2514600" indent="-228600" algn="l" defTabSz="914400" rtl="0" eaLnBrk="1" latinLnBrk="0" hangingPunct="1">
-              <a:lnSpc>
-                <a:spcPct val="90000"/>
-              </a:lnSpc>
-              <a:spcBef>
-                <a:spcPts val="500"/>
-              </a:spcBef>
-              <a:buFont typeface="Arial" panose="020B0604020202020204" pitchFamily="34" charset="0"/>
-              <a:buChar char="•"/>
-              <a:defRPr sz="1800" kern="1200">
-                <a:solidFill>
-                  <a:schemeClr val="tx1"/>
-                </a:solidFill>
-                <a:latin typeface="+mn-lt"/>
-                <a:ea typeface="+mn-ea"/>
-                <a:cs typeface="+mn-cs"/>
-              </a:defRPr>
-            </a:lvl6pPr>
-            <a:lvl7pPr marL="2971800" indent="-228600" algn="l" defTabSz="914400" rtl="0" eaLnBrk="1" latinLnBrk="0" hangingPunct="1">
-              <a:lnSpc>
-                <a:spcPct val="90000"/>
-              </a:lnSpc>
-              <a:spcBef>
-                <a:spcPts val="500"/>
-              </a:spcBef>
-              <a:buFont typeface="Arial" panose="020B0604020202020204" pitchFamily="34" charset="0"/>
-              <a:buChar char="•"/>
-              <a:defRPr sz="1800" kern="1200">
-                <a:solidFill>
-                  <a:schemeClr val="tx1"/>
-                </a:solidFill>
-                <a:latin typeface="+mn-lt"/>
-                <a:ea typeface="+mn-ea"/>
-                <a:cs typeface="+mn-cs"/>
-              </a:defRPr>
-            </a:lvl7pPr>
-            <a:lvl8pPr marL="3429000" indent="-228600" algn="l" defTabSz="914400" rtl="0" eaLnBrk="1" latinLnBrk="0" hangingPunct="1">
-              <a:lnSpc>
-                <a:spcPct val="90000"/>
-              </a:lnSpc>
-              <a:spcBef>
-                <a:spcPts val="500"/>
-              </a:spcBef>
-              <a:buFont typeface="Arial" panose="020B0604020202020204" pitchFamily="34" charset="0"/>
-              <a:buChar char="•"/>
-              <a:defRPr sz="1800" kern="1200">
-                <a:solidFill>
-                  <a:schemeClr val="tx1"/>
-                </a:solidFill>
-                <a:latin typeface="+mn-lt"/>
-                <a:ea typeface="+mn-ea"/>
-                <a:cs typeface="+mn-cs"/>
-              </a:defRPr>
-            </a:lvl8pPr>
-            <a:lvl9pPr marL="3886200" indent="-228600" algn="l" defTabSz="914400" rtl="0" eaLnBrk="1" latinLnBrk="0" hangingPunct="1">
-              <a:lnSpc>
-                <a:spcPct val="90000"/>
-              </a:lnSpc>
-              <a:spcBef>
-                <a:spcPts val="500"/>
-              </a:spcBef>
-              <a:buFont typeface="Arial" panose="020B0604020202020204" pitchFamily="34" charset="0"/>
-              <a:buChar char="•"/>
-              <a:defRPr sz="1800" kern="1200">
-                <a:solidFill>
-                  <a:schemeClr val="tx1"/>
-                </a:solidFill>
-                <a:latin typeface="+mn-lt"/>
-                <a:ea typeface="+mn-ea"/>
-                <a:cs typeface="+mn-cs"/>
-              </a:defRPr>
-            </a:lvl9pPr>
-          </a:lstStyle>
-          <a:p>
-            <a:pPr>
-              <a:lnSpc>
-                <a:spcPct val="130000"/>
-              </a:lnSpc>
-            </a:pPr>
-            <a:r>
-              <a:rPr lang="en-US" sz="2400" dirty="0">
-                <a:latin typeface="Times New Roman" panose="02020603050405020304" pitchFamily="18" charset="0"/>
-                <a:cs typeface="Times New Roman" panose="02020603050405020304" pitchFamily="18" charset="0"/>
-              </a:rPr>
-              <a:t>Introduction</a:t>
-            </a:r>
-          </a:p>
-          <a:p>
-            <a:pPr>
-              <a:lnSpc>
-                <a:spcPct val="130000"/>
-              </a:lnSpc>
-            </a:pPr>
-            <a:r>
-              <a:rPr lang="en-US" sz="2400" dirty="0">
-                <a:latin typeface="Times New Roman" panose="02020603050405020304" pitchFamily="18" charset="0"/>
-                <a:cs typeface="Times New Roman" panose="02020603050405020304" pitchFamily="18" charset="0"/>
-              </a:rPr>
-              <a:t>Preliminaries</a:t>
-            </a:r>
-          </a:p>
-          <a:p>
-            <a:pPr>
-              <a:lnSpc>
-                <a:spcPct val="130000"/>
-              </a:lnSpc>
-            </a:pPr>
-            <a:r>
-              <a:rPr lang="en-US" sz="2400" dirty="0">
-                <a:latin typeface="Times New Roman" panose="02020603050405020304" pitchFamily="18" charset="0"/>
-                <a:cs typeface="Times New Roman" panose="02020603050405020304" pitchFamily="18" charset="0"/>
-              </a:rPr>
-              <a:t>Proposed Algorithm</a:t>
-            </a:r>
-          </a:p>
-          <a:p>
-            <a:pPr lvl="1">
-              <a:lnSpc>
-                <a:spcPct val="130000"/>
-              </a:lnSpc>
-            </a:pPr>
-            <a:r>
-              <a:rPr lang="en-US" altLang="zh-TW" sz="2000" dirty="0">
-                <a:latin typeface="Times New Roman" panose="02020603050405020304" pitchFamily="18" charset="0"/>
-                <a:cs typeface="Times New Roman" panose="02020603050405020304" pitchFamily="18" charset="0"/>
-              </a:rPr>
-              <a:t>Previous methods</a:t>
-            </a:r>
-          </a:p>
-          <a:p>
-            <a:pPr lvl="1">
-              <a:lnSpc>
-                <a:spcPct val="130000"/>
-              </a:lnSpc>
-            </a:pPr>
-            <a:r>
-              <a:rPr lang="en-US" sz="2000" dirty="0">
-                <a:latin typeface="Times New Roman" panose="02020603050405020304" pitchFamily="18" charset="0"/>
-                <a:cs typeface="Times New Roman" panose="02020603050405020304" pitchFamily="18" charset="0"/>
-              </a:rPr>
-              <a:t>Barzilai-</a:t>
-            </a:r>
-            <a:r>
-              <a:rPr lang="en-US" sz="2000" dirty="0" err="1">
-                <a:latin typeface="Times New Roman" panose="02020603050405020304" pitchFamily="18" charset="0"/>
-                <a:cs typeface="Times New Roman" panose="02020603050405020304" pitchFamily="18" charset="0"/>
-              </a:rPr>
-              <a:t>Borwein</a:t>
-            </a:r>
-            <a:r>
-              <a:rPr lang="en-US" sz="2000" dirty="0">
-                <a:latin typeface="Times New Roman" panose="02020603050405020304" pitchFamily="18" charset="0"/>
-                <a:cs typeface="Times New Roman" panose="02020603050405020304" pitchFamily="18" charset="0"/>
-              </a:rPr>
-              <a:t> Method Enabled Nesterov Algorithm</a:t>
-            </a:r>
-          </a:p>
-          <a:p>
-            <a:pPr>
-              <a:lnSpc>
-                <a:spcPct val="130000"/>
-              </a:lnSpc>
-            </a:pPr>
-            <a:r>
-              <a:rPr lang="en-US" sz="2400" dirty="0">
-                <a:latin typeface="Times New Roman" panose="02020603050405020304" pitchFamily="18" charset="0"/>
-                <a:cs typeface="Times New Roman" panose="02020603050405020304" pitchFamily="18" charset="0"/>
-              </a:rPr>
-              <a:t>Macro Legalization</a:t>
-            </a:r>
-          </a:p>
-          <a:p>
-            <a:pPr>
-              <a:lnSpc>
-                <a:spcPct val="130000"/>
-              </a:lnSpc>
-            </a:pPr>
-            <a:r>
-              <a:rPr lang="en-US" sz="2400" dirty="0">
-                <a:latin typeface="Times New Roman" panose="02020603050405020304" pitchFamily="18" charset="0"/>
-                <a:cs typeface="Times New Roman" panose="02020603050405020304" pitchFamily="18" charset="0"/>
-              </a:rPr>
-              <a:t>Experimental Result</a:t>
-            </a:r>
-          </a:p>
-        </p:txBody>
-      </p:sp>
-    </p:spTree>
-    <p:extLst>
-      <p:ext uri="{BB962C8B-B14F-4D97-AF65-F5344CB8AC3E}">
-        <p14:creationId xmlns:p14="http://schemas.microsoft.com/office/powerpoint/2010/main" val="1597209759"/>
-      </p:ext>
-    </p:extLst>
-  </p:cSld>
-  <p:clrMapOvr>
-    <a:masterClrMapping/>
-  </p:clrMapOvr>
-</p:sld>
-</file>
-
-<file path=ppt/slides/slide20.xml><?xml version="1.0" encoding="utf-8"?>
-<p:sld xmlns:a="http://schemas.openxmlformats.org/drawingml/2006/main" xmlns:r="http://schemas.openxmlformats.org/officeDocument/2006/relationships" xmlns:p="http://schemas.openxmlformats.org/presentationml/2006/main">
-  <p:cSld>
-    <p:spTree>
-      <p:nvGrpSpPr>
-        <p:cNvPr id="1" name=""/>
-        <p:cNvGrpSpPr/>
-        <p:nvPr/>
-      </p:nvGrpSpPr>
-      <p:grpSpPr>
-        <a:xfrm>
-          <a:off x="0" y="0"/>
-          <a:ext cx="0" cy="0"/>
-          <a:chOff x="0" y="0"/>
-          <a:chExt cx="0" cy="0"/>
-        </a:xfrm>
-      </p:grpSpPr>
-      <p:sp>
-        <p:nvSpPr>
           <p:cNvPr id="2" name="標題 1">
             <a:extLst>
               <a:ext uri="{FF2B5EF4-FFF2-40B4-BE49-F238E27FC236}">
@@ -11609,8 +11842,8 @@
           </a:p>
         </p:txBody>
       </p:sp>
-      <mc:AlternateContent xmlns:mc="http://schemas.openxmlformats.org/markup-compatibility/2006">
-        <mc:Choice xmlns:a14="http://schemas.microsoft.com/office/drawing/2010/main" Requires="a14">
+      <mc:AlternateContent xmlns:mc="http://schemas.openxmlformats.org/markup-compatibility/2006" xmlns:a14="http://schemas.microsoft.com/office/drawing/2010/main">
+        <mc:Choice Requires="a14">
           <p:sp>
             <p:nvSpPr>
               <p:cNvPr id="3" name="內容版面配置區 2">
@@ -11824,7 +12057,7 @@
             </p:txBody>
           </p:sp>
         </mc:Choice>
-        <mc:Fallback>
+        <mc:Fallback xmlns="">
           <p:sp>
             <p:nvSpPr>
               <p:cNvPr id="3" name="內容版面配置區 2">
@@ -11891,7 +12124,7 @@
           <a:p>
             <a:fld id="{666274A1-CF9C-426A-8DD4-B13ED0C24231}" type="slidenum">
               <a:rPr lang="en-US" smtClean="0"/>
-              <a:t>19</a:t>
+              <a:t>18</a:t>
             </a:fld>
             <a:endParaRPr lang="en-US"/>
           </a:p>
@@ -11940,7 +12173,7 @@
 </p:sld>
 </file>
 
-<file path=ppt/slides/slide21.xml><?xml version="1.0" encoding="utf-8"?>
+<file path=ppt/slides/slide2.xml><?xml version="1.0" encoding="utf-8"?>
 <p:sld xmlns:a="http://schemas.openxmlformats.org/drawingml/2006/main" xmlns:r="http://schemas.openxmlformats.org/officeDocument/2006/relationships" xmlns:p="http://schemas.openxmlformats.org/presentationml/2006/main">
   <p:cSld>
     <p:spTree>
@@ -11959,6 +12192,405 @@
       </p:grpSpPr>
       <p:sp>
         <p:nvSpPr>
+          <p:cNvPr id="2" name="Title 1">
+            <a:extLst>
+              <a:ext uri="{FF2B5EF4-FFF2-40B4-BE49-F238E27FC236}">
+                <a16:creationId xmlns:a16="http://schemas.microsoft.com/office/drawing/2014/main" id="{034B2B09-3A89-725A-85C2-749F88A4474D}"/>
+              </a:ext>
+            </a:extLst>
+          </p:cNvPr>
+          <p:cNvSpPr>
+            <a:spLocks noGrp="1"/>
+          </p:cNvSpPr>
+          <p:nvPr>
+            <p:ph type="title"/>
+          </p:nvPr>
+        </p:nvSpPr>
+        <p:spPr/>
+        <p:txBody>
+          <a:bodyPr/>
+          <a:lstStyle/>
+          <a:p>
+            <a:r>
+              <a:rPr lang="en-US" sz="4000" dirty="0">
+                <a:latin typeface="Times New Roman" panose="02020603050405020304" pitchFamily="18" charset="0"/>
+                <a:cs typeface="Times New Roman" panose="02020603050405020304" pitchFamily="18" charset="0"/>
+              </a:rPr>
+              <a:t>Outline</a:t>
+            </a:r>
+            <a:endParaRPr lang="en-US" dirty="0">
+              <a:latin typeface="Times New Roman" panose="02020603050405020304" pitchFamily="18" charset="0"/>
+              <a:cs typeface="Times New Roman" panose="02020603050405020304" pitchFamily="18" charset="0"/>
+            </a:endParaRPr>
+          </a:p>
+        </p:txBody>
+      </p:sp>
+      <p:sp>
+        <p:nvSpPr>
+          <p:cNvPr id="4" name="Slide Number Placeholder 3">
+            <a:extLst>
+              <a:ext uri="{FF2B5EF4-FFF2-40B4-BE49-F238E27FC236}">
+                <a16:creationId xmlns:a16="http://schemas.microsoft.com/office/drawing/2014/main" id="{3592E110-E718-0573-BF00-CE5E90916A66}"/>
+              </a:ext>
+            </a:extLst>
+          </p:cNvPr>
+          <p:cNvSpPr>
+            <a:spLocks noGrp="1"/>
+          </p:cNvSpPr>
+          <p:nvPr>
+            <p:ph type="sldNum" sz="quarter" idx="12"/>
+          </p:nvPr>
+        </p:nvSpPr>
+        <p:spPr/>
+        <p:txBody>
+          <a:bodyPr/>
+          <a:lstStyle/>
+          <a:p>
+            <a:fld id="{666274A1-CF9C-426A-8DD4-B13ED0C24231}" type="slidenum">
+              <a:rPr lang="en-US" smtClean="0"/>
+              <a:t>1</a:t>
+            </a:fld>
+            <a:endParaRPr lang="en-US"/>
+          </a:p>
+        </p:txBody>
+      </p:sp>
+      <p:sp>
+        <p:nvSpPr>
+          <p:cNvPr id="7" name="Content Placeholder 2">
+            <a:extLst>
+              <a:ext uri="{FF2B5EF4-FFF2-40B4-BE49-F238E27FC236}">
+                <a16:creationId xmlns:a16="http://schemas.microsoft.com/office/drawing/2014/main" id="{85FB6EDC-A81C-417F-C3B2-4378D3D43B94}"/>
+              </a:ext>
+            </a:extLst>
+          </p:cNvPr>
+          <p:cNvSpPr txBox="1">
+            <a:spLocks/>
+          </p:cNvSpPr>
+          <p:nvPr/>
+        </p:nvSpPr>
+        <p:spPr>
+          <a:xfrm>
+            <a:off x="1028700" y="1690688"/>
+            <a:ext cx="10515600" cy="4351338"/>
+          </a:xfrm>
+          <a:prstGeom prst="rect">
+            <a:avLst/>
+          </a:prstGeom>
+        </p:spPr>
+        <p:txBody>
+          <a:bodyPr vert="horz" lIns="91440" tIns="45720" rIns="91440" bIns="45720" rtlCol="0">
+            <a:normAutofit/>
+          </a:bodyPr>
+          <a:lstStyle>
+            <a:lvl1pPr marL="228600" indent="-228600" algn="l" defTabSz="914400" rtl="0" eaLnBrk="1" latinLnBrk="0" hangingPunct="1">
+              <a:lnSpc>
+                <a:spcPct val="90000"/>
+              </a:lnSpc>
+              <a:spcBef>
+                <a:spcPts val="1000"/>
+              </a:spcBef>
+              <a:buFont typeface="Arial" panose="020B0604020202020204" pitchFamily="34" charset="0"/>
+              <a:buChar char="•"/>
+              <a:defRPr sz="2800" kern="1200">
+                <a:solidFill>
+                  <a:schemeClr val="tx1"/>
+                </a:solidFill>
+                <a:latin typeface="+mn-lt"/>
+                <a:ea typeface="+mn-ea"/>
+                <a:cs typeface="+mn-cs"/>
+              </a:defRPr>
+            </a:lvl1pPr>
+            <a:lvl2pPr marL="685800" indent="-228600" algn="l" defTabSz="914400" rtl="0" eaLnBrk="1" latinLnBrk="0" hangingPunct="1">
+              <a:lnSpc>
+                <a:spcPct val="90000"/>
+              </a:lnSpc>
+              <a:spcBef>
+                <a:spcPts val="500"/>
+              </a:spcBef>
+              <a:buFont typeface="Arial" panose="020B0604020202020204" pitchFamily="34" charset="0"/>
+              <a:buChar char="•"/>
+              <a:defRPr sz="2400" kern="1200">
+                <a:solidFill>
+                  <a:schemeClr val="tx1"/>
+                </a:solidFill>
+                <a:latin typeface="+mn-lt"/>
+                <a:ea typeface="+mn-ea"/>
+                <a:cs typeface="+mn-cs"/>
+              </a:defRPr>
+            </a:lvl2pPr>
+            <a:lvl3pPr marL="1143000" indent="-228600" algn="l" defTabSz="914400" rtl="0" eaLnBrk="1" latinLnBrk="0" hangingPunct="1">
+              <a:lnSpc>
+                <a:spcPct val="90000"/>
+              </a:lnSpc>
+              <a:spcBef>
+                <a:spcPts val="500"/>
+              </a:spcBef>
+              <a:buFont typeface="Arial" panose="020B0604020202020204" pitchFamily="34" charset="0"/>
+              <a:buChar char="•"/>
+              <a:defRPr sz="2000" kern="1200">
+                <a:solidFill>
+                  <a:schemeClr val="tx1"/>
+                </a:solidFill>
+                <a:latin typeface="+mn-lt"/>
+                <a:ea typeface="+mn-ea"/>
+                <a:cs typeface="+mn-cs"/>
+              </a:defRPr>
+            </a:lvl3pPr>
+            <a:lvl4pPr marL="1600200" indent="-228600" algn="l" defTabSz="914400" rtl="0" eaLnBrk="1" latinLnBrk="0" hangingPunct="1">
+              <a:lnSpc>
+                <a:spcPct val="90000"/>
+              </a:lnSpc>
+              <a:spcBef>
+                <a:spcPts val="500"/>
+              </a:spcBef>
+              <a:buFont typeface="Arial" panose="020B0604020202020204" pitchFamily="34" charset="0"/>
+              <a:buChar char="•"/>
+              <a:defRPr sz="1800" kern="1200">
+                <a:solidFill>
+                  <a:schemeClr val="tx1"/>
+                </a:solidFill>
+                <a:latin typeface="+mn-lt"/>
+                <a:ea typeface="+mn-ea"/>
+                <a:cs typeface="+mn-cs"/>
+              </a:defRPr>
+            </a:lvl4pPr>
+            <a:lvl5pPr marL="2057400" indent="-228600" algn="l" defTabSz="914400" rtl="0" eaLnBrk="1" latinLnBrk="0" hangingPunct="1">
+              <a:lnSpc>
+                <a:spcPct val="90000"/>
+              </a:lnSpc>
+              <a:spcBef>
+                <a:spcPts val="500"/>
+              </a:spcBef>
+              <a:buFont typeface="Arial" panose="020B0604020202020204" pitchFamily="34" charset="0"/>
+              <a:buChar char="•"/>
+              <a:defRPr sz="1800" kern="1200">
+                <a:solidFill>
+                  <a:schemeClr val="tx1"/>
+                </a:solidFill>
+                <a:latin typeface="+mn-lt"/>
+                <a:ea typeface="+mn-ea"/>
+                <a:cs typeface="+mn-cs"/>
+              </a:defRPr>
+            </a:lvl5pPr>
+            <a:lvl6pPr marL="2514600" indent="-228600" algn="l" defTabSz="914400" rtl="0" eaLnBrk="1" latinLnBrk="0" hangingPunct="1">
+              <a:lnSpc>
+                <a:spcPct val="90000"/>
+              </a:lnSpc>
+              <a:spcBef>
+                <a:spcPts val="500"/>
+              </a:spcBef>
+              <a:buFont typeface="Arial" panose="020B0604020202020204" pitchFamily="34" charset="0"/>
+              <a:buChar char="•"/>
+              <a:defRPr sz="1800" kern="1200">
+                <a:solidFill>
+                  <a:schemeClr val="tx1"/>
+                </a:solidFill>
+                <a:latin typeface="+mn-lt"/>
+                <a:ea typeface="+mn-ea"/>
+                <a:cs typeface="+mn-cs"/>
+              </a:defRPr>
+            </a:lvl6pPr>
+            <a:lvl7pPr marL="2971800" indent="-228600" algn="l" defTabSz="914400" rtl="0" eaLnBrk="1" latinLnBrk="0" hangingPunct="1">
+              <a:lnSpc>
+                <a:spcPct val="90000"/>
+              </a:lnSpc>
+              <a:spcBef>
+                <a:spcPts val="500"/>
+              </a:spcBef>
+              <a:buFont typeface="Arial" panose="020B0604020202020204" pitchFamily="34" charset="0"/>
+              <a:buChar char="•"/>
+              <a:defRPr sz="1800" kern="1200">
+                <a:solidFill>
+                  <a:schemeClr val="tx1"/>
+                </a:solidFill>
+                <a:latin typeface="+mn-lt"/>
+                <a:ea typeface="+mn-ea"/>
+                <a:cs typeface="+mn-cs"/>
+              </a:defRPr>
+            </a:lvl7pPr>
+            <a:lvl8pPr marL="3429000" indent="-228600" algn="l" defTabSz="914400" rtl="0" eaLnBrk="1" latinLnBrk="0" hangingPunct="1">
+              <a:lnSpc>
+                <a:spcPct val="90000"/>
+              </a:lnSpc>
+              <a:spcBef>
+                <a:spcPts val="500"/>
+              </a:spcBef>
+              <a:buFont typeface="Arial" panose="020B0604020202020204" pitchFamily="34" charset="0"/>
+              <a:buChar char="•"/>
+              <a:defRPr sz="1800" kern="1200">
+                <a:solidFill>
+                  <a:schemeClr val="tx1"/>
+                </a:solidFill>
+                <a:latin typeface="+mn-lt"/>
+                <a:ea typeface="+mn-ea"/>
+                <a:cs typeface="+mn-cs"/>
+              </a:defRPr>
+            </a:lvl8pPr>
+            <a:lvl9pPr marL="3886200" indent="-228600" algn="l" defTabSz="914400" rtl="0" eaLnBrk="1" latinLnBrk="0" hangingPunct="1">
+              <a:lnSpc>
+                <a:spcPct val="90000"/>
+              </a:lnSpc>
+              <a:spcBef>
+                <a:spcPts val="500"/>
+              </a:spcBef>
+              <a:buFont typeface="Arial" panose="020B0604020202020204" pitchFamily="34" charset="0"/>
+              <a:buChar char="•"/>
+              <a:defRPr sz="1800" kern="1200">
+                <a:solidFill>
+                  <a:schemeClr val="tx1"/>
+                </a:solidFill>
+                <a:latin typeface="+mn-lt"/>
+                <a:ea typeface="+mn-ea"/>
+                <a:cs typeface="+mn-cs"/>
+              </a:defRPr>
+            </a:lvl9pPr>
+          </a:lstStyle>
+          <a:p>
+            <a:pPr>
+              <a:lnSpc>
+                <a:spcPct val="130000"/>
+              </a:lnSpc>
+            </a:pPr>
+            <a:r>
+              <a:rPr lang="en-US" sz="2400" dirty="0">
+                <a:latin typeface="Times New Roman" panose="02020603050405020304" pitchFamily="18" charset="0"/>
+                <a:cs typeface="Times New Roman" panose="02020603050405020304" pitchFamily="18" charset="0"/>
+              </a:rPr>
+              <a:t>Introduction</a:t>
+            </a:r>
+          </a:p>
+          <a:p>
+            <a:pPr>
+              <a:lnSpc>
+                <a:spcPct val="130000"/>
+              </a:lnSpc>
+            </a:pPr>
+            <a:r>
+              <a:rPr lang="en-US" sz="2400" dirty="0">
+                <a:latin typeface="Times New Roman" panose="02020603050405020304" pitchFamily="18" charset="0"/>
+                <a:cs typeface="Times New Roman" panose="02020603050405020304" pitchFamily="18" charset="0"/>
+              </a:rPr>
+              <a:t>Preliminaries</a:t>
+            </a:r>
+          </a:p>
+          <a:p>
+            <a:pPr>
+              <a:lnSpc>
+                <a:spcPct val="130000"/>
+              </a:lnSpc>
+            </a:pPr>
+            <a:r>
+              <a:rPr lang="en-US" sz="2400" dirty="0">
+                <a:latin typeface="Times New Roman" panose="02020603050405020304" pitchFamily="18" charset="0"/>
+                <a:cs typeface="Times New Roman" panose="02020603050405020304" pitchFamily="18" charset="0"/>
+              </a:rPr>
+              <a:t>Proposed Algorithm</a:t>
+            </a:r>
+          </a:p>
+          <a:p>
+            <a:pPr lvl="1">
+              <a:lnSpc>
+                <a:spcPct val="130000"/>
+              </a:lnSpc>
+            </a:pPr>
+            <a:r>
+              <a:rPr lang="en-US" altLang="zh-TW" sz="2000" dirty="0">
+                <a:latin typeface="Times New Roman" panose="02020603050405020304" pitchFamily="18" charset="0"/>
+                <a:cs typeface="Times New Roman" panose="02020603050405020304" pitchFamily="18" charset="0"/>
+              </a:rPr>
+              <a:t>Previous methods</a:t>
+            </a:r>
+          </a:p>
+          <a:p>
+            <a:pPr lvl="1">
+              <a:lnSpc>
+                <a:spcPct val="130000"/>
+              </a:lnSpc>
+            </a:pPr>
+            <a:r>
+              <a:rPr lang="en-US" sz="2000" dirty="0">
+                <a:latin typeface="Times New Roman" panose="02020603050405020304" pitchFamily="18" charset="0"/>
+                <a:cs typeface="Times New Roman" panose="02020603050405020304" pitchFamily="18" charset="0"/>
+              </a:rPr>
+              <a:t>Barzilai-</a:t>
+            </a:r>
+            <a:r>
+              <a:rPr lang="en-US" sz="2000" dirty="0" err="1">
+                <a:latin typeface="Times New Roman" panose="02020603050405020304" pitchFamily="18" charset="0"/>
+                <a:cs typeface="Times New Roman" panose="02020603050405020304" pitchFamily="18" charset="0"/>
+              </a:rPr>
+              <a:t>Borwein</a:t>
+            </a:r>
+            <a:r>
+              <a:rPr lang="en-US" sz="2000" dirty="0">
+                <a:latin typeface="Times New Roman" panose="02020603050405020304" pitchFamily="18" charset="0"/>
+                <a:cs typeface="Times New Roman" panose="02020603050405020304" pitchFamily="18" charset="0"/>
+              </a:rPr>
+              <a:t> Method Enabled Nesterov Algorithm</a:t>
+            </a:r>
+          </a:p>
+          <a:p>
+            <a:pPr>
+              <a:lnSpc>
+                <a:spcPct val="130000"/>
+              </a:lnSpc>
+            </a:pPr>
+            <a:r>
+              <a:rPr lang="en-US" sz="2400" dirty="0">
+                <a:latin typeface="Times New Roman" panose="02020603050405020304" pitchFamily="18" charset="0"/>
+                <a:cs typeface="Times New Roman" panose="02020603050405020304" pitchFamily="18" charset="0"/>
+              </a:rPr>
+              <a:t>Macro Legalization</a:t>
+            </a:r>
+          </a:p>
+          <a:p>
+            <a:pPr>
+              <a:lnSpc>
+                <a:spcPct val="130000"/>
+              </a:lnSpc>
+            </a:pPr>
+            <a:r>
+              <a:rPr lang="en-US" sz="2400" dirty="0">
+                <a:latin typeface="Times New Roman" panose="02020603050405020304" pitchFamily="18" charset="0"/>
+                <a:cs typeface="Times New Roman" panose="02020603050405020304" pitchFamily="18" charset="0"/>
+              </a:rPr>
+              <a:t>Experimental Result</a:t>
+            </a:r>
+          </a:p>
+        </p:txBody>
+      </p:sp>
+    </p:spTree>
+    <p:extLst>
+      <p:ext uri="{BB962C8B-B14F-4D97-AF65-F5344CB8AC3E}">
+        <p14:creationId xmlns:p14="http://schemas.microsoft.com/office/powerpoint/2010/main" val="1597209759"/>
+      </p:ext>
+    </p:extLst>
+  </p:cSld>
+  <p:clrMapOvr>
+    <a:masterClrMapping/>
+  </p:clrMapOvr>
+</p:sld>
+</file>
+
+<file path=ppt/slides/slide20.xml><?xml version="1.0" encoding="utf-8"?>
+<p:sld xmlns:a="http://schemas.openxmlformats.org/drawingml/2006/main" xmlns:r="http://schemas.openxmlformats.org/officeDocument/2006/relationships" xmlns:p="http://schemas.openxmlformats.org/presentationml/2006/main">
+  <p:cSld>
+    <p:spTree>
+      <p:nvGrpSpPr>
+        <p:cNvPr id="1" name=""/>
+        <p:cNvGrpSpPr/>
+        <p:nvPr/>
+      </p:nvGrpSpPr>
+      <p:grpSpPr>
+        <a:xfrm>
+          <a:off x="0" y="0"/>
+          <a:ext cx="0" cy="0"/>
+          <a:chOff x="0" y="0"/>
+          <a:chExt cx="0" cy="0"/>
+        </a:xfrm>
+      </p:grpSpPr>
+      <p:sp>
+        <p:nvSpPr>
           <p:cNvPr id="2" name="標題 1">
             <a:extLst>
               <a:ext uri="{FF2B5EF4-FFF2-40B4-BE49-F238E27FC236}">
@@ -11994,8 +12626,8 @@
           </a:p>
         </p:txBody>
       </p:sp>
-      <mc:AlternateContent xmlns:mc="http://schemas.openxmlformats.org/markup-compatibility/2006">
-        <mc:Choice xmlns:a14="http://schemas.microsoft.com/office/drawing/2010/main" Requires="a14">
+      <mc:AlternateContent xmlns:mc="http://schemas.openxmlformats.org/markup-compatibility/2006" xmlns:a14="http://schemas.microsoft.com/office/drawing/2010/main">
+        <mc:Choice Requires="a14">
           <p:sp>
             <p:nvSpPr>
               <p:cNvPr id="3" name="內容版面配置區 2">
@@ -12382,7 +13014,7 @@
             </p:txBody>
           </p:sp>
         </mc:Choice>
-        <mc:Fallback>
+        <mc:Fallback xmlns="">
           <p:sp>
             <p:nvSpPr>
               <p:cNvPr id="3" name="內容版面配置區 2">
@@ -12449,7 +13081,7 @@
           <a:p>
             <a:fld id="{666274A1-CF9C-426A-8DD4-B13ED0C24231}" type="slidenum">
               <a:rPr lang="en-US" smtClean="0"/>
-              <a:t>20</a:t>
+              <a:t>19</a:t>
             </a:fld>
             <a:endParaRPr lang="en-US"/>
           </a:p>
@@ -12528,7 +13160,7 @@
 </p:sld>
 </file>
 
-<file path=ppt/slides/slide22.xml><?xml version="1.0" encoding="utf-8"?>
+<file path=ppt/slides/slide21.xml><?xml version="1.0" encoding="utf-8"?>
 <p:sld xmlns:a="http://schemas.openxmlformats.org/drawingml/2006/main" xmlns:r="http://schemas.openxmlformats.org/officeDocument/2006/relationships" xmlns:p="http://schemas.openxmlformats.org/presentationml/2006/main">
   <p:cSld>
     <p:spTree>
@@ -12582,8 +13214,8 @@
           </a:p>
         </p:txBody>
       </p:sp>
-      <mc:AlternateContent xmlns:mc="http://schemas.openxmlformats.org/markup-compatibility/2006">
-        <mc:Choice xmlns:a14="http://schemas.microsoft.com/office/drawing/2010/main" Requires="a14">
+      <mc:AlternateContent xmlns:mc="http://schemas.openxmlformats.org/markup-compatibility/2006" xmlns:a14="http://schemas.microsoft.com/office/drawing/2010/main">
+        <mc:Choice Requires="a14">
           <p:sp>
             <p:nvSpPr>
               <p:cNvPr id="3" name="內容版面配置區 2">
@@ -13051,7 +13683,7 @@
             </p:txBody>
           </p:sp>
         </mc:Choice>
-        <mc:Fallback>
+        <mc:Fallback xmlns="">
           <p:sp>
             <p:nvSpPr>
               <p:cNvPr id="3" name="內容版面配置區 2">
@@ -13118,7 +13750,7 @@
           <a:p>
             <a:fld id="{666274A1-CF9C-426A-8DD4-B13ED0C24231}" type="slidenum">
               <a:rPr lang="en-US" smtClean="0"/>
-              <a:t>21</a:t>
+              <a:t>20</a:t>
             </a:fld>
             <a:endParaRPr lang="en-US"/>
           </a:p>
@@ -13167,7 +13799,7 @@
 </p:sld>
 </file>
 
-<file path=ppt/slides/slide23.xml><?xml version="1.0" encoding="utf-8"?>
+<file path=ppt/slides/slide22.xml><?xml version="1.0" encoding="utf-8"?>
 <p:sld xmlns:a="http://schemas.openxmlformats.org/drawingml/2006/main" xmlns:r="http://schemas.openxmlformats.org/officeDocument/2006/relationships" xmlns:p="http://schemas.openxmlformats.org/presentationml/2006/main">
   <p:cSld>
     <p:spTree>
@@ -13221,8 +13853,8 @@
           </a:p>
         </p:txBody>
       </p:sp>
-      <mc:AlternateContent xmlns:mc="http://schemas.openxmlformats.org/markup-compatibility/2006">
-        <mc:Choice xmlns:a14="http://schemas.microsoft.com/office/drawing/2010/main" Requires="a14">
+      <mc:AlternateContent xmlns:mc="http://schemas.openxmlformats.org/markup-compatibility/2006" xmlns:a14="http://schemas.microsoft.com/office/drawing/2010/main">
+        <mc:Choice Requires="a14">
           <p:sp>
             <p:nvSpPr>
               <p:cNvPr id="3" name="內容版面配置區 2">
@@ -13441,7 +14073,7 @@
             </p:txBody>
           </p:sp>
         </mc:Choice>
-        <mc:Fallback>
+        <mc:Fallback xmlns="">
           <p:sp>
             <p:nvSpPr>
               <p:cNvPr id="3" name="內容版面配置區 2">
@@ -13508,7 +14140,7 @@
           <a:p>
             <a:fld id="{666274A1-CF9C-426A-8DD4-B13ED0C24231}" type="slidenum">
               <a:rPr lang="en-US" smtClean="0"/>
-              <a:t>22</a:t>
+              <a:t>21</a:t>
             </a:fld>
             <a:endParaRPr lang="en-US"/>
           </a:p>
@@ -13587,7 +14219,7 @@
 </p:sld>
 </file>
 
-<file path=ppt/slides/slide24.xml><?xml version="1.0" encoding="utf-8"?>
+<file path=ppt/slides/slide23.xml><?xml version="1.0" encoding="utf-8"?>
 <p:sld xmlns:a="http://schemas.openxmlformats.org/drawingml/2006/main" xmlns:r="http://schemas.openxmlformats.org/officeDocument/2006/relationships" xmlns:p="http://schemas.openxmlformats.org/presentationml/2006/main">
   <p:cSld>
     <p:spTree>
@@ -13641,8 +14273,8 @@
           </a:p>
         </p:txBody>
       </p:sp>
-      <mc:AlternateContent xmlns:mc="http://schemas.openxmlformats.org/markup-compatibility/2006">
-        <mc:Choice xmlns:a14="http://schemas.microsoft.com/office/drawing/2010/main" Requires="a14">
+      <mc:AlternateContent xmlns:mc="http://schemas.openxmlformats.org/markup-compatibility/2006" xmlns:a14="http://schemas.microsoft.com/office/drawing/2010/main">
+        <mc:Choice Requires="a14">
           <p:sp>
             <p:nvSpPr>
               <p:cNvPr id="3" name="內容版面配置區 2">
@@ -14003,7 +14635,7 @@
             </p:txBody>
           </p:sp>
         </mc:Choice>
-        <mc:Fallback>
+        <mc:Fallback xmlns="">
           <p:sp>
             <p:nvSpPr>
               <p:cNvPr id="3" name="內容版面配置區 2">
@@ -14070,7 +14702,7 @@
           <a:p>
             <a:fld id="{666274A1-CF9C-426A-8DD4-B13ED0C24231}" type="slidenum">
               <a:rPr lang="en-US" smtClean="0"/>
-              <a:t>23</a:t>
+              <a:t>22</a:t>
             </a:fld>
             <a:endParaRPr lang="en-US"/>
           </a:p>
@@ -14119,7 +14751,7 @@
 </p:sld>
 </file>
 
-<file path=ppt/slides/slide25.xml><?xml version="1.0" encoding="utf-8"?>
+<file path=ppt/slides/slide24.xml><?xml version="1.0" encoding="utf-8"?>
 <p:sld xmlns:a="http://schemas.openxmlformats.org/drawingml/2006/main" xmlns:r="http://schemas.openxmlformats.org/officeDocument/2006/relationships" xmlns:p="http://schemas.openxmlformats.org/presentationml/2006/main">
   <p:cSld>
     <p:spTree>
@@ -14173,8 +14805,8 @@
           </a:p>
         </p:txBody>
       </p:sp>
-      <mc:AlternateContent xmlns:mc="http://schemas.openxmlformats.org/markup-compatibility/2006">
-        <mc:Choice xmlns:a14="http://schemas.microsoft.com/office/drawing/2010/main" Requires="a14">
+      <mc:AlternateContent xmlns:mc="http://schemas.openxmlformats.org/markup-compatibility/2006" xmlns:a14="http://schemas.microsoft.com/office/drawing/2010/main">
+        <mc:Choice Requires="a14">
           <p:sp>
             <p:nvSpPr>
               <p:cNvPr id="3" name="內容版面配置區 2">
@@ -14396,7 +15028,7 @@
             </p:txBody>
           </p:sp>
         </mc:Choice>
-        <mc:Fallback>
+        <mc:Fallback xmlns="">
           <p:sp>
             <p:nvSpPr>
               <p:cNvPr id="3" name="內容版面配置區 2">
@@ -14463,7 +15095,7 @@
           <a:p>
             <a:fld id="{666274A1-CF9C-426A-8DD4-B13ED0C24231}" type="slidenum">
               <a:rPr lang="en-US" smtClean="0"/>
-              <a:t>24</a:t>
+              <a:t>23</a:t>
             </a:fld>
             <a:endParaRPr lang="en-US"/>
           </a:p>
@@ -14542,7 +15174,7 @@
 </p:sld>
 </file>
 
-<file path=ppt/slides/slide26.xml><?xml version="1.0" encoding="utf-8"?>
+<file path=ppt/slides/slide25.xml><?xml version="1.0" encoding="utf-8"?>
 <p:sld xmlns:a="http://schemas.openxmlformats.org/drawingml/2006/main" xmlns:r="http://schemas.openxmlformats.org/officeDocument/2006/relationships" xmlns:p="http://schemas.openxmlformats.org/presentationml/2006/main">
   <p:cSld>
     <p:spTree>
@@ -14596,8 +15228,8 @@
           </a:p>
         </p:txBody>
       </p:sp>
-      <mc:AlternateContent xmlns:mc="http://schemas.openxmlformats.org/markup-compatibility/2006">
-        <mc:Choice xmlns:a14="http://schemas.microsoft.com/office/drawing/2010/main" Requires="a14">
+      <mc:AlternateContent xmlns:mc="http://schemas.openxmlformats.org/markup-compatibility/2006" xmlns:a14="http://schemas.microsoft.com/office/drawing/2010/main">
+        <mc:Choice Requires="a14">
           <p:sp>
             <p:nvSpPr>
               <p:cNvPr id="3" name="內容版面配置區 2">
@@ -14771,7 +15403,7 @@
             </p:txBody>
           </p:sp>
         </mc:Choice>
-        <mc:Fallback>
+        <mc:Fallback xmlns="">
           <p:sp>
             <p:nvSpPr>
               <p:cNvPr id="3" name="內容版面配置區 2">
@@ -14838,7 +15470,7 @@
           <a:p>
             <a:fld id="{666274A1-CF9C-426A-8DD4-B13ED0C24231}" type="slidenum">
               <a:rPr lang="en-US" smtClean="0"/>
-              <a:t>25</a:t>
+              <a:t>24</a:t>
             </a:fld>
             <a:endParaRPr lang="en-US"/>
           </a:p>
@@ -14887,6 +15519,284 @@
 </p:sld>
 </file>
 
+<file path=ppt/slides/slide26.xml><?xml version="1.0" encoding="utf-8"?>
+<p:sld xmlns:a="http://schemas.openxmlformats.org/drawingml/2006/main" xmlns:r="http://schemas.openxmlformats.org/officeDocument/2006/relationships" xmlns:p="http://schemas.openxmlformats.org/presentationml/2006/main">
+  <p:cSld>
+    <p:spTree>
+      <p:nvGrpSpPr>
+        <p:cNvPr id="1" name=""/>
+        <p:cNvGrpSpPr/>
+        <p:nvPr/>
+      </p:nvGrpSpPr>
+      <p:grpSpPr>
+        <a:xfrm>
+          <a:off x="0" y="0"/>
+          <a:ext cx="0" cy="0"/>
+          <a:chOff x="0" y="0"/>
+          <a:chExt cx="0" cy="0"/>
+        </a:xfrm>
+      </p:grpSpPr>
+      <p:sp>
+        <p:nvSpPr>
+          <p:cNvPr id="2" name="標題 1">
+            <a:extLst>
+              <a:ext uri="{FF2B5EF4-FFF2-40B4-BE49-F238E27FC236}">
+                <a16:creationId xmlns:a16="http://schemas.microsoft.com/office/drawing/2014/main" id="{F49B282A-FF7E-D28E-E7C9-7C9011B3A142}"/>
+              </a:ext>
+            </a:extLst>
+          </p:cNvPr>
+          <p:cNvSpPr>
+            <a:spLocks noGrp="1"/>
+          </p:cNvSpPr>
+          <p:nvPr>
+            <p:ph type="title"/>
+          </p:nvPr>
+        </p:nvSpPr>
+        <p:spPr/>
+        <p:txBody>
+          <a:bodyPr>
+            <a:normAutofit/>
+          </a:bodyPr>
+          <a:lstStyle/>
+          <a:p>
+            <a:r>
+              <a:rPr lang="en-US" altLang="zh-TW" sz="4000" dirty="0">
+                <a:latin typeface="Times" panose="02020603050405020304" pitchFamily="18" charset="0"/>
+                <a:cs typeface="Times" panose="02020603050405020304" pitchFamily="18" charset="0"/>
+              </a:rPr>
+              <a:t>Experimental Result</a:t>
+            </a:r>
+            <a:endParaRPr lang="zh-TW" altLang="en-US" sz="4000" dirty="0">
+              <a:latin typeface="Times" panose="02020603050405020304" pitchFamily="18" charset="0"/>
+              <a:cs typeface="Times" panose="02020603050405020304" pitchFamily="18" charset="0"/>
+            </a:endParaRPr>
+          </a:p>
+        </p:txBody>
+      </p:sp>
+      <p:sp>
+        <p:nvSpPr>
+          <p:cNvPr id="3" name="內容版面配置區 2">
+            <a:extLst>
+              <a:ext uri="{FF2B5EF4-FFF2-40B4-BE49-F238E27FC236}">
+                <a16:creationId xmlns:a16="http://schemas.microsoft.com/office/drawing/2014/main" id="{6532586F-2B33-9C61-58DC-9046125E1570}"/>
+              </a:ext>
+            </a:extLst>
+          </p:cNvPr>
+          <p:cNvSpPr>
+            <a:spLocks noGrp="1"/>
+          </p:cNvSpPr>
+          <p:nvPr>
+            <p:ph idx="1"/>
+          </p:nvPr>
+        </p:nvSpPr>
+        <p:spPr>
+          <a:xfrm>
+            <a:off x="838200" y="1825625"/>
+            <a:ext cx="11353800" cy="4895850"/>
+          </a:xfrm>
+        </p:spPr>
+        <p:txBody>
+          <a:bodyPr>
+            <a:normAutofit/>
+          </a:bodyPr>
+          <a:lstStyle/>
+          <a:p>
+            <a:pPr>
+              <a:lnSpc>
+                <a:spcPct val="200000"/>
+              </a:lnSpc>
+            </a:pPr>
+            <a:r>
+              <a:rPr lang="en-US" altLang="zh-TW" sz="2200" dirty="0">
+                <a:latin typeface="Times" panose="02020603050405020304" pitchFamily="18" charset="0"/>
+                <a:ea typeface="標楷體" panose="03000509000000000000" pitchFamily="65" charset="-120"/>
+                <a:cs typeface="Times" panose="02020603050405020304" pitchFamily="18" charset="0"/>
+              </a:rPr>
+              <a:t>Performance of </a:t>
+            </a:r>
+            <a:r>
+              <a:rPr lang="en-US" altLang="zh-TW" sz="2200" dirty="0" err="1">
+                <a:latin typeface="Times" panose="02020603050405020304" pitchFamily="18" charset="0"/>
+                <a:ea typeface="標楷體" panose="03000509000000000000" pitchFamily="65" charset="-120"/>
+                <a:cs typeface="Times" panose="02020603050405020304" pitchFamily="18" charset="0"/>
+              </a:rPr>
+              <a:t>CmpCNN</a:t>
+            </a:r>
+            <a:r>
+              <a:rPr lang="en-US" altLang="zh-TW" sz="2200" dirty="0">
+                <a:latin typeface="Times" panose="02020603050405020304" pitchFamily="18" charset="0"/>
+                <a:ea typeface="標楷體" panose="03000509000000000000" pitchFamily="65" charset="-120"/>
+                <a:cs typeface="Times" panose="02020603050405020304" pitchFamily="18" charset="0"/>
+              </a:rPr>
+              <a:t> Model</a:t>
+            </a:r>
+          </a:p>
+          <a:p>
+            <a:pPr lvl="1">
+              <a:lnSpc>
+                <a:spcPct val="200000"/>
+              </a:lnSpc>
+            </a:pPr>
+            <a:r>
+              <a:rPr lang="en-US" altLang="zh-TW" sz="2000" dirty="0">
+                <a:latin typeface="Times" panose="02020603050405020304" pitchFamily="18" charset="0"/>
+                <a:ea typeface="標楷體" panose="03000509000000000000" pitchFamily="65" charset="-120"/>
+                <a:cs typeface="Times" panose="02020603050405020304" pitchFamily="18" charset="0"/>
+              </a:rPr>
+              <a:t>Employ commercial metal fill tool (</a:t>
+            </a:r>
+            <a:r>
+              <a:rPr lang="en-US" altLang="zh-TW" sz="2000" dirty="0" err="1">
+                <a:latin typeface="Times" panose="02020603050405020304" pitchFamily="18" charset="0"/>
+                <a:ea typeface="標楷體" panose="03000509000000000000" pitchFamily="65" charset="-120"/>
+                <a:cs typeface="Times" panose="02020603050405020304" pitchFamily="18" charset="0"/>
+              </a:rPr>
+              <a:t>Smartfill</a:t>
+            </a:r>
+            <a:r>
+              <a:rPr lang="en-US" altLang="zh-TW" sz="2000" dirty="0">
+                <a:latin typeface="Times" panose="02020603050405020304" pitchFamily="18" charset="0"/>
+                <a:ea typeface="標楷體" panose="03000509000000000000" pitchFamily="65" charset="-120"/>
+                <a:cs typeface="Times" panose="02020603050405020304" pitchFamily="18" charset="0"/>
+              </a:rPr>
+              <a:t>), to generate fill solutions with different fill parameters.</a:t>
+            </a:r>
+          </a:p>
+          <a:p>
+            <a:pPr lvl="1">
+              <a:lnSpc>
+                <a:spcPct val="200000"/>
+              </a:lnSpc>
+            </a:pPr>
+            <a:r>
+              <a:rPr lang="en-US" altLang="zh-TW" sz="2000" dirty="0">
+                <a:latin typeface="Times" panose="02020603050405020304" pitchFamily="18" charset="0"/>
+                <a:ea typeface="標楷體" panose="03000509000000000000" pitchFamily="65" charset="-120"/>
+                <a:cs typeface="Times" panose="02020603050405020304" pitchFamily="18" charset="0"/>
+              </a:rPr>
+              <a:t>Perform </a:t>
+            </a:r>
+            <a:r>
+              <a:rPr lang="en-US" altLang="zh-TW" sz="2000" b="1" dirty="0">
+                <a:latin typeface="Times" panose="02020603050405020304" pitchFamily="18" charset="0"/>
+                <a:ea typeface="標楷體" panose="03000509000000000000" pitchFamily="65" charset="-120"/>
+                <a:cs typeface="Times" panose="02020603050405020304" pitchFamily="18" charset="0"/>
+              </a:rPr>
+              <a:t>clip generation </a:t>
+            </a:r>
+            <a:r>
+              <a:rPr lang="en-US" altLang="zh-TW" sz="2000" dirty="0">
+                <a:latin typeface="Times" panose="02020603050405020304" pitchFamily="18" charset="0"/>
+                <a:ea typeface="標楷體" panose="03000509000000000000" pitchFamily="65" charset="-120"/>
+                <a:cs typeface="Times" panose="02020603050405020304" pitchFamily="18" charset="0"/>
+              </a:rPr>
+              <a:t>to partition layout with/without fill solutions into multiple clips (20×20μm).</a:t>
+            </a:r>
+          </a:p>
+          <a:p>
+            <a:pPr lvl="1">
+              <a:lnSpc>
+                <a:spcPct val="200000"/>
+              </a:lnSpc>
+            </a:pPr>
+            <a:r>
+              <a:rPr lang="en-US" altLang="zh-TW" sz="2000" dirty="0">
+                <a:latin typeface="Times" panose="02020603050405020304" pitchFamily="18" charset="0"/>
+                <a:ea typeface="標楷體" panose="03000509000000000000" pitchFamily="65" charset="-120"/>
+                <a:cs typeface="Times" panose="02020603050405020304" pitchFamily="18" charset="0"/>
+              </a:rPr>
+              <a:t>Perform CMP simulation and image binarization to generate data samples (&gt;10000) to train a model.</a:t>
+            </a:r>
+          </a:p>
+          <a:p>
+            <a:pPr lvl="1">
+              <a:lnSpc>
+                <a:spcPct val="200000"/>
+              </a:lnSpc>
+            </a:pPr>
+            <a:r>
+              <a:rPr lang="en-US" altLang="zh-TW" sz="2000" dirty="0">
+                <a:latin typeface="Times" panose="02020603050405020304" pitchFamily="18" charset="0"/>
+                <a:ea typeface="標楷體" panose="03000509000000000000" pitchFamily="65" charset="-120"/>
+                <a:cs typeface="Times" panose="02020603050405020304" pitchFamily="18" charset="0"/>
+              </a:rPr>
+              <a:t>The normalized root mean square error of our model is 5% (&lt;10%).</a:t>
+            </a:r>
+          </a:p>
+        </p:txBody>
+      </p:sp>
+      <p:sp>
+        <p:nvSpPr>
+          <p:cNvPr id="4" name="投影片編號版面配置區 3">
+            <a:extLst>
+              <a:ext uri="{FF2B5EF4-FFF2-40B4-BE49-F238E27FC236}">
+                <a16:creationId xmlns:a16="http://schemas.microsoft.com/office/drawing/2014/main" id="{4F34BD4F-A1A7-2695-B9CD-0B31024175B2}"/>
+              </a:ext>
+            </a:extLst>
+          </p:cNvPr>
+          <p:cNvSpPr>
+            <a:spLocks noGrp="1"/>
+          </p:cNvSpPr>
+          <p:nvPr>
+            <p:ph type="sldNum" sz="quarter" idx="12"/>
+          </p:nvPr>
+        </p:nvSpPr>
+        <p:spPr/>
+        <p:txBody>
+          <a:bodyPr/>
+          <a:lstStyle/>
+          <a:p>
+            <a:fld id="{666274A1-CF9C-426A-8DD4-B13ED0C24231}" type="slidenum">
+              <a:rPr lang="en-US" smtClean="0"/>
+              <a:t>25</a:t>
+            </a:fld>
+            <a:endParaRPr lang="en-US"/>
+          </a:p>
+        </p:txBody>
+      </p:sp>
+      <p:pic>
+        <p:nvPicPr>
+          <p:cNvPr id="6" name="圖片 5">
+            <a:extLst>
+              <a:ext uri="{FF2B5EF4-FFF2-40B4-BE49-F238E27FC236}">
+                <a16:creationId xmlns:a16="http://schemas.microsoft.com/office/drawing/2014/main" id="{23CA0547-CECD-06A5-7202-712C744CCB1A}"/>
+              </a:ext>
+            </a:extLst>
+          </p:cNvPr>
+          <p:cNvPicPr>
+            <a:picLocks noChangeAspect="1"/>
+          </p:cNvPicPr>
+          <p:nvPr/>
+        </p:nvPicPr>
+        <p:blipFill>
+          <a:blip r:embed="rId3"/>
+          <a:stretch>
+            <a:fillRect/>
+          </a:stretch>
+        </p:blipFill>
+        <p:spPr>
+          <a:xfrm>
+            <a:off x="6137446" y="441326"/>
+            <a:ext cx="4946307" cy="1565332"/>
+          </a:xfrm>
+          <a:prstGeom prst="rect">
+            <a:avLst/>
+          </a:prstGeom>
+        </p:spPr>
+      </p:pic>
+    </p:spTree>
+    <p:extLst>
+      <p:ext uri="{BB962C8B-B14F-4D97-AF65-F5344CB8AC3E}">
+        <p14:creationId xmlns:p14="http://schemas.microsoft.com/office/powerpoint/2010/main" val="3044858616"/>
+      </p:ext>
+    </p:extLst>
+  </p:cSld>
+  <p:clrMapOvr>
+    <a:masterClrMapping/>
+  </p:clrMapOvr>
+</p:sld>
+</file>
+
 <file path=ppt/slides/slide27.xml><?xml version="1.0" encoding="utf-8"?>
 <p:sld xmlns:a="http://schemas.openxmlformats.org/drawingml/2006/main" xmlns:r="http://schemas.openxmlformats.org/officeDocument/2006/relationships" xmlns:p="http://schemas.openxmlformats.org/presentationml/2006/main">
   <p:cSld>
@@ -14906,10 +15816,91 @@
       </p:grpSpPr>
       <p:sp>
         <p:nvSpPr>
-          <p:cNvPr id="4" name="Slide Number Placeholder 3">
+          <p:cNvPr id="2" name="標題 1">
             <a:extLst>
               <a:ext uri="{FF2B5EF4-FFF2-40B4-BE49-F238E27FC236}">
-                <a16:creationId xmlns:a16="http://schemas.microsoft.com/office/drawing/2014/main" id="{DB47E6D4-11C1-7FA3-40FD-EC8CC1AC8613}"/>
+                <a16:creationId xmlns:a16="http://schemas.microsoft.com/office/drawing/2014/main" id="{F49B282A-FF7E-D28E-E7C9-7C9011B3A142}"/>
+              </a:ext>
+            </a:extLst>
+          </p:cNvPr>
+          <p:cNvSpPr>
+            <a:spLocks noGrp="1"/>
+          </p:cNvSpPr>
+          <p:nvPr>
+            <p:ph type="title"/>
+          </p:nvPr>
+        </p:nvSpPr>
+        <p:spPr/>
+        <p:txBody>
+          <a:bodyPr>
+            <a:normAutofit/>
+          </a:bodyPr>
+          <a:lstStyle/>
+          <a:p>
+            <a:r>
+              <a:rPr lang="en-US" altLang="zh-TW" sz="4000" dirty="0">
+                <a:latin typeface="Times" panose="02020603050405020304" pitchFamily="18" charset="0"/>
+                <a:cs typeface="Times" panose="02020603050405020304" pitchFamily="18" charset="0"/>
+              </a:rPr>
+              <a:t>Experimental Result</a:t>
+            </a:r>
+            <a:endParaRPr lang="zh-TW" altLang="en-US" sz="4000" dirty="0">
+              <a:latin typeface="Times" panose="02020603050405020304" pitchFamily="18" charset="0"/>
+              <a:cs typeface="Times" panose="02020603050405020304" pitchFamily="18" charset="0"/>
+            </a:endParaRPr>
+          </a:p>
+        </p:txBody>
+      </p:sp>
+      <p:sp>
+        <p:nvSpPr>
+          <p:cNvPr id="3" name="內容版面配置區 2">
+            <a:extLst>
+              <a:ext uri="{FF2B5EF4-FFF2-40B4-BE49-F238E27FC236}">
+                <a16:creationId xmlns:a16="http://schemas.microsoft.com/office/drawing/2014/main" id="{6532586F-2B33-9C61-58DC-9046125E1570}"/>
+              </a:ext>
+            </a:extLst>
+          </p:cNvPr>
+          <p:cNvSpPr>
+            <a:spLocks noGrp="1"/>
+          </p:cNvSpPr>
+          <p:nvPr>
+            <p:ph idx="1"/>
+          </p:nvPr>
+        </p:nvSpPr>
+        <p:spPr>
+          <a:xfrm>
+            <a:off x="838200" y="1825625"/>
+            <a:ext cx="11353800" cy="4895850"/>
+          </a:xfrm>
+        </p:spPr>
+        <p:txBody>
+          <a:bodyPr>
+            <a:normAutofit/>
+          </a:bodyPr>
+          <a:lstStyle/>
+          <a:p>
+            <a:pPr>
+              <a:lnSpc>
+                <a:spcPct val="200000"/>
+              </a:lnSpc>
+            </a:pPr>
+            <a:r>
+              <a:rPr lang="en-US" altLang="zh-TW" sz="2200" dirty="0">
+                <a:latin typeface="Times" panose="02020603050405020304" pitchFamily="18" charset="0"/>
+                <a:ea typeface="標楷體" panose="03000509000000000000" pitchFamily="65" charset="-120"/>
+                <a:cs typeface="Times" panose="02020603050405020304" pitchFamily="18" charset="0"/>
+              </a:rPr>
+              <a:t>Investigation of Different Fill Patterns</a:t>
+            </a:r>
+          </a:p>
+        </p:txBody>
+      </p:sp>
+      <p:sp>
+        <p:nvSpPr>
+          <p:cNvPr id="4" name="投影片編號版面配置區 3">
+            <a:extLst>
+              <a:ext uri="{FF2B5EF4-FFF2-40B4-BE49-F238E27FC236}">
+                <a16:creationId xmlns:a16="http://schemas.microsoft.com/office/drawing/2014/main" id="{4F34BD4F-A1A7-2695-B9CD-0B31024175B2}"/>
               </a:ext>
             </a:extLst>
           </p:cNvPr>
@@ -14933,52 +15924,605 @@
           </a:p>
         </p:txBody>
       </p:sp>
-      <p:sp>
-        <p:nvSpPr>
-          <p:cNvPr id="5" name="TextBox 4">
+      <p:pic>
+        <p:nvPicPr>
+          <p:cNvPr id="6" name="圖片 5">
             <a:extLst>
               <a:ext uri="{FF2B5EF4-FFF2-40B4-BE49-F238E27FC236}">
-                <a16:creationId xmlns:a16="http://schemas.microsoft.com/office/drawing/2014/main" id="{DE342AA9-4E4B-2420-9858-9BBA5A519307}"/>
+                <a16:creationId xmlns:a16="http://schemas.microsoft.com/office/drawing/2014/main" id="{23CA0547-CECD-06A5-7202-712C744CCB1A}"/>
               </a:ext>
             </a:extLst>
           </p:cNvPr>
-          <p:cNvSpPr txBox="1"/>
+          <p:cNvPicPr>
+            <a:picLocks noChangeAspect="1"/>
+          </p:cNvPicPr>
           <p:nvPr/>
-        </p:nvSpPr>
+        </p:nvPicPr>
+        <p:blipFill>
+          <a:blip r:embed="rId3"/>
+          <a:stretch>
+            <a:fillRect/>
+          </a:stretch>
+        </p:blipFill>
         <p:spPr>
           <a:xfrm>
-            <a:off x="2697986" y="2967335"/>
-            <a:ext cx="6936514" cy="923330"/>
+            <a:off x="6137446" y="441326"/>
+            <a:ext cx="4946307" cy="1565332"/>
           </a:xfrm>
           <a:prstGeom prst="rect">
             <a:avLst/>
           </a:prstGeom>
-          <a:noFill/>
         </p:spPr>
-        <p:txBody>
-          <a:bodyPr wrap="none" rtlCol="0">
-            <a:spAutoFit/>
+      </p:pic>
+      <p:pic>
+        <p:nvPicPr>
+          <p:cNvPr id="7" name="圖片 6">
+            <a:extLst>
+              <a:ext uri="{FF2B5EF4-FFF2-40B4-BE49-F238E27FC236}">
+                <a16:creationId xmlns:a16="http://schemas.microsoft.com/office/drawing/2014/main" id="{A2BD7F53-99FE-C923-0E2B-4190BB3B99A1}"/>
+              </a:ext>
+            </a:extLst>
+          </p:cNvPr>
+          <p:cNvPicPr>
+            <a:picLocks noChangeAspect="1"/>
+          </p:cNvPicPr>
+          <p:nvPr/>
+        </p:nvPicPr>
+        <p:blipFill>
+          <a:blip r:embed="rId4"/>
+          <a:stretch>
+            <a:fillRect/>
+          </a:stretch>
+        </p:blipFill>
+        <p:spPr>
+          <a:xfrm>
+            <a:off x="1082582" y="2851820"/>
+            <a:ext cx="10026835" cy="3188560"/>
+          </a:xfrm>
+          <a:prstGeom prst="rect">
+            <a:avLst/>
+          </a:prstGeom>
+        </p:spPr>
+      </p:pic>
+    </p:spTree>
+    <p:extLst>
+      <p:ext uri="{BB962C8B-B14F-4D97-AF65-F5344CB8AC3E}">
+        <p14:creationId xmlns:p14="http://schemas.microsoft.com/office/powerpoint/2010/main" val="298627840"/>
+      </p:ext>
+    </p:extLst>
+  </p:cSld>
+  <p:clrMapOvr>
+    <a:masterClrMapping/>
+  </p:clrMapOvr>
+</p:sld>
+</file>
+
+<file path=ppt/slides/slide28.xml><?xml version="1.0" encoding="utf-8"?>
+<p:sld xmlns:a="http://schemas.openxmlformats.org/drawingml/2006/main" xmlns:r="http://schemas.openxmlformats.org/officeDocument/2006/relationships" xmlns:p="http://schemas.openxmlformats.org/presentationml/2006/main">
+  <p:cSld>
+    <p:spTree>
+      <p:nvGrpSpPr>
+        <p:cNvPr id="1" name=""/>
+        <p:cNvGrpSpPr/>
+        <p:nvPr/>
+      </p:nvGrpSpPr>
+      <p:grpSpPr>
+        <a:xfrm>
+          <a:off x="0" y="0"/>
+          <a:ext cx="0" cy="0"/>
+          <a:chOff x="0" y="0"/>
+          <a:chExt cx="0" cy="0"/>
+        </a:xfrm>
+      </p:grpSpPr>
+      <p:sp>
+        <p:nvSpPr>
+          <p:cNvPr id="2" name="標題 1">
+            <a:extLst>
+              <a:ext uri="{FF2B5EF4-FFF2-40B4-BE49-F238E27FC236}">
+                <a16:creationId xmlns:a16="http://schemas.microsoft.com/office/drawing/2014/main" id="{F49B282A-FF7E-D28E-E7C9-7C9011B3A142}"/>
+              </a:ext>
+            </a:extLst>
+          </p:cNvPr>
+          <p:cNvSpPr>
+            <a:spLocks noGrp="1"/>
+          </p:cNvSpPr>
+          <p:nvPr>
+            <p:ph type="title"/>
+          </p:nvPr>
+        </p:nvSpPr>
+        <p:spPr/>
+        <p:txBody>
+          <a:bodyPr>
+            <a:normAutofit/>
           </a:bodyPr>
           <a:lstStyle/>
           <a:p>
-            <a:r>
-              <a:rPr lang="en-US" altLang="zh-TW" sz="5400" dirty="0">
-                <a:latin typeface="Times" panose="02020603050405020304" pitchFamily="18" charset="0"/>
-                <a:cs typeface="Times" panose="02020603050405020304" pitchFamily="18" charset="0"/>
-              </a:rPr>
-              <a:t>Thank you for listening!</a:t>
-            </a:r>
-            <a:endParaRPr lang="zh-TW" altLang="en-US" sz="5400" dirty="0">
+            <a:endParaRPr lang="zh-TW" altLang="en-US" sz="4000" dirty="0">
               <a:latin typeface="Times" panose="02020603050405020304" pitchFamily="18" charset="0"/>
               <a:cs typeface="Times" panose="02020603050405020304" pitchFamily="18" charset="0"/>
             </a:endParaRPr>
           </a:p>
         </p:txBody>
       </p:sp>
+      <p:pic>
+        <p:nvPicPr>
+          <p:cNvPr id="6" name="內容版面配置區 5">
+            <a:extLst>
+              <a:ext uri="{FF2B5EF4-FFF2-40B4-BE49-F238E27FC236}">
+                <a16:creationId xmlns:a16="http://schemas.microsoft.com/office/drawing/2014/main" id="{BC673EDF-B841-62DD-A074-2EA3100C4154}"/>
+              </a:ext>
+            </a:extLst>
+          </p:cNvPr>
+          <p:cNvPicPr>
+            <a:picLocks noGrp="1" noChangeAspect="1"/>
+          </p:cNvPicPr>
+          <p:nvPr>
+            <p:ph idx="1"/>
+          </p:nvPr>
+        </p:nvPicPr>
+        <p:blipFill>
+          <a:blip r:embed="rId3"/>
+          <a:stretch>
+            <a:fillRect/>
+          </a:stretch>
+        </p:blipFill>
+        <p:spPr>
+          <a:xfrm>
+            <a:off x="-371250" y="1860471"/>
+            <a:ext cx="12459297" cy="3137058"/>
+          </a:xfrm>
+        </p:spPr>
+      </p:pic>
+      <p:sp>
+        <p:nvSpPr>
+          <p:cNvPr id="4" name="投影片編號版面配置區 3">
+            <a:extLst>
+              <a:ext uri="{FF2B5EF4-FFF2-40B4-BE49-F238E27FC236}">
+                <a16:creationId xmlns:a16="http://schemas.microsoft.com/office/drawing/2014/main" id="{4F34BD4F-A1A7-2695-B9CD-0B31024175B2}"/>
+              </a:ext>
+            </a:extLst>
+          </p:cNvPr>
+          <p:cNvSpPr>
+            <a:spLocks noGrp="1"/>
+          </p:cNvSpPr>
+          <p:nvPr>
+            <p:ph type="sldNum" sz="quarter" idx="12"/>
+          </p:nvPr>
+        </p:nvSpPr>
+        <p:spPr/>
+        <p:txBody>
+          <a:bodyPr/>
+          <a:lstStyle/>
+          <a:p>
+            <a:fld id="{666274A1-CF9C-426A-8DD4-B13ED0C24231}" type="slidenum">
+              <a:rPr lang="en-US" smtClean="0"/>
+              <a:t>27</a:t>
+            </a:fld>
+            <a:endParaRPr lang="en-US"/>
+          </a:p>
+        </p:txBody>
+      </p:sp>
     </p:spTree>
     <p:extLst>
       <p:ext uri="{BB962C8B-B14F-4D97-AF65-F5344CB8AC3E}">
-        <p14:creationId xmlns:p14="http://schemas.microsoft.com/office/powerpoint/2010/main" val="1947749228"/>
+        <p14:creationId xmlns:p14="http://schemas.microsoft.com/office/powerpoint/2010/main" val="2122361455"/>
+      </p:ext>
+    </p:extLst>
+  </p:cSld>
+  <p:clrMapOvr>
+    <a:masterClrMapping/>
+  </p:clrMapOvr>
+</p:sld>
+</file>
+
+<file path=ppt/slides/slide29.xml><?xml version="1.0" encoding="utf-8"?>
+<p:sld xmlns:a="http://schemas.openxmlformats.org/drawingml/2006/main" xmlns:r="http://schemas.openxmlformats.org/officeDocument/2006/relationships" xmlns:p="http://schemas.openxmlformats.org/presentationml/2006/main">
+  <p:cSld>
+    <p:spTree>
+      <p:nvGrpSpPr>
+        <p:cNvPr id="1" name=""/>
+        <p:cNvGrpSpPr/>
+        <p:nvPr/>
+      </p:nvGrpSpPr>
+      <p:grpSpPr>
+        <a:xfrm>
+          <a:off x="0" y="0"/>
+          <a:ext cx="0" cy="0"/>
+          <a:chOff x="0" y="0"/>
+          <a:chExt cx="0" cy="0"/>
+        </a:xfrm>
+      </p:grpSpPr>
+      <p:sp>
+        <p:nvSpPr>
+          <p:cNvPr id="2" name="標題 1">
+            <a:extLst>
+              <a:ext uri="{FF2B5EF4-FFF2-40B4-BE49-F238E27FC236}">
+                <a16:creationId xmlns:a16="http://schemas.microsoft.com/office/drawing/2014/main" id="{F49B282A-FF7E-D28E-E7C9-7C9011B3A142}"/>
+              </a:ext>
+            </a:extLst>
+          </p:cNvPr>
+          <p:cNvSpPr>
+            <a:spLocks noGrp="1"/>
+          </p:cNvSpPr>
+          <p:nvPr>
+            <p:ph type="title"/>
+          </p:nvPr>
+        </p:nvSpPr>
+        <p:spPr/>
+        <p:txBody>
+          <a:bodyPr>
+            <a:normAutofit/>
+          </a:bodyPr>
+          <a:lstStyle/>
+          <a:p>
+            <a:r>
+              <a:rPr lang="en-US" altLang="zh-TW" sz="4000" dirty="0">
+                <a:latin typeface="Times" panose="02020603050405020304" pitchFamily="18" charset="0"/>
+                <a:cs typeface="Times" panose="02020603050405020304" pitchFamily="18" charset="0"/>
+              </a:rPr>
+              <a:t>Experimental Result</a:t>
+            </a:r>
+            <a:endParaRPr lang="zh-TW" altLang="en-US" sz="4000" dirty="0">
+              <a:latin typeface="Times" panose="02020603050405020304" pitchFamily="18" charset="0"/>
+              <a:cs typeface="Times" panose="02020603050405020304" pitchFamily="18" charset="0"/>
+            </a:endParaRPr>
+          </a:p>
+        </p:txBody>
+      </p:sp>
+      <mc:AlternateContent xmlns:mc="http://schemas.openxmlformats.org/markup-compatibility/2006">
+        <mc:Choice xmlns:a14="http://schemas.microsoft.com/office/drawing/2010/main" Requires="a14">
+          <p:sp>
+            <p:nvSpPr>
+              <p:cNvPr id="3" name="內容版面配置區 2">
+                <a:extLst>
+                  <a:ext uri="{FF2B5EF4-FFF2-40B4-BE49-F238E27FC236}">
+                    <a16:creationId xmlns:a16="http://schemas.microsoft.com/office/drawing/2014/main" id="{6532586F-2B33-9C61-58DC-9046125E1570}"/>
+                  </a:ext>
+                </a:extLst>
+              </p:cNvPr>
+              <p:cNvSpPr>
+                <a:spLocks noGrp="1"/>
+              </p:cNvSpPr>
+              <p:nvPr>
+                <p:ph idx="1"/>
+              </p:nvPr>
+            </p:nvSpPr>
+            <p:spPr>
+              <a:xfrm>
+                <a:off x="838200" y="1825625"/>
+                <a:ext cx="11353800" cy="4895850"/>
+              </a:xfrm>
+            </p:spPr>
+            <p:txBody>
+              <a:bodyPr>
+                <a:normAutofit/>
+              </a:bodyPr>
+              <a:lstStyle/>
+              <a:p>
+                <a:pPr>
+                  <a:lnSpc>
+                    <a:spcPct val="200000"/>
+                  </a:lnSpc>
+                </a:pPr>
+                <a:r>
+                  <a:rPr lang="en-US" altLang="zh-TW" sz="2200" dirty="0">
+                    <a:latin typeface="Times" panose="02020603050405020304" pitchFamily="18" charset="0"/>
+                    <a:ea typeface="標楷體" panose="03000509000000000000" pitchFamily="65" charset="-120"/>
+                    <a:cs typeface="Times" panose="02020603050405020304" pitchFamily="18" charset="0"/>
+                  </a:rPr>
+                  <a:t>Effectiveness of Multi-objective Fitness Score</a:t>
+                </a:r>
+              </a:p>
+              <a:p>
+                <a:pPr lvl="1">
+                  <a:lnSpc>
+                    <a:spcPct val="200000"/>
+                  </a:lnSpc>
+                </a:pPr>
+                <a:r>
+                  <a:rPr lang="en-US" altLang="zh-TW" sz="1800" dirty="0">
+                    <a:latin typeface="Times" panose="02020603050405020304" pitchFamily="18" charset="0"/>
+                    <a:ea typeface="標楷體" panose="03000509000000000000" pitchFamily="65" charset="-120"/>
+                    <a:cs typeface="Times" panose="02020603050405020304" pitchFamily="18" charset="0"/>
+                  </a:rPr>
+                  <a:t> </a:t>
+                </a:r>
+                <a14:m>
+                  <m:oMath xmlns:m="http://schemas.openxmlformats.org/officeDocument/2006/math">
+                    <m:sSub>
+                      <m:sSubPr>
+                        <m:ctrlPr>
+                          <a:rPr lang="en-US" altLang="zh-TW" sz="1800" i="1" smtClean="0">
+                            <a:latin typeface="Cambria Math" panose="02040503050406030204" pitchFamily="18" charset="0"/>
+                            <a:ea typeface="標楷體" panose="03000509000000000000" pitchFamily="65" charset="-120"/>
+                            <a:cs typeface="Times" panose="02020603050405020304" pitchFamily="18" charset="0"/>
+                          </a:rPr>
+                        </m:ctrlPr>
+                      </m:sSubPr>
+                      <m:e>
+                        <m:r>
+                          <a:rPr lang="en-US" altLang="zh-TW" sz="1800" b="0" i="1" smtClean="0">
+                            <a:latin typeface="Cambria Math" panose="02040503050406030204" pitchFamily="18" charset="0"/>
+                            <a:ea typeface="標楷體" panose="03000509000000000000" pitchFamily="65" charset="-120"/>
+                            <a:cs typeface="Times" panose="02020603050405020304" pitchFamily="18" charset="0"/>
+                          </a:rPr>
+                          <m:t>𝑐</m:t>
+                        </m:r>
+                      </m:e>
+                      <m:sub>
+                        <m:r>
+                          <a:rPr lang="en-US" altLang="zh-TW" sz="1800" b="0" i="1" smtClean="0">
+                            <a:latin typeface="Cambria Math" panose="02040503050406030204" pitchFamily="18" charset="0"/>
+                            <a:ea typeface="標楷體" panose="03000509000000000000" pitchFamily="65" charset="-120"/>
+                            <a:cs typeface="Times" panose="02020603050405020304" pitchFamily="18" charset="0"/>
+                          </a:rPr>
+                          <m:t>1</m:t>
+                        </m:r>
+                      </m:sub>
+                    </m:sSub>
+                    <m:r>
+                      <a:rPr lang="en-US" altLang="zh-TW" sz="1800" b="0" i="1" smtClean="0">
+                        <a:latin typeface="Cambria Math" panose="02040503050406030204" pitchFamily="18" charset="0"/>
+                        <a:ea typeface="標楷體" panose="03000509000000000000" pitchFamily="65" charset="-120"/>
+                        <a:cs typeface="Times" panose="02020603050405020304" pitchFamily="18" charset="0"/>
+                      </a:rPr>
+                      <m:t>=</m:t>
+                    </m:r>
+                    <m:sSub>
+                      <m:sSubPr>
+                        <m:ctrlPr>
+                          <a:rPr lang="en-US" altLang="zh-TW" sz="1800" b="0" i="1" smtClean="0">
+                            <a:latin typeface="Cambria Math" panose="02040503050406030204" pitchFamily="18" charset="0"/>
+                            <a:ea typeface="標楷體" panose="03000509000000000000" pitchFamily="65" charset="-120"/>
+                            <a:cs typeface="Times" panose="02020603050405020304" pitchFamily="18" charset="0"/>
+                          </a:rPr>
+                        </m:ctrlPr>
+                      </m:sSubPr>
+                      <m:e>
+                        <m:r>
+                          <a:rPr lang="en-US" altLang="zh-TW" sz="1800" b="0" i="1" smtClean="0">
+                            <a:latin typeface="Cambria Math" panose="02040503050406030204" pitchFamily="18" charset="0"/>
+                            <a:ea typeface="標楷體" panose="03000509000000000000" pitchFamily="65" charset="-120"/>
+                            <a:cs typeface="Times" panose="02020603050405020304" pitchFamily="18" charset="0"/>
+                          </a:rPr>
+                          <m:t>𝑐</m:t>
+                        </m:r>
+                      </m:e>
+                      <m:sub>
+                        <m:r>
+                          <a:rPr lang="en-US" altLang="zh-TW" sz="1800" b="0" i="1" smtClean="0">
+                            <a:latin typeface="Cambria Math" panose="02040503050406030204" pitchFamily="18" charset="0"/>
+                            <a:ea typeface="標楷體" panose="03000509000000000000" pitchFamily="65" charset="-120"/>
+                            <a:cs typeface="Times" panose="02020603050405020304" pitchFamily="18" charset="0"/>
+                          </a:rPr>
+                          <m:t>2</m:t>
+                        </m:r>
+                      </m:sub>
+                    </m:sSub>
+                    <m:r>
+                      <a:rPr lang="en-US" altLang="zh-TW" sz="1800" b="0" i="1" smtClean="0">
+                        <a:latin typeface="Cambria Math" panose="02040503050406030204" pitchFamily="18" charset="0"/>
+                        <a:ea typeface="標楷體" panose="03000509000000000000" pitchFamily="65" charset="-120"/>
+                        <a:cs typeface="Times" panose="02020603050405020304" pitchFamily="18" charset="0"/>
+                      </a:rPr>
+                      <m:t>= </m:t>
+                    </m:r>
+                    <m:sSub>
+                      <m:sSubPr>
+                        <m:ctrlPr>
+                          <a:rPr lang="en-US" altLang="zh-TW" sz="1800" b="0" i="1" smtClean="0">
+                            <a:latin typeface="Cambria Math" panose="02040503050406030204" pitchFamily="18" charset="0"/>
+                            <a:ea typeface="標楷體" panose="03000509000000000000" pitchFamily="65" charset="-120"/>
+                            <a:cs typeface="Times" panose="02020603050405020304" pitchFamily="18" charset="0"/>
+                          </a:rPr>
+                        </m:ctrlPr>
+                      </m:sSubPr>
+                      <m:e>
+                        <m:r>
+                          <a:rPr lang="en-US" altLang="zh-TW" sz="1800" b="0" i="1" smtClean="0">
+                            <a:latin typeface="Cambria Math" panose="02040503050406030204" pitchFamily="18" charset="0"/>
+                            <a:ea typeface="標楷體" panose="03000509000000000000" pitchFamily="65" charset="-120"/>
+                            <a:cs typeface="Times" panose="02020603050405020304" pitchFamily="18" charset="0"/>
+                          </a:rPr>
+                          <m:t>𝑐</m:t>
+                        </m:r>
+                      </m:e>
+                      <m:sub>
+                        <m:r>
+                          <a:rPr lang="en-US" altLang="zh-TW" sz="1800" b="0" i="1" smtClean="0">
+                            <a:latin typeface="Cambria Math" panose="02040503050406030204" pitchFamily="18" charset="0"/>
+                            <a:ea typeface="標楷體" panose="03000509000000000000" pitchFamily="65" charset="-120"/>
+                            <a:cs typeface="Times" panose="02020603050405020304" pitchFamily="18" charset="0"/>
+                          </a:rPr>
+                          <m:t>3</m:t>
+                        </m:r>
+                      </m:sub>
+                    </m:sSub>
+                    <m:r>
+                      <a:rPr lang="en-US" altLang="zh-TW" sz="1800" b="0" i="1" smtClean="0">
+                        <a:latin typeface="Cambria Math" panose="02040503050406030204" pitchFamily="18" charset="0"/>
+                        <a:ea typeface="標楷體" panose="03000509000000000000" pitchFamily="65" charset="-120"/>
+                        <a:cs typeface="Times" panose="02020603050405020304" pitchFamily="18" charset="0"/>
+                      </a:rPr>
+                      <m:t>=100</m:t>
+                    </m:r>
+                  </m:oMath>
+                </a14:m>
+                <a:r>
+                  <a:rPr lang="en-US" altLang="zh-TW" sz="1800" dirty="0">
+                    <a:latin typeface="Times" panose="02020603050405020304" pitchFamily="18" charset="0"/>
+                    <a:ea typeface="標楷體" panose="03000509000000000000" pitchFamily="65" charset="-120"/>
+                    <a:cs typeface="Times" panose="02020603050405020304" pitchFamily="18" charset="0"/>
+                  </a:rPr>
+                  <a:t>, </a:t>
+                </a:r>
+                <a14:m>
+                  <m:oMath xmlns:m="http://schemas.openxmlformats.org/officeDocument/2006/math">
+                    <m:r>
+                      <a:rPr lang="en-US" altLang="zh-TW" sz="1800" b="0" i="0" smtClean="0">
+                        <a:latin typeface="Cambria Math" panose="02040503050406030204" pitchFamily="18" charset="0"/>
+                        <a:ea typeface="標楷體" panose="03000509000000000000" pitchFamily="65" charset="-120"/>
+                        <a:cs typeface="Times" panose="02020603050405020304" pitchFamily="18" charset="0"/>
+                      </a:rPr>
+                      <m:t> </m:t>
+                    </m:r>
+                    <m:sSub>
+                      <m:sSubPr>
+                        <m:ctrlPr>
+                          <a:rPr lang="en-US" altLang="zh-TW" sz="1800" i="1" smtClean="0">
+                            <a:latin typeface="Cambria Math" panose="02040503050406030204" pitchFamily="18" charset="0"/>
+                            <a:ea typeface="標楷體" panose="03000509000000000000" pitchFamily="65" charset="-120"/>
+                            <a:cs typeface="Times" panose="02020603050405020304" pitchFamily="18" charset="0"/>
+                          </a:rPr>
+                        </m:ctrlPr>
+                      </m:sSubPr>
+                      <m:e>
+                        <m:r>
+                          <a:rPr lang="en-US" altLang="zh-TW" sz="1800" b="0" i="1" smtClean="0">
+                            <a:latin typeface="Cambria Math" panose="02040503050406030204" pitchFamily="18" charset="0"/>
+                            <a:ea typeface="標楷體" panose="03000509000000000000" pitchFamily="65" charset="-120"/>
+                            <a:cs typeface="Times" panose="02020603050405020304" pitchFamily="18" charset="0"/>
+                          </a:rPr>
+                          <m:t>𝑐</m:t>
+                        </m:r>
+                      </m:e>
+                      <m:sub>
+                        <m:r>
+                          <a:rPr lang="en-US" altLang="zh-TW" sz="1800" b="0" i="1" smtClean="0">
+                            <a:latin typeface="Cambria Math" panose="02040503050406030204" pitchFamily="18" charset="0"/>
+                            <a:ea typeface="標楷體" panose="03000509000000000000" pitchFamily="65" charset="-120"/>
+                            <a:cs typeface="Times" panose="02020603050405020304" pitchFamily="18" charset="0"/>
+                          </a:rPr>
+                          <m:t>4</m:t>
+                        </m:r>
+                      </m:sub>
+                    </m:sSub>
+                    <m:r>
+                      <a:rPr lang="en-US" altLang="zh-TW" sz="1800" b="0" i="1" smtClean="0">
+                        <a:latin typeface="Cambria Math" panose="02040503050406030204" pitchFamily="18" charset="0"/>
+                        <a:ea typeface="標楷體" panose="03000509000000000000" pitchFamily="65" charset="-120"/>
+                        <a:cs typeface="Times" panose="02020603050405020304" pitchFamily="18" charset="0"/>
+                      </a:rPr>
+                      <m:t>=1</m:t>
+                    </m:r>
+                  </m:oMath>
+                </a14:m>
+                <a:endParaRPr lang="en-US" altLang="zh-TW" sz="1800" dirty="0">
+                  <a:latin typeface="Times" panose="02020603050405020304" pitchFamily="18" charset="0"/>
+                  <a:ea typeface="標楷體" panose="03000509000000000000" pitchFamily="65" charset="-120"/>
+                  <a:cs typeface="Times" panose="02020603050405020304" pitchFamily="18" charset="0"/>
+                </a:endParaRPr>
+              </a:p>
+            </p:txBody>
+          </p:sp>
+        </mc:Choice>
+        <mc:Fallback>
+          <p:sp>
+            <p:nvSpPr>
+              <p:cNvPr id="3" name="內容版面配置區 2">
+                <a:extLst>
+                  <a:ext uri="{FF2B5EF4-FFF2-40B4-BE49-F238E27FC236}">
+                    <a16:creationId xmlns:a16="http://schemas.microsoft.com/office/drawing/2014/main" id="{6532586F-2B33-9C61-58DC-9046125E1570}"/>
+                  </a:ext>
+                </a:extLst>
+              </p:cNvPr>
+              <p:cNvSpPr>
+                <a:spLocks noGrp="1" noRot="1" noChangeAspect="1" noMove="1" noResize="1" noEditPoints="1" noAdjustHandles="1" noChangeArrowheads="1" noChangeShapeType="1" noTextEdit="1"/>
+              </p:cNvSpPr>
+              <p:nvPr>
+                <p:ph idx="1"/>
+              </p:nvPr>
+            </p:nvSpPr>
+            <p:spPr>
+              <a:xfrm>
+                <a:off x="838200" y="1825625"/>
+                <a:ext cx="11353800" cy="4895850"/>
+              </a:xfrm>
+              <a:blipFill>
+                <a:blip r:embed="rId3"/>
+                <a:stretch>
+                  <a:fillRect l="-644"/>
+                </a:stretch>
+              </a:blipFill>
+            </p:spPr>
+            <p:txBody>
+              <a:bodyPr/>
+              <a:lstStyle/>
+              <a:p>
+                <a:r>
+                  <a:rPr lang="zh-TW" altLang="en-US">
+                    <a:noFill/>
+                  </a:rPr>
+                  <a:t> </a:t>
+                </a:r>
+              </a:p>
+            </p:txBody>
+          </p:sp>
+        </mc:Fallback>
+      </mc:AlternateContent>
+      <p:sp>
+        <p:nvSpPr>
+          <p:cNvPr id="4" name="投影片編號版面配置區 3">
+            <a:extLst>
+              <a:ext uri="{FF2B5EF4-FFF2-40B4-BE49-F238E27FC236}">
+                <a16:creationId xmlns:a16="http://schemas.microsoft.com/office/drawing/2014/main" id="{4F34BD4F-A1A7-2695-B9CD-0B31024175B2}"/>
+              </a:ext>
+            </a:extLst>
+          </p:cNvPr>
+          <p:cNvSpPr>
+            <a:spLocks noGrp="1"/>
+          </p:cNvSpPr>
+          <p:nvPr>
+            <p:ph type="sldNum" sz="quarter" idx="12"/>
+          </p:nvPr>
+        </p:nvSpPr>
+        <p:spPr/>
+        <p:txBody>
+          <a:bodyPr/>
+          <a:lstStyle/>
+          <a:p>
+            <a:fld id="{666274A1-CF9C-426A-8DD4-B13ED0C24231}" type="slidenum">
+              <a:rPr lang="en-US" smtClean="0"/>
+              <a:t>28</a:t>
+            </a:fld>
+            <a:endParaRPr lang="en-US"/>
+          </a:p>
+        </p:txBody>
+      </p:sp>
+      <p:pic>
+        <p:nvPicPr>
+          <p:cNvPr id="8" name="圖片 7">
+            <a:extLst>
+              <a:ext uri="{FF2B5EF4-FFF2-40B4-BE49-F238E27FC236}">
+                <a16:creationId xmlns:a16="http://schemas.microsoft.com/office/drawing/2014/main" id="{C5A89304-5441-F6CB-CDFB-5DFF1A3CCC08}"/>
+              </a:ext>
+            </a:extLst>
+          </p:cNvPr>
+          <p:cNvPicPr>
+            <a:picLocks noChangeAspect="1"/>
+          </p:cNvPicPr>
+          <p:nvPr/>
+        </p:nvPicPr>
+        <p:blipFill>
+          <a:blip r:embed="rId4"/>
+          <a:stretch>
+            <a:fillRect/>
+          </a:stretch>
+        </p:blipFill>
+        <p:spPr>
+          <a:xfrm>
+            <a:off x="2512987" y="3312370"/>
+            <a:ext cx="7166026" cy="2909043"/>
+          </a:xfrm>
+          <a:prstGeom prst="rect">
+            <a:avLst/>
+          </a:prstGeom>
+        </p:spPr>
+      </p:pic>
+    </p:spTree>
+    <p:extLst>
+      <p:ext uri="{BB962C8B-B14F-4D97-AF65-F5344CB8AC3E}">
+        <p14:creationId xmlns:p14="http://schemas.microsoft.com/office/powerpoint/2010/main" val="362071717"/>
       </p:ext>
     </p:extLst>
   </p:cSld>
@@ -15239,6 +16783,297 @@
     <p:extLst>
       <p:ext uri="{BB962C8B-B14F-4D97-AF65-F5344CB8AC3E}">
         <p14:creationId xmlns:p14="http://schemas.microsoft.com/office/powerpoint/2010/main" val="1892258208"/>
+      </p:ext>
+    </p:extLst>
+  </p:cSld>
+  <p:clrMapOvr>
+    <a:masterClrMapping/>
+  </p:clrMapOvr>
+</p:sld>
+</file>
+
+<file path=ppt/slides/slide30.xml><?xml version="1.0" encoding="utf-8"?>
+<p:sld xmlns:a="http://schemas.openxmlformats.org/drawingml/2006/main" xmlns:r="http://schemas.openxmlformats.org/officeDocument/2006/relationships" xmlns:p="http://schemas.openxmlformats.org/presentationml/2006/main">
+  <p:cSld>
+    <p:spTree>
+      <p:nvGrpSpPr>
+        <p:cNvPr id="1" name=""/>
+        <p:cNvGrpSpPr/>
+        <p:nvPr/>
+      </p:nvGrpSpPr>
+      <p:grpSpPr>
+        <a:xfrm>
+          <a:off x="0" y="0"/>
+          <a:ext cx="0" cy="0"/>
+          <a:chOff x="0" y="0"/>
+          <a:chExt cx="0" cy="0"/>
+        </a:xfrm>
+      </p:grpSpPr>
+      <p:sp>
+        <p:nvSpPr>
+          <p:cNvPr id="2" name="標題 1">
+            <a:extLst>
+              <a:ext uri="{FF2B5EF4-FFF2-40B4-BE49-F238E27FC236}">
+                <a16:creationId xmlns:a16="http://schemas.microsoft.com/office/drawing/2014/main" id="{F49B282A-FF7E-D28E-E7C9-7C9011B3A142}"/>
+              </a:ext>
+            </a:extLst>
+          </p:cNvPr>
+          <p:cNvSpPr>
+            <a:spLocks noGrp="1"/>
+          </p:cNvSpPr>
+          <p:nvPr>
+            <p:ph type="title"/>
+          </p:nvPr>
+        </p:nvSpPr>
+        <p:spPr/>
+        <p:txBody>
+          <a:bodyPr>
+            <a:normAutofit/>
+          </a:bodyPr>
+          <a:lstStyle/>
+          <a:p>
+            <a:r>
+              <a:rPr lang="en-US" altLang="zh-TW" sz="4000" dirty="0">
+                <a:latin typeface="Times" panose="02020603050405020304" pitchFamily="18" charset="0"/>
+                <a:cs typeface="Times" panose="02020603050405020304" pitchFamily="18" charset="0"/>
+              </a:rPr>
+              <a:t>Experimental Result</a:t>
+            </a:r>
+            <a:endParaRPr lang="zh-TW" altLang="en-US" sz="4000" dirty="0">
+              <a:latin typeface="Times" panose="02020603050405020304" pitchFamily="18" charset="0"/>
+              <a:cs typeface="Times" panose="02020603050405020304" pitchFamily="18" charset="0"/>
+            </a:endParaRPr>
+          </a:p>
+        </p:txBody>
+      </p:sp>
+      <p:sp>
+        <p:nvSpPr>
+          <p:cNvPr id="3" name="內容版面配置區 2">
+            <a:extLst>
+              <a:ext uri="{FF2B5EF4-FFF2-40B4-BE49-F238E27FC236}">
+                <a16:creationId xmlns:a16="http://schemas.microsoft.com/office/drawing/2014/main" id="{6532586F-2B33-9C61-58DC-9046125E1570}"/>
+              </a:ext>
+            </a:extLst>
+          </p:cNvPr>
+          <p:cNvSpPr>
+            <a:spLocks noGrp="1"/>
+          </p:cNvSpPr>
+          <p:nvPr>
+            <p:ph idx="1"/>
+          </p:nvPr>
+        </p:nvSpPr>
+        <p:spPr>
+          <a:xfrm>
+            <a:off x="838200" y="1825625"/>
+            <a:ext cx="11353800" cy="4895850"/>
+          </a:xfrm>
+        </p:spPr>
+        <p:txBody>
+          <a:bodyPr>
+            <a:normAutofit/>
+          </a:bodyPr>
+          <a:lstStyle/>
+          <a:p>
+            <a:pPr>
+              <a:lnSpc>
+                <a:spcPct val="200000"/>
+              </a:lnSpc>
+            </a:pPr>
+            <a:r>
+              <a:rPr lang="en-US" altLang="zh-TW" sz="2200" dirty="0">
+                <a:latin typeface="Times" panose="02020603050405020304" pitchFamily="18" charset="0"/>
+                <a:ea typeface="標楷體" panose="03000509000000000000" pitchFamily="65" charset="-120"/>
+                <a:cs typeface="Times" panose="02020603050405020304" pitchFamily="18" charset="0"/>
+              </a:rPr>
+              <a:t>Effectiveness of Genetic Algorithm</a:t>
+            </a:r>
+          </a:p>
+          <a:p>
+            <a:pPr lvl="1">
+              <a:lnSpc>
+                <a:spcPct val="200000"/>
+              </a:lnSpc>
+            </a:pPr>
+            <a:r>
+              <a:rPr lang="en-US" altLang="zh-TW" sz="1400">
+                <a:latin typeface="Times" panose="02020603050405020304" pitchFamily="18" charset="0"/>
+                <a:ea typeface="標楷體" panose="03000509000000000000" pitchFamily="65" charset="-120"/>
+                <a:cs typeface="Times" panose="02020603050405020304" pitchFamily="18" charset="0"/>
+              </a:rPr>
+              <a:t> </a:t>
+            </a:r>
+            <a:endParaRPr lang="en-US" altLang="zh-TW" sz="1400" dirty="0">
+              <a:latin typeface="Times" panose="02020603050405020304" pitchFamily="18" charset="0"/>
+              <a:ea typeface="標楷體" panose="03000509000000000000" pitchFamily="65" charset="-120"/>
+              <a:cs typeface="Times" panose="02020603050405020304" pitchFamily="18" charset="0"/>
+            </a:endParaRPr>
+          </a:p>
+        </p:txBody>
+      </p:sp>
+      <p:sp>
+        <p:nvSpPr>
+          <p:cNvPr id="4" name="投影片編號版面配置區 3">
+            <a:extLst>
+              <a:ext uri="{FF2B5EF4-FFF2-40B4-BE49-F238E27FC236}">
+                <a16:creationId xmlns:a16="http://schemas.microsoft.com/office/drawing/2014/main" id="{4F34BD4F-A1A7-2695-B9CD-0B31024175B2}"/>
+              </a:ext>
+            </a:extLst>
+          </p:cNvPr>
+          <p:cNvSpPr>
+            <a:spLocks noGrp="1"/>
+          </p:cNvSpPr>
+          <p:nvPr>
+            <p:ph type="sldNum" sz="quarter" idx="12"/>
+          </p:nvPr>
+        </p:nvSpPr>
+        <p:spPr/>
+        <p:txBody>
+          <a:bodyPr/>
+          <a:lstStyle/>
+          <a:p>
+            <a:fld id="{666274A1-CF9C-426A-8DD4-B13ED0C24231}" type="slidenum">
+              <a:rPr lang="en-US" smtClean="0"/>
+              <a:t>29</a:t>
+            </a:fld>
+            <a:endParaRPr lang="en-US"/>
+          </a:p>
+        </p:txBody>
+      </p:sp>
+      <p:pic>
+        <p:nvPicPr>
+          <p:cNvPr id="8" name="圖片 7">
+            <a:extLst>
+              <a:ext uri="{FF2B5EF4-FFF2-40B4-BE49-F238E27FC236}">
+                <a16:creationId xmlns:a16="http://schemas.microsoft.com/office/drawing/2014/main" id="{C5A89304-5441-F6CB-CDFB-5DFF1A3CCC08}"/>
+              </a:ext>
+            </a:extLst>
+          </p:cNvPr>
+          <p:cNvPicPr>
+            <a:picLocks noChangeAspect="1"/>
+          </p:cNvPicPr>
+          <p:nvPr/>
+        </p:nvPicPr>
+        <p:blipFill>
+          <a:blip r:embed="rId3"/>
+          <a:stretch>
+            <a:fillRect/>
+          </a:stretch>
+        </p:blipFill>
+        <p:spPr>
+          <a:xfrm>
+            <a:off x="2512987" y="3312370"/>
+            <a:ext cx="7166026" cy="2909043"/>
+          </a:xfrm>
+          <a:prstGeom prst="rect">
+            <a:avLst/>
+          </a:prstGeom>
+        </p:spPr>
+      </p:pic>
+    </p:spTree>
+    <p:extLst>
+      <p:ext uri="{BB962C8B-B14F-4D97-AF65-F5344CB8AC3E}">
+        <p14:creationId xmlns:p14="http://schemas.microsoft.com/office/powerpoint/2010/main" val="900065478"/>
+      </p:ext>
+    </p:extLst>
+  </p:cSld>
+  <p:clrMapOvr>
+    <a:masterClrMapping/>
+  </p:clrMapOvr>
+</p:sld>
+</file>
+
+<file path=ppt/slides/slide31.xml><?xml version="1.0" encoding="utf-8"?>
+<p:sld xmlns:a="http://schemas.openxmlformats.org/drawingml/2006/main" xmlns:r="http://schemas.openxmlformats.org/officeDocument/2006/relationships" xmlns:p="http://schemas.openxmlformats.org/presentationml/2006/main">
+  <p:cSld>
+    <p:spTree>
+      <p:nvGrpSpPr>
+        <p:cNvPr id="1" name=""/>
+        <p:cNvGrpSpPr/>
+        <p:nvPr/>
+      </p:nvGrpSpPr>
+      <p:grpSpPr>
+        <a:xfrm>
+          <a:off x="0" y="0"/>
+          <a:ext cx="0" cy="0"/>
+          <a:chOff x="0" y="0"/>
+          <a:chExt cx="0" cy="0"/>
+        </a:xfrm>
+      </p:grpSpPr>
+      <p:sp>
+        <p:nvSpPr>
+          <p:cNvPr id="4" name="Slide Number Placeholder 3">
+            <a:extLst>
+              <a:ext uri="{FF2B5EF4-FFF2-40B4-BE49-F238E27FC236}">
+                <a16:creationId xmlns:a16="http://schemas.microsoft.com/office/drawing/2014/main" id="{DB47E6D4-11C1-7FA3-40FD-EC8CC1AC8613}"/>
+              </a:ext>
+            </a:extLst>
+          </p:cNvPr>
+          <p:cNvSpPr>
+            <a:spLocks noGrp="1"/>
+          </p:cNvSpPr>
+          <p:nvPr>
+            <p:ph type="sldNum" sz="quarter" idx="12"/>
+          </p:nvPr>
+        </p:nvSpPr>
+        <p:spPr/>
+        <p:txBody>
+          <a:bodyPr/>
+          <a:lstStyle/>
+          <a:p>
+            <a:fld id="{666274A1-CF9C-426A-8DD4-B13ED0C24231}" type="slidenum">
+              <a:rPr lang="en-US" smtClean="0"/>
+              <a:t>30</a:t>
+            </a:fld>
+            <a:endParaRPr lang="en-US"/>
+          </a:p>
+        </p:txBody>
+      </p:sp>
+      <p:sp>
+        <p:nvSpPr>
+          <p:cNvPr id="5" name="TextBox 4">
+            <a:extLst>
+              <a:ext uri="{FF2B5EF4-FFF2-40B4-BE49-F238E27FC236}">
+                <a16:creationId xmlns:a16="http://schemas.microsoft.com/office/drawing/2014/main" id="{DE342AA9-4E4B-2420-9858-9BBA5A519307}"/>
+              </a:ext>
+            </a:extLst>
+          </p:cNvPr>
+          <p:cNvSpPr txBox="1"/>
+          <p:nvPr/>
+        </p:nvSpPr>
+        <p:spPr>
+          <a:xfrm>
+            <a:off x="2697986" y="2967335"/>
+            <a:ext cx="6936514" cy="923330"/>
+          </a:xfrm>
+          <a:prstGeom prst="rect">
+            <a:avLst/>
+          </a:prstGeom>
+          <a:noFill/>
+        </p:spPr>
+        <p:txBody>
+          <a:bodyPr wrap="none" rtlCol="0">
+            <a:spAutoFit/>
+          </a:bodyPr>
+          <a:lstStyle/>
+          <a:p>
+            <a:r>
+              <a:rPr lang="en-US" altLang="zh-TW" sz="5400" dirty="0">
+                <a:latin typeface="Times" panose="02020603050405020304" pitchFamily="18" charset="0"/>
+                <a:cs typeface="Times" panose="02020603050405020304" pitchFamily="18" charset="0"/>
+              </a:rPr>
+              <a:t>Thank you for listening!</a:t>
+            </a:r>
+            <a:endParaRPr lang="zh-TW" altLang="en-US" sz="5400" dirty="0">
+              <a:latin typeface="Times" panose="02020603050405020304" pitchFamily="18" charset="0"/>
+              <a:cs typeface="Times" panose="02020603050405020304" pitchFamily="18" charset="0"/>
+            </a:endParaRPr>
+          </a:p>
+        </p:txBody>
+      </p:sp>
+    </p:spTree>
+    <p:extLst>
+      <p:ext uri="{BB962C8B-B14F-4D97-AF65-F5344CB8AC3E}">
+        <p14:creationId xmlns:p14="http://schemas.microsoft.com/office/powerpoint/2010/main" val="1947749228"/>
       </p:ext>
     </p:extLst>
   </p:cSld>
@@ -15867,131 +17702,6 @@
           <a:lstStyle/>
           <a:p>
             <a:r>
-              <a:rPr lang="en-US" altLang="zh-TW" sz="4000" dirty="0">
-                <a:latin typeface="Times" panose="02020603050405020304" pitchFamily="18" charset="0"/>
-                <a:cs typeface="Times" panose="02020603050405020304" pitchFamily="18" charset="0"/>
-              </a:rPr>
-              <a:t>Preliminaries – Fill Patterns</a:t>
-            </a:r>
-            <a:endParaRPr lang="zh-TW" altLang="en-US" sz="4000" dirty="0">
-              <a:latin typeface="Times" panose="02020603050405020304" pitchFamily="18" charset="0"/>
-              <a:cs typeface="Times" panose="02020603050405020304" pitchFamily="18" charset="0"/>
-            </a:endParaRPr>
-          </a:p>
-        </p:txBody>
-      </p:sp>
-      <p:pic>
-        <p:nvPicPr>
-          <p:cNvPr id="6" name="內容版面配置區 5">
-            <a:extLst>
-              <a:ext uri="{FF2B5EF4-FFF2-40B4-BE49-F238E27FC236}">
-                <a16:creationId xmlns:a16="http://schemas.microsoft.com/office/drawing/2014/main" id="{BC673EDF-B841-62DD-A074-2EA3100C4154}"/>
-              </a:ext>
-            </a:extLst>
-          </p:cNvPr>
-          <p:cNvPicPr>
-            <a:picLocks noGrp="1" noChangeAspect="1"/>
-          </p:cNvPicPr>
-          <p:nvPr>
-            <p:ph idx="1"/>
-          </p:nvPr>
-        </p:nvPicPr>
-        <p:blipFill>
-          <a:blip r:embed="rId2"/>
-          <a:stretch>
-            <a:fillRect/>
-          </a:stretch>
-        </p:blipFill>
-        <p:spPr>
-          <a:xfrm>
-            <a:off x="-327288" y="2425281"/>
-            <a:ext cx="12459297" cy="3137058"/>
-          </a:xfrm>
-        </p:spPr>
-      </p:pic>
-      <p:sp>
-        <p:nvSpPr>
-          <p:cNvPr id="4" name="投影片編號版面配置區 3">
-            <a:extLst>
-              <a:ext uri="{FF2B5EF4-FFF2-40B4-BE49-F238E27FC236}">
-                <a16:creationId xmlns:a16="http://schemas.microsoft.com/office/drawing/2014/main" id="{4F34BD4F-A1A7-2695-B9CD-0B31024175B2}"/>
-              </a:ext>
-            </a:extLst>
-          </p:cNvPr>
-          <p:cNvSpPr>
-            <a:spLocks noGrp="1"/>
-          </p:cNvSpPr>
-          <p:nvPr>
-            <p:ph type="sldNum" sz="quarter" idx="12"/>
-          </p:nvPr>
-        </p:nvSpPr>
-        <p:spPr/>
-        <p:txBody>
-          <a:bodyPr/>
-          <a:lstStyle/>
-          <a:p>
-            <a:fld id="{666274A1-CF9C-426A-8DD4-B13ED0C24231}" type="slidenum">
-              <a:rPr lang="en-US" smtClean="0"/>
-              <a:t>5</a:t>
-            </a:fld>
-            <a:endParaRPr lang="en-US"/>
-          </a:p>
-        </p:txBody>
-      </p:sp>
-    </p:spTree>
-    <p:extLst>
-      <p:ext uri="{BB962C8B-B14F-4D97-AF65-F5344CB8AC3E}">
-        <p14:creationId xmlns:p14="http://schemas.microsoft.com/office/powerpoint/2010/main" val="1995692263"/>
-      </p:ext>
-    </p:extLst>
-  </p:cSld>
-  <p:clrMapOvr>
-    <a:masterClrMapping/>
-  </p:clrMapOvr>
-</p:sld>
-</file>
-
-<file path=ppt/slides/slide7.xml><?xml version="1.0" encoding="utf-8"?>
-<p:sld xmlns:a="http://schemas.openxmlformats.org/drawingml/2006/main" xmlns:r="http://schemas.openxmlformats.org/officeDocument/2006/relationships" xmlns:p="http://schemas.openxmlformats.org/presentationml/2006/main">
-  <p:cSld>
-    <p:spTree>
-      <p:nvGrpSpPr>
-        <p:cNvPr id="1" name=""/>
-        <p:cNvGrpSpPr/>
-        <p:nvPr/>
-      </p:nvGrpSpPr>
-      <p:grpSpPr>
-        <a:xfrm>
-          <a:off x="0" y="0"/>
-          <a:ext cx="0" cy="0"/>
-          <a:chOff x="0" y="0"/>
-          <a:chExt cx="0" cy="0"/>
-        </a:xfrm>
-      </p:grpSpPr>
-      <p:sp>
-        <p:nvSpPr>
-          <p:cNvPr id="2" name="標題 1">
-            <a:extLst>
-              <a:ext uri="{FF2B5EF4-FFF2-40B4-BE49-F238E27FC236}">
-                <a16:creationId xmlns:a16="http://schemas.microsoft.com/office/drawing/2014/main" id="{F49B282A-FF7E-D28E-E7C9-7C9011B3A142}"/>
-              </a:ext>
-            </a:extLst>
-          </p:cNvPr>
-          <p:cNvSpPr>
-            <a:spLocks noGrp="1"/>
-          </p:cNvSpPr>
-          <p:nvPr>
-            <p:ph type="title"/>
-          </p:nvPr>
-        </p:nvSpPr>
-        <p:spPr/>
-        <p:txBody>
-          <a:bodyPr>
-            <a:normAutofit/>
-          </a:bodyPr>
-          <a:lstStyle/>
-          <a:p>
-            <a:r>
               <a:rPr lang="en-US" altLang="zh-TW" sz="4000" dirty="0" err="1">
                 <a:latin typeface="Times" panose="02020603050405020304" pitchFamily="18" charset="0"/>
                 <a:cs typeface="Times" panose="02020603050405020304" pitchFamily="18" charset="0"/>
@@ -16101,7 +17811,7 @@
           <a:p>
             <a:fld id="{666274A1-CF9C-426A-8DD4-B13ED0C24231}" type="slidenum">
               <a:rPr lang="en-US" smtClean="0"/>
-              <a:t>6</a:t>
+              <a:t>5</a:t>
             </a:fld>
             <a:endParaRPr lang="en-US"/>
           </a:p>
@@ -16120,7 +17830,7 @@
 </p:sld>
 </file>
 
-<file path=ppt/slides/slide8.xml><?xml version="1.0" encoding="utf-8"?>
+<file path=ppt/slides/slide7.xml><?xml version="1.0" encoding="utf-8"?>
 <p:sld xmlns:a="http://schemas.openxmlformats.org/drawingml/2006/main" xmlns:r="http://schemas.openxmlformats.org/officeDocument/2006/relationships" xmlns:p="http://schemas.openxmlformats.org/presentationml/2006/main">
   <p:cSld>
     <p:spTree>
@@ -16458,7 +18168,7 @@
           <a:p>
             <a:fld id="{666274A1-CF9C-426A-8DD4-B13ED0C24231}" type="slidenum">
               <a:rPr lang="en-US" smtClean="0"/>
-              <a:t>7</a:t>
+              <a:t>6</a:t>
             </a:fld>
             <a:endParaRPr lang="en-US"/>
           </a:p>
@@ -16477,7 +18187,7 @@
 </p:sld>
 </file>
 
-<file path=ppt/slides/slide9.xml><?xml version="1.0" encoding="utf-8"?>
+<file path=ppt/slides/slide8.xml><?xml version="1.0" encoding="utf-8"?>
 <p:sld xmlns:a="http://schemas.openxmlformats.org/drawingml/2006/main" xmlns:r="http://schemas.openxmlformats.org/officeDocument/2006/relationships" xmlns:p="http://schemas.openxmlformats.org/presentationml/2006/main" show="0">
   <p:cSld>
     <p:spTree>
@@ -16571,7 +18281,7 @@
           <a:p>
             <a:fld id="{666274A1-CF9C-426A-8DD4-B13ED0C24231}" type="slidenum">
               <a:rPr lang="en-US" smtClean="0"/>
-              <a:t>8</a:t>
+              <a:t>7</a:t>
             </a:fld>
             <a:endParaRPr lang="en-US"/>
           </a:p>
@@ -16581,6 +18291,173 @@
     <p:extLst>
       <p:ext uri="{BB962C8B-B14F-4D97-AF65-F5344CB8AC3E}">
         <p14:creationId xmlns:p14="http://schemas.microsoft.com/office/powerpoint/2010/main" val="764224827"/>
+      </p:ext>
+    </p:extLst>
+  </p:cSld>
+  <p:clrMapOvr>
+    <a:masterClrMapping/>
+  </p:clrMapOvr>
+</p:sld>
+</file>
+
+<file path=ppt/slides/slide9.xml><?xml version="1.0" encoding="utf-8"?>
+<p:sld xmlns:a="http://schemas.openxmlformats.org/drawingml/2006/main" xmlns:r="http://schemas.openxmlformats.org/officeDocument/2006/relationships" xmlns:p="http://schemas.openxmlformats.org/presentationml/2006/main">
+  <p:cSld>
+    <p:spTree>
+      <p:nvGrpSpPr>
+        <p:cNvPr id="1" name=""/>
+        <p:cNvGrpSpPr/>
+        <p:nvPr/>
+      </p:nvGrpSpPr>
+      <p:grpSpPr>
+        <a:xfrm>
+          <a:off x="0" y="0"/>
+          <a:ext cx="0" cy="0"/>
+          <a:chOff x="0" y="0"/>
+          <a:chExt cx="0" cy="0"/>
+        </a:xfrm>
+      </p:grpSpPr>
+      <p:sp>
+        <p:nvSpPr>
+          <p:cNvPr id="2" name="標題 1">
+            <a:extLst>
+              <a:ext uri="{FF2B5EF4-FFF2-40B4-BE49-F238E27FC236}">
+                <a16:creationId xmlns:a16="http://schemas.microsoft.com/office/drawing/2014/main" id="{ADF75E3A-4F22-3C0A-E950-5621D0E0BE69}"/>
+              </a:ext>
+            </a:extLst>
+          </p:cNvPr>
+          <p:cNvSpPr>
+            <a:spLocks noGrp="1"/>
+          </p:cNvSpPr>
+          <p:nvPr>
+            <p:ph type="title"/>
+          </p:nvPr>
+        </p:nvSpPr>
+        <p:spPr/>
+        <p:txBody>
+          <a:bodyPr/>
+          <a:lstStyle/>
+          <a:p>
+            <a:endParaRPr lang="zh-TW" altLang="en-US" dirty="0"/>
+          </a:p>
+        </p:txBody>
+      </p:sp>
+      <p:sp>
+        <p:nvSpPr>
+          <p:cNvPr id="3" name="內容版面配置區 2">
+            <a:extLst>
+              <a:ext uri="{FF2B5EF4-FFF2-40B4-BE49-F238E27FC236}">
+                <a16:creationId xmlns:a16="http://schemas.microsoft.com/office/drawing/2014/main" id="{1DE082D5-A70E-399C-EBA0-91AEFD242464}"/>
+              </a:ext>
+            </a:extLst>
+          </p:cNvPr>
+          <p:cNvSpPr>
+            <a:spLocks noGrp="1"/>
+          </p:cNvSpPr>
+          <p:nvPr>
+            <p:ph idx="1"/>
+          </p:nvPr>
+        </p:nvSpPr>
+        <p:spPr/>
+        <p:txBody>
+          <a:bodyPr/>
+          <a:lstStyle/>
+          <a:p>
+            <a:endParaRPr lang="zh-TW" altLang="en-US" dirty="0"/>
+          </a:p>
+        </p:txBody>
+      </p:sp>
+      <p:sp>
+        <p:nvSpPr>
+          <p:cNvPr id="4" name="投影片編號版面配置區 3">
+            <a:extLst>
+              <a:ext uri="{FF2B5EF4-FFF2-40B4-BE49-F238E27FC236}">
+                <a16:creationId xmlns:a16="http://schemas.microsoft.com/office/drawing/2014/main" id="{26C67376-488E-0B96-D3A0-8A190AACC19C}"/>
+              </a:ext>
+            </a:extLst>
+          </p:cNvPr>
+          <p:cNvSpPr>
+            <a:spLocks noGrp="1"/>
+          </p:cNvSpPr>
+          <p:nvPr>
+            <p:ph type="sldNum" sz="quarter" idx="12"/>
+          </p:nvPr>
+        </p:nvSpPr>
+        <p:spPr/>
+        <p:txBody>
+          <a:bodyPr/>
+          <a:lstStyle/>
+          <a:p>
+            <a:fld id="{666274A1-CF9C-426A-8DD4-B13ED0C24231}" type="slidenum">
+              <a:rPr lang="en-US" smtClean="0"/>
+              <a:t>8</a:t>
+            </a:fld>
+            <a:endParaRPr lang="en-US"/>
+          </a:p>
+        </p:txBody>
+      </p:sp>
+      <p:pic>
+        <p:nvPicPr>
+          <p:cNvPr id="6" name="圖片 5">
+            <a:extLst>
+              <a:ext uri="{FF2B5EF4-FFF2-40B4-BE49-F238E27FC236}">
+                <a16:creationId xmlns:a16="http://schemas.microsoft.com/office/drawing/2014/main" id="{7AD8045F-CE45-F29F-C807-183B6CFCB402}"/>
+              </a:ext>
+            </a:extLst>
+          </p:cNvPr>
+          <p:cNvPicPr>
+            <a:picLocks noChangeAspect="1"/>
+          </p:cNvPicPr>
+          <p:nvPr/>
+        </p:nvPicPr>
+        <p:blipFill rotWithShape="1">
+          <a:blip r:embed="rId3"/>
+          <a:srcRect t="1346" b="48121"/>
+          <a:stretch/>
+        </p:blipFill>
+        <p:spPr>
+          <a:xfrm>
+            <a:off x="-118335" y="2592593"/>
+            <a:ext cx="5884433" cy="3345292"/>
+          </a:xfrm>
+          <a:prstGeom prst="rect">
+            <a:avLst/>
+          </a:prstGeom>
+        </p:spPr>
+      </p:pic>
+      <p:pic>
+        <p:nvPicPr>
+          <p:cNvPr id="5" name="圖片 4">
+            <a:extLst>
+              <a:ext uri="{FF2B5EF4-FFF2-40B4-BE49-F238E27FC236}">
+                <a16:creationId xmlns:a16="http://schemas.microsoft.com/office/drawing/2014/main" id="{29394B92-B5BF-F407-D5F7-D466A639A705}"/>
+              </a:ext>
+            </a:extLst>
+          </p:cNvPr>
+          <p:cNvPicPr>
+            <a:picLocks noChangeAspect="1"/>
+          </p:cNvPicPr>
+          <p:nvPr/>
+        </p:nvPicPr>
+        <p:blipFill rotWithShape="1">
+          <a:blip r:embed="rId3"/>
+          <a:srcRect t="51386"/>
+          <a:stretch/>
+        </p:blipFill>
+        <p:spPr>
+          <a:xfrm>
+            <a:off x="5838517" y="2592593"/>
+            <a:ext cx="6353483" cy="3474720"/>
+          </a:xfrm>
+          <a:prstGeom prst="rect">
+            <a:avLst/>
+          </a:prstGeom>
+        </p:spPr>
+      </p:pic>
+    </p:spTree>
+    <p:extLst>
+      <p:ext uri="{BB962C8B-B14F-4D97-AF65-F5344CB8AC3E}">
+        <p14:creationId xmlns:p14="http://schemas.microsoft.com/office/powerpoint/2010/main" val="468702892"/>
       </p:ext>
     </p:extLst>
   </p:cSld>

--- a/DAC2024/MOGA-CmpCNN/MOGA-CmpCNN A Multi-Objective Genetic Algorithm Intergrated with CmpCNN Model for CMP-Aware Metal Fill.pptx
+++ b/DAC2024/MOGA-CmpCNN/MOGA-CmpCNN A Multi-Objective Genetic Algorithm Intergrated with CmpCNN Model for CMP-Aware Metal Fill.pptx
@@ -5,40 +5,44 @@
     <p:sldMasterId id="2147483648" r:id="rId1"/>
   </p:sldMasterIdLst>
   <p:notesMasterIdLst>
-    <p:notesMasterId r:id="rId33"/>
+    <p:notesMasterId r:id="rId37"/>
   </p:notesMasterIdLst>
   <p:sldIdLst>
     <p:sldId id="256" r:id="rId2"/>
     <p:sldId id="257" r:id="rId3"/>
-    <p:sldId id="300" r:id="rId4"/>
-    <p:sldId id="299" r:id="rId5"/>
-    <p:sldId id="301" r:id="rId6"/>
-    <p:sldId id="302" r:id="rId7"/>
-    <p:sldId id="303" r:id="rId8"/>
-    <p:sldId id="304" r:id="rId9"/>
-    <p:sldId id="305" r:id="rId10"/>
-    <p:sldId id="306" r:id="rId11"/>
-    <p:sldId id="307" r:id="rId12"/>
-    <p:sldId id="308" r:id="rId13"/>
-    <p:sldId id="309" r:id="rId14"/>
-    <p:sldId id="310" r:id="rId15"/>
-    <p:sldId id="311" r:id="rId16"/>
-    <p:sldId id="312" r:id="rId17"/>
-    <p:sldId id="313" r:id="rId18"/>
-    <p:sldId id="314" r:id="rId19"/>
-    <p:sldId id="316" r:id="rId20"/>
-    <p:sldId id="317" r:id="rId21"/>
-    <p:sldId id="318" r:id="rId22"/>
-    <p:sldId id="319" r:id="rId23"/>
-    <p:sldId id="320" r:id="rId24"/>
-    <p:sldId id="321" r:id="rId25"/>
-    <p:sldId id="322" r:id="rId26"/>
-    <p:sldId id="324" r:id="rId27"/>
-    <p:sldId id="325" r:id="rId28"/>
-    <p:sldId id="323" r:id="rId29"/>
-    <p:sldId id="326" r:id="rId30"/>
-    <p:sldId id="327" r:id="rId31"/>
-    <p:sldId id="298" r:id="rId32"/>
+    <p:sldId id="329" r:id="rId4"/>
+    <p:sldId id="300" r:id="rId5"/>
+    <p:sldId id="299" r:id="rId6"/>
+    <p:sldId id="330" r:id="rId7"/>
+    <p:sldId id="301" r:id="rId8"/>
+    <p:sldId id="302" r:id="rId9"/>
+    <p:sldId id="331" r:id="rId10"/>
+    <p:sldId id="303" r:id="rId11"/>
+    <p:sldId id="304" r:id="rId12"/>
+    <p:sldId id="305" r:id="rId13"/>
+    <p:sldId id="306" r:id="rId14"/>
+    <p:sldId id="307" r:id="rId15"/>
+    <p:sldId id="308" r:id="rId16"/>
+    <p:sldId id="309" r:id="rId17"/>
+    <p:sldId id="314" r:id="rId18"/>
+    <p:sldId id="310" r:id="rId19"/>
+    <p:sldId id="312" r:id="rId20"/>
+    <p:sldId id="313" r:id="rId21"/>
+    <p:sldId id="332" r:id="rId22"/>
+    <p:sldId id="316" r:id="rId23"/>
+    <p:sldId id="317" r:id="rId24"/>
+    <p:sldId id="318" r:id="rId25"/>
+    <p:sldId id="319" r:id="rId26"/>
+    <p:sldId id="320" r:id="rId27"/>
+    <p:sldId id="321" r:id="rId28"/>
+    <p:sldId id="322" r:id="rId29"/>
+    <p:sldId id="324" r:id="rId30"/>
+    <p:sldId id="325" r:id="rId31"/>
+    <p:sldId id="323" r:id="rId32"/>
+    <p:sldId id="326" r:id="rId33"/>
+    <p:sldId id="327" r:id="rId34"/>
+    <p:sldId id="328" r:id="rId35"/>
+    <p:sldId id="298" r:id="rId36"/>
   </p:sldIdLst>
   <p:sldSz cx="12192000" cy="6858000"/>
   <p:notesSz cx="6858000" cy="9144000"/>
@@ -1494,7 +1498,7 @@
           <a:p>
             <a:fld id="{C9ED61FB-B9B0-4D85-A72E-A614C28ECC4E}" type="datetimeFigureOut">
               <a:rPr lang="en-US" smtClean="0"/>
-              <a:t>1/19/2024</a:t>
+              <a:t>1/28/2024</a:t>
             </a:fld>
             <a:endParaRPr lang="en-US"/>
           </a:p>
@@ -1889,7 +1893,22 @@
           <a:bodyPr/>
           <a:lstStyle/>
           <a:p>
-            <a:endParaRPr lang="zh-TW" altLang="en-US" dirty="0"/>
+            <a:r>
+              <a:rPr lang="en-US" altLang="zh-TW" dirty="0"/>
+              <a:t>* </a:t>
+            </a:r>
+            <a:r>
+              <a:rPr lang="zh-TW" altLang="en-US" dirty="0"/>
+              <a:t>這樣就有符合</a:t>
+            </a:r>
+            <a:r>
+              <a:rPr lang="en-US" altLang="zh-TW" dirty="0"/>
+              <a:t>minimum spacing</a:t>
+            </a:r>
+            <a:r>
+              <a:rPr lang="zh-TW" altLang="en-US" dirty="0"/>
+              <a:t>的要求了</a:t>
+            </a:r>
           </a:p>
         </p:txBody>
       </p:sp>
@@ -1919,7 +1938,7 @@
     </p:spTree>
     <p:extLst>
       <p:ext uri="{BB962C8B-B14F-4D97-AF65-F5344CB8AC3E}">
-        <p14:creationId xmlns:p14="http://schemas.microsoft.com/office/powerpoint/2010/main" val="3303056348"/>
+        <p14:creationId xmlns:p14="http://schemas.microsoft.com/office/powerpoint/2010/main" val="3649019431"/>
       </p:ext>
     </p:extLst>
   </p:cSld>
@@ -2003,7 +2022,7 @@
     </p:spTree>
     <p:extLst>
       <p:ext uri="{BB962C8B-B14F-4D97-AF65-F5344CB8AC3E}">
-        <p14:creationId xmlns:p14="http://schemas.microsoft.com/office/powerpoint/2010/main" val="2475832876"/>
+        <p14:creationId xmlns:p14="http://schemas.microsoft.com/office/powerpoint/2010/main" val="279027497"/>
       </p:ext>
     </p:extLst>
   </p:cSld>
@@ -2087,7 +2106,7 @@
     </p:spTree>
     <p:extLst>
       <p:ext uri="{BB962C8B-B14F-4D97-AF65-F5344CB8AC3E}">
-        <p14:creationId xmlns:p14="http://schemas.microsoft.com/office/powerpoint/2010/main" val="4168520213"/>
+        <p14:creationId xmlns:p14="http://schemas.microsoft.com/office/powerpoint/2010/main" val="3335668254"/>
       </p:ext>
     </p:extLst>
   </p:cSld>
@@ -2171,7 +2190,7 @@
     </p:spTree>
     <p:extLst>
       <p:ext uri="{BB962C8B-B14F-4D97-AF65-F5344CB8AC3E}">
-        <p14:creationId xmlns:p14="http://schemas.microsoft.com/office/powerpoint/2010/main" val="4021933917"/>
+        <p14:creationId xmlns:p14="http://schemas.microsoft.com/office/powerpoint/2010/main" val="3303056348"/>
       </p:ext>
     </p:extLst>
   </p:cSld>
@@ -2225,6 +2244,53 @@
           <a:bodyPr/>
           <a:lstStyle/>
           <a:p>
+            <a:r>
+              <a:rPr lang="zh-TW" altLang="en-US" dirty="0"/>
+              <a:t>在生成</a:t>
+            </a:r>
+            <a:r>
+              <a:rPr lang="en-US" altLang="zh-TW" dirty="0"/>
+              <a:t>fill solution</a:t>
+            </a:r>
+            <a:r>
+              <a:rPr lang="zh-TW" altLang="en-US" dirty="0"/>
+              <a:t>後，會進行圖像生成以及密度的計算。圖像會先進行</a:t>
+            </a:r>
+            <a:r>
+              <a:rPr lang="en-US" altLang="zh-TW" dirty="0"/>
+              <a:t>feature extraction</a:t>
+            </a:r>
+            <a:r>
+              <a:rPr lang="zh-TW" altLang="en-US" dirty="0"/>
+              <a:t>，並且將這些特徵與</a:t>
+            </a:r>
+            <a:r>
+              <a:rPr lang="en-US" altLang="zh-TW" dirty="0"/>
+              <a:t>density</a:t>
+            </a:r>
+            <a:r>
+              <a:rPr lang="zh-TW" altLang="en-US" dirty="0"/>
+              <a:t>一起丟到</a:t>
+            </a:r>
+            <a:r>
+              <a:rPr lang="en-US" altLang="zh-TW" dirty="0"/>
+              <a:t>regression network</a:t>
+            </a:r>
+            <a:r>
+              <a:rPr lang="zh-TW" altLang="en-US" dirty="0"/>
+              <a:t>來進行填充高度的預測。 之後會用剛剛的</a:t>
+            </a:r>
+            <a:r>
+              <a:rPr lang="en-US" altLang="zh-TW" dirty="0"/>
+              <a:t>fitness score</a:t>
+            </a:r>
+            <a:r>
+              <a:rPr lang="zh-TW" altLang="en-US" dirty="0"/>
+              <a:t>來計算適應度分數。</a:t>
+            </a:r>
+            <a:endParaRPr lang="en-US" altLang="zh-TW" dirty="0"/>
+          </a:p>
+          <a:p>
             <a:endParaRPr lang="zh-TW" altLang="en-US" dirty="0"/>
           </a:p>
         </p:txBody>
@@ -2255,7 +2321,7 @@
     </p:spTree>
     <p:extLst>
       <p:ext uri="{BB962C8B-B14F-4D97-AF65-F5344CB8AC3E}">
-        <p14:creationId xmlns:p14="http://schemas.microsoft.com/office/powerpoint/2010/main" val="90596409"/>
+        <p14:creationId xmlns:p14="http://schemas.microsoft.com/office/powerpoint/2010/main" val="3859843752"/>
       </p:ext>
     </p:extLst>
   </p:cSld>
@@ -2309,53 +2375,6 @@
           <a:bodyPr/>
           <a:lstStyle/>
           <a:p>
-            <a:r>
-              <a:rPr lang="zh-TW" altLang="en-US" dirty="0"/>
-              <a:t>在生成</a:t>
-            </a:r>
-            <a:r>
-              <a:rPr lang="en-US" altLang="zh-TW" dirty="0"/>
-              <a:t>fill solution</a:t>
-            </a:r>
-            <a:r>
-              <a:rPr lang="zh-TW" altLang="en-US" dirty="0"/>
-              <a:t>後，會進行圖像生成以及密度的計算。圖像會先進行</a:t>
-            </a:r>
-            <a:r>
-              <a:rPr lang="en-US" altLang="zh-TW" dirty="0"/>
-              <a:t>feature extraction</a:t>
-            </a:r>
-            <a:r>
-              <a:rPr lang="zh-TW" altLang="en-US" dirty="0"/>
-              <a:t>，並且將這些特徵與</a:t>
-            </a:r>
-            <a:r>
-              <a:rPr lang="en-US" altLang="zh-TW" dirty="0"/>
-              <a:t>density</a:t>
-            </a:r>
-            <a:r>
-              <a:rPr lang="zh-TW" altLang="en-US" dirty="0"/>
-              <a:t>一起丟到</a:t>
-            </a:r>
-            <a:r>
-              <a:rPr lang="en-US" altLang="zh-TW" dirty="0"/>
-              <a:t>regression network</a:t>
-            </a:r>
-            <a:r>
-              <a:rPr lang="zh-TW" altLang="en-US" dirty="0"/>
-              <a:t>來進行填充高度的預測。 之後會用剛剛的</a:t>
-            </a:r>
-            <a:r>
-              <a:rPr lang="en-US" altLang="zh-TW" dirty="0"/>
-              <a:t>fitness score</a:t>
-            </a:r>
-            <a:r>
-              <a:rPr lang="zh-TW" altLang="en-US" dirty="0"/>
-              <a:t>來計算適應度分數。</a:t>
-            </a:r>
-            <a:endParaRPr lang="en-US" altLang="zh-TW" dirty="0"/>
-          </a:p>
-          <a:p>
             <a:endParaRPr lang="zh-TW" altLang="en-US" dirty="0"/>
           </a:p>
         </p:txBody>
@@ -2386,7 +2405,7 @@
     </p:spTree>
     <p:extLst>
       <p:ext uri="{BB962C8B-B14F-4D97-AF65-F5344CB8AC3E}">
-        <p14:creationId xmlns:p14="http://schemas.microsoft.com/office/powerpoint/2010/main" val="3859843752"/>
+        <p14:creationId xmlns:p14="http://schemas.microsoft.com/office/powerpoint/2010/main" val="2475832876"/>
       </p:ext>
     </p:extLst>
   </p:cSld>
@@ -2470,7 +2489,7 @@
     </p:spTree>
     <p:extLst>
       <p:ext uri="{BB962C8B-B14F-4D97-AF65-F5344CB8AC3E}">
-        <p14:creationId xmlns:p14="http://schemas.microsoft.com/office/powerpoint/2010/main" val="3266866473"/>
+        <p14:creationId xmlns:p14="http://schemas.microsoft.com/office/powerpoint/2010/main" val="4021933917"/>
       </p:ext>
     </p:extLst>
   </p:cSld>
@@ -2525,34 +2544,43 @@
           <a:lstStyle/>
           <a:p>
             <a:r>
-              <a:rPr lang="zh-TW" altLang="en-US" b="0" i="0" dirty="0">
-                <a:solidFill>
-                  <a:srgbClr val="374151"/>
-                </a:solidFill>
-                <a:effectLst/>
-                <a:latin typeface="Söhne"/>
-              </a:rPr>
-              <a:t>每一層的高度都有一個對應的高度標準差（描述該層內高度的變異情況）。</a:t>
-            </a:r>
-            <a:r>
-              <a:rPr lang="en-US" altLang="zh-TW" b="0" i="0" dirty="0">
-                <a:solidFill>
-                  <a:srgbClr val="374151"/>
-                </a:solidFill>
-                <a:effectLst/>
-                <a:latin typeface="Söhne"/>
-              </a:rPr>
-              <a:t>OV</a:t>
-            </a:r>
-            <a:r>
-              <a:rPr lang="zh-TW" altLang="en-US" b="0" i="0" dirty="0">
-                <a:solidFill>
-                  <a:srgbClr val="374151"/>
-                </a:solidFill>
-                <a:effectLst/>
-                <a:latin typeface="Söhne"/>
-              </a:rPr>
-              <a:t>則是這些標準差的總和。這裡的每一層用 𝜎𝑘 來表示，其中 𝜎 是標準差的符號，而 𝑘 是層的索引。</a:t>
+              <a:rPr lang="zh-TW" altLang="en-US" dirty="0"/>
+              <a:t>越小越好</a:t>
+            </a:r>
+            <a:endParaRPr lang="en-US" altLang="zh-TW" dirty="0"/>
+          </a:p>
+          <a:p>
+            <a:pPr marL="171450" indent="-171450">
+              <a:buFont typeface="Arial" panose="020B0604020202020204" pitchFamily="34" charset="0"/>
+              <a:buChar char="•"/>
+            </a:pPr>
+            <a:r>
+              <a:rPr lang="zh-TW" altLang="en-US" dirty="0"/>
+              <a:t>降低</a:t>
+            </a:r>
+            <a:r>
+              <a:rPr lang="en-US" altLang="zh-TW" sz="1800" b="0" i="0" u="none" strike="noStrike" baseline="0" dirty="0">
+                <a:latin typeface="LinLibertineT"/>
+              </a:rPr>
+              <a:t>post-CMP height variations</a:t>
+            </a:r>
+          </a:p>
+          <a:p>
+            <a:pPr marL="171450" indent="-171450">
+              <a:buFont typeface="Arial" panose="020B0604020202020204" pitchFamily="34" charset="0"/>
+              <a:buChar char="•"/>
+            </a:pPr>
+            <a:r>
+              <a:rPr lang="zh-TW" altLang="en-US" sz="1800" b="0" i="0" u="none" strike="noStrike" baseline="0" dirty="0">
+                <a:latin typeface="LinLibertineT"/>
+              </a:rPr>
+              <a:t>降低</a:t>
+            </a:r>
+            <a:r>
+              <a:rPr lang="en-US" altLang="zh-TW" sz="1800" b="0" i="0" u="none" strike="noStrike" baseline="0" dirty="0">
+                <a:latin typeface="LinLibertineT"/>
+              </a:rPr>
+              <a:t>fill amount</a:t>
             </a:r>
             <a:endParaRPr lang="zh-TW" altLang="en-US" dirty="0"/>
           </a:p>
@@ -2584,7 +2612,7 @@
     </p:spTree>
     <p:extLst>
       <p:ext uri="{BB962C8B-B14F-4D97-AF65-F5344CB8AC3E}">
-        <p14:creationId xmlns:p14="http://schemas.microsoft.com/office/powerpoint/2010/main" val="2805368881"/>
+        <p14:creationId xmlns:p14="http://schemas.microsoft.com/office/powerpoint/2010/main" val="90596409"/>
       </p:ext>
     </p:extLst>
   </p:cSld>
@@ -2638,36 +2666,6 @@
           <a:bodyPr/>
           <a:lstStyle/>
           <a:p>
-            <a:r>
-              <a:rPr lang="zh-TW" altLang="en-US" b="0" i="0" dirty="0">
-                <a:solidFill>
-                  <a:srgbClr val="374151"/>
-                </a:solidFill>
-                <a:effectLst/>
-                <a:latin typeface="Söhne"/>
-              </a:rPr>
-              <a:t>每一層的高度都有一個對應的高度標準差（描述該層內高度的變異情況）。</a:t>
-            </a:r>
-            <a:r>
-              <a:rPr lang="en-US" altLang="zh-TW" b="0" i="0" dirty="0">
-                <a:solidFill>
-                  <a:srgbClr val="374151"/>
-                </a:solidFill>
-                <a:effectLst/>
-                <a:latin typeface="Söhne"/>
-              </a:rPr>
-              <a:t>OV</a:t>
-            </a:r>
-            <a:r>
-              <a:rPr lang="zh-TW" altLang="en-US" b="0" i="0" dirty="0">
-                <a:solidFill>
-                  <a:srgbClr val="374151"/>
-                </a:solidFill>
-                <a:effectLst/>
-                <a:latin typeface="Söhne"/>
-              </a:rPr>
-              <a:t>則是這些標準差的總和。這裡的每一層用 𝜎𝑘 來表示，其中 𝜎 是標準差的符號，而 𝑘 是層的索引。</a:t>
-            </a:r>
             <a:endParaRPr lang="zh-TW" altLang="en-US" dirty="0"/>
           </a:p>
         </p:txBody>
@@ -2698,7 +2696,7 @@
     </p:spTree>
     <p:extLst>
       <p:ext uri="{BB962C8B-B14F-4D97-AF65-F5344CB8AC3E}">
-        <p14:creationId xmlns:p14="http://schemas.microsoft.com/office/powerpoint/2010/main" val="1690136171"/>
+        <p14:creationId xmlns:p14="http://schemas.microsoft.com/office/powerpoint/2010/main" val="1925353900"/>
       </p:ext>
     </p:extLst>
   </p:cSld>
@@ -2753,34 +2751,12 @@
           <a:lstStyle/>
           <a:p>
             <a:r>
-              <a:rPr lang="zh-TW" altLang="en-US" b="0" i="0" dirty="0">
-                <a:solidFill>
-                  <a:srgbClr val="374151"/>
-                </a:solidFill>
-                <a:effectLst/>
-                <a:latin typeface="Söhne"/>
-              </a:rPr>
-              <a:t>每一層的高度都有一個對應的高度標準差（描述該層內高度的變異情況）。</a:t>
-            </a:r>
-            <a:r>
-              <a:rPr lang="en-US" altLang="zh-TW" b="0" i="0" dirty="0">
-                <a:solidFill>
-                  <a:srgbClr val="374151"/>
-                </a:solidFill>
-                <a:effectLst/>
-                <a:latin typeface="Söhne"/>
-              </a:rPr>
-              <a:t>OV</a:t>
-            </a:r>
-            <a:r>
-              <a:rPr lang="zh-TW" altLang="en-US" b="0" i="0" dirty="0">
-                <a:solidFill>
-                  <a:srgbClr val="374151"/>
-                </a:solidFill>
-                <a:effectLst/>
-                <a:latin typeface="Söhne"/>
-              </a:rPr>
-              <a:t>則是這些標準差的總和。這裡的每一層用 𝜎𝑘 來表示，其中 𝜎 是標準差的符號，而 𝑘 是層的索引。</a:t>
+              <a:rPr lang="en-US" altLang="zh-TW" dirty="0" err="1"/>
+              <a:t>openGA</a:t>
+            </a:r>
+            <a:r>
+              <a:rPr lang="en-US" altLang="zh-TW" dirty="0"/>
+              <a:t>: genetic algorithm</a:t>
             </a:r>
             <a:endParaRPr lang="zh-TW" altLang="en-US" dirty="0"/>
           </a:p>
@@ -2812,7 +2788,7 @@
     </p:spTree>
     <p:extLst>
       <p:ext uri="{BB962C8B-B14F-4D97-AF65-F5344CB8AC3E}">
-        <p14:creationId xmlns:p14="http://schemas.microsoft.com/office/powerpoint/2010/main" val="2119980269"/>
+        <p14:creationId xmlns:p14="http://schemas.microsoft.com/office/powerpoint/2010/main" val="3266866473"/>
       </p:ext>
     </p:extLst>
   </p:cSld>
@@ -3010,7 +2986,7 @@
     </p:spTree>
     <p:extLst>
       <p:ext uri="{BB962C8B-B14F-4D97-AF65-F5344CB8AC3E}">
-        <p14:creationId xmlns:p14="http://schemas.microsoft.com/office/powerpoint/2010/main" val="2446882062"/>
+        <p14:creationId xmlns:p14="http://schemas.microsoft.com/office/powerpoint/2010/main" val="2805368881"/>
       </p:ext>
     </p:extLst>
   </p:cSld>
@@ -3072,7 +3048,7 @@
                 <a:effectLst/>
                 <a:latin typeface="Söhne"/>
               </a:rPr>
-              <a:t>每一層的高度都有一個對應的高度標準差（描述該層內高度的變異情況）。</a:t>
+              <a:t>將同一個</a:t>
             </a:r>
             <a:r>
               <a:rPr lang="en-US" altLang="zh-TW" b="0" i="0" dirty="0">
@@ -3082,7 +3058,7 @@
                 <a:effectLst/>
                 <a:latin typeface="Söhne"/>
               </a:rPr>
-              <a:t>OV</a:t>
+              <a:t>window</a:t>
             </a:r>
             <a:r>
               <a:rPr lang="zh-TW" altLang="en-US" b="0" i="0" dirty="0">
@@ -3092,7 +3068,7 @@
                 <a:effectLst/>
                 <a:latin typeface="Söhne"/>
               </a:rPr>
-              <a:t>則是這些標準差的總和。這裡的每一層用 𝜎𝑘 來表示，其中 𝜎 是標準差的符號，而 𝑘 是層的索引。</a:t>
+              <a:t>的每一層高度加起來，並且用最大值減最小值</a:t>
             </a:r>
             <a:endParaRPr lang="zh-TW" altLang="en-US" dirty="0"/>
           </a:p>
@@ -3124,7 +3100,7 @@
     </p:spTree>
     <p:extLst>
       <p:ext uri="{BB962C8B-B14F-4D97-AF65-F5344CB8AC3E}">
-        <p14:creationId xmlns:p14="http://schemas.microsoft.com/office/powerpoint/2010/main" val="1353918984"/>
+        <p14:creationId xmlns:p14="http://schemas.microsoft.com/office/powerpoint/2010/main" val="1690136171"/>
       </p:ext>
     </p:extLst>
   </p:cSld>
@@ -3179,34 +3155,28 @@
           <a:lstStyle/>
           <a:p>
             <a:r>
-              <a:rPr lang="zh-TW" altLang="en-US" b="0" i="0" dirty="0">
-                <a:solidFill>
-                  <a:srgbClr val="374151"/>
-                </a:solidFill>
-                <a:effectLst/>
-                <a:latin typeface="Söhne"/>
-              </a:rPr>
-              <a:t>每一層的高度都有一個對應的高度標準差（描述該層內高度的變異情況）。</a:t>
-            </a:r>
-            <a:r>
-              <a:rPr lang="en-US" altLang="zh-TW" b="0" i="0" dirty="0">
-                <a:solidFill>
-                  <a:srgbClr val="374151"/>
-                </a:solidFill>
-                <a:effectLst/>
-                <a:latin typeface="Söhne"/>
-              </a:rPr>
-              <a:t>OV</a:t>
-            </a:r>
-            <a:r>
-              <a:rPr lang="zh-TW" altLang="en-US" b="0" i="0" dirty="0">
-                <a:solidFill>
-                  <a:srgbClr val="374151"/>
-                </a:solidFill>
-                <a:effectLst/>
-                <a:latin typeface="Söhne"/>
-              </a:rPr>
-              <a:t>則是這些標準差的總和。這裡的每一層用 𝜎𝑘 來表示，其中 𝜎 是標準差的符號，而 𝑘 是層的索引。</a:t>
+              <a:rPr lang="zh-TW" altLang="en-US" dirty="0"/>
+              <a:t>整個</a:t>
+            </a:r>
+            <a:r>
+              <a:rPr lang="en-US" altLang="zh-TW" dirty="0"/>
+              <a:t>layout</a:t>
+            </a:r>
+            <a:r>
+              <a:rPr lang="zh-TW" altLang="en-US" dirty="0"/>
+              <a:t>的平均</a:t>
+            </a:r>
+            <a:r>
+              <a:rPr lang="en-US" altLang="zh-TW" dirty="0"/>
+              <a:t>density (</a:t>
+            </a:r>
+            <a:r>
+              <a:rPr lang="zh-TW" altLang="en-US" dirty="0"/>
+              <a:t>包含所有層</a:t>
+            </a:r>
+            <a:r>
+              <a:rPr lang="en-US" altLang="zh-TW" dirty="0"/>
+              <a:t>)</a:t>
             </a:r>
             <a:endParaRPr lang="zh-TW" altLang="en-US" dirty="0"/>
           </a:p>
@@ -3238,7 +3208,7 @@
     </p:spTree>
     <p:extLst>
       <p:ext uri="{BB962C8B-B14F-4D97-AF65-F5344CB8AC3E}">
-        <p14:creationId xmlns:p14="http://schemas.microsoft.com/office/powerpoint/2010/main" val="102760052"/>
+        <p14:creationId xmlns:p14="http://schemas.microsoft.com/office/powerpoint/2010/main" val="2119980269"/>
       </p:ext>
     </p:extLst>
   </p:cSld>
@@ -3293,12 +3263,43 @@
           <a:lstStyle/>
           <a:p>
             <a:r>
-              <a:rPr lang="en-US" altLang="zh-TW" sz="1200" dirty="0">
-                <a:latin typeface="Times" panose="02020603050405020304" pitchFamily="18" charset="0"/>
-                <a:ea typeface="標楷體" panose="03000509000000000000" pitchFamily="65" charset="-120"/>
-                <a:cs typeface="Times" panose="02020603050405020304" pitchFamily="18" charset="0"/>
-              </a:rPr>
-              <a:t>fill parameters: fill width and fill length</a:t>
+              <a:rPr lang="zh-TW" altLang="en-US" b="0" i="0" dirty="0">
+                <a:solidFill>
+                  <a:srgbClr val="374151"/>
+                </a:solidFill>
+                <a:effectLst/>
+                <a:latin typeface="Söhne"/>
+              </a:rPr>
+              <a:t>* 横向电容</a:t>
+            </a:r>
+            <a:endParaRPr lang="en-US" altLang="zh-TW" b="0" i="0" dirty="0">
+              <a:solidFill>
+                <a:srgbClr val="374151"/>
+              </a:solidFill>
+              <a:effectLst/>
+              <a:latin typeface="Söhne"/>
+            </a:endParaRPr>
+          </a:p>
+          <a:p>
+            <a:r>
+              <a:rPr lang="zh-TW" altLang="en-US" b="0" i="0" dirty="0">
+                <a:solidFill>
+                  <a:srgbClr val="374151"/>
+                </a:solidFill>
+                <a:effectLst/>
+                <a:latin typeface="Söhne"/>
+              </a:rPr>
+              <a:t>* </a:t>
+            </a:r>
+            <a:r>
+              <a:rPr lang="zh-CN" altLang="en-US" b="0" i="0" dirty="0">
+                <a:solidFill>
+                  <a:srgbClr val="374151"/>
+                </a:solidFill>
+                <a:effectLst/>
+                <a:latin typeface="Söhne"/>
+              </a:rPr>
+              <a:t>同一层上导体形成的电容，通过将平行边缘之间的距离乘以单位长度的横向电容。</a:t>
             </a:r>
             <a:endParaRPr lang="zh-TW" altLang="en-US" dirty="0"/>
           </a:p>
@@ -3330,7 +3331,7 @@
     </p:spTree>
     <p:extLst>
       <p:ext uri="{BB962C8B-B14F-4D97-AF65-F5344CB8AC3E}">
-        <p14:creationId xmlns:p14="http://schemas.microsoft.com/office/powerpoint/2010/main" val="2246036433"/>
+        <p14:creationId xmlns:p14="http://schemas.microsoft.com/office/powerpoint/2010/main" val="2446882062"/>
       </p:ext>
     </p:extLst>
   </p:cSld>
@@ -3385,33 +3386,16 @@
           <a:lstStyle/>
           <a:p>
             <a:r>
-              <a:rPr lang="zh-CN" altLang="en-US" b="0" i="0" dirty="0">
-                <a:solidFill>
-                  <a:srgbClr val="374151"/>
-                </a:solidFill>
-                <a:effectLst/>
-                <a:latin typeface="Söhne"/>
-              </a:rPr>
-              <a:t>最佳填充模式应根据高度变化、电容等因素的具体需求和权衡来确定。</a:t>
-            </a:r>
-            <a:endParaRPr lang="en-US" altLang="zh-CN" b="0" i="0" dirty="0">
-              <a:solidFill>
-                <a:srgbClr val="374151"/>
-              </a:solidFill>
-              <a:effectLst/>
-              <a:latin typeface="Söhne"/>
-            </a:endParaRPr>
-          </a:p>
-          <a:p>
-            <a:r>
-              <a:rPr lang="zh-CN" altLang="en-US" b="0" i="0" dirty="0">
-                <a:solidFill>
-                  <a:srgbClr val="374151"/>
-                </a:solidFill>
-                <a:effectLst/>
-                <a:latin typeface="Söhne"/>
-              </a:rPr>
-              <a:t>接下来的实验中将使用矩形填充，主要目标是最小化高度变化。</a:t>
+              <a:rPr lang="zh-TW" altLang="en-US" dirty="0"/>
+              <a:t>每個</a:t>
+            </a:r>
+            <a:r>
+              <a:rPr lang="en-US" altLang="zh-TW" dirty="0"/>
+              <a:t>windows</a:t>
+            </a:r>
+            <a:r>
+              <a:rPr lang="zh-TW" altLang="en-US"/>
+              <a:t>的填充量的加總</a:t>
             </a:r>
             <a:endParaRPr lang="zh-TW" altLang="en-US" dirty="0"/>
           </a:p>
@@ -3443,7 +3427,7 @@
     </p:spTree>
     <p:extLst>
       <p:ext uri="{BB962C8B-B14F-4D97-AF65-F5344CB8AC3E}">
-        <p14:creationId xmlns:p14="http://schemas.microsoft.com/office/powerpoint/2010/main" val="1165159914"/>
+        <p14:creationId xmlns:p14="http://schemas.microsoft.com/office/powerpoint/2010/main" val="1353918984"/>
       </p:ext>
     </p:extLst>
   </p:cSld>
@@ -3497,6 +3481,36 @@
           <a:bodyPr/>
           <a:lstStyle/>
           <a:p>
+            <a:r>
+              <a:rPr lang="zh-TW" altLang="en-US" b="0" i="0" dirty="0">
+                <a:solidFill>
+                  <a:srgbClr val="374151"/>
+                </a:solidFill>
+                <a:effectLst/>
+                <a:latin typeface="Söhne"/>
+              </a:rPr>
+              <a:t>每一層的高度都有一個對應的高度標準差（描述該層內高度的變異情況）。</a:t>
+            </a:r>
+            <a:r>
+              <a:rPr lang="en-US" altLang="zh-TW" b="0" i="0" dirty="0">
+                <a:solidFill>
+                  <a:srgbClr val="374151"/>
+                </a:solidFill>
+                <a:effectLst/>
+                <a:latin typeface="Söhne"/>
+              </a:rPr>
+              <a:t>OV</a:t>
+            </a:r>
+            <a:r>
+              <a:rPr lang="zh-TW" altLang="en-US" b="0" i="0" dirty="0">
+                <a:solidFill>
+                  <a:srgbClr val="374151"/>
+                </a:solidFill>
+                <a:effectLst/>
+                <a:latin typeface="Söhne"/>
+              </a:rPr>
+              <a:t>則是這些標準差的總和。這裡的每一層用 𝜎𝑘 來表示，其中 𝜎 是標準差的符號，而 𝑘 是層的索引。</a:t>
+            </a:r>
             <a:endParaRPr lang="zh-TW" altLang="en-US" dirty="0"/>
           </a:p>
         </p:txBody>
@@ -3527,7 +3541,7 @@
     </p:spTree>
     <p:extLst>
       <p:ext uri="{BB962C8B-B14F-4D97-AF65-F5344CB8AC3E}">
-        <p14:creationId xmlns:p14="http://schemas.microsoft.com/office/powerpoint/2010/main" val="4035623837"/>
+        <p14:creationId xmlns:p14="http://schemas.microsoft.com/office/powerpoint/2010/main" val="102760052"/>
       </p:ext>
     </p:extLst>
   </p:cSld>
@@ -3582,173 +3596,12 @@
           <a:lstStyle/>
           <a:p>
             <a:r>
-              <a:rPr lang="en-US" altLang="zh-CN" b="0" i="0" dirty="0">
-                <a:solidFill>
-                  <a:srgbClr val="374151"/>
-                </a:solidFill>
-                <a:effectLst/>
-                <a:latin typeface="Söhne"/>
-              </a:rPr>
-              <a:t>* </a:t>
-            </a:r>
-            <a:r>
-              <a:rPr lang="zh-CN" altLang="en-US" b="0" i="0" dirty="0">
-                <a:solidFill>
-                  <a:srgbClr val="374151"/>
-                </a:solidFill>
-                <a:effectLst/>
-                <a:latin typeface="Söhne"/>
-              </a:rPr>
-              <a:t>小的填充量得分对减少</a:t>
-            </a:r>
-            <a:r>
-              <a:rPr lang="en-US" altLang="zh-CN" b="0" i="0" dirty="0">
-                <a:solidFill>
-                  <a:srgbClr val="374151"/>
-                </a:solidFill>
-                <a:effectLst/>
-                <a:latin typeface="Söhne"/>
-              </a:rPr>
-              <a:t>FA</a:t>
-            </a:r>
-            <a:r>
-              <a:rPr lang="zh-CN" altLang="en-US" b="0" i="0" dirty="0">
-                <a:solidFill>
-                  <a:srgbClr val="374151"/>
-                </a:solidFill>
-                <a:effectLst/>
-                <a:latin typeface="Söhne"/>
-              </a:rPr>
-              <a:t>的影响较小，而大的填充量得分会导致更大的高度变化</a:t>
-            </a:r>
-            <a:endParaRPr lang="en-US" altLang="zh-CN" b="0" i="0" dirty="0">
-              <a:solidFill>
-                <a:srgbClr val="374151"/>
-              </a:solidFill>
-              <a:effectLst/>
-              <a:latin typeface="Söhne"/>
-            </a:endParaRPr>
-          </a:p>
-          <a:p>
-            <a:r>
-              <a:rPr lang="en-US" altLang="zh-CN" b="0" i="0" dirty="0">
-                <a:solidFill>
-                  <a:srgbClr val="374151"/>
-                </a:solidFill>
-                <a:effectLst/>
-                <a:latin typeface="Söhne"/>
-              </a:rPr>
-              <a:t>* </a:t>
-            </a:r>
-            <a:r>
-              <a:rPr lang="zh-CN" altLang="en-US" b="0" i="0" dirty="0">
-                <a:solidFill>
-                  <a:srgbClr val="374151"/>
-                </a:solidFill>
-                <a:effectLst/>
-                <a:latin typeface="Söhne"/>
-              </a:rPr>
-              <a:t>𝑐</a:t>
-            </a:r>
-            <a:r>
-              <a:rPr lang="en-US" altLang="zh-CN" b="0" i="0" dirty="0">
-                <a:solidFill>
-                  <a:srgbClr val="374151"/>
-                </a:solidFill>
-                <a:effectLst/>
-                <a:latin typeface="Söhne"/>
-              </a:rPr>
-              <a:t>4</a:t>
-            </a:r>
-            <a:r>
-              <a:rPr lang="zh-CN" altLang="en-US" b="0" i="0" dirty="0">
-                <a:solidFill>
-                  <a:srgbClr val="374151"/>
-                </a:solidFill>
-                <a:effectLst/>
-                <a:latin typeface="Söhne"/>
-              </a:rPr>
-              <a:t>被设置为</a:t>
-            </a:r>
-            <a:r>
-              <a:rPr lang="en-US" altLang="zh-CN" b="0" i="0" dirty="0">
-                <a:solidFill>
-                  <a:srgbClr val="374151"/>
-                </a:solidFill>
-                <a:effectLst/>
-                <a:latin typeface="Söhne"/>
-              </a:rPr>
-              <a:t>1</a:t>
-            </a:r>
-            <a:r>
-              <a:rPr lang="zh-CN" altLang="en-US" b="0" i="0" dirty="0">
-                <a:solidFill>
-                  <a:srgbClr val="374151"/>
-                </a:solidFill>
-                <a:effectLst/>
-                <a:latin typeface="Söhne"/>
-              </a:rPr>
-              <a:t>，因为它在只有轻微增加</a:t>
-            </a:r>
-            <a:r>
-              <a:rPr lang="en-US" altLang="zh-CN" b="0" i="0" dirty="0">
-                <a:solidFill>
-                  <a:srgbClr val="374151"/>
-                </a:solidFill>
-                <a:effectLst/>
-                <a:latin typeface="Söhne"/>
-              </a:rPr>
-              <a:t>OV</a:t>
-            </a:r>
-            <a:r>
-              <a:rPr lang="zh-CN" altLang="en-US" b="0" i="0" dirty="0">
-                <a:solidFill>
-                  <a:srgbClr val="374151"/>
-                </a:solidFill>
-                <a:effectLst/>
-                <a:latin typeface="Söhne"/>
-              </a:rPr>
-              <a:t>和</a:t>
-            </a:r>
-            <a:r>
-              <a:rPr lang="en-US" altLang="zh-CN" b="0" i="0" dirty="0">
-                <a:solidFill>
-                  <a:srgbClr val="374151"/>
-                </a:solidFill>
-                <a:effectLst/>
-                <a:latin typeface="Söhne"/>
-              </a:rPr>
-              <a:t>MV</a:t>
-            </a:r>
-            <a:r>
-              <a:rPr lang="zh-CN" altLang="en-US" b="0" i="0" dirty="0">
-                <a:solidFill>
-                  <a:srgbClr val="374151"/>
-                </a:solidFill>
-                <a:effectLst/>
-                <a:latin typeface="Söhne"/>
-              </a:rPr>
-              <a:t>的情况下实现了</a:t>
-            </a:r>
-            <a:r>
-              <a:rPr lang="en-US" altLang="zh-CN" b="0" i="0" dirty="0">
-                <a:solidFill>
-                  <a:srgbClr val="374151"/>
-                </a:solidFill>
-                <a:effectLst/>
-                <a:latin typeface="Söhne"/>
-              </a:rPr>
-              <a:t>FA</a:t>
-            </a:r>
-            <a:r>
-              <a:rPr lang="zh-CN" altLang="en-US" b="0" i="0" dirty="0">
-                <a:solidFill>
-                  <a:srgbClr val="374151"/>
-                </a:solidFill>
-                <a:effectLst/>
-                <a:latin typeface="Söhne"/>
-              </a:rPr>
-              <a:t>的显著减少。</a:t>
+              <a:rPr lang="en-US" altLang="zh-TW" sz="1200" dirty="0">
+                <a:latin typeface="Times" panose="02020603050405020304" pitchFamily="18" charset="0"/>
+                <a:ea typeface="標楷體" panose="03000509000000000000" pitchFamily="65" charset="-120"/>
+                <a:cs typeface="Times" panose="02020603050405020304" pitchFamily="18" charset="0"/>
+              </a:rPr>
+              <a:t>fill parameters: fill width and fill length</a:t>
             </a:r>
             <a:endParaRPr lang="zh-TW" altLang="en-US" dirty="0"/>
           </a:p>
@@ -3780,7 +3633,7 @@
     </p:spTree>
     <p:extLst>
       <p:ext uri="{BB962C8B-B14F-4D97-AF65-F5344CB8AC3E}">
-        <p14:creationId xmlns:p14="http://schemas.microsoft.com/office/powerpoint/2010/main" val="1525901704"/>
+        <p14:creationId xmlns:p14="http://schemas.microsoft.com/office/powerpoint/2010/main" val="2246036433"/>
       </p:ext>
     </p:extLst>
   </p:cSld>
@@ -3835,16 +3688,6 @@
           <a:lstStyle/>
           <a:p>
             <a:r>
-              <a:rPr lang="en-US" altLang="zh-CN" b="0" i="0" dirty="0">
-                <a:solidFill>
-                  <a:srgbClr val="374151"/>
-                </a:solidFill>
-                <a:effectLst/>
-                <a:latin typeface="Söhne"/>
-              </a:rPr>
-              <a:t>* </a:t>
-            </a:r>
-            <a:r>
               <a:rPr lang="zh-CN" altLang="en-US" b="0" i="0" dirty="0">
                 <a:solidFill>
                   <a:srgbClr val="374151"/>
@@ -3852,27 +3695,7 @@
                 <a:effectLst/>
                 <a:latin typeface="Söhne"/>
               </a:rPr>
-              <a:t>小的填充量得分对减少</a:t>
-            </a:r>
-            <a:r>
-              <a:rPr lang="en-US" altLang="zh-CN" b="0" i="0" dirty="0">
-                <a:solidFill>
-                  <a:srgbClr val="374151"/>
-                </a:solidFill>
-                <a:effectLst/>
-                <a:latin typeface="Söhne"/>
-              </a:rPr>
-              <a:t>FA</a:t>
-            </a:r>
-            <a:r>
-              <a:rPr lang="zh-CN" altLang="en-US" b="0" i="0" dirty="0">
-                <a:solidFill>
-                  <a:srgbClr val="374151"/>
-                </a:solidFill>
-                <a:effectLst/>
-                <a:latin typeface="Söhne"/>
-              </a:rPr>
-              <a:t>的影响较小，而大的填充量得分会导致更大的高度变化</a:t>
+              <a:t>最佳填充模式应根据高度变化、电容等因素的具体需求和权衡来确定。</a:t>
             </a:r>
             <a:endParaRPr lang="en-US" altLang="zh-CN" b="0" i="0" dirty="0">
               <a:solidFill>
@@ -3884,6 +3707,184 @@
           </a:p>
           <a:p>
             <a:r>
+              <a:rPr lang="zh-CN" altLang="en-US" b="0" i="0" dirty="0">
+                <a:solidFill>
+                  <a:srgbClr val="374151"/>
+                </a:solidFill>
+                <a:effectLst/>
+                <a:latin typeface="Söhne"/>
+              </a:rPr>
+              <a:t>接下来的实验中将使用矩形填充，主要目标是最小化高度变化。</a:t>
+            </a:r>
+            <a:endParaRPr lang="zh-TW" altLang="en-US" dirty="0"/>
+          </a:p>
+        </p:txBody>
+      </p:sp>
+      <p:sp>
+        <p:nvSpPr>
+          <p:cNvPr id="4" name="投影片編號版面配置區 3"/>
+          <p:cNvSpPr>
+            <a:spLocks noGrp="1"/>
+          </p:cNvSpPr>
+          <p:nvPr>
+            <p:ph type="sldNum" sz="quarter" idx="5"/>
+          </p:nvPr>
+        </p:nvSpPr>
+        <p:spPr/>
+        <p:txBody>
+          <a:bodyPr/>
+          <a:lstStyle/>
+          <a:p>
+            <a:fld id="{9D457EAB-1485-47AD-BEAD-484FAEBF5A54}" type="slidenum">
+              <a:rPr lang="en-US" smtClean="0"/>
+              <a:t>29</a:t>
+            </a:fld>
+            <a:endParaRPr lang="en-US"/>
+          </a:p>
+        </p:txBody>
+      </p:sp>
+    </p:spTree>
+    <p:extLst>
+      <p:ext uri="{BB962C8B-B14F-4D97-AF65-F5344CB8AC3E}">
+        <p14:creationId xmlns:p14="http://schemas.microsoft.com/office/powerpoint/2010/main" val="1165159914"/>
+      </p:ext>
+    </p:extLst>
+  </p:cSld>
+  <p:clrMapOvr>
+    <a:masterClrMapping/>
+  </p:clrMapOvr>
+</p:notes>
+</file>
+
+<file path=ppt/notesSlides/notesSlide28.xml><?xml version="1.0" encoding="utf-8"?>
+<p:notes xmlns:a="http://schemas.openxmlformats.org/drawingml/2006/main" xmlns:r="http://schemas.openxmlformats.org/officeDocument/2006/relationships" xmlns:p="http://schemas.openxmlformats.org/presentationml/2006/main">
+  <p:cSld>
+    <p:spTree>
+      <p:nvGrpSpPr>
+        <p:cNvPr id="1" name=""/>
+        <p:cNvGrpSpPr/>
+        <p:nvPr/>
+      </p:nvGrpSpPr>
+      <p:grpSpPr>
+        <a:xfrm>
+          <a:off x="0" y="0"/>
+          <a:ext cx="0" cy="0"/>
+          <a:chOff x="0" y="0"/>
+          <a:chExt cx="0" cy="0"/>
+        </a:xfrm>
+      </p:grpSpPr>
+      <p:sp>
+        <p:nvSpPr>
+          <p:cNvPr id="2" name="投影片影像版面配置區 1"/>
+          <p:cNvSpPr>
+            <a:spLocks noGrp="1" noRot="1" noChangeAspect="1"/>
+          </p:cNvSpPr>
+          <p:nvPr>
+            <p:ph type="sldImg"/>
+          </p:nvPr>
+        </p:nvSpPr>
+        <p:spPr/>
+      </p:sp>
+      <p:sp>
+        <p:nvSpPr>
+          <p:cNvPr id="3" name="備忘稿版面配置區 2"/>
+          <p:cNvSpPr>
+            <a:spLocks noGrp="1"/>
+          </p:cNvSpPr>
+          <p:nvPr>
+            <p:ph type="body" idx="1"/>
+          </p:nvPr>
+        </p:nvSpPr>
+        <p:spPr/>
+        <p:txBody>
+          <a:bodyPr/>
+          <a:lstStyle/>
+          <a:p>
+            <a:endParaRPr lang="zh-TW" altLang="en-US" dirty="0"/>
+          </a:p>
+        </p:txBody>
+      </p:sp>
+      <p:sp>
+        <p:nvSpPr>
+          <p:cNvPr id="4" name="投影片編號版面配置區 3"/>
+          <p:cNvSpPr>
+            <a:spLocks noGrp="1"/>
+          </p:cNvSpPr>
+          <p:nvPr>
+            <p:ph type="sldNum" sz="quarter" idx="5"/>
+          </p:nvPr>
+        </p:nvSpPr>
+        <p:spPr/>
+        <p:txBody>
+          <a:bodyPr/>
+          <a:lstStyle/>
+          <a:p>
+            <a:fld id="{9D457EAB-1485-47AD-BEAD-484FAEBF5A54}" type="slidenum">
+              <a:rPr lang="en-US" smtClean="0"/>
+              <a:t>30</a:t>
+            </a:fld>
+            <a:endParaRPr lang="en-US"/>
+          </a:p>
+        </p:txBody>
+      </p:sp>
+    </p:spTree>
+    <p:extLst>
+      <p:ext uri="{BB962C8B-B14F-4D97-AF65-F5344CB8AC3E}">
+        <p14:creationId xmlns:p14="http://schemas.microsoft.com/office/powerpoint/2010/main" val="4035623837"/>
+      </p:ext>
+    </p:extLst>
+  </p:cSld>
+  <p:clrMapOvr>
+    <a:masterClrMapping/>
+  </p:clrMapOvr>
+</p:notes>
+</file>
+
+<file path=ppt/notesSlides/notesSlide29.xml><?xml version="1.0" encoding="utf-8"?>
+<p:notes xmlns:a="http://schemas.openxmlformats.org/drawingml/2006/main" xmlns:r="http://schemas.openxmlformats.org/officeDocument/2006/relationships" xmlns:p="http://schemas.openxmlformats.org/presentationml/2006/main">
+  <p:cSld>
+    <p:spTree>
+      <p:nvGrpSpPr>
+        <p:cNvPr id="1" name=""/>
+        <p:cNvGrpSpPr/>
+        <p:nvPr/>
+      </p:nvGrpSpPr>
+      <p:grpSpPr>
+        <a:xfrm>
+          <a:off x="0" y="0"/>
+          <a:ext cx="0" cy="0"/>
+          <a:chOff x="0" y="0"/>
+          <a:chExt cx="0" cy="0"/>
+        </a:xfrm>
+      </p:grpSpPr>
+      <p:sp>
+        <p:nvSpPr>
+          <p:cNvPr id="2" name="投影片影像版面配置區 1"/>
+          <p:cNvSpPr>
+            <a:spLocks noGrp="1" noRot="1" noChangeAspect="1"/>
+          </p:cNvSpPr>
+          <p:nvPr>
+            <p:ph type="sldImg"/>
+          </p:nvPr>
+        </p:nvSpPr>
+        <p:spPr/>
+      </p:sp>
+      <p:sp>
+        <p:nvSpPr>
+          <p:cNvPr id="3" name="備忘稿版面配置區 2"/>
+          <p:cNvSpPr>
+            <a:spLocks noGrp="1"/>
+          </p:cNvSpPr>
+          <p:nvPr>
+            <p:ph type="body" idx="1"/>
+          </p:nvPr>
+        </p:nvSpPr>
+        <p:spPr/>
+        <p:txBody>
+          <a:bodyPr/>
+          <a:lstStyle/>
+          <a:p>
+            <a:r>
               <a:rPr lang="en-US" altLang="zh-CN" b="0" i="0" dirty="0">
                 <a:solidFill>
                   <a:srgbClr val="374151"/>
@@ -3901,7 +3902,7 @@
                 <a:effectLst/>
                 <a:latin typeface="Söhne"/>
               </a:rPr>
-              <a:t>𝑐</a:t>
+              <a:t>小的填充量得分对减少</a:t>
             </a:r>
             <a:r>
               <a:rPr lang="en-US" altLang="zh-CN" b="0" i="0" dirty="0">
@@ -3911,7 +3912,7 @@
                 <a:effectLst/>
                 <a:latin typeface="Söhne"/>
               </a:rPr>
-              <a:t>4</a:t>
+              <a:t>FA</a:t>
             </a:r>
             <a:r>
               <a:rPr lang="zh-CN" altLang="en-US" b="0" i="0" dirty="0">
@@ -3921,8 +3922,17 @@
                 <a:effectLst/>
                 <a:latin typeface="Söhne"/>
               </a:rPr>
-              <a:t>被设置为</a:t>
-            </a:r>
+              <a:t>的影响较小，而大的填充量得分会导致更大的高度变化</a:t>
+            </a:r>
+            <a:endParaRPr lang="en-US" altLang="zh-CN" b="0" i="0" dirty="0">
+              <a:solidFill>
+                <a:srgbClr val="374151"/>
+              </a:solidFill>
+              <a:effectLst/>
+              <a:latin typeface="Söhne"/>
+            </a:endParaRPr>
+          </a:p>
+          <a:p>
             <a:r>
               <a:rPr lang="en-US" altLang="zh-CN" b="0" i="0" dirty="0">
                 <a:solidFill>
@@ -3931,7 +3941,7 @@
                 <a:effectLst/>
                 <a:latin typeface="Söhne"/>
               </a:rPr>
-              <a:t>1</a:t>
+              <a:t>* </a:t>
             </a:r>
             <a:r>
               <a:rPr lang="zh-CN" altLang="en-US" b="0" i="0" dirty="0">
@@ -3941,7 +3951,7 @@
                 <a:effectLst/>
                 <a:latin typeface="Söhne"/>
               </a:rPr>
-              <a:t>，因为它在只有轻微增加</a:t>
+              <a:t>𝑐</a:t>
             </a:r>
             <a:r>
               <a:rPr lang="en-US" altLang="zh-CN" b="0" i="0" dirty="0">
@@ -3951,7 +3961,7 @@
                 <a:effectLst/>
                 <a:latin typeface="Söhne"/>
               </a:rPr>
-              <a:t>OV</a:t>
+              <a:t>4</a:t>
             </a:r>
             <a:r>
               <a:rPr lang="zh-CN" altLang="en-US" b="0" i="0" dirty="0">
@@ -3961,7 +3971,7 @@
                 <a:effectLst/>
                 <a:latin typeface="Söhne"/>
               </a:rPr>
-              <a:t>和</a:t>
+              <a:t>被设置为</a:t>
             </a:r>
             <a:r>
               <a:rPr lang="en-US" altLang="zh-CN" b="0" i="0" dirty="0">
@@ -3971,7 +3981,7 @@
                 <a:effectLst/>
                 <a:latin typeface="Söhne"/>
               </a:rPr>
-              <a:t>MV</a:t>
+              <a:t>1</a:t>
             </a:r>
             <a:r>
               <a:rPr lang="zh-CN" altLang="en-US" b="0" i="0" dirty="0">
@@ -3981,7 +3991,7 @@
                 <a:effectLst/>
                 <a:latin typeface="Söhne"/>
               </a:rPr>
-              <a:t>的情况下实现了</a:t>
+              <a:t>，因为它在只有轻微增加</a:t>
             </a:r>
             <a:r>
               <a:rPr lang="en-US" altLang="zh-CN" b="0" i="0" dirty="0">
@@ -3991,7 +4001,7 @@
                 <a:effectLst/>
                 <a:latin typeface="Söhne"/>
               </a:rPr>
-              <a:t>FA</a:t>
+              <a:t>OV</a:t>
             </a:r>
             <a:r>
               <a:rPr lang="zh-CN" altLang="en-US" b="0" i="0" dirty="0">
@@ -4001,6 +4011,46 @@
                 <a:effectLst/>
                 <a:latin typeface="Söhne"/>
               </a:rPr>
+              <a:t>和</a:t>
+            </a:r>
+            <a:r>
+              <a:rPr lang="en-US" altLang="zh-CN" b="0" i="0" dirty="0">
+                <a:solidFill>
+                  <a:srgbClr val="374151"/>
+                </a:solidFill>
+                <a:effectLst/>
+                <a:latin typeface="Söhne"/>
+              </a:rPr>
+              <a:t>MV</a:t>
+            </a:r>
+            <a:r>
+              <a:rPr lang="zh-CN" altLang="en-US" b="0" i="0" dirty="0">
+                <a:solidFill>
+                  <a:srgbClr val="374151"/>
+                </a:solidFill>
+                <a:effectLst/>
+                <a:latin typeface="Söhne"/>
+              </a:rPr>
+              <a:t>的情况下实现了</a:t>
+            </a:r>
+            <a:r>
+              <a:rPr lang="en-US" altLang="zh-CN" b="0" i="0" dirty="0">
+                <a:solidFill>
+                  <a:srgbClr val="374151"/>
+                </a:solidFill>
+                <a:effectLst/>
+                <a:latin typeface="Söhne"/>
+              </a:rPr>
+              <a:t>FA</a:t>
+            </a:r>
+            <a:r>
+              <a:rPr lang="zh-CN" altLang="en-US" b="0" i="0" dirty="0">
+                <a:solidFill>
+                  <a:srgbClr val="374151"/>
+                </a:solidFill>
+                <a:effectLst/>
+                <a:latin typeface="Söhne"/>
+              </a:rPr>
               <a:t>的显著减少。</a:t>
             </a:r>
             <a:endParaRPr lang="zh-TW" altLang="en-US" dirty="0"/>
@@ -4024,7 +4074,7 @@
           <a:p>
             <a:fld id="{9D457EAB-1485-47AD-BEAD-484FAEBF5A54}" type="slidenum">
               <a:rPr lang="en-US" smtClean="0"/>
-              <a:t>29</a:t>
+              <a:t>31</a:t>
             </a:fld>
             <a:endParaRPr lang="en-US"/>
           </a:p>
@@ -4033,7 +4083,7 @@
     </p:spTree>
     <p:extLst>
       <p:ext uri="{BB962C8B-B14F-4D97-AF65-F5344CB8AC3E}">
-        <p14:creationId xmlns:p14="http://schemas.microsoft.com/office/powerpoint/2010/main" val="2107149703"/>
+        <p14:creationId xmlns:p14="http://schemas.microsoft.com/office/powerpoint/2010/main" val="1525901704"/>
       </p:ext>
     </p:extLst>
   </p:cSld>
@@ -4087,19 +4137,463 @@
           <a:bodyPr/>
           <a:lstStyle/>
           <a:p>
-            <a:r>
-              <a:rPr lang="en-US" altLang="zh-TW" dirty="0"/>
-              <a:t>*</a:t>
-            </a:r>
-            <a:r>
-              <a:rPr lang="zh-CN" altLang="en-US" b="0" i="0" dirty="0">
+            <a:endParaRPr lang="zh-TW" altLang="en-US" dirty="0"/>
+          </a:p>
+        </p:txBody>
+      </p:sp>
+      <p:sp>
+        <p:nvSpPr>
+          <p:cNvPr id="4" name="投影片編號版面配置區 3"/>
+          <p:cNvSpPr>
+            <a:spLocks noGrp="1"/>
+          </p:cNvSpPr>
+          <p:nvPr>
+            <p:ph type="sldNum" sz="quarter" idx="5"/>
+          </p:nvPr>
+        </p:nvSpPr>
+        <p:spPr/>
+        <p:txBody>
+          <a:bodyPr/>
+          <a:lstStyle/>
+          <a:p>
+            <a:fld id="{9D457EAB-1485-47AD-BEAD-484FAEBF5A54}" type="slidenum">
+              <a:rPr lang="en-US" smtClean="0"/>
+              <a:t>2</a:t>
+            </a:fld>
+            <a:endParaRPr lang="en-US"/>
+          </a:p>
+        </p:txBody>
+      </p:sp>
+    </p:spTree>
+    <p:extLst>
+      <p:ext uri="{BB962C8B-B14F-4D97-AF65-F5344CB8AC3E}">
+        <p14:creationId xmlns:p14="http://schemas.microsoft.com/office/powerpoint/2010/main" val="3968116479"/>
+      </p:ext>
+    </p:extLst>
+  </p:cSld>
+  <p:clrMapOvr>
+    <a:masterClrMapping/>
+  </p:clrMapOvr>
+</p:notes>
+</file>
+
+<file path=ppt/notesSlides/notesSlide30.xml><?xml version="1.0" encoding="utf-8"?>
+<p:notes xmlns:a="http://schemas.openxmlformats.org/drawingml/2006/main" xmlns:r="http://schemas.openxmlformats.org/officeDocument/2006/relationships" xmlns:p="http://schemas.openxmlformats.org/presentationml/2006/main">
+  <p:cSld>
+    <p:spTree>
+      <p:nvGrpSpPr>
+        <p:cNvPr id="1" name=""/>
+        <p:cNvGrpSpPr/>
+        <p:nvPr/>
+      </p:nvGrpSpPr>
+      <p:grpSpPr>
+        <a:xfrm>
+          <a:off x="0" y="0"/>
+          <a:ext cx="0" cy="0"/>
+          <a:chOff x="0" y="0"/>
+          <a:chExt cx="0" cy="0"/>
+        </a:xfrm>
+      </p:grpSpPr>
+      <p:sp>
+        <p:nvSpPr>
+          <p:cNvPr id="2" name="投影片影像版面配置區 1"/>
+          <p:cNvSpPr>
+            <a:spLocks noGrp="1" noRot="1" noChangeAspect="1"/>
+          </p:cNvSpPr>
+          <p:nvPr>
+            <p:ph type="sldImg"/>
+          </p:nvPr>
+        </p:nvSpPr>
+        <p:spPr/>
+      </p:sp>
+      <p:sp>
+        <p:nvSpPr>
+          <p:cNvPr id="3" name="備忘稿版面配置區 2"/>
+          <p:cNvSpPr>
+            <a:spLocks noGrp="1"/>
+          </p:cNvSpPr>
+          <p:nvPr>
+            <p:ph type="body" idx="1"/>
+          </p:nvPr>
+        </p:nvSpPr>
+        <p:spPr/>
+        <p:txBody>
+          <a:bodyPr/>
+          <a:lstStyle/>
+          <a:p>
+            <a:endParaRPr lang="zh-TW" altLang="en-US" dirty="0"/>
+          </a:p>
+        </p:txBody>
+      </p:sp>
+      <p:sp>
+        <p:nvSpPr>
+          <p:cNvPr id="4" name="投影片編號版面配置區 3"/>
+          <p:cNvSpPr>
+            <a:spLocks noGrp="1"/>
+          </p:cNvSpPr>
+          <p:nvPr>
+            <p:ph type="sldNum" sz="quarter" idx="5"/>
+          </p:nvPr>
+        </p:nvSpPr>
+        <p:spPr/>
+        <p:txBody>
+          <a:bodyPr/>
+          <a:lstStyle/>
+          <a:p>
+            <a:fld id="{9D457EAB-1485-47AD-BEAD-484FAEBF5A54}" type="slidenum">
+              <a:rPr lang="en-US" smtClean="0"/>
+              <a:t>32</a:t>
+            </a:fld>
+            <a:endParaRPr lang="en-US"/>
+          </a:p>
+        </p:txBody>
+      </p:sp>
+    </p:spTree>
+    <p:extLst>
+      <p:ext uri="{BB962C8B-B14F-4D97-AF65-F5344CB8AC3E}">
+        <p14:creationId xmlns:p14="http://schemas.microsoft.com/office/powerpoint/2010/main" val="2107149703"/>
+      </p:ext>
+    </p:extLst>
+  </p:cSld>
+  <p:clrMapOvr>
+    <a:masterClrMapping/>
+  </p:clrMapOvr>
+</p:notes>
+</file>
+
+<file path=ppt/notesSlides/notesSlide31.xml><?xml version="1.0" encoding="utf-8"?>
+<p:notes xmlns:a="http://schemas.openxmlformats.org/drawingml/2006/main" xmlns:r="http://schemas.openxmlformats.org/officeDocument/2006/relationships" xmlns:p="http://schemas.openxmlformats.org/presentationml/2006/main">
+  <p:cSld>
+    <p:spTree>
+      <p:nvGrpSpPr>
+        <p:cNvPr id="1" name=""/>
+        <p:cNvGrpSpPr/>
+        <p:nvPr/>
+      </p:nvGrpSpPr>
+      <p:grpSpPr>
+        <a:xfrm>
+          <a:off x="0" y="0"/>
+          <a:ext cx="0" cy="0"/>
+          <a:chOff x="0" y="0"/>
+          <a:chExt cx="0" cy="0"/>
+        </a:xfrm>
+      </p:grpSpPr>
+      <p:sp>
+        <p:nvSpPr>
+          <p:cNvPr id="2" name="投影片影像版面配置區 1"/>
+          <p:cNvSpPr>
+            <a:spLocks noGrp="1" noRot="1" noChangeAspect="1"/>
+          </p:cNvSpPr>
+          <p:nvPr>
+            <p:ph type="sldImg"/>
+          </p:nvPr>
+        </p:nvSpPr>
+        <p:spPr/>
+      </p:sp>
+      <p:sp>
+        <p:nvSpPr>
+          <p:cNvPr id="3" name="備忘稿版面配置區 2"/>
+          <p:cNvSpPr>
+            <a:spLocks noGrp="1"/>
+          </p:cNvSpPr>
+          <p:nvPr>
+            <p:ph type="body" idx="1"/>
+          </p:nvPr>
+        </p:nvSpPr>
+        <p:spPr/>
+        <p:txBody>
+          <a:bodyPr/>
+          <a:lstStyle/>
+          <a:p>
+            <a:r>
+              <a:rPr lang="en-US" altLang="zh-TW" b="0" i="0" dirty="0">
                 <a:solidFill>
                   <a:srgbClr val="374151"/>
                 </a:solidFill>
                 <a:effectLst/>
                 <a:latin typeface="Söhne"/>
               </a:rPr>
-              <a:t>实现均匀平坦化</a:t>
+              <a:t>"Circuit2</a:t>
+            </a:r>
+            <a:r>
+              <a:rPr lang="zh-TW" altLang="en-US" b="0" i="0" dirty="0">
+                <a:solidFill>
+                  <a:srgbClr val="374151"/>
+                </a:solidFill>
+                <a:effectLst/>
+                <a:latin typeface="Söhne"/>
+              </a:rPr>
+              <a:t>表現出較大的</a:t>
+            </a:r>
+            <a:r>
+              <a:rPr lang="en-US" altLang="zh-TW" b="0" i="0" dirty="0">
+                <a:solidFill>
+                  <a:srgbClr val="374151"/>
+                </a:solidFill>
+                <a:effectLst/>
+                <a:latin typeface="Söhne"/>
+              </a:rPr>
+              <a:t>LC</a:t>
+            </a:r>
+            <a:r>
+              <a:rPr lang="zh-TW" altLang="en-US" b="0" i="0" dirty="0">
+                <a:solidFill>
+                  <a:srgbClr val="374151"/>
+                </a:solidFill>
+                <a:effectLst/>
+                <a:latin typeface="Söhne"/>
+              </a:rPr>
+              <a:t>和</a:t>
+            </a:r>
+            <a:r>
+              <a:rPr lang="en-US" altLang="zh-TW" b="0" i="0" dirty="0">
+                <a:solidFill>
+                  <a:srgbClr val="374151"/>
+                </a:solidFill>
+                <a:effectLst/>
+                <a:latin typeface="Söhne"/>
+              </a:rPr>
+              <a:t>OD</a:t>
+            </a:r>
+            <a:r>
+              <a:rPr lang="zh-TW" altLang="en-US" b="0" i="0" dirty="0">
+                <a:solidFill>
+                  <a:srgbClr val="374151"/>
+                </a:solidFill>
+                <a:effectLst/>
+                <a:latin typeface="Söhne"/>
+              </a:rPr>
+              <a:t>，主要是由於原始佈局中存在顯著的高度變化（</a:t>
+            </a:r>
+            <a:r>
+              <a:rPr lang="en-US" altLang="zh-TW" b="0" i="0" dirty="0">
+                <a:solidFill>
+                  <a:srgbClr val="374151"/>
+                </a:solidFill>
+                <a:effectLst/>
+                <a:latin typeface="Söhne"/>
+              </a:rPr>
+              <a:t>MV = 447.99 Å</a:t>
+            </a:r>
+            <a:r>
+              <a:rPr lang="zh-TW" altLang="en-US" b="0" i="0" dirty="0">
+                <a:solidFill>
+                  <a:srgbClr val="374151"/>
+                </a:solidFill>
+                <a:effectLst/>
+                <a:latin typeface="Söhne"/>
+              </a:rPr>
+              <a:t>），需要更廣泛的填充區域來確保佈局平整。圖</a:t>
+            </a:r>
+            <a:r>
+              <a:rPr lang="en-US" altLang="zh-TW" b="0" i="0" dirty="0">
+                <a:solidFill>
+                  <a:srgbClr val="374151"/>
+                </a:solidFill>
+                <a:effectLst/>
+                <a:latin typeface="Söhne"/>
+              </a:rPr>
+              <a:t>5</a:t>
+            </a:r>
+            <a:r>
+              <a:rPr lang="zh-TW" altLang="en-US" b="0" i="0" dirty="0">
+                <a:solidFill>
+                  <a:srgbClr val="374151"/>
+                </a:solidFill>
+                <a:effectLst/>
+                <a:latin typeface="Söhne"/>
+              </a:rPr>
+              <a:t>顯示了電路</a:t>
+            </a:r>
+            <a:r>
+              <a:rPr lang="en-US" altLang="zh-TW" b="0" i="0" dirty="0">
+                <a:solidFill>
+                  <a:srgbClr val="374151"/>
+                </a:solidFill>
+                <a:effectLst/>
+                <a:latin typeface="Söhne"/>
+              </a:rPr>
+              <a:t>1</a:t>
+            </a:r>
+            <a:r>
+              <a:rPr lang="zh-TW" altLang="en-US" b="0" i="0" dirty="0">
+                <a:solidFill>
+                  <a:srgbClr val="374151"/>
+                </a:solidFill>
+                <a:effectLst/>
+                <a:latin typeface="Söhne"/>
+              </a:rPr>
+              <a:t>和電路</a:t>
+            </a:r>
+            <a:r>
+              <a:rPr lang="en-US" altLang="zh-TW" b="0" i="0" dirty="0">
+                <a:solidFill>
+                  <a:srgbClr val="374151"/>
+                </a:solidFill>
+                <a:effectLst/>
+                <a:latin typeface="Söhne"/>
+              </a:rPr>
+              <a:t>2</a:t>
+            </a:r>
+            <a:r>
+              <a:rPr lang="zh-TW" altLang="en-US" b="0" i="0" dirty="0">
+                <a:solidFill>
+                  <a:srgbClr val="374151"/>
+                </a:solidFill>
+                <a:effectLst/>
+                <a:latin typeface="Söhne"/>
+              </a:rPr>
+              <a:t>的高度分佈，包括原始電路、密度驅動填充的電路，以及我們的</a:t>
+            </a:r>
+            <a:r>
+              <a:rPr lang="en-US" altLang="zh-TW" b="0" i="0" dirty="0">
+                <a:solidFill>
+                  <a:srgbClr val="374151"/>
+                </a:solidFill>
+                <a:effectLst/>
+                <a:latin typeface="Söhne"/>
+              </a:rPr>
+              <a:t>MOGA-</a:t>
+            </a:r>
+            <a:r>
+              <a:rPr lang="en-US" altLang="zh-TW" b="0" i="0" dirty="0" err="1">
+                <a:solidFill>
+                  <a:srgbClr val="374151"/>
+                </a:solidFill>
+                <a:effectLst/>
+                <a:latin typeface="Söhne"/>
+              </a:rPr>
+              <a:t>CmpCNN</a:t>
+            </a:r>
+            <a:r>
+              <a:rPr lang="zh-TW" altLang="en-US" b="0" i="0" dirty="0">
+                <a:solidFill>
+                  <a:srgbClr val="374151"/>
+                </a:solidFill>
+                <a:effectLst/>
+                <a:latin typeface="Söhne"/>
+              </a:rPr>
+              <a:t>填充的電路。總的來說，我們的</a:t>
+            </a:r>
+            <a:r>
+              <a:rPr lang="en-US" altLang="zh-TW" b="0" i="0" dirty="0">
+                <a:solidFill>
+                  <a:srgbClr val="374151"/>
+                </a:solidFill>
+                <a:effectLst/>
+                <a:latin typeface="Söhne"/>
+              </a:rPr>
+              <a:t>MOGA-</a:t>
+            </a:r>
+            <a:r>
+              <a:rPr lang="en-US" altLang="zh-TW" b="0" i="0" dirty="0" err="1">
+                <a:solidFill>
+                  <a:srgbClr val="374151"/>
+                </a:solidFill>
+                <a:effectLst/>
+                <a:latin typeface="Söhne"/>
+              </a:rPr>
+              <a:t>CmpCNN</a:t>
+            </a:r>
+            <a:r>
+              <a:rPr lang="zh-TW" altLang="en-US" b="0" i="0" dirty="0">
+                <a:solidFill>
+                  <a:srgbClr val="374151"/>
+                </a:solidFill>
+                <a:effectLst/>
+                <a:latin typeface="Söhne"/>
+              </a:rPr>
+              <a:t>框架在最小化</a:t>
+            </a:r>
+            <a:r>
+              <a:rPr lang="en-US" altLang="zh-TW" b="0" i="0" dirty="0">
+                <a:solidFill>
+                  <a:srgbClr val="374151"/>
+                </a:solidFill>
+                <a:effectLst/>
+                <a:latin typeface="Söhne"/>
+              </a:rPr>
+              <a:t>OV</a:t>
+            </a:r>
+            <a:r>
+              <a:rPr lang="zh-TW" altLang="en-US" b="0" i="0" dirty="0">
+                <a:solidFill>
+                  <a:srgbClr val="374151"/>
+                </a:solidFill>
+                <a:effectLst/>
+                <a:latin typeface="Söhne"/>
+              </a:rPr>
+              <a:t>和</a:t>
+            </a:r>
+            <a:r>
+              <a:rPr lang="en-US" altLang="zh-TW" b="0" i="0" dirty="0">
+                <a:solidFill>
+                  <a:srgbClr val="374151"/>
+                </a:solidFill>
+                <a:effectLst/>
+                <a:latin typeface="Söhne"/>
+              </a:rPr>
+              <a:t>MV</a:t>
+            </a:r>
+            <a:r>
+              <a:rPr lang="zh-TW" altLang="en-US" b="0" i="0" dirty="0">
+                <a:solidFill>
+                  <a:srgbClr val="374151"/>
+                </a:solidFill>
+                <a:effectLst/>
+                <a:latin typeface="Söhne"/>
+              </a:rPr>
+              <a:t>方面表現出色，並且具有更小的</a:t>
+            </a:r>
+            <a:r>
+              <a:rPr lang="en-US" altLang="zh-TW" b="0" i="0" dirty="0">
+                <a:solidFill>
+                  <a:srgbClr val="374151"/>
+                </a:solidFill>
+                <a:effectLst/>
+                <a:latin typeface="Söhne"/>
+              </a:rPr>
+              <a:t>FA</a:t>
+            </a:r>
+            <a:r>
+              <a:rPr lang="zh-TW" altLang="en-US" b="0" i="0" dirty="0">
+                <a:solidFill>
+                  <a:srgbClr val="374151"/>
+                </a:solidFill>
+                <a:effectLst/>
+                <a:latin typeface="Söhne"/>
+              </a:rPr>
+              <a:t>和</a:t>
+            </a:r>
+            <a:r>
+              <a:rPr lang="en-US" altLang="zh-TW" b="0" i="0" dirty="0">
+                <a:solidFill>
+                  <a:srgbClr val="374151"/>
+                </a:solidFill>
+                <a:effectLst/>
+                <a:latin typeface="Söhne"/>
+              </a:rPr>
+              <a:t>LC</a:t>
+            </a:r>
+            <a:r>
+              <a:rPr lang="zh-TW" altLang="en-US" b="0" i="0" dirty="0">
+                <a:solidFill>
+                  <a:srgbClr val="374151"/>
+                </a:solidFill>
+                <a:effectLst/>
+                <a:latin typeface="Söhne"/>
+              </a:rPr>
+              <a:t>。</a:t>
+            </a:r>
+            <a:r>
+              <a:rPr lang="en-US" altLang="zh-TW" b="0" i="0" dirty="0">
+                <a:solidFill>
+                  <a:srgbClr val="374151"/>
+                </a:solidFill>
+                <a:effectLst/>
+                <a:latin typeface="Söhne"/>
+              </a:rPr>
+              <a:t>"</a:t>
             </a:r>
             <a:endParaRPr lang="zh-TW" altLang="en-US" dirty="0"/>
           </a:p>
@@ -4122,7 +4616,7 @@
           <a:p>
             <a:fld id="{9D457EAB-1485-47AD-BEAD-484FAEBF5A54}" type="slidenum">
               <a:rPr lang="en-US" smtClean="0"/>
-              <a:t>2</a:t>
+              <a:t>33</a:t>
             </a:fld>
             <a:endParaRPr lang="en-US"/>
           </a:p>
@@ -4131,7 +4625,7 @@
     </p:spTree>
     <p:extLst>
       <p:ext uri="{BB962C8B-B14F-4D97-AF65-F5344CB8AC3E}">
-        <p14:creationId xmlns:p14="http://schemas.microsoft.com/office/powerpoint/2010/main" val="2160470450"/>
+        <p14:creationId xmlns:p14="http://schemas.microsoft.com/office/powerpoint/2010/main" val="2320805572"/>
       </p:ext>
     </p:extLst>
   </p:cSld>
@@ -4199,35 +4693,6 @@
               </a:rPr>
               <a:t>实现均匀平坦化</a:t>
             </a:r>
-            <a:endParaRPr lang="en-US" altLang="zh-CN" b="0" i="0" dirty="0">
-              <a:solidFill>
-                <a:srgbClr val="374151"/>
-              </a:solidFill>
-              <a:effectLst/>
-              <a:latin typeface="Söhne"/>
-            </a:endParaRPr>
-          </a:p>
-          <a:p>
-            <a:r>
-              <a:rPr lang="en-US" altLang="zh-TW" b="0" i="0" dirty="0">
-                <a:solidFill>
-                  <a:srgbClr val="374151"/>
-                </a:solidFill>
-                <a:effectLst/>
-                <a:latin typeface="Söhne"/>
-              </a:rPr>
-              <a:t>*</a:t>
-            </a:r>
-            <a:r>
-              <a:rPr lang="zh-CN" altLang="en-US" b="0" i="0" dirty="0">
-                <a:solidFill>
-                  <a:srgbClr val="374151"/>
-                </a:solidFill>
-                <a:effectLst/>
-                <a:latin typeface="Söhne"/>
-              </a:rPr>
-              <a:t>将填充合成和填充插入作为独立的过程可能导致在合成阶段缺乏整体视角</a:t>
-            </a:r>
             <a:endParaRPr lang="zh-TW" altLang="en-US" dirty="0"/>
           </a:p>
         </p:txBody>
@@ -4258,7 +4723,7 @@
     </p:spTree>
     <p:extLst>
       <p:ext uri="{BB962C8B-B14F-4D97-AF65-F5344CB8AC3E}">
-        <p14:creationId xmlns:p14="http://schemas.microsoft.com/office/powerpoint/2010/main" val="3467210335"/>
+        <p14:creationId xmlns:p14="http://schemas.microsoft.com/office/powerpoint/2010/main" val="2160470450"/>
       </p:ext>
     </p:extLst>
   </p:cSld>
@@ -4314,20 +4779,48 @@
           <a:p>
             <a:r>
               <a:rPr lang="en-US" altLang="zh-TW" dirty="0"/>
-              <a:t>* </a:t>
-            </a:r>
-            <a:r>
-              <a:rPr lang="zh-TW" altLang="en-US" dirty="0"/>
-              <a:t>這樣就有符合</a:t>
-            </a:r>
-            <a:r>
-              <a:rPr lang="en-US" altLang="zh-TW" dirty="0"/>
-              <a:t>minimum spacing</a:t>
-            </a:r>
-            <a:r>
-              <a:rPr lang="zh-TW" altLang="en-US" dirty="0"/>
-              <a:t>的要求了</a:t>
-            </a:r>
+              <a:t>*</a:t>
+            </a:r>
+            <a:r>
+              <a:rPr lang="zh-CN" altLang="en-US" b="0" i="0" dirty="0">
+                <a:solidFill>
+                  <a:srgbClr val="374151"/>
+                </a:solidFill>
+                <a:effectLst/>
+                <a:latin typeface="Söhne"/>
+              </a:rPr>
+              <a:t>实现均匀平坦化</a:t>
+            </a:r>
+            <a:endParaRPr lang="en-US" altLang="zh-CN" b="0" i="0" dirty="0">
+              <a:solidFill>
+                <a:srgbClr val="374151"/>
+              </a:solidFill>
+              <a:effectLst/>
+              <a:latin typeface="Söhne"/>
+            </a:endParaRPr>
+          </a:p>
+          <a:p>
+            <a:r>
+              <a:rPr lang="en-US" altLang="zh-TW" b="0" i="0" dirty="0">
+                <a:solidFill>
+                  <a:srgbClr val="374151"/>
+                </a:solidFill>
+                <a:effectLst/>
+                <a:latin typeface="Söhne"/>
+              </a:rPr>
+              <a:t>*</a:t>
+            </a:r>
+            <a:r>
+              <a:rPr lang="zh-CN" altLang="en-US" b="0" i="0" dirty="0">
+                <a:solidFill>
+                  <a:srgbClr val="374151"/>
+                </a:solidFill>
+                <a:effectLst/>
+                <a:latin typeface="Söhne"/>
+              </a:rPr>
+              <a:t>将填充合成和填充插入作为独立的过程可能导致在合成阶段缺乏整体视角</a:t>
+            </a:r>
+            <a:endParaRPr lang="zh-TW" altLang="en-US" dirty="0"/>
           </a:p>
         </p:txBody>
       </p:sp>
@@ -4348,7 +4841,7 @@
           <a:p>
             <a:fld id="{9D457EAB-1485-47AD-BEAD-484FAEBF5A54}" type="slidenum">
               <a:rPr lang="en-US" smtClean="0"/>
-              <a:t>6</a:t>
+              <a:t>4</a:t>
             </a:fld>
             <a:endParaRPr lang="en-US"/>
           </a:p>
@@ -4357,7 +4850,7 @@
     </p:spTree>
     <p:extLst>
       <p:ext uri="{BB962C8B-B14F-4D97-AF65-F5344CB8AC3E}">
-        <p14:creationId xmlns:p14="http://schemas.microsoft.com/office/powerpoint/2010/main" val="1701452441"/>
+        <p14:creationId xmlns:p14="http://schemas.microsoft.com/office/powerpoint/2010/main" val="3467210335"/>
       </p:ext>
     </p:extLst>
   </p:cSld>
@@ -4411,131 +4904,7 @@
           <a:bodyPr/>
           <a:lstStyle/>
           <a:p>
-            <a:pPr marL="228600" indent="-228600">
-              <a:buAutoNum type="arabicPeriod"/>
-            </a:pPr>
-            <a:r>
-              <a:rPr lang="zh-TW" altLang="en-US" dirty="0"/>
-              <a:t>找出所有</a:t>
-            </a:r>
-            <a:r>
-              <a:rPr lang="en-US" altLang="zh-TW" dirty="0"/>
-              <a:t>metal</a:t>
-            </a:r>
-            <a:r>
-              <a:rPr lang="zh-TW" altLang="en-US" dirty="0"/>
-              <a:t>跟</a:t>
-            </a:r>
-            <a:r>
-              <a:rPr lang="en-US" altLang="zh-TW" dirty="0"/>
-              <a:t>windows</a:t>
-            </a:r>
-            <a:r>
-              <a:rPr lang="zh-TW" altLang="en-US" dirty="0"/>
-              <a:t>的</a:t>
-            </a:r>
-            <a:r>
-              <a:rPr lang="en-US" altLang="zh-TW" dirty="0"/>
-              <a:t>boundary {xi}</a:t>
-            </a:r>
-          </a:p>
-          <a:p>
-            <a:pPr marL="228600" indent="-228600">
-              <a:buAutoNum type="arabicPeriod"/>
-            </a:pPr>
-            <a:r>
-              <a:rPr lang="zh-TW" altLang="en-US" dirty="0"/>
-              <a:t>依序</a:t>
-            </a:r>
-            <a:r>
-              <a:rPr lang="en-US" altLang="zh-TW" dirty="0"/>
-              <a:t>(x1,x2), (x2,x3)…</a:t>
-            </a:r>
-          </a:p>
-          <a:p>
-            <a:pPr marL="685800" lvl="1" indent="-228600">
-              <a:buAutoNum type="arabicPeriod"/>
-            </a:pPr>
-            <a:r>
-              <a:rPr lang="zh-TW" altLang="en-US" dirty="0"/>
-              <a:t>找出與這個邊界有交集的</a:t>
-            </a:r>
-            <a:r>
-              <a:rPr lang="en-US" altLang="zh-TW" dirty="0"/>
-              <a:t>metal</a:t>
-            </a:r>
-            <a:r>
-              <a:rPr lang="zh-TW" altLang="en-US" dirty="0"/>
-              <a:t>的</a:t>
-            </a:r>
-            <a:r>
-              <a:rPr lang="en-US" altLang="zh-TW" dirty="0"/>
-              <a:t>y</a:t>
-            </a:r>
-          </a:p>
-          <a:p>
-            <a:pPr marL="685800" lvl="1" indent="-228600">
-              <a:buAutoNum type="arabicPeriod"/>
-            </a:pPr>
-            <a:r>
-              <a:rPr lang="zh-TW" altLang="en-US" dirty="0"/>
-              <a:t>決定他是不是</a:t>
-            </a:r>
-            <a:r>
-              <a:rPr lang="en-US" altLang="zh-TW" dirty="0"/>
-              <a:t>fillable region (</a:t>
-            </a:r>
-            <a:r>
-              <a:rPr lang="zh-TW" altLang="en-US" dirty="0"/>
-              <a:t>應該就是沒有</a:t>
-            </a:r>
-            <a:r>
-              <a:rPr lang="en-US" altLang="zh-TW" dirty="0"/>
-              <a:t>metal)</a:t>
-            </a:r>
-          </a:p>
-          <a:p>
-            <a:pPr marL="685800" lvl="1" indent="-228600">
-              <a:buAutoNum type="arabicPeriod"/>
-            </a:pPr>
-            <a:r>
-              <a:rPr lang="zh-TW" altLang="en-US" dirty="0"/>
-              <a:t>若</a:t>
-            </a:r>
-            <a:r>
-              <a:rPr lang="en-US" altLang="zh-TW" dirty="0"/>
-              <a:t>fillable region</a:t>
-            </a:r>
-            <a:r>
-              <a:rPr lang="zh-TW" altLang="en-US" dirty="0"/>
-              <a:t>的寬度小於</a:t>
-            </a:r>
-            <a:r>
-              <a:rPr lang="en-US" altLang="zh-TW" dirty="0" err="1"/>
-              <a:t>min_fill_width</a:t>
-            </a:r>
-            <a:r>
-              <a:rPr lang="en-US" altLang="zh-TW" dirty="0"/>
-              <a:t> + </a:t>
-            </a:r>
-            <a:r>
-              <a:rPr lang="en-US" altLang="zh-TW" dirty="0" err="1"/>
-              <a:t>min_space</a:t>
-            </a:r>
-            <a:r>
-              <a:rPr lang="zh-TW" altLang="en-US" dirty="0"/>
-              <a:t>的話，就把她刪除</a:t>
-            </a:r>
-            <a:endParaRPr lang="en-US" altLang="zh-TW" dirty="0"/>
-          </a:p>
-          <a:p>
-            <a:pPr marL="685800" lvl="1" indent="-228600">
-              <a:buAutoNum type="arabicPeriod"/>
-            </a:pPr>
-            <a:r>
-              <a:rPr lang="zh-TW" altLang="en-US" dirty="0"/>
-              <a:t>若寬度相同，可以合併</a:t>
-            </a:r>
+            <a:endParaRPr lang="zh-TW" altLang="en-US" dirty="0"/>
           </a:p>
         </p:txBody>
       </p:sp>
@@ -4556,7 +4925,7 @@
           <a:p>
             <a:fld id="{9D457EAB-1485-47AD-BEAD-484FAEBF5A54}" type="slidenum">
               <a:rPr lang="en-US" smtClean="0"/>
-              <a:t>8</a:t>
+              <a:t>5</a:t>
             </a:fld>
             <a:endParaRPr lang="en-US"/>
           </a:p>
@@ -4565,7 +4934,7 @@
     </p:spTree>
     <p:extLst>
       <p:ext uri="{BB962C8B-B14F-4D97-AF65-F5344CB8AC3E}">
-        <p14:creationId xmlns:p14="http://schemas.microsoft.com/office/powerpoint/2010/main" val="277645500"/>
+        <p14:creationId xmlns:p14="http://schemas.microsoft.com/office/powerpoint/2010/main" val="455069414"/>
       </p:ext>
     </p:extLst>
   </p:cSld>
@@ -4619,22 +4988,7 @@
           <a:bodyPr/>
           <a:lstStyle/>
           <a:p>
-            <a:r>
-              <a:rPr lang="en-US" altLang="zh-TW" dirty="0"/>
-              <a:t>* </a:t>
-            </a:r>
-            <a:r>
-              <a:rPr lang="zh-TW" altLang="en-US" dirty="0"/>
-              <a:t>這樣就有符合</a:t>
-            </a:r>
-            <a:r>
-              <a:rPr lang="en-US" altLang="zh-TW" dirty="0"/>
-              <a:t>minimum spacing</a:t>
-            </a:r>
-            <a:r>
-              <a:rPr lang="zh-TW" altLang="en-US" dirty="0"/>
-              <a:t>的要求了</a:t>
-            </a:r>
+            <a:endParaRPr lang="zh-TW" altLang="en-US" dirty="0"/>
           </a:p>
         </p:txBody>
       </p:sp>
@@ -4655,7 +5009,7 @@
           <a:p>
             <a:fld id="{9D457EAB-1485-47AD-BEAD-484FAEBF5A54}" type="slidenum">
               <a:rPr lang="en-US" smtClean="0"/>
-              <a:t>9</a:t>
+              <a:t>8</a:t>
             </a:fld>
             <a:endParaRPr lang="en-US"/>
           </a:p>
@@ -4664,7 +5018,7 @@
     </p:spTree>
     <p:extLst>
       <p:ext uri="{BB962C8B-B14F-4D97-AF65-F5344CB8AC3E}">
-        <p14:creationId xmlns:p14="http://schemas.microsoft.com/office/powerpoint/2010/main" val="3649019431"/>
+        <p14:creationId xmlns:p14="http://schemas.microsoft.com/office/powerpoint/2010/main" val="903566303"/>
       </p:ext>
     </p:extLst>
   </p:cSld>
@@ -4718,6 +5072,49 @@
           <a:bodyPr/>
           <a:lstStyle/>
           <a:p>
+            <a:r>
+              <a:rPr lang="en-US" altLang="zh-TW" dirty="0"/>
+              <a:t>* Subsequent </a:t>
+            </a:r>
+            <a:r>
+              <a:rPr lang="zh-TW" altLang="en-US" dirty="0"/>
+              <a:t>接下來的</a:t>
+            </a:r>
+            <a:endParaRPr lang="en-US" altLang="zh-TW" dirty="0"/>
+          </a:p>
+          <a:p>
+            <a:r>
+              <a:rPr lang="en-US" altLang="zh-TW" dirty="0"/>
+              <a:t>* </a:t>
+            </a:r>
+            <a:r>
+              <a:rPr lang="zh-TW" altLang="en-US" dirty="0"/>
+              <a:t>這樣就有符合</a:t>
+            </a:r>
+            <a:r>
+              <a:rPr lang="en-US" altLang="zh-TW" dirty="0"/>
+              <a:t>minimum spacing</a:t>
+            </a:r>
+            <a:r>
+              <a:rPr lang="zh-TW" altLang="en-US" dirty="0"/>
+              <a:t>的要求了 </a:t>
+            </a:r>
+            <a:r>
+              <a:rPr lang="en-US" altLang="zh-TW" dirty="0"/>
+              <a:t>(</a:t>
+            </a:r>
+            <a:r>
+              <a:rPr lang="en-US" altLang="zh-TW" sz="1200" dirty="0">
+                <a:latin typeface="Times" panose="02020603050405020304" pitchFamily="18" charset="0"/>
+                <a:ea typeface="標楷體" panose="03000509000000000000" pitchFamily="65" charset="-120"/>
+                <a:cs typeface="Times" panose="02020603050405020304" pitchFamily="18" charset="0"/>
+              </a:rPr>
+              <a:t>To ensure DRC-complaint</a:t>
+            </a:r>
+            <a:r>
+              <a:rPr lang="en-US" altLang="zh-TW" dirty="0"/>
+              <a:t>)</a:t>
+            </a:r>
             <a:endParaRPr lang="zh-TW" altLang="en-US" dirty="0"/>
           </a:p>
         </p:txBody>
@@ -4739,7 +5136,7 @@
           <a:p>
             <a:fld id="{9D457EAB-1485-47AD-BEAD-484FAEBF5A54}" type="slidenum">
               <a:rPr lang="en-US" smtClean="0"/>
-              <a:t>10</a:t>
+              <a:t>9</a:t>
             </a:fld>
             <a:endParaRPr lang="en-US"/>
           </a:p>
@@ -4748,7 +5145,7 @@
     </p:spTree>
     <p:extLst>
       <p:ext uri="{BB962C8B-B14F-4D97-AF65-F5344CB8AC3E}">
-        <p14:creationId xmlns:p14="http://schemas.microsoft.com/office/powerpoint/2010/main" val="279027497"/>
+        <p14:creationId xmlns:p14="http://schemas.microsoft.com/office/powerpoint/2010/main" val="1701452441"/>
       </p:ext>
     </p:extLst>
   </p:cSld>
@@ -4802,7 +5199,163 @@
           <a:bodyPr/>
           <a:lstStyle/>
           <a:p>
-            <a:endParaRPr lang="zh-TW" altLang="en-US" dirty="0"/>
+            <a:pPr marL="228600" indent="-228600">
+              <a:buAutoNum type="arabicPeriod"/>
+            </a:pPr>
+            <a:r>
+              <a:rPr lang="zh-TW" altLang="en-US" dirty="0"/>
+              <a:t>找出所有</a:t>
+            </a:r>
+            <a:r>
+              <a:rPr lang="en-US" altLang="zh-TW" dirty="0"/>
+              <a:t>metal</a:t>
+            </a:r>
+            <a:r>
+              <a:rPr lang="zh-TW" altLang="en-US" dirty="0"/>
+              <a:t>跟</a:t>
+            </a:r>
+            <a:r>
+              <a:rPr lang="en-US" altLang="zh-TW" dirty="0"/>
+              <a:t>windows</a:t>
+            </a:r>
+            <a:r>
+              <a:rPr lang="zh-TW" altLang="en-US" dirty="0"/>
+              <a:t>的</a:t>
+            </a:r>
+            <a:r>
+              <a:rPr lang="en-US" altLang="zh-TW" dirty="0"/>
+              <a:t>boundary {xi}</a:t>
+            </a:r>
+          </a:p>
+          <a:p>
+            <a:pPr marL="228600" indent="-228600">
+              <a:buAutoNum type="arabicPeriod"/>
+            </a:pPr>
+            <a:r>
+              <a:rPr lang="zh-TW" altLang="en-US" dirty="0"/>
+              <a:t>依序</a:t>
+            </a:r>
+            <a:r>
+              <a:rPr lang="en-US" altLang="zh-TW" dirty="0"/>
+              <a:t>(x1,x2), (x2,x3)…</a:t>
+            </a:r>
+          </a:p>
+          <a:p>
+            <a:pPr marL="685800" lvl="1" indent="-228600">
+              <a:buAutoNum type="arabicPeriod"/>
+            </a:pPr>
+            <a:r>
+              <a:rPr lang="zh-TW" altLang="en-US" dirty="0"/>
+              <a:t>找出與這個邊界有交集的</a:t>
+            </a:r>
+            <a:r>
+              <a:rPr lang="en-US" altLang="zh-TW" dirty="0"/>
+              <a:t>metal</a:t>
+            </a:r>
+            <a:r>
+              <a:rPr lang="zh-TW" altLang="en-US" dirty="0"/>
+              <a:t>的</a:t>
+            </a:r>
+            <a:r>
+              <a:rPr lang="en-US" altLang="zh-TW" dirty="0"/>
+              <a:t>y (metal</a:t>
+            </a:r>
+            <a:r>
+              <a:rPr lang="zh-TW" altLang="en-US" dirty="0"/>
+              <a:t>邊界以及</a:t>
+            </a:r>
+            <a:r>
+              <a:rPr lang="en-US" altLang="zh-TW" dirty="0"/>
+              <a:t>window</a:t>
+            </a:r>
+            <a:r>
+              <a:rPr lang="zh-TW" altLang="en-US" dirty="0"/>
+              <a:t>的邊界</a:t>
+            </a:r>
+            <a:r>
+              <a:rPr lang="en-US" altLang="zh-TW" dirty="0"/>
+              <a:t>)</a:t>
+            </a:r>
+          </a:p>
+          <a:p>
+            <a:pPr marL="685800" lvl="1" indent="-228600">
+              <a:buAutoNum type="arabicPeriod"/>
+            </a:pPr>
+            <a:r>
+              <a:rPr lang="zh-TW" altLang="en-US" dirty="0"/>
+              <a:t>決定他是不是</a:t>
+            </a:r>
+            <a:r>
+              <a:rPr lang="en-US" altLang="zh-TW" dirty="0"/>
+              <a:t>fillable region (</a:t>
+            </a:r>
+            <a:r>
+              <a:rPr lang="zh-TW" altLang="en-US" dirty="0"/>
+              <a:t>應該就是沒有</a:t>
+            </a:r>
+            <a:r>
+              <a:rPr lang="en-US" altLang="zh-TW" dirty="0"/>
+              <a:t>metal)</a:t>
+            </a:r>
+          </a:p>
+          <a:p>
+            <a:pPr marL="685800" lvl="1" indent="-228600">
+              <a:buAutoNum type="arabicPeriod"/>
+            </a:pPr>
+            <a:r>
+              <a:rPr lang="zh-TW" altLang="en-US" dirty="0"/>
+              <a:t>若</a:t>
+            </a:r>
+            <a:r>
+              <a:rPr lang="en-US" altLang="zh-TW" dirty="0"/>
+              <a:t>fillable region</a:t>
+            </a:r>
+            <a:r>
+              <a:rPr lang="zh-TW" altLang="en-US" dirty="0"/>
+              <a:t>的寬度小於</a:t>
+            </a:r>
+            <a:r>
+              <a:rPr lang="en-US" altLang="zh-TW" dirty="0" err="1"/>
+              <a:t>min_fill_width</a:t>
+            </a:r>
+            <a:r>
+              <a:rPr lang="en-US" altLang="zh-TW" dirty="0"/>
+              <a:t> + </a:t>
+            </a:r>
+            <a:r>
+              <a:rPr lang="en-US" altLang="zh-TW" dirty="0" err="1"/>
+              <a:t>min_space</a:t>
+            </a:r>
+            <a:r>
+              <a:rPr lang="zh-TW" altLang="en-US" dirty="0"/>
+              <a:t>的話，就把她刪除</a:t>
+            </a:r>
+            <a:endParaRPr lang="en-US" altLang="zh-TW" dirty="0"/>
+          </a:p>
+          <a:p>
+            <a:pPr marL="685800" lvl="1" indent="-228600">
+              <a:buAutoNum type="arabicPeriod"/>
+            </a:pPr>
+            <a:r>
+              <a:rPr lang="zh-TW" altLang="en-US" dirty="0"/>
+              <a:t>若高度</a:t>
+            </a:r>
+            <a:r>
+              <a:rPr lang="en-US" altLang="zh-TW" dirty="0"/>
+              <a:t>(y</a:t>
+            </a:r>
+            <a:r>
+              <a:rPr lang="zh-TW" altLang="en-US" dirty="0"/>
+              <a:t>方向</a:t>
+            </a:r>
+            <a:r>
+              <a:rPr lang="en-US" altLang="zh-TW" dirty="0"/>
+              <a:t>)</a:t>
+            </a:r>
+            <a:r>
+              <a:rPr lang="zh-TW" altLang="en-US" dirty="0"/>
+              <a:t>相同，可以合併</a:t>
+            </a:r>
           </a:p>
         </p:txBody>
       </p:sp>
@@ -4832,7 +5385,7 @@
     </p:spTree>
     <p:extLst>
       <p:ext uri="{BB962C8B-B14F-4D97-AF65-F5344CB8AC3E}">
-        <p14:creationId xmlns:p14="http://schemas.microsoft.com/office/powerpoint/2010/main" val="3335668254"/>
+        <p14:creationId xmlns:p14="http://schemas.microsoft.com/office/powerpoint/2010/main" val="277645500"/>
       </p:ext>
     </p:extLst>
   </p:cSld>
@@ -4989,7 +5542,7 @@
           <a:p>
             <a:fld id="{99BA7BAB-F69F-4C21-8D40-7AA273A2D01F}" type="datetime1">
               <a:rPr lang="en-US" smtClean="0"/>
-              <a:t>1/19/2024</a:t>
+              <a:t>1/28/2024</a:t>
             </a:fld>
             <a:endParaRPr lang="en-US"/>
           </a:p>
@@ -5194,7 +5747,7 @@
           <a:p>
             <a:fld id="{FB00A8EC-4678-43EE-BE64-F312B7F1A46F}" type="datetime1">
               <a:rPr lang="en-US" smtClean="0"/>
-              <a:t>1/19/2024</a:t>
+              <a:t>1/28/2024</a:t>
             </a:fld>
             <a:endParaRPr lang="en-US"/>
           </a:p>
@@ -5402,7 +5955,7 @@
           <a:p>
             <a:fld id="{9487F23D-EA8F-4C56-9373-23F6109AD11F}" type="datetime1">
               <a:rPr lang="en-US" smtClean="0"/>
-              <a:t>1/19/2024</a:t>
+              <a:t>1/28/2024</a:t>
             </a:fld>
             <a:endParaRPr lang="en-US"/>
           </a:p>
@@ -5600,7 +6153,7 @@
           <a:p>
             <a:fld id="{A34E716E-0239-4A81-9CF4-D3B9651721CF}" type="datetime1">
               <a:rPr lang="en-US" smtClean="0"/>
-              <a:t>1/19/2024</a:t>
+              <a:t>1/28/2024</a:t>
             </a:fld>
             <a:endParaRPr lang="en-US"/>
           </a:p>
@@ -5882,7 +6435,7 @@
           <a:p>
             <a:fld id="{CC112E56-3D97-4B86-935C-1C493DD86A08}" type="datetime1">
               <a:rPr lang="en-US" smtClean="0"/>
-              <a:t>1/19/2024</a:t>
+              <a:t>1/28/2024</a:t>
             </a:fld>
             <a:endParaRPr lang="en-US"/>
           </a:p>
@@ -6147,7 +6700,7 @@
           <a:p>
             <a:fld id="{40649135-BABF-4F63-9AF8-3CEC545E47DC}" type="datetime1">
               <a:rPr lang="en-US" smtClean="0"/>
-              <a:t>1/19/2024</a:t>
+              <a:t>1/28/2024</a:t>
             </a:fld>
             <a:endParaRPr lang="en-US"/>
           </a:p>
@@ -6559,7 +7112,7 @@
           <a:p>
             <a:fld id="{B16EBC02-C9C0-442D-A8A6-494057203542}" type="datetime1">
               <a:rPr lang="en-US" smtClean="0"/>
-              <a:t>1/19/2024</a:t>
+              <a:t>1/28/2024</a:t>
             </a:fld>
             <a:endParaRPr lang="en-US"/>
           </a:p>
@@ -6700,7 +7253,7 @@
           <a:p>
             <a:fld id="{A126C4B4-559D-414E-BC9C-16A745BBF3C3}" type="datetime1">
               <a:rPr lang="en-US" smtClean="0"/>
-              <a:t>1/19/2024</a:t>
+              <a:t>1/28/2024</a:t>
             </a:fld>
             <a:endParaRPr lang="en-US"/>
           </a:p>
@@ -6813,7 +7366,7 @@
           <a:p>
             <a:fld id="{0D49D49E-73A5-4C03-BFEA-3D845EB044D8}" type="datetime1">
               <a:rPr lang="en-US" smtClean="0"/>
-              <a:t>1/19/2024</a:t>
+              <a:t>1/28/2024</a:t>
             </a:fld>
             <a:endParaRPr lang="en-US"/>
           </a:p>
@@ -7124,7 +7677,7 @@
           <a:p>
             <a:fld id="{4A0F93E6-3134-410C-B573-A5F6B38FC346}" type="datetime1">
               <a:rPr lang="en-US" smtClean="0"/>
-              <a:t>1/19/2024</a:t>
+              <a:t>1/28/2024</a:t>
             </a:fld>
             <a:endParaRPr lang="en-US"/>
           </a:p>
@@ -7412,7 +7965,7 @@
           <a:p>
             <a:fld id="{F766E70F-5320-45A5-BE33-1819A93C2AF4}" type="datetime1">
               <a:rPr lang="en-US" smtClean="0"/>
-              <a:t>1/19/2024</a:t>
+              <a:t>1/28/2024</a:t>
             </a:fld>
             <a:endParaRPr lang="en-US"/>
           </a:p>
@@ -7653,7 +8206,7 @@
           <a:p>
             <a:fld id="{A706458B-0289-40FF-A02D-2C541B7F1CB6}" type="datetime1">
               <a:rPr lang="en-US" smtClean="0"/>
-              <a:t>1/19/2024</a:t>
+              <a:t>1/28/2024</a:t>
             </a:fld>
             <a:endParaRPr lang="en-US"/>
           </a:p>
@@ -8304,8 +8857,727 @@
           </a:p>
         </p:txBody>
       </p:sp>
-      <mc:AlternateContent xmlns:mc="http://schemas.openxmlformats.org/markup-compatibility/2006" xmlns:a14="http://schemas.microsoft.com/office/drawing/2010/main">
-        <mc:Choice Requires="a14">
+      <mc:AlternateContent xmlns:mc="http://schemas.openxmlformats.org/markup-compatibility/2006">
+        <mc:Choice xmlns:a14="http://schemas.microsoft.com/office/drawing/2010/main" Requires="a14">
+          <p:sp>
+            <p:nvSpPr>
+              <p:cNvPr id="3" name="內容版面配置區 2">
+                <a:extLst>
+                  <a:ext uri="{FF2B5EF4-FFF2-40B4-BE49-F238E27FC236}">
+                    <a16:creationId xmlns:a16="http://schemas.microsoft.com/office/drawing/2014/main" id="{6532586F-2B33-9C61-58DC-9046125E1570}"/>
+                  </a:ext>
+                </a:extLst>
+              </p:cNvPr>
+              <p:cNvSpPr>
+                <a:spLocks noGrp="1"/>
+              </p:cNvSpPr>
+              <p:nvPr>
+                <p:ph idx="1"/>
+              </p:nvPr>
+            </p:nvSpPr>
+            <p:spPr/>
+            <p:txBody>
+              <a:bodyPr>
+                <a:normAutofit/>
+              </a:bodyPr>
+              <a:lstStyle/>
+              <a:p>
+                <a:pPr marL="457200" indent="-457200">
+                  <a:lnSpc>
+                    <a:spcPct val="150000"/>
+                  </a:lnSpc>
+                  <a:buFont typeface="+mj-lt"/>
+                  <a:buAutoNum type="arabicPeriod"/>
+                </a:pPr>
+                <a:r>
+                  <a:rPr lang="en-US" altLang="zh-TW" sz="2200" dirty="0">
+                    <a:latin typeface="Times" panose="02020603050405020304" pitchFamily="18" charset="0"/>
+                    <a:ea typeface="標楷體" panose="03000509000000000000" pitchFamily="65" charset="-120"/>
+                    <a:cs typeface="Times" panose="02020603050405020304" pitchFamily="18" charset="0"/>
+                  </a:rPr>
+                  <a:t>Layout Discretization and Fillable Region Extraction</a:t>
+                </a:r>
+              </a:p>
+              <a:p>
+                <a:pPr marL="457200" indent="-457200">
+                  <a:lnSpc>
+                    <a:spcPct val="150000"/>
+                  </a:lnSpc>
+                  <a:buFont typeface="+mj-lt"/>
+                  <a:buAutoNum type="arabicPeriod"/>
+                </a:pPr>
+                <a:endParaRPr lang="en-US" altLang="zh-TW" sz="500" dirty="0">
+                  <a:latin typeface="Times" panose="02020603050405020304" pitchFamily="18" charset="0"/>
+                  <a:ea typeface="標楷體" panose="03000509000000000000" pitchFamily="65" charset="-120"/>
+                  <a:cs typeface="Times" panose="02020603050405020304" pitchFamily="18" charset="0"/>
+                </a:endParaRPr>
+              </a:p>
+              <a:p>
+                <a:pPr lvl="1">
+                  <a:lnSpc>
+                    <a:spcPct val="150000"/>
+                  </a:lnSpc>
+                </a:pPr>
+                <a:r>
+                  <a:rPr lang="en-US" altLang="zh-TW" sz="2000" dirty="0">
+                    <a:latin typeface="Times" panose="02020603050405020304" pitchFamily="18" charset="0"/>
+                    <a:ea typeface="標楷體" panose="03000509000000000000" pitchFamily="65" charset="-120"/>
+                    <a:cs typeface="Times" panose="02020603050405020304" pitchFamily="18" charset="0"/>
+                  </a:rPr>
+                  <a:t>MOGA: multi-objective genetic algorithms.</a:t>
+                </a:r>
+              </a:p>
+              <a:p>
+                <a:pPr lvl="1">
+                  <a:lnSpc>
+                    <a:spcPct val="150000"/>
+                  </a:lnSpc>
+                </a:pPr>
+                <a:endParaRPr lang="en-US" altLang="zh-TW" sz="500" dirty="0">
+                  <a:latin typeface="Times" panose="02020603050405020304" pitchFamily="18" charset="0"/>
+                  <a:ea typeface="標楷體" panose="03000509000000000000" pitchFamily="65" charset="-120"/>
+                  <a:cs typeface="Times" panose="02020603050405020304" pitchFamily="18" charset="0"/>
+                </a:endParaRPr>
+              </a:p>
+              <a:p>
+                <a:pPr lvl="1">
+                  <a:lnSpc>
+                    <a:spcPct val="150000"/>
+                  </a:lnSpc>
+                </a:pPr>
+                <a:r>
+                  <a:rPr lang="en-US" altLang="zh-TW" sz="2000" dirty="0">
+                    <a:latin typeface="Times" panose="02020603050405020304" pitchFamily="18" charset="0"/>
+                    <a:ea typeface="標楷體" panose="03000509000000000000" pitchFamily="65" charset="-120"/>
+                    <a:cs typeface="Times" panose="02020603050405020304" pitchFamily="18" charset="0"/>
+                  </a:rPr>
+                  <a:t>Divide the layout into multiple windows with a uniform size </a:t>
+                </a:r>
+                <a14:m>
+                  <m:oMath xmlns:m="http://schemas.openxmlformats.org/officeDocument/2006/math">
+                    <m:sSub>
+                      <m:sSubPr>
+                        <m:ctrlPr>
+                          <a:rPr lang="en-US" altLang="zh-TW" sz="2000" i="1" smtClean="0">
+                            <a:latin typeface="Cambria Math" panose="02040503050406030204" pitchFamily="18" charset="0"/>
+                            <a:ea typeface="標楷體" panose="03000509000000000000" pitchFamily="65" charset="-120"/>
+                            <a:cs typeface="Times" panose="02020603050405020304" pitchFamily="18" charset="0"/>
+                          </a:rPr>
+                        </m:ctrlPr>
+                      </m:sSubPr>
+                      <m:e>
+                        <m:r>
+                          <a:rPr lang="en-US" altLang="zh-TW" sz="2000" b="0" i="1" smtClean="0">
+                            <a:latin typeface="Cambria Math" panose="02040503050406030204" pitchFamily="18" charset="0"/>
+                            <a:ea typeface="標楷體" panose="03000509000000000000" pitchFamily="65" charset="-120"/>
+                            <a:cs typeface="Times" panose="02020603050405020304" pitchFamily="18" charset="0"/>
+                          </a:rPr>
+                          <m:t>𝑊</m:t>
+                        </m:r>
+                      </m:e>
+                      <m:sub>
+                        <m:r>
+                          <a:rPr lang="en-US" altLang="zh-TW" sz="2000" b="0" i="1" smtClean="0">
+                            <a:latin typeface="Cambria Math" panose="02040503050406030204" pitchFamily="18" charset="0"/>
+                            <a:ea typeface="標楷體" panose="03000509000000000000" pitchFamily="65" charset="-120"/>
+                            <a:cs typeface="Times" panose="02020603050405020304" pitchFamily="18" charset="0"/>
+                          </a:rPr>
+                          <m:t>1</m:t>
+                        </m:r>
+                      </m:sub>
+                    </m:sSub>
+                    <m:r>
+                      <a:rPr lang="en-US" altLang="zh-TW" sz="2000" i="1" smtClean="0">
+                        <a:latin typeface="Cambria Math" panose="02040503050406030204" pitchFamily="18" charset="0"/>
+                        <a:ea typeface="Cambria Math" panose="02040503050406030204" pitchFamily="18" charset="0"/>
+                        <a:cs typeface="Times" panose="02020603050405020304" pitchFamily="18" charset="0"/>
+                      </a:rPr>
+                      <m:t>×</m:t>
+                    </m:r>
+                    <m:sSub>
+                      <m:sSubPr>
+                        <m:ctrlPr>
+                          <a:rPr lang="en-US" altLang="zh-TW" sz="2000" i="1" smtClean="0">
+                            <a:latin typeface="Cambria Math" panose="02040503050406030204" pitchFamily="18" charset="0"/>
+                            <a:ea typeface="Cambria Math" panose="02040503050406030204" pitchFamily="18" charset="0"/>
+                            <a:cs typeface="Times" panose="02020603050405020304" pitchFamily="18" charset="0"/>
+                          </a:rPr>
+                        </m:ctrlPr>
+                      </m:sSubPr>
+                      <m:e>
+                        <m:r>
+                          <a:rPr lang="en-US" altLang="zh-TW" sz="2000" b="0" i="1" smtClean="0">
+                            <a:latin typeface="Cambria Math" panose="02040503050406030204" pitchFamily="18" charset="0"/>
+                            <a:ea typeface="Cambria Math" panose="02040503050406030204" pitchFamily="18" charset="0"/>
+                            <a:cs typeface="Times" panose="02020603050405020304" pitchFamily="18" charset="0"/>
+                          </a:rPr>
+                          <m:t>𝑊</m:t>
+                        </m:r>
+                      </m:e>
+                      <m:sub>
+                        <m:r>
+                          <a:rPr lang="en-US" altLang="zh-TW" sz="2000" b="0" i="1" smtClean="0">
+                            <a:latin typeface="Cambria Math" panose="02040503050406030204" pitchFamily="18" charset="0"/>
+                            <a:ea typeface="Cambria Math" panose="02040503050406030204" pitchFamily="18" charset="0"/>
+                            <a:cs typeface="Times" panose="02020603050405020304" pitchFamily="18" charset="0"/>
+                          </a:rPr>
+                          <m:t>2</m:t>
+                        </m:r>
+                      </m:sub>
+                    </m:sSub>
+                  </m:oMath>
+                </a14:m>
+                <a:r>
+                  <a:rPr lang="en-US" altLang="zh-TW" sz="2000" dirty="0">
+                    <a:latin typeface="Times" panose="02020603050405020304" pitchFamily="18" charset="0"/>
+                    <a:ea typeface="標楷體" panose="03000509000000000000" pitchFamily="65" charset="-120"/>
+                    <a:cs typeface="Times" panose="02020603050405020304" pitchFamily="18" charset="0"/>
+                  </a:rPr>
+                  <a:t>.</a:t>
+                </a:r>
+              </a:p>
+              <a:p>
+                <a:pPr lvl="1">
+                  <a:lnSpc>
+                    <a:spcPct val="150000"/>
+                  </a:lnSpc>
+                </a:pPr>
+                <a:endParaRPr lang="en-US" altLang="zh-TW" sz="500" dirty="0">
+                  <a:latin typeface="Times" panose="02020603050405020304" pitchFamily="18" charset="0"/>
+                  <a:ea typeface="標楷體" panose="03000509000000000000" pitchFamily="65" charset="-120"/>
+                  <a:cs typeface="Times" panose="02020603050405020304" pitchFamily="18" charset="0"/>
+                </a:endParaRPr>
+              </a:p>
+              <a:p>
+                <a:pPr lvl="1">
+                  <a:lnSpc>
+                    <a:spcPct val="150000"/>
+                  </a:lnSpc>
+                </a:pPr>
+                <a:r>
+                  <a:rPr lang="en-US" altLang="zh-TW" sz="2000" dirty="0">
+                    <a:latin typeface="Times" panose="02020603050405020304" pitchFamily="18" charset="0"/>
+                    <a:ea typeface="標楷體" panose="03000509000000000000" pitchFamily="65" charset="-120"/>
+                    <a:cs typeface="Times" panose="02020603050405020304" pitchFamily="18" charset="0"/>
+                  </a:rPr>
+                  <a:t>The fillable region is</a:t>
+                </a:r>
+                <a:r>
+                  <a:rPr lang="zh-TW" altLang="en-US" sz="2000" dirty="0">
+                    <a:latin typeface="Times" panose="02020603050405020304" pitchFamily="18" charset="0"/>
+                    <a:ea typeface="標楷體" panose="03000509000000000000" pitchFamily="65" charset="-120"/>
+                    <a:cs typeface="Times" panose="02020603050405020304" pitchFamily="18" charset="0"/>
+                  </a:rPr>
+                  <a:t> </a:t>
+                </a:r>
+                <a:r>
+                  <a:rPr lang="en-US" altLang="zh-TW" sz="2000" dirty="0">
+                    <a:latin typeface="Times" panose="02020603050405020304" pitchFamily="18" charset="0"/>
+                    <a:ea typeface="標楷體" panose="03000509000000000000" pitchFamily="65" charset="-120"/>
+                    <a:cs typeface="Times" panose="02020603050405020304" pitchFamily="18" charset="0"/>
+                  </a:rPr>
+                  <a:t>contracted inward by half of the minimum space from the window</a:t>
+                </a:r>
+                <a:r>
+                  <a:rPr lang="zh-TW" altLang="en-US" sz="2000" dirty="0">
+                    <a:latin typeface="Times" panose="02020603050405020304" pitchFamily="18" charset="0"/>
+                    <a:ea typeface="標楷體" panose="03000509000000000000" pitchFamily="65" charset="-120"/>
+                    <a:cs typeface="Times" panose="02020603050405020304" pitchFamily="18" charset="0"/>
+                  </a:rPr>
+                  <a:t> </a:t>
+                </a:r>
+                <a:r>
+                  <a:rPr lang="en-US" altLang="zh-TW" sz="2000" dirty="0">
+                    <a:latin typeface="Times" panose="02020603050405020304" pitchFamily="18" charset="0"/>
+                    <a:ea typeface="標楷體" panose="03000509000000000000" pitchFamily="65" charset="-120"/>
+                    <a:cs typeface="Times" panose="02020603050405020304" pitchFamily="18" charset="0"/>
+                  </a:rPr>
+                  <a:t>boundary and expanded outward by half of the minimum space</a:t>
+                </a:r>
+                <a:r>
+                  <a:rPr lang="zh-TW" altLang="en-US" sz="2000" dirty="0">
+                    <a:latin typeface="Times" panose="02020603050405020304" pitchFamily="18" charset="0"/>
+                    <a:ea typeface="標楷體" panose="03000509000000000000" pitchFamily="65" charset="-120"/>
+                    <a:cs typeface="Times" panose="02020603050405020304" pitchFamily="18" charset="0"/>
+                  </a:rPr>
+                  <a:t> </a:t>
+                </a:r>
+                <a:r>
+                  <a:rPr lang="en-US" altLang="zh-TW" sz="2000" dirty="0">
+                    <a:latin typeface="Times" panose="02020603050405020304" pitchFamily="18" charset="0"/>
+                    <a:ea typeface="標楷體" panose="03000509000000000000" pitchFamily="65" charset="-120"/>
+                    <a:cs typeface="Times" panose="02020603050405020304" pitchFamily="18" charset="0"/>
+                  </a:rPr>
+                  <a:t>from the metal lines.</a:t>
+                </a:r>
+              </a:p>
+              <a:p>
+                <a:pPr lvl="1">
+                  <a:lnSpc>
+                    <a:spcPct val="150000"/>
+                  </a:lnSpc>
+                </a:pPr>
+                <a:endParaRPr lang="en-US" altLang="zh-TW" sz="500" dirty="0">
+                  <a:latin typeface="Times" panose="02020603050405020304" pitchFamily="18" charset="0"/>
+                  <a:ea typeface="標楷體" panose="03000509000000000000" pitchFamily="65" charset="-120"/>
+                  <a:cs typeface="Times" panose="02020603050405020304" pitchFamily="18" charset="0"/>
+                </a:endParaRPr>
+              </a:p>
+              <a:p>
+                <a:pPr lvl="1">
+                  <a:lnSpc>
+                    <a:spcPct val="150000"/>
+                  </a:lnSpc>
+                </a:pPr>
+                <a:r>
+                  <a:rPr lang="en-US" altLang="zh-TW" sz="2000" dirty="0">
+                    <a:latin typeface="Times" panose="02020603050405020304" pitchFamily="18" charset="0"/>
+                    <a:ea typeface="標楷體" panose="03000509000000000000" pitchFamily="65" charset="-120"/>
+                    <a:cs typeface="Times" panose="02020603050405020304" pitchFamily="18" charset="0"/>
+                  </a:rPr>
+                  <a:t>Allocate half of the minimum space both before and after each dummy fill.</a:t>
+                </a:r>
+                <a:endParaRPr lang="zh-TW" altLang="en-US" sz="2000" dirty="0">
+                  <a:latin typeface="Times" panose="02020603050405020304" pitchFamily="18" charset="0"/>
+                  <a:ea typeface="標楷體" panose="03000509000000000000" pitchFamily="65" charset="-120"/>
+                  <a:cs typeface="Times" panose="02020603050405020304" pitchFamily="18" charset="0"/>
+                </a:endParaRPr>
+              </a:p>
+            </p:txBody>
+          </p:sp>
+        </mc:Choice>
+        <mc:Fallback>
+          <p:sp>
+            <p:nvSpPr>
+              <p:cNvPr id="3" name="內容版面配置區 2">
+                <a:extLst>
+                  <a:ext uri="{FF2B5EF4-FFF2-40B4-BE49-F238E27FC236}">
+                    <a16:creationId xmlns:a16="http://schemas.microsoft.com/office/drawing/2014/main" id="{6532586F-2B33-9C61-58DC-9046125E1570}"/>
+                  </a:ext>
+                </a:extLst>
+              </p:cNvPr>
+              <p:cNvSpPr>
+                <a:spLocks noGrp="1" noRot="1" noChangeAspect="1" noMove="1" noResize="1" noEditPoints="1" noAdjustHandles="1" noChangeArrowheads="1" noChangeShapeType="1" noTextEdit="1"/>
+              </p:cNvSpPr>
+              <p:nvPr>
+                <p:ph idx="1"/>
+              </p:nvPr>
+            </p:nvSpPr>
+            <p:spPr>
+              <a:blipFill>
+                <a:blip r:embed="rId3"/>
+                <a:stretch>
+                  <a:fillRect l="-638"/>
+                </a:stretch>
+              </a:blipFill>
+            </p:spPr>
+            <p:txBody>
+              <a:bodyPr/>
+              <a:lstStyle/>
+              <a:p>
+                <a:r>
+                  <a:rPr lang="zh-TW" altLang="en-US">
+                    <a:noFill/>
+                  </a:rPr>
+                  <a:t> </a:t>
+                </a:r>
+              </a:p>
+            </p:txBody>
+          </p:sp>
+        </mc:Fallback>
+      </mc:AlternateContent>
+      <p:sp>
+        <p:nvSpPr>
+          <p:cNvPr id="4" name="投影片編號版面配置區 3">
+            <a:extLst>
+              <a:ext uri="{FF2B5EF4-FFF2-40B4-BE49-F238E27FC236}">
+                <a16:creationId xmlns:a16="http://schemas.microsoft.com/office/drawing/2014/main" id="{4F34BD4F-A1A7-2695-B9CD-0B31024175B2}"/>
+              </a:ext>
+            </a:extLst>
+          </p:cNvPr>
+          <p:cNvSpPr>
+            <a:spLocks noGrp="1"/>
+          </p:cNvSpPr>
+          <p:nvPr>
+            <p:ph type="sldNum" sz="quarter" idx="12"/>
+          </p:nvPr>
+        </p:nvSpPr>
+        <p:spPr/>
+        <p:txBody>
+          <a:bodyPr/>
+          <a:lstStyle/>
+          <a:p>
+            <a:fld id="{666274A1-CF9C-426A-8DD4-B13ED0C24231}" type="slidenum">
+              <a:rPr lang="en-US" smtClean="0"/>
+              <a:t>9</a:t>
+            </a:fld>
+            <a:endParaRPr lang="en-US"/>
+          </a:p>
+        </p:txBody>
+      </p:sp>
+    </p:spTree>
+    <p:extLst>
+      <p:ext uri="{BB962C8B-B14F-4D97-AF65-F5344CB8AC3E}">
+        <p14:creationId xmlns:p14="http://schemas.microsoft.com/office/powerpoint/2010/main" val="2646428489"/>
+      </p:ext>
+    </p:extLst>
+  </p:cSld>
+  <p:clrMapOvr>
+    <a:masterClrMapping/>
+  </p:clrMapOvr>
+</p:sld>
+</file>
+
+<file path=ppt/slides/slide11.xml><?xml version="1.0" encoding="utf-8"?>
+<p:sld xmlns:a="http://schemas.openxmlformats.org/drawingml/2006/main" xmlns:r="http://schemas.openxmlformats.org/officeDocument/2006/relationships" xmlns:p="http://schemas.openxmlformats.org/presentationml/2006/main" show="0">
+  <p:cSld>
+    <p:spTree>
+      <p:nvGrpSpPr>
+        <p:cNvPr id="1" name=""/>
+        <p:cNvGrpSpPr/>
+        <p:nvPr/>
+      </p:nvGrpSpPr>
+      <p:grpSpPr>
+        <a:xfrm>
+          <a:off x="0" y="0"/>
+          <a:ext cx="0" cy="0"/>
+          <a:chOff x="0" y="0"/>
+          <a:chExt cx="0" cy="0"/>
+        </a:xfrm>
+      </p:grpSpPr>
+      <p:sp>
+        <p:nvSpPr>
+          <p:cNvPr id="2" name="標題 1">
+            <a:extLst>
+              <a:ext uri="{FF2B5EF4-FFF2-40B4-BE49-F238E27FC236}">
+                <a16:creationId xmlns:a16="http://schemas.microsoft.com/office/drawing/2014/main" id="{F7337774-DF9A-733C-1A3C-6DBE6EA1AB09}"/>
+              </a:ext>
+            </a:extLst>
+          </p:cNvPr>
+          <p:cNvSpPr>
+            <a:spLocks noGrp="1"/>
+          </p:cNvSpPr>
+          <p:nvPr>
+            <p:ph type="title"/>
+          </p:nvPr>
+        </p:nvSpPr>
+        <p:spPr/>
+        <p:txBody>
+          <a:bodyPr/>
+          <a:lstStyle/>
+          <a:p>
+            <a:endParaRPr lang="zh-TW" altLang="en-US"/>
+          </a:p>
+        </p:txBody>
+      </p:sp>
+      <p:pic>
+        <p:nvPicPr>
+          <p:cNvPr id="6" name="內容版面配置區 5">
+            <a:extLst>
+              <a:ext uri="{FF2B5EF4-FFF2-40B4-BE49-F238E27FC236}">
+                <a16:creationId xmlns:a16="http://schemas.microsoft.com/office/drawing/2014/main" id="{8BB154E2-4E21-C908-EDAD-0FDD206A31FE}"/>
+              </a:ext>
+            </a:extLst>
+          </p:cNvPr>
+          <p:cNvPicPr>
+            <a:picLocks noGrp="1" noChangeAspect="1"/>
+          </p:cNvPicPr>
+          <p:nvPr>
+            <p:ph idx="1"/>
+          </p:nvPr>
+        </p:nvPicPr>
+        <p:blipFill>
+          <a:blip r:embed="rId2"/>
+          <a:stretch>
+            <a:fillRect/>
+          </a:stretch>
+        </p:blipFill>
+        <p:spPr>
+          <a:xfrm>
+            <a:off x="1506070" y="365125"/>
+            <a:ext cx="8730776" cy="5922569"/>
+          </a:xfrm>
+        </p:spPr>
+      </p:pic>
+      <p:sp>
+        <p:nvSpPr>
+          <p:cNvPr id="4" name="投影片編號版面配置區 3">
+            <a:extLst>
+              <a:ext uri="{FF2B5EF4-FFF2-40B4-BE49-F238E27FC236}">
+                <a16:creationId xmlns:a16="http://schemas.microsoft.com/office/drawing/2014/main" id="{B0C2FFBB-B5A2-4855-6CB4-236E3A79341C}"/>
+              </a:ext>
+            </a:extLst>
+          </p:cNvPr>
+          <p:cNvSpPr>
+            <a:spLocks noGrp="1"/>
+          </p:cNvSpPr>
+          <p:nvPr>
+            <p:ph type="sldNum" sz="quarter" idx="12"/>
+          </p:nvPr>
+        </p:nvSpPr>
+        <p:spPr/>
+        <p:txBody>
+          <a:bodyPr/>
+          <a:lstStyle/>
+          <a:p>
+            <a:fld id="{666274A1-CF9C-426A-8DD4-B13ED0C24231}" type="slidenum">
+              <a:rPr lang="en-US" smtClean="0"/>
+              <a:t>10</a:t>
+            </a:fld>
+            <a:endParaRPr lang="en-US"/>
+          </a:p>
+        </p:txBody>
+      </p:sp>
+    </p:spTree>
+    <p:extLst>
+      <p:ext uri="{BB962C8B-B14F-4D97-AF65-F5344CB8AC3E}">
+        <p14:creationId xmlns:p14="http://schemas.microsoft.com/office/powerpoint/2010/main" val="764224827"/>
+      </p:ext>
+    </p:extLst>
+  </p:cSld>
+  <p:clrMapOvr>
+    <a:masterClrMapping/>
+  </p:clrMapOvr>
+</p:sld>
+</file>
+
+<file path=ppt/slides/slide12.xml><?xml version="1.0" encoding="utf-8"?>
+<p:sld xmlns:a="http://schemas.openxmlformats.org/drawingml/2006/main" xmlns:r="http://schemas.openxmlformats.org/officeDocument/2006/relationships" xmlns:p="http://schemas.openxmlformats.org/presentationml/2006/main">
+  <p:cSld>
+    <p:spTree>
+      <p:nvGrpSpPr>
+        <p:cNvPr id="1" name=""/>
+        <p:cNvGrpSpPr/>
+        <p:nvPr/>
+      </p:nvGrpSpPr>
+      <p:grpSpPr>
+        <a:xfrm>
+          <a:off x="0" y="0"/>
+          <a:ext cx="0" cy="0"/>
+          <a:chOff x="0" y="0"/>
+          <a:chExt cx="0" cy="0"/>
+        </a:xfrm>
+      </p:grpSpPr>
+      <p:sp>
+        <p:nvSpPr>
+          <p:cNvPr id="2" name="標題 1">
+            <a:extLst>
+              <a:ext uri="{FF2B5EF4-FFF2-40B4-BE49-F238E27FC236}">
+                <a16:creationId xmlns:a16="http://schemas.microsoft.com/office/drawing/2014/main" id="{ADF75E3A-4F22-3C0A-E950-5621D0E0BE69}"/>
+              </a:ext>
+            </a:extLst>
+          </p:cNvPr>
+          <p:cNvSpPr>
+            <a:spLocks noGrp="1"/>
+          </p:cNvSpPr>
+          <p:nvPr>
+            <p:ph type="title"/>
+          </p:nvPr>
+        </p:nvSpPr>
+        <p:spPr/>
+        <p:txBody>
+          <a:bodyPr/>
+          <a:lstStyle/>
+          <a:p>
+            <a:endParaRPr lang="zh-TW" altLang="en-US" dirty="0"/>
+          </a:p>
+        </p:txBody>
+      </p:sp>
+      <p:sp>
+        <p:nvSpPr>
+          <p:cNvPr id="3" name="內容版面配置區 2">
+            <a:extLst>
+              <a:ext uri="{FF2B5EF4-FFF2-40B4-BE49-F238E27FC236}">
+                <a16:creationId xmlns:a16="http://schemas.microsoft.com/office/drawing/2014/main" id="{1DE082D5-A70E-399C-EBA0-91AEFD242464}"/>
+              </a:ext>
+            </a:extLst>
+          </p:cNvPr>
+          <p:cNvSpPr>
+            <a:spLocks noGrp="1"/>
+          </p:cNvSpPr>
+          <p:nvPr>
+            <p:ph idx="1"/>
+          </p:nvPr>
+        </p:nvSpPr>
+        <p:spPr/>
+        <p:txBody>
+          <a:bodyPr/>
+          <a:lstStyle/>
+          <a:p>
+            <a:endParaRPr lang="zh-TW" altLang="en-US" dirty="0"/>
+          </a:p>
+        </p:txBody>
+      </p:sp>
+      <p:sp>
+        <p:nvSpPr>
+          <p:cNvPr id="4" name="投影片編號版面配置區 3">
+            <a:extLst>
+              <a:ext uri="{FF2B5EF4-FFF2-40B4-BE49-F238E27FC236}">
+                <a16:creationId xmlns:a16="http://schemas.microsoft.com/office/drawing/2014/main" id="{26C67376-488E-0B96-D3A0-8A190AACC19C}"/>
+              </a:ext>
+            </a:extLst>
+          </p:cNvPr>
+          <p:cNvSpPr>
+            <a:spLocks noGrp="1"/>
+          </p:cNvSpPr>
+          <p:nvPr>
+            <p:ph type="sldNum" sz="quarter" idx="12"/>
+          </p:nvPr>
+        </p:nvSpPr>
+        <p:spPr/>
+        <p:txBody>
+          <a:bodyPr/>
+          <a:lstStyle/>
+          <a:p>
+            <a:fld id="{666274A1-CF9C-426A-8DD4-B13ED0C24231}" type="slidenum">
+              <a:rPr lang="en-US" smtClean="0"/>
+              <a:t>11</a:t>
+            </a:fld>
+            <a:endParaRPr lang="en-US"/>
+          </a:p>
+        </p:txBody>
+      </p:sp>
+      <p:pic>
+        <p:nvPicPr>
+          <p:cNvPr id="6" name="圖片 5">
+            <a:extLst>
+              <a:ext uri="{FF2B5EF4-FFF2-40B4-BE49-F238E27FC236}">
+                <a16:creationId xmlns:a16="http://schemas.microsoft.com/office/drawing/2014/main" id="{7AD8045F-CE45-F29F-C807-183B6CFCB402}"/>
+              </a:ext>
+            </a:extLst>
+          </p:cNvPr>
+          <p:cNvPicPr>
+            <a:picLocks noChangeAspect="1"/>
+          </p:cNvPicPr>
+          <p:nvPr/>
+        </p:nvPicPr>
+        <p:blipFill rotWithShape="1">
+          <a:blip r:embed="rId3"/>
+          <a:srcRect t="1346" b="48121"/>
+          <a:stretch/>
+        </p:blipFill>
+        <p:spPr>
+          <a:xfrm>
+            <a:off x="-118335" y="2592593"/>
+            <a:ext cx="5884433" cy="3345292"/>
+          </a:xfrm>
+          <a:prstGeom prst="rect">
+            <a:avLst/>
+          </a:prstGeom>
+        </p:spPr>
+      </p:pic>
+      <p:pic>
+        <p:nvPicPr>
+          <p:cNvPr id="5" name="圖片 4">
+            <a:extLst>
+              <a:ext uri="{FF2B5EF4-FFF2-40B4-BE49-F238E27FC236}">
+                <a16:creationId xmlns:a16="http://schemas.microsoft.com/office/drawing/2014/main" id="{29394B92-B5BF-F407-D5F7-D466A639A705}"/>
+              </a:ext>
+            </a:extLst>
+          </p:cNvPr>
+          <p:cNvPicPr>
+            <a:picLocks noChangeAspect="1"/>
+          </p:cNvPicPr>
+          <p:nvPr/>
+        </p:nvPicPr>
+        <p:blipFill rotWithShape="1">
+          <a:blip r:embed="rId3"/>
+          <a:srcRect t="51386"/>
+          <a:stretch/>
+        </p:blipFill>
+        <p:spPr>
+          <a:xfrm>
+            <a:off x="5838517" y="2592593"/>
+            <a:ext cx="6353483" cy="3474720"/>
+          </a:xfrm>
+          <a:prstGeom prst="rect">
+            <a:avLst/>
+          </a:prstGeom>
+        </p:spPr>
+      </p:pic>
+    </p:spTree>
+    <p:extLst>
+      <p:ext uri="{BB962C8B-B14F-4D97-AF65-F5344CB8AC3E}">
+        <p14:creationId xmlns:p14="http://schemas.microsoft.com/office/powerpoint/2010/main" val="468702892"/>
+      </p:ext>
+    </p:extLst>
+  </p:cSld>
+  <p:clrMapOvr>
+    <a:masterClrMapping/>
+  </p:clrMapOvr>
+</p:sld>
+</file>
+
+<file path=ppt/slides/slide13.xml><?xml version="1.0" encoding="utf-8"?>
+<p:sld xmlns:a="http://schemas.openxmlformats.org/drawingml/2006/main" xmlns:r="http://schemas.openxmlformats.org/officeDocument/2006/relationships" xmlns:p="http://schemas.openxmlformats.org/presentationml/2006/main">
+  <p:cSld>
+    <p:spTree>
+      <p:nvGrpSpPr>
+        <p:cNvPr id="1" name=""/>
+        <p:cNvGrpSpPr/>
+        <p:nvPr/>
+      </p:nvGrpSpPr>
+      <p:grpSpPr>
+        <a:xfrm>
+          <a:off x="0" y="0"/>
+          <a:ext cx="0" cy="0"/>
+          <a:chOff x="0" y="0"/>
+          <a:chExt cx="0" cy="0"/>
+        </a:xfrm>
+      </p:grpSpPr>
+      <p:sp>
+        <p:nvSpPr>
+          <p:cNvPr id="2" name="標題 1">
+            <a:extLst>
+              <a:ext uri="{FF2B5EF4-FFF2-40B4-BE49-F238E27FC236}">
+                <a16:creationId xmlns:a16="http://schemas.microsoft.com/office/drawing/2014/main" id="{F49B282A-FF7E-D28E-E7C9-7C9011B3A142}"/>
+              </a:ext>
+            </a:extLst>
+          </p:cNvPr>
+          <p:cNvSpPr>
+            <a:spLocks noGrp="1"/>
+          </p:cNvSpPr>
+          <p:nvPr>
+            <p:ph type="title"/>
+          </p:nvPr>
+        </p:nvSpPr>
+        <p:spPr/>
+        <p:txBody>
+          <a:bodyPr>
+            <a:normAutofit/>
+          </a:bodyPr>
+          <a:lstStyle/>
+          <a:p>
+            <a:r>
+              <a:rPr lang="en-US" altLang="zh-TW" sz="4000" dirty="0">
+                <a:latin typeface="Times" panose="02020603050405020304" pitchFamily="18" charset="0"/>
+                <a:cs typeface="Times" panose="02020603050405020304" pitchFamily="18" charset="0"/>
+              </a:rPr>
+              <a:t>MOGA-</a:t>
+            </a:r>
+            <a:r>
+              <a:rPr lang="en-US" altLang="zh-TW" sz="4000" dirty="0" err="1">
+                <a:latin typeface="Times" panose="02020603050405020304" pitchFamily="18" charset="0"/>
+                <a:cs typeface="Times" panose="02020603050405020304" pitchFamily="18" charset="0"/>
+              </a:rPr>
+              <a:t>CmpCNN</a:t>
+            </a:r>
+            <a:r>
+              <a:rPr lang="en-US" altLang="zh-TW" sz="4000" dirty="0">
+                <a:latin typeface="Times" panose="02020603050405020304" pitchFamily="18" charset="0"/>
+                <a:cs typeface="Times" panose="02020603050405020304" pitchFamily="18" charset="0"/>
+              </a:rPr>
+              <a:t> Framework</a:t>
+            </a:r>
+            <a:endParaRPr lang="zh-TW" altLang="en-US" sz="4000" dirty="0">
+              <a:latin typeface="Times" panose="02020603050405020304" pitchFamily="18" charset="0"/>
+              <a:cs typeface="Times" panose="02020603050405020304" pitchFamily="18" charset="0"/>
+            </a:endParaRPr>
+          </a:p>
+        </p:txBody>
+      </p:sp>
+      <mc:AlternateContent xmlns:mc="http://schemas.openxmlformats.org/markup-compatibility/2006">
+        <mc:Choice xmlns:a14="http://schemas.microsoft.com/office/drawing/2010/main" Requires="a14">
           <p:sp>
             <p:nvSpPr>
               <p:cNvPr id="3" name="內容版面配置區 2">
@@ -8365,7 +9637,7 @@
                   <a:t>Use </a:t>
                 </a:r>
                 <a:r>
-                  <a:rPr lang="en-US" altLang="zh-TW" sz="2000" dirty="0" err="1">
+                  <a:rPr lang="en-US" altLang="zh-TW" sz="2000" b="1" dirty="0" err="1">
                     <a:latin typeface="Times" panose="02020603050405020304" pitchFamily="18" charset="0"/>
                     <a:ea typeface="標楷體" panose="03000509000000000000" pitchFamily="65" charset="-120"/>
                     <a:cs typeface="Times" panose="02020603050405020304" pitchFamily="18" charset="0"/>
@@ -8716,7 +9988,7 @@
             </p:txBody>
           </p:sp>
         </mc:Choice>
-        <mc:Fallback xmlns="">
+        <mc:Fallback>
           <p:sp>
             <p:nvSpPr>
               <p:cNvPr id="3" name="內容版面配置區 2">
@@ -8783,7 +10055,7 @@
           <a:p>
             <a:fld id="{666274A1-CF9C-426A-8DD4-B13ED0C24231}" type="slidenum">
               <a:rPr lang="en-US" smtClean="0"/>
-              <a:t>9</a:t>
+              <a:t>12</a:t>
             </a:fld>
             <a:endParaRPr lang="en-US"/>
           </a:p>
@@ -8802,7 +10074,7 @@
 </p:sld>
 </file>
 
-<file path=ppt/slides/slide11.xml><?xml version="1.0" encoding="utf-8"?>
+<file path=ppt/slides/slide14.xml><?xml version="1.0" encoding="utf-8"?>
 <p:sld xmlns:a="http://schemas.openxmlformats.org/drawingml/2006/main" xmlns:r="http://schemas.openxmlformats.org/officeDocument/2006/relationships" xmlns:p="http://schemas.openxmlformats.org/presentationml/2006/main">
   <p:cSld>
     <p:spTree>
@@ -9045,7 +10317,7 @@
           <a:p>
             <a:fld id="{666274A1-CF9C-426A-8DD4-B13ED0C24231}" type="slidenum">
               <a:rPr lang="en-US" smtClean="0"/>
-              <a:t>10</a:t>
+              <a:t>13</a:t>
             </a:fld>
             <a:endParaRPr lang="en-US"/>
           </a:p>
@@ -9064,7 +10336,7 @@
 </p:sld>
 </file>
 
-<file path=ppt/slides/slide12.xml><?xml version="1.0" encoding="utf-8"?>
+<file path=ppt/slides/slide15.xml><?xml version="1.0" encoding="utf-8"?>
 <p:sld xmlns:a="http://schemas.openxmlformats.org/drawingml/2006/main" xmlns:r="http://schemas.openxmlformats.org/officeDocument/2006/relationships" xmlns:p="http://schemas.openxmlformats.org/presentationml/2006/main">
   <p:cSld>
     <p:spTree>
@@ -9278,7 +10550,7 @@
           <a:p>
             <a:fld id="{666274A1-CF9C-426A-8DD4-B13ED0C24231}" type="slidenum">
               <a:rPr lang="en-US" smtClean="0"/>
-              <a:t>11</a:t>
+              <a:t>14</a:t>
             </a:fld>
             <a:endParaRPr lang="en-US"/>
           </a:p>
@@ -9327,7 +10599,7 @@
 </p:sld>
 </file>
 
-<file path=ppt/slides/slide13.xml><?xml version="1.0" encoding="utf-8"?>
+<file path=ppt/slides/slide16.xml><?xml version="1.0" encoding="utf-8"?>
 <p:sld xmlns:a="http://schemas.openxmlformats.org/drawingml/2006/main" xmlns:r="http://schemas.openxmlformats.org/officeDocument/2006/relationships" xmlns:p="http://schemas.openxmlformats.org/presentationml/2006/main">
   <p:cSld>
     <p:spTree>
@@ -9557,7 +10829,7 @@
           <a:p>
             <a:fld id="{666274A1-CF9C-426A-8DD4-B13ED0C24231}" type="slidenum">
               <a:rPr lang="en-US" smtClean="0"/>
-              <a:t>12</a:t>
+              <a:t>15</a:t>
             </a:fld>
             <a:endParaRPr lang="en-US"/>
           </a:p>
@@ -9606,7 +10878,7 @@
 </p:sld>
 </file>
 
-<file path=ppt/slides/slide14.xml><?xml version="1.0" encoding="utf-8"?>
+<file path=ppt/slides/slide17.xml><?xml version="1.0" encoding="utf-8"?>
 <p:sld xmlns:a="http://schemas.openxmlformats.org/drawingml/2006/main" xmlns:r="http://schemas.openxmlformats.org/officeDocument/2006/relationships" xmlns:p="http://schemas.openxmlformats.org/presentationml/2006/main">
   <p:cSld>
     <p:spTree>
@@ -9665,6 +10937,183 @@
                 <a:latin typeface="Times" panose="02020603050405020304" pitchFamily="18" charset="0"/>
                 <a:cs typeface="Times" panose="02020603050405020304" pitchFamily="18" charset="0"/>
               </a:rPr>
+              <a:t> Framework </a:t>
+            </a:r>
+            <a:r>
+              <a:rPr lang="en-US" altLang="zh-TW" sz="2400" dirty="0">
+                <a:latin typeface="Times" panose="02020603050405020304" pitchFamily="18" charset="0"/>
+                <a:cs typeface="Times" panose="02020603050405020304" pitchFamily="18" charset="0"/>
+              </a:rPr>
+              <a:t>[16]</a:t>
+            </a:r>
+            <a:endParaRPr lang="zh-TW" altLang="en-US" sz="4000" dirty="0">
+              <a:latin typeface="Times" panose="02020603050405020304" pitchFamily="18" charset="0"/>
+              <a:cs typeface="Times" panose="02020603050405020304" pitchFamily="18" charset="0"/>
+            </a:endParaRPr>
+          </a:p>
+        </p:txBody>
+      </p:sp>
+      <p:sp>
+        <p:nvSpPr>
+          <p:cNvPr id="4" name="投影片編號版面配置區 3">
+            <a:extLst>
+              <a:ext uri="{FF2B5EF4-FFF2-40B4-BE49-F238E27FC236}">
+                <a16:creationId xmlns:a16="http://schemas.microsoft.com/office/drawing/2014/main" id="{4F34BD4F-A1A7-2695-B9CD-0B31024175B2}"/>
+              </a:ext>
+            </a:extLst>
+          </p:cNvPr>
+          <p:cNvSpPr>
+            <a:spLocks noGrp="1"/>
+          </p:cNvSpPr>
+          <p:nvPr>
+            <p:ph type="sldNum" sz="quarter" idx="12"/>
+          </p:nvPr>
+        </p:nvSpPr>
+        <p:spPr/>
+        <p:txBody>
+          <a:bodyPr/>
+          <a:lstStyle/>
+          <a:p>
+            <a:fld id="{666274A1-CF9C-426A-8DD4-B13ED0C24231}" type="slidenum">
+              <a:rPr lang="en-US" smtClean="0"/>
+              <a:t>16</a:t>
+            </a:fld>
+            <a:endParaRPr lang="en-US" dirty="0"/>
+          </a:p>
+        </p:txBody>
+      </p:sp>
+      <p:pic>
+        <p:nvPicPr>
+          <p:cNvPr id="6" name="圖片 5">
+            <a:extLst>
+              <a:ext uri="{FF2B5EF4-FFF2-40B4-BE49-F238E27FC236}">
+                <a16:creationId xmlns:a16="http://schemas.microsoft.com/office/drawing/2014/main" id="{95EF382E-9F2C-80DE-D082-2C1390A6AD1C}"/>
+              </a:ext>
+            </a:extLst>
+          </p:cNvPr>
+          <p:cNvPicPr>
+            <a:picLocks noChangeAspect="1"/>
+          </p:cNvPicPr>
+          <p:nvPr/>
+        </p:nvPicPr>
+        <p:blipFill>
+          <a:blip r:embed="rId3"/>
+          <a:stretch>
+            <a:fillRect/>
+          </a:stretch>
+        </p:blipFill>
+        <p:spPr>
+          <a:xfrm>
+            <a:off x="0" y="1879408"/>
+            <a:ext cx="12192000" cy="4288221"/>
+          </a:xfrm>
+          <a:prstGeom prst="rect">
+            <a:avLst/>
+          </a:prstGeom>
+        </p:spPr>
+      </p:pic>
+      <p:pic>
+        <p:nvPicPr>
+          <p:cNvPr id="5" name="圖片 4">
+            <a:extLst>
+              <a:ext uri="{FF2B5EF4-FFF2-40B4-BE49-F238E27FC236}">
+                <a16:creationId xmlns:a16="http://schemas.microsoft.com/office/drawing/2014/main" id="{D9D9245C-FAF0-26B0-4FBE-3C4AA4E1CF3D}"/>
+              </a:ext>
+            </a:extLst>
+          </p:cNvPr>
+          <p:cNvPicPr>
+            <a:picLocks noChangeAspect="1"/>
+          </p:cNvPicPr>
+          <p:nvPr/>
+        </p:nvPicPr>
+        <p:blipFill>
+          <a:blip r:embed="rId4"/>
+          <a:stretch>
+            <a:fillRect/>
+          </a:stretch>
+        </p:blipFill>
+        <p:spPr>
+          <a:xfrm>
+            <a:off x="9657787" y="84137"/>
+            <a:ext cx="2115457" cy="1606550"/>
+          </a:xfrm>
+          <a:prstGeom prst="rect">
+            <a:avLst/>
+          </a:prstGeom>
+        </p:spPr>
+      </p:pic>
+    </p:spTree>
+    <p:extLst>
+      <p:ext uri="{BB962C8B-B14F-4D97-AF65-F5344CB8AC3E}">
+        <p14:creationId xmlns:p14="http://schemas.microsoft.com/office/powerpoint/2010/main" val="3953459414"/>
+      </p:ext>
+    </p:extLst>
+  </p:cSld>
+  <p:clrMapOvr>
+    <a:masterClrMapping/>
+  </p:clrMapOvr>
+</p:sld>
+</file>
+
+<file path=ppt/slides/slide18.xml><?xml version="1.0" encoding="utf-8"?>
+<p:sld xmlns:a="http://schemas.openxmlformats.org/drawingml/2006/main" xmlns:r="http://schemas.openxmlformats.org/officeDocument/2006/relationships" xmlns:p="http://schemas.openxmlformats.org/presentationml/2006/main">
+  <p:cSld>
+    <p:spTree>
+      <p:nvGrpSpPr>
+        <p:cNvPr id="1" name=""/>
+        <p:cNvGrpSpPr/>
+        <p:nvPr/>
+      </p:nvGrpSpPr>
+      <p:grpSpPr>
+        <a:xfrm>
+          <a:off x="0" y="0"/>
+          <a:ext cx="0" cy="0"/>
+          <a:chOff x="0" y="0"/>
+          <a:chExt cx="0" cy="0"/>
+        </a:xfrm>
+      </p:grpSpPr>
+      <p:sp>
+        <p:nvSpPr>
+          <p:cNvPr id="2" name="標題 1">
+            <a:extLst>
+              <a:ext uri="{FF2B5EF4-FFF2-40B4-BE49-F238E27FC236}">
+                <a16:creationId xmlns:a16="http://schemas.microsoft.com/office/drawing/2014/main" id="{F49B282A-FF7E-D28E-E7C9-7C9011B3A142}"/>
+              </a:ext>
+            </a:extLst>
+          </p:cNvPr>
+          <p:cNvSpPr>
+            <a:spLocks noGrp="1"/>
+          </p:cNvSpPr>
+          <p:nvPr>
+            <p:ph type="title"/>
+          </p:nvPr>
+        </p:nvSpPr>
+        <p:spPr/>
+        <p:txBody>
+          <a:bodyPr>
+            <a:normAutofit/>
+          </a:bodyPr>
+          <a:lstStyle/>
+          <a:p>
+            <a:r>
+              <a:rPr lang="en-US" altLang="zh-TW" sz="4000" dirty="0">
+                <a:latin typeface="Times" panose="02020603050405020304" pitchFamily="18" charset="0"/>
+                <a:cs typeface="Times" panose="02020603050405020304" pitchFamily="18" charset="0"/>
+              </a:rPr>
+              <a:t>MOGA-</a:t>
+            </a:r>
+            <a:r>
+              <a:rPr lang="en-US" altLang="zh-TW" sz="4000" dirty="0" err="1">
+                <a:latin typeface="Times" panose="02020603050405020304" pitchFamily="18" charset="0"/>
+                <a:cs typeface="Times" panose="02020603050405020304" pitchFamily="18" charset="0"/>
+              </a:rPr>
+              <a:t>CmpCNN</a:t>
+            </a:r>
+            <a:r>
+              <a:rPr lang="en-US" altLang="zh-TW" sz="4000" dirty="0">
+                <a:latin typeface="Times" panose="02020603050405020304" pitchFamily="18" charset="0"/>
+                <a:cs typeface="Times" panose="02020603050405020304" pitchFamily="18" charset="0"/>
+              </a:rPr>
               <a:t> Framework</a:t>
             </a:r>
             <a:endParaRPr lang="zh-TW" altLang="en-US" sz="4000" dirty="0">
@@ -9852,7 +11301,7 @@
           <a:p>
             <a:fld id="{666274A1-CF9C-426A-8DD4-B13ED0C24231}" type="slidenum">
               <a:rPr lang="en-US" smtClean="0"/>
-              <a:t>13</a:t>
+              <a:t>17</a:t>
             </a:fld>
             <a:endParaRPr lang="en-US"/>
           </a:p>
@@ -9901,7 +11350,7 @@
 </p:sld>
 </file>
 
-<file path=ppt/slides/slide15.xml><?xml version="1.0" encoding="utf-8"?>
+<file path=ppt/slides/slide19.xml><?xml version="1.0" encoding="utf-8"?>
 <p:sld xmlns:a="http://schemas.openxmlformats.org/drawingml/2006/main" xmlns:r="http://schemas.openxmlformats.org/officeDocument/2006/relationships" xmlns:p="http://schemas.openxmlformats.org/presentationml/2006/main">
   <p:cSld>
     <p:spTree>
@@ -10056,7 +11505,7 @@
                 <a:ea typeface="標楷體" panose="03000509000000000000" pitchFamily="65" charset="-120"/>
                 <a:cs typeface="Times" panose="02020603050405020304" pitchFamily="18" charset="0"/>
               </a:rPr>
-              <a:t>(iv) Stop Criteria</a:t>
+              <a:t>(iv)  Stop or iteration</a:t>
             </a:r>
           </a:p>
           <a:p>
@@ -10071,7 +11520,7 @@
                 <a:ea typeface="標楷體" panose="03000509000000000000" pitchFamily="65" charset="-120"/>
                 <a:cs typeface="Times" panose="02020603050405020304" pitchFamily="18" charset="0"/>
               </a:rPr>
-              <a:t>Check if stop conditions are satisfied</a:t>
+              <a:t>If stop conditions are satisfied (e.g., number of </a:t>
             </a:r>
           </a:p>
           <a:p>
@@ -10087,7 +11536,7 @@
                 <a:ea typeface="標楷體" panose="03000509000000000000" pitchFamily="65" charset="-120"/>
                 <a:cs typeface="Times" panose="02020603050405020304" pitchFamily="18" charset="0"/>
               </a:rPr>
-              <a:t>    (e.g., number of generations, achieving </a:t>
+              <a:t>    generations, achieving   satisfactory fitness </a:t>
             </a:r>
           </a:p>
           <a:p>
@@ -10103,7 +11552,55 @@
                 <a:ea typeface="標楷體" panose="03000509000000000000" pitchFamily="65" charset="-120"/>
                 <a:cs typeface="Times" panose="02020603050405020304" pitchFamily="18" charset="0"/>
               </a:rPr>
-              <a:t>    satisfactory fitness score, or convergence).</a:t>
+              <a:t>    score, or convergence), the algorithm </a:t>
+            </a:r>
+          </a:p>
+          <a:p>
+            <a:pPr marL="914400" lvl="2" indent="0">
+              <a:lnSpc>
+                <a:spcPct val="125000"/>
+              </a:lnSpc>
+              <a:buNone/>
+            </a:pPr>
+            <a:r>
+              <a:rPr lang="en-US" altLang="zh-TW" sz="1800" dirty="0">
+                <a:latin typeface="Times" panose="02020603050405020304" pitchFamily="18" charset="0"/>
+                <a:ea typeface="標楷體" panose="03000509000000000000" pitchFamily="65" charset="-120"/>
+                <a:cs typeface="Times" panose="02020603050405020304" pitchFamily="18" charset="0"/>
+              </a:rPr>
+              <a:t>    stops, returning the best fill solution. Otherwise, </a:t>
+            </a:r>
+          </a:p>
+          <a:p>
+            <a:pPr marL="914400" lvl="2" indent="0">
+              <a:lnSpc>
+                <a:spcPct val="125000"/>
+              </a:lnSpc>
+              <a:buNone/>
+            </a:pPr>
+            <a:r>
+              <a:rPr lang="en-US" altLang="zh-TW" sz="1800" dirty="0">
+                <a:latin typeface="Times" panose="02020603050405020304" pitchFamily="18" charset="0"/>
+                <a:ea typeface="標楷體" panose="03000509000000000000" pitchFamily="65" charset="-120"/>
+                <a:cs typeface="Times" panose="02020603050405020304" pitchFamily="18" charset="0"/>
+              </a:rPr>
+              <a:t>    return to step (ii) and repeat the optimization </a:t>
+            </a:r>
+          </a:p>
+          <a:p>
+            <a:pPr marL="914400" lvl="2" indent="0">
+              <a:lnSpc>
+                <a:spcPct val="125000"/>
+              </a:lnSpc>
+              <a:buNone/>
+            </a:pPr>
+            <a:r>
+              <a:rPr lang="en-US" altLang="zh-TW" sz="1800" dirty="0">
+                <a:latin typeface="Times" panose="02020603050405020304" pitchFamily="18" charset="0"/>
+                <a:ea typeface="標楷體" panose="03000509000000000000" pitchFamily="65" charset="-120"/>
+                <a:cs typeface="Times" panose="02020603050405020304" pitchFamily="18" charset="0"/>
+              </a:rPr>
+              <a:t>    process.</a:t>
             </a:r>
           </a:p>
         </p:txBody>
@@ -10131,302 +11628,7 @@
           <a:p>
             <a:fld id="{666274A1-CF9C-426A-8DD4-B13ED0C24231}" type="slidenum">
               <a:rPr lang="en-US" smtClean="0"/>
-              <a:t>14</a:t>
-            </a:fld>
-            <a:endParaRPr lang="en-US"/>
-          </a:p>
-        </p:txBody>
-      </p:sp>
-      <p:pic>
-        <p:nvPicPr>
-          <p:cNvPr id="6" name="圖片 5">
-            <a:extLst>
-              <a:ext uri="{FF2B5EF4-FFF2-40B4-BE49-F238E27FC236}">
-                <a16:creationId xmlns:a16="http://schemas.microsoft.com/office/drawing/2014/main" id="{B4003395-F28F-F980-8EEC-CBA4912DEDD0}"/>
-              </a:ext>
-            </a:extLst>
-          </p:cNvPr>
-          <p:cNvPicPr>
-            <a:picLocks noChangeAspect="1"/>
-          </p:cNvPicPr>
-          <p:nvPr/>
-        </p:nvPicPr>
-        <p:blipFill>
-          <a:blip r:embed="rId3"/>
-          <a:stretch>
-            <a:fillRect/>
-          </a:stretch>
-        </p:blipFill>
-        <p:spPr>
-          <a:xfrm>
-            <a:off x="6669451" y="1378475"/>
-            <a:ext cx="5433530" cy="4538232"/>
-          </a:xfrm>
-          <a:prstGeom prst="rect">
-            <a:avLst/>
-          </a:prstGeom>
-        </p:spPr>
-      </p:pic>
-    </p:spTree>
-    <p:extLst>
-      <p:ext uri="{BB962C8B-B14F-4D97-AF65-F5344CB8AC3E}">
-        <p14:creationId xmlns:p14="http://schemas.microsoft.com/office/powerpoint/2010/main" val="1886750486"/>
-      </p:ext>
-    </p:extLst>
-  </p:cSld>
-  <p:clrMapOvr>
-    <a:masterClrMapping/>
-  </p:clrMapOvr>
-</p:sld>
-</file>
-
-<file path=ppt/slides/slide16.xml><?xml version="1.0" encoding="utf-8"?>
-<p:sld xmlns:a="http://schemas.openxmlformats.org/drawingml/2006/main" xmlns:r="http://schemas.openxmlformats.org/officeDocument/2006/relationships" xmlns:p="http://schemas.openxmlformats.org/presentationml/2006/main">
-  <p:cSld>
-    <p:spTree>
-      <p:nvGrpSpPr>
-        <p:cNvPr id="1" name=""/>
-        <p:cNvGrpSpPr/>
-        <p:nvPr/>
-      </p:nvGrpSpPr>
-      <p:grpSpPr>
-        <a:xfrm>
-          <a:off x="0" y="0"/>
-          <a:ext cx="0" cy="0"/>
-          <a:chOff x="0" y="0"/>
-          <a:chExt cx="0" cy="0"/>
-        </a:xfrm>
-      </p:grpSpPr>
-      <p:sp>
-        <p:nvSpPr>
-          <p:cNvPr id="2" name="標題 1">
-            <a:extLst>
-              <a:ext uri="{FF2B5EF4-FFF2-40B4-BE49-F238E27FC236}">
-                <a16:creationId xmlns:a16="http://schemas.microsoft.com/office/drawing/2014/main" id="{F49B282A-FF7E-D28E-E7C9-7C9011B3A142}"/>
-              </a:ext>
-            </a:extLst>
-          </p:cNvPr>
-          <p:cNvSpPr>
-            <a:spLocks noGrp="1"/>
-          </p:cNvSpPr>
-          <p:nvPr>
-            <p:ph type="title"/>
-          </p:nvPr>
-        </p:nvSpPr>
-        <p:spPr/>
-        <p:txBody>
-          <a:bodyPr>
-            <a:normAutofit/>
-          </a:bodyPr>
-          <a:lstStyle/>
-          <a:p>
-            <a:r>
-              <a:rPr lang="en-US" altLang="zh-TW" sz="4000" dirty="0">
-                <a:latin typeface="Times" panose="02020603050405020304" pitchFamily="18" charset="0"/>
-                <a:cs typeface="Times" panose="02020603050405020304" pitchFamily="18" charset="0"/>
-              </a:rPr>
-              <a:t>MOGA-</a:t>
-            </a:r>
-            <a:r>
-              <a:rPr lang="en-US" altLang="zh-TW" sz="4000" dirty="0" err="1">
-                <a:latin typeface="Times" panose="02020603050405020304" pitchFamily="18" charset="0"/>
-                <a:cs typeface="Times" panose="02020603050405020304" pitchFamily="18" charset="0"/>
-              </a:rPr>
-              <a:t>CmpCNN</a:t>
-            </a:r>
-            <a:r>
-              <a:rPr lang="en-US" altLang="zh-TW" sz="4000" dirty="0">
-                <a:latin typeface="Times" panose="02020603050405020304" pitchFamily="18" charset="0"/>
-                <a:cs typeface="Times" panose="02020603050405020304" pitchFamily="18" charset="0"/>
-              </a:rPr>
-              <a:t> Framework</a:t>
-            </a:r>
-            <a:endParaRPr lang="zh-TW" altLang="en-US" sz="4000" dirty="0">
-              <a:latin typeface="Times" panose="02020603050405020304" pitchFamily="18" charset="0"/>
-              <a:cs typeface="Times" panose="02020603050405020304" pitchFamily="18" charset="0"/>
-            </a:endParaRPr>
-          </a:p>
-        </p:txBody>
-      </p:sp>
-      <p:sp>
-        <p:nvSpPr>
-          <p:cNvPr id="3" name="內容版面配置區 2">
-            <a:extLst>
-              <a:ext uri="{FF2B5EF4-FFF2-40B4-BE49-F238E27FC236}">
-                <a16:creationId xmlns:a16="http://schemas.microsoft.com/office/drawing/2014/main" id="{6532586F-2B33-9C61-58DC-9046125E1570}"/>
-              </a:ext>
-            </a:extLst>
-          </p:cNvPr>
-          <p:cNvSpPr>
-            <a:spLocks noGrp="1"/>
-          </p:cNvSpPr>
-          <p:nvPr>
-            <p:ph idx="1"/>
-          </p:nvPr>
-        </p:nvSpPr>
-        <p:spPr>
-          <a:xfrm>
-            <a:off x="838199" y="1825625"/>
-            <a:ext cx="11823551" cy="4351338"/>
-          </a:xfrm>
-        </p:spPr>
-        <p:txBody>
-          <a:bodyPr>
-            <a:normAutofit/>
-          </a:bodyPr>
-          <a:lstStyle/>
-          <a:p>
-            <a:pPr marL="457200" indent="-457200">
-              <a:lnSpc>
-                <a:spcPct val="150000"/>
-              </a:lnSpc>
-              <a:buFont typeface="+mj-lt"/>
-              <a:buAutoNum type="arabicPeriod" startAt="3"/>
-            </a:pPr>
-            <a:r>
-              <a:rPr lang="en-US" altLang="zh-TW" sz="2200" dirty="0">
-                <a:latin typeface="Times" panose="02020603050405020304" pitchFamily="18" charset="0"/>
-                <a:ea typeface="標楷體" panose="03000509000000000000" pitchFamily="65" charset="-120"/>
-                <a:cs typeface="Times" panose="02020603050405020304" pitchFamily="18" charset="0"/>
-              </a:rPr>
-              <a:t>MOGA-</a:t>
-            </a:r>
-            <a:r>
-              <a:rPr lang="en-US" altLang="zh-TW" sz="2200" dirty="0" err="1">
-                <a:latin typeface="Times" panose="02020603050405020304" pitchFamily="18" charset="0"/>
-                <a:ea typeface="標楷體" panose="03000509000000000000" pitchFamily="65" charset="-120"/>
-                <a:cs typeface="Times" panose="02020603050405020304" pitchFamily="18" charset="0"/>
-              </a:rPr>
-              <a:t>CmpCNN</a:t>
-            </a:r>
-            <a:r>
-              <a:rPr lang="en-US" altLang="zh-TW" sz="2200" dirty="0">
-                <a:latin typeface="Times" panose="02020603050405020304" pitchFamily="18" charset="0"/>
-                <a:ea typeface="標楷體" panose="03000509000000000000" pitchFamily="65" charset="-120"/>
-                <a:cs typeface="Times" panose="02020603050405020304" pitchFamily="18" charset="0"/>
-              </a:rPr>
-              <a:t> Fill Insertion</a:t>
-            </a:r>
-          </a:p>
-          <a:p>
-            <a:pPr marL="457200" indent="-457200">
-              <a:lnSpc>
-                <a:spcPct val="150000"/>
-              </a:lnSpc>
-              <a:buFont typeface="+mj-lt"/>
-              <a:buAutoNum type="arabicPeriod" startAt="3"/>
-            </a:pPr>
-            <a:endParaRPr lang="en-US" altLang="zh-TW" sz="400" dirty="0">
-              <a:latin typeface="Times" panose="02020603050405020304" pitchFamily="18" charset="0"/>
-              <a:ea typeface="標楷體" panose="03000509000000000000" pitchFamily="65" charset="-120"/>
-              <a:cs typeface="Times" panose="02020603050405020304" pitchFamily="18" charset="0"/>
-            </a:endParaRPr>
-          </a:p>
-          <a:p>
-            <a:pPr marL="457200" lvl="1" indent="0">
-              <a:lnSpc>
-                <a:spcPct val="150000"/>
-              </a:lnSpc>
-              <a:buNone/>
-            </a:pPr>
-            <a:r>
-              <a:rPr lang="en-US" altLang="zh-TW" sz="2000" dirty="0">
-                <a:latin typeface="Times" panose="02020603050405020304" pitchFamily="18" charset="0"/>
-                <a:ea typeface="標楷體" panose="03000509000000000000" pitchFamily="65" charset="-120"/>
-                <a:cs typeface="Times" panose="02020603050405020304" pitchFamily="18" charset="0"/>
-              </a:rPr>
-              <a:t>(v)  Stop or iteration</a:t>
-            </a:r>
-          </a:p>
-          <a:p>
-            <a:pPr lvl="2">
-              <a:lnSpc>
-                <a:spcPct val="125000"/>
-              </a:lnSpc>
-            </a:pPr>
-            <a:r>
-              <a:rPr lang="en-US" altLang="zh-TW" sz="1800" dirty="0">
-                <a:latin typeface="Times" panose="02020603050405020304" pitchFamily="18" charset="0"/>
-                <a:ea typeface="標楷體" panose="03000509000000000000" pitchFamily="65" charset="-120"/>
-                <a:cs typeface="Times" panose="02020603050405020304" pitchFamily="18" charset="0"/>
-              </a:rPr>
-              <a:t>If stop conditions are satisfied, the algorithm </a:t>
-            </a:r>
-          </a:p>
-          <a:p>
-            <a:pPr marL="914400" lvl="2" indent="0">
-              <a:lnSpc>
-                <a:spcPct val="125000"/>
-              </a:lnSpc>
-              <a:buNone/>
-            </a:pPr>
-            <a:r>
-              <a:rPr lang="en-US" altLang="zh-TW" sz="1800" dirty="0">
-                <a:latin typeface="Times" panose="02020603050405020304" pitchFamily="18" charset="0"/>
-                <a:ea typeface="標楷體" panose="03000509000000000000" pitchFamily="65" charset="-120"/>
-                <a:cs typeface="Times" panose="02020603050405020304" pitchFamily="18" charset="0"/>
-              </a:rPr>
-              <a:t>    stops, returning the best fill solution. Otherwise, </a:t>
-            </a:r>
-          </a:p>
-          <a:p>
-            <a:pPr marL="914400" lvl="2" indent="0">
-              <a:lnSpc>
-                <a:spcPct val="125000"/>
-              </a:lnSpc>
-              <a:buNone/>
-            </a:pPr>
-            <a:r>
-              <a:rPr lang="en-US" altLang="zh-TW" sz="1800" dirty="0">
-                <a:latin typeface="Times" panose="02020603050405020304" pitchFamily="18" charset="0"/>
-                <a:ea typeface="標楷體" panose="03000509000000000000" pitchFamily="65" charset="-120"/>
-                <a:cs typeface="Times" panose="02020603050405020304" pitchFamily="18" charset="0"/>
-              </a:rPr>
-              <a:t>    return to step (ii) and repeat the optimization </a:t>
-            </a:r>
-          </a:p>
-          <a:p>
-            <a:pPr marL="914400" lvl="2" indent="0">
-              <a:lnSpc>
-                <a:spcPct val="125000"/>
-              </a:lnSpc>
-              <a:buNone/>
-            </a:pPr>
-            <a:r>
-              <a:rPr lang="en-US" altLang="zh-TW" sz="1800" dirty="0">
-                <a:latin typeface="Times" panose="02020603050405020304" pitchFamily="18" charset="0"/>
-                <a:ea typeface="標楷體" panose="03000509000000000000" pitchFamily="65" charset="-120"/>
-                <a:cs typeface="Times" panose="02020603050405020304" pitchFamily="18" charset="0"/>
-              </a:rPr>
-              <a:t>    process.</a:t>
-            </a:r>
-          </a:p>
-        </p:txBody>
-      </p:sp>
-      <p:sp>
-        <p:nvSpPr>
-          <p:cNvPr id="4" name="投影片編號版面配置區 3">
-            <a:extLst>
-              <a:ext uri="{FF2B5EF4-FFF2-40B4-BE49-F238E27FC236}">
-                <a16:creationId xmlns:a16="http://schemas.microsoft.com/office/drawing/2014/main" id="{4F34BD4F-A1A7-2695-B9CD-0B31024175B2}"/>
-              </a:ext>
-            </a:extLst>
-          </p:cNvPr>
-          <p:cNvSpPr>
-            <a:spLocks noGrp="1"/>
-          </p:cNvSpPr>
-          <p:nvPr>
-            <p:ph type="sldNum" sz="quarter" idx="12"/>
-          </p:nvPr>
-        </p:nvSpPr>
-        <p:spPr/>
-        <p:txBody>
-          <a:bodyPr/>
-          <a:lstStyle/>
-          <a:p>
-            <a:fld id="{666274A1-CF9C-426A-8DD4-B13ED0C24231}" type="slidenum">
-              <a:rPr lang="en-US" smtClean="0"/>
-              <a:t>15</a:t>
+              <a:t>18</a:t>
             </a:fld>
             <a:endParaRPr lang="en-US"/>
           </a:p>
@@ -10475,7 +11677,364 @@
 </p:sld>
 </file>
 
-<file path=ppt/slides/slide17.xml><?xml version="1.0" encoding="utf-8"?>
+<file path=ppt/slides/slide2.xml><?xml version="1.0" encoding="utf-8"?>
+<p:sld xmlns:a="http://schemas.openxmlformats.org/drawingml/2006/main" xmlns:r="http://schemas.openxmlformats.org/officeDocument/2006/relationships" xmlns:p="http://schemas.openxmlformats.org/presentationml/2006/main">
+  <p:cSld>
+    <p:spTree>
+      <p:nvGrpSpPr>
+        <p:cNvPr id="1" name=""/>
+        <p:cNvGrpSpPr/>
+        <p:nvPr/>
+      </p:nvGrpSpPr>
+      <p:grpSpPr>
+        <a:xfrm>
+          <a:off x="0" y="0"/>
+          <a:ext cx="0" cy="0"/>
+          <a:chOff x="0" y="0"/>
+          <a:chExt cx="0" cy="0"/>
+        </a:xfrm>
+      </p:grpSpPr>
+      <p:sp>
+        <p:nvSpPr>
+          <p:cNvPr id="2" name="Title 1">
+            <a:extLst>
+              <a:ext uri="{FF2B5EF4-FFF2-40B4-BE49-F238E27FC236}">
+                <a16:creationId xmlns:a16="http://schemas.microsoft.com/office/drawing/2014/main" id="{034B2B09-3A89-725A-85C2-749F88A4474D}"/>
+              </a:ext>
+            </a:extLst>
+          </p:cNvPr>
+          <p:cNvSpPr>
+            <a:spLocks noGrp="1"/>
+          </p:cNvSpPr>
+          <p:nvPr>
+            <p:ph type="title"/>
+          </p:nvPr>
+        </p:nvSpPr>
+        <p:spPr/>
+        <p:txBody>
+          <a:bodyPr/>
+          <a:lstStyle/>
+          <a:p>
+            <a:r>
+              <a:rPr lang="en-US" sz="4000" dirty="0">
+                <a:latin typeface="Times New Roman" panose="02020603050405020304" pitchFamily="18" charset="0"/>
+                <a:cs typeface="Times New Roman" panose="02020603050405020304" pitchFamily="18" charset="0"/>
+              </a:rPr>
+              <a:t>Outline</a:t>
+            </a:r>
+            <a:endParaRPr lang="en-US" dirty="0">
+              <a:latin typeface="Times New Roman" panose="02020603050405020304" pitchFamily="18" charset="0"/>
+              <a:cs typeface="Times New Roman" panose="02020603050405020304" pitchFamily="18" charset="0"/>
+            </a:endParaRPr>
+          </a:p>
+        </p:txBody>
+      </p:sp>
+      <p:sp>
+        <p:nvSpPr>
+          <p:cNvPr id="4" name="Slide Number Placeholder 3">
+            <a:extLst>
+              <a:ext uri="{FF2B5EF4-FFF2-40B4-BE49-F238E27FC236}">
+                <a16:creationId xmlns:a16="http://schemas.microsoft.com/office/drawing/2014/main" id="{3592E110-E718-0573-BF00-CE5E90916A66}"/>
+              </a:ext>
+            </a:extLst>
+          </p:cNvPr>
+          <p:cNvSpPr>
+            <a:spLocks noGrp="1"/>
+          </p:cNvSpPr>
+          <p:nvPr>
+            <p:ph type="sldNum" sz="quarter" idx="12"/>
+          </p:nvPr>
+        </p:nvSpPr>
+        <p:spPr/>
+        <p:txBody>
+          <a:bodyPr/>
+          <a:lstStyle/>
+          <a:p>
+            <a:fld id="{666274A1-CF9C-426A-8DD4-B13ED0C24231}" type="slidenum">
+              <a:rPr lang="en-US" smtClean="0"/>
+              <a:t>1</a:t>
+            </a:fld>
+            <a:endParaRPr lang="en-US"/>
+          </a:p>
+        </p:txBody>
+      </p:sp>
+      <p:sp>
+        <p:nvSpPr>
+          <p:cNvPr id="7" name="Content Placeholder 2">
+            <a:extLst>
+              <a:ext uri="{FF2B5EF4-FFF2-40B4-BE49-F238E27FC236}">
+                <a16:creationId xmlns:a16="http://schemas.microsoft.com/office/drawing/2014/main" id="{85FB6EDC-A81C-417F-C3B2-4378D3D43B94}"/>
+              </a:ext>
+            </a:extLst>
+          </p:cNvPr>
+          <p:cNvSpPr txBox="1">
+            <a:spLocks/>
+          </p:cNvSpPr>
+          <p:nvPr/>
+        </p:nvSpPr>
+        <p:spPr>
+          <a:xfrm>
+            <a:off x="1028700" y="1690688"/>
+            <a:ext cx="10515600" cy="4351338"/>
+          </a:xfrm>
+          <a:prstGeom prst="rect">
+            <a:avLst/>
+          </a:prstGeom>
+        </p:spPr>
+        <p:txBody>
+          <a:bodyPr vert="horz" lIns="91440" tIns="45720" rIns="91440" bIns="45720" rtlCol="0">
+            <a:normAutofit/>
+          </a:bodyPr>
+          <a:lstStyle>
+            <a:lvl1pPr marL="228600" indent="-228600" algn="l" defTabSz="914400" rtl="0" eaLnBrk="1" latinLnBrk="0" hangingPunct="1">
+              <a:lnSpc>
+                <a:spcPct val="90000"/>
+              </a:lnSpc>
+              <a:spcBef>
+                <a:spcPts val="1000"/>
+              </a:spcBef>
+              <a:buFont typeface="Arial" panose="020B0604020202020204" pitchFamily="34" charset="0"/>
+              <a:buChar char="•"/>
+              <a:defRPr sz="2800" kern="1200">
+                <a:solidFill>
+                  <a:schemeClr val="tx1"/>
+                </a:solidFill>
+                <a:latin typeface="+mn-lt"/>
+                <a:ea typeface="+mn-ea"/>
+                <a:cs typeface="+mn-cs"/>
+              </a:defRPr>
+            </a:lvl1pPr>
+            <a:lvl2pPr marL="685800" indent="-228600" algn="l" defTabSz="914400" rtl="0" eaLnBrk="1" latinLnBrk="0" hangingPunct="1">
+              <a:lnSpc>
+                <a:spcPct val="90000"/>
+              </a:lnSpc>
+              <a:spcBef>
+                <a:spcPts val="500"/>
+              </a:spcBef>
+              <a:buFont typeface="Arial" panose="020B0604020202020204" pitchFamily="34" charset="0"/>
+              <a:buChar char="•"/>
+              <a:defRPr sz="2400" kern="1200">
+                <a:solidFill>
+                  <a:schemeClr val="tx1"/>
+                </a:solidFill>
+                <a:latin typeface="+mn-lt"/>
+                <a:ea typeface="+mn-ea"/>
+                <a:cs typeface="+mn-cs"/>
+              </a:defRPr>
+            </a:lvl2pPr>
+            <a:lvl3pPr marL="1143000" indent="-228600" algn="l" defTabSz="914400" rtl="0" eaLnBrk="1" latinLnBrk="0" hangingPunct="1">
+              <a:lnSpc>
+                <a:spcPct val="90000"/>
+              </a:lnSpc>
+              <a:spcBef>
+                <a:spcPts val="500"/>
+              </a:spcBef>
+              <a:buFont typeface="Arial" panose="020B0604020202020204" pitchFamily="34" charset="0"/>
+              <a:buChar char="•"/>
+              <a:defRPr sz="2000" kern="1200">
+                <a:solidFill>
+                  <a:schemeClr val="tx1"/>
+                </a:solidFill>
+                <a:latin typeface="+mn-lt"/>
+                <a:ea typeface="+mn-ea"/>
+                <a:cs typeface="+mn-cs"/>
+              </a:defRPr>
+            </a:lvl3pPr>
+            <a:lvl4pPr marL="1600200" indent="-228600" algn="l" defTabSz="914400" rtl="0" eaLnBrk="1" latinLnBrk="0" hangingPunct="1">
+              <a:lnSpc>
+                <a:spcPct val="90000"/>
+              </a:lnSpc>
+              <a:spcBef>
+                <a:spcPts val="500"/>
+              </a:spcBef>
+              <a:buFont typeface="Arial" panose="020B0604020202020204" pitchFamily="34" charset="0"/>
+              <a:buChar char="•"/>
+              <a:defRPr sz="1800" kern="1200">
+                <a:solidFill>
+                  <a:schemeClr val="tx1"/>
+                </a:solidFill>
+                <a:latin typeface="+mn-lt"/>
+                <a:ea typeface="+mn-ea"/>
+                <a:cs typeface="+mn-cs"/>
+              </a:defRPr>
+            </a:lvl4pPr>
+            <a:lvl5pPr marL="2057400" indent="-228600" algn="l" defTabSz="914400" rtl="0" eaLnBrk="1" latinLnBrk="0" hangingPunct="1">
+              <a:lnSpc>
+                <a:spcPct val="90000"/>
+              </a:lnSpc>
+              <a:spcBef>
+                <a:spcPts val="500"/>
+              </a:spcBef>
+              <a:buFont typeface="Arial" panose="020B0604020202020204" pitchFamily="34" charset="0"/>
+              <a:buChar char="•"/>
+              <a:defRPr sz="1800" kern="1200">
+                <a:solidFill>
+                  <a:schemeClr val="tx1"/>
+                </a:solidFill>
+                <a:latin typeface="+mn-lt"/>
+                <a:ea typeface="+mn-ea"/>
+                <a:cs typeface="+mn-cs"/>
+              </a:defRPr>
+            </a:lvl5pPr>
+            <a:lvl6pPr marL="2514600" indent="-228600" algn="l" defTabSz="914400" rtl="0" eaLnBrk="1" latinLnBrk="0" hangingPunct="1">
+              <a:lnSpc>
+                <a:spcPct val="90000"/>
+              </a:lnSpc>
+              <a:spcBef>
+                <a:spcPts val="500"/>
+              </a:spcBef>
+              <a:buFont typeface="Arial" panose="020B0604020202020204" pitchFamily="34" charset="0"/>
+              <a:buChar char="•"/>
+              <a:defRPr sz="1800" kern="1200">
+                <a:solidFill>
+                  <a:schemeClr val="tx1"/>
+                </a:solidFill>
+                <a:latin typeface="+mn-lt"/>
+                <a:ea typeface="+mn-ea"/>
+                <a:cs typeface="+mn-cs"/>
+              </a:defRPr>
+            </a:lvl6pPr>
+            <a:lvl7pPr marL="2971800" indent="-228600" algn="l" defTabSz="914400" rtl="0" eaLnBrk="1" latinLnBrk="0" hangingPunct="1">
+              <a:lnSpc>
+                <a:spcPct val="90000"/>
+              </a:lnSpc>
+              <a:spcBef>
+                <a:spcPts val="500"/>
+              </a:spcBef>
+              <a:buFont typeface="Arial" panose="020B0604020202020204" pitchFamily="34" charset="0"/>
+              <a:buChar char="•"/>
+              <a:defRPr sz="1800" kern="1200">
+                <a:solidFill>
+                  <a:schemeClr val="tx1"/>
+                </a:solidFill>
+                <a:latin typeface="+mn-lt"/>
+                <a:ea typeface="+mn-ea"/>
+                <a:cs typeface="+mn-cs"/>
+              </a:defRPr>
+            </a:lvl7pPr>
+            <a:lvl8pPr marL="3429000" indent="-228600" algn="l" defTabSz="914400" rtl="0" eaLnBrk="1" latinLnBrk="0" hangingPunct="1">
+              <a:lnSpc>
+                <a:spcPct val="90000"/>
+              </a:lnSpc>
+              <a:spcBef>
+                <a:spcPts val="500"/>
+              </a:spcBef>
+              <a:buFont typeface="Arial" panose="020B0604020202020204" pitchFamily="34" charset="0"/>
+              <a:buChar char="•"/>
+              <a:defRPr sz="1800" kern="1200">
+                <a:solidFill>
+                  <a:schemeClr val="tx1"/>
+                </a:solidFill>
+                <a:latin typeface="+mn-lt"/>
+                <a:ea typeface="+mn-ea"/>
+                <a:cs typeface="+mn-cs"/>
+              </a:defRPr>
+            </a:lvl8pPr>
+            <a:lvl9pPr marL="3886200" indent="-228600" algn="l" defTabSz="914400" rtl="0" eaLnBrk="1" latinLnBrk="0" hangingPunct="1">
+              <a:lnSpc>
+                <a:spcPct val="90000"/>
+              </a:lnSpc>
+              <a:spcBef>
+                <a:spcPts val="500"/>
+              </a:spcBef>
+              <a:buFont typeface="Arial" panose="020B0604020202020204" pitchFamily="34" charset="0"/>
+              <a:buChar char="•"/>
+              <a:defRPr sz="1800" kern="1200">
+                <a:solidFill>
+                  <a:schemeClr val="tx1"/>
+                </a:solidFill>
+                <a:latin typeface="+mn-lt"/>
+                <a:ea typeface="+mn-ea"/>
+                <a:cs typeface="+mn-cs"/>
+              </a:defRPr>
+            </a:lvl9pPr>
+          </a:lstStyle>
+          <a:p>
+            <a:pPr>
+              <a:lnSpc>
+                <a:spcPct val="130000"/>
+              </a:lnSpc>
+            </a:pPr>
+            <a:r>
+              <a:rPr lang="en-US" sz="2400" dirty="0">
+                <a:latin typeface="Times New Roman" panose="02020603050405020304" pitchFamily="18" charset="0"/>
+                <a:cs typeface="Times New Roman" panose="02020603050405020304" pitchFamily="18" charset="0"/>
+              </a:rPr>
+              <a:t>Introduction</a:t>
+            </a:r>
+          </a:p>
+          <a:p>
+            <a:pPr>
+              <a:lnSpc>
+                <a:spcPct val="130000"/>
+              </a:lnSpc>
+            </a:pPr>
+            <a:r>
+              <a:rPr lang="en-US" sz="2400" dirty="0">
+                <a:latin typeface="Times New Roman" panose="02020603050405020304" pitchFamily="18" charset="0"/>
+                <a:cs typeface="Times New Roman" panose="02020603050405020304" pitchFamily="18" charset="0"/>
+              </a:rPr>
+              <a:t>Preliminaries</a:t>
+            </a:r>
+          </a:p>
+          <a:p>
+            <a:pPr>
+              <a:lnSpc>
+                <a:spcPct val="130000"/>
+              </a:lnSpc>
+            </a:pPr>
+            <a:r>
+              <a:rPr lang="en-US" sz="2400" dirty="0">
+                <a:latin typeface="Times New Roman" panose="02020603050405020304" pitchFamily="18" charset="0"/>
+                <a:cs typeface="Times New Roman" panose="02020603050405020304" pitchFamily="18" charset="0"/>
+              </a:rPr>
+              <a:t>MOGA-</a:t>
+            </a:r>
+            <a:r>
+              <a:rPr lang="en-US" sz="2400" dirty="0" err="1">
+                <a:latin typeface="Times New Roman" panose="02020603050405020304" pitchFamily="18" charset="0"/>
+                <a:cs typeface="Times New Roman" panose="02020603050405020304" pitchFamily="18" charset="0"/>
+              </a:rPr>
+              <a:t>CmpCNN</a:t>
+            </a:r>
+            <a:r>
+              <a:rPr lang="en-US" sz="2400" dirty="0">
+                <a:latin typeface="Times New Roman" panose="02020603050405020304" pitchFamily="18" charset="0"/>
+                <a:cs typeface="Times New Roman" panose="02020603050405020304" pitchFamily="18" charset="0"/>
+              </a:rPr>
+              <a:t> Framework</a:t>
+            </a:r>
+          </a:p>
+          <a:p>
+            <a:pPr>
+              <a:lnSpc>
+                <a:spcPct val="130000"/>
+              </a:lnSpc>
+            </a:pPr>
+            <a:r>
+              <a:rPr lang="en-US" sz="2400" dirty="0">
+                <a:latin typeface="Times New Roman" panose="02020603050405020304" pitchFamily="18" charset="0"/>
+                <a:cs typeface="Times New Roman" panose="02020603050405020304" pitchFamily="18" charset="0"/>
+              </a:rPr>
+              <a:t>Experimental Result</a:t>
+            </a:r>
+          </a:p>
+        </p:txBody>
+      </p:sp>
+    </p:spTree>
+    <p:extLst>
+      <p:ext uri="{BB962C8B-B14F-4D97-AF65-F5344CB8AC3E}">
+        <p14:creationId xmlns:p14="http://schemas.microsoft.com/office/powerpoint/2010/main" val="1597209759"/>
+      </p:ext>
+    </p:extLst>
+  </p:cSld>
+  <p:clrMapOvr>
+    <a:masterClrMapping/>
+  </p:clrMapOvr>
+</p:sld>
+</file>
+
+<file path=ppt/slides/slide20.xml><?xml version="1.0" encoding="utf-8"?>
 <p:sld xmlns:a="http://schemas.openxmlformats.org/drawingml/2006/main" xmlns:r="http://schemas.openxmlformats.org/officeDocument/2006/relationships" xmlns:p="http://schemas.openxmlformats.org/presentationml/2006/main">
   <p:cSld>
     <p:spTree>
@@ -11010,7 +12569,7 @@
           <a:p>
             <a:fld id="{666274A1-CF9C-426A-8DD4-B13ED0C24231}" type="slidenum">
               <a:rPr lang="en-US" smtClean="0"/>
-              <a:t>16</a:t>
+              <a:t>19</a:t>
             </a:fld>
             <a:endParaRPr lang="en-US" dirty="0"/>
           </a:p>
@@ -11641,7 +13200,7 @@
 </p:sld>
 </file>
 
-<file path=ppt/slides/slide18.xml><?xml version="1.0" encoding="utf-8"?>
+<file path=ppt/slides/slide21.xml><?xml version="1.0" encoding="utf-8"?>
 <p:sld xmlns:a="http://schemas.openxmlformats.org/drawingml/2006/main" xmlns:r="http://schemas.openxmlformats.org/officeDocument/2006/relationships" xmlns:p="http://schemas.openxmlformats.org/presentationml/2006/main">
   <p:cSld>
     <p:spTree>
@@ -11660,10 +13219,10 @@
       </p:grpSpPr>
       <p:sp>
         <p:nvSpPr>
-          <p:cNvPr id="2" name="標題 1">
+          <p:cNvPr id="2" name="Title 1">
             <a:extLst>
               <a:ext uri="{FF2B5EF4-FFF2-40B4-BE49-F238E27FC236}">
-                <a16:creationId xmlns:a16="http://schemas.microsoft.com/office/drawing/2014/main" id="{F49B282A-FF7E-D28E-E7C9-7C9011B3A142}"/>
+                <a16:creationId xmlns:a16="http://schemas.microsoft.com/office/drawing/2014/main" id="{034B2B09-3A89-725A-85C2-749F88A4474D}"/>
               </a:ext>
             </a:extLst>
           </p:cNvPr>
@@ -11676,52 +13235,29 @@
         </p:nvSpPr>
         <p:spPr/>
         <p:txBody>
-          <a:bodyPr>
-            <a:normAutofit/>
-          </a:bodyPr>
+          <a:bodyPr/>
           <a:lstStyle/>
           <a:p>
             <a:r>
-              <a:rPr lang="en-US" altLang="zh-TW" sz="4000" dirty="0">
-                <a:latin typeface="Times" panose="02020603050405020304" pitchFamily="18" charset="0"/>
-                <a:cs typeface="Times" panose="02020603050405020304" pitchFamily="18" charset="0"/>
-              </a:rPr>
-              <a:t>MOGA-</a:t>
-            </a:r>
-            <a:r>
-              <a:rPr lang="en-US" altLang="zh-TW" sz="4000" dirty="0" err="1">
-                <a:latin typeface="Times" panose="02020603050405020304" pitchFamily="18" charset="0"/>
-                <a:cs typeface="Times" panose="02020603050405020304" pitchFamily="18" charset="0"/>
-              </a:rPr>
-              <a:t>CmpCNN</a:t>
-            </a:r>
-            <a:r>
-              <a:rPr lang="en-US" altLang="zh-TW" sz="4000" dirty="0">
-                <a:latin typeface="Times" panose="02020603050405020304" pitchFamily="18" charset="0"/>
-                <a:cs typeface="Times" panose="02020603050405020304" pitchFamily="18" charset="0"/>
-              </a:rPr>
-              <a:t> Framework </a:t>
-            </a:r>
-            <a:r>
-              <a:rPr lang="en-US" altLang="zh-TW" sz="2400" dirty="0">
-                <a:latin typeface="Times" panose="02020603050405020304" pitchFamily="18" charset="0"/>
-                <a:cs typeface="Times" panose="02020603050405020304" pitchFamily="18" charset="0"/>
-              </a:rPr>
-              <a:t>[16]</a:t>
-            </a:r>
-            <a:endParaRPr lang="zh-TW" altLang="en-US" sz="4000" dirty="0">
-              <a:latin typeface="Times" panose="02020603050405020304" pitchFamily="18" charset="0"/>
-              <a:cs typeface="Times" panose="02020603050405020304" pitchFamily="18" charset="0"/>
+              <a:rPr lang="en-US" sz="4000" dirty="0">
+                <a:latin typeface="Times New Roman" panose="02020603050405020304" pitchFamily="18" charset="0"/>
+                <a:cs typeface="Times New Roman" panose="02020603050405020304" pitchFamily="18" charset="0"/>
+              </a:rPr>
+              <a:t>Outline</a:t>
+            </a:r>
+            <a:endParaRPr lang="en-US" dirty="0">
+              <a:latin typeface="Times New Roman" panose="02020603050405020304" pitchFamily="18" charset="0"/>
+              <a:cs typeface="Times New Roman" panose="02020603050405020304" pitchFamily="18" charset="0"/>
             </a:endParaRPr>
           </a:p>
         </p:txBody>
       </p:sp>
       <p:sp>
         <p:nvSpPr>
-          <p:cNvPr id="4" name="投影片編號版面配置區 3">
+          <p:cNvPr id="4" name="Slide Number Placeholder 3">
             <a:extLst>
               <a:ext uri="{FF2B5EF4-FFF2-40B4-BE49-F238E27FC236}">
-                <a16:creationId xmlns:a16="http://schemas.microsoft.com/office/drawing/2014/main" id="{4F34BD4F-A1A7-2695-B9CD-0B31024175B2}"/>
+                <a16:creationId xmlns:a16="http://schemas.microsoft.com/office/drawing/2014/main" id="{3592E110-E718-0573-BF00-CE5E90916A66}"/>
               </a:ext>
             </a:extLst>
           </p:cNvPr>
@@ -11739,46 +13275,304 @@
           <a:p>
             <a:fld id="{666274A1-CF9C-426A-8DD4-B13ED0C24231}" type="slidenum">
               <a:rPr lang="en-US" smtClean="0"/>
-              <a:t>17</a:t>
+              <a:t>20</a:t>
             </a:fld>
-            <a:endParaRPr lang="en-US" dirty="0"/>
-          </a:p>
-        </p:txBody>
-      </p:sp>
-      <p:pic>
-        <p:nvPicPr>
-          <p:cNvPr id="6" name="圖片 5">
+            <a:endParaRPr lang="en-US"/>
+          </a:p>
+        </p:txBody>
+      </p:sp>
+      <p:sp>
+        <p:nvSpPr>
+          <p:cNvPr id="7" name="Content Placeholder 2">
             <a:extLst>
               <a:ext uri="{FF2B5EF4-FFF2-40B4-BE49-F238E27FC236}">
-                <a16:creationId xmlns:a16="http://schemas.microsoft.com/office/drawing/2014/main" id="{95EF382E-9F2C-80DE-D082-2C1390A6AD1C}"/>
+                <a16:creationId xmlns:a16="http://schemas.microsoft.com/office/drawing/2014/main" id="{85FB6EDC-A81C-417F-C3B2-4378D3D43B94}"/>
               </a:ext>
             </a:extLst>
           </p:cNvPr>
-          <p:cNvPicPr>
-            <a:picLocks noChangeAspect="1"/>
-          </p:cNvPicPr>
+          <p:cNvSpPr txBox="1">
+            <a:spLocks/>
+          </p:cNvSpPr>
           <p:nvPr/>
-        </p:nvPicPr>
-        <p:blipFill>
-          <a:blip r:embed="rId3"/>
-          <a:stretch>
-            <a:fillRect/>
-          </a:stretch>
-        </p:blipFill>
+        </p:nvSpPr>
         <p:spPr>
           <a:xfrm>
-            <a:off x="0" y="1879408"/>
-            <a:ext cx="12192000" cy="4288221"/>
+            <a:off x="1028700" y="1690688"/>
+            <a:ext cx="10515600" cy="4351338"/>
           </a:xfrm>
           <a:prstGeom prst="rect">
             <a:avLst/>
           </a:prstGeom>
         </p:spPr>
-      </p:pic>
+        <p:txBody>
+          <a:bodyPr vert="horz" lIns="91440" tIns="45720" rIns="91440" bIns="45720" rtlCol="0">
+            <a:normAutofit/>
+          </a:bodyPr>
+          <a:lstStyle>
+            <a:lvl1pPr marL="228600" indent="-228600" algn="l" defTabSz="914400" rtl="0" eaLnBrk="1" latinLnBrk="0" hangingPunct="1">
+              <a:lnSpc>
+                <a:spcPct val="90000"/>
+              </a:lnSpc>
+              <a:spcBef>
+                <a:spcPts val="1000"/>
+              </a:spcBef>
+              <a:buFont typeface="Arial" panose="020B0604020202020204" pitchFamily="34" charset="0"/>
+              <a:buChar char="•"/>
+              <a:defRPr sz="2800" kern="1200">
+                <a:solidFill>
+                  <a:schemeClr val="tx1"/>
+                </a:solidFill>
+                <a:latin typeface="+mn-lt"/>
+                <a:ea typeface="+mn-ea"/>
+                <a:cs typeface="+mn-cs"/>
+              </a:defRPr>
+            </a:lvl1pPr>
+            <a:lvl2pPr marL="685800" indent="-228600" algn="l" defTabSz="914400" rtl="0" eaLnBrk="1" latinLnBrk="0" hangingPunct="1">
+              <a:lnSpc>
+                <a:spcPct val="90000"/>
+              </a:lnSpc>
+              <a:spcBef>
+                <a:spcPts val="500"/>
+              </a:spcBef>
+              <a:buFont typeface="Arial" panose="020B0604020202020204" pitchFamily="34" charset="0"/>
+              <a:buChar char="•"/>
+              <a:defRPr sz="2400" kern="1200">
+                <a:solidFill>
+                  <a:schemeClr val="tx1"/>
+                </a:solidFill>
+                <a:latin typeface="+mn-lt"/>
+                <a:ea typeface="+mn-ea"/>
+                <a:cs typeface="+mn-cs"/>
+              </a:defRPr>
+            </a:lvl2pPr>
+            <a:lvl3pPr marL="1143000" indent="-228600" algn="l" defTabSz="914400" rtl="0" eaLnBrk="1" latinLnBrk="0" hangingPunct="1">
+              <a:lnSpc>
+                <a:spcPct val="90000"/>
+              </a:lnSpc>
+              <a:spcBef>
+                <a:spcPts val="500"/>
+              </a:spcBef>
+              <a:buFont typeface="Arial" panose="020B0604020202020204" pitchFamily="34" charset="0"/>
+              <a:buChar char="•"/>
+              <a:defRPr sz="2000" kern="1200">
+                <a:solidFill>
+                  <a:schemeClr val="tx1"/>
+                </a:solidFill>
+                <a:latin typeface="+mn-lt"/>
+                <a:ea typeface="+mn-ea"/>
+                <a:cs typeface="+mn-cs"/>
+              </a:defRPr>
+            </a:lvl3pPr>
+            <a:lvl4pPr marL="1600200" indent="-228600" algn="l" defTabSz="914400" rtl="0" eaLnBrk="1" latinLnBrk="0" hangingPunct="1">
+              <a:lnSpc>
+                <a:spcPct val="90000"/>
+              </a:lnSpc>
+              <a:spcBef>
+                <a:spcPts val="500"/>
+              </a:spcBef>
+              <a:buFont typeface="Arial" panose="020B0604020202020204" pitchFamily="34" charset="0"/>
+              <a:buChar char="•"/>
+              <a:defRPr sz="1800" kern="1200">
+                <a:solidFill>
+                  <a:schemeClr val="tx1"/>
+                </a:solidFill>
+                <a:latin typeface="+mn-lt"/>
+                <a:ea typeface="+mn-ea"/>
+                <a:cs typeface="+mn-cs"/>
+              </a:defRPr>
+            </a:lvl4pPr>
+            <a:lvl5pPr marL="2057400" indent="-228600" algn="l" defTabSz="914400" rtl="0" eaLnBrk="1" latinLnBrk="0" hangingPunct="1">
+              <a:lnSpc>
+                <a:spcPct val="90000"/>
+              </a:lnSpc>
+              <a:spcBef>
+                <a:spcPts val="500"/>
+              </a:spcBef>
+              <a:buFont typeface="Arial" panose="020B0604020202020204" pitchFamily="34" charset="0"/>
+              <a:buChar char="•"/>
+              <a:defRPr sz="1800" kern="1200">
+                <a:solidFill>
+                  <a:schemeClr val="tx1"/>
+                </a:solidFill>
+                <a:latin typeface="+mn-lt"/>
+                <a:ea typeface="+mn-ea"/>
+                <a:cs typeface="+mn-cs"/>
+              </a:defRPr>
+            </a:lvl5pPr>
+            <a:lvl6pPr marL="2514600" indent="-228600" algn="l" defTabSz="914400" rtl="0" eaLnBrk="1" latinLnBrk="0" hangingPunct="1">
+              <a:lnSpc>
+                <a:spcPct val="90000"/>
+              </a:lnSpc>
+              <a:spcBef>
+                <a:spcPts val="500"/>
+              </a:spcBef>
+              <a:buFont typeface="Arial" panose="020B0604020202020204" pitchFamily="34" charset="0"/>
+              <a:buChar char="•"/>
+              <a:defRPr sz="1800" kern="1200">
+                <a:solidFill>
+                  <a:schemeClr val="tx1"/>
+                </a:solidFill>
+                <a:latin typeface="+mn-lt"/>
+                <a:ea typeface="+mn-ea"/>
+                <a:cs typeface="+mn-cs"/>
+              </a:defRPr>
+            </a:lvl6pPr>
+            <a:lvl7pPr marL="2971800" indent="-228600" algn="l" defTabSz="914400" rtl="0" eaLnBrk="1" latinLnBrk="0" hangingPunct="1">
+              <a:lnSpc>
+                <a:spcPct val="90000"/>
+              </a:lnSpc>
+              <a:spcBef>
+                <a:spcPts val="500"/>
+              </a:spcBef>
+              <a:buFont typeface="Arial" panose="020B0604020202020204" pitchFamily="34" charset="0"/>
+              <a:buChar char="•"/>
+              <a:defRPr sz="1800" kern="1200">
+                <a:solidFill>
+                  <a:schemeClr val="tx1"/>
+                </a:solidFill>
+                <a:latin typeface="+mn-lt"/>
+                <a:ea typeface="+mn-ea"/>
+                <a:cs typeface="+mn-cs"/>
+              </a:defRPr>
+            </a:lvl7pPr>
+            <a:lvl8pPr marL="3429000" indent="-228600" algn="l" defTabSz="914400" rtl="0" eaLnBrk="1" latinLnBrk="0" hangingPunct="1">
+              <a:lnSpc>
+                <a:spcPct val="90000"/>
+              </a:lnSpc>
+              <a:spcBef>
+                <a:spcPts val="500"/>
+              </a:spcBef>
+              <a:buFont typeface="Arial" panose="020B0604020202020204" pitchFamily="34" charset="0"/>
+              <a:buChar char="•"/>
+              <a:defRPr sz="1800" kern="1200">
+                <a:solidFill>
+                  <a:schemeClr val="tx1"/>
+                </a:solidFill>
+                <a:latin typeface="+mn-lt"/>
+                <a:ea typeface="+mn-ea"/>
+                <a:cs typeface="+mn-cs"/>
+              </a:defRPr>
+            </a:lvl8pPr>
+            <a:lvl9pPr marL="3886200" indent="-228600" algn="l" defTabSz="914400" rtl="0" eaLnBrk="1" latinLnBrk="0" hangingPunct="1">
+              <a:lnSpc>
+                <a:spcPct val="90000"/>
+              </a:lnSpc>
+              <a:spcBef>
+                <a:spcPts val="500"/>
+              </a:spcBef>
+              <a:buFont typeface="Arial" panose="020B0604020202020204" pitchFamily="34" charset="0"/>
+              <a:buChar char="•"/>
+              <a:defRPr sz="1800" kern="1200">
+                <a:solidFill>
+                  <a:schemeClr val="tx1"/>
+                </a:solidFill>
+                <a:latin typeface="+mn-lt"/>
+                <a:ea typeface="+mn-ea"/>
+                <a:cs typeface="+mn-cs"/>
+              </a:defRPr>
+            </a:lvl9pPr>
+          </a:lstStyle>
+          <a:p>
+            <a:pPr>
+              <a:lnSpc>
+                <a:spcPct val="130000"/>
+              </a:lnSpc>
+            </a:pPr>
+            <a:r>
+              <a:rPr lang="en-US" sz="2400" dirty="0">
+                <a:solidFill>
+                  <a:schemeClr val="bg1">
+                    <a:lumMod val="50000"/>
+                  </a:schemeClr>
+                </a:solidFill>
+                <a:latin typeface="Times New Roman" panose="02020603050405020304" pitchFamily="18" charset="0"/>
+                <a:cs typeface="Times New Roman" panose="02020603050405020304" pitchFamily="18" charset="0"/>
+              </a:rPr>
+              <a:t>Introduction</a:t>
+            </a:r>
+          </a:p>
+          <a:p>
+            <a:pPr>
+              <a:lnSpc>
+                <a:spcPct val="130000"/>
+              </a:lnSpc>
+            </a:pPr>
+            <a:r>
+              <a:rPr lang="en-US" sz="2400" dirty="0">
+                <a:solidFill>
+                  <a:schemeClr val="bg1">
+                    <a:lumMod val="50000"/>
+                  </a:schemeClr>
+                </a:solidFill>
+                <a:latin typeface="Times New Roman" panose="02020603050405020304" pitchFamily="18" charset="0"/>
+                <a:cs typeface="Times New Roman" panose="02020603050405020304" pitchFamily="18" charset="0"/>
+              </a:rPr>
+              <a:t>Preliminaries</a:t>
+            </a:r>
+          </a:p>
+          <a:p>
+            <a:pPr>
+              <a:lnSpc>
+                <a:spcPct val="130000"/>
+              </a:lnSpc>
+            </a:pPr>
+            <a:r>
+              <a:rPr lang="en-US" sz="2400" dirty="0">
+                <a:solidFill>
+                  <a:schemeClr val="bg1">
+                    <a:lumMod val="50000"/>
+                  </a:schemeClr>
+                </a:solidFill>
+                <a:latin typeface="Times New Roman" panose="02020603050405020304" pitchFamily="18" charset="0"/>
+                <a:cs typeface="Times New Roman" panose="02020603050405020304" pitchFamily="18" charset="0"/>
+              </a:rPr>
+              <a:t>MOGA-</a:t>
+            </a:r>
+            <a:r>
+              <a:rPr lang="en-US" sz="2400" dirty="0" err="1">
+                <a:solidFill>
+                  <a:schemeClr val="bg1">
+                    <a:lumMod val="50000"/>
+                  </a:schemeClr>
+                </a:solidFill>
+                <a:latin typeface="Times New Roman" panose="02020603050405020304" pitchFamily="18" charset="0"/>
+                <a:cs typeface="Times New Roman" panose="02020603050405020304" pitchFamily="18" charset="0"/>
+              </a:rPr>
+              <a:t>CmpCNN</a:t>
+            </a:r>
+            <a:r>
+              <a:rPr lang="en-US" sz="2400" dirty="0">
+                <a:solidFill>
+                  <a:schemeClr val="bg1">
+                    <a:lumMod val="50000"/>
+                  </a:schemeClr>
+                </a:solidFill>
+                <a:latin typeface="Times New Roman" panose="02020603050405020304" pitchFamily="18" charset="0"/>
+                <a:cs typeface="Times New Roman" panose="02020603050405020304" pitchFamily="18" charset="0"/>
+              </a:rPr>
+              <a:t> Framework</a:t>
+            </a:r>
+          </a:p>
+          <a:p>
+            <a:pPr>
+              <a:lnSpc>
+                <a:spcPct val="130000"/>
+              </a:lnSpc>
+            </a:pPr>
+            <a:r>
+              <a:rPr lang="en-US" sz="2400" dirty="0">
+                <a:latin typeface="Times New Roman" panose="02020603050405020304" pitchFamily="18" charset="0"/>
+                <a:cs typeface="Times New Roman" panose="02020603050405020304" pitchFamily="18" charset="0"/>
+              </a:rPr>
+              <a:t>Experimental Result</a:t>
+            </a:r>
+          </a:p>
+        </p:txBody>
+      </p:sp>
     </p:spTree>
     <p:extLst>
       <p:ext uri="{BB962C8B-B14F-4D97-AF65-F5344CB8AC3E}">
-        <p14:creationId xmlns:p14="http://schemas.microsoft.com/office/powerpoint/2010/main" val="3953459414"/>
+        <p14:creationId xmlns:p14="http://schemas.microsoft.com/office/powerpoint/2010/main" val="38722214"/>
       </p:ext>
     </p:extLst>
   </p:cSld>
@@ -11788,7 +13582,7 @@
 </p:sld>
 </file>
 
-<file path=ppt/slides/slide19.xml><?xml version="1.0" encoding="utf-8"?>
+<file path=ppt/slides/slide22.xml><?xml version="1.0" encoding="utf-8"?>
 <p:sld xmlns:a="http://schemas.openxmlformats.org/drawingml/2006/main" xmlns:r="http://schemas.openxmlformats.org/officeDocument/2006/relationships" xmlns:p="http://schemas.openxmlformats.org/presentationml/2006/main">
   <p:cSld>
     <p:spTree>
@@ -12124,7 +13918,7 @@
           <a:p>
             <a:fld id="{666274A1-CF9C-426A-8DD4-B13ED0C24231}" type="slidenum">
               <a:rPr lang="en-US" smtClean="0"/>
-              <a:t>18</a:t>
+              <a:t>21</a:t>
             </a:fld>
             <a:endParaRPr lang="en-US"/>
           </a:p>
@@ -12173,406 +13967,7 @@
 </p:sld>
 </file>
 
-<file path=ppt/slides/slide2.xml><?xml version="1.0" encoding="utf-8"?>
-<p:sld xmlns:a="http://schemas.openxmlformats.org/drawingml/2006/main" xmlns:r="http://schemas.openxmlformats.org/officeDocument/2006/relationships" xmlns:p="http://schemas.openxmlformats.org/presentationml/2006/main">
-  <p:cSld>
-    <p:spTree>
-      <p:nvGrpSpPr>
-        <p:cNvPr id="1" name=""/>
-        <p:cNvGrpSpPr/>
-        <p:nvPr/>
-      </p:nvGrpSpPr>
-      <p:grpSpPr>
-        <a:xfrm>
-          <a:off x="0" y="0"/>
-          <a:ext cx="0" cy="0"/>
-          <a:chOff x="0" y="0"/>
-          <a:chExt cx="0" cy="0"/>
-        </a:xfrm>
-      </p:grpSpPr>
-      <p:sp>
-        <p:nvSpPr>
-          <p:cNvPr id="2" name="Title 1">
-            <a:extLst>
-              <a:ext uri="{FF2B5EF4-FFF2-40B4-BE49-F238E27FC236}">
-                <a16:creationId xmlns:a16="http://schemas.microsoft.com/office/drawing/2014/main" id="{034B2B09-3A89-725A-85C2-749F88A4474D}"/>
-              </a:ext>
-            </a:extLst>
-          </p:cNvPr>
-          <p:cNvSpPr>
-            <a:spLocks noGrp="1"/>
-          </p:cNvSpPr>
-          <p:nvPr>
-            <p:ph type="title"/>
-          </p:nvPr>
-        </p:nvSpPr>
-        <p:spPr/>
-        <p:txBody>
-          <a:bodyPr/>
-          <a:lstStyle/>
-          <a:p>
-            <a:r>
-              <a:rPr lang="en-US" sz="4000" dirty="0">
-                <a:latin typeface="Times New Roman" panose="02020603050405020304" pitchFamily="18" charset="0"/>
-                <a:cs typeface="Times New Roman" panose="02020603050405020304" pitchFamily="18" charset="0"/>
-              </a:rPr>
-              <a:t>Outline</a:t>
-            </a:r>
-            <a:endParaRPr lang="en-US" dirty="0">
-              <a:latin typeface="Times New Roman" panose="02020603050405020304" pitchFamily="18" charset="0"/>
-              <a:cs typeface="Times New Roman" panose="02020603050405020304" pitchFamily="18" charset="0"/>
-            </a:endParaRPr>
-          </a:p>
-        </p:txBody>
-      </p:sp>
-      <p:sp>
-        <p:nvSpPr>
-          <p:cNvPr id="4" name="Slide Number Placeholder 3">
-            <a:extLst>
-              <a:ext uri="{FF2B5EF4-FFF2-40B4-BE49-F238E27FC236}">
-                <a16:creationId xmlns:a16="http://schemas.microsoft.com/office/drawing/2014/main" id="{3592E110-E718-0573-BF00-CE5E90916A66}"/>
-              </a:ext>
-            </a:extLst>
-          </p:cNvPr>
-          <p:cNvSpPr>
-            <a:spLocks noGrp="1"/>
-          </p:cNvSpPr>
-          <p:nvPr>
-            <p:ph type="sldNum" sz="quarter" idx="12"/>
-          </p:nvPr>
-        </p:nvSpPr>
-        <p:spPr/>
-        <p:txBody>
-          <a:bodyPr/>
-          <a:lstStyle/>
-          <a:p>
-            <a:fld id="{666274A1-CF9C-426A-8DD4-B13ED0C24231}" type="slidenum">
-              <a:rPr lang="en-US" smtClean="0"/>
-              <a:t>1</a:t>
-            </a:fld>
-            <a:endParaRPr lang="en-US"/>
-          </a:p>
-        </p:txBody>
-      </p:sp>
-      <p:sp>
-        <p:nvSpPr>
-          <p:cNvPr id="7" name="Content Placeholder 2">
-            <a:extLst>
-              <a:ext uri="{FF2B5EF4-FFF2-40B4-BE49-F238E27FC236}">
-                <a16:creationId xmlns:a16="http://schemas.microsoft.com/office/drawing/2014/main" id="{85FB6EDC-A81C-417F-C3B2-4378D3D43B94}"/>
-              </a:ext>
-            </a:extLst>
-          </p:cNvPr>
-          <p:cNvSpPr txBox="1">
-            <a:spLocks/>
-          </p:cNvSpPr>
-          <p:nvPr/>
-        </p:nvSpPr>
-        <p:spPr>
-          <a:xfrm>
-            <a:off x="1028700" y="1690688"/>
-            <a:ext cx="10515600" cy="4351338"/>
-          </a:xfrm>
-          <a:prstGeom prst="rect">
-            <a:avLst/>
-          </a:prstGeom>
-        </p:spPr>
-        <p:txBody>
-          <a:bodyPr vert="horz" lIns="91440" tIns="45720" rIns="91440" bIns="45720" rtlCol="0">
-            <a:normAutofit/>
-          </a:bodyPr>
-          <a:lstStyle>
-            <a:lvl1pPr marL="228600" indent="-228600" algn="l" defTabSz="914400" rtl="0" eaLnBrk="1" latinLnBrk="0" hangingPunct="1">
-              <a:lnSpc>
-                <a:spcPct val="90000"/>
-              </a:lnSpc>
-              <a:spcBef>
-                <a:spcPts val="1000"/>
-              </a:spcBef>
-              <a:buFont typeface="Arial" panose="020B0604020202020204" pitchFamily="34" charset="0"/>
-              <a:buChar char="•"/>
-              <a:defRPr sz="2800" kern="1200">
-                <a:solidFill>
-                  <a:schemeClr val="tx1"/>
-                </a:solidFill>
-                <a:latin typeface="+mn-lt"/>
-                <a:ea typeface="+mn-ea"/>
-                <a:cs typeface="+mn-cs"/>
-              </a:defRPr>
-            </a:lvl1pPr>
-            <a:lvl2pPr marL="685800" indent="-228600" algn="l" defTabSz="914400" rtl="0" eaLnBrk="1" latinLnBrk="0" hangingPunct="1">
-              <a:lnSpc>
-                <a:spcPct val="90000"/>
-              </a:lnSpc>
-              <a:spcBef>
-                <a:spcPts val="500"/>
-              </a:spcBef>
-              <a:buFont typeface="Arial" panose="020B0604020202020204" pitchFamily="34" charset="0"/>
-              <a:buChar char="•"/>
-              <a:defRPr sz="2400" kern="1200">
-                <a:solidFill>
-                  <a:schemeClr val="tx1"/>
-                </a:solidFill>
-                <a:latin typeface="+mn-lt"/>
-                <a:ea typeface="+mn-ea"/>
-                <a:cs typeface="+mn-cs"/>
-              </a:defRPr>
-            </a:lvl2pPr>
-            <a:lvl3pPr marL="1143000" indent="-228600" algn="l" defTabSz="914400" rtl="0" eaLnBrk="1" latinLnBrk="0" hangingPunct="1">
-              <a:lnSpc>
-                <a:spcPct val="90000"/>
-              </a:lnSpc>
-              <a:spcBef>
-                <a:spcPts val="500"/>
-              </a:spcBef>
-              <a:buFont typeface="Arial" panose="020B0604020202020204" pitchFamily="34" charset="0"/>
-              <a:buChar char="•"/>
-              <a:defRPr sz="2000" kern="1200">
-                <a:solidFill>
-                  <a:schemeClr val="tx1"/>
-                </a:solidFill>
-                <a:latin typeface="+mn-lt"/>
-                <a:ea typeface="+mn-ea"/>
-                <a:cs typeface="+mn-cs"/>
-              </a:defRPr>
-            </a:lvl3pPr>
-            <a:lvl4pPr marL="1600200" indent="-228600" algn="l" defTabSz="914400" rtl="0" eaLnBrk="1" latinLnBrk="0" hangingPunct="1">
-              <a:lnSpc>
-                <a:spcPct val="90000"/>
-              </a:lnSpc>
-              <a:spcBef>
-                <a:spcPts val="500"/>
-              </a:spcBef>
-              <a:buFont typeface="Arial" panose="020B0604020202020204" pitchFamily="34" charset="0"/>
-              <a:buChar char="•"/>
-              <a:defRPr sz="1800" kern="1200">
-                <a:solidFill>
-                  <a:schemeClr val="tx1"/>
-                </a:solidFill>
-                <a:latin typeface="+mn-lt"/>
-                <a:ea typeface="+mn-ea"/>
-                <a:cs typeface="+mn-cs"/>
-              </a:defRPr>
-            </a:lvl4pPr>
-            <a:lvl5pPr marL="2057400" indent="-228600" algn="l" defTabSz="914400" rtl="0" eaLnBrk="1" latinLnBrk="0" hangingPunct="1">
-              <a:lnSpc>
-                <a:spcPct val="90000"/>
-              </a:lnSpc>
-              <a:spcBef>
-                <a:spcPts val="500"/>
-              </a:spcBef>
-              <a:buFont typeface="Arial" panose="020B0604020202020204" pitchFamily="34" charset="0"/>
-              <a:buChar char="•"/>
-              <a:defRPr sz="1800" kern="1200">
-                <a:solidFill>
-                  <a:schemeClr val="tx1"/>
-                </a:solidFill>
-                <a:latin typeface="+mn-lt"/>
-                <a:ea typeface="+mn-ea"/>
-                <a:cs typeface="+mn-cs"/>
-              </a:defRPr>
-            </a:lvl5pPr>
-            <a:lvl6pPr marL="2514600" indent="-228600" algn="l" defTabSz="914400" rtl="0" eaLnBrk="1" latinLnBrk="0" hangingPunct="1">
-              <a:lnSpc>
-                <a:spcPct val="90000"/>
-              </a:lnSpc>
-              <a:spcBef>
-                <a:spcPts val="500"/>
-              </a:spcBef>
-              <a:buFont typeface="Arial" panose="020B0604020202020204" pitchFamily="34" charset="0"/>
-              <a:buChar char="•"/>
-              <a:defRPr sz="1800" kern="1200">
-                <a:solidFill>
-                  <a:schemeClr val="tx1"/>
-                </a:solidFill>
-                <a:latin typeface="+mn-lt"/>
-                <a:ea typeface="+mn-ea"/>
-                <a:cs typeface="+mn-cs"/>
-              </a:defRPr>
-            </a:lvl6pPr>
-            <a:lvl7pPr marL="2971800" indent="-228600" algn="l" defTabSz="914400" rtl="0" eaLnBrk="1" latinLnBrk="0" hangingPunct="1">
-              <a:lnSpc>
-                <a:spcPct val="90000"/>
-              </a:lnSpc>
-              <a:spcBef>
-                <a:spcPts val="500"/>
-              </a:spcBef>
-              <a:buFont typeface="Arial" panose="020B0604020202020204" pitchFamily="34" charset="0"/>
-              <a:buChar char="•"/>
-              <a:defRPr sz="1800" kern="1200">
-                <a:solidFill>
-                  <a:schemeClr val="tx1"/>
-                </a:solidFill>
-                <a:latin typeface="+mn-lt"/>
-                <a:ea typeface="+mn-ea"/>
-                <a:cs typeface="+mn-cs"/>
-              </a:defRPr>
-            </a:lvl7pPr>
-            <a:lvl8pPr marL="3429000" indent="-228600" algn="l" defTabSz="914400" rtl="0" eaLnBrk="1" latinLnBrk="0" hangingPunct="1">
-              <a:lnSpc>
-                <a:spcPct val="90000"/>
-              </a:lnSpc>
-              <a:spcBef>
-                <a:spcPts val="500"/>
-              </a:spcBef>
-              <a:buFont typeface="Arial" panose="020B0604020202020204" pitchFamily="34" charset="0"/>
-              <a:buChar char="•"/>
-              <a:defRPr sz="1800" kern="1200">
-                <a:solidFill>
-                  <a:schemeClr val="tx1"/>
-                </a:solidFill>
-                <a:latin typeface="+mn-lt"/>
-                <a:ea typeface="+mn-ea"/>
-                <a:cs typeface="+mn-cs"/>
-              </a:defRPr>
-            </a:lvl8pPr>
-            <a:lvl9pPr marL="3886200" indent="-228600" algn="l" defTabSz="914400" rtl="0" eaLnBrk="1" latinLnBrk="0" hangingPunct="1">
-              <a:lnSpc>
-                <a:spcPct val="90000"/>
-              </a:lnSpc>
-              <a:spcBef>
-                <a:spcPts val="500"/>
-              </a:spcBef>
-              <a:buFont typeface="Arial" panose="020B0604020202020204" pitchFamily="34" charset="0"/>
-              <a:buChar char="•"/>
-              <a:defRPr sz="1800" kern="1200">
-                <a:solidFill>
-                  <a:schemeClr val="tx1"/>
-                </a:solidFill>
-                <a:latin typeface="+mn-lt"/>
-                <a:ea typeface="+mn-ea"/>
-                <a:cs typeface="+mn-cs"/>
-              </a:defRPr>
-            </a:lvl9pPr>
-          </a:lstStyle>
-          <a:p>
-            <a:pPr>
-              <a:lnSpc>
-                <a:spcPct val="130000"/>
-              </a:lnSpc>
-            </a:pPr>
-            <a:r>
-              <a:rPr lang="en-US" sz="2400" dirty="0">
-                <a:latin typeface="Times New Roman" panose="02020603050405020304" pitchFamily="18" charset="0"/>
-                <a:cs typeface="Times New Roman" panose="02020603050405020304" pitchFamily="18" charset="0"/>
-              </a:rPr>
-              <a:t>Introduction</a:t>
-            </a:r>
-          </a:p>
-          <a:p>
-            <a:pPr>
-              <a:lnSpc>
-                <a:spcPct val="130000"/>
-              </a:lnSpc>
-            </a:pPr>
-            <a:r>
-              <a:rPr lang="en-US" sz="2400" dirty="0">
-                <a:latin typeface="Times New Roman" panose="02020603050405020304" pitchFamily="18" charset="0"/>
-                <a:cs typeface="Times New Roman" panose="02020603050405020304" pitchFamily="18" charset="0"/>
-              </a:rPr>
-              <a:t>Preliminaries</a:t>
-            </a:r>
-          </a:p>
-          <a:p>
-            <a:pPr>
-              <a:lnSpc>
-                <a:spcPct val="130000"/>
-              </a:lnSpc>
-            </a:pPr>
-            <a:r>
-              <a:rPr lang="en-US" sz="2400" dirty="0">
-                <a:latin typeface="Times New Roman" panose="02020603050405020304" pitchFamily="18" charset="0"/>
-                <a:cs typeface="Times New Roman" panose="02020603050405020304" pitchFamily="18" charset="0"/>
-              </a:rPr>
-              <a:t>Proposed Algorithm</a:t>
-            </a:r>
-          </a:p>
-          <a:p>
-            <a:pPr lvl="1">
-              <a:lnSpc>
-                <a:spcPct val="130000"/>
-              </a:lnSpc>
-            </a:pPr>
-            <a:r>
-              <a:rPr lang="en-US" altLang="zh-TW" sz="2000" dirty="0">
-                <a:latin typeface="Times New Roman" panose="02020603050405020304" pitchFamily="18" charset="0"/>
-                <a:cs typeface="Times New Roman" panose="02020603050405020304" pitchFamily="18" charset="0"/>
-              </a:rPr>
-              <a:t>Previous methods</a:t>
-            </a:r>
-          </a:p>
-          <a:p>
-            <a:pPr lvl="1">
-              <a:lnSpc>
-                <a:spcPct val="130000"/>
-              </a:lnSpc>
-            </a:pPr>
-            <a:r>
-              <a:rPr lang="en-US" sz="2000" dirty="0">
-                <a:latin typeface="Times New Roman" panose="02020603050405020304" pitchFamily="18" charset="0"/>
-                <a:cs typeface="Times New Roman" panose="02020603050405020304" pitchFamily="18" charset="0"/>
-              </a:rPr>
-              <a:t>Barzilai-</a:t>
-            </a:r>
-            <a:r>
-              <a:rPr lang="en-US" sz="2000" dirty="0" err="1">
-                <a:latin typeface="Times New Roman" panose="02020603050405020304" pitchFamily="18" charset="0"/>
-                <a:cs typeface="Times New Roman" panose="02020603050405020304" pitchFamily="18" charset="0"/>
-              </a:rPr>
-              <a:t>Borwein</a:t>
-            </a:r>
-            <a:r>
-              <a:rPr lang="en-US" sz="2000" dirty="0">
-                <a:latin typeface="Times New Roman" panose="02020603050405020304" pitchFamily="18" charset="0"/>
-                <a:cs typeface="Times New Roman" panose="02020603050405020304" pitchFamily="18" charset="0"/>
-              </a:rPr>
-              <a:t> Method Enabled Nesterov Algorithm</a:t>
-            </a:r>
-          </a:p>
-          <a:p>
-            <a:pPr>
-              <a:lnSpc>
-                <a:spcPct val="130000"/>
-              </a:lnSpc>
-            </a:pPr>
-            <a:r>
-              <a:rPr lang="en-US" sz="2400" dirty="0">
-                <a:latin typeface="Times New Roman" panose="02020603050405020304" pitchFamily="18" charset="0"/>
-                <a:cs typeface="Times New Roman" panose="02020603050405020304" pitchFamily="18" charset="0"/>
-              </a:rPr>
-              <a:t>Macro Legalization</a:t>
-            </a:r>
-          </a:p>
-          <a:p>
-            <a:pPr>
-              <a:lnSpc>
-                <a:spcPct val="130000"/>
-              </a:lnSpc>
-            </a:pPr>
-            <a:r>
-              <a:rPr lang="en-US" sz="2400" dirty="0">
-                <a:latin typeface="Times New Roman" panose="02020603050405020304" pitchFamily="18" charset="0"/>
-                <a:cs typeface="Times New Roman" panose="02020603050405020304" pitchFamily="18" charset="0"/>
-              </a:rPr>
-              <a:t>Experimental Result</a:t>
-            </a:r>
-          </a:p>
-        </p:txBody>
-      </p:sp>
-    </p:spTree>
-    <p:extLst>
-      <p:ext uri="{BB962C8B-B14F-4D97-AF65-F5344CB8AC3E}">
-        <p14:creationId xmlns:p14="http://schemas.microsoft.com/office/powerpoint/2010/main" val="1597209759"/>
-      </p:ext>
-    </p:extLst>
-  </p:cSld>
-  <p:clrMapOvr>
-    <a:masterClrMapping/>
-  </p:clrMapOvr>
-</p:sld>
-</file>
-
-<file path=ppt/slides/slide20.xml><?xml version="1.0" encoding="utf-8"?>
+<file path=ppt/slides/slide23.xml><?xml version="1.0" encoding="utf-8"?>
 <p:sld xmlns:a="http://schemas.openxmlformats.org/drawingml/2006/main" xmlns:r="http://schemas.openxmlformats.org/officeDocument/2006/relationships" xmlns:p="http://schemas.openxmlformats.org/presentationml/2006/main">
   <p:cSld>
     <p:spTree>
@@ -13081,7 +14476,7 @@
           <a:p>
             <a:fld id="{666274A1-CF9C-426A-8DD4-B13ED0C24231}" type="slidenum">
               <a:rPr lang="en-US" smtClean="0"/>
-              <a:t>19</a:t>
+              <a:t>22</a:t>
             </a:fld>
             <a:endParaRPr lang="en-US"/>
           </a:p>
@@ -13160,7 +14555,7 @@
 </p:sld>
 </file>
 
-<file path=ppt/slides/slide21.xml><?xml version="1.0" encoding="utf-8"?>
+<file path=ppt/slides/slide24.xml><?xml version="1.0" encoding="utf-8"?>
 <p:sld xmlns:a="http://schemas.openxmlformats.org/drawingml/2006/main" xmlns:r="http://schemas.openxmlformats.org/officeDocument/2006/relationships" xmlns:p="http://schemas.openxmlformats.org/presentationml/2006/main">
   <p:cSld>
     <p:spTree>
@@ -13750,7 +15145,7 @@
           <a:p>
             <a:fld id="{666274A1-CF9C-426A-8DD4-B13ED0C24231}" type="slidenum">
               <a:rPr lang="en-US" smtClean="0"/>
-              <a:t>20</a:t>
+              <a:t>23</a:t>
             </a:fld>
             <a:endParaRPr lang="en-US"/>
           </a:p>
@@ -13799,7 +15194,7 @@
 </p:sld>
 </file>
 
-<file path=ppt/slides/slide22.xml><?xml version="1.0" encoding="utf-8"?>
+<file path=ppt/slides/slide25.xml><?xml version="1.0" encoding="utf-8"?>
 <p:sld xmlns:a="http://schemas.openxmlformats.org/drawingml/2006/main" xmlns:r="http://schemas.openxmlformats.org/officeDocument/2006/relationships" xmlns:p="http://schemas.openxmlformats.org/presentationml/2006/main">
   <p:cSld>
     <p:spTree>
@@ -14140,7 +15535,7 @@
           <a:p>
             <a:fld id="{666274A1-CF9C-426A-8DD4-B13ED0C24231}" type="slidenum">
               <a:rPr lang="en-US" smtClean="0"/>
-              <a:t>21</a:t>
+              <a:t>24</a:t>
             </a:fld>
             <a:endParaRPr lang="en-US"/>
           </a:p>
@@ -14219,7 +15614,7 @@
 </p:sld>
 </file>
 
-<file path=ppt/slides/slide23.xml><?xml version="1.0" encoding="utf-8"?>
+<file path=ppt/slides/slide26.xml><?xml version="1.0" encoding="utf-8"?>
 <p:sld xmlns:a="http://schemas.openxmlformats.org/drawingml/2006/main" xmlns:r="http://schemas.openxmlformats.org/officeDocument/2006/relationships" xmlns:p="http://schemas.openxmlformats.org/presentationml/2006/main">
   <p:cSld>
     <p:spTree>
@@ -14702,7 +16097,7 @@
           <a:p>
             <a:fld id="{666274A1-CF9C-426A-8DD4-B13ED0C24231}" type="slidenum">
               <a:rPr lang="en-US" smtClean="0"/>
-              <a:t>22</a:t>
+              <a:t>25</a:t>
             </a:fld>
             <a:endParaRPr lang="en-US"/>
           </a:p>
@@ -14751,7 +16146,7 @@
 </p:sld>
 </file>
 
-<file path=ppt/slides/slide24.xml><?xml version="1.0" encoding="utf-8"?>
+<file path=ppt/slides/slide27.xml><?xml version="1.0" encoding="utf-8"?>
 <p:sld xmlns:a="http://schemas.openxmlformats.org/drawingml/2006/main" xmlns:r="http://schemas.openxmlformats.org/officeDocument/2006/relationships" xmlns:p="http://schemas.openxmlformats.org/presentationml/2006/main">
   <p:cSld>
     <p:spTree>
@@ -15095,7 +16490,7 @@
           <a:p>
             <a:fld id="{666274A1-CF9C-426A-8DD4-B13ED0C24231}" type="slidenum">
               <a:rPr lang="en-US" smtClean="0"/>
-              <a:t>23</a:t>
+              <a:t>26</a:t>
             </a:fld>
             <a:endParaRPr lang="en-US"/>
           </a:p>
@@ -15174,7 +16569,7 @@
 </p:sld>
 </file>
 
-<file path=ppt/slides/slide25.xml><?xml version="1.0" encoding="utf-8"?>
+<file path=ppt/slides/slide28.xml><?xml version="1.0" encoding="utf-8"?>
 <p:sld xmlns:a="http://schemas.openxmlformats.org/drawingml/2006/main" xmlns:r="http://schemas.openxmlformats.org/officeDocument/2006/relationships" xmlns:p="http://schemas.openxmlformats.org/presentationml/2006/main">
   <p:cSld>
     <p:spTree>
@@ -15470,7 +16865,7 @@
           <a:p>
             <a:fld id="{666274A1-CF9C-426A-8DD4-B13ED0C24231}" type="slidenum">
               <a:rPr lang="en-US" smtClean="0"/>
-              <a:t>24</a:t>
+              <a:t>27</a:t>
             </a:fld>
             <a:endParaRPr lang="en-US"/>
           </a:p>
@@ -15519,7 +16914,7 @@
 </p:sld>
 </file>
 
-<file path=ppt/slides/slide26.xml><?xml version="1.0" encoding="utf-8"?>
+<file path=ppt/slides/slide29.xml><?xml version="1.0" encoding="utf-8"?>
 <p:sld xmlns:a="http://schemas.openxmlformats.org/drawingml/2006/main" xmlns:r="http://schemas.openxmlformats.org/officeDocument/2006/relationships" xmlns:p="http://schemas.openxmlformats.org/presentationml/2006/main">
   <p:cSld>
     <p:spTree>
@@ -15748,7 +17143,7 @@
           <a:p>
             <a:fld id="{666274A1-CF9C-426A-8DD4-B13ED0C24231}" type="slidenum">
               <a:rPr lang="en-US" smtClean="0"/>
-              <a:t>25</a:t>
+              <a:t>28</a:t>
             </a:fld>
             <a:endParaRPr lang="en-US"/>
           </a:p>
@@ -15797,7 +17192,7 @@
 </p:sld>
 </file>
 
-<file path=ppt/slides/slide27.xml><?xml version="1.0" encoding="utf-8"?>
+<file path=ppt/slides/slide3.xml><?xml version="1.0" encoding="utf-8"?>
 <p:sld xmlns:a="http://schemas.openxmlformats.org/drawingml/2006/main" xmlns:r="http://schemas.openxmlformats.org/officeDocument/2006/relationships" xmlns:p="http://schemas.openxmlformats.org/presentationml/2006/main">
   <p:cSld>
     <p:spTree>
@@ -15816,6 +17211,388 @@
       </p:grpSpPr>
       <p:sp>
         <p:nvSpPr>
+          <p:cNvPr id="2" name="Title 1">
+            <a:extLst>
+              <a:ext uri="{FF2B5EF4-FFF2-40B4-BE49-F238E27FC236}">
+                <a16:creationId xmlns:a16="http://schemas.microsoft.com/office/drawing/2014/main" id="{034B2B09-3A89-725A-85C2-749F88A4474D}"/>
+              </a:ext>
+            </a:extLst>
+          </p:cNvPr>
+          <p:cNvSpPr>
+            <a:spLocks noGrp="1"/>
+          </p:cNvSpPr>
+          <p:nvPr>
+            <p:ph type="title"/>
+          </p:nvPr>
+        </p:nvSpPr>
+        <p:spPr/>
+        <p:txBody>
+          <a:bodyPr/>
+          <a:lstStyle/>
+          <a:p>
+            <a:r>
+              <a:rPr lang="en-US" sz="4000" dirty="0">
+                <a:latin typeface="Times New Roman" panose="02020603050405020304" pitchFamily="18" charset="0"/>
+                <a:cs typeface="Times New Roman" panose="02020603050405020304" pitchFamily="18" charset="0"/>
+              </a:rPr>
+              <a:t>Outline</a:t>
+            </a:r>
+            <a:endParaRPr lang="en-US" dirty="0">
+              <a:latin typeface="Times New Roman" panose="02020603050405020304" pitchFamily="18" charset="0"/>
+              <a:cs typeface="Times New Roman" panose="02020603050405020304" pitchFamily="18" charset="0"/>
+            </a:endParaRPr>
+          </a:p>
+        </p:txBody>
+      </p:sp>
+      <p:sp>
+        <p:nvSpPr>
+          <p:cNvPr id="4" name="Slide Number Placeholder 3">
+            <a:extLst>
+              <a:ext uri="{FF2B5EF4-FFF2-40B4-BE49-F238E27FC236}">
+                <a16:creationId xmlns:a16="http://schemas.microsoft.com/office/drawing/2014/main" id="{3592E110-E718-0573-BF00-CE5E90916A66}"/>
+              </a:ext>
+            </a:extLst>
+          </p:cNvPr>
+          <p:cNvSpPr>
+            <a:spLocks noGrp="1"/>
+          </p:cNvSpPr>
+          <p:nvPr>
+            <p:ph type="sldNum" sz="quarter" idx="12"/>
+          </p:nvPr>
+        </p:nvSpPr>
+        <p:spPr/>
+        <p:txBody>
+          <a:bodyPr/>
+          <a:lstStyle/>
+          <a:p>
+            <a:fld id="{666274A1-CF9C-426A-8DD4-B13ED0C24231}" type="slidenum">
+              <a:rPr lang="en-US" smtClean="0"/>
+              <a:t>2</a:t>
+            </a:fld>
+            <a:endParaRPr lang="en-US"/>
+          </a:p>
+        </p:txBody>
+      </p:sp>
+      <p:sp>
+        <p:nvSpPr>
+          <p:cNvPr id="7" name="Content Placeholder 2">
+            <a:extLst>
+              <a:ext uri="{FF2B5EF4-FFF2-40B4-BE49-F238E27FC236}">
+                <a16:creationId xmlns:a16="http://schemas.microsoft.com/office/drawing/2014/main" id="{85FB6EDC-A81C-417F-C3B2-4378D3D43B94}"/>
+              </a:ext>
+            </a:extLst>
+          </p:cNvPr>
+          <p:cNvSpPr txBox="1">
+            <a:spLocks/>
+          </p:cNvSpPr>
+          <p:nvPr/>
+        </p:nvSpPr>
+        <p:spPr>
+          <a:xfrm>
+            <a:off x="1028700" y="1690688"/>
+            <a:ext cx="10515600" cy="4351338"/>
+          </a:xfrm>
+          <a:prstGeom prst="rect">
+            <a:avLst/>
+          </a:prstGeom>
+        </p:spPr>
+        <p:txBody>
+          <a:bodyPr vert="horz" lIns="91440" tIns="45720" rIns="91440" bIns="45720" rtlCol="0">
+            <a:normAutofit/>
+          </a:bodyPr>
+          <a:lstStyle>
+            <a:lvl1pPr marL="228600" indent="-228600" algn="l" defTabSz="914400" rtl="0" eaLnBrk="1" latinLnBrk="0" hangingPunct="1">
+              <a:lnSpc>
+                <a:spcPct val="90000"/>
+              </a:lnSpc>
+              <a:spcBef>
+                <a:spcPts val="1000"/>
+              </a:spcBef>
+              <a:buFont typeface="Arial" panose="020B0604020202020204" pitchFamily="34" charset="0"/>
+              <a:buChar char="•"/>
+              <a:defRPr sz="2800" kern="1200">
+                <a:solidFill>
+                  <a:schemeClr val="tx1"/>
+                </a:solidFill>
+                <a:latin typeface="+mn-lt"/>
+                <a:ea typeface="+mn-ea"/>
+                <a:cs typeface="+mn-cs"/>
+              </a:defRPr>
+            </a:lvl1pPr>
+            <a:lvl2pPr marL="685800" indent="-228600" algn="l" defTabSz="914400" rtl="0" eaLnBrk="1" latinLnBrk="0" hangingPunct="1">
+              <a:lnSpc>
+                <a:spcPct val="90000"/>
+              </a:lnSpc>
+              <a:spcBef>
+                <a:spcPts val="500"/>
+              </a:spcBef>
+              <a:buFont typeface="Arial" panose="020B0604020202020204" pitchFamily="34" charset="0"/>
+              <a:buChar char="•"/>
+              <a:defRPr sz="2400" kern="1200">
+                <a:solidFill>
+                  <a:schemeClr val="tx1"/>
+                </a:solidFill>
+                <a:latin typeface="+mn-lt"/>
+                <a:ea typeface="+mn-ea"/>
+                <a:cs typeface="+mn-cs"/>
+              </a:defRPr>
+            </a:lvl2pPr>
+            <a:lvl3pPr marL="1143000" indent="-228600" algn="l" defTabSz="914400" rtl="0" eaLnBrk="1" latinLnBrk="0" hangingPunct="1">
+              <a:lnSpc>
+                <a:spcPct val="90000"/>
+              </a:lnSpc>
+              <a:spcBef>
+                <a:spcPts val="500"/>
+              </a:spcBef>
+              <a:buFont typeface="Arial" panose="020B0604020202020204" pitchFamily="34" charset="0"/>
+              <a:buChar char="•"/>
+              <a:defRPr sz="2000" kern="1200">
+                <a:solidFill>
+                  <a:schemeClr val="tx1"/>
+                </a:solidFill>
+                <a:latin typeface="+mn-lt"/>
+                <a:ea typeface="+mn-ea"/>
+                <a:cs typeface="+mn-cs"/>
+              </a:defRPr>
+            </a:lvl3pPr>
+            <a:lvl4pPr marL="1600200" indent="-228600" algn="l" defTabSz="914400" rtl="0" eaLnBrk="1" latinLnBrk="0" hangingPunct="1">
+              <a:lnSpc>
+                <a:spcPct val="90000"/>
+              </a:lnSpc>
+              <a:spcBef>
+                <a:spcPts val="500"/>
+              </a:spcBef>
+              <a:buFont typeface="Arial" panose="020B0604020202020204" pitchFamily="34" charset="0"/>
+              <a:buChar char="•"/>
+              <a:defRPr sz="1800" kern="1200">
+                <a:solidFill>
+                  <a:schemeClr val="tx1"/>
+                </a:solidFill>
+                <a:latin typeface="+mn-lt"/>
+                <a:ea typeface="+mn-ea"/>
+                <a:cs typeface="+mn-cs"/>
+              </a:defRPr>
+            </a:lvl4pPr>
+            <a:lvl5pPr marL="2057400" indent="-228600" algn="l" defTabSz="914400" rtl="0" eaLnBrk="1" latinLnBrk="0" hangingPunct="1">
+              <a:lnSpc>
+                <a:spcPct val="90000"/>
+              </a:lnSpc>
+              <a:spcBef>
+                <a:spcPts val="500"/>
+              </a:spcBef>
+              <a:buFont typeface="Arial" panose="020B0604020202020204" pitchFamily="34" charset="0"/>
+              <a:buChar char="•"/>
+              <a:defRPr sz="1800" kern="1200">
+                <a:solidFill>
+                  <a:schemeClr val="tx1"/>
+                </a:solidFill>
+                <a:latin typeface="+mn-lt"/>
+                <a:ea typeface="+mn-ea"/>
+                <a:cs typeface="+mn-cs"/>
+              </a:defRPr>
+            </a:lvl5pPr>
+            <a:lvl6pPr marL="2514600" indent="-228600" algn="l" defTabSz="914400" rtl="0" eaLnBrk="1" latinLnBrk="0" hangingPunct="1">
+              <a:lnSpc>
+                <a:spcPct val="90000"/>
+              </a:lnSpc>
+              <a:spcBef>
+                <a:spcPts val="500"/>
+              </a:spcBef>
+              <a:buFont typeface="Arial" panose="020B0604020202020204" pitchFamily="34" charset="0"/>
+              <a:buChar char="•"/>
+              <a:defRPr sz="1800" kern="1200">
+                <a:solidFill>
+                  <a:schemeClr val="tx1"/>
+                </a:solidFill>
+                <a:latin typeface="+mn-lt"/>
+                <a:ea typeface="+mn-ea"/>
+                <a:cs typeface="+mn-cs"/>
+              </a:defRPr>
+            </a:lvl6pPr>
+            <a:lvl7pPr marL="2971800" indent="-228600" algn="l" defTabSz="914400" rtl="0" eaLnBrk="1" latinLnBrk="0" hangingPunct="1">
+              <a:lnSpc>
+                <a:spcPct val="90000"/>
+              </a:lnSpc>
+              <a:spcBef>
+                <a:spcPts val="500"/>
+              </a:spcBef>
+              <a:buFont typeface="Arial" panose="020B0604020202020204" pitchFamily="34" charset="0"/>
+              <a:buChar char="•"/>
+              <a:defRPr sz="1800" kern="1200">
+                <a:solidFill>
+                  <a:schemeClr val="tx1"/>
+                </a:solidFill>
+                <a:latin typeface="+mn-lt"/>
+                <a:ea typeface="+mn-ea"/>
+                <a:cs typeface="+mn-cs"/>
+              </a:defRPr>
+            </a:lvl7pPr>
+            <a:lvl8pPr marL="3429000" indent="-228600" algn="l" defTabSz="914400" rtl="0" eaLnBrk="1" latinLnBrk="0" hangingPunct="1">
+              <a:lnSpc>
+                <a:spcPct val="90000"/>
+              </a:lnSpc>
+              <a:spcBef>
+                <a:spcPts val="500"/>
+              </a:spcBef>
+              <a:buFont typeface="Arial" panose="020B0604020202020204" pitchFamily="34" charset="0"/>
+              <a:buChar char="•"/>
+              <a:defRPr sz="1800" kern="1200">
+                <a:solidFill>
+                  <a:schemeClr val="tx1"/>
+                </a:solidFill>
+                <a:latin typeface="+mn-lt"/>
+                <a:ea typeface="+mn-ea"/>
+                <a:cs typeface="+mn-cs"/>
+              </a:defRPr>
+            </a:lvl8pPr>
+            <a:lvl9pPr marL="3886200" indent="-228600" algn="l" defTabSz="914400" rtl="0" eaLnBrk="1" latinLnBrk="0" hangingPunct="1">
+              <a:lnSpc>
+                <a:spcPct val="90000"/>
+              </a:lnSpc>
+              <a:spcBef>
+                <a:spcPts val="500"/>
+              </a:spcBef>
+              <a:buFont typeface="Arial" panose="020B0604020202020204" pitchFamily="34" charset="0"/>
+              <a:buChar char="•"/>
+              <a:defRPr sz="1800" kern="1200">
+                <a:solidFill>
+                  <a:schemeClr val="tx1"/>
+                </a:solidFill>
+                <a:latin typeface="+mn-lt"/>
+                <a:ea typeface="+mn-ea"/>
+                <a:cs typeface="+mn-cs"/>
+              </a:defRPr>
+            </a:lvl9pPr>
+          </a:lstStyle>
+          <a:p>
+            <a:pPr>
+              <a:lnSpc>
+                <a:spcPct val="130000"/>
+              </a:lnSpc>
+            </a:pPr>
+            <a:r>
+              <a:rPr lang="en-US" sz="2400" dirty="0">
+                <a:latin typeface="Times New Roman" panose="02020603050405020304" pitchFamily="18" charset="0"/>
+                <a:cs typeface="Times New Roman" panose="02020603050405020304" pitchFamily="18" charset="0"/>
+              </a:rPr>
+              <a:t>Introduction</a:t>
+            </a:r>
+          </a:p>
+          <a:p>
+            <a:pPr>
+              <a:lnSpc>
+                <a:spcPct val="130000"/>
+              </a:lnSpc>
+            </a:pPr>
+            <a:r>
+              <a:rPr lang="en-US" sz="2400" dirty="0">
+                <a:solidFill>
+                  <a:schemeClr val="bg1">
+                    <a:lumMod val="50000"/>
+                  </a:schemeClr>
+                </a:solidFill>
+                <a:latin typeface="Times New Roman" panose="02020603050405020304" pitchFamily="18" charset="0"/>
+                <a:cs typeface="Times New Roman" panose="02020603050405020304" pitchFamily="18" charset="0"/>
+              </a:rPr>
+              <a:t>Preliminaries</a:t>
+            </a:r>
+          </a:p>
+          <a:p>
+            <a:pPr>
+              <a:lnSpc>
+                <a:spcPct val="130000"/>
+              </a:lnSpc>
+            </a:pPr>
+            <a:r>
+              <a:rPr lang="en-US" sz="2400" dirty="0">
+                <a:solidFill>
+                  <a:schemeClr val="bg1">
+                    <a:lumMod val="50000"/>
+                  </a:schemeClr>
+                </a:solidFill>
+                <a:latin typeface="Times New Roman" panose="02020603050405020304" pitchFamily="18" charset="0"/>
+                <a:cs typeface="Times New Roman" panose="02020603050405020304" pitchFamily="18" charset="0"/>
+              </a:rPr>
+              <a:t>MOGA-</a:t>
+            </a:r>
+            <a:r>
+              <a:rPr lang="en-US" sz="2400" dirty="0" err="1">
+                <a:solidFill>
+                  <a:schemeClr val="bg1">
+                    <a:lumMod val="50000"/>
+                  </a:schemeClr>
+                </a:solidFill>
+                <a:latin typeface="Times New Roman" panose="02020603050405020304" pitchFamily="18" charset="0"/>
+                <a:cs typeface="Times New Roman" panose="02020603050405020304" pitchFamily="18" charset="0"/>
+              </a:rPr>
+              <a:t>CmpCNN</a:t>
+            </a:r>
+            <a:r>
+              <a:rPr lang="en-US" sz="2400" dirty="0">
+                <a:solidFill>
+                  <a:schemeClr val="bg1">
+                    <a:lumMod val="50000"/>
+                  </a:schemeClr>
+                </a:solidFill>
+                <a:latin typeface="Times New Roman" panose="02020603050405020304" pitchFamily="18" charset="0"/>
+                <a:cs typeface="Times New Roman" panose="02020603050405020304" pitchFamily="18" charset="0"/>
+              </a:rPr>
+              <a:t> Framework</a:t>
+            </a:r>
+          </a:p>
+          <a:p>
+            <a:pPr>
+              <a:lnSpc>
+                <a:spcPct val="130000"/>
+              </a:lnSpc>
+            </a:pPr>
+            <a:r>
+              <a:rPr lang="en-US" sz="2400" dirty="0">
+                <a:solidFill>
+                  <a:schemeClr val="bg1">
+                    <a:lumMod val="50000"/>
+                  </a:schemeClr>
+                </a:solidFill>
+                <a:latin typeface="Times New Roman" panose="02020603050405020304" pitchFamily="18" charset="0"/>
+                <a:cs typeface="Times New Roman" panose="02020603050405020304" pitchFamily="18" charset="0"/>
+              </a:rPr>
+              <a:t>Experimental Result</a:t>
+            </a:r>
+          </a:p>
+        </p:txBody>
+      </p:sp>
+    </p:spTree>
+    <p:extLst>
+      <p:ext uri="{BB962C8B-B14F-4D97-AF65-F5344CB8AC3E}">
+        <p14:creationId xmlns:p14="http://schemas.microsoft.com/office/powerpoint/2010/main" val="3060248797"/>
+      </p:ext>
+    </p:extLst>
+  </p:cSld>
+  <p:clrMapOvr>
+    <a:masterClrMapping/>
+  </p:clrMapOvr>
+</p:sld>
+</file>
+
+<file path=ppt/slides/slide30.xml><?xml version="1.0" encoding="utf-8"?>
+<p:sld xmlns:a="http://schemas.openxmlformats.org/drawingml/2006/main" xmlns:r="http://schemas.openxmlformats.org/officeDocument/2006/relationships" xmlns:p="http://schemas.openxmlformats.org/presentationml/2006/main">
+  <p:cSld>
+    <p:spTree>
+      <p:nvGrpSpPr>
+        <p:cNvPr id="1" name=""/>
+        <p:cNvGrpSpPr/>
+        <p:nvPr/>
+      </p:nvGrpSpPr>
+      <p:grpSpPr>
+        <a:xfrm>
+          <a:off x="0" y="0"/>
+          <a:ext cx="0" cy="0"/>
+          <a:chOff x="0" y="0"/>
+          <a:chExt cx="0" cy="0"/>
+        </a:xfrm>
+      </p:grpSpPr>
+      <p:sp>
+        <p:nvSpPr>
           <p:cNvPr id="2" name="標題 1">
             <a:extLst>
               <a:ext uri="{FF2B5EF4-FFF2-40B4-BE49-F238E27FC236}">
@@ -15918,7 +17695,7 @@
           <a:p>
             <a:fld id="{666274A1-CF9C-426A-8DD4-B13ED0C24231}" type="slidenum">
               <a:rPr lang="en-US" smtClean="0"/>
-              <a:t>26</a:t>
+              <a:t>29</a:t>
             </a:fld>
             <a:endParaRPr lang="en-US"/>
           </a:p>
@@ -15997,7 +17774,7 @@
 </p:sld>
 </file>
 
-<file path=ppt/slides/slide28.xml><?xml version="1.0" encoding="utf-8"?>
+<file path=ppt/slides/slide31.xml><?xml version="1.0" encoding="utf-8"?>
 <p:sld xmlns:a="http://schemas.openxmlformats.org/drawingml/2006/main" xmlns:r="http://schemas.openxmlformats.org/officeDocument/2006/relationships" xmlns:p="http://schemas.openxmlformats.org/presentationml/2006/main">
   <p:cSld>
     <p:spTree>
@@ -16096,7 +17873,7 @@
           <a:p>
             <a:fld id="{666274A1-CF9C-426A-8DD4-B13ED0C24231}" type="slidenum">
               <a:rPr lang="en-US" smtClean="0"/>
-              <a:t>27</a:t>
+              <a:t>30</a:t>
             </a:fld>
             <a:endParaRPr lang="en-US"/>
           </a:p>
@@ -16115,7 +17892,7 @@
 </p:sld>
 </file>
 
-<file path=ppt/slides/slide29.xml><?xml version="1.0" encoding="utf-8"?>
+<file path=ppt/slides/slide32.xml><?xml version="1.0" encoding="utf-8"?>
 <p:sld xmlns:a="http://schemas.openxmlformats.org/drawingml/2006/main" xmlns:r="http://schemas.openxmlformats.org/officeDocument/2006/relationships" xmlns:p="http://schemas.openxmlformats.org/presentationml/2006/main">
   <p:cSld>
     <p:spTree>
@@ -16169,8 +17946,8 @@
           </a:p>
         </p:txBody>
       </p:sp>
-      <mc:AlternateContent xmlns:mc="http://schemas.openxmlformats.org/markup-compatibility/2006">
-        <mc:Choice xmlns:a14="http://schemas.microsoft.com/office/drawing/2010/main" Requires="a14">
+      <mc:AlternateContent xmlns:mc="http://schemas.openxmlformats.org/markup-compatibility/2006" xmlns:a14="http://schemas.microsoft.com/office/drawing/2010/main">
+        <mc:Choice Requires="a14">
           <p:sp>
             <p:nvSpPr>
               <p:cNvPr id="3" name="內容版面配置區 2">
@@ -16416,7 +18193,7 @@
             </p:txBody>
           </p:sp>
         </mc:Choice>
-        <mc:Fallback>
+        <mc:Fallback xmlns="">
           <p:sp>
             <p:nvSpPr>
               <p:cNvPr id="3" name="內容版面配置區 2">
@@ -16483,7 +18260,7 @@
           <a:p>
             <a:fld id="{666274A1-CF9C-426A-8DD4-B13ED0C24231}" type="slidenum">
               <a:rPr lang="en-US" smtClean="0"/>
-              <a:t>28</a:t>
+              <a:t>31</a:t>
             </a:fld>
             <a:endParaRPr lang="en-US"/>
           </a:p>
@@ -16532,7 +18309,7 @@
 </p:sld>
 </file>
 
-<file path=ppt/slides/slide3.xml><?xml version="1.0" encoding="utf-8"?>
+<file path=ppt/slides/slide33.xml><?xml version="1.0" encoding="utf-8"?>
 <p:sld xmlns:a="http://schemas.openxmlformats.org/drawingml/2006/main" xmlns:r="http://schemas.openxmlformats.org/officeDocument/2006/relationships" xmlns:p="http://schemas.openxmlformats.org/presentationml/2006/main">
   <p:cSld>
     <p:spTree>
@@ -16554,266 +18331,6 @@
           <p:cNvPr id="2" name="標題 1">
             <a:extLst>
               <a:ext uri="{FF2B5EF4-FFF2-40B4-BE49-F238E27FC236}">
-                <a16:creationId xmlns:a16="http://schemas.microsoft.com/office/drawing/2014/main" id="{D7265191-6AD1-C280-7026-FFC71B673D4D}"/>
-              </a:ext>
-            </a:extLst>
-          </p:cNvPr>
-          <p:cNvSpPr>
-            <a:spLocks noGrp="1"/>
-          </p:cNvSpPr>
-          <p:nvPr>
-            <p:ph type="title"/>
-          </p:nvPr>
-        </p:nvSpPr>
-        <p:spPr/>
-        <p:txBody>
-          <a:bodyPr/>
-          <a:lstStyle/>
-          <a:p>
-            <a:r>
-              <a:rPr lang="en-US" altLang="zh-TW" sz="4000" dirty="0">
-                <a:latin typeface="Times" panose="02020603050405020304" pitchFamily="18" charset="0"/>
-                <a:cs typeface="Times" panose="02020603050405020304" pitchFamily="18" charset="0"/>
-              </a:rPr>
-              <a:t>Introduction</a:t>
-            </a:r>
-            <a:endParaRPr lang="zh-TW" altLang="en-US" dirty="0">
-              <a:latin typeface="Times" panose="02020603050405020304" pitchFamily="18" charset="0"/>
-              <a:cs typeface="Times" panose="02020603050405020304" pitchFamily="18" charset="0"/>
-            </a:endParaRPr>
-          </a:p>
-        </p:txBody>
-      </p:sp>
-      <p:sp>
-        <p:nvSpPr>
-          <p:cNvPr id="3" name="內容版面配置區 2">
-            <a:extLst>
-              <a:ext uri="{FF2B5EF4-FFF2-40B4-BE49-F238E27FC236}">
-                <a16:creationId xmlns:a16="http://schemas.microsoft.com/office/drawing/2014/main" id="{1E68D943-AEAF-BB91-FA3D-BAA26847FD20}"/>
-              </a:ext>
-            </a:extLst>
-          </p:cNvPr>
-          <p:cNvSpPr>
-            <a:spLocks noGrp="1"/>
-          </p:cNvSpPr>
-          <p:nvPr>
-            <p:ph idx="1"/>
-          </p:nvPr>
-        </p:nvSpPr>
-        <p:spPr/>
-        <p:txBody>
-          <a:bodyPr>
-            <a:normAutofit/>
-          </a:bodyPr>
-          <a:lstStyle/>
-          <a:p>
-            <a:pPr>
-              <a:lnSpc>
-                <a:spcPct val="150000"/>
-              </a:lnSpc>
-            </a:pPr>
-            <a:r>
-              <a:rPr lang="en-US" altLang="zh-TW" sz="2200" dirty="0">
-                <a:latin typeface="Times" panose="02020603050405020304" pitchFamily="18" charset="0"/>
-                <a:ea typeface="標楷體" panose="03000509000000000000" pitchFamily="65" charset="-120"/>
-                <a:cs typeface="Times" panose="02020603050405020304" pitchFamily="18" charset="0"/>
-              </a:rPr>
-              <a:t>Chemical Mechanical Polishing (CMP) </a:t>
-            </a:r>
-            <a:r>
-              <a:rPr lang="zh-TW" altLang="en-US" sz="2200" dirty="0">
-                <a:latin typeface="Times" panose="02020603050405020304" pitchFamily="18" charset="0"/>
-                <a:ea typeface="標楷體" panose="03000509000000000000" pitchFamily="65" charset="-120"/>
-                <a:cs typeface="Times" panose="02020603050405020304" pitchFamily="18" charset="0"/>
-              </a:rPr>
-              <a:t>化學機械拋光</a:t>
-            </a:r>
-            <a:endParaRPr lang="en-US" altLang="zh-TW" sz="2200" dirty="0">
-              <a:latin typeface="Times" panose="02020603050405020304" pitchFamily="18" charset="0"/>
-              <a:ea typeface="標楷體" panose="03000509000000000000" pitchFamily="65" charset="-120"/>
-              <a:cs typeface="Times" panose="02020603050405020304" pitchFamily="18" charset="0"/>
-            </a:endParaRPr>
-          </a:p>
-          <a:p>
-            <a:pPr lvl="1">
-              <a:lnSpc>
-                <a:spcPct val="150000"/>
-              </a:lnSpc>
-            </a:pPr>
-            <a:r>
-              <a:rPr lang="en-US" altLang="zh-TW" sz="2000" dirty="0">
-                <a:latin typeface="Times" panose="02020603050405020304" pitchFamily="18" charset="0"/>
-                <a:ea typeface="標楷體" panose="03000509000000000000" pitchFamily="65" charset="-120"/>
-                <a:cs typeface="Times" panose="02020603050405020304" pitchFamily="18" charset="0"/>
-              </a:rPr>
-              <a:t>Achieving uniform planarization in the fabrication of integrated circuits (ICs).</a:t>
-            </a:r>
-          </a:p>
-          <a:p>
-            <a:pPr lvl="1">
-              <a:lnSpc>
-                <a:spcPct val="150000"/>
-              </a:lnSpc>
-            </a:pPr>
-            <a:r>
-              <a:rPr lang="en-US" altLang="zh-TW" sz="2000" dirty="0">
-                <a:latin typeface="Times" panose="02020603050405020304" pitchFamily="18" charset="0"/>
-                <a:ea typeface="標楷體" panose="03000509000000000000" pitchFamily="65" charset="-120"/>
-                <a:cs typeface="Times" panose="02020603050405020304" pitchFamily="18" charset="0"/>
-              </a:rPr>
-              <a:t>Using metal fill can maintain the uniform metal density, which is important for CMP.</a:t>
-            </a:r>
-          </a:p>
-          <a:p>
-            <a:pPr>
-              <a:lnSpc>
-                <a:spcPct val="150000"/>
-              </a:lnSpc>
-            </a:pPr>
-            <a:r>
-              <a:rPr lang="en-US" altLang="zh-TW" sz="2200" dirty="0">
-                <a:latin typeface="Times" panose="02020603050405020304" pitchFamily="18" charset="0"/>
-                <a:ea typeface="標楷體" panose="03000509000000000000" pitchFamily="65" charset="-120"/>
-                <a:cs typeface="Times" panose="02020603050405020304" pitchFamily="18" charset="0"/>
-              </a:rPr>
-              <a:t>Metal fill generally contain 2 phases:</a:t>
-            </a:r>
-          </a:p>
-          <a:p>
-            <a:pPr marL="800100" lvl="1" indent="-342900">
-              <a:lnSpc>
-                <a:spcPct val="150000"/>
-              </a:lnSpc>
-              <a:buFont typeface="+mj-lt"/>
-              <a:buAutoNum type="arabicPeriod"/>
-            </a:pPr>
-            <a:r>
-              <a:rPr lang="en-US" altLang="zh-TW" sz="2000" dirty="0">
-                <a:latin typeface="Times" panose="02020603050405020304" pitchFamily="18" charset="0"/>
-                <a:ea typeface="標楷體" panose="03000509000000000000" pitchFamily="65" charset="-120"/>
-                <a:cs typeface="Times" panose="02020603050405020304" pitchFamily="18" charset="0"/>
-              </a:rPr>
-              <a:t>Fill synthesis.</a:t>
-            </a:r>
-          </a:p>
-          <a:p>
-            <a:pPr lvl="2">
-              <a:lnSpc>
-                <a:spcPct val="150000"/>
-              </a:lnSpc>
-            </a:pPr>
-            <a:r>
-              <a:rPr lang="en-US" altLang="zh-TW" sz="1800" dirty="0">
-                <a:latin typeface="Times" panose="02020603050405020304" pitchFamily="18" charset="0"/>
-                <a:ea typeface="標楷體" panose="03000509000000000000" pitchFamily="65" charset="-120"/>
-                <a:cs typeface="Times" panose="02020603050405020304" pitchFamily="18" charset="0"/>
-              </a:rPr>
-              <a:t>Determine the amount to be inserted.</a:t>
-            </a:r>
-          </a:p>
-          <a:p>
-            <a:pPr marL="800100" lvl="1" indent="-342900">
-              <a:lnSpc>
-                <a:spcPct val="150000"/>
-              </a:lnSpc>
-              <a:buFont typeface="+mj-lt"/>
-              <a:buAutoNum type="arabicPeriod"/>
-            </a:pPr>
-            <a:r>
-              <a:rPr lang="en-US" altLang="zh-TW" sz="2000" dirty="0">
-                <a:latin typeface="Times" panose="02020603050405020304" pitchFamily="18" charset="0"/>
-                <a:ea typeface="標楷體" panose="03000509000000000000" pitchFamily="65" charset="-120"/>
-                <a:cs typeface="Times" panose="02020603050405020304" pitchFamily="18" charset="0"/>
-              </a:rPr>
-              <a:t>Fill insertion.</a:t>
-            </a:r>
-          </a:p>
-          <a:p>
-            <a:pPr lvl="2">
-              <a:lnSpc>
-                <a:spcPct val="150000"/>
-              </a:lnSpc>
-            </a:pPr>
-            <a:r>
-              <a:rPr lang="en-US" altLang="zh-TW" sz="1800" dirty="0">
-                <a:latin typeface="Times" panose="02020603050405020304" pitchFamily="18" charset="0"/>
-                <a:ea typeface="標楷體" panose="03000509000000000000" pitchFamily="65" charset="-120"/>
-                <a:cs typeface="Times" panose="02020603050405020304" pitchFamily="18" charset="0"/>
-              </a:rPr>
-              <a:t>Place the fill in the layout.</a:t>
-            </a:r>
-            <a:endParaRPr lang="zh-TW" altLang="en-US" sz="1800" dirty="0">
-              <a:latin typeface="Times" panose="02020603050405020304" pitchFamily="18" charset="0"/>
-              <a:ea typeface="標楷體" panose="03000509000000000000" pitchFamily="65" charset="-120"/>
-              <a:cs typeface="Times" panose="02020603050405020304" pitchFamily="18" charset="0"/>
-            </a:endParaRPr>
-          </a:p>
-        </p:txBody>
-      </p:sp>
-      <p:sp>
-        <p:nvSpPr>
-          <p:cNvPr id="4" name="投影片編號版面配置區 3">
-            <a:extLst>
-              <a:ext uri="{FF2B5EF4-FFF2-40B4-BE49-F238E27FC236}">
-                <a16:creationId xmlns:a16="http://schemas.microsoft.com/office/drawing/2014/main" id="{8D32F76D-D6A8-DCEB-6C3A-9618740880B8}"/>
-              </a:ext>
-            </a:extLst>
-          </p:cNvPr>
-          <p:cNvSpPr>
-            <a:spLocks noGrp="1"/>
-          </p:cNvSpPr>
-          <p:nvPr>
-            <p:ph type="sldNum" sz="quarter" idx="12"/>
-          </p:nvPr>
-        </p:nvSpPr>
-        <p:spPr/>
-        <p:txBody>
-          <a:bodyPr/>
-          <a:lstStyle/>
-          <a:p>
-            <a:fld id="{666274A1-CF9C-426A-8DD4-B13ED0C24231}" type="slidenum">
-              <a:rPr lang="en-US" smtClean="0"/>
-              <a:t>2</a:t>
-            </a:fld>
-            <a:endParaRPr lang="en-US"/>
-          </a:p>
-        </p:txBody>
-      </p:sp>
-    </p:spTree>
-    <p:extLst>
-      <p:ext uri="{BB962C8B-B14F-4D97-AF65-F5344CB8AC3E}">
-        <p14:creationId xmlns:p14="http://schemas.microsoft.com/office/powerpoint/2010/main" val="1892258208"/>
-      </p:ext>
-    </p:extLst>
-  </p:cSld>
-  <p:clrMapOvr>
-    <a:masterClrMapping/>
-  </p:clrMapOvr>
-</p:sld>
-</file>
-
-<file path=ppt/slides/slide30.xml><?xml version="1.0" encoding="utf-8"?>
-<p:sld xmlns:a="http://schemas.openxmlformats.org/drawingml/2006/main" xmlns:r="http://schemas.openxmlformats.org/officeDocument/2006/relationships" xmlns:p="http://schemas.openxmlformats.org/presentationml/2006/main">
-  <p:cSld>
-    <p:spTree>
-      <p:nvGrpSpPr>
-        <p:cNvPr id="1" name=""/>
-        <p:cNvGrpSpPr/>
-        <p:nvPr/>
-      </p:nvGrpSpPr>
-      <p:grpSpPr>
-        <a:xfrm>
-          <a:off x="0" y="0"/>
-          <a:ext cx="0" cy="0"/>
-          <a:chOff x="0" y="0"/>
-          <a:chExt cx="0" cy="0"/>
-        </a:xfrm>
-      </p:grpSpPr>
-      <p:sp>
-        <p:nvSpPr>
-          <p:cNvPr id="2" name="標題 1">
-            <a:extLst>
-              <a:ext uri="{FF2B5EF4-FFF2-40B4-BE49-F238E27FC236}">
                 <a16:creationId xmlns:a16="http://schemas.microsoft.com/office/drawing/2014/main" id="{F49B282A-FF7E-D28E-E7C9-7C9011B3A142}"/>
               </a:ext>
             </a:extLst>
@@ -16895,18 +18412,21 @@
               </a:lnSpc>
             </a:pPr>
             <a:r>
-              <a:rPr lang="en-US" altLang="zh-TW" sz="1400">
+              <a:rPr lang="en-US" altLang="zh-TW" sz="1400" dirty="0">
                 <a:latin typeface="Times" panose="02020603050405020304" pitchFamily="18" charset="0"/>
                 <a:ea typeface="標楷體" panose="03000509000000000000" pitchFamily="65" charset="-120"/>
                 <a:cs typeface="Times" panose="02020603050405020304" pitchFamily="18" charset="0"/>
               </a:rPr>
               <a:t> </a:t>
             </a:r>
-            <a:endParaRPr lang="en-US" altLang="zh-TW" sz="1400" dirty="0">
-              <a:latin typeface="Times" panose="02020603050405020304" pitchFamily="18" charset="0"/>
-              <a:ea typeface="標楷體" panose="03000509000000000000" pitchFamily="65" charset="-120"/>
-              <a:cs typeface="Times" panose="02020603050405020304" pitchFamily="18" charset="0"/>
-            </a:endParaRPr>
+            <a:r>
+              <a:rPr lang="en-US" altLang="zh-TW" sz="1800" dirty="0">
+                <a:latin typeface="Times" panose="02020603050405020304" pitchFamily="18" charset="0"/>
+                <a:ea typeface="標楷體" panose="03000509000000000000" pitchFamily="65" charset="-120"/>
+                <a:cs typeface="Times" panose="02020603050405020304" pitchFamily="18" charset="0"/>
+              </a:rPr>
+              <a:t>DE: differential evolution</a:t>
+            </a:r>
           </a:p>
         </p:txBody>
       </p:sp>
@@ -16933,7 +18453,7 @@
           <a:p>
             <a:fld id="{666274A1-CF9C-426A-8DD4-B13ED0C24231}" type="slidenum">
               <a:rPr lang="en-US" smtClean="0"/>
-              <a:t>29</a:t>
+              <a:t>32</a:t>
             </a:fld>
             <a:endParaRPr lang="en-US"/>
           </a:p>
@@ -16941,10 +18461,10 @@
       </p:sp>
       <p:pic>
         <p:nvPicPr>
-          <p:cNvPr id="8" name="圖片 7">
+          <p:cNvPr id="6" name="圖片 5">
             <a:extLst>
               <a:ext uri="{FF2B5EF4-FFF2-40B4-BE49-F238E27FC236}">
-                <a16:creationId xmlns:a16="http://schemas.microsoft.com/office/drawing/2014/main" id="{C5A89304-5441-F6CB-CDFB-5DFF1A3CCC08}"/>
+                <a16:creationId xmlns:a16="http://schemas.microsoft.com/office/drawing/2014/main" id="{03870C2C-0757-C443-8D1F-AB4F71410F96}"/>
               </a:ext>
             </a:extLst>
           </p:cNvPr>
@@ -16961,8 +18481,8 @@
         </p:blipFill>
         <p:spPr>
           <a:xfrm>
-            <a:off x="2512987" y="3312370"/>
-            <a:ext cx="7166026" cy="2909043"/>
+            <a:off x="1747587" y="3741091"/>
+            <a:ext cx="8696826" cy="2480322"/>
           </a:xfrm>
           <a:prstGeom prst="rect">
             <a:avLst/>
@@ -16982,7 +18502,7 @@
 </p:sld>
 </file>
 
-<file path=ppt/slides/slide31.xml><?xml version="1.0" encoding="utf-8"?>
+<file path=ppt/slides/slide34.xml><?xml version="1.0" encoding="utf-8"?>
 <p:sld xmlns:a="http://schemas.openxmlformats.org/drawingml/2006/main" xmlns:r="http://schemas.openxmlformats.org/officeDocument/2006/relationships" xmlns:p="http://schemas.openxmlformats.org/presentationml/2006/main">
   <p:cSld>
     <p:spTree>
@@ -17001,6 +18521,199 @@
       </p:grpSpPr>
       <p:sp>
         <p:nvSpPr>
+          <p:cNvPr id="2" name="標題 1">
+            <a:extLst>
+              <a:ext uri="{FF2B5EF4-FFF2-40B4-BE49-F238E27FC236}">
+                <a16:creationId xmlns:a16="http://schemas.microsoft.com/office/drawing/2014/main" id="{F49B282A-FF7E-D28E-E7C9-7C9011B3A142}"/>
+              </a:ext>
+            </a:extLst>
+          </p:cNvPr>
+          <p:cNvSpPr>
+            <a:spLocks noGrp="1"/>
+          </p:cNvSpPr>
+          <p:nvPr>
+            <p:ph type="title"/>
+          </p:nvPr>
+        </p:nvSpPr>
+        <p:spPr/>
+        <p:txBody>
+          <a:bodyPr>
+            <a:normAutofit/>
+          </a:bodyPr>
+          <a:lstStyle/>
+          <a:p>
+            <a:r>
+              <a:rPr lang="en-US" altLang="zh-TW" sz="4000" dirty="0">
+                <a:latin typeface="Times" panose="02020603050405020304" pitchFamily="18" charset="0"/>
+                <a:cs typeface="Times" panose="02020603050405020304" pitchFamily="18" charset="0"/>
+              </a:rPr>
+              <a:t>Experimental Result</a:t>
+            </a:r>
+            <a:endParaRPr lang="zh-TW" altLang="en-US" sz="4000" dirty="0">
+              <a:latin typeface="Times" panose="02020603050405020304" pitchFamily="18" charset="0"/>
+              <a:cs typeface="Times" panose="02020603050405020304" pitchFamily="18" charset="0"/>
+            </a:endParaRPr>
+          </a:p>
+        </p:txBody>
+      </p:sp>
+      <p:sp>
+        <p:nvSpPr>
+          <p:cNvPr id="3" name="內容版面配置區 2">
+            <a:extLst>
+              <a:ext uri="{FF2B5EF4-FFF2-40B4-BE49-F238E27FC236}">
+                <a16:creationId xmlns:a16="http://schemas.microsoft.com/office/drawing/2014/main" id="{6532586F-2B33-9C61-58DC-9046125E1570}"/>
+              </a:ext>
+            </a:extLst>
+          </p:cNvPr>
+          <p:cNvSpPr>
+            <a:spLocks noGrp="1"/>
+          </p:cNvSpPr>
+          <p:nvPr>
+            <p:ph idx="1"/>
+          </p:nvPr>
+        </p:nvSpPr>
+        <p:spPr>
+          <a:xfrm>
+            <a:off x="838200" y="1825625"/>
+            <a:ext cx="11353800" cy="4895850"/>
+          </a:xfrm>
+        </p:spPr>
+        <p:txBody>
+          <a:bodyPr>
+            <a:normAutofit/>
+          </a:bodyPr>
+          <a:lstStyle/>
+          <a:p>
+            <a:pPr>
+              <a:lnSpc>
+                <a:spcPct val="200000"/>
+              </a:lnSpc>
+            </a:pPr>
+            <a:r>
+              <a:rPr lang="en-US" altLang="zh-TW" sz="2200" dirty="0">
+                <a:latin typeface="Times" panose="02020603050405020304" pitchFamily="18" charset="0"/>
+                <a:ea typeface="標楷體" panose="03000509000000000000" pitchFamily="65" charset="-120"/>
+                <a:cs typeface="Times" panose="02020603050405020304" pitchFamily="18" charset="0"/>
+              </a:rPr>
+              <a:t>Performance Comparison</a:t>
+            </a:r>
+          </a:p>
+          <a:p>
+            <a:pPr lvl="1">
+              <a:lnSpc>
+                <a:spcPct val="200000"/>
+              </a:lnSpc>
+            </a:pPr>
+            <a:r>
+              <a:rPr lang="en-US" altLang="zh-TW" sz="1000" dirty="0">
+                <a:latin typeface="Times" panose="02020603050405020304" pitchFamily="18" charset="0"/>
+                <a:ea typeface="標楷體" panose="03000509000000000000" pitchFamily="65" charset="-120"/>
+                <a:cs typeface="Times" panose="02020603050405020304" pitchFamily="18" charset="0"/>
+              </a:rPr>
+              <a:t> </a:t>
+            </a:r>
+            <a:r>
+              <a:rPr lang="en-US" altLang="zh-TW" sz="1400" dirty="0">
+                <a:latin typeface="Times" panose="02020603050405020304" pitchFamily="18" charset="0"/>
+                <a:ea typeface="標楷體" panose="03000509000000000000" pitchFamily="65" charset="-120"/>
+                <a:cs typeface="Times" panose="02020603050405020304" pitchFamily="18" charset="0"/>
+              </a:rPr>
+              <a:t>DE: differential evolution</a:t>
+            </a:r>
+          </a:p>
+        </p:txBody>
+      </p:sp>
+      <p:sp>
+        <p:nvSpPr>
+          <p:cNvPr id="4" name="投影片編號版面配置區 3">
+            <a:extLst>
+              <a:ext uri="{FF2B5EF4-FFF2-40B4-BE49-F238E27FC236}">
+                <a16:creationId xmlns:a16="http://schemas.microsoft.com/office/drawing/2014/main" id="{4F34BD4F-A1A7-2695-B9CD-0B31024175B2}"/>
+              </a:ext>
+            </a:extLst>
+          </p:cNvPr>
+          <p:cNvSpPr>
+            <a:spLocks noGrp="1"/>
+          </p:cNvSpPr>
+          <p:nvPr>
+            <p:ph type="sldNum" sz="quarter" idx="12"/>
+          </p:nvPr>
+        </p:nvSpPr>
+        <p:spPr/>
+        <p:txBody>
+          <a:bodyPr/>
+          <a:lstStyle/>
+          <a:p>
+            <a:fld id="{666274A1-CF9C-426A-8DD4-B13ED0C24231}" type="slidenum">
+              <a:rPr lang="en-US" smtClean="0"/>
+              <a:t>33</a:t>
+            </a:fld>
+            <a:endParaRPr lang="en-US"/>
+          </a:p>
+        </p:txBody>
+      </p:sp>
+      <p:pic>
+        <p:nvPicPr>
+          <p:cNvPr id="7" name="圖片 6">
+            <a:extLst>
+              <a:ext uri="{FF2B5EF4-FFF2-40B4-BE49-F238E27FC236}">
+                <a16:creationId xmlns:a16="http://schemas.microsoft.com/office/drawing/2014/main" id="{F50C507F-B58C-F4BB-318F-A3ED08F9E300}"/>
+              </a:ext>
+            </a:extLst>
+          </p:cNvPr>
+          <p:cNvPicPr>
+            <a:picLocks noChangeAspect="1"/>
+          </p:cNvPicPr>
+          <p:nvPr/>
+        </p:nvPicPr>
+        <p:blipFill>
+          <a:blip r:embed="rId3"/>
+          <a:stretch>
+            <a:fillRect/>
+          </a:stretch>
+        </p:blipFill>
+        <p:spPr>
+          <a:xfrm>
+            <a:off x="3459976" y="3721671"/>
+            <a:ext cx="5272047" cy="2771204"/>
+          </a:xfrm>
+          <a:prstGeom prst="rect">
+            <a:avLst/>
+          </a:prstGeom>
+        </p:spPr>
+      </p:pic>
+    </p:spTree>
+    <p:extLst>
+      <p:ext uri="{BB962C8B-B14F-4D97-AF65-F5344CB8AC3E}">
+        <p14:creationId xmlns:p14="http://schemas.microsoft.com/office/powerpoint/2010/main" val="1621048754"/>
+      </p:ext>
+    </p:extLst>
+  </p:cSld>
+  <p:clrMapOvr>
+    <a:masterClrMapping/>
+  </p:clrMapOvr>
+</p:sld>
+</file>
+
+<file path=ppt/slides/slide35.xml><?xml version="1.0" encoding="utf-8"?>
+<p:sld xmlns:a="http://schemas.openxmlformats.org/drawingml/2006/main" xmlns:r="http://schemas.openxmlformats.org/officeDocument/2006/relationships" xmlns:p="http://schemas.openxmlformats.org/presentationml/2006/main">
+  <p:cSld>
+    <p:spTree>
+      <p:nvGrpSpPr>
+        <p:cNvPr id="1" name=""/>
+        <p:cNvGrpSpPr/>
+        <p:nvPr/>
+      </p:nvGrpSpPr>
+      <p:grpSpPr>
+        <a:xfrm>
+          <a:off x="0" y="0"/>
+          <a:ext cx="0" cy="0"/>
+          <a:chOff x="0" y="0"/>
+          <a:chExt cx="0" cy="0"/>
+        </a:xfrm>
+      </p:grpSpPr>
+      <p:sp>
+        <p:nvSpPr>
           <p:cNvPr id="4" name="Slide Number Placeholder 3">
             <a:extLst>
               <a:ext uri="{FF2B5EF4-FFF2-40B4-BE49-F238E27FC236}">
@@ -17022,7 +18735,7 @@
           <a:p>
             <a:fld id="{666274A1-CF9C-426A-8DD4-B13ED0C24231}" type="slidenum">
               <a:rPr lang="en-US" smtClean="0"/>
-              <a:t>30</a:t>
+              <a:t>34</a:t>
             </a:fld>
             <a:endParaRPr lang="en-US"/>
           </a:p>
@@ -17151,19 +18864,87 @@
             <p:ph idx="1"/>
           </p:nvPr>
         </p:nvSpPr>
-        <p:spPr>
-          <a:xfrm>
-            <a:off x="838200" y="1825625"/>
-            <a:ext cx="11124304" cy="4351338"/>
-          </a:xfrm>
-        </p:spPr>
+        <p:spPr/>
         <p:txBody>
           <a:bodyPr>
             <a:normAutofit/>
           </a:bodyPr>
           <a:lstStyle/>
           <a:p>
-            <a:pPr marL="342900" indent="-342900">
+            <a:pPr>
+              <a:lnSpc>
+                <a:spcPct val="150000"/>
+              </a:lnSpc>
+            </a:pPr>
+            <a:r>
+              <a:rPr lang="en-US" altLang="zh-TW" sz="2200" dirty="0">
+                <a:latin typeface="Times" panose="02020603050405020304" pitchFamily="18" charset="0"/>
+                <a:ea typeface="標楷體" panose="03000509000000000000" pitchFamily="65" charset="-120"/>
+                <a:cs typeface="Times" panose="02020603050405020304" pitchFamily="18" charset="0"/>
+              </a:rPr>
+              <a:t>Chemical Mechanical Polishing (CMP) </a:t>
+            </a:r>
+            <a:r>
+              <a:rPr lang="zh-TW" altLang="en-US" sz="2200" dirty="0">
+                <a:latin typeface="Times" panose="02020603050405020304" pitchFamily="18" charset="0"/>
+                <a:ea typeface="標楷體" panose="03000509000000000000" pitchFamily="65" charset="-120"/>
+                <a:cs typeface="Times" panose="02020603050405020304" pitchFamily="18" charset="0"/>
+              </a:rPr>
+              <a:t>化學機械拋光</a:t>
+            </a:r>
+            <a:endParaRPr lang="en-US" altLang="zh-TW" sz="2200" dirty="0">
+              <a:latin typeface="Times" panose="02020603050405020304" pitchFamily="18" charset="0"/>
+              <a:ea typeface="標楷體" panose="03000509000000000000" pitchFamily="65" charset="-120"/>
+              <a:cs typeface="Times" panose="02020603050405020304" pitchFamily="18" charset="0"/>
+            </a:endParaRPr>
+          </a:p>
+          <a:p>
+            <a:pPr lvl="1">
+              <a:lnSpc>
+                <a:spcPct val="150000"/>
+              </a:lnSpc>
+            </a:pPr>
+            <a:r>
+              <a:rPr lang="en-US" altLang="zh-TW" sz="2000" dirty="0">
+                <a:latin typeface="Times" panose="02020603050405020304" pitchFamily="18" charset="0"/>
+                <a:ea typeface="標楷體" panose="03000509000000000000" pitchFamily="65" charset="-120"/>
+                <a:cs typeface="Times" panose="02020603050405020304" pitchFamily="18" charset="0"/>
+              </a:rPr>
+              <a:t>Achieving uniform planarization in the fabrication of integrated circuits (ICs).</a:t>
+            </a:r>
+          </a:p>
+          <a:p>
+            <a:pPr lvl="1">
+              <a:lnSpc>
+                <a:spcPct val="150000"/>
+              </a:lnSpc>
+            </a:pPr>
+            <a:r>
+              <a:rPr lang="en-US" altLang="zh-TW" sz="2000" dirty="0">
+                <a:latin typeface="Times" panose="02020603050405020304" pitchFamily="18" charset="0"/>
+                <a:ea typeface="標楷體" panose="03000509000000000000" pitchFamily="65" charset="-120"/>
+                <a:cs typeface="Times" panose="02020603050405020304" pitchFamily="18" charset="0"/>
+              </a:rPr>
+              <a:t>Using metal fill can maintain the uniform metal density, which is important for CMP.</a:t>
+            </a:r>
+          </a:p>
+          <a:p>
+            <a:pPr>
+              <a:lnSpc>
+                <a:spcPct val="150000"/>
+              </a:lnSpc>
+            </a:pPr>
+            <a:r>
+              <a:rPr lang="en-US" altLang="zh-TW" sz="2200" dirty="0">
+                <a:latin typeface="Times" panose="02020603050405020304" pitchFamily="18" charset="0"/>
+                <a:ea typeface="標楷體" panose="03000509000000000000" pitchFamily="65" charset="-120"/>
+                <a:cs typeface="Times" panose="02020603050405020304" pitchFamily="18" charset="0"/>
+              </a:rPr>
+              <a:t>Metal fill generally contain 2 phases:</a:t>
+            </a:r>
+          </a:p>
+          <a:p>
+            <a:pPr marL="800100" lvl="1" indent="-342900">
               <a:lnSpc>
                 <a:spcPct val="150000"/>
               </a:lnSpc>
@@ -17171,31 +18952,31 @@
               <a:buAutoNum type="arabicPeriod"/>
             </a:pPr>
             <a:r>
-              <a:rPr lang="en-US" altLang="zh-TW" sz="2200" dirty="0">
+              <a:rPr lang="en-US" altLang="zh-TW" sz="2000" dirty="0">
                 <a:latin typeface="Times" panose="02020603050405020304" pitchFamily="18" charset="0"/>
                 <a:ea typeface="標楷體" panose="03000509000000000000" pitchFamily="65" charset="-120"/>
                 <a:cs typeface="Times" panose="02020603050405020304" pitchFamily="18" charset="0"/>
               </a:rPr>
-              <a:t>Rule-based metal fill algorithms</a:t>
-            </a:r>
-          </a:p>
-          <a:p>
-            <a:pPr lvl="1">
+              <a:t>Fill synthesis.</a:t>
+            </a:r>
+          </a:p>
+          <a:p>
+            <a:pPr lvl="2">
               <a:lnSpc>
                 <a:spcPct val="150000"/>
               </a:lnSpc>
             </a:pPr>
             <a:r>
-              <a:rPr lang="en-US" altLang="zh-TW" sz="2000" dirty="0">
+              <a:rPr lang="en-US" altLang="zh-TW" sz="1800" dirty="0">
                 <a:latin typeface="Times" panose="02020603050405020304" pitchFamily="18" charset="0"/>
                 <a:ea typeface="標楷體" panose="03000509000000000000" pitchFamily="65" charset="-120"/>
                 <a:cs typeface="Times" panose="02020603050405020304" pitchFamily="18" charset="0"/>
               </a:rPr>
-              <a:t>The Density related rules can result in larger post-CMP height variations.</a:t>
-            </a:r>
-          </a:p>
-          <a:p>
-            <a:pPr marL="457200" indent="-457200">
+              <a:t>Determine the amount to be inserted.</a:t>
+            </a:r>
+          </a:p>
+          <a:p>
+            <a:pPr marL="800100" lvl="1" indent="-342900">
               <a:lnSpc>
                 <a:spcPct val="150000"/>
               </a:lnSpc>
@@ -17203,82 +18984,27 @@
               <a:buAutoNum type="arabicPeriod"/>
             </a:pPr>
             <a:r>
-              <a:rPr lang="en-US" altLang="zh-TW" sz="2200" dirty="0">
+              <a:rPr lang="en-US" altLang="zh-TW" sz="2000" dirty="0">
                 <a:latin typeface="Times" panose="02020603050405020304" pitchFamily="18" charset="0"/>
                 <a:ea typeface="標楷體" panose="03000509000000000000" pitchFamily="65" charset="-120"/>
                 <a:cs typeface="Times" panose="02020603050405020304" pitchFamily="18" charset="0"/>
               </a:rPr>
-              <a:t>Model-based algorithms</a:t>
-            </a:r>
-          </a:p>
-          <a:p>
-            <a:pPr lvl="1">
+              <a:t>Fill insertion.</a:t>
+            </a:r>
+          </a:p>
+          <a:p>
+            <a:pPr lvl="2">
               <a:lnSpc>
                 <a:spcPct val="150000"/>
               </a:lnSpc>
             </a:pPr>
             <a:r>
-              <a:rPr lang="en-US" altLang="zh-TW" sz="2000" dirty="0">
-                <a:latin typeface="Times" panose="02020603050405020304" pitchFamily="18" charset="0"/>
-                <a:ea typeface="標楷體" panose="03000509000000000000" pitchFamily="65" charset="-120"/>
-                <a:cs typeface="Times" panose="02020603050405020304" pitchFamily="18" charset="0"/>
-              </a:rPr>
-              <a:t>Accounting only for density/perimeter factors requires improvements for better predictive accuracy.</a:t>
-            </a:r>
-          </a:p>
-          <a:p>
-            <a:pPr marL="457200" indent="-457200">
-              <a:lnSpc>
-                <a:spcPct val="150000"/>
-              </a:lnSpc>
-              <a:buFont typeface="+mj-lt"/>
-              <a:buAutoNum type="arabicPeriod"/>
-            </a:pPr>
-            <a:r>
-              <a:rPr lang="en-US" altLang="zh-TW" sz="2200" dirty="0">
-                <a:latin typeface="Times" panose="02020603050405020304" pitchFamily="18" charset="0"/>
-                <a:ea typeface="標楷體" panose="03000509000000000000" pitchFamily="65" charset="-120"/>
-                <a:cs typeface="Times" panose="02020603050405020304" pitchFamily="18" charset="0"/>
-              </a:rPr>
-              <a:t>Embracing machine learning (ML) techniques</a:t>
-            </a:r>
-          </a:p>
-          <a:p>
-            <a:pPr lvl="1">
-              <a:lnSpc>
-                <a:spcPct val="150000"/>
-              </a:lnSpc>
-            </a:pPr>
-            <a:r>
-              <a:rPr lang="en-US" altLang="zh-TW" sz="1800" dirty="0" err="1">
-                <a:latin typeface="Times" panose="02020603050405020304" pitchFamily="18" charset="0"/>
-                <a:ea typeface="標楷體" panose="03000509000000000000" pitchFamily="65" charset="-120"/>
-                <a:cs typeface="Times" panose="02020603050405020304" pitchFamily="18" charset="0"/>
-              </a:rPr>
-              <a:t>NeurFill</a:t>
-            </a:r>
-            <a:r>
               <a:rPr lang="en-US" altLang="zh-TW" sz="1800" dirty="0">
                 <a:latin typeface="Times" panose="02020603050405020304" pitchFamily="18" charset="0"/>
                 <a:ea typeface="標楷體" panose="03000509000000000000" pitchFamily="65" charset="-120"/>
                 <a:cs typeface="Times" panose="02020603050405020304" pitchFamily="18" charset="0"/>
               </a:rPr>
-              <a:t>: with a CMP neural network as the CMP simulator for fill synthesis.</a:t>
-            </a:r>
-          </a:p>
-          <a:p>
-            <a:pPr lvl="1">
-              <a:lnSpc>
-                <a:spcPct val="150000"/>
-              </a:lnSpc>
-            </a:pPr>
-            <a:r>
-              <a:rPr lang="en-US" altLang="zh-TW" sz="1800" dirty="0">
-                <a:latin typeface="Times" panose="02020603050405020304" pitchFamily="18" charset="0"/>
-                <a:ea typeface="標楷體" panose="03000509000000000000" pitchFamily="65" charset="-120"/>
-                <a:cs typeface="Times" panose="02020603050405020304" pitchFamily="18" charset="0"/>
-              </a:rPr>
-              <a:t>Handling fill synthesis and fill insertion as separate processes can result in a lack of holistic perspective during the synthesis stage.</a:t>
+              <a:t>Place the fill in the layout.</a:t>
             </a:r>
             <a:endParaRPr lang="zh-TW" altLang="en-US" sz="1800" dirty="0">
               <a:latin typeface="Times" panose="02020603050405020304" pitchFamily="18" charset="0"/>
@@ -17320,7 +19046,7 @@
     </p:spTree>
     <p:extLst>
       <p:ext uri="{BB962C8B-B14F-4D97-AF65-F5344CB8AC3E}">
-        <p14:creationId xmlns:p14="http://schemas.microsoft.com/office/powerpoint/2010/main" val="3124168817"/>
+        <p14:creationId xmlns:p14="http://schemas.microsoft.com/office/powerpoint/2010/main" val="1892258208"/>
       </p:ext>
     </p:extLst>
   </p:cSld>
@@ -17352,7 +19078,7 @@
           <p:cNvPr id="2" name="標題 1">
             <a:extLst>
               <a:ext uri="{FF2B5EF4-FFF2-40B4-BE49-F238E27FC236}">
-                <a16:creationId xmlns:a16="http://schemas.microsoft.com/office/drawing/2014/main" id="{F49B282A-FF7E-D28E-E7C9-7C9011B3A142}"/>
+                <a16:creationId xmlns:a16="http://schemas.microsoft.com/office/drawing/2014/main" id="{D7265191-6AD1-C280-7026-FFC71B673D4D}"/>
               </a:ext>
             </a:extLst>
           </p:cNvPr>
@@ -17364,58 +19090,58 @@
           </p:nvPr>
         </p:nvSpPr>
         <p:spPr/>
+        <p:txBody>
+          <a:bodyPr/>
+          <a:lstStyle/>
+          <a:p>
+            <a:r>
+              <a:rPr lang="en-US" altLang="zh-TW" sz="4000" dirty="0">
+                <a:latin typeface="Times" panose="02020603050405020304" pitchFamily="18" charset="0"/>
+                <a:cs typeface="Times" panose="02020603050405020304" pitchFamily="18" charset="0"/>
+              </a:rPr>
+              <a:t>Introduction</a:t>
+            </a:r>
+            <a:endParaRPr lang="zh-TW" altLang="en-US" dirty="0">
+              <a:latin typeface="Times" panose="02020603050405020304" pitchFamily="18" charset="0"/>
+              <a:cs typeface="Times" panose="02020603050405020304" pitchFamily="18" charset="0"/>
+            </a:endParaRPr>
+          </a:p>
+        </p:txBody>
+      </p:sp>
+      <p:sp>
+        <p:nvSpPr>
+          <p:cNvPr id="3" name="內容版面配置區 2">
+            <a:extLst>
+              <a:ext uri="{FF2B5EF4-FFF2-40B4-BE49-F238E27FC236}">
+                <a16:creationId xmlns:a16="http://schemas.microsoft.com/office/drawing/2014/main" id="{1E68D943-AEAF-BB91-FA3D-BAA26847FD20}"/>
+              </a:ext>
+            </a:extLst>
+          </p:cNvPr>
+          <p:cNvSpPr>
+            <a:spLocks noGrp="1"/>
+          </p:cNvSpPr>
+          <p:nvPr>
+            <p:ph idx="1"/>
+          </p:nvPr>
+        </p:nvSpPr>
+        <p:spPr>
+          <a:xfrm>
+            <a:off x="838200" y="1825625"/>
+            <a:ext cx="11124304" cy="4351338"/>
+          </a:xfrm>
+        </p:spPr>
         <p:txBody>
           <a:bodyPr>
             <a:normAutofit/>
           </a:bodyPr>
           <a:lstStyle/>
           <a:p>
-            <a:r>
-              <a:rPr lang="en-US" altLang="zh-TW" sz="4000" dirty="0">
-                <a:latin typeface="Times" panose="02020603050405020304" pitchFamily="18" charset="0"/>
-                <a:cs typeface="Times" panose="02020603050405020304" pitchFamily="18" charset="0"/>
-              </a:rPr>
-              <a:t>Preliminaries – Fill Patterns</a:t>
-            </a:r>
-            <a:endParaRPr lang="zh-TW" altLang="en-US" sz="4000" dirty="0">
-              <a:latin typeface="Times" panose="02020603050405020304" pitchFamily="18" charset="0"/>
-              <a:cs typeface="Times" panose="02020603050405020304" pitchFamily="18" charset="0"/>
-            </a:endParaRPr>
-          </a:p>
-        </p:txBody>
-      </p:sp>
-      <p:sp>
-        <p:nvSpPr>
-          <p:cNvPr id="3" name="內容版面配置區 2">
-            <a:extLst>
-              <a:ext uri="{FF2B5EF4-FFF2-40B4-BE49-F238E27FC236}">
-                <a16:creationId xmlns:a16="http://schemas.microsoft.com/office/drawing/2014/main" id="{6532586F-2B33-9C61-58DC-9046125E1570}"/>
-              </a:ext>
-            </a:extLst>
-          </p:cNvPr>
-          <p:cNvSpPr>
-            <a:spLocks noGrp="1"/>
-          </p:cNvSpPr>
-          <p:nvPr>
-            <p:ph idx="1"/>
-          </p:nvPr>
-        </p:nvSpPr>
-        <p:spPr>
-          <a:xfrm>
-            <a:off x="838200" y="1825625"/>
-            <a:ext cx="11353800" cy="4895850"/>
-          </a:xfrm>
-        </p:spPr>
-        <p:txBody>
-          <a:bodyPr>
-            <a:normAutofit/>
-          </a:bodyPr>
-          <a:lstStyle/>
-          <a:p>
-            <a:pPr>
+            <a:pPr marL="342900" indent="-342900">
               <a:lnSpc>
                 <a:spcPct val="150000"/>
               </a:lnSpc>
+              <a:buFont typeface="+mj-lt"/>
+              <a:buAutoNum type="arabicPeriod"/>
             </a:pPr>
             <a:r>
               <a:rPr lang="en-US" altLang="zh-TW" sz="2200" dirty="0">
@@ -17423,22 +19149,7 @@
                 <a:ea typeface="標楷體" panose="03000509000000000000" pitchFamily="65" charset="-120"/>
                 <a:cs typeface="Times" panose="02020603050405020304" pitchFamily="18" charset="0"/>
               </a:rPr>
-              <a:t>Fill pattern in the metal fill process is important for the layout uniformity and reliability.</a:t>
-            </a:r>
-          </a:p>
-          <a:p>
-            <a:pPr>
-              <a:lnSpc>
-                <a:spcPct val="150000"/>
-              </a:lnSpc>
-            </a:pPr>
-            <a:r>
-              <a:rPr lang="en-US" altLang="zh-TW" sz="2200" dirty="0">
-                <a:latin typeface="Times" panose="02020603050405020304" pitchFamily="18" charset="0"/>
-                <a:ea typeface="標楷體" panose="03000509000000000000" pitchFamily="65" charset="-120"/>
-                <a:cs typeface="Times" panose="02020603050405020304" pitchFamily="18" charset="0"/>
-              </a:rPr>
-              <a:t>Rectangular metal fill</a:t>
+              <a:t>Rule-based metal fill algorithms</a:t>
             </a:r>
           </a:p>
           <a:p>
@@ -17453,23 +19164,24 @@
                 <a:ea typeface="標楷體" panose="03000509000000000000" pitchFamily="65" charset="-120"/>
                 <a:cs typeface="Times" panose="02020603050405020304" pitchFamily="18" charset="0"/>
               </a:rPr>
-              <a:t>Most commonly</a:t>
-            </a:r>
-            <a:r>
-              <a:rPr lang="zh-TW" altLang="en-US" sz="2000" dirty="0">
+              <a:t>The Density related rules can result in larger post-CMP height variations.</a:t>
+            </a:r>
+          </a:p>
+          <a:p>
+            <a:pPr marL="457200" indent="-457200">
+              <a:lnSpc>
+                <a:spcPct val="150000"/>
+              </a:lnSpc>
+              <a:buFont typeface="+mj-lt"/>
+              <a:buAutoNum type="arabicPeriod"/>
+            </a:pPr>
+            <a:r>
+              <a:rPr lang="en-US" altLang="zh-TW" sz="2200" dirty="0">
                 <a:latin typeface="Times" panose="02020603050405020304" pitchFamily="18" charset="0"/>
                 <a:ea typeface="標楷體" panose="03000509000000000000" pitchFamily="65" charset="-120"/>
                 <a:cs typeface="Times" panose="02020603050405020304" pitchFamily="18" charset="0"/>
               </a:rPr>
-              <a:t> </a:t>
-            </a:r>
-            <a:r>
-              <a:rPr lang="en-US" altLang="zh-TW" sz="2000" dirty="0">
-                <a:latin typeface="Times" panose="02020603050405020304" pitchFamily="18" charset="0"/>
-                <a:ea typeface="標楷體" panose="03000509000000000000" pitchFamily="65" charset="-120"/>
-                <a:cs typeface="Times" panose="02020603050405020304" pitchFamily="18" charset="0"/>
-              </a:rPr>
-              <a:t>used, which evenly distributes metal density</a:t>
+              <a:t>Model-based algorithms</a:t>
             </a:r>
           </a:p>
           <a:p>
@@ -17484,46 +19196,16 @@
                 <a:ea typeface="標楷體" panose="03000509000000000000" pitchFamily="65" charset="-120"/>
                 <a:cs typeface="Times" panose="02020603050405020304" pitchFamily="18" charset="0"/>
               </a:rPr>
-              <a:t>With different distribution characteristic functions (DCF), the </a:t>
-            </a:r>
-            <a:r>
-              <a:rPr lang="en-US" altLang="zh-TW" sz="2000" i="1" dirty="0">
-                <a:latin typeface="Times" panose="02020603050405020304" pitchFamily="18" charset="0"/>
-                <a:ea typeface="標楷體" panose="03000509000000000000" pitchFamily="65" charset="-120"/>
-                <a:cs typeface="Times" panose="02020603050405020304" pitchFamily="18" charset="0"/>
-              </a:rPr>
-              <a:t>fill width </a:t>
-            </a:r>
-            <a:r>
-              <a:rPr lang="en-US" altLang="zh-TW" sz="2000" dirty="0">
-                <a:latin typeface="Times" panose="02020603050405020304" pitchFamily="18" charset="0"/>
-                <a:ea typeface="標楷體" panose="03000509000000000000" pitchFamily="65" charset="-120"/>
-                <a:cs typeface="Times" panose="02020603050405020304" pitchFamily="18" charset="0"/>
-              </a:rPr>
-              <a:t>and the </a:t>
-            </a:r>
-            <a:r>
-              <a:rPr lang="en-US" altLang="zh-TW" sz="2000" i="1" dirty="0">
-                <a:latin typeface="Times" panose="02020603050405020304" pitchFamily="18" charset="0"/>
-                <a:ea typeface="標楷體" panose="03000509000000000000" pitchFamily="65" charset="-120"/>
-                <a:cs typeface="Times" panose="02020603050405020304" pitchFamily="18" charset="0"/>
-              </a:rPr>
-              <a:t>fill height </a:t>
-            </a:r>
-            <a:r>
-              <a:rPr lang="en-US" altLang="zh-TW" sz="2000" dirty="0">
-                <a:latin typeface="Times" panose="02020603050405020304" pitchFamily="18" charset="0"/>
-                <a:ea typeface="標楷體" panose="03000509000000000000" pitchFamily="65" charset="-120"/>
-                <a:cs typeface="Times" panose="02020603050405020304" pitchFamily="18" charset="0"/>
-              </a:rPr>
-              <a:t>are variables to lower the capacitance.</a:t>
-            </a:r>
-          </a:p>
-          <a:p>
-            <a:pPr>
+              <a:t>Accounting only for density/perimeter factors requires improvements for better predictive accuracy.</a:t>
+            </a:r>
+          </a:p>
+          <a:p>
+            <a:pPr marL="457200" indent="-457200">
               <a:lnSpc>
                 <a:spcPct val="150000"/>
               </a:lnSpc>
+              <a:buFont typeface="+mj-lt"/>
+              <a:buAutoNum type="arabicPeriod"/>
             </a:pPr>
             <a:r>
               <a:rPr lang="en-US" altLang="zh-TW" sz="2200" dirty="0">
@@ -17531,55 +19213,7 @@
                 <a:ea typeface="標楷體" panose="03000509000000000000" pitchFamily="65" charset="-120"/>
                 <a:cs typeface="Times" panose="02020603050405020304" pitchFamily="18" charset="0"/>
               </a:rPr>
-              <a:t>Staggered (</a:t>
-            </a:r>
-            <a:r>
-              <a:rPr lang="zh-TW" altLang="en-US" sz="2200" dirty="0">
-                <a:latin typeface="Times" panose="02020603050405020304" pitchFamily="18" charset="0"/>
-                <a:ea typeface="標楷體" panose="03000509000000000000" pitchFamily="65" charset="-120"/>
-                <a:cs typeface="Times" panose="02020603050405020304" pitchFamily="18" charset="0"/>
-              </a:rPr>
-              <a:t>交錯</a:t>
-            </a:r>
-            <a:r>
-              <a:rPr lang="en-US" altLang="zh-TW" sz="2200" dirty="0">
-                <a:latin typeface="Times" panose="02020603050405020304" pitchFamily="18" charset="0"/>
-                <a:ea typeface="標楷體" panose="03000509000000000000" pitchFamily="65" charset="-120"/>
-                <a:cs typeface="Times" panose="02020603050405020304" pitchFamily="18" charset="0"/>
-              </a:rPr>
-              <a:t>), alternate (</a:t>
-            </a:r>
-            <a:r>
-              <a:rPr lang="zh-TW" altLang="en-US" sz="2200" dirty="0">
-                <a:latin typeface="Times" panose="02020603050405020304" pitchFamily="18" charset="0"/>
-                <a:ea typeface="標楷體" panose="03000509000000000000" pitchFamily="65" charset="-120"/>
-                <a:cs typeface="Times" panose="02020603050405020304" pitchFamily="18" charset="0"/>
-              </a:rPr>
-              <a:t>交替</a:t>
-            </a:r>
-            <a:r>
-              <a:rPr lang="en-US" altLang="zh-TW" sz="2200" dirty="0">
-                <a:latin typeface="Times" panose="02020603050405020304" pitchFamily="18" charset="0"/>
-                <a:ea typeface="標楷體" panose="03000509000000000000" pitchFamily="65" charset="-120"/>
-                <a:cs typeface="Times" panose="02020603050405020304" pitchFamily="18" charset="0"/>
-              </a:rPr>
-              <a:t>), and basket-weave (</a:t>
-            </a:r>
-            <a:r>
-              <a:rPr lang="zh-TW" altLang="en-US" sz="2200" dirty="0">
-                <a:latin typeface="Times" panose="02020603050405020304" pitchFamily="18" charset="0"/>
-                <a:ea typeface="標楷體" panose="03000509000000000000" pitchFamily="65" charset="-120"/>
-                <a:cs typeface="Times" panose="02020603050405020304" pitchFamily="18" charset="0"/>
-              </a:rPr>
-              <a:t>編織式</a:t>
-            </a:r>
-            <a:r>
-              <a:rPr lang="en-US" altLang="zh-TW" sz="2200" dirty="0">
-                <a:latin typeface="Times" panose="02020603050405020304" pitchFamily="18" charset="0"/>
-                <a:ea typeface="標楷體" panose="03000509000000000000" pitchFamily="65" charset="-120"/>
-                <a:cs typeface="Times" panose="02020603050405020304" pitchFamily="18" charset="0"/>
-              </a:rPr>
-              <a:t>)</a:t>
+              <a:t>Embracing machine learning (ML) techniques</a:t>
             </a:r>
           </a:p>
           <a:p>
@@ -17589,12 +19223,20 @@
               </a:lnSpc>
             </a:pPr>
             <a:r>
-              <a:rPr lang="en-US" altLang="zh-TW" sz="2000" dirty="0">
+              <a:rPr lang="en-US" altLang="zh-TW" sz="1800" dirty="0" err="1">
                 <a:latin typeface="Times" panose="02020603050405020304" pitchFamily="18" charset="0"/>
                 <a:ea typeface="標楷體" panose="03000509000000000000" pitchFamily="65" charset="-120"/>
                 <a:cs typeface="Times" panose="02020603050405020304" pitchFamily="18" charset="0"/>
               </a:rPr>
-              <a:t>Enhance manufacturability.</a:t>
+              <a:t>NeurFill</a:t>
+            </a:r>
+            <a:r>
+              <a:rPr lang="en-US" altLang="zh-TW" sz="1800" dirty="0">
+                <a:latin typeface="Times" panose="02020603050405020304" pitchFamily="18" charset="0"/>
+                <a:ea typeface="標楷體" panose="03000509000000000000" pitchFamily="65" charset="-120"/>
+                <a:cs typeface="Times" panose="02020603050405020304" pitchFamily="18" charset="0"/>
+              </a:rPr>
+              <a:t>: with a CMP neural network as the CMP simulator for fill synthesis.</a:t>
             </a:r>
           </a:p>
           <a:p>
@@ -17604,14 +19246,14 @@
               </a:lnSpc>
             </a:pPr>
             <a:r>
-              <a:rPr lang="en-US" altLang="zh-TW" sz="2000" dirty="0">
+              <a:rPr lang="en-US" altLang="zh-TW" sz="1800" dirty="0">
                 <a:latin typeface="Times" panose="02020603050405020304" pitchFamily="18" charset="0"/>
                 <a:ea typeface="標楷體" panose="03000509000000000000" pitchFamily="65" charset="-120"/>
                 <a:cs typeface="Times" panose="02020603050405020304" pitchFamily="18" charset="0"/>
               </a:rPr>
-              <a:t>Staggered is preferred with the ability to result in a more uniform etch rate.</a:t>
-            </a:r>
-            <a:endParaRPr lang="zh-TW" altLang="en-US" sz="2000" dirty="0">
+              <a:t>Handling fill synthesis and fill insertion as separate processes can result in a lack of holistic perspective during the synthesis stage.</a:t>
+            </a:r>
+            <a:endParaRPr lang="zh-TW" altLang="en-US" sz="1800" dirty="0">
               <a:latin typeface="Times" panose="02020603050405020304" pitchFamily="18" charset="0"/>
               <a:ea typeface="標楷體" panose="03000509000000000000" pitchFamily="65" charset="-120"/>
               <a:cs typeface="Times" panose="02020603050405020304" pitchFamily="18" charset="0"/>
@@ -17624,7 +19266,7 @@
           <p:cNvPr id="4" name="投影片編號版面配置區 3">
             <a:extLst>
               <a:ext uri="{FF2B5EF4-FFF2-40B4-BE49-F238E27FC236}">
-                <a16:creationId xmlns:a16="http://schemas.microsoft.com/office/drawing/2014/main" id="{4F34BD4F-A1A7-2695-B9CD-0B31024175B2}"/>
+                <a16:creationId xmlns:a16="http://schemas.microsoft.com/office/drawing/2014/main" id="{8D32F76D-D6A8-DCEB-6C3A-9618740880B8}"/>
               </a:ext>
             </a:extLst>
           </p:cNvPr>
@@ -17651,7 +19293,7 @@
     </p:spTree>
     <p:extLst>
       <p:ext uri="{BB962C8B-B14F-4D97-AF65-F5344CB8AC3E}">
-        <p14:creationId xmlns:p14="http://schemas.microsoft.com/office/powerpoint/2010/main" val="4221834950"/>
+        <p14:creationId xmlns:p14="http://schemas.microsoft.com/office/powerpoint/2010/main" val="3124168817"/>
       </p:ext>
     </p:extLst>
   </p:cSld>
@@ -17680,10 +19322,10 @@
       </p:grpSpPr>
       <p:sp>
         <p:nvSpPr>
-          <p:cNvPr id="2" name="標題 1">
+          <p:cNvPr id="2" name="Title 1">
             <a:extLst>
               <a:ext uri="{FF2B5EF4-FFF2-40B4-BE49-F238E27FC236}">
-                <a16:creationId xmlns:a16="http://schemas.microsoft.com/office/drawing/2014/main" id="{F49B282A-FF7E-D28E-E7C9-7C9011B3A142}"/>
+                <a16:creationId xmlns:a16="http://schemas.microsoft.com/office/drawing/2014/main" id="{034B2B09-3A89-725A-85C2-749F88A4474D}"/>
               </a:ext>
             </a:extLst>
           </p:cNvPr>
@@ -17696,104 +19338,29 @@
         </p:nvSpPr>
         <p:spPr/>
         <p:txBody>
-          <a:bodyPr>
-            <a:normAutofit/>
-          </a:bodyPr>
+          <a:bodyPr/>
           <a:lstStyle/>
           <a:p>
             <a:r>
-              <a:rPr lang="en-US" altLang="zh-TW" sz="4000" dirty="0" err="1">
-                <a:latin typeface="Times" panose="02020603050405020304" pitchFamily="18" charset="0"/>
-                <a:cs typeface="Times" panose="02020603050405020304" pitchFamily="18" charset="0"/>
-              </a:rPr>
-              <a:t>CmpCNN</a:t>
-            </a:r>
-            <a:r>
-              <a:rPr lang="en-US" altLang="zh-TW" sz="4000" dirty="0">
-                <a:latin typeface="Times" panose="02020603050405020304" pitchFamily="18" charset="0"/>
-                <a:cs typeface="Times" panose="02020603050405020304" pitchFamily="18" charset="0"/>
-              </a:rPr>
-              <a:t> Model</a:t>
-            </a:r>
-            <a:endParaRPr lang="zh-TW" altLang="en-US" sz="4000" dirty="0">
-              <a:latin typeface="Times" panose="02020603050405020304" pitchFamily="18" charset="0"/>
-              <a:cs typeface="Times" panose="02020603050405020304" pitchFamily="18" charset="0"/>
+              <a:rPr lang="en-US" sz="4000" dirty="0">
+                <a:latin typeface="Times New Roman" panose="02020603050405020304" pitchFamily="18" charset="0"/>
+                <a:cs typeface="Times New Roman" panose="02020603050405020304" pitchFamily="18" charset="0"/>
+              </a:rPr>
+              <a:t>Outline</a:t>
+            </a:r>
+            <a:endParaRPr lang="en-US" dirty="0">
+              <a:latin typeface="Times New Roman" panose="02020603050405020304" pitchFamily="18" charset="0"/>
+              <a:cs typeface="Times New Roman" panose="02020603050405020304" pitchFamily="18" charset="0"/>
             </a:endParaRPr>
           </a:p>
         </p:txBody>
       </p:sp>
       <p:sp>
         <p:nvSpPr>
-          <p:cNvPr id="3" name="內容版面配置區 2">
+          <p:cNvPr id="4" name="Slide Number Placeholder 3">
             <a:extLst>
               <a:ext uri="{FF2B5EF4-FFF2-40B4-BE49-F238E27FC236}">
-                <a16:creationId xmlns:a16="http://schemas.microsoft.com/office/drawing/2014/main" id="{6532586F-2B33-9C61-58DC-9046125E1570}"/>
-              </a:ext>
-            </a:extLst>
-          </p:cNvPr>
-          <p:cNvSpPr>
-            <a:spLocks noGrp="1"/>
-          </p:cNvSpPr>
-          <p:nvPr>
-            <p:ph idx="1"/>
-          </p:nvPr>
-        </p:nvSpPr>
-        <p:spPr/>
-        <p:txBody>
-          <a:bodyPr>
-            <a:normAutofit/>
-          </a:bodyPr>
-          <a:lstStyle/>
-          <a:p>
-            <a:pPr>
-              <a:lnSpc>
-                <a:spcPct val="150000"/>
-              </a:lnSpc>
-            </a:pPr>
-            <a:r>
-              <a:rPr lang="en-US" altLang="zh-TW" sz="2200" dirty="0">
-                <a:latin typeface="Times" panose="02020603050405020304" pitchFamily="18" charset="0"/>
-                <a:ea typeface="標楷體" panose="03000509000000000000" pitchFamily="65" charset="-120"/>
-                <a:cs typeface="Times" panose="02020603050405020304" pitchFamily="18" charset="0"/>
-              </a:rPr>
-              <a:t>Accurate CMP model for height prediction to guide the fill process is of great importance.</a:t>
-            </a:r>
-          </a:p>
-          <a:p>
-            <a:pPr>
-              <a:lnSpc>
-                <a:spcPct val="150000"/>
-              </a:lnSpc>
-            </a:pPr>
-            <a:r>
-              <a:rPr lang="en-US" altLang="zh-TW" sz="2200" dirty="0">
-                <a:latin typeface="Times" panose="02020603050405020304" pitchFamily="18" charset="0"/>
-                <a:ea typeface="標楷體" panose="03000509000000000000" pitchFamily="65" charset="-120"/>
-                <a:cs typeface="Times" panose="02020603050405020304" pitchFamily="18" charset="0"/>
-              </a:rPr>
-              <a:t>Achieve 1.89× error reduction while also maintaining 57× speedup.</a:t>
-            </a:r>
-          </a:p>
-          <a:p>
-            <a:pPr>
-              <a:lnSpc>
-                <a:spcPct val="150000"/>
-              </a:lnSpc>
-            </a:pPr>
-            <a:endParaRPr lang="zh-TW" altLang="en-US" sz="2200" dirty="0">
-              <a:latin typeface="Times" panose="02020603050405020304" pitchFamily="18" charset="0"/>
-              <a:ea typeface="標楷體" panose="03000509000000000000" pitchFamily="65" charset="-120"/>
-              <a:cs typeface="Times" panose="02020603050405020304" pitchFamily="18" charset="0"/>
-            </a:endParaRPr>
-          </a:p>
-        </p:txBody>
-      </p:sp>
-      <p:sp>
-        <p:nvSpPr>
-          <p:cNvPr id="4" name="投影片編號版面配置區 3">
-            <a:extLst>
-              <a:ext uri="{FF2B5EF4-FFF2-40B4-BE49-F238E27FC236}">
-                <a16:creationId xmlns:a16="http://schemas.microsoft.com/office/drawing/2014/main" id="{4F34BD4F-A1A7-2695-B9CD-0B31024175B2}"/>
+                <a16:creationId xmlns:a16="http://schemas.microsoft.com/office/drawing/2014/main" id="{3592E110-E718-0573-BF00-CE5E90916A66}"/>
               </a:ext>
             </a:extLst>
           </p:cNvPr>
@@ -17817,10 +19384,298 @@
           </a:p>
         </p:txBody>
       </p:sp>
+      <p:sp>
+        <p:nvSpPr>
+          <p:cNvPr id="7" name="Content Placeholder 2">
+            <a:extLst>
+              <a:ext uri="{FF2B5EF4-FFF2-40B4-BE49-F238E27FC236}">
+                <a16:creationId xmlns:a16="http://schemas.microsoft.com/office/drawing/2014/main" id="{85FB6EDC-A81C-417F-C3B2-4378D3D43B94}"/>
+              </a:ext>
+            </a:extLst>
+          </p:cNvPr>
+          <p:cNvSpPr txBox="1">
+            <a:spLocks/>
+          </p:cNvSpPr>
+          <p:nvPr/>
+        </p:nvSpPr>
+        <p:spPr>
+          <a:xfrm>
+            <a:off x="1028700" y="1690688"/>
+            <a:ext cx="10515600" cy="4351338"/>
+          </a:xfrm>
+          <a:prstGeom prst="rect">
+            <a:avLst/>
+          </a:prstGeom>
+        </p:spPr>
+        <p:txBody>
+          <a:bodyPr vert="horz" lIns="91440" tIns="45720" rIns="91440" bIns="45720" rtlCol="0">
+            <a:normAutofit/>
+          </a:bodyPr>
+          <a:lstStyle>
+            <a:lvl1pPr marL="228600" indent="-228600" algn="l" defTabSz="914400" rtl="0" eaLnBrk="1" latinLnBrk="0" hangingPunct="1">
+              <a:lnSpc>
+                <a:spcPct val="90000"/>
+              </a:lnSpc>
+              <a:spcBef>
+                <a:spcPts val="1000"/>
+              </a:spcBef>
+              <a:buFont typeface="Arial" panose="020B0604020202020204" pitchFamily="34" charset="0"/>
+              <a:buChar char="•"/>
+              <a:defRPr sz="2800" kern="1200">
+                <a:solidFill>
+                  <a:schemeClr val="tx1"/>
+                </a:solidFill>
+                <a:latin typeface="+mn-lt"/>
+                <a:ea typeface="+mn-ea"/>
+                <a:cs typeface="+mn-cs"/>
+              </a:defRPr>
+            </a:lvl1pPr>
+            <a:lvl2pPr marL="685800" indent="-228600" algn="l" defTabSz="914400" rtl="0" eaLnBrk="1" latinLnBrk="0" hangingPunct="1">
+              <a:lnSpc>
+                <a:spcPct val="90000"/>
+              </a:lnSpc>
+              <a:spcBef>
+                <a:spcPts val="500"/>
+              </a:spcBef>
+              <a:buFont typeface="Arial" panose="020B0604020202020204" pitchFamily="34" charset="0"/>
+              <a:buChar char="•"/>
+              <a:defRPr sz="2400" kern="1200">
+                <a:solidFill>
+                  <a:schemeClr val="tx1"/>
+                </a:solidFill>
+                <a:latin typeface="+mn-lt"/>
+                <a:ea typeface="+mn-ea"/>
+                <a:cs typeface="+mn-cs"/>
+              </a:defRPr>
+            </a:lvl2pPr>
+            <a:lvl3pPr marL="1143000" indent="-228600" algn="l" defTabSz="914400" rtl="0" eaLnBrk="1" latinLnBrk="0" hangingPunct="1">
+              <a:lnSpc>
+                <a:spcPct val="90000"/>
+              </a:lnSpc>
+              <a:spcBef>
+                <a:spcPts val="500"/>
+              </a:spcBef>
+              <a:buFont typeface="Arial" panose="020B0604020202020204" pitchFamily="34" charset="0"/>
+              <a:buChar char="•"/>
+              <a:defRPr sz="2000" kern="1200">
+                <a:solidFill>
+                  <a:schemeClr val="tx1"/>
+                </a:solidFill>
+                <a:latin typeface="+mn-lt"/>
+                <a:ea typeface="+mn-ea"/>
+                <a:cs typeface="+mn-cs"/>
+              </a:defRPr>
+            </a:lvl3pPr>
+            <a:lvl4pPr marL="1600200" indent="-228600" algn="l" defTabSz="914400" rtl="0" eaLnBrk="1" latinLnBrk="0" hangingPunct="1">
+              <a:lnSpc>
+                <a:spcPct val="90000"/>
+              </a:lnSpc>
+              <a:spcBef>
+                <a:spcPts val="500"/>
+              </a:spcBef>
+              <a:buFont typeface="Arial" panose="020B0604020202020204" pitchFamily="34" charset="0"/>
+              <a:buChar char="•"/>
+              <a:defRPr sz="1800" kern="1200">
+                <a:solidFill>
+                  <a:schemeClr val="tx1"/>
+                </a:solidFill>
+                <a:latin typeface="+mn-lt"/>
+                <a:ea typeface="+mn-ea"/>
+                <a:cs typeface="+mn-cs"/>
+              </a:defRPr>
+            </a:lvl4pPr>
+            <a:lvl5pPr marL="2057400" indent="-228600" algn="l" defTabSz="914400" rtl="0" eaLnBrk="1" latinLnBrk="0" hangingPunct="1">
+              <a:lnSpc>
+                <a:spcPct val="90000"/>
+              </a:lnSpc>
+              <a:spcBef>
+                <a:spcPts val="500"/>
+              </a:spcBef>
+              <a:buFont typeface="Arial" panose="020B0604020202020204" pitchFamily="34" charset="0"/>
+              <a:buChar char="•"/>
+              <a:defRPr sz="1800" kern="1200">
+                <a:solidFill>
+                  <a:schemeClr val="tx1"/>
+                </a:solidFill>
+                <a:latin typeface="+mn-lt"/>
+                <a:ea typeface="+mn-ea"/>
+                <a:cs typeface="+mn-cs"/>
+              </a:defRPr>
+            </a:lvl5pPr>
+            <a:lvl6pPr marL="2514600" indent="-228600" algn="l" defTabSz="914400" rtl="0" eaLnBrk="1" latinLnBrk="0" hangingPunct="1">
+              <a:lnSpc>
+                <a:spcPct val="90000"/>
+              </a:lnSpc>
+              <a:spcBef>
+                <a:spcPts val="500"/>
+              </a:spcBef>
+              <a:buFont typeface="Arial" panose="020B0604020202020204" pitchFamily="34" charset="0"/>
+              <a:buChar char="•"/>
+              <a:defRPr sz="1800" kern="1200">
+                <a:solidFill>
+                  <a:schemeClr val="tx1"/>
+                </a:solidFill>
+                <a:latin typeface="+mn-lt"/>
+                <a:ea typeface="+mn-ea"/>
+                <a:cs typeface="+mn-cs"/>
+              </a:defRPr>
+            </a:lvl6pPr>
+            <a:lvl7pPr marL="2971800" indent="-228600" algn="l" defTabSz="914400" rtl="0" eaLnBrk="1" latinLnBrk="0" hangingPunct="1">
+              <a:lnSpc>
+                <a:spcPct val="90000"/>
+              </a:lnSpc>
+              <a:spcBef>
+                <a:spcPts val="500"/>
+              </a:spcBef>
+              <a:buFont typeface="Arial" panose="020B0604020202020204" pitchFamily="34" charset="0"/>
+              <a:buChar char="•"/>
+              <a:defRPr sz="1800" kern="1200">
+                <a:solidFill>
+                  <a:schemeClr val="tx1"/>
+                </a:solidFill>
+                <a:latin typeface="+mn-lt"/>
+                <a:ea typeface="+mn-ea"/>
+                <a:cs typeface="+mn-cs"/>
+              </a:defRPr>
+            </a:lvl7pPr>
+            <a:lvl8pPr marL="3429000" indent="-228600" algn="l" defTabSz="914400" rtl="0" eaLnBrk="1" latinLnBrk="0" hangingPunct="1">
+              <a:lnSpc>
+                <a:spcPct val="90000"/>
+              </a:lnSpc>
+              <a:spcBef>
+                <a:spcPts val="500"/>
+              </a:spcBef>
+              <a:buFont typeface="Arial" panose="020B0604020202020204" pitchFamily="34" charset="0"/>
+              <a:buChar char="•"/>
+              <a:defRPr sz="1800" kern="1200">
+                <a:solidFill>
+                  <a:schemeClr val="tx1"/>
+                </a:solidFill>
+                <a:latin typeface="+mn-lt"/>
+                <a:ea typeface="+mn-ea"/>
+                <a:cs typeface="+mn-cs"/>
+              </a:defRPr>
+            </a:lvl8pPr>
+            <a:lvl9pPr marL="3886200" indent="-228600" algn="l" defTabSz="914400" rtl="0" eaLnBrk="1" latinLnBrk="0" hangingPunct="1">
+              <a:lnSpc>
+                <a:spcPct val="90000"/>
+              </a:lnSpc>
+              <a:spcBef>
+                <a:spcPts val="500"/>
+              </a:spcBef>
+              <a:buFont typeface="Arial" panose="020B0604020202020204" pitchFamily="34" charset="0"/>
+              <a:buChar char="•"/>
+              <a:defRPr sz="1800" kern="1200">
+                <a:solidFill>
+                  <a:schemeClr val="tx1"/>
+                </a:solidFill>
+                <a:latin typeface="+mn-lt"/>
+                <a:ea typeface="+mn-ea"/>
+                <a:cs typeface="+mn-cs"/>
+              </a:defRPr>
+            </a:lvl9pPr>
+          </a:lstStyle>
+          <a:p>
+            <a:pPr>
+              <a:lnSpc>
+                <a:spcPct val="130000"/>
+              </a:lnSpc>
+            </a:pPr>
+            <a:r>
+              <a:rPr lang="en-US" sz="2400" dirty="0">
+                <a:solidFill>
+                  <a:schemeClr val="bg1">
+                    <a:lumMod val="50000"/>
+                  </a:schemeClr>
+                </a:solidFill>
+                <a:latin typeface="Times New Roman" panose="02020603050405020304" pitchFamily="18" charset="0"/>
+                <a:cs typeface="Times New Roman" panose="02020603050405020304" pitchFamily="18" charset="0"/>
+              </a:rPr>
+              <a:t>Introduction</a:t>
+            </a:r>
+          </a:p>
+          <a:p>
+            <a:pPr>
+              <a:lnSpc>
+                <a:spcPct val="130000"/>
+              </a:lnSpc>
+            </a:pPr>
+            <a:r>
+              <a:rPr lang="en-US" sz="2400" dirty="0">
+                <a:latin typeface="Times New Roman" panose="02020603050405020304" pitchFamily="18" charset="0"/>
+                <a:cs typeface="Times New Roman" panose="02020603050405020304" pitchFamily="18" charset="0"/>
+              </a:rPr>
+              <a:t>Preliminaries</a:t>
+            </a:r>
+          </a:p>
+          <a:p>
+            <a:pPr>
+              <a:lnSpc>
+                <a:spcPct val="130000"/>
+              </a:lnSpc>
+            </a:pPr>
+            <a:r>
+              <a:rPr lang="en-US" sz="2400" dirty="0">
+                <a:solidFill>
+                  <a:schemeClr val="bg1">
+                    <a:lumMod val="50000"/>
+                  </a:schemeClr>
+                </a:solidFill>
+                <a:latin typeface="Times New Roman" panose="02020603050405020304" pitchFamily="18" charset="0"/>
+                <a:cs typeface="Times New Roman" panose="02020603050405020304" pitchFamily="18" charset="0"/>
+              </a:rPr>
+              <a:t>MOGA-</a:t>
+            </a:r>
+            <a:r>
+              <a:rPr lang="en-US" sz="2400" dirty="0" err="1">
+                <a:solidFill>
+                  <a:schemeClr val="bg1">
+                    <a:lumMod val="50000"/>
+                  </a:schemeClr>
+                </a:solidFill>
+                <a:latin typeface="Times New Roman" panose="02020603050405020304" pitchFamily="18" charset="0"/>
+                <a:cs typeface="Times New Roman" panose="02020603050405020304" pitchFamily="18" charset="0"/>
+              </a:rPr>
+              <a:t>CmpCNN</a:t>
+            </a:r>
+            <a:r>
+              <a:rPr lang="en-US" sz="2400" dirty="0">
+                <a:solidFill>
+                  <a:schemeClr val="bg1">
+                    <a:lumMod val="50000"/>
+                  </a:schemeClr>
+                </a:solidFill>
+                <a:latin typeface="Times New Roman" panose="02020603050405020304" pitchFamily="18" charset="0"/>
+                <a:cs typeface="Times New Roman" panose="02020603050405020304" pitchFamily="18" charset="0"/>
+              </a:rPr>
+              <a:t> Framework</a:t>
+            </a:r>
+          </a:p>
+          <a:p>
+            <a:pPr>
+              <a:lnSpc>
+                <a:spcPct val="130000"/>
+              </a:lnSpc>
+            </a:pPr>
+            <a:r>
+              <a:rPr lang="en-US" sz="2400" dirty="0">
+                <a:solidFill>
+                  <a:schemeClr val="bg1">
+                    <a:lumMod val="50000"/>
+                  </a:schemeClr>
+                </a:solidFill>
+                <a:latin typeface="Times New Roman" panose="02020603050405020304" pitchFamily="18" charset="0"/>
+                <a:cs typeface="Times New Roman" panose="02020603050405020304" pitchFamily="18" charset="0"/>
+              </a:rPr>
+              <a:t>Experimental Result</a:t>
+            </a:r>
+          </a:p>
+        </p:txBody>
+      </p:sp>
     </p:spTree>
     <p:extLst>
       <p:ext uri="{BB962C8B-B14F-4D97-AF65-F5344CB8AC3E}">
-        <p14:creationId xmlns:p14="http://schemas.microsoft.com/office/powerpoint/2010/main" val="2895692459"/>
+        <p14:creationId xmlns:p14="http://schemas.microsoft.com/office/powerpoint/2010/main" val="2270063442"/>
       </p:ext>
     </p:extLst>
   </p:cSld>
@@ -17875,21 +19730,7 @@
                 <a:latin typeface="Times" panose="02020603050405020304" pitchFamily="18" charset="0"/>
                 <a:cs typeface="Times" panose="02020603050405020304" pitchFamily="18" charset="0"/>
               </a:rPr>
-              <a:t>MOGA-</a:t>
-            </a:r>
-            <a:r>
-              <a:rPr lang="en-US" altLang="zh-TW" sz="4000" dirty="0" err="1">
-                <a:latin typeface="Times" panose="02020603050405020304" pitchFamily="18" charset="0"/>
-                <a:cs typeface="Times" panose="02020603050405020304" pitchFamily="18" charset="0"/>
-              </a:rPr>
-              <a:t>CmpCNN</a:t>
-            </a:r>
-            <a:r>
-              <a:rPr lang="en-US" altLang="zh-TW" sz="4000" dirty="0">
-                <a:latin typeface="Times" panose="02020603050405020304" pitchFamily="18" charset="0"/>
-                <a:cs typeface="Times" panose="02020603050405020304" pitchFamily="18" charset="0"/>
-              </a:rPr>
-              <a:t> Framework</a:t>
+              <a:t>Preliminaries – Fill Patterns</a:t>
             </a:r>
             <a:endParaRPr lang="zh-TW" altLang="en-US" sz="4000" dirty="0">
               <a:latin typeface="Times" panose="02020603050405020304" pitchFamily="18" charset="0"/>
@@ -17898,253 +19739,241 @@
           </a:p>
         </p:txBody>
       </p:sp>
-      <mc:AlternateContent xmlns:mc="http://schemas.openxmlformats.org/markup-compatibility/2006" xmlns:a14="http://schemas.microsoft.com/office/drawing/2010/main">
-        <mc:Choice Requires="a14">
-          <p:sp>
-            <p:nvSpPr>
-              <p:cNvPr id="3" name="內容版面配置區 2">
-                <a:extLst>
-                  <a:ext uri="{FF2B5EF4-FFF2-40B4-BE49-F238E27FC236}">
-                    <a16:creationId xmlns:a16="http://schemas.microsoft.com/office/drawing/2014/main" id="{6532586F-2B33-9C61-58DC-9046125E1570}"/>
-                  </a:ext>
-                </a:extLst>
-              </p:cNvPr>
-              <p:cNvSpPr>
-                <a:spLocks noGrp="1"/>
-              </p:cNvSpPr>
-              <p:nvPr>
-                <p:ph idx="1"/>
-              </p:nvPr>
-            </p:nvSpPr>
-            <p:spPr/>
-            <p:txBody>
-              <a:bodyPr>
-                <a:normAutofit/>
-              </a:bodyPr>
-              <a:lstStyle/>
-              <a:p>
-                <a:pPr marL="457200" indent="-457200">
-                  <a:lnSpc>
-                    <a:spcPct val="150000"/>
-                  </a:lnSpc>
-                  <a:buFont typeface="+mj-lt"/>
-                  <a:buAutoNum type="arabicPeriod"/>
-                </a:pPr>
-                <a:r>
-                  <a:rPr lang="en-US" altLang="zh-TW" sz="2200" dirty="0">
-                    <a:latin typeface="Times" panose="02020603050405020304" pitchFamily="18" charset="0"/>
-                    <a:ea typeface="標楷體" panose="03000509000000000000" pitchFamily="65" charset="-120"/>
-                    <a:cs typeface="Times" panose="02020603050405020304" pitchFamily="18" charset="0"/>
-                  </a:rPr>
-                  <a:t>Layout Discretization and Fillable Region Extraction</a:t>
-                </a:r>
-              </a:p>
-              <a:p>
-                <a:pPr lvl="1">
-                  <a:lnSpc>
-                    <a:spcPct val="150000"/>
-                  </a:lnSpc>
-                </a:pPr>
-                <a:r>
-                  <a:rPr lang="en-US" altLang="zh-TW" sz="2000" dirty="0">
-                    <a:latin typeface="Times" panose="02020603050405020304" pitchFamily="18" charset="0"/>
-                    <a:ea typeface="標楷體" panose="03000509000000000000" pitchFamily="65" charset="-120"/>
-                    <a:cs typeface="Times" panose="02020603050405020304" pitchFamily="18" charset="0"/>
-                  </a:rPr>
-                  <a:t>MOGA: multi-objective genetic algorithms.</a:t>
-                </a:r>
-              </a:p>
-              <a:p>
-                <a:pPr lvl="1">
-                  <a:lnSpc>
-                    <a:spcPct val="150000"/>
-                  </a:lnSpc>
-                </a:pPr>
-                <a:r>
-                  <a:rPr lang="en-US" altLang="zh-TW" sz="2000" dirty="0">
-                    <a:latin typeface="Times" panose="02020603050405020304" pitchFamily="18" charset="0"/>
-                    <a:ea typeface="標楷體" panose="03000509000000000000" pitchFamily="65" charset="-120"/>
-                    <a:cs typeface="Times" panose="02020603050405020304" pitchFamily="18" charset="0"/>
-                  </a:rPr>
-                  <a:t>Divide the layout into multiple windows with a uniform size </a:t>
-                </a:r>
-                <a14:m>
-                  <m:oMath xmlns:m="http://schemas.openxmlformats.org/officeDocument/2006/math">
-                    <m:sSub>
-                      <m:sSubPr>
-                        <m:ctrlPr>
-                          <a:rPr lang="en-US" altLang="zh-TW" sz="2000" i="1" smtClean="0">
-                            <a:latin typeface="Cambria Math" panose="02040503050406030204" pitchFamily="18" charset="0"/>
-                            <a:ea typeface="標楷體" panose="03000509000000000000" pitchFamily="65" charset="-120"/>
-                            <a:cs typeface="Times" panose="02020603050405020304" pitchFamily="18" charset="0"/>
-                          </a:rPr>
-                        </m:ctrlPr>
-                      </m:sSubPr>
-                      <m:e>
-                        <m:r>
-                          <a:rPr lang="en-US" altLang="zh-TW" sz="2000" b="0" i="1" smtClean="0">
-                            <a:latin typeface="Cambria Math" panose="02040503050406030204" pitchFamily="18" charset="0"/>
-                            <a:ea typeface="標楷體" panose="03000509000000000000" pitchFamily="65" charset="-120"/>
-                            <a:cs typeface="Times" panose="02020603050405020304" pitchFamily="18" charset="0"/>
-                          </a:rPr>
-                          <m:t>𝑊</m:t>
-                        </m:r>
-                      </m:e>
-                      <m:sub>
-                        <m:r>
-                          <a:rPr lang="en-US" altLang="zh-TW" sz="2000" b="0" i="1" smtClean="0">
-                            <a:latin typeface="Cambria Math" panose="02040503050406030204" pitchFamily="18" charset="0"/>
-                            <a:ea typeface="標楷體" panose="03000509000000000000" pitchFamily="65" charset="-120"/>
-                            <a:cs typeface="Times" panose="02020603050405020304" pitchFamily="18" charset="0"/>
-                          </a:rPr>
-                          <m:t>1</m:t>
-                        </m:r>
-                      </m:sub>
-                    </m:sSub>
-                    <m:r>
-                      <a:rPr lang="en-US" altLang="zh-TW" sz="2000" i="1" smtClean="0">
-                        <a:latin typeface="Cambria Math" panose="02040503050406030204" pitchFamily="18" charset="0"/>
-                        <a:ea typeface="Cambria Math" panose="02040503050406030204" pitchFamily="18" charset="0"/>
-                        <a:cs typeface="Times" panose="02020603050405020304" pitchFamily="18" charset="0"/>
-                      </a:rPr>
-                      <m:t>×</m:t>
-                    </m:r>
-                    <m:sSub>
-                      <m:sSubPr>
-                        <m:ctrlPr>
-                          <a:rPr lang="en-US" altLang="zh-TW" sz="2000" i="1" smtClean="0">
-                            <a:latin typeface="Cambria Math" panose="02040503050406030204" pitchFamily="18" charset="0"/>
-                            <a:ea typeface="Cambria Math" panose="02040503050406030204" pitchFamily="18" charset="0"/>
-                            <a:cs typeface="Times" panose="02020603050405020304" pitchFamily="18" charset="0"/>
-                          </a:rPr>
-                        </m:ctrlPr>
-                      </m:sSubPr>
-                      <m:e>
-                        <m:r>
-                          <a:rPr lang="en-US" altLang="zh-TW" sz="2000" b="0" i="1" smtClean="0">
-                            <a:latin typeface="Cambria Math" panose="02040503050406030204" pitchFamily="18" charset="0"/>
-                            <a:ea typeface="Cambria Math" panose="02040503050406030204" pitchFamily="18" charset="0"/>
-                            <a:cs typeface="Times" panose="02020603050405020304" pitchFamily="18" charset="0"/>
-                          </a:rPr>
-                          <m:t>𝑊</m:t>
-                        </m:r>
-                      </m:e>
-                      <m:sub>
-                        <m:r>
-                          <a:rPr lang="en-US" altLang="zh-TW" sz="2000" b="0" i="1" smtClean="0">
-                            <a:latin typeface="Cambria Math" panose="02040503050406030204" pitchFamily="18" charset="0"/>
-                            <a:ea typeface="Cambria Math" panose="02040503050406030204" pitchFamily="18" charset="0"/>
-                            <a:cs typeface="Times" panose="02020603050405020304" pitchFamily="18" charset="0"/>
-                          </a:rPr>
-                          <m:t>2</m:t>
-                        </m:r>
-                      </m:sub>
-                    </m:sSub>
-                  </m:oMath>
-                </a14:m>
-                <a:r>
-                  <a:rPr lang="en-US" altLang="zh-TW" sz="2000" dirty="0">
-                    <a:latin typeface="Times" panose="02020603050405020304" pitchFamily="18" charset="0"/>
-                    <a:ea typeface="標楷體" panose="03000509000000000000" pitchFamily="65" charset="-120"/>
-                    <a:cs typeface="Times" panose="02020603050405020304" pitchFamily="18" charset="0"/>
-                  </a:rPr>
-                  <a:t>.</a:t>
-                </a:r>
-              </a:p>
-              <a:p>
-                <a:pPr lvl="1">
-                  <a:lnSpc>
-                    <a:spcPct val="150000"/>
-                  </a:lnSpc>
-                </a:pPr>
-                <a:r>
-                  <a:rPr lang="en-US" altLang="zh-TW" sz="2000" dirty="0">
-                    <a:latin typeface="Times" panose="02020603050405020304" pitchFamily="18" charset="0"/>
-                    <a:ea typeface="標楷體" panose="03000509000000000000" pitchFamily="65" charset="-120"/>
-                    <a:cs typeface="Times" panose="02020603050405020304" pitchFamily="18" charset="0"/>
-                  </a:rPr>
-                  <a:t>Extract fillable regions of each window for subsequent fill insertion.</a:t>
-                </a:r>
-              </a:p>
-              <a:p>
-                <a:pPr lvl="1">
-                  <a:lnSpc>
-                    <a:spcPct val="150000"/>
-                  </a:lnSpc>
-                </a:pPr>
-                <a:r>
-                  <a:rPr lang="en-US" altLang="zh-TW" sz="2000" dirty="0">
-                    <a:latin typeface="Times" panose="02020603050405020304" pitchFamily="18" charset="0"/>
-                    <a:ea typeface="標楷體" panose="03000509000000000000" pitchFamily="65" charset="-120"/>
-                    <a:cs typeface="Times" panose="02020603050405020304" pitchFamily="18" charset="0"/>
-                  </a:rPr>
-                  <a:t>To ensure DRC-complaint, the fillable region and dummy fill is moved inward and backward from the boundary of the windows by </a:t>
-                </a:r>
-                <a:r>
-                  <a:rPr lang="en-US" altLang="zh-TW" sz="2000" b="1" dirty="0">
-                    <a:latin typeface="Times" panose="02020603050405020304" pitchFamily="18" charset="0"/>
-                    <a:ea typeface="標楷體" panose="03000509000000000000" pitchFamily="65" charset="-120"/>
-                    <a:cs typeface="Times" panose="02020603050405020304" pitchFamily="18" charset="0"/>
-                  </a:rPr>
-                  <a:t>half of the minimum space</a:t>
-                </a:r>
-                <a:r>
-                  <a:rPr lang="en-US" altLang="zh-TW" sz="2000" dirty="0">
-                    <a:latin typeface="Times" panose="02020603050405020304" pitchFamily="18" charset="0"/>
-                    <a:ea typeface="標楷體" panose="03000509000000000000" pitchFamily="65" charset="-120"/>
-                    <a:cs typeface="Times" panose="02020603050405020304" pitchFamily="18" charset="0"/>
-                  </a:rPr>
-                  <a:t>.</a:t>
-                </a:r>
-                <a:endParaRPr lang="zh-TW" altLang="en-US" sz="2000" dirty="0">
-                  <a:latin typeface="Times" panose="02020603050405020304" pitchFamily="18" charset="0"/>
-                  <a:ea typeface="標楷體" panose="03000509000000000000" pitchFamily="65" charset="-120"/>
-                  <a:cs typeface="Times" panose="02020603050405020304" pitchFamily="18" charset="0"/>
-                </a:endParaRPr>
-              </a:p>
-            </p:txBody>
-          </p:sp>
-        </mc:Choice>
-        <mc:Fallback xmlns="">
-          <p:sp>
-            <p:nvSpPr>
-              <p:cNvPr id="3" name="內容版面配置區 2">
-                <a:extLst>
-                  <a:ext uri="{FF2B5EF4-FFF2-40B4-BE49-F238E27FC236}">
-                    <a16:creationId xmlns:a16="http://schemas.microsoft.com/office/drawing/2014/main" id="{6532586F-2B33-9C61-58DC-9046125E1570}"/>
-                  </a:ext>
-                </a:extLst>
-              </p:cNvPr>
-              <p:cNvSpPr>
-                <a:spLocks noGrp="1" noRot="1" noChangeAspect="1" noMove="1" noResize="1" noEditPoints="1" noAdjustHandles="1" noChangeArrowheads="1" noChangeShapeType="1" noTextEdit="1"/>
-              </p:cNvSpPr>
-              <p:nvPr>
-                <p:ph idx="1"/>
-              </p:nvPr>
-            </p:nvSpPr>
-            <p:spPr>
-              <a:blipFill>
-                <a:blip r:embed="rId3"/>
-                <a:stretch>
-                  <a:fillRect l="-638"/>
-                </a:stretch>
-              </a:blipFill>
-            </p:spPr>
-            <p:txBody>
-              <a:bodyPr/>
-              <a:lstStyle/>
-              <a:p>
-                <a:r>
-                  <a:rPr lang="zh-TW" altLang="en-US">
-                    <a:noFill/>
-                  </a:rPr>
-                  <a:t> </a:t>
-                </a:r>
-              </a:p>
-            </p:txBody>
-          </p:sp>
-        </mc:Fallback>
-      </mc:AlternateContent>
+      <p:sp>
+        <p:nvSpPr>
+          <p:cNvPr id="3" name="內容版面配置區 2">
+            <a:extLst>
+              <a:ext uri="{FF2B5EF4-FFF2-40B4-BE49-F238E27FC236}">
+                <a16:creationId xmlns:a16="http://schemas.microsoft.com/office/drawing/2014/main" id="{6532586F-2B33-9C61-58DC-9046125E1570}"/>
+              </a:ext>
+            </a:extLst>
+          </p:cNvPr>
+          <p:cNvSpPr>
+            <a:spLocks noGrp="1"/>
+          </p:cNvSpPr>
+          <p:nvPr>
+            <p:ph idx="1"/>
+          </p:nvPr>
+        </p:nvSpPr>
+        <p:spPr>
+          <a:xfrm>
+            <a:off x="838200" y="1825625"/>
+            <a:ext cx="11353800" cy="4895850"/>
+          </a:xfrm>
+        </p:spPr>
+        <p:txBody>
+          <a:bodyPr>
+            <a:normAutofit/>
+          </a:bodyPr>
+          <a:lstStyle/>
+          <a:p>
+            <a:pPr>
+              <a:lnSpc>
+                <a:spcPct val="150000"/>
+              </a:lnSpc>
+            </a:pPr>
+            <a:r>
+              <a:rPr lang="en-US" altLang="zh-TW" sz="2200" dirty="0">
+                <a:latin typeface="Times" panose="02020603050405020304" pitchFamily="18" charset="0"/>
+                <a:ea typeface="標楷體" panose="03000509000000000000" pitchFamily="65" charset="-120"/>
+                <a:cs typeface="Times" panose="02020603050405020304" pitchFamily="18" charset="0"/>
+              </a:rPr>
+              <a:t>Fill pattern in the metal fill process is important for the layout uniformity and reliability.</a:t>
+            </a:r>
+          </a:p>
+          <a:p>
+            <a:pPr>
+              <a:lnSpc>
+                <a:spcPct val="150000"/>
+              </a:lnSpc>
+            </a:pPr>
+            <a:r>
+              <a:rPr lang="en-US" altLang="zh-TW" sz="2200" dirty="0">
+                <a:latin typeface="Times" panose="02020603050405020304" pitchFamily="18" charset="0"/>
+                <a:ea typeface="標楷體" panose="03000509000000000000" pitchFamily="65" charset="-120"/>
+                <a:cs typeface="Times" panose="02020603050405020304" pitchFamily="18" charset="0"/>
+              </a:rPr>
+              <a:t>Rectangular metal fill</a:t>
+            </a:r>
+          </a:p>
+          <a:p>
+            <a:pPr lvl="1">
+              <a:lnSpc>
+                <a:spcPct val="150000"/>
+              </a:lnSpc>
+            </a:pPr>
+            <a:r>
+              <a:rPr lang="en-US" altLang="zh-TW" sz="2000" dirty="0">
+                <a:latin typeface="Times" panose="02020603050405020304" pitchFamily="18" charset="0"/>
+                <a:ea typeface="標楷體" panose="03000509000000000000" pitchFamily="65" charset="-120"/>
+                <a:cs typeface="Times" panose="02020603050405020304" pitchFamily="18" charset="0"/>
+              </a:rPr>
+              <a:t>Most commonly</a:t>
+            </a:r>
+            <a:r>
+              <a:rPr lang="zh-TW" altLang="en-US" sz="2000" dirty="0">
+                <a:latin typeface="Times" panose="02020603050405020304" pitchFamily="18" charset="0"/>
+                <a:ea typeface="標楷體" panose="03000509000000000000" pitchFamily="65" charset="-120"/>
+                <a:cs typeface="Times" panose="02020603050405020304" pitchFamily="18" charset="0"/>
+              </a:rPr>
+              <a:t> </a:t>
+            </a:r>
+            <a:r>
+              <a:rPr lang="en-US" altLang="zh-TW" sz="2000" dirty="0">
+                <a:latin typeface="Times" panose="02020603050405020304" pitchFamily="18" charset="0"/>
+                <a:ea typeface="標楷體" panose="03000509000000000000" pitchFamily="65" charset="-120"/>
+                <a:cs typeface="Times" panose="02020603050405020304" pitchFamily="18" charset="0"/>
+              </a:rPr>
+              <a:t>used, which evenly distributes metal density</a:t>
+            </a:r>
+          </a:p>
+          <a:p>
+            <a:pPr lvl="1">
+              <a:lnSpc>
+                <a:spcPct val="150000"/>
+              </a:lnSpc>
+            </a:pPr>
+            <a:r>
+              <a:rPr lang="en-US" altLang="zh-TW" sz="2000" dirty="0">
+                <a:latin typeface="Times" panose="02020603050405020304" pitchFamily="18" charset="0"/>
+                <a:ea typeface="標楷體" panose="03000509000000000000" pitchFamily="65" charset="-120"/>
+                <a:cs typeface="Times" panose="02020603050405020304" pitchFamily="18" charset="0"/>
+              </a:rPr>
+              <a:t>With different distribution characteristic functions (DCF), the </a:t>
+            </a:r>
+            <a:r>
+              <a:rPr lang="en-US" altLang="zh-TW" sz="2000" i="1" dirty="0">
+                <a:latin typeface="Times" panose="02020603050405020304" pitchFamily="18" charset="0"/>
+                <a:ea typeface="標楷體" panose="03000509000000000000" pitchFamily="65" charset="-120"/>
+                <a:cs typeface="Times" panose="02020603050405020304" pitchFamily="18" charset="0"/>
+              </a:rPr>
+              <a:t>fill width </a:t>
+            </a:r>
+            <a:r>
+              <a:rPr lang="en-US" altLang="zh-TW" sz="2000" dirty="0">
+                <a:latin typeface="Times" panose="02020603050405020304" pitchFamily="18" charset="0"/>
+                <a:ea typeface="標楷體" panose="03000509000000000000" pitchFamily="65" charset="-120"/>
+                <a:cs typeface="Times" panose="02020603050405020304" pitchFamily="18" charset="0"/>
+              </a:rPr>
+              <a:t>and the </a:t>
+            </a:r>
+            <a:r>
+              <a:rPr lang="en-US" altLang="zh-TW" sz="2000" i="1" dirty="0">
+                <a:latin typeface="Times" panose="02020603050405020304" pitchFamily="18" charset="0"/>
+                <a:ea typeface="標楷體" panose="03000509000000000000" pitchFamily="65" charset="-120"/>
+                <a:cs typeface="Times" panose="02020603050405020304" pitchFamily="18" charset="0"/>
+              </a:rPr>
+              <a:t>fill height </a:t>
+            </a:r>
+            <a:r>
+              <a:rPr lang="en-US" altLang="zh-TW" sz="2000" dirty="0">
+                <a:latin typeface="Times" panose="02020603050405020304" pitchFamily="18" charset="0"/>
+                <a:ea typeface="標楷體" panose="03000509000000000000" pitchFamily="65" charset="-120"/>
+                <a:cs typeface="Times" panose="02020603050405020304" pitchFamily="18" charset="0"/>
+              </a:rPr>
+              <a:t>are variables to lower the capacitance.</a:t>
+            </a:r>
+          </a:p>
+          <a:p>
+            <a:pPr>
+              <a:lnSpc>
+                <a:spcPct val="150000"/>
+              </a:lnSpc>
+            </a:pPr>
+            <a:r>
+              <a:rPr lang="en-US" altLang="zh-TW" sz="2200" dirty="0">
+                <a:latin typeface="Times" panose="02020603050405020304" pitchFamily="18" charset="0"/>
+                <a:ea typeface="標楷體" panose="03000509000000000000" pitchFamily="65" charset="-120"/>
+                <a:cs typeface="Times" panose="02020603050405020304" pitchFamily="18" charset="0"/>
+              </a:rPr>
+              <a:t>Staggered (</a:t>
+            </a:r>
+            <a:r>
+              <a:rPr lang="zh-TW" altLang="en-US" sz="2200" dirty="0">
+                <a:latin typeface="Times" panose="02020603050405020304" pitchFamily="18" charset="0"/>
+                <a:ea typeface="標楷體" panose="03000509000000000000" pitchFamily="65" charset="-120"/>
+                <a:cs typeface="Times" panose="02020603050405020304" pitchFamily="18" charset="0"/>
+              </a:rPr>
+              <a:t>交錯</a:t>
+            </a:r>
+            <a:r>
+              <a:rPr lang="en-US" altLang="zh-TW" sz="2200" dirty="0">
+                <a:latin typeface="Times" panose="02020603050405020304" pitchFamily="18" charset="0"/>
+                <a:ea typeface="標楷體" panose="03000509000000000000" pitchFamily="65" charset="-120"/>
+                <a:cs typeface="Times" panose="02020603050405020304" pitchFamily="18" charset="0"/>
+              </a:rPr>
+              <a:t>), alternate (</a:t>
+            </a:r>
+            <a:r>
+              <a:rPr lang="zh-TW" altLang="en-US" sz="2200" dirty="0">
+                <a:latin typeface="Times" panose="02020603050405020304" pitchFamily="18" charset="0"/>
+                <a:ea typeface="標楷體" panose="03000509000000000000" pitchFamily="65" charset="-120"/>
+                <a:cs typeface="Times" panose="02020603050405020304" pitchFamily="18" charset="0"/>
+              </a:rPr>
+              <a:t>交替</a:t>
+            </a:r>
+            <a:r>
+              <a:rPr lang="en-US" altLang="zh-TW" sz="2200" dirty="0">
+                <a:latin typeface="Times" panose="02020603050405020304" pitchFamily="18" charset="0"/>
+                <a:ea typeface="標楷體" panose="03000509000000000000" pitchFamily="65" charset="-120"/>
+                <a:cs typeface="Times" panose="02020603050405020304" pitchFamily="18" charset="0"/>
+              </a:rPr>
+              <a:t>), and basket-weave (</a:t>
+            </a:r>
+            <a:r>
+              <a:rPr lang="zh-TW" altLang="en-US" sz="2200" dirty="0">
+                <a:latin typeface="Times" panose="02020603050405020304" pitchFamily="18" charset="0"/>
+                <a:ea typeface="標楷體" panose="03000509000000000000" pitchFamily="65" charset="-120"/>
+                <a:cs typeface="Times" panose="02020603050405020304" pitchFamily="18" charset="0"/>
+              </a:rPr>
+              <a:t>編織式</a:t>
+            </a:r>
+            <a:r>
+              <a:rPr lang="en-US" altLang="zh-TW" sz="2200" dirty="0">
+                <a:latin typeface="Times" panose="02020603050405020304" pitchFamily="18" charset="0"/>
+                <a:ea typeface="標楷體" panose="03000509000000000000" pitchFamily="65" charset="-120"/>
+                <a:cs typeface="Times" panose="02020603050405020304" pitchFamily="18" charset="0"/>
+              </a:rPr>
+              <a:t>)</a:t>
+            </a:r>
+          </a:p>
+          <a:p>
+            <a:pPr lvl="1">
+              <a:lnSpc>
+                <a:spcPct val="150000"/>
+              </a:lnSpc>
+            </a:pPr>
+            <a:r>
+              <a:rPr lang="en-US" altLang="zh-TW" sz="2000" dirty="0">
+                <a:latin typeface="Times" panose="02020603050405020304" pitchFamily="18" charset="0"/>
+                <a:ea typeface="標楷體" panose="03000509000000000000" pitchFamily="65" charset="-120"/>
+                <a:cs typeface="Times" panose="02020603050405020304" pitchFamily="18" charset="0"/>
+              </a:rPr>
+              <a:t>Enhance manufacturability.</a:t>
+            </a:r>
+          </a:p>
+          <a:p>
+            <a:pPr lvl="1">
+              <a:lnSpc>
+                <a:spcPct val="150000"/>
+              </a:lnSpc>
+            </a:pPr>
+            <a:r>
+              <a:rPr lang="en-US" altLang="zh-TW" sz="2000" dirty="0">
+                <a:latin typeface="Times" panose="02020603050405020304" pitchFamily="18" charset="0"/>
+                <a:ea typeface="標楷體" panose="03000509000000000000" pitchFamily="65" charset="-120"/>
+                <a:cs typeface="Times" panose="02020603050405020304" pitchFamily="18" charset="0"/>
+              </a:rPr>
+              <a:t>Staggered is preferred with the ability to result in a more uniform etching rate.</a:t>
+            </a:r>
+            <a:endParaRPr lang="zh-TW" altLang="en-US" sz="2000" dirty="0">
+              <a:latin typeface="Times" panose="02020603050405020304" pitchFamily="18" charset="0"/>
+              <a:ea typeface="標楷體" panose="03000509000000000000" pitchFamily="65" charset="-120"/>
+              <a:cs typeface="Times" panose="02020603050405020304" pitchFamily="18" charset="0"/>
+            </a:endParaRPr>
+          </a:p>
+        </p:txBody>
+      </p:sp>
       <p:sp>
         <p:nvSpPr>
           <p:cNvPr id="4" name="投影片編號版面配置區 3">
@@ -18177,7 +20006,7 @@
     </p:spTree>
     <p:extLst>
       <p:ext uri="{BB962C8B-B14F-4D97-AF65-F5344CB8AC3E}">
-        <p14:creationId xmlns:p14="http://schemas.microsoft.com/office/powerpoint/2010/main" val="2646428489"/>
+        <p14:creationId xmlns:p14="http://schemas.microsoft.com/office/powerpoint/2010/main" val="4221834950"/>
       </p:ext>
     </p:extLst>
   </p:cSld>
@@ -18188,7 +20017,7 @@
 </file>
 
 <file path=ppt/slides/slide8.xml><?xml version="1.0" encoding="utf-8"?>
-<p:sld xmlns:a="http://schemas.openxmlformats.org/drawingml/2006/main" xmlns:r="http://schemas.openxmlformats.org/officeDocument/2006/relationships" xmlns:p="http://schemas.openxmlformats.org/presentationml/2006/main" show="0">
+<p:sld xmlns:a="http://schemas.openxmlformats.org/drawingml/2006/main" xmlns:r="http://schemas.openxmlformats.org/officeDocument/2006/relationships" xmlns:p="http://schemas.openxmlformats.org/presentationml/2006/main">
   <p:cSld>
     <p:spTree>
       <p:nvGrpSpPr>
@@ -18209,7 +20038,7 @@
           <p:cNvPr id="2" name="標題 1">
             <a:extLst>
               <a:ext uri="{FF2B5EF4-FFF2-40B4-BE49-F238E27FC236}">
-                <a16:creationId xmlns:a16="http://schemas.microsoft.com/office/drawing/2014/main" id="{F7337774-DF9A-733C-1A3C-6DBE6EA1AB09}"/>
+                <a16:creationId xmlns:a16="http://schemas.microsoft.com/office/drawing/2014/main" id="{F49B282A-FF7E-D28E-E7C9-7C9011B3A142}"/>
               </a:ext>
             </a:extLst>
           </p:cNvPr>
@@ -18222,48 +20051,111 @@
         </p:nvSpPr>
         <p:spPr/>
         <p:txBody>
-          <a:bodyPr/>
+          <a:bodyPr>
+            <a:normAutofit/>
+          </a:bodyPr>
           <a:lstStyle/>
           <a:p>
-            <a:endParaRPr lang="zh-TW" altLang="en-US"/>
-          </a:p>
-        </p:txBody>
-      </p:sp>
-      <p:pic>
-        <p:nvPicPr>
-          <p:cNvPr id="6" name="內容版面配置區 5">
+            <a:r>
+              <a:rPr lang="en-US" altLang="zh-TW" sz="4000" dirty="0">
+                <a:latin typeface="Times" panose="02020603050405020304" pitchFamily="18" charset="0"/>
+                <a:cs typeface="Times" panose="02020603050405020304" pitchFamily="18" charset="0"/>
+              </a:rPr>
+              <a:t>Preliminaries – </a:t>
+            </a:r>
+            <a:r>
+              <a:rPr lang="en-US" altLang="zh-TW" sz="4000" dirty="0" err="1">
+                <a:latin typeface="Times" panose="02020603050405020304" pitchFamily="18" charset="0"/>
+                <a:cs typeface="Times" panose="02020603050405020304" pitchFamily="18" charset="0"/>
+              </a:rPr>
+              <a:t>CmpCNN</a:t>
+            </a:r>
+            <a:r>
+              <a:rPr lang="en-US" altLang="zh-TW" sz="4000" dirty="0">
+                <a:latin typeface="Times" panose="02020603050405020304" pitchFamily="18" charset="0"/>
+                <a:cs typeface="Times" panose="02020603050405020304" pitchFamily="18" charset="0"/>
+              </a:rPr>
+              <a:t> Model</a:t>
+            </a:r>
+            <a:endParaRPr lang="zh-TW" altLang="en-US" sz="4000" dirty="0">
+              <a:latin typeface="Times" panose="02020603050405020304" pitchFamily="18" charset="0"/>
+              <a:cs typeface="Times" panose="02020603050405020304" pitchFamily="18" charset="0"/>
+            </a:endParaRPr>
+          </a:p>
+        </p:txBody>
+      </p:sp>
+      <p:sp>
+        <p:nvSpPr>
+          <p:cNvPr id="3" name="內容版面配置區 2">
             <a:extLst>
               <a:ext uri="{FF2B5EF4-FFF2-40B4-BE49-F238E27FC236}">
-                <a16:creationId xmlns:a16="http://schemas.microsoft.com/office/drawing/2014/main" id="{8BB154E2-4E21-C908-EDAD-0FDD206A31FE}"/>
+                <a16:creationId xmlns:a16="http://schemas.microsoft.com/office/drawing/2014/main" id="{6532586F-2B33-9C61-58DC-9046125E1570}"/>
               </a:ext>
             </a:extLst>
           </p:cNvPr>
-          <p:cNvPicPr>
-            <a:picLocks noGrp="1" noChangeAspect="1"/>
-          </p:cNvPicPr>
+          <p:cNvSpPr>
+            <a:spLocks noGrp="1"/>
+          </p:cNvSpPr>
           <p:nvPr>
             <p:ph idx="1"/>
           </p:nvPr>
-        </p:nvPicPr>
-        <p:blipFill>
-          <a:blip r:embed="rId2"/>
-          <a:stretch>
-            <a:fillRect/>
-          </a:stretch>
-        </p:blipFill>
-        <p:spPr>
-          <a:xfrm>
-            <a:off x="1506070" y="365125"/>
-            <a:ext cx="8730776" cy="5922569"/>
-          </a:xfrm>
-        </p:spPr>
-      </p:pic>
+        </p:nvSpPr>
+        <p:spPr/>
+        <p:txBody>
+          <a:bodyPr>
+            <a:normAutofit/>
+          </a:bodyPr>
+          <a:lstStyle/>
+          <a:p>
+            <a:pPr>
+              <a:lnSpc>
+                <a:spcPct val="150000"/>
+              </a:lnSpc>
+            </a:pPr>
+            <a:r>
+              <a:rPr lang="en-US" altLang="zh-TW" sz="2200" dirty="0">
+                <a:latin typeface="Times" panose="02020603050405020304" pitchFamily="18" charset="0"/>
+                <a:ea typeface="標楷體" panose="03000509000000000000" pitchFamily="65" charset="-120"/>
+                <a:cs typeface="Times" panose="02020603050405020304" pitchFamily="18" charset="0"/>
+              </a:rPr>
+              <a:t>Accurate CMP model for height prediction to guide the fill process is of great importance.</a:t>
+            </a:r>
+          </a:p>
+          <a:p>
+            <a:pPr>
+              <a:lnSpc>
+                <a:spcPct val="150000"/>
+              </a:lnSpc>
+            </a:pPr>
+            <a:r>
+              <a:rPr lang="en-US" altLang="zh-TW" sz="2200" dirty="0">
+                <a:latin typeface="Times" panose="02020603050405020304" pitchFamily="18" charset="0"/>
+                <a:ea typeface="標楷體" panose="03000509000000000000" pitchFamily="65" charset="-120"/>
+                <a:cs typeface="Times" panose="02020603050405020304" pitchFamily="18" charset="0"/>
+              </a:rPr>
+              <a:t>Achieve 1.89× error reduction while also maintaining 57× speedup.</a:t>
+            </a:r>
+          </a:p>
+          <a:p>
+            <a:pPr>
+              <a:lnSpc>
+                <a:spcPct val="150000"/>
+              </a:lnSpc>
+            </a:pPr>
+            <a:endParaRPr lang="zh-TW" altLang="en-US" sz="2200" dirty="0">
+              <a:latin typeface="Times" panose="02020603050405020304" pitchFamily="18" charset="0"/>
+              <a:ea typeface="標楷體" panose="03000509000000000000" pitchFamily="65" charset="-120"/>
+              <a:cs typeface="Times" panose="02020603050405020304" pitchFamily="18" charset="0"/>
+            </a:endParaRPr>
+          </a:p>
+        </p:txBody>
+      </p:sp>
       <p:sp>
         <p:nvSpPr>
           <p:cNvPr id="4" name="投影片編號版面配置區 3">
             <a:extLst>
               <a:ext uri="{FF2B5EF4-FFF2-40B4-BE49-F238E27FC236}">
-                <a16:creationId xmlns:a16="http://schemas.microsoft.com/office/drawing/2014/main" id="{B0C2FFBB-B5A2-4855-6CB4-236E3A79341C}"/>
+                <a16:creationId xmlns:a16="http://schemas.microsoft.com/office/drawing/2014/main" id="{4F34BD4F-A1A7-2695-B9CD-0B31024175B2}"/>
               </a:ext>
             </a:extLst>
           </p:cNvPr>
@@ -18290,7 +20182,7 @@
     </p:spTree>
     <p:extLst>
       <p:ext uri="{BB962C8B-B14F-4D97-AF65-F5344CB8AC3E}">
-        <p14:creationId xmlns:p14="http://schemas.microsoft.com/office/powerpoint/2010/main" val="764224827"/>
+        <p14:creationId xmlns:p14="http://schemas.microsoft.com/office/powerpoint/2010/main" val="2895692459"/>
       </p:ext>
     </p:extLst>
   </p:cSld>
@@ -18319,10 +20211,10 @@
       </p:grpSpPr>
       <p:sp>
         <p:nvSpPr>
-          <p:cNvPr id="2" name="標題 1">
+          <p:cNvPr id="2" name="Title 1">
             <a:extLst>
               <a:ext uri="{FF2B5EF4-FFF2-40B4-BE49-F238E27FC236}">
-                <a16:creationId xmlns:a16="http://schemas.microsoft.com/office/drawing/2014/main" id="{ADF75E3A-4F22-3C0A-E950-5621D0E0BE69}"/>
+                <a16:creationId xmlns:a16="http://schemas.microsoft.com/office/drawing/2014/main" id="{034B2B09-3A89-725A-85C2-749F88A4474D}"/>
               </a:ext>
             </a:extLst>
           </p:cNvPr>
@@ -18338,41 +20230,26 @@
           <a:bodyPr/>
           <a:lstStyle/>
           <a:p>
-            <a:endParaRPr lang="zh-TW" altLang="en-US" dirty="0"/>
-          </a:p>
-        </p:txBody>
-      </p:sp>
-      <p:sp>
-        <p:nvSpPr>
-          <p:cNvPr id="3" name="內容版面配置區 2">
+            <a:r>
+              <a:rPr lang="en-US" sz="4000" dirty="0">
+                <a:latin typeface="Times New Roman" panose="02020603050405020304" pitchFamily="18" charset="0"/>
+                <a:cs typeface="Times New Roman" panose="02020603050405020304" pitchFamily="18" charset="0"/>
+              </a:rPr>
+              <a:t>Outline</a:t>
+            </a:r>
+            <a:endParaRPr lang="en-US" dirty="0">
+              <a:latin typeface="Times New Roman" panose="02020603050405020304" pitchFamily="18" charset="0"/>
+              <a:cs typeface="Times New Roman" panose="02020603050405020304" pitchFamily="18" charset="0"/>
+            </a:endParaRPr>
+          </a:p>
+        </p:txBody>
+      </p:sp>
+      <p:sp>
+        <p:nvSpPr>
+          <p:cNvPr id="4" name="Slide Number Placeholder 3">
             <a:extLst>
               <a:ext uri="{FF2B5EF4-FFF2-40B4-BE49-F238E27FC236}">
-                <a16:creationId xmlns:a16="http://schemas.microsoft.com/office/drawing/2014/main" id="{1DE082D5-A70E-399C-EBA0-91AEFD242464}"/>
-              </a:ext>
-            </a:extLst>
-          </p:cNvPr>
-          <p:cNvSpPr>
-            <a:spLocks noGrp="1"/>
-          </p:cNvSpPr>
-          <p:nvPr>
-            <p:ph idx="1"/>
-          </p:nvPr>
-        </p:nvSpPr>
-        <p:spPr/>
-        <p:txBody>
-          <a:bodyPr/>
-          <a:lstStyle/>
-          <a:p>
-            <a:endParaRPr lang="zh-TW" altLang="en-US" dirty="0"/>
-          </a:p>
-        </p:txBody>
-      </p:sp>
-      <p:sp>
-        <p:nvSpPr>
-          <p:cNvPr id="4" name="投影片編號版面配置區 3">
-            <a:extLst>
-              <a:ext uri="{FF2B5EF4-FFF2-40B4-BE49-F238E27FC236}">
-                <a16:creationId xmlns:a16="http://schemas.microsoft.com/office/drawing/2014/main" id="{26C67376-488E-0B96-D3A0-8A190AACC19C}"/>
+                <a16:creationId xmlns:a16="http://schemas.microsoft.com/office/drawing/2014/main" id="{3592E110-E718-0573-BF00-CE5E90916A66}"/>
               </a:ext>
             </a:extLst>
           </p:cNvPr>
@@ -18396,68 +20273,288 @@
           </a:p>
         </p:txBody>
       </p:sp>
-      <p:pic>
-        <p:nvPicPr>
-          <p:cNvPr id="6" name="圖片 5">
+      <p:sp>
+        <p:nvSpPr>
+          <p:cNvPr id="7" name="Content Placeholder 2">
             <a:extLst>
               <a:ext uri="{FF2B5EF4-FFF2-40B4-BE49-F238E27FC236}">
-                <a16:creationId xmlns:a16="http://schemas.microsoft.com/office/drawing/2014/main" id="{7AD8045F-CE45-F29F-C807-183B6CFCB402}"/>
+                <a16:creationId xmlns:a16="http://schemas.microsoft.com/office/drawing/2014/main" id="{85FB6EDC-A81C-417F-C3B2-4378D3D43B94}"/>
               </a:ext>
             </a:extLst>
           </p:cNvPr>
-          <p:cNvPicPr>
-            <a:picLocks noChangeAspect="1"/>
-          </p:cNvPicPr>
+          <p:cNvSpPr txBox="1">
+            <a:spLocks/>
+          </p:cNvSpPr>
           <p:nvPr/>
-        </p:nvPicPr>
-        <p:blipFill rotWithShape="1">
-          <a:blip r:embed="rId3"/>
-          <a:srcRect t="1346" b="48121"/>
-          <a:stretch/>
-        </p:blipFill>
+        </p:nvSpPr>
         <p:spPr>
           <a:xfrm>
-            <a:off x="-118335" y="2592593"/>
-            <a:ext cx="5884433" cy="3345292"/>
+            <a:off x="1028700" y="1690688"/>
+            <a:ext cx="10515600" cy="4351338"/>
           </a:xfrm>
           <a:prstGeom prst="rect">
             <a:avLst/>
           </a:prstGeom>
         </p:spPr>
-      </p:pic>
-      <p:pic>
-        <p:nvPicPr>
-          <p:cNvPr id="5" name="圖片 4">
-            <a:extLst>
-              <a:ext uri="{FF2B5EF4-FFF2-40B4-BE49-F238E27FC236}">
-                <a16:creationId xmlns:a16="http://schemas.microsoft.com/office/drawing/2014/main" id="{29394B92-B5BF-F407-D5F7-D466A639A705}"/>
-              </a:ext>
-            </a:extLst>
-          </p:cNvPr>
-          <p:cNvPicPr>
-            <a:picLocks noChangeAspect="1"/>
-          </p:cNvPicPr>
-          <p:nvPr/>
-        </p:nvPicPr>
-        <p:blipFill rotWithShape="1">
-          <a:blip r:embed="rId3"/>
-          <a:srcRect t="51386"/>
-          <a:stretch/>
-        </p:blipFill>
-        <p:spPr>
-          <a:xfrm>
-            <a:off x="5838517" y="2592593"/>
-            <a:ext cx="6353483" cy="3474720"/>
-          </a:xfrm>
-          <a:prstGeom prst="rect">
-            <a:avLst/>
-          </a:prstGeom>
-        </p:spPr>
-      </p:pic>
+        <p:txBody>
+          <a:bodyPr vert="horz" lIns="91440" tIns="45720" rIns="91440" bIns="45720" rtlCol="0">
+            <a:normAutofit/>
+          </a:bodyPr>
+          <a:lstStyle>
+            <a:lvl1pPr marL="228600" indent="-228600" algn="l" defTabSz="914400" rtl="0" eaLnBrk="1" latinLnBrk="0" hangingPunct="1">
+              <a:lnSpc>
+                <a:spcPct val="90000"/>
+              </a:lnSpc>
+              <a:spcBef>
+                <a:spcPts val="1000"/>
+              </a:spcBef>
+              <a:buFont typeface="Arial" panose="020B0604020202020204" pitchFamily="34" charset="0"/>
+              <a:buChar char="•"/>
+              <a:defRPr sz="2800" kern="1200">
+                <a:solidFill>
+                  <a:schemeClr val="tx1"/>
+                </a:solidFill>
+                <a:latin typeface="+mn-lt"/>
+                <a:ea typeface="+mn-ea"/>
+                <a:cs typeface="+mn-cs"/>
+              </a:defRPr>
+            </a:lvl1pPr>
+            <a:lvl2pPr marL="685800" indent="-228600" algn="l" defTabSz="914400" rtl="0" eaLnBrk="1" latinLnBrk="0" hangingPunct="1">
+              <a:lnSpc>
+                <a:spcPct val="90000"/>
+              </a:lnSpc>
+              <a:spcBef>
+                <a:spcPts val="500"/>
+              </a:spcBef>
+              <a:buFont typeface="Arial" panose="020B0604020202020204" pitchFamily="34" charset="0"/>
+              <a:buChar char="•"/>
+              <a:defRPr sz="2400" kern="1200">
+                <a:solidFill>
+                  <a:schemeClr val="tx1"/>
+                </a:solidFill>
+                <a:latin typeface="+mn-lt"/>
+                <a:ea typeface="+mn-ea"/>
+                <a:cs typeface="+mn-cs"/>
+              </a:defRPr>
+            </a:lvl2pPr>
+            <a:lvl3pPr marL="1143000" indent="-228600" algn="l" defTabSz="914400" rtl="0" eaLnBrk="1" latinLnBrk="0" hangingPunct="1">
+              <a:lnSpc>
+                <a:spcPct val="90000"/>
+              </a:lnSpc>
+              <a:spcBef>
+                <a:spcPts val="500"/>
+              </a:spcBef>
+              <a:buFont typeface="Arial" panose="020B0604020202020204" pitchFamily="34" charset="0"/>
+              <a:buChar char="•"/>
+              <a:defRPr sz="2000" kern="1200">
+                <a:solidFill>
+                  <a:schemeClr val="tx1"/>
+                </a:solidFill>
+                <a:latin typeface="+mn-lt"/>
+                <a:ea typeface="+mn-ea"/>
+                <a:cs typeface="+mn-cs"/>
+              </a:defRPr>
+            </a:lvl3pPr>
+            <a:lvl4pPr marL="1600200" indent="-228600" algn="l" defTabSz="914400" rtl="0" eaLnBrk="1" latinLnBrk="0" hangingPunct="1">
+              <a:lnSpc>
+                <a:spcPct val="90000"/>
+              </a:lnSpc>
+              <a:spcBef>
+                <a:spcPts val="500"/>
+              </a:spcBef>
+              <a:buFont typeface="Arial" panose="020B0604020202020204" pitchFamily="34" charset="0"/>
+              <a:buChar char="•"/>
+              <a:defRPr sz="1800" kern="1200">
+                <a:solidFill>
+                  <a:schemeClr val="tx1"/>
+                </a:solidFill>
+                <a:latin typeface="+mn-lt"/>
+                <a:ea typeface="+mn-ea"/>
+                <a:cs typeface="+mn-cs"/>
+              </a:defRPr>
+            </a:lvl4pPr>
+            <a:lvl5pPr marL="2057400" indent="-228600" algn="l" defTabSz="914400" rtl="0" eaLnBrk="1" latinLnBrk="0" hangingPunct="1">
+              <a:lnSpc>
+                <a:spcPct val="90000"/>
+              </a:lnSpc>
+              <a:spcBef>
+                <a:spcPts val="500"/>
+              </a:spcBef>
+              <a:buFont typeface="Arial" panose="020B0604020202020204" pitchFamily="34" charset="0"/>
+              <a:buChar char="•"/>
+              <a:defRPr sz="1800" kern="1200">
+                <a:solidFill>
+                  <a:schemeClr val="tx1"/>
+                </a:solidFill>
+                <a:latin typeface="+mn-lt"/>
+                <a:ea typeface="+mn-ea"/>
+                <a:cs typeface="+mn-cs"/>
+              </a:defRPr>
+            </a:lvl5pPr>
+            <a:lvl6pPr marL="2514600" indent="-228600" algn="l" defTabSz="914400" rtl="0" eaLnBrk="1" latinLnBrk="0" hangingPunct="1">
+              <a:lnSpc>
+                <a:spcPct val="90000"/>
+              </a:lnSpc>
+              <a:spcBef>
+                <a:spcPts val="500"/>
+              </a:spcBef>
+              <a:buFont typeface="Arial" panose="020B0604020202020204" pitchFamily="34" charset="0"/>
+              <a:buChar char="•"/>
+              <a:defRPr sz="1800" kern="1200">
+                <a:solidFill>
+                  <a:schemeClr val="tx1"/>
+                </a:solidFill>
+                <a:latin typeface="+mn-lt"/>
+                <a:ea typeface="+mn-ea"/>
+                <a:cs typeface="+mn-cs"/>
+              </a:defRPr>
+            </a:lvl6pPr>
+            <a:lvl7pPr marL="2971800" indent="-228600" algn="l" defTabSz="914400" rtl="0" eaLnBrk="1" latinLnBrk="0" hangingPunct="1">
+              <a:lnSpc>
+                <a:spcPct val="90000"/>
+              </a:lnSpc>
+              <a:spcBef>
+                <a:spcPts val="500"/>
+              </a:spcBef>
+              <a:buFont typeface="Arial" panose="020B0604020202020204" pitchFamily="34" charset="0"/>
+              <a:buChar char="•"/>
+              <a:defRPr sz="1800" kern="1200">
+                <a:solidFill>
+                  <a:schemeClr val="tx1"/>
+                </a:solidFill>
+                <a:latin typeface="+mn-lt"/>
+                <a:ea typeface="+mn-ea"/>
+                <a:cs typeface="+mn-cs"/>
+              </a:defRPr>
+            </a:lvl7pPr>
+            <a:lvl8pPr marL="3429000" indent="-228600" algn="l" defTabSz="914400" rtl="0" eaLnBrk="1" latinLnBrk="0" hangingPunct="1">
+              <a:lnSpc>
+                <a:spcPct val="90000"/>
+              </a:lnSpc>
+              <a:spcBef>
+                <a:spcPts val="500"/>
+              </a:spcBef>
+              <a:buFont typeface="Arial" panose="020B0604020202020204" pitchFamily="34" charset="0"/>
+              <a:buChar char="•"/>
+              <a:defRPr sz="1800" kern="1200">
+                <a:solidFill>
+                  <a:schemeClr val="tx1"/>
+                </a:solidFill>
+                <a:latin typeface="+mn-lt"/>
+                <a:ea typeface="+mn-ea"/>
+                <a:cs typeface="+mn-cs"/>
+              </a:defRPr>
+            </a:lvl8pPr>
+            <a:lvl9pPr marL="3886200" indent="-228600" algn="l" defTabSz="914400" rtl="0" eaLnBrk="1" latinLnBrk="0" hangingPunct="1">
+              <a:lnSpc>
+                <a:spcPct val="90000"/>
+              </a:lnSpc>
+              <a:spcBef>
+                <a:spcPts val="500"/>
+              </a:spcBef>
+              <a:buFont typeface="Arial" panose="020B0604020202020204" pitchFamily="34" charset="0"/>
+              <a:buChar char="•"/>
+              <a:defRPr sz="1800" kern="1200">
+                <a:solidFill>
+                  <a:schemeClr val="tx1"/>
+                </a:solidFill>
+                <a:latin typeface="+mn-lt"/>
+                <a:ea typeface="+mn-ea"/>
+                <a:cs typeface="+mn-cs"/>
+              </a:defRPr>
+            </a:lvl9pPr>
+          </a:lstStyle>
+          <a:p>
+            <a:pPr>
+              <a:lnSpc>
+                <a:spcPct val="130000"/>
+              </a:lnSpc>
+            </a:pPr>
+            <a:r>
+              <a:rPr lang="en-US" sz="2400" dirty="0">
+                <a:solidFill>
+                  <a:schemeClr val="bg1">
+                    <a:lumMod val="50000"/>
+                  </a:schemeClr>
+                </a:solidFill>
+                <a:latin typeface="Times New Roman" panose="02020603050405020304" pitchFamily="18" charset="0"/>
+                <a:cs typeface="Times New Roman" panose="02020603050405020304" pitchFamily="18" charset="0"/>
+              </a:rPr>
+              <a:t>Introduction</a:t>
+            </a:r>
+          </a:p>
+          <a:p>
+            <a:pPr>
+              <a:lnSpc>
+                <a:spcPct val="130000"/>
+              </a:lnSpc>
+            </a:pPr>
+            <a:r>
+              <a:rPr lang="en-US" sz="2400" dirty="0">
+                <a:solidFill>
+                  <a:schemeClr val="bg1">
+                    <a:lumMod val="50000"/>
+                  </a:schemeClr>
+                </a:solidFill>
+                <a:latin typeface="Times New Roman" panose="02020603050405020304" pitchFamily="18" charset="0"/>
+                <a:cs typeface="Times New Roman" panose="02020603050405020304" pitchFamily="18" charset="0"/>
+              </a:rPr>
+              <a:t>Preliminaries</a:t>
+            </a:r>
+          </a:p>
+          <a:p>
+            <a:pPr>
+              <a:lnSpc>
+                <a:spcPct val="130000"/>
+              </a:lnSpc>
+            </a:pPr>
+            <a:r>
+              <a:rPr lang="en-US" sz="2400" dirty="0">
+                <a:latin typeface="Times New Roman" panose="02020603050405020304" pitchFamily="18" charset="0"/>
+                <a:cs typeface="Times New Roman" panose="02020603050405020304" pitchFamily="18" charset="0"/>
+              </a:rPr>
+              <a:t>MOGA-</a:t>
+            </a:r>
+            <a:r>
+              <a:rPr lang="en-US" sz="2400" dirty="0" err="1">
+                <a:latin typeface="Times New Roman" panose="02020603050405020304" pitchFamily="18" charset="0"/>
+                <a:cs typeface="Times New Roman" panose="02020603050405020304" pitchFamily="18" charset="0"/>
+              </a:rPr>
+              <a:t>CmpCNN</a:t>
+            </a:r>
+            <a:r>
+              <a:rPr lang="en-US" sz="2400" dirty="0">
+                <a:latin typeface="Times New Roman" panose="02020603050405020304" pitchFamily="18" charset="0"/>
+                <a:cs typeface="Times New Roman" panose="02020603050405020304" pitchFamily="18" charset="0"/>
+              </a:rPr>
+              <a:t> Framework</a:t>
+            </a:r>
+          </a:p>
+          <a:p>
+            <a:pPr>
+              <a:lnSpc>
+                <a:spcPct val="130000"/>
+              </a:lnSpc>
+            </a:pPr>
+            <a:r>
+              <a:rPr lang="en-US" sz="2400" dirty="0">
+                <a:solidFill>
+                  <a:schemeClr val="bg1">
+                    <a:lumMod val="50000"/>
+                  </a:schemeClr>
+                </a:solidFill>
+                <a:latin typeface="Times New Roman" panose="02020603050405020304" pitchFamily="18" charset="0"/>
+                <a:cs typeface="Times New Roman" panose="02020603050405020304" pitchFamily="18" charset="0"/>
+              </a:rPr>
+              <a:t>Experimental Result</a:t>
+            </a:r>
+          </a:p>
+        </p:txBody>
+      </p:sp>
     </p:spTree>
     <p:extLst>
       <p:ext uri="{BB962C8B-B14F-4D97-AF65-F5344CB8AC3E}">
-        <p14:creationId xmlns:p14="http://schemas.microsoft.com/office/powerpoint/2010/main" val="468702892"/>
+        <p14:creationId xmlns:p14="http://schemas.microsoft.com/office/powerpoint/2010/main" val="2732898075"/>
       </p:ext>
     </p:extLst>
   </p:cSld>

--- a/DAC2024/MOGA-CmpCNN/MOGA-CmpCNN A Multi-Objective Genetic Algorithm Intergrated with CmpCNN Model for CMP-Aware Metal Fill.pptx
+++ b/DAC2024/MOGA-CmpCNN/MOGA-CmpCNN A Multi-Objective Genetic Algorithm Intergrated with CmpCNN Model for CMP-Aware Metal Fill.pptx
@@ -1498,7 +1498,7 @@
           <a:p>
             <a:fld id="{C9ED61FB-B9B0-4D85-A72E-A614C28ECC4E}" type="datetimeFigureOut">
               <a:rPr lang="en-US" smtClean="0"/>
-              <a:t>1/28/2024</a:t>
+              <a:t>1/29/2024</a:t>
             </a:fld>
             <a:endParaRPr lang="en-US"/>
           </a:p>
@@ -1898,16 +1898,51 @@
               <a:t>* </a:t>
             </a:r>
             <a:r>
+              <a:rPr lang="en-US" altLang="zh-TW" sz="1200" dirty="0">
+                <a:latin typeface="Times" panose="02020603050405020304" pitchFamily="18" charset="0"/>
+                <a:ea typeface="標楷體" panose="03000509000000000000" pitchFamily="65" charset="-120"/>
+                <a:cs typeface="Times" panose="02020603050405020304" pitchFamily="18" charset="0"/>
+              </a:rPr>
+              <a:t>initial height prediction</a:t>
+            </a:r>
+            <a:r>
+              <a:rPr lang="zh-TW" altLang="en-US" sz="1200" dirty="0">
+                <a:latin typeface="Times" panose="02020603050405020304" pitchFamily="18" charset="0"/>
+                <a:ea typeface="標楷體" panose="03000509000000000000" pitchFamily="65" charset="-120"/>
+                <a:cs typeface="Times" panose="02020603050405020304" pitchFamily="18" charset="0"/>
+              </a:rPr>
+              <a:t>是得到</a:t>
+            </a:r>
+            <a:r>
+              <a:rPr lang="en-US" altLang="zh-TW" sz="1200" dirty="0">
+                <a:latin typeface="Times" panose="02020603050405020304" pitchFamily="18" charset="0"/>
+                <a:ea typeface="標楷體" panose="03000509000000000000" pitchFamily="65" charset="-120"/>
+                <a:cs typeface="Times" panose="02020603050405020304" pitchFamily="18" charset="0"/>
+              </a:rPr>
+              <a:t>minimum height</a:t>
+            </a:r>
+            <a:endParaRPr lang="en-US" altLang="zh-TW" dirty="0"/>
+          </a:p>
+          <a:p>
+            <a:r>
               <a:rPr lang="zh-TW" altLang="en-US" dirty="0"/>
-              <a:t>這樣就有符合</a:t>
+              <a:t>* </a:t>
             </a:r>
             <a:r>
               <a:rPr lang="en-US" altLang="zh-TW" dirty="0"/>
-              <a:t>minimum spacing</a:t>
+              <a:t>he </a:t>
             </a:r>
             <a:r>
               <a:rPr lang="zh-TW" altLang="en-US" dirty="0"/>
-              <a:t>的要求了</a:t>
+              <a:t>是指在符合</a:t>
+            </a:r>
+            <a:r>
+              <a:rPr lang="en-US" altLang="zh-TW" dirty="0"/>
+              <a:t>density rule</a:t>
+            </a:r>
+            <a:r>
+              <a:rPr lang="zh-TW" altLang="en-US" dirty="0"/>
+              <a:t>的情況下，可以得到的高度。</a:t>
             </a:r>
           </a:p>
         </p:txBody>
@@ -2160,7 +2195,26 @@
           <a:bodyPr/>
           <a:lstStyle/>
           <a:p>
-            <a:endParaRPr lang="zh-TW" altLang="en-US" dirty="0"/>
+            <a:r>
+              <a:rPr lang="zh-TW" altLang="en-US" dirty="0"/>
+              <a:t>一開始會有初始解，即</a:t>
+            </a:r>
+            <a:r>
+              <a:rPr lang="en-US" altLang="zh-TW" dirty="0"/>
+              <a:t>fill insertion solution</a:t>
+            </a:r>
+            <a:r>
+              <a:rPr lang="zh-TW" altLang="en-US" dirty="0"/>
+              <a:t>，之後會把它丟進</a:t>
+            </a:r>
+            <a:r>
+              <a:rPr lang="en-US" altLang="zh-TW" dirty="0"/>
+              <a:t>CMPCNN</a:t>
+            </a:r>
+            <a:r>
+              <a:rPr lang="zh-TW" altLang="en-US" dirty="0"/>
+              <a:t>，並且算出適應度的分數</a:t>
+            </a:r>
           </a:p>
         </p:txBody>
       </p:sp>
@@ -2375,6 +2429,26 @@
           <a:bodyPr/>
           <a:lstStyle/>
           <a:p>
+            <a:r>
+              <a:rPr lang="zh-TW" altLang="en-US" dirty="0"/>
+              <a:t>進行</a:t>
+            </a:r>
+            <a:r>
+              <a:rPr lang="en-US" altLang="zh-TW" dirty="0" err="1"/>
+              <a:t>pertubation</a:t>
+            </a:r>
+            <a:r>
+              <a:rPr lang="en-US" altLang="zh-TW" dirty="0"/>
+              <a:t>(</a:t>
+            </a:r>
+            <a:r>
+              <a:rPr lang="zh-TW" altLang="en-US" dirty="0"/>
+              <a:t>選擇 交配 突變 取代等等</a:t>
+            </a:r>
+            <a:r>
+              <a:rPr lang="en-US" altLang="zh-TW" dirty="0"/>
+              <a:t>)</a:t>
+            </a:r>
             <a:endParaRPr lang="zh-TW" altLang="en-US" dirty="0"/>
           </a:p>
         </p:txBody>
@@ -3481,36 +3555,6 @@
           <a:bodyPr/>
           <a:lstStyle/>
           <a:p>
-            <a:r>
-              <a:rPr lang="zh-TW" altLang="en-US" b="0" i="0" dirty="0">
-                <a:solidFill>
-                  <a:srgbClr val="374151"/>
-                </a:solidFill>
-                <a:effectLst/>
-                <a:latin typeface="Söhne"/>
-              </a:rPr>
-              <a:t>每一層的高度都有一個對應的高度標準差（描述該層內高度的變異情況）。</a:t>
-            </a:r>
-            <a:r>
-              <a:rPr lang="en-US" altLang="zh-TW" b="0" i="0" dirty="0">
-                <a:solidFill>
-                  <a:srgbClr val="374151"/>
-                </a:solidFill>
-                <a:effectLst/>
-                <a:latin typeface="Söhne"/>
-              </a:rPr>
-              <a:t>OV</a:t>
-            </a:r>
-            <a:r>
-              <a:rPr lang="zh-TW" altLang="en-US" b="0" i="0" dirty="0">
-                <a:solidFill>
-                  <a:srgbClr val="374151"/>
-                </a:solidFill>
-                <a:effectLst/>
-                <a:latin typeface="Söhne"/>
-              </a:rPr>
-              <a:t>則是這些標準差的總和。這裡的每一層用 𝜎𝑘 來表示，其中 𝜎 是標準差的符號，而 𝑘 是層的索引。</a:t>
-            </a:r>
             <a:endParaRPr lang="zh-TW" altLang="en-US" dirty="0"/>
           </a:p>
         </p:txBody>
@@ -3596,6 +3640,32 @@
           <a:lstStyle/>
           <a:p>
             <a:r>
+              <a:rPr lang="zh-TW" altLang="en-US" sz="1200" dirty="0">
+                <a:latin typeface="Times" panose="02020603050405020304" pitchFamily="18" charset="0"/>
+                <a:ea typeface="標楷體" panose="03000509000000000000" pitchFamily="65" charset="-120"/>
+                <a:cs typeface="Times" panose="02020603050405020304" pitchFamily="18" charset="0"/>
+              </a:rPr>
+              <a:t>* 這邊是在說要怎麼</a:t>
+            </a:r>
+            <a:r>
+              <a:rPr lang="en-US" altLang="zh-TW" sz="1200" dirty="0">
+                <a:latin typeface="Times" panose="02020603050405020304" pitchFamily="18" charset="0"/>
+                <a:ea typeface="標楷體" panose="03000509000000000000" pitchFamily="65" charset="-120"/>
+                <a:cs typeface="Times" panose="02020603050405020304" pitchFamily="18" charset="0"/>
+              </a:rPr>
+              <a:t>train model</a:t>
+            </a:r>
+          </a:p>
+          <a:p>
+            <a:r>
+              <a:rPr lang="zh-TW" altLang="en-US" sz="1200" dirty="0">
+                <a:latin typeface="Times" panose="02020603050405020304" pitchFamily="18" charset="0"/>
+                <a:ea typeface="標楷體" panose="03000509000000000000" pitchFamily="65" charset="-120"/>
+                <a:cs typeface="Times" panose="02020603050405020304" pitchFamily="18" charset="0"/>
+              </a:rPr>
+              <a:t>* </a:t>
+            </a:r>
+            <a:r>
               <a:rPr lang="en-US" altLang="zh-TW" sz="1200" dirty="0">
                 <a:latin typeface="Times" panose="02020603050405020304" pitchFamily="18" charset="0"/>
                 <a:ea typeface="標楷體" panose="03000509000000000000" pitchFamily="65" charset="-120"/>
@@ -4313,7 +4383,79 @@
                 <a:effectLst/>
                 <a:latin typeface="Söhne"/>
               </a:rPr>
-              <a:t>"Circuit2</a:t>
+              <a:t>* Density driven: </a:t>
+            </a:r>
+            <a:r>
+              <a:rPr lang="zh-TW" altLang="en-US" b="0" i="0" dirty="0">
+                <a:solidFill>
+                  <a:srgbClr val="374151"/>
+                </a:solidFill>
+                <a:effectLst/>
+                <a:latin typeface="Söhne"/>
+              </a:rPr>
+              <a:t>會有比較大的</a:t>
+            </a:r>
+            <a:r>
+              <a:rPr lang="en-US" altLang="zh-TW" b="0" i="0" dirty="0">
+                <a:solidFill>
+                  <a:srgbClr val="374151"/>
+                </a:solidFill>
+                <a:effectLst/>
+                <a:latin typeface="Söhne"/>
+              </a:rPr>
+              <a:t>OV (</a:t>
+            </a:r>
+            <a:r>
+              <a:rPr lang="zh-TW" altLang="en-US" b="0" i="0" dirty="0">
+                <a:solidFill>
+                  <a:srgbClr val="374151"/>
+                </a:solidFill>
+                <a:effectLst/>
+                <a:latin typeface="Söhne"/>
+              </a:rPr>
+              <a:t>跟現在的</a:t>
+            </a:r>
+            <a:r>
+              <a:rPr lang="en-US" altLang="zh-TW" b="0" i="0" dirty="0">
+                <a:solidFill>
+                  <a:srgbClr val="374151"/>
+                </a:solidFill>
+                <a:effectLst/>
+                <a:latin typeface="Söhne"/>
+              </a:rPr>
+              <a:t>MULTI-OBJECTIVE</a:t>
+            </a:r>
+            <a:r>
+              <a:rPr lang="zh-TW" altLang="en-US" b="0" i="0" dirty="0">
+                <a:solidFill>
+                  <a:srgbClr val="374151"/>
+                </a:solidFill>
+                <a:effectLst/>
+                <a:latin typeface="Söhne"/>
+              </a:rPr>
+              <a:t>相比</a:t>
+            </a:r>
+            <a:r>
+              <a:rPr lang="en-US" altLang="zh-TW" b="0" i="0" dirty="0">
+                <a:solidFill>
+                  <a:srgbClr val="374151"/>
+                </a:solidFill>
+                <a:effectLst/>
+                <a:latin typeface="Söhne"/>
+              </a:rPr>
+              <a:t>)</a:t>
+            </a:r>
+          </a:p>
+          <a:p>
+            <a:r>
+              <a:rPr lang="en-US" altLang="zh-TW" b="0" i="0" dirty="0">
+                <a:solidFill>
+                  <a:srgbClr val="374151"/>
+                </a:solidFill>
+                <a:effectLst/>
+                <a:latin typeface="Söhne"/>
+              </a:rPr>
+              <a:t>* "Circuit2</a:t>
             </a:r>
             <a:r>
               <a:rPr lang="zh-TW" altLang="en-US" b="0" i="0" dirty="0">
@@ -4776,6 +4918,43 @@
         <p:txBody>
           <a:bodyPr/>
           <a:lstStyle/>
+          <a:p>
+            <a:r>
+              <a:rPr lang="en-US" altLang="zh-TW" dirty="0"/>
+              <a:t>2.</a:t>
+            </a:r>
+            <a:r>
+              <a:rPr lang="zh-CN" altLang="en-US" b="0" i="0" dirty="0">
+                <a:solidFill>
+                  <a:srgbClr val="374151"/>
+                </a:solidFill>
+                <a:effectLst/>
+                <a:latin typeface="Söhne"/>
+              </a:rPr>
+              <a:t>这些经验模型仅考虑密度</a:t>
+            </a:r>
+            <a:r>
+              <a:rPr lang="en-US" altLang="zh-CN" b="0" i="0" dirty="0">
+                <a:solidFill>
+                  <a:srgbClr val="374151"/>
+                </a:solidFill>
+                <a:effectLst/>
+                <a:latin typeface="Söhne"/>
+              </a:rPr>
+              <a:t>/</a:t>
+            </a:r>
+            <a:r>
+              <a:rPr lang="zh-CN" altLang="en-US" b="0" i="0" dirty="0">
+                <a:solidFill>
+                  <a:srgbClr val="374151"/>
+                </a:solidFill>
+                <a:effectLst/>
+                <a:latin typeface="Söhne"/>
+              </a:rPr>
+              <a:t>周长因素，需要改进以提高预测精度</a:t>
+            </a:r>
+            <a:endParaRPr lang="en-US" altLang="zh-TW" dirty="0"/>
+          </a:p>
           <a:p>
             <a:r>
               <a:rPr lang="en-US" altLang="zh-TW" dirty="0"/>
@@ -5542,7 +5721,7 @@
           <a:p>
             <a:fld id="{99BA7BAB-F69F-4C21-8D40-7AA273A2D01F}" type="datetime1">
               <a:rPr lang="en-US" smtClean="0"/>
-              <a:t>1/28/2024</a:t>
+              <a:t>1/29/2024</a:t>
             </a:fld>
             <a:endParaRPr lang="en-US"/>
           </a:p>
@@ -5747,7 +5926,7 @@
           <a:p>
             <a:fld id="{FB00A8EC-4678-43EE-BE64-F312B7F1A46F}" type="datetime1">
               <a:rPr lang="en-US" smtClean="0"/>
-              <a:t>1/28/2024</a:t>
+              <a:t>1/29/2024</a:t>
             </a:fld>
             <a:endParaRPr lang="en-US"/>
           </a:p>
@@ -5955,7 +6134,7 @@
           <a:p>
             <a:fld id="{9487F23D-EA8F-4C56-9373-23F6109AD11F}" type="datetime1">
               <a:rPr lang="en-US" smtClean="0"/>
-              <a:t>1/28/2024</a:t>
+              <a:t>1/29/2024</a:t>
             </a:fld>
             <a:endParaRPr lang="en-US"/>
           </a:p>
@@ -6153,7 +6332,7 @@
           <a:p>
             <a:fld id="{A34E716E-0239-4A81-9CF4-D3B9651721CF}" type="datetime1">
               <a:rPr lang="en-US" smtClean="0"/>
-              <a:t>1/28/2024</a:t>
+              <a:t>1/29/2024</a:t>
             </a:fld>
             <a:endParaRPr lang="en-US"/>
           </a:p>
@@ -6435,7 +6614,7 @@
           <a:p>
             <a:fld id="{CC112E56-3D97-4B86-935C-1C493DD86A08}" type="datetime1">
               <a:rPr lang="en-US" smtClean="0"/>
-              <a:t>1/28/2024</a:t>
+              <a:t>1/29/2024</a:t>
             </a:fld>
             <a:endParaRPr lang="en-US"/>
           </a:p>
@@ -6700,7 +6879,7 @@
           <a:p>
             <a:fld id="{40649135-BABF-4F63-9AF8-3CEC545E47DC}" type="datetime1">
               <a:rPr lang="en-US" smtClean="0"/>
-              <a:t>1/28/2024</a:t>
+              <a:t>1/29/2024</a:t>
             </a:fld>
             <a:endParaRPr lang="en-US"/>
           </a:p>
@@ -7112,7 +7291,7 @@
           <a:p>
             <a:fld id="{B16EBC02-C9C0-442D-A8A6-494057203542}" type="datetime1">
               <a:rPr lang="en-US" smtClean="0"/>
-              <a:t>1/28/2024</a:t>
+              <a:t>1/29/2024</a:t>
             </a:fld>
             <a:endParaRPr lang="en-US"/>
           </a:p>
@@ -7253,7 +7432,7 @@
           <a:p>
             <a:fld id="{A126C4B4-559D-414E-BC9C-16A745BBF3C3}" type="datetime1">
               <a:rPr lang="en-US" smtClean="0"/>
-              <a:t>1/28/2024</a:t>
+              <a:t>1/29/2024</a:t>
             </a:fld>
             <a:endParaRPr lang="en-US"/>
           </a:p>
@@ -7366,7 +7545,7 @@
           <a:p>
             <a:fld id="{0D49D49E-73A5-4C03-BFEA-3D845EB044D8}" type="datetime1">
               <a:rPr lang="en-US" smtClean="0"/>
-              <a:t>1/28/2024</a:t>
+              <a:t>1/29/2024</a:t>
             </a:fld>
             <a:endParaRPr lang="en-US"/>
           </a:p>
@@ -7677,7 +7856,7 @@
           <a:p>
             <a:fld id="{4A0F93E6-3134-410C-B573-A5F6B38FC346}" type="datetime1">
               <a:rPr lang="en-US" smtClean="0"/>
-              <a:t>1/28/2024</a:t>
+              <a:t>1/29/2024</a:t>
             </a:fld>
             <a:endParaRPr lang="en-US"/>
           </a:p>
@@ -7965,7 +8144,7 @@
           <a:p>
             <a:fld id="{F766E70F-5320-45A5-BE33-1819A93C2AF4}" type="datetime1">
               <a:rPr lang="en-US" smtClean="0"/>
-              <a:t>1/28/2024</a:t>
+              <a:t>1/29/2024</a:t>
             </a:fld>
             <a:endParaRPr lang="en-US"/>
           </a:p>
@@ -8206,7 +8385,7 @@
           <a:p>
             <a:fld id="{A706458B-0289-40FF-A02D-2C541B7F1CB6}" type="datetime1">
               <a:rPr lang="en-US" smtClean="0"/>
-              <a:t>1/28/2024</a:t>
+              <a:t>1/29/2024</a:t>
             </a:fld>
             <a:endParaRPr lang="en-US"/>
           </a:p>
@@ -8857,8 +9036,8 @@
           </a:p>
         </p:txBody>
       </p:sp>
-      <mc:AlternateContent xmlns:mc="http://schemas.openxmlformats.org/markup-compatibility/2006">
-        <mc:Choice xmlns:a14="http://schemas.microsoft.com/office/drawing/2010/main" Requires="a14">
+      <mc:AlternateContent xmlns:mc="http://schemas.openxmlformats.org/markup-compatibility/2006" xmlns:a14="http://schemas.microsoft.com/office/drawing/2010/main">
+        <mc:Choice Requires="a14">
           <p:sp>
             <p:nvSpPr>
               <p:cNvPr id="3" name="內容版面配置區 2">
@@ -9146,7 +9325,7 @@
             </p:txBody>
           </p:sp>
         </mc:Choice>
-        <mc:Fallback>
+        <mc:Fallback xmlns="">
           <p:sp>
             <p:nvSpPr>
               <p:cNvPr id="3" name="內容版面配置區 2">
@@ -9576,8 +9755,8 @@
           </a:p>
         </p:txBody>
       </p:sp>
-      <mc:AlternateContent xmlns:mc="http://schemas.openxmlformats.org/markup-compatibility/2006">
-        <mc:Choice xmlns:a14="http://schemas.microsoft.com/office/drawing/2010/main" Requires="a14">
+      <mc:AlternateContent xmlns:mc="http://schemas.openxmlformats.org/markup-compatibility/2006" xmlns:a14="http://schemas.microsoft.com/office/drawing/2010/main">
+        <mc:Choice Requires="a14">
           <p:sp>
             <p:nvSpPr>
               <p:cNvPr id="3" name="內容版面配置區 2">
@@ -9988,7 +10167,7 @@
             </p:txBody>
           </p:sp>
         </mc:Choice>
-        <mc:Fallback>
+        <mc:Fallback xmlns="">
           <p:sp>
             <p:nvSpPr>
               <p:cNvPr id="3" name="內容版面配置區 2">
@@ -10201,6 +10380,20 @@
               </a:rPr>
               <a:t> Fill Insertion</a:t>
             </a:r>
+          </a:p>
+          <a:p>
+            <a:pPr marL="457200" indent="-457200">
+              <a:lnSpc>
+                <a:spcPct val="150000"/>
+              </a:lnSpc>
+              <a:buFont typeface="+mj-lt"/>
+              <a:buAutoNum type="arabicPeriod" startAt="3"/>
+            </a:pPr>
+            <a:endParaRPr lang="en-US" altLang="zh-TW" sz="500" dirty="0">
+              <a:latin typeface="Times" panose="02020603050405020304" pitchFamily="18" charset="0"/>
+              <a:ea typeface="標楷體" panose="03000509000000000000" pitchFamily="65" charset="-120"/>
+              <a:cs typeface="Times" panose="02020603050405020304" pitchFamily="18" charset="0"/>
+            </a:endParaRPr>
           </a:p>
           <a:p>
             <a:pPr lvl="1">
@@ -18598,29 +18791,6 @@
               <a:t>Performance Comparison</a:t>
             </a:r>
           </a:p>
-          <a:p>
-            <a:pPr lvl="1">
-              <a:lnSpc>
-                <a:spcPct val="200000"/>
-              </a:lnSpc>
-            </a:pPr>
-            <a:r>
-              <a:rPr lang="en-US" altLang="zh-TW" sz="1000" dirty="0">
-                <a:latin typeface="Times" panose="02020603050405020304" pitchFamily="18" charset="0"/>
-                <a:ea typeface="標楷體" panose="03000509000000000000" pitchFamily="65" charset="-120"/>
-                <a:cs typeface="Times" panose="02020603050405020304" pitchFamily="18" charset="0"/>
-              </a:rPr>
-              <a:t> </a:t>
-            </a:r>
-            <a:r>
-              <a:rPr lang="en-US" altLang="zh-TW" sz="1400" dirty="0">
-                <a:latin typeface="Times" panose="02020603050405020304" pitchFamily="18" charset="0"/>
-                <a:ea typeface="標楷體" panose="03000509000000000000" pitchFamily="65" charset="-120"/>
-                <a:cs typeface="Times" panose="02020603050405020304" pitchFamily="18" charset="0"/>
-              </a:rPr>
-              <a:t>DE: differential evolution</a:t>
-            </a:r>
-          </a:p>
         </p:txBody>
       </p:sp>
       <p:sp>
@@ -18674,8 +18844,8 @@
         </p:blipFill>
         <p:spPr>
           <a:xfrm>
-            <a:off x="3459976" y="3721671"/>
-            <a:ext cx="5272047" cy="2771204"/>
+            <a:off x="2537599" y="2751992"/>
+            <a:ext cx="7116802" cy="3740883"/>
           </a:xfrm>
           <a:prstGeom prst="rect">
             <a:avLst/>

--- a/DAC2024/MOGA-CmpCNN/MOGA-CmpCNN A Multi-Objective Genetic Algorithm Intergrated with CmpCNN Model for CMP-Aware Metal Fill.pptx
+++ b/DAC2024/MOGA-CmpCNN/MOGA-CmpCNN A Multi-Objective Genetic Algorithm Intergrated with CmpCNN Model for CMP-Aware Metal Fill.pptx
@@ -5,7 +5,7 @@
     <p:sldMasterId id="2147483648" r:id="rId1"/>
   </p:sldMasterIdLst>
   <p:notesMasterIdLst>
-    <p:notesMasterId r:id="rId37"/>
+    <p:notesMasterId r:id="rId38"/>
   </p:notesMasterIdLst>
   <p:sldIdLst>
     <p:sldId id="256" r:id="rId2"/>
@@ -15,34 +15,35 @@
     <p:sldId id="299" r:id="rId6"/>
     <p:sldId id="330" r:id="rId7"/>
     <p:sldId id="301" r:id="rId8"/>
-    <p:sldId id="302" r:id="rId9"/>
-    <p:sldId id="331" r:id="rId10"/>
-    <p:sldId id="303" r:id="rId11"/>
-    <p:sldId id="304" r:id="rId12"/>
-    <p:sldId id="305" r:id="rId13"/>
-    <p:sldId id="306" r:id="rId14"/>
-    <p:sldId id="307" r:id="rId15"/>
-    <p:sldId id="308" r:id="rId16"/>
-    <p:sldId id="309" r:id="rId17"/>
-    <p:sldId id="314" r:id="rId18"/>
-    <p:sldId id="310" r:id="rId19"/>
-    <p:sldId id="312" r:id="rId20"/>
-    <p:sldId id="313" r:id="rId21"/>
-    <p:sldId id="332" r:id="rId22"/>
-    <p:sldId id="316" r:id="rId23"/>
-    <p:sldId id="317" r:id="rId24"/>
-    <p:sldId id="318" r:id="rId25"/>
-    <p:sldId id="319" r:id="rId26"/>
-    <p:sldId id="320" r:id="rId27"/>
-    <p:sldId id="321" r:id="rId28"/>
-    <p:sldId id="322" r:id="rId29"/>
-    <p:sldId id="324" r:id="rId30"/>
-    <p:sldId id="325" r:id="rId31"/>
-    <p:sldId id="323" r:id="rId32"/>
-    <p:sldId id="326" r:id="rId33"/>
-    <p:sldId id="327" r:id="rId34"/>
-    <p:sldId id="328" r:id="rId35"/>
-    <p:sldId id="298" r:id="rId36"/>
+    <p:sldId id="333" r:id="rId9"/>
+    <p:sldId id="302" r:id="rId10"/>
+    <p:sldId id="331" r:id="rId11"/>
+    <p:sldId id="303" r:id="rId12"/>
+    <p:sldId id="304" r:id="rId13"/>
+    <p:sldId id="305" r:id="rId14"/>
+    <p:sldId id="306" r:id="rId15"/>
+    <p:sldId id="307" r:id="rId16"/>
+    <p:sldId id="308" r:id="rId17"/>
+    <p:sldId id="309" r:id="rId18"/>
+    <p:sldId id="314" r:id="rId19"/>
+    <p:sldId id="310" r:id="rId20"/>
+    <p:sldId id="312" r:id="rId21"/>
+    <p:sldId id="313" r:id="rId22"/>
+    <p:sldId id="332" r:id="rId23"/>
+    <p:sldId id="316" r:id="rId24"/>
+    <p:sldId id="317" r:id="rId25"/>
+    <p:sldId id="318" r:id="rId26"/>
+    <p:sldId id="319" r:id="rId27"/>
+    <p:sldId id="320" r:id="rId28"/>
+    <p:sldId id="321" r:id="rId29"/>
+    <p:sldId id="322" r:id="rId30"/>
+    <p:sldId id="324" r:id="rId31"/>
+    <p:sldId id="325" r:id="rId32"/>
+    <p:sldId id="323" r:id="rId33"/>
+    <p:sldId id="326" r:id="rId34"/>
+    <p:sldId id="327" r:id="rId35"/>
+    <p:sldId id="328" r:id="rId36"/>
+    <p:sldId id="298" r:id="rId37"/>
   </p:sldIdLst>
   <p:sldSz cx="12192000" cy="6858000"/>
   <p:notesSz cx="6858000" cy="9144000"/>
@@ -1893,56 +1894,162 @@
           <a:bodyPr/>
           <a:lstStyle/>
           <a:p>
+            <a:pPr marL="228600" indent="-228600">
+              <a:buAutoNum type="arabicPeriod"/>
+            </a:pPr>
+            <a:r>
+              <a:rPr lang="zh-TW" altLang="en-US" dirty="0"/>
+              <a:t>找出所有</a:t>
+            </a:r>
             <a:r>
               <a:rPr lang="en-US" altLang="zh-TW" dirty="0"/>
-              <a:t>* </a:t>
-            </a:r>
-            <a:r>
-              <a:rPr lang="en-US" altLang="zh-TW" sz="1200" dirty="0">
-                <a:latin typeface="Times" panose="02020603050405020304" pitchFamily="18" charset="0"/>
-                <a:ea typeface="標楷體" panose="03000509000000000000" pitchFamily="65" charset="-120"/>
-                <a:cs typeface="Times" panose="02020603050405020304" pitchFamily="18" charset="0"/>
-              </a:rPr>
-              <a:t>initial height prediction</a:t>
-            </a:r>
-            <a:r>
-              <a:rPr lang="zh-TW" altLang="en-US" sz="1200" dirty="0">
-                <a:latin typeface="Times" panose="02020603050405020304" pitchFamily="18" charset="0"/>
-                <a:ea typeface="標楷體" panose="03000509000000000000" pitchFamily="65" charset="-120"/>
-                <a:cs typeface="Times" panose="02020603050405020304" pitchFamily="18" charset="0"/>
-              </a:rPr>
-              <a:t>是得到</a:t>
-            </a:r>
-            <a:r>
-              <a:rPr lang="en-US" altLang="zh-TW" sz="1200" dirty="0">
-                <a:latin typeface="Times" panose="02020603050405020304" pitchFamily="18" charset="0"/>
-                <a:ea typeface="標楷體" panose="03000509000000000000" pitchFamily="65" charset="-120"/>
-                <a:cs typeface="Times" panose="02020603050405020304" pitchFamily="18" charset="0"/>
-              </a:rPr>
-              <a:t>minimum height</a:t>
+              <a:t>metal</a:t>
+            </a:r>
+            <a:r>
+              <a:rPr lang="zh-TW" altLang="en-US" dirty="0"/>
+              <a:t>跟</a:t>
+            </a:r>
+            <a:r>
+              <a:rPr lang="en-US" altLang="zh-TW" dirty="0"/>
+              <a:t>windows</a:t>
+            </a:r>
+            <a:r>
+              <a:rPr lang="zh-TW" altLang="en-US" dirty="0"/>
+              <a:t>的</a:t>
+            </a:r>
+            <a:r>
+              <a:rPr lang="en-US" altLang="zh-TW" dirty="0"/>
+              <a:t>boundary {xi}</a:t>
+            </a:r>
+          </a:p>
+          <a:p>
+            <a:pPr marL="228600" indent="-228600">
+              <a:buAutoNum type="arabicPeriod"/>
+            </a:pPr>
+            <a:r>
+              <a:rPr lang="zh-TW" altLang="en-US" dirty="0"/>
+              <a:t>依序</a:t>
+            </a:r>
+            <a:r>
+              <a:rPr lang="en-US" altLang="zh-TW" dirty="0"/>
+              <a:t>(x1,x2), (x2,x3)…</a:t>
+            </a:r>
+          </a:p>
+          <a:p>
+            <a:pPr marL="685800" lvl="1" indent="-228600">
+              <a:buAutoNum type="arabicPeriod"/>
+            </a:pPr>
+            <a:r>
+              <a:rPr lang="zh-TW" altLang="en-US" dirty="0"/>
+              <a:t>找出與這個邊界有交集的</a:t>
+            </a:r>
+            <a:r>
+              <a:rPr lang="en-US" altLang="zh-TW" dirty="0"/>
+              <a:t>metal</a:t>
+            </a:r>
+            <a:r>
+              <a:rPr lang="zh-TW" altLang="en-US" dirty="0"/>
+              <a:t>的</a:t>
+            </a:r>
+            <a:r>
+              <a:rPr lang="en-US" altLang="zh-TW" dirty="0"/>
+              <a:t>y (metal</a:t>
+            </a:r>
+            <a:r>
+              <a:rPr lang="zh-TW" altLang="en-US" dirty="0"/>
+              <a:t>邊界以及</a:t>
+            </a:r>
+            <a:r>
+              <a:rPr lang="en-US" altLang="zh-TW" dirty="0"/>
+              <a:t>window</a:t>
+            </a:r>
+            <a:r>
+              <a:rPr lang="zh-TW" altLang="en-US" dirty="0"/>
+              <a:t>的邊界</a:t>
+            </a:r>
+            <a:r>
+              <a:rPr lang="en-US" altLang="zh-TW" dirty="0"/>
+              <a:t>)</a:t>
+            </a:r>
+          </a:p>
+          <a:p>
+            <a:pPr marL="685800" lvl="1" indent="-228600">
+              <a:buAutoNum type="arabicPeriod"/>
+            </a:pPr>
+            <a:r>
+              <a:rPr lang="zh-TW" altLang="en-US" dirty="0"/>
+              <a:t>決定他是不是</a:t>
+            </a:r>
+            <a:r>
+              <a:rPr lang="en-US" altLang="zh-TW" dirty="0"/>
+              <a:t>fillable region (</a:t>
+            </a:r>
+            <a:r>
+              <a:rPr lang="zh-TW" altLang="en-US" dirty="0"/>
+              <a:t>應該就是沒有</a:t>
+            </a:r>
+            <a:r>
+              <a:rPr lang="en-US" altLang="zh-TW" dirty="0"/>
+              <a:t>metal)</a:t>
+            </a:r>
+          </a:p>
+          <a:p>
+            <a:pPr marL="685800" lvl="1" indent="-228600">
+              <a:buAutoNum type="arabicPeriod"/>
+            </a:pPr>
+            <a:r>
+              <a:rPr lang="zh-TW" altLang="en-US" dirty="0"/>
+              <a:t>若</a:t>
+            </a:r>
+            <a:r>
+              <a:rPr lang="en-US" altLang="zh-TW" dirty="0"/>
+              <a:t>fillable region</a:t>
+            </a:r>
+            <a:r>
+              <a:rPr lang="zh-TW" altLang="en-US" dirty="0"/>
+              <a:t>的寬度小於</a:t>
+            </a:r>
+            <a:r>
+              <a:rPr lang="en-US" altLang="zh-TW" dirty="0" err="1"/>
+              <a:t>min_fill_width</a:t>
+            </a:r>
+            <a:r>
+              <a:rPr lang="en-US" altLang="zh-TW" dirty="0"/>
+              <a:t> + </a:t>
+            </a:r>
+            <a:r>
+              <a:rPr lang="en-US" altLang="zh-TW" dirty="0" err="1"/>
+              <a:t>min_space</a:t>
+            </a:r>
+            <a:r>
+              <a:rPr lang="zh-TW" altLang="en-US" dirty="0"/>
+              <a:t>的話，就把她刪除</a:t>
             </a:r>
             <a:endParaRPr lang="en-US" altLang="zh-TW" dirty="0"/>
           </a:p>
           <a:p>
+            <a:pPr marL="685800" lvl="1" indent="-228600">
+              <a:buAutoNum type="arabicPeriod"/>
+            </a:pPr>
             <a:r>
               <a:rPr lang="zh-TW" altLang="en-US" dirty="0"/>
-              <a:t>* </a:t>
+              <a:t>若高度</a:t>
             </a:r>
             <a:r>
               <a:rPr lang="en-US" altLang="zh-TW" dirty="0"/>
-              <a:t>he </a:t>
+              <a:t>(y</a:t>
             </a:r>
             <a:r>
               <a:rPr lang="zh-TW" altLang="en-US" dirty="0"/>
-              <a:t>是指在符合</a:t>
+              <a:t>方向</a:t>
             </a:r>
             <a:r>
               <a:rPr lang="en-US" altLang="zh-TW" dirty="0"/>
-              <a:t>density rule</a:t>
+              <a:t>)</a:t>
             </a:r>
             <a:r>
               <a:rPr lang="zh-TW" altLang="en-US" dirty="0"/>
-              <a:t>的情況下，可以得到的高度。</a:t>
+              <a:t>相同，可以合併</a:t>
             </a:r>
           </a:p>
         </p:txBody>
@@ -1973,7 +2080,7 @@
     </p:spTree>
     <p:extLst>
       <p:ext uri="{BB962C8B-B14F-4D97-AF65-F5344CB8AC3E}">
-        <p14:creationId xmlns:p14="http://schemas.microsoft.com/office/powerpoint/2010/main" val="3649019431"/>
+        <p14:creationId xmlns:p14="http://schemas.microsoft.com/office/powerpoint/2010/main" val="277645500"/>
       </p:ext>
     </p:extLst>
   </p:cSld>
@@ -2027,7 +2134,57 @@
           <a:bodyPr/>
           <a:lstStyle/>
           <a:p>
-            <a:endParaRPr lang="zh-TW" altLang="en-US" dirty="0"/>
+            <a:r>
+              <a:rPr lang="en-US" altLang="zh-TW" dirty="0"/>
+              <a:t>* </a:t>
+            </a:r>
+            <a:r>
+              <a:rPr lang="en-US" altLang="zh-TW" sz="1200" dirty="0">
+                <a:latin typeface="Times" panose="02020603050405020304" pitchFamily="18" charset="0"/>
+                <a:ea typeface="標楷體" panose="03000509000000000000" pitchFamily="65" charset="-120"/>
+                <a:cs typeface="Times" panose="02020603050405020304" pitchFamily="18" charset="0"/>
+              </a:rPr>
+              <a:t>initial height prediction</a:t>
+            </a:r>
+            <a:r>
+              <a:rPr lang="zh-TW" altLang="en-US" sz="1200" dirty="0">
+                <a:latin typeface="Times" panose="02020603050405020304" pitchFamily="18" charset="0"/>
+                <a:ea typeface="標楷體" panose="03000509000000000000" pitchFamily="65" charset="-120"/>
+                <a:cs typeface="Times" panose="02020603050405020304" pitchFamily="18" charset="0"/>
+              </a:rPr>
+              <a:t>是得到</a:t>
+            </a:r>
+            <a:r>
+              <a:rPr lang="en-US" altLang="zh-TW" sz="1200" dirty="0">
+                <a:latin typeface="Times" panose="02020603050405020304" pitchFamily="18" charset="0"/>
+                <a:ea typeface="標楷體" panose="03000509000000000000" pitchFamily="65" charset="-120"/>
+                <a:cs typeface="Times" panose="02020603050405020304" pitchFamily="18" charset="0"/>
+              </a:rPr>
+              <a:t>minimum height</a:t>
+            </a:r>
+            <a:endParaRPr lang="en-US" altLang="zh-TW" dirty="0"/>
+          </a:p>
+          <a:p>
+            <a:r>
+              <a:rPr lang="zh-TW" altLang="en-US" dirty="0"/>
+              <a:t>* </a:t>
+            </a:r>
+            <a:r>
+              <a:rPr lang="en-US" altLang="zh-TW" dirty="0"/>
+              <a:t>he </a:t>
+            </a:r>
+            <a:r>
+              <a:rPr lang="zh-TW" altLang="en-US" dirty="0"/>
+              <a:t>是指在符合</a:t>
+            </a:r>
+            <a:r>
+              <a:rPr lang="en-US" altLang="zh-TW" dirty="0"/>
+              <a:t>density rule</a:t>
+            </a:r>
+            <a:r>
+              <a:rPr lang="zh-TW" altLang="en-US" dirty="0"/>
+              <a:t>的情況下，可以得到的高度。</a:t>
+            </a:r>
           </a:p>
         </p:txBody>
       </p:sp>
@@ -2057,7 +2214,7 @@
     </p:spTree>
     <p:extLst>
       <p:ext uri="{BB962C8B-B14F-4D97-AF65-F5344CB8AC3E}">
-        <p14:creationId xmlns:p14="http://schemas.microsoft.com/office/powerpoint/2010/main" val="279027497"/>
+        <p14:creationId xmlns:p14="http://schemas.microsoft.com/office/powerpoint/2010/main" val="3649019431"/>
       </p:ext>
     </p:extLst>
   </p:cSld>
@@ -2141,7 +2298,7 @@
     </p:spTree>
     <p:extLst>
       <p:ext uri="{BB962C8B-B14F-4D97-AF65-F5344CB8AC3E}">
-        <p14:creationId xmlns:p14="http://schemas.microsoft.com/office/powerpoint/2010/main" val="3335668254"/>
+        <p14:creationId xmlns:p14="http://schemas.microsoft.com/office/powerpoint/2010/main" val="279027497"/>
       </p:ext>
     </p:extLst>
   </p:cSld>
@@ -2195,26 +2352,7 @@
           <a:bodyPr/>
           <a:lstStyle/>
           <a:p>
-            <a:r>
-              <a:rPr lang="zh-TW" altLang="en-US" dirty="0"/>
-              <a:t>一開始會有初始解，即</a:t>
-            </a:r>
-            <a:r>
-              <a:rPr lang="en-US" altLang="zh-TW" dirty="0"/>
-              <a:t>fill insertion solution</a:t>
-            </a:r>
-            <a:r>
-              <a:rPr lang="zh-TW" altLang="en-US" dirty="0"/>
-              <a:t>，之後會把它丟進</a:t>
-            </a:r>
-            <a:r>
-              <a:rPr lang="en-US" altLang="zh-TW" dirty="0"/>
-              <a:t>CMPCNN</a:t>
-            </a:r>
-            <a:r>
-              <a:rPr lang="zh-TW" altLang="en-US" dirty="0"/>
-              <a:t>，並且算出適應度的分數</a:t>
-            </a:r>
+            <a:endParaRPr lang="zh-TW" altLang="en-US" dirty="0"/>
           </a:p>
         </p:txBody>
       </p:sp>
@@ -2244,7 +2382,7 @@
     </p:spTree>
     <p:extLst>
       <p:ext uri="{BB962C8B-B14F-4D97-AF65-F5344CB8AC3E}">
-        <p14:creationId xmlns:p14="http://schemas.microsoft.com/office/powerpoint/2010/main" val="3303056348"/>
+        <p14:creationId xmlns:p14="http://schemas.microsoft.com/office/powerpoint/2010/main" val="3335668254"/>
       </p:ext>
     </p:extLst>
   </p:cSld>
@@ -2300,52 +2438,24 @@
           <a:p>
             <a:r>
               <a:rPr lang="zh-TW" altLang="en-US" dirty="0"/>
-              <a:t>在生成</a:t>
+              <a:t>一開始會有初始解，即</a:t>
             </a:r>
             <a:r>
               <a:rPr lang="en-US" altLang="zh-TW" dirty="0"/>
-              <a:t>fill solution</a:t>
+              <a:t>fill insertion solution</a:t>
             </a:r>
             <a:r>
               <a:rPr lang="zh-TW" altLang="en-US" dirty="0"/>
-              <a:t>後，會進行圖像生成以及密度的計算。圖像會先進行</a:t>
+              <a:t>，之後會把它丟進</a:t>
             </a:r>
             <a:r>
               <a:rPr lang="en-US" altLang="zh-TW" dirty="0"/>
-              <a:t>feature extraction</a:t>
+              <a:t>CMPCNN</a:t>
             </a:r>
             <a:r>
               <a:rPr lang="zh-TW" altLang="en-US" dirty="0"/>
-              <a:t>，並且將這些特徵與</a:t>
-            </a:r>
-            <a:r>
-              <a:rPr lang="en-US" altLang="zh-TW" dirty="0"/>
-              <a:t>density</a:t>
-            </a:r>
-            <a:r>
-              <a:rPr lang="zh-TW" altLang="en-US" dirty="0"/>
-              <a:t>一起丟到</a:t>
-            </a:r>
-            <a:r>
-              <a:rPr lang="en-US" altLang="zh-TW" dirty="0"/>
-              <a:t>regression network</a:t>
-            </a:r>
-            <a:r>
-              <a:rPr lang="zh-TW" altLang="en-US" dirty="0"/>
-              <a:t>來進行填充高度的預測。 之後會用剛剛的</a:t>
-            </a:r>
-            <a:r>
-              <a:rPr lang="en-US" altLang="zh-TW" dirty="0"/>
-              <a:t>fitness score</a:t>
-            </a:r>
-            <a:r>
-              <a:rPr lang="zh-TW" altLang="en-US" dirty="0"/>
-              <a:t>來計算適應度分數。</a:t>
-            </a:r>
-            <a:endParaRPr lang="en-US" altLang="zh-TW" dirty="0"/>
-          </a:p>
-          <a:p>
-            <a:endParaRPr lang="zh-TW" altLang="en-US" dirty="0"/>
+              <a:t>，並且算出適應度的分數</a:t>
+            </a:r>
           </a:p>
         </p:txBody>
       </p:sp>
@@ -2375,7 +2485,7 @@
     </p:spTree>
     <p:extLst>
       <p:ext uri="{BB962C8B-B14F-4D97-AF65-F5344CB8AC3E}">
-        <p14:creationId xmlns:p14="http://schemas.microsoft.com/office/powerpoint/2010/main" val="3859843752"/>
+        <p14:creationId xmlns:p14="http://schemas.microsoft.com/office/powerpoint/2010/main" val="3303056348"/>
       </p:ext>
     </p:extLst>
   </p:cSld>
@@ -2431,24 +2541,51 @@
           <a:p>
             <a:r>
               <a:rPr lang="zh-TW" altLang="en-US" dirty="0"/>
-              <a:t>進行</a:t>
-            </a:r>
-            <a:r>
-              <a:rPr lang="en-US" altLang="zh-TW" dirty="0" err="1"/>
-              <a:t>pertubation</a:t>
+              <a:t>在生成</a:t>
             </a:r>
             <a:r>
               <a:rPr lang="en-US" altLang="zh-TW" dirty="0"/>
-              <a:t>(</a:t>
+              <a:t>fill solution</a:t>
             </a:r>
             <a:r>
               <a:rPr lang="zh-TW" altLang="en-US" dirty="0"/>
-              <a:t>選擇 交配 突變 取代等等</a:t>
+              <a:t>後，會進行圖像生成以及密度的計算。圖像會先進行</a:t>
             </a:r>
             <a:r>
               <a:rPr lang="en-US" altLang="zh-TW" dirty="0"/>
-              <a:t>)</a:t>
-            </a:r>
+              <a:t>feature extraction</a:t>
+            </a:r>
+            <a:r>
+              <a:rPr lang="zh-TW" altLang="en-US" dirty="0"/>
+              <a:t>，並且將這些特徵與</a:t>
+            </a:r>
+            <a:r>
+              <a:rPr lang="en-US" altLang="zh-TW" dirty="0"/>
+              <a:t>density</a:t>
+            </a:r>
+            <a:r>
+              <a:rPr lang="zh-TW" altLang="en-US" dirty="0"/>
+              <a:t>一起丟到</a:t>
+            </a:r>
+            <a:r>
+              <a:rPr lang="en-US" altLang="zh-TW" dirty="0"/>
+              <a:t>regression network</a:t>
+            </a:r>
+            <a:r>
+              <a:rPr lang="zh-TW" altLang="en-US" dirty="0"/>
+              <a:t>來進行填充高度的預測。 之後會用剛剛的</a:t>
+            </a:r>
+            <a:r>
+              <a:rPr lang="en-US" altLang="zh-TW" dirty="0"/>
+              <a:t>fitness score</a:t>
+            </a:r>
+            <a:r>
+              <a:rPr lang="zh-TW" altLang="en-US" dirty="0"/>
+              <a:t>來計算適應度分數。</a:t>
+            </a:r>
+            <a:endParaRPr lang="en-US" altLang="zh-TW" dirty="0"/>
+          </a:p>
+          <a:p>
             <a:endParaRPr lang="zh-TW" altLang="en-US" dirty="0"/>
           </a:p>
         </p:txBody>
@@ -2479,7 +2616,7 @@
     </p:spTree>
     <p:extLst>
       <p:ext uri="{BB962C8B-B14F-4D97-AF65-F5344CB8AC3E}">
-        <p14:creationId xmlns:p14="http://schemas.microsoft.com/office/powerpoint/2010/main" val="2475832876"/>
+        <p14:creationId xmlns:p14="http://schemas.microsoft.com/office/powerpoint/2010/main" val="3859843752"/>
       </p:ext>
     </p:extLst>
   </p:cSld>
@@ -2533,6 +2670,26 @@
           <a:bodyPr/>
           <a:lstStyle/>
           <a:p>
+            <a:r>
+              <a:rPr lang="zh-TW" altLang="en-US" dirty="0"/>
+              <a:t>進行</a:t>
+            </a:r>
+            <a:r>
+              <a:rPr lang="en-US" altLang="zh-TW" dirty="0" err="1"/>
+              <a:t>pertubation</a:t>
+            </a:r>
+            <a:r>
+              <a:rPr lang="en-US" altLang="zh-TW" dirty="0"/>
+              <a:t>(</a:t>
+            </a:r>
+            <a:r>
+              <a:rPr lang="zh-TW" altLang="en-US" dirty="0"/>
+              <a:t>選擇 交配 突變 取代等等</a:t>
+            </a:r>
+            <a:r>
+              <a:rPr lang="en-US" altLang="zh-TW" dirty="0"/>
+              <a:t>)</a:t>
+            </a:r>
             <a:endParaRPr lang="zh-TW" altLang="en-US" dirty="0"/>
           </a:p>
         </p:txBody>
@@ -2563,7 +2720,7 @@
     </p:spTree>
     <p:extLst>
       <p:ext uri="{BB962C8B-B14F-4D97-AF65-F5344CB8AC3E}">
-        <p14:creationId xmlns:p14="http://schemas.microsoft.com/office/powerpoint/2010/main" val="4021933917"/>
+        <p14:creationId xmlns:p14="http://schemas.microsoft.com/office/powerpoint/2010/main" val="2475832876"/>
       </p:ext>
     </p:extLst>
   </p:cSld>
@@ -2617,45 +2774,6 @@
           <a:bodyPr/>
           <a:lstStyle/>
           <a:p>
-            <a:r>
-              <a:rPr lang="zh-TW" altLang="en-US" dirty="0"/>
-              <a:t>越小越好</a:t>
-            </a:r>
-            <a:endParaRPr lang="en-US" altLang="zh-TW" dirty="0"/>
-          </a:p>
-          <a:p>
-            <a:pPr marL="171450" indent="-171450">
-              <a:buFont typeface="Arial" panose="020B0604020202020204" pitchFamily="34" charset="0"/>
-              <a:buChar char="•"/>
-            </a:pPr>
-            <a:r>
-              <a:rPr lang="zh-TW" altLang="en-US" dirty="0"/>
-              <a:t>降低</a:t>
-            </a:r>
-            <a:r>
-              <a:rPr lang="en-US" altLang="zh-TW" sz="1800" b="0" i="0" u="none" strike="noStrike" baseline="0" dirty="0">
-                <a:latin typeface="LinLibertineT"/>
-              </a:rPr>
-              <a:t>post-CMP height variations</a:t>
-            </a:r>
-          </a:p>
-          <a:p>
-            <a:pPr marL="171450" indent="-171450">
-              <a:buFont typeface="Arial" panose="020B0604020202020204" pitchFamily="34" charset="0"/>
-              <a:buChar char="•"/>
-            </a:pPr>
-            <a:r>
-              <a:rPr lang="zh-TW" altLang="en-US" sz="1800" b="0" i="0" u="none" strike="noStrike" baseline="0" dirty="0">
-                <a:latin typeface="LinLibertineT"/>
-              </a:rPr>
-              <a:t>降低</a:t>
-            </a:r>
-            <a:r>
-              <a:rPr lang="en-US" altLang="zh-TW" sz="1800" b="0" i="0" u="none" strike="noStrike" baseline="0" dirty="0">
-                <a:latin typeface="LinLibertineT"/>
-              </a:rPr>
-              <a:t>fill amount</a:t>
-            </a:r>
             <a:endParaRPr lang="zh-TW" altLang="en-US" dirty="0"/>
           </a:p>
         </p:txBody>
@@ -2686,7 +2804,7 @@
     </p:spTree>
     <p:extLst>
       <p:ext uri="{BB962C8B-B14F-4D97-AF65-F5344CB8AC3E}">
-        <p14:creationId xmlns:p14="http://schemas.microsoft.com/office/powerpoint/2010/main" val="90596409"/>
+        <p14:creationId xmlns:p14="http://schemas.microsoft.com/office/powerpoint/2010/main" val="4021933917"/>
       </p:ext>
     </p:extLst>
   </p:cSld>
@@ -2740,6 +2858,60 @@
           <a:bodyPr/>
           <a:lstStyle/>
           <a:p>
+            <a:r>
+              <a:rPr lang="en-US" altLang="zh-TW" dirty="0"/>
+              <a:t>* </a:t>
+            </a:r>
+            <a:r>
+              <a:rPr lang="en-US" altLang="zh-TW" dirty="0" err="1"/>
+              <a:t>Dtarget</a:t>
+            </a:r>
+            <a:r>
+              <a:rPr lang="zh-TW" altLang="en-US"/>
+              <a:t>沒寫是甚麼</a:t>
+            </a:r>
+            <a:endParaRPr lang="en-US" altLang="zh-TW"/>
+          </a:p>
+          <a:p>
+            <a:r>
+              <a:rPr lang="zh-TW" altLang="en-US" dirty="0"/>
+              <a:t>越小越好</a:t>
+            </a:r>
+            <a:endParaRPr lang="en-US" altLang="zh-TW" dirty="0"/>
+          </a:p>
+          <a:p>
+            <a:pPr marL="171450" indent="-171450">
+              <a:buFont typeface="Arial" panose="020B0604020202020204" pitchFamily="34" charset="0"/>
+              <a:buChar char="•"/>
+            </a:pPr>
+            <a:r>
+              <a:rPr lang="zh-TW" altLang="en-US" dirty="0"/>
+              <a:t>降低</a:t>
+            </a:r>
+            <a:r>
+              <a:rPr lang="en-US" altLang="zh-TW" sz="1800" b="0" i="0" u="none" strike="noStrike" baseline="0" dirty="0">
+                <a:latin typeface="LinLibertineT"/>
+              </a:rPr>
+              <a:t>post-CMP height variations</a:t>
+            </a:r>
+          </a:p>
+          <a:p>
+            <a:pPr marL="171450" indent="-171450">
+              <a:buFont typeface="Arial" panose="020B0604020202020204" pitchFamily="34" charset="0"/>
+              <a:buChar char="•"/>
+            </a:pPr>
+            <a:r>
+              <a:rPr lang="zh-TW" altLang="en-US" sz="1800" b="0" i="0" u="none" strike="noStrike" baseline="0" dirty="0">
+                <a:latin typeface="LinLibertineT"/>
+              </a:rPr>
+              <a:t>降低</a:t>
+            </a:r>
+            <a:r>
+              <a:rPr lang="en-US" altLang="zh-TW" sz="1800" b="0" i="0" u="none" strike="noStrike" baseline="0" dirty="0">
+                <a:latin typeface="LinLibertineT"/>
+              </a:rPr>
+              <a:t>fill amount</a:t>
+            </a:r>
             <a:endParaRPr lang="zh-TW" altLang="en-US" dirty="0"/>
           </a:p>
         </p:txBody>
@@ -2770,7 +2942,7 @@
     </p:spTree>
     <p:extLst>
       <p:ext uri="{BB962C8B-B14F-4D97-AF65-F5344CB8AC3E}">
-        <p14:creationId xmlns:p14="http://schemas.microsoft.com/office/powerpoint/2010/main" val="1925353900"/>
+        <p14:creationId xmlns:p14="http://schemas.microsoft.com/office/powerpoint/2010/main" val="90596409"/>
       </p:ext>
     </p:extLst>
   </p:cSld>
@@ -2824,14 +2996,6 @@
           <a:bodyPr/>
           <a:lstStyle/>
           <a:p>
-            <a:r>
-              <a:rPr lang="en-US" altLang="zh-TW" dirty="0" err="1"/>
-              <a:t>openGA</a:t>
-            </a:r>
-            <a:r>
-              <a:rPr lang="en-US" altLang="zh-TW" dirty="0"/>
-              <a:t>: genetic algorithm</a:t>
-            </a:r>
             <a:endParaRPr lang="zh-TW" altLang="en-US" dirty="0"/>
           </a:p>
         </p:txBody>
@@ -2862,7 +3026,7 @@
     </p:spTree>
     <p:extLst>
       <p:ext uri="{BB962C8B-B14F-4D97-AF65-F5344CB8AC3E}">
-        <p14:creationId xmlns:p14="http://schemas.microsoft.com/office/powerpoint/2010/main" val="3266866473"/>
+        <p14:creationId xmlns:p14="http://schemas.microsoft.com/office/powerpoint/2010/main" val="1925353900"/>
       </p:ext>
     </p:extLst>
   </p:cSld>
@@ -3001,34 +3165,12 @@
           <a:lstStyle/>
           <a:p>
             <a:r>
-              <a:rPr lang="zh-TW" altLang="en-US" b="0" i="0" dirty="0">
-                <a:solidFill>
-                  <a:srgbClr val="374151"/>
-                </a:solidFill>
-                <a:effectLst/>
-                <a:latin typeface="Söhne"/>
-              </a:rPr>
-              <a:t>每一層的高度都有一個對應的高度標準差（描述該層內高度的變異情況）。</a:t>
-            </a:r>
-            <a:r>
-              <a:rPr lang="en-US" altLang="zh-TW" b="0" i="0" dirty="0">
-                <a:solidFill>
-                  <a:srgbClr val="374151"/>
-                </a:solidFill>
-                <a:effectLst/>
-                <a:latin typeface="Söhne"/>
-              </a:rPr>
-              <a:t>OV</a:t>
-            </a:r>
-            <a:r>
-              <a:rPr lang="zh-TW" altLang="en-US" b="0" i="0" dirty="0">
-                <a:solidFill>
-                  <a:srgbClr val="374151"/>
-                </a:solidFill>
-                <a:effectLst/>
-                <a:latin typeface="Söhne"/>
-              </a:rPr>
-              <a:t>則是這些標準差的總和。這裡的每一層用 𝜎𝑘 來表示，其中 𝜎 是標準差的符號，而 𝑘 是層的索引。</a:t>
+              <a:rPr lang="en-US" altLang="zh-TW" dirty="0" err="1"/>
+              <a:t>openGA</a:t>
+            </a:r>
+            <a:r>
+              <a:rPr lang="en-US" altLang="zh-TW" dirty="0"/>
+              <a:t>: genetic algorithm</a:t>
             </a:r>
             <a:endParaRPr lang="zh-TW" altLang="en-US" dirty="0"/>
           </a:p>
@@ -3060,7 +3202,7 @@
     </p:spTree>
     <p:extLst>
       <p:ext uri="{BB962C8B-B14F-4D97-AF65-F5344CB8AC3E}">
-        <p14:creationId xmlns:p14="http://schemas.microsoft.com/office/powerpoint/2010/main" val="2805368881"/>
+        <p14:creationId xmlns:p14="http://schemas.microsoft.com/office/powerpoint/2010/main" val="3266866473"/>
       </p:ext>
     </p:extLst>
   </p:cSld>
@@ -3122,7 +3264,7 @@
                 <a:effectLst/>
                 <a:latin typeface="Söhne"/>
               </a:rPr>
-              <a:t>將同一個</a:t>
+              <a:t>每一層的高度都有一個對應的高度標準差（描述該層內高度的變異情況）。</a:t>
             </a:r>
             <a:r>
               <a:rPr lang="en-US" altLang="zh-TW" b="0" i="0" dirty="0">
@@ -3132,7 +3274,7 @@
                 <a:effectLst/>
                 <a:latin typeface="Söhne"/>
               </a:rPr>
-              <a:t>window</a:t>
+              <a:t>OV</a:t>
             </a:r>
             <a:r>
               <a:rPr lang="zh-TW" altLang="en-US" b="0" i="0" dirty="0">
@@ -3142,7 +3284,7 @@
                 <a:effectLst/>
                 <a:latin typeface="Söhne"/>
               </a:rPr>
-              <a:t>的每一層高度加起來，並且用最大值減最小值</a:t>
+              <a:t>則是這些標準差的總和。這裡的每一層用 𝜎𝑘 來表示，其中 𝜎 是標準差的符號，而 𝑘 是層的索引。</a:t>
             </a:r>
             <a:endParaRPr lang="zh-TW" altLang="en-US" dirty="0"/>
           </a:p>
@@ -3174,7 +3316,7 @@
     </p:spTree>
     <p:extLst>
       <p:ext uri="{BB962C8B-B14F-4D97-AF65-F5344CB8AC3E}">
-        <p14:creationId xmlns:p14="http://schemas.microsoft.com/office/powerpoint/2010/main" val="1690136171"/>
+        <p14:creationId xmlns:p14="http://schemas.microsoft.com/office/powerpoint/2010/main" val="2805368881"/>
       </p:ext>
     </p:extLst>
   </p:cSld>
@@ -3229,28 +3371,34 @@
           <a:lstStyle/>
           <a:p>
             <a:r>
-              <a:rPr lang="zh-TW" altLang="en-US" dirty="0"/>
-              <a:t>整個</a:t>
-            </a:r>
-            <a:r>
-              <a:rPr lang="en-US" altLang="zh-TW" dirty="0"/>
-              <a:t>layout</a:t>
-            </a:r>
-            <a:r>
-              <a:rPr lang="zh-TW" altLang="en-US" dirty="0"/>
-              <a:t>的平均</a:t>
-            </a:r>
-            <a:r>
-              <a:rPr lang="en-US" altLang="zh-TW" dirty="0"/>
-              <a:t>density (</a:t>
-            </a:r>
-            <a:r>
-              <a:rPr lang="zh-TW" altLang="en-US" dirty="0"/>
-              <a:t>包含所有層</a:t>
-            </a:r>
-            <a:r>
-              <a:rPr lang="en-US" altLang="zh-TW" dirty="0"/>
-              <a:t>)</a:t>
+              <a:rPr lang="zh-TW" altLang="en-US" b="0" i="0" dirty="0">
+                <a:solidFill>
+                  <a:srgbClr val="374151"/>
+                </a:solidFill>
+                <a:effectLst/>
+                <a:latin typeface="Söhne"/>
+              </a:rPr>
+              <a:t>將同一個</a:t>
+            </a:r>
+            <a:r>
+              <a:rPr lang="en-US" altLang="zh-TW" b="0" i="0" dirty="0">
+                <a:solidFill>
+                  <a:srgbClr val="374151"/>
+                </a:solidFill>
+                <a:effectLst/>
+                <a:latin typeface="Söhne"/>
+              </a:rPr>
+              <a:t>window</a:t>
+            </a:r>
+            <a:r>
+              <a:rPr lang="zh-TW" altLang="en-US" b="0" i="0" dirty="0">
+                <a:solidFill>
+                  <a:srgbClr val="374151"/>
+                </a:solidFill>
+                <a:effectLst/>
+                <a:latin typeface="Söhne"/>
+              </a:rPr>
+              <a:t>的每一層高度加起來，並且用最大值減最小值</a:t>
             </a:r>
             <a:endParaRPr lang="zh-TW" altLang="en-US" dirty="0"/>
           </a:p>
@@ -3282,7 +3430,7 @@
     </p:spTree>
     <p:extLst>
       <p:ext uri="{BB962C8B-B14F-4D97-AF65-F5344CB8AC3E}">
-        <p14:creationId xmlns:p14="http://schemas.microsoft.com/office/powerpoint/2010/main" val="2119980269"/>
+        <p14:creationId xmlns:p14="http://schemas.microsoft.com/office/powerpoint/2010/main" val="1690136171"/>
       </p:ext>
     </p:extLst>
   </p:cSld>
@@ -3337,43 +3485,28 @@
           <a:lstStyle/>
           <a:p>
             <a:r>
-              <a:rPr lang="zh-TW" altLang="en-US" b="0" i="0" dirty="0">
-                <a:solidFill>
-                  <a:srgbClr val="374151"/>
-                </a:solidFill>
-                <a:effectLst/>
-                <a:latin typeface="Söhne"/>
-              </a:rPr>
-              <a:t>* 横向电容</a:t>
-            </a:r>
-            <a:endParaRPr lang="en-US" altLang="zh-TW" b="0" i="0" dirty="0">
-              <a:solidFill>
-                <a:srgbClr val="374151"/>
-              </a:solidFill>
-              <a:effectLst/>
-              <a:latin typeface="Söhne"/>
-            </a:endParaRPr>
-          </a:p>
-          <a:p>
-            <a:r>
-              <a:rPr lang="zh-TW" altLang="en-US" b="0" i="0" dirty="0">
-                <a:solidFill>
-                  <a:srgbClr val="374151"/>
-                </a:solidFill>
-                <a:effectLst/>
-                <a:latin typeface="Söhne"/>
-              </a:rPr>
-              <a:t>* </a:t>
-            </a:r>
-            <a:r>
-              <a:rPr lang="zh-CN" altLang="en-US" b="0" i="0" dirty="0">
-                <a:solidFill>
-                  <a:srgbClr val="374151"/>
-                </a:solidFill>
-                <a:effectLst/>
-                <a:latin typeface="Söhne"/>
-              </a:rPr>
-              <a:t>同一层上导体形成的电容，通过将平行边缘之间的距离乘以单位长度的横向电容。</a:t>
+              <a:rPr lang="zh-TW" altLang="en-US" dirty="0"/>
+              <a:t>整個</a:t>
+            </a:r>
+            <a:r>
+              <a:rPr lang="en-US" altLang="zh-TW" dirty="0"/>
+              <a:t>layout</a:t>
+            </a:r>
+            <a:r>
+              <a:rPr lang="zh-TW" altLang="en-US" dirty="0"/>
+              <a:t>的平均</a:t>
+            </a:r>
+            <a:r>
+              <a:rPr lang="en-US" altLang="zh-TW" dirty="0"/>
+              <a:t>density (</a:t>
+            </a:r>
+            <a:r>
+              <a:rPr lang="zh-TW" altLang="en-US" dirty="0"/>
+              <a:t>包含所有層</a:t>
+            </a:r>
+            <a:r>
+              <a:rPr lang="en-US" altLang="zh-TW" dirty="0"/>
+              <a:t>)</a:t>
             </a:r>
             <a:endParaRPr lang="zh-TW" altLang="en-US" dirty="0"/>
           </a:p>
@@ -3405,7 +3538,7 @@
     </p:spTree>
     <p:extLst>
       <p:ext uri="{BB962C8B-B14F-4D97-AF65-F5344CB8AC3E}">
-        <p14:creationId xmlns:p14="http://schemas.microsoft.com/office/powerpoint/2010/main" val="2446882062"/>
+        <p14:creationId xmlns:p14="http://schemas.microsoft.com/office/powerpoint/2010/main" val="2119980269"/>
       </p:ext>
     </p:extLst>
   </p:cSld>
@@ -3460,16 +3593,43 @@
           <a:lstStyle/>
           <a:p>
             <a:r>
-              <a:rPr lang="zh-TW" altLang="en-US" dirty="0"/>
-              <a:t>每個</a:t>
-            </a:r>
-            <a:r>
-              <a:rPr lang="en-US" altLang="zh-TW" dirty="0"/>
-              <a:t>windows</a:t>
-            </a:r>
-            <a:r>
-              <a:rPr lang="zh-TW" altLang="en-US"/>
-              <a:t>的填充量的加總</a:t>
+              <a:rPr lang="zh-TW" altLang="en-US" b="0" i="0" dirty="0">
+                <a:solidFill>
+                  <a:srgbClr val="374151"/>
+                </a:solidFill>
+                <a:effectLst/>
+                <a:latin typeface="Söhne"/>
+              </a:rPr>
+              <a:t>* 横向电容</a:t>
+            </a:r>
+            <a:endParaRPr lang="en-US" altLang="zh-TW" b="0" i="0" dirty="0">
+              <a:solidFill>
+                <a:srgbClr val="374151"/>
+              </a:solidFill>
+              <a:effectLst/>
+              <a:latin typeface="Söhne"/>
+            </a:endParaRPr>
+          </a:p>
+          <a:p>
+            <a:r>
+              <a:rPr lang="zh-TW" altLang="en-US" b="0" i="0" dirty="0">
+                <a:solidFill>
+                  <a:srgbClr val="374151"/>
+                </a:solidFill>
+                <a:effectLst/>
+                <a:latin typeface="Söhne"/>
+              </a:rPr>
+              <a:t>* </a:t>
+            </a:r>
+            <a:r>
+              <a:rPr lang="zh-CN" altLang="en-US" b="0" i="0" dirty="0">
+                <a:solidFill>
+                  <a:srgbClr val="374151"/>
+                </a:solidFill>
+                <a:effectLst/>
+                <a:latin typeface="Söhne"/>
+              </a:rPr>
+              <a:t>同一层上导体形成的电容，通过将平行边缘之间的距离乘以单位长度的横向电容。</a:t>
             </a:r>
             <a:endParaRPr lang="zh-TW" altLang="en-US" dirty="0"/>
           </a:p>
@@ -3501,7 +3661,7 @@
     </p:spTree>
     <p:extLst>
       <p:ext uri="{BB962C8B-B14F-4D97-AF65-F5344CB8AC3E}">
-        <p14:creationId xmlns:p14="http://schemas.microsoft.com/office/powerpoint/2010/main" val="1353918984"/>
+        <p14:creationId xmlns:p14="http://schemas.microsoft.com/office/powerpoint/2010/main" val="2446882062"/>
       </p:ext>
     </p:extLst>
   </p:cSld>
@@ -3555,6 +3715,18 @@
           <a:bodyPr/>
           <a:lstStyle/>
           <a:p>
+            <a:r>
+              <a:rPr lang="zh-TW" altLang="en-US" dirty="0"/>
+              <a:t>每個</a:t>
+            </a:r>
+            <a:r>
+              <a:rPr lang="en-US" altLang="zh-TW" dirty="0"/>
+              <a:t>windows</a:t>
+            </a:r>
+            <a:r>
+              <a:rPr lang="zh-TW" altLang="en-US"/>
+              <a:t>的填充量的加總</a:t>
+            </a:r>
             <a:endParaRPr lang="zh-TW" altLang="en-US" dirty="0"/>
           </a:p>
         </p:txBody>
@@ -3585,7 +3757,7 @@
     </p:spTree>
     <p:extLst>
       <p:ext uri="{BB962C8B-B14F-4D97-AF65-F5344CB8AC3E}">
-        <p14:creationId xmlns:p14="http://schemas.microsoft.com/office/powerpoint/2010/main" val="102760052"/>
+        <p14:creationId xmlns:p14="http://schemas.microsoft.com/office/powerpoint/2010/main" val="1353918984"/>
       </p:ext>
     </p:extLst>
   </p:cSld>
@@ -3639,40 +3811,6 @@
           <a:bodyPr/>
           <a:lstStyle/>
           <a:p>
-            <a:r>
-              <a:rPr lang="zh-TW" altLang="en-US" sz="1200" dirty="0">
-                <a:latin typeface="Times" panose="02020603050405020304" pitchFamily="18" charset="0"/>
-                <a:ea typeface="標楷體" panose="03000509000000000000" pitchFamily="65" charset="-120"/>
-                <a:cs typeface="Times" panose="02020603050405020304" pitchFamily="18" charset="0"/>
-              </a:rPr>
-              <a:t>* 這邊是在說要怎麼</a:t>
-            </a:r>
-            <a:r>
-              <a:rPr lang="en-US" altLang="zh-TW" sz="1200" dirty="0">
-                <a:latin typeface="Times" panose="02020603050405020304" pitchFamily="18" charset="0"/>
-                <a:ea typeface="標楷體" panose="03000509000000000000" pitchFamily="65" charset="-120"/>
-                <a:cs typeface="Times" panose="02020603050405020304" pitchFamily="18" charset="0"/>
-              </a:rPr>
-              <a:t>train model</a:t>
-            </a:r>
-          </a:p>
-          <a:p>
-            <a:r>
-              <a:rPr lang="zh-TW" altLang="en-US" sz="1200" dirty="0">
-                <a:latin typeface="Times" panose="02020603050405020304" pitchFamily="18" charset="0"/>
-                <a:ea typeface="標楷體" panose="03000509000000000000" pitchFamily="65" charset="-120"/>
-                <a:cs typeface="Times" panose="02020603050405020304" pitchFamily="18" charset="0"/>
-              </a:rPr>
-              <a:t>* </a:t>
-            </a:r>
-            <a:r>
-              <a:rPr lang="en-US" altLang="zh-TW" sz="1200" dirty="0">
-                <a:latin typeface="Times" panose="02020603050405020304" pitchFamily="18" charset="0"/>
-                <a:ea typeface="標楷體" panose="03000509000000000000" pitchFamily="65" charset="-120"/>
-                <a:cs typeface="Times" panose="02020603050405020304" pitchFamily="18" charset="0"/>
-              </a:rPr>
-              <a:t>fill parameters: fill width and fill length</a:t>
-            </a:r>
             <a:endParaRPr lang="zh-TW" altLang="en-US" dirty="0"/>
           </a:p>
         </p:txBody>
@@ -3703,7 +3841,7 @@
     </p:spTree>
     <p:extLst>
       <p:ext uri="{BB962C8B-B14F-4D97-AF65-F5344CB8AC3E}">
-        <p14:creationId xmlns:p14="http://schemas.microsoft.com/office/powerpoint/2010/main" val="2246036433"/>
+        <p14:creationId xmlns:p14="http://schemas.microsoft.com/office/powerpoint/2010/main" val="102760052"/>
       </p:ext>
     </p:extLst>
   </p:cSld>
@@ -3758,33 +3896,38 @@
           <a:lstStyle/>
           <a:p>
             <a:r>
-              <a:rPr lang="zh-CN" altLang="en-US" b="0" i="0" dirty="0">
-                <a:solidFill>
-                  <a:srgbClr val="374151"/>
-                </a:solidFill>
-                <a:effectLst/>
-                <a:latin typeface="Söhne"/>
-              </a:rPr>
-              <a:t>最佳填充模式应根据高度变化、电容等因素的具体需求和权衡来确定。</a:t>
-            </a:r>
-            <a:endParaRPr lang="en-US" altLang="zh-CN" b="0" i="0" dirty="0">
-              <a:solidFill>
-                <a:srgbClr val="374151"/>
-              </a:solidFill>
-              <a:effectLst/>
-              <a:latin typeface="Söhne"/>
-            </a:endParaRPr>
-          </a:p>
-          <a:p>
-            <a:r>
-              <a:rPr lang="zh-CN" altLang="en-US" b="0" i="0" dirty="0">
-                <a:solidFill>
-                  <a:srgbClr val="374151"/>
-                </a:solidFill>
-                <a:effectLst/>
-                <a:latin typeface="Söhne"/>
-              </a:rPr>
-              <a:t>接下来的实验中将使用矩形填充，主要目标是最小化高度变化。</a:t>
+              <a:rPr lang="zh-TW" altLang="en-US" sz="1200" dirty="0">
+                <a:latin typeface="Times" panose="02020603050405020304" pitchFamily="18" charset="0"/>
+                <a:ea typeface="標楷體" panose="03000509000000000000" pitchFamily="65" charset="-120"/>
+                <a:cs typeface="Times" panose="02020603050405020304" pitchFamily="18" charset="0"/>
+              </a:rPr>
+              <a:t>* 這邊是在說要怎麼</a:t>
+            </a:r>
+            <a:r>
+              <a:rPr lang="en-US" altLang="zh-TW" sz="1200" dirty="0">
+                <a:latin typeface="Times" panose="02020603050405020304" pitchFamily="18" charset="0"/>
+                <a:ea typeface="標楷體" panose="03000509000000000000" pitchFamily="65" charset="-120"/>
+                <a:cs typeface="Times" panose="02020603050405020304" pitchFamily="18" charset="0"/>
+              </a:rPr>
+              <a:t>train model</a:t>
+            </a:r>
+          </a:p>
+          <a:p>
+            <a:r>
+              <a:rPr lang="zh-TW" altLang="en-US" sz="1200" dirty="0">
+                <a:latin typeface="Times" panose="02020603050405020304" pitchFamily="18" charset="0"/>
+                <a:ea typeface="標楷體" panose="03000509000000000000" pitchFamily="65" charset="-120"/>
+                <a:cs typeface="Times" panose="02020603050405020304" pitchFamily="18" charset="0"/>
+              </a:rPr>
+              <a:t>* </a:t>
+            </a:r>
+            <a:r>
+              <a:rPr lang="en-US" altLang="zh-TW" sz="1200" dirty="0">
+                <a:latin typeface="Times" panose="02020603050405020304" pitchFamily="18" charset="0"/>
+                <a:ea typeface="標楷體" panose="03000509000000000000" pitchFamily="65" charset="-120"/>
+                <a:cs typeface="Times" panose="02020603050405020304" pitchFamily="18" charset="0"/>
+              </a:rPr>
+              <a:t>fill parameters: fill width and fill length</a:t>
             </a:r>
             <a:endParaRPr lang="zh-TW" altLang="en-US" dirty="0"/>
           </a:p>
@@ -3816,7 +3959,7 @@
     </p:spTree>
     <p:extLst>
       <p:ext uri="{BB962C8B-B14F-4D97-AF65-F5344CB8AC3E}">
-        <p14:creationId xmlns:p14="http://schemas.microsoft.com/office/powerpoint/2010/main" val="1165159914"/>
+        <p14:creationId xmlns:p14="http://schemas.microsoft.com/office/powerpoint/2010/main" val="2246036433"/>
       </p:ext>
     </p:extLst>
   </p:cSld>
@@ -3870,6 +4013,35 @@
           <a:bodyPr/>
           <a:lstStyle/>
           <a:p>
+            <a:r>
+              <a:rPr lang="zh-CN" altLang="en-US" b="0" i="0" dirty="0">
+                <a:solidFill>
+                  <a:srgbClr val="374151"/>
+                </a:solidFill>
+                <a:effectLst/>
+                <a:latin typeface="Söhne"/>
+              </a:rPr>
+              <a:t>最佳填充模式应根据高度变化、电容等因素的具体需求和权衡来确定。</a:t>
+            </a:r>
+            <a:endParaRPr lang="en-US" altLang="zh-CN" b="0" i="0" dirty="0">
+              <a:solidFill>
+                <a:srgbClr val="374151"/>
+              </a:solidFill>
+              <a:effectLst/>
+              <a:latin typeface="Söhne"/>
+            </a:endParaRPr>
+          </a:p>
+          <a:p>
+            <a:r>
+              <a:rPr lang="zh-CN" altLang="en-US" b="0" i="0" dirty="0">
+                <a:solidFill>
+                  <a:srgbClr val="374151"/>
+                </a:solidFill>
+                <a:effectLst/>
+                <a:latin typeface="Söhne"/>
+              </a:rPr>
+              <a:t>接下来的实验中将使用矩形填充，主要目标是最小化高度变化。</a:t>
+            </a:r>
             <a:endParaRPr lang="zh-TW" altLang="en-US" dirty="0"/>
           </a:p>
         </p:txBody>
@@ -3900,7 +4072,7 @@
     </p:spTree>
     <p:extLst>
       <p:ext uri="{BB962C8B-B14F-4D97-AF65-F5344CB8AC3E}">
-        <p14:creationId xmlns:p14="http://schemas.microsoft.com/office/powerpoint/2010/main" val="4035623837"/>
+        <p14:creationId xmlns:p14="http://schemas.microsoft.com/office/powerpoint/2010/main" val="1165159914"/>
       </p:ext>
     </p:extLst>
   </p:cSld>
@@ -3954,175 +4126,6 @@
           <a:bodyPr/>
           <a:lstStyle/>
           <a:p>
-            <a:r>
-              <a:rPr lang="en-US" altLang="zh-CN" b="0" i="0" dirty="0">
-                <a:solidFill>
-                  <a:srgbClr val="374151"/>
-                </a:solidFill>
-                <a:effectLst/>
-                <a:latin typeface="Söhne"/>
-              </a:rPr>
-              <a:t>* </a:t>
-            </a:r>
-            <a:r>
-              <a:rPr lang="zh-CN" altLang="en-US" b="0" i="0" dirty="0">
-                <a:solidFill>
-                  <a:srgbClr val="374151"/>
-                </a:solidFill>
-                <a:effectLst/>
-                <a:latin typeface="Söhne"/>
-              </a:rPr>
-              <a:t>小的填充量得分对减少</a:t>
-            </a:r>
-            <a:r>
-              <a:rPr lang="en-US" altLang="zh-CN" b="0" i="0" dirty="0">
-                <a:solidFill>
-                  <a:srgbClr val="374151"/>
-                </a:solidFill>
-                <a:effectLst/>
-                <a:latin typeface="Söhne"/>
-              </a:rPr>
-              <a:t>FA</a:t>
-            </a:r>
-            <a:r>
-              <a:rPr lang="zh-CN" altLang="en-US" b="0" i="0" dirty="0">
-                <a:solidFill>
-                  <a:srgbClr val="374151"/>
-                </a:solidFill>
-                <a:effectLst/>
-                <a:latin typeface="Söhne"/>
-              </a:rPr>
-              <a:t>的影响较小，而大的填充量得分会导致更大的高度变化</a:t>
-            </a:r>
-            <a:endParaRPr lang="en-US" altLang="zh-CN" b="0" i="0" dirty="0">
-              <a:solidFill>
-                <a:srgbClr val="374151"/>
-              </a:solidFill>
-              <a:effectLst/>
-              <a:latin typeface="Söhne"/>
-            </a:endParaRPr>
-          </a:p>
-          <a:p>
-            <a:r>
-              <a:rPr lang="en-US" altLang="zh-CN" b="0" i="0" dirty="0">
-                <a:solidFill>
-                  <a:srgbClr val="374151"/>
-                </a:solidFill>
-                <a:effectLst/>
-                <a:latin typeface="Söhne"/>
-              </a:rPr>
-              <a:t>* </a:t>
-            </a:r>
-            <a:r>
-              <a:rPr lang="zh-CN" altLang="en-US" b="0" i="0" dirty="0">
-                <a:solidFill>
-                  <a:srgbClr val="374151"/>
-                </a:solidFill>
-                <a:effectLst/>
-                <a:latin typeface="Söhne"/>
-              </a:rPr>
-              <a:t>𝑐</a:t>
-            </a:r>
-            <a:r>
-              <a:rPr lang="en-US" altLang="zh-CN" b="0" i="0" dirty="0">
-                <a:solidFill>
-                  <a:srgbClr val="374151"/>
-                </a:solidFill>
-                <a:effectLst/>
-                <a:latin typeface="Söhne"/>
-              </a:rPr>
-              <a:t>4</a:t>
-            </a:r>
-            <a:r>
-              <a:rPr lang="zh-CN" altLang="en-US" b="0" i="0" dirty="0">
-                <a:solidFill>
-                  <a:srgbClr val="374151"/>
-                </a:solidFill>
-                <a:effectLst/>
-                <a:latin typeface="Söhne"/>
-              </a:rPr>
-              <a:t>被设置为</a:t>
-            </a:r>
-            <a:r>
-              <a:rPr lang="en-US" altLang="zh-CN" b="0" i="0" dirty="0">
-                <a:solidFill>
-                  <a:srgbClr val="374151"/>
-                </a:solidFill>
-                <a:effectLst/>
-                <a:latin typeface="Söhne"/>
-              </a:rPr>
-              <a:t>1</a:t>
-            </a:r>
-            <a:r>
-              <a:rPr lang="zh-CN" altLang="en-US" b="0" i="0" dirty="0">
-                <a:solidFill>
-                  <a:srgbClr val="374151"/>
-                </a:solidFill>
-                <a:effectLst/>
-                <a:latin typeface="Söhne"/>
-              </a:rPr>
-              <a:t>，因为它在只有轻微增加</a:t>
-            </a:r>
-            <a:r>
-              <a:rPr lang="en-US" altLang="zh-CN" b="0" i="0" dirty="0">
-                <a:solidFill>
-                  <a:srgbClr val="374151"/>
-                </a:solidFill>
-                <a:effectLst/>
-                <a:latin typeface="Söhne"/>
-              </a:rPr>
-              <a:t>OV</a:t>
-            </a:r>
-            <a:r>
-              <a:rPr lang="zh-CN" altLang="en-US" b="0" i="0" dirty="0">
-                <a:solidFill>
-                  <a:srgbClr val="374151"/>
-                </a:solidFill>
-                <a:effectLst/>
-                <a:latin typeface="Söhne"/>
-              </a:rPr>
-              <a:t>和</a:t>
-            </a:r>
-            <a:r>
-              <a:rPr lang="en-US" altLang="zh-CN" b="0" i="0" dirty="0">
-                <a:solidFill>
-                  <a:srgbClr val="374151"/>
-                </a:solidFill>
-                <a:effectLst/>
-                <a:latin typeface="Söhne"/>
-              </a:rPr>
-              <a:t>MV</a:t>
-            </a:r>
-            <a:r>
-              <a:rPr lang="zh-CN" altLang="en-US" b="0" i="0" dirty="0">
-                <a:solidFill>
-                  <a:srgbClr val="374151"/>
-                </a:solidFill>
-                <a:effectLst/>
-                <a:latin typeface="Söhne"/>
-              </a:rPr>
-              <a:t>的情况下实现了</a:t>
-            </a:r>
-            <a:r>
-              <a:rPr lang="en-US" altLang="zh-CN" b="0" i="0" dirty="0">
-                <a:solidFill>
-                  <a:srgbClr val="374151"/>
-                </a:solidFill>
-                <a:effectLst/>
-                <a:latin typeface="Söhne"/>
-              </a:rPr>
-              <a:t>FA</a:t>
-            </a:r>
-            <a:r>
-              <a:rPr lang="zh-CN" altLang="en-US" b="0" i="0" dirty="0">
-                <a:solidFill>
-                  <a:srgbClr val="374151"/>
-                </a:solidFill>
-                <a:effectLst/>
-                <a:latin typeface="Söhne"/>
-              </a:rPr>
-              <a:t>的显著减少。</a:t>
-            </a:r>
             <a:endParaRPr lang="zh-TW" altLang="en-US" dirty="0"/>
           </a:p>
         </p:txBody>
@@ -4153,7 +4156,7 @@
     </p:spTree>
     <p:extLst>
       <p:ext uri="{BB962C8B-B14F-4D97-AF65-F5344CB8AC3E}">
-        <p14:creationId xmlns:p14="http://schemas.microsoft.com/office/powerpoint/2010/main" val="1525901704"/>
+        <p14:creationId xmlns:p14="http://schemas.microsoft.com/office/powerpoint/2010/main" val="4035623837"/>
       </p:ext>
     </p:extLst>
   </p:cSld>
@@ -4291,6 +4294,175 @@
           <a:bodyPr/>
           <a:lstStyle/>
           <a:p>
+            <a:r>
+              <a:rPr lang="en-US" altLang="zh-CN" b="0" i="0" dirty="0">
+                <a:solidFill>
+                  <a:srgbClr val="374151"/>
+                </a:solidFill>
+                <a:effectLst/>
+                <a:latin typeface="Söhne"/>
+              </a:rPr>
+              <a:t>* </a:t>
+            </a:r>
+            <a:r>
+              <a:rPr lang="zh-CN" altLang="en-US" b="0" i="0" dirty="0">
+                <a:solidFill>
+                  <a:srgbClr val="374151"/>
+                </a:solidFill>
+                <a:effectLst/>
+                <a:latin typeface="Söhne"/>
+              </a:rPr>
+              <a:t>小的填充量得分对减少</a:t>
+            </a:r>
+            <a:r>
+              <a:rPr lang="en-US" altLang="zh-CN" b="0" i="0" dirty="0">
+                <a:solidFill>
+                  <a:srgbClr val="374151"/>
+                </a:solidFill>
+                <a:effectLst/>
+                <a:latin typeface="Söhne"/>
+              </a:rPr>
+              <a:t>FA</a:t>
+            </a:r>
+            <a:r>
+              <a:rPr lang="zh-CN" altLang="en-US" b="0" i="0" dirty="0">
+                <a:solidFill>
+                  <a:srgbClr val="374151"/>
+                </a:solidFill>
+                <a:effectLst/>
+                <a:latin typeface="Söhne"/>
+              </a:rPr>
+              <a:t>的影响较小，而大的填充量得分会导致更大的高度变化</a:t>
+            </a:r>
+            <a:endParaRPr lang="en-US" altLang="zh-CN" b="0" i="0" dirty="0">
+              <a:solidFill>
+                <a:srgbClr val="374151"/>
+              </a:solidFill>
+              <a:effectLst/>
+              <a:latin typeface="Söhne"/>
+            </a:endParaRPr>
+          </a:p>
+          <a:p>
+            <a:r>
+              <a:rPr lang="en-US" altLang="zh-CN" b="0" i="0" dirty="0">
+                <a:solidFill>
+                  <a:srgbClr val="374151"/>
+                </a:solidFill>
+                <a:effectLst/>
+                <a:latin typeface="Söhne"/>
+              </a:rPr>
+              <a:t>* </a:t>
+            </a:r>
+            <a:r>
+              <a:rPr lang="zh-CN" altLang="en-US" b="0" i="0" dirty="0">
+                <a:solidFill>
+                  <a:srgbClr val="374151"/>
+                </a:solidFill>
+                <a:effectLst/>
+                <a:latin typeface="Söhne"/>
+              </a:rPr>
+              <a:t>𝑐</a:t>
+            </a:r>
+            <a:r>
+              <a:rPr lang="en-US" altLang="zh-CN" b="0" i="0" dirty="0">
+                <a:solidFill>
+                  <a:srgbClr val="374151"/>
+                </a:solidFill>
+                <a:effectLst/>
+                <a:latin typeface="Söhne"/>
+              </a:rPr>
+              <a:t>4</a:t>
+            </a:r>
+            <a:r>
+              <a:rPr lang="zh-CN" altLang="en-US" b="0" i="0" dirty="0">
+                <a:solidFill>
+                  <a:srgbClr val="374151"/>
+                </a:solidFill>
+                <a:effectLst/>
+                <a:latin typeface="Söhne"/>
+              </a:rPr>
+              <a:t>被设置为</a:t>
+            </a:r>
+            <a:r>
+              <a:rPr lang="en-US" altLang="zh-CN" b="0" i="0" dirty="0">
+                <a:solidFill>
+                  <a:srgbClr val="374151"/>
+                </a:solidFill>
+                <a:effectLst/>
+                <a:latin typeface="Söhne"/>
+              </a:rPr>
+              <a:t>1</a:t>
+            </a:r>
+            <a:r>
+              <a:rPr lang="zh-CN" altLang="en-US" b="0" i="0" dirty="0">
+                <a:solidFill>
+                  <a:srgbClr val="374151"/>
+                </a:solidFill>
+                <a:effectLst/>
+                <a:latin typeface="Söhne"/>
+              </a:rPr>
+              <a:t>，因为它在只有轻微增加</a:t>
+            </a:r>
+            <a:r>
+              <a:rPr lang="en-US" altLang="zh-CN" b="0" i="0" dirty="0">
+                <a:solidFill>
+                  <a:srgbClr val="374151"/>
+                </a:solidFill>
+                <a:effectLst/>
+                <a:latin typeface="Söhne"/>
+              </a:rPr>
+              <a:t>OV</a:t>
+            </a:r>
+            <a:r>
+              <a:rPr lang="zh-CN" altLang="en-US" b="0" i="0" dirty="0">
+                <a:solidFill>
+                  <a:srgbClr val="374151"/>
+                </a:solidFill>
+                <a:effectLst/>
+                <a:latin typeface="Söhne"/>
+              </a:rPr>
+              <a:t>和</a:t>
+            </a:r>
+            <a:r>
+              <a:rPr lang="en-US" altLang="zh-CN" b="0" i="0" dirty="0">
+                <a:solidFill>
+                  <a:srgbClr val="374151"/>
+                </a:solidFill>
+                <a:effectLst/>
+                <a:latin typeface="Söhne"/>
+              </a:rPr>
+              <a:t>MV</a:t>
+            </a:r>
+            <a:r>
+              <a:rPr lang="zh-CN" altLang="en-US" b="0" i="0" dirty="0">
+                <a:solidFill>
+                  <a:srgbClr val="374151"/>
+                </a:solidFill>
+                <a:effectLst/>
+                <a:latin typeface="Söhne"/>
+              </a:rPr>
+              <a:t>的情况下实现了</a:t>
+            </a:r>
+            <a:r>
+              <a:rPr lang="en-US" altLang="zh-CN" b="0" i="0" dirty="0">
+                <a:solidFill>
+                  <a:srgbClr val="374151"/>
+                </a:solidFill>
+                <a:effectLst/>
+                <a:latin typeface="Söhne"/>
+              </a:rPr>
+              <a:t>FA</a:t>
+            </a:r>
+            <a:r>
+              <a:rPr lang="zh-CN" altLang="en-US" b="0" i="0" dirty="0">
+                <a:solidFill>
+                  <a:srgbClr val="374151"/>
+                </a:solidFill>
+                <a:effectLst/>
+                <a:latin typeface="Söhne"/>
+              </a:rPr>
+              <a:t>的显著减少。</a:t>
+            </a:r>
             <a:endParaRPr lang="zh-TW" altLang="en-US" dirty="0"/>
           </a:p>
         </p:txBody>
@@ -4321,7 +4493,7 @@
     </p:spTree>
     <p:extLst>
       <p:ext uri="{BB962C8B-B14F-4D97-AF65-F5344CB8AC3E}">
-        <p14:creationId xmlns:p14="http://schemas.microsoft.com/office/powerpoint/2010/main" val="2107149703"/>
+        <p14:creationId xmlns:p14="http://schemas.microsoft.com/office/powerpoint/2010/main" val="1525901704"/>
       </p:ext>
     </p:extLst>
   </p:cSld>
@@ -4375,6 +4547,90 @@
           <a:bodyPr/>
           <a:lstStyle/>
           <a:p>
+            <a:endParaRPr lang="zh-TW" altLang="en-US" dirty="0"/>
+          </a:p>
+        </p:txBody>
+      </p:sp>
+      <p:sp>
+        <p:nvSpPr>
+          <p:cNvPr id="4" name="投影片編號版面配置區 3"/>
+          <p:cNvSpPr>
+            <a:spLocks noGrp="1"/>
+          </p:cNvSpPr>
+          <p:nvPr>
+            <p:ph type="sldNum" sz="quarter" idx="5"/>
+          </p:nvPr>
+        </p:nvSpPr>
+        <p:spPr/>
+        <p:txBody>
+          <a:bodyPr/>
+          <a:lstStyle/>
+          <a:p>
+            <a:fld id="{9D457EAB-1485-47AD-BEAD-484FAEBF5A54}" type="slidenum">
+              <a:rPr lang="en-US" smtClean="0"/>
+              <a:t>33</a:t>
+            </a:fld>
+            <a:endParaRPr lang="en-US"/>
+          </a:p>
+        </p:txBody>
+      </p:sp>
+    </p:spTree>
+    <p:extLst>
+      <p:ext uri="{BB962C8B-B14F-4D97-AF65-F5344CB8AC3E}">
+        <p14:creationId xmlns:p14="http://schemas.microsoft.com/office/powerpoint/2010/main" val="2107149703"/>
+      </p:ext>
+    </p:extLst>
+  </p:cSld>
+  <p:clrMapOvr>
+    <a:masterClrMapping/>
+  </p:clrMapOvr>
+</p:notes>
+</file>
+
+<file path=ppt/notesSlides/notesSlide32.xml><?xml version="1.0" encoding="utf-8"?>
+<p:notes xmlns:a="http://schemas.openxmlformats.org/drawingml/2006/main" xmlns:r="http://schemas.openxmlformats.org/officeDocument/2006/relationships" xmlns:p="http://schemas.openxmlformats.org/presentationml/2006/main">
+  <p:cSld>
+    <p:spTree>
+      <p:nvGrpSpPr>
+        <p:cNvPr id="1" name=""/>
+        <p:cNvGrpSpPr/>
+        <p:nvPr/>
+      </p:nvGrpSpPr>
+      <p:grpSpPr>
+        <a:xfrm>
+          <a:off x="0" y="0"/>
+          <a:ext cx="0" cy="0"/>
+          <a:chOff x="0" y="0"/>
+          <a:chExt cx="0" cy="0"/>
+        </a:xfrm>
+      </p:grpSpPr>
+      <p:sp>
+        <p:nvSpPr>
+          <p:cNvPr id="2" name="投影片影像版面配置區 1"/>
+          <p:cNvSpPr>
+            <a:spLocks noGrp="1" noRot="1" noChangeAspect="1"/>
+          </p:cNvSpPr>
+          <p:nvPr>
+            <p:ph type="sldImg"/>
+          </p:nvPr>
+        </p:nvSpPr>
+        <p:spPr/>
+      </p:sp>
+      <p:sp>
+        <p:nvSpPr>
+          <p:cNvPr id="3" name="備忘稿版面配置區 2"/>
+          <p:cNvSpPr>
+            <a:spLocks noGrp="1"/>
+          </p:cNvSpPr>
+          <p:nvPr>
+            <p:ph type="body" idx="1"/>
+          </p:nvPr>
+        </p:nvSpPr>
+        <p:spPr/>
+        <p:txBody>
+          <a:bodyPr/>
+          <a:lstStyle/>
+          <a:p>
             <a:r>
               <a:rPr lang="en-US" altLang="zh-TW" b="0" i="0" dirty="0">
                 <a:solidFill>
@@ -4758,7 +5014,7 @@
           <a:p>
             <a:fld id="{9D457EAB-1485-47AD-BEAD-484FAEBF5A54}" type="slidenum">
               <a:rPr lang="en-US" smtClean="0"/>
-              <a:t>33</a:t>
+              <a:t>34</a:t>
             </a:fld>
             <a:endParaRPr lang="en-US"/>
           </a:p>
@@ -5188,7 +5444,7 @@
           <a:p>
             <a:fld id="{9D457EAB-1485-47AD-BEAD-484FAEBF5A54}" type="slidenum">
               <a:rPr lang="en-US" smtClean="0"/>
-              <a:t>8</a:t>
+              <a:t>7</a:t>
             </a:fld>
             <a:endParaRPr lang="en-US"/>
           </a:p>
@@ -5197,7 +5453,7 @@
     </p:spTree>
     <p:extLst>
       <p:ext uri="{BB962C8B-B14F-4D97-AF65-F5344CB8AC3E}">
-        <p14:creationId xmlns:p14="http://schemas.microsoft.com/office/powerpoint/2010/main" val="903566303"/>
+        <p14:creationId xmlns:p14="http://schemas.microsoft.com/office/powerpoint/2010/main" val="2640826069"/>
       </p:ext>
     </p:extLst>
   </p:cSld>
@@ -5251,49 +5507,6 @@
           <a:bodyPr/>
           <a:lstStyle/>
           <a:p>
-            <a:r>
-              <a:rPr lang="en-US" altLang="zh-TW" dirty="0"/>
-              <a:t>* Subsequent </a:t>
-            </a:r>
-            <a:r>
-              <a:rPr lang="zh-TW" altLang="en-US" dirty="0"/>
-              <a:t>接下來的</a:t>
-            </a:r>
-            <a:endParaRPr lang="en-US" altLang="zh-TW" dirty="0"/>
-          </a:p>
-          <a:p>
-            <a:r>
-              <a:rPr lang="en-US" altLang="zh-TW" dirty="0"/>
-              <a:t>* </a:t>
-            </a:r>
-            <a:r>
-              <a:rPr lang="zh-TW" altLang="en-US" dirty="0"/>
-              <a:t>這樣就有符合</a:t>
-            </a:r>
-            <a:r>
-              <a:rPr lang="en-US" altLang="zh-TW" dirty="0"/>
-              <a:t>minimum spacing</a:t>
-            </a:r>
-            <a:r>
-              <a:rPr lang="zh-TW" altLang="en-US" dirty="0"/>
-              <a:t>的要求了 </a:t>
-            </a:r>
-            <a:r>
-              <a:rPr lang="en-US" altLang="zh-TW" dirty="0"/>
-              <a:t>(</a:t>
-            </a:r>
-            <a:r>
-              <a:rPr lang="en-US" altLang="zh-TW" sz="1200" dirty="0">
-                <a:latin typeface="Times" panose="02020603050405020304" pitchFamily="18" charset="0"/>
-                <a:ea typeface="標楷體" panose="03000509000000000000" pitchFamily="65" charset="-120"/>
-                <a:cs typeface="Times" panose="02020603050405020304" pitchFamily="18" charset="0"/>
-              </a:rPr>
-              <a:t>To ensure DRC-complaint</a:t>
-            </a:r>
-            <a:r>
-              <a:rPr lang="en-US" altLang="zh-TW" dirty="0"/>
-              <a:t>)</a:t>
-            </a:r>
             <a:endParaRPr lang="zh-TW" altLang="en-US" dirty="0"/>
           </a:p>
         </p:txBody>
@@ -5324,7 +5537,7 @@
     </p:spTree>
     <p:extLst>
       <p:ext uri="{BB962C8B-B14F-4D97-AF65-F5344CB8AC3E}">
-        <p14:creationId xmlns:p14="http://schemas.microsoft.com/office/powerpoint/2010/main" val="1701452441"/>
+        <p14:creationId xmlns:p14="http://schemas.microsoft.com/office/powerpoint/2010/main" val="903566303"/>
       </p:ext>
     </p:extLst>
   </p:cSld>
@@ -5378,163 +5591,50 @@
           <a:bodyPr/>
           <a:lstStyle/>
           <a:p>
-            <a:pPr marL="228600" indent="-228600">
-              <a:buAutoNum type="arabicPeriod"/>
-            </a:pPr>
+            <a:r>
+              <a:rPr lang="en-US" altLang="zh-TW" dirty="0"/>
+              <a:t>* Subsequent </a:t>
+            </a:r>
             <a:r>
               <a:rPr lang="zh-TW" altLang="en-US" dirty="0"/>
-              <a:t>找出所有</a:t>
-            </a:r>
+              <a:t>接下來的</a:t>
+            </a:r>
+            <a:endParaRPr lang="en-US" altLang="zh-TW" dirty="0"/>
+          </a:p>
+          <a:p>
             <a:r>
               <a:rPr lang="en-US" altLang="zh-TW" dirty="0"/>
-              <a:t>metal</a:t>
+              <a:t>* </a:t>
             </a:r>
             <a:r>
               <a:rPr lang="zh-TW" altLang="en-US" dirty="0"/>
-              <a:t>跟</a:t>
+              <a:t>這樣就有符合</a:t>
             </a:r>
             <a:r>
               <a:rPr lang="en-US" altLang="zh-TW" dirty="0"/>
-              <a:t>windows</a:t>
+              <a:t>minimum spacing</a:t>
             </a:r>
             <a:r>
               <a:rPr lang="zh-TW" altLang="en-US" dirty="0"/>
-              <a:t>的</a:t>
+              <a:t>的要求了 </a:t>
             </a:r>
             <a:r>
               <a:rPr lang="en-US" altLang="zh-TW" dirty="0"/>
-              <a:t>boundary {xi}</a:t>
-            </a:r>
-          </a:p>
-          <a:p>
-            <a:pPr marL="228600" indent="-228600">
-              <a:buAutoNum type="arabicPeriod"/>
-            </a:pPr>
-            <a:r>
-              <a:rPr lang="zh-TW" altLang="en-US" dirty="0"/>
-              <a:t>依序</a:t>
-            </a:r>
-            <a:r>
-              <a:rPr lang="en-US" altLang="zh-TW" dirty="0"/>
-              <a:t>(x1,x2), (x2,x3)…</a:t>
-            </a:r>
-          </a:p>
-          <a:p>
-            <a:pPr marL="685800" lvl="1" indent="-228600">
-              <a:buAutoNum type="arabicPeriod"/>
-            </a:pPr>
-            <a:r>
-              <a:rPr lang="zh-TW" altLang="en-US" dirty="0"/>
-              <a:t>找出與這個邊界有交集的</a:t>
-            </a:r>
-            <a:r>
-              <a:rPr lang="en-US" altLang="zh-TW" dirty="0"/>
-              <a:t>metal</a:t>
-            </a:r>
-            <a:r>
-              <a:rPr lang="zh-TW" altLang="en-US" dirty="0"/>
-              <a:t>的</a:t>
-            </a:r>
-            <a:r>
-              <a:rPr lang="en-US" altLang="zh-TW" dirty="0"/>
-              <a:t>y (metal</a:t>
-            </a:r>
-            <a:r>
-              <a:rPr lang="zh-TW" altLang="en-US" dirty="0"/>
-              <a:t>邊界以及</a:t>
-            </a:r>
-            <a:r>
-              <a:rPr lang="en-US" altLang="zh-TW" dirty="0"/>
-              <a:t>window</a:t>
-            </a:r>
-            <a:r>
-              <a:rPr lang="zh-TW" altLang="en-US" dirty="0"/>
-              <a:t>的邊界</a:t>
+              <a:t>(</a:t>
+            </a:r>
+            <a:r>
+              <a:rPr lang="en-US" altLang="zh-TW" sz="1200" dirty="0">
+                <a:latin typeface="Times" panose="02020603050405020304" pitchFamily="18" charset="0"/>
+                <a:ea typeface="標楷體" panose="03000509000000000000" pitchFamily="65" charset="-120"/>
+                <a:cs typeface="Times" panose="02020603050405020304" pitchFamily="18" charset="0"/>
+              </a:rPr>
+              <a:t>To ensure DRC-complaint</a:t>
             </a:r>
             <a:r>
               <a:rPr lang="en-US" altLang="zh-TW" dirty="0"/>
               <a:t>)</a:t>
             </a:r>
-          </a:p>
-          <a:p>
-            <a:pPr marL="685800" lvl="1" indent="-228600">
-              <a:buAutoNum type="arabicPeriod"/>
-            </a:pPr>
-            <a:r>
-              <a:rPr lang="zh-TW" altLang="en-US" dirty="0"/>
-              <a:t>決定他是不是</a:t>
-            </a:r>
-            <a:r>
-              <a:rPr lang="en-US" altLang="zh-TW" dirty="0"/>
-              <a:t>fillable region (</a:t>
-            </a:r>
-            <a:r>
-              <a:rPr lang="zh-TW" altLang="en-US" dirty="0"/>
-              <a:t>應該就是沒有</a:t>
-            </a:r>
-            <a:r>
-              <a:rPr lang="en-US" altLang="zh-TW" dirty="0"/>
-              <a:t>metal)</a:t>
-            </a:r>
-          </a:p>
-          <a:p>
-            <a:pPr marL="685800" lvl="1" indent="-228600">
-              <a:buAutoNum type="arabicPeriod"/>
-            </a:pPr>
-            <a:r>
-              <a:rPr lang="zh-TW" altLang="en-US" dirty="0"/>
-              <a:t>若</a:t>
-            </a:r>
-            <a:r>
-              <a:rPr lang="en-US" altLang="zh-TW" dirty="0"/>
-              <a:t>fillable region</a:t>
-            </a:r>
-            <a:r>
-              <a:rPr lang="zh-TW" altLang="en-US" dirty="0"/>
-              <a:t>的寬度小於</a:t>
-            </a:r>
-            <a:r>
-              <a:rPr lang="en-US" altLang="zh-TW" dirty="0" err="1"/>
-              <a:t>min_fill_width</a:t>
-            </a:r>
-            <a:r>
-              <a:rPr lang="en-US" altLang="zh-TW" dirty="0"/>
-              <a:t> + </a:t>
-            </a:r>
-            <a:r>
-              <a:rPr lang="en-US" altLang="zh-TW" dirty="0" err="1"/>
-              <a:t>min_space</a:t>
-            </a:r>
-            <a:r>
-              <a:rPr lang="zh-TW" altLang="en-US" dirty="0"/>
-              <a:t>的話，就把她刪除</a:t>
-            </a:r>
-            <a:endParaRPr lang="en-US" altLang="zh-TW" dirty="0"/>
-          </a:p>
-          <a:p>
-            <a:pPr marL="685800" lvl="1" indent="-228600">
-              <a:buAutoNum type="arabicPeriod"/>
-            </a:pPr>
-            <a:r>
-              <a:rPr lang="zh-TW" altLang="en-US" dirty="0"/>
-              <a:t>若高度</a:t>
-            </a:r>
-            <a:r>
-              <a:rPr lang="en-US" altLang="zh-TW" dirty="0"/>
-              <a:t>(y</a:t>
-            </a:r>
-            <a:r>
-              <a:rPr lang="zh-TW" altLang="en-US" dirty="0"/>
-              <a:t>方向</a:t>
-            </a:r>
-            <a:r>
-              <a:rPr lang="en-US" altLang="zh-TW" dirty="0"/>
-              <a:t>)</a:t>
-            </a:r>
-            <a:r>
-              <a:rPr lang="zh-TW" altLang="en-US" dirty="0"/>
-              <a:t>相同，可以合併</a:t>
-            </a:r>
+            <a:endParaRPr lang="zh-TW" altLang="en-US" dirty="0"/>
           </a:p>
         </p:txBody>
       </p:sp>
@@ -5555,7 +5655,7 @@
           <a:p>
             <a:fld id="{9D457EAB-1485-47AD-BEAD-484FAEBF5A54}" type="slidenum">
               <a:rPr lang="en-US" smtClean="0"/>
-              <a:t>11</a:t>
+              <a:t>10</a:t>
             </a:fld>
             <a:endParaRPr lang="en-US"/>
           </a:p>
@@ -5564,7 +5664,7 @@
     </p:spTree>
     <p:extLst>
       <p:ext uri="{BB962C8B-B14F-4D97-AF65-F5344CB8AC3E}">
-        <p14:creationId xmlns:p14="http://schemas.microsoft.com/office/powerpoint/2010/main" val="277645500"/>
+        <p14:creationId xmlns:p14="http://schemas.microsoft.com/office/powerpoint/2010/main" val="1701452441"/>
       </p:ext>
     </p:extLst>
   </p:cSld>
@@ -8969,6 +9069,378 @@
 </file>
 
 <file path=ppt/slides/slide10.xml><?xml version="1.0" encoding="utf-8"?>
+<p:sld xmlns:a="http://schemas.openxmlformats.org/drawingml/2006/main" xmlns:r="http://schemas.openxmlformats.org/officeDocument/2006/relationships" xmlns:p="http://schemas.openxmlformats.org/presentationml/2006/main">
+  <p:cSld>
+    <p:spTree>
+      <p:nvGrpSpPr>
+        <p:cNvPr id="1" name=""/>
+        <p:cNvGrpSpPr/>
+        <p:nvPr/>
+      </p:nvGrpSpPr>
+      <p:grpSpPr>
+        <a:xfrm>
+          <a:off x="0" y="0"/>
+          <a:ext cx="0" cy="0"/>
+          <a:chOff x="0" y="0"/>
+          <a:chExt cx="0" cy="0"/>
+        </a:xfrm>
+      </p:grpSpPr>
+      <p:sp>
+        <p:nvSpPr>
+          <p:cNvPr id="2" name="Title 1">
+            <a:extLst>
+              <a:ext uri="{FF2B5EF4-FFF2-40B4-BE49-F238E27FC236}">
+                <a16:creationId xmlns:a16="http://schemas.microsoft.com/office/drawing/2014/main" id="{034B2B09-3A89-725A-85C2-749F88A4474D}"/>
+              </a:ext>
+            </a:extLst>
+          </p:cNvPr>
+          <p:cNvSpPr>
+            <a:spLocks noGrp="1"/>
+          </p:cNvSpPr>
+          <p:nvPr>
+            <p:ph type="title"/>
+          </p:nvPr>
+        </p:nvSpPr>
+        <p:spPr/>
+        <p:txBody>
+          <a:bodyPr/>
+          <a:lstStyle/>
+          <a:p>
+            <a:r>
+              <a:rPr lang="en-US" sz="4000" dirty="0">
+                <a:latin typeface="Times New Roman" panose="02020603050405020304" pitchFamily="18" charset="0"/>
+                <a:cs typeface="Times New Roman" panose="02020603050405020304" pitchFamily="18" charset="0"/>
+              </a:rPr>
+              <a:t>Outline</a:t>
+            </a:r>
+            <a:endParaRPr lang="en-US" dirty="0">
+              <a:latin typeface="Times New Roman" panose="02020603050405020304" pitchFamily="18" charset="0"/>
+              <a:cs typeface="Times New Roman" panose="02020603050405020304" pitchFamily="18" charset="0"/>
+            </a:endParaRPr>
+          </a:p>
+        </p:txBody>
+      </p:sp>
+      <p:sp>
+        <p:nvSpPr>
+          <p:cNvPr id="4" name="Slide Number Placeholder 3">
+            <a:extLst>
+              <a:ext uri="{FF2B5EF4-FFF2-40B4-BE49-F238E27FC236}">
+                <a16:creationId xmlns:a16="http://schemas.microsoft.com/office/drawing/2014/main" id="{3592E110-E718-0573-BF00-CE5E90916A66}"/>
+              </a:ext>
+            </a:extLst>
+          </p:cNvPr>
+          <p:cNvSpPr>
+            <a:spLocks noGrp="1"/>
+          </p:cNvSpPr>
+          <p:nvPr>
+            <p:ph type="sldNum" sz="quarter" idx="12"/>
+          </p:nvPr>
+        </p:nvSpPr>
+        <p:spPr/>
+        <p:txBody>
+          <a:bodyPr/>
+          <a:lstStyle/>
+          <a:p>
+            <a:fld id="{666274A1-CF9C-426A-8DD4-B13ED0C24231}" type="slidenum">
+              <a:rPr lang="en-US" smtClean="0"/>
+              <a:t>9</a:t>
+            </a:fld>
+            <a:endParaRPr lang="en-US"/>
+          </a:p>
+        </p:txBody>
+      </p:sp>
+      <p:sp>
+        <p:nvSpPr>
+          <p:cNvPr id="7" name="Content Placeholder 2">
+            <a:extLst>
+              <a:ext uri="{FF2B5EF4-FFF2-40B4-BE49-F238E27FC236}">
+                <a16:creationId xmlns:a16="http://schemas.microsoft.com/office/drawing/2014/main" id="{85FB6EDC-A81C-417F-C3B2-4378D3D43B94}"/>
+              </a:ext>
+            </a:extLst>
+          </p:cNvPr>
+          <p:cNvSpPr txBox="1">
+            <a:spLocks/>
+          </p:cNvSpPr>
+          <p:nvPr/>
+        </p:nvSpPr>
+        <p:spPr>
+          <a:xfrm>
+            <a:off x="1028700" y="1690688"/>
+            <a:ext cx="10515600" cy="4351338"/>
+          </a:xfrm>
+          <a:prstGeom prst="rect">
+            <a:avLst/>
+          </a:prstGeom>
+        </p:spPr>
+        <p:txBody>
+          <a:bodyPr vert="horz" lIns="91440" tIns="45720" rIns="91440" bIns="45720" rtlCol="0">
+            <a:normAutofit/>
+          </a:bodyPr>
+          <a:lstStyle>
+            <a:lvl1pPr marL="228600" indent="-228600" algn="l" defTabSz="914400" rtl="0" eaLnBrk="1" latinLnBrk="0" hangingPunct="1">
+              <a:lnSpc>
+                <a:spcPct val="90000"/>
+              </a:lnSpc>
+              <a:spcBef>
+                <a:spcPts val="1000"/>
+              </a:spcBef>
+              <a:buFont typeface="Arial" panose="020B0604020202020204" pitchFamily="34" charset="0"/>
+              <a:buChar char="•"/>
+              <a:defRPr sz="2800" kern="1200">
+                <a:solidFill>
+                  <a:schemeClr val="tx1"/>
+                </a:solidFill>
+                <a:latin typeface="+mn-lt"/>
+                <a:ea typeface="+mn-ea"/>
+                <a:cs typeface="+mn-cs"/>
+              </a:defRPr>
+            </a:lvl1pPr>
+            <a:lvl2pPr marL="685800" indent="-228600" algn="l" defTabSz="914400" rtl="0" eaLnBrk="1" latinLnBrk="0" hangingPunct="1">
+              <a:lnSpc>
+                <a:spcPct val="90000"/>
+              </a:lnSpc>
+              <a:spcBef>
+                <a:spcPts val="500"/>
+              </a:spcBef>
+              <a:buFont typeface="Arial" panose="020B0604020202020204" pitchFamily="34" charset="0"/>
+              <a:buChar char="•"/>
+              <a:defRPr sz="2400" kern="1200">
+                <a:solidFill>
+                  <a:schemeClr val="tx1"/>
+                </a:solidFill>
+                <a:latin typeface="+mn-lt"/>
+                <a:ea typeface="+mn-ea"/>
+                <a:cs typeface="+mn-cs"/>
+              </a:defRPr>
+            </a:lvl2pPr>
+            <a:lvl3pPr marL="1143000" indent="-228600" algn="l" defTabSz="914400" rtl="0" eaLnBrk="1" latinLnBrk="0" hangingPunct="1">
+              <a:lnSpc>
+                <a:spcPct val="90000"/>
+              </a:lnSpc>
+              <a:spcBef>
+                <a:spcPts val="500"/>
+              </a:spcBef>
+              <a:buFont typeface="Arial" panose="020B0604020202020204" pitchFamily="34" charset="0"/>
+              <a:buChar char="•"/>
+              <a:defRPr sz="2000" kern="1200">
+                <a:solidFill>
+                  <a:schemeClr val="tx1"/>
+                </a:solidFill>
+                <a:latin typeface="+mn-lt"/>
+                <a:ea typeface="+mn-ea"/>
+                <a:cs typeface="+mn-cs"/>
+              </a:defRPr>
+            </a:lvl3pPr>
+            <a:lvl4pPr marL="1600200" indent="-228600" algn="l" defTabSz="914400" rtl="0" eaLnBrk="1" latinLnBrk="0" hangingPunct="1">
+              <a:lnSpc>
+                <a:spcPct val="90000"/>
+              </a:lnSpc>
+              <a:spcBef>
+                <a:spcPts val="500"/>
+              </a:spcBef>
+              <a:buFont typeface="Arial" panose="020B0604020202020204" pitchFamily="34" charset="0"/>
+              <a:buChar char="•"/>
+              <a:defRPr sz="1800" kern="1200">
+                <a:solidFill>
+                  <a:schemeClr val="tx1"/>
+                </a:solidFill>
+                <a:latin typeface="+mn-lt"/>
+                <a:ea typeface="+mn-ea"/>
+                <a:cs typeface="+mn-cs"/>
+              </a:defRPr>
+            </a:lvl4pPr>
+            <a:lvl5pPr marL="2057400" indent="-228600" algn="l" defTabSz="914400" rtl="0" eaLnBrk="1" latinLnBrk="0" hangingPunct="1">
+              <a:lnSpc>
+                <a:spcPct val="90000"/>
+              </a:lnSpc>
+              <a:spcBef>
+                <a:spcPts val="500"/>
+              </a:spcBef>
+              <a:buFont typeface="Arial" panose="020B0604020202020204" pitchFamily="34" charset="0"/>
+              <a:buChar char="•"/>
+              <a:defRPr sz="1800" kern="1200">
+                <a:solidFill>
+                  <a:schemeClr val="tx1"/>
+                </a:solidFill>
+                <a:latin typeface="+mn-lt"/>
+                <a:ea typeface="+mn-ea"/>
+                <a:cs typeface="+mn-cs"/>
+              </a:defRPr>
+            </a:lvl5pPr>
+            <a:lvl6pPr marL="2514600" indent="-228600" algn="l" defTabSz="914400" rtl="0" eaLnBrk="1" latinLnBrk="0" hangingPunct="1">
+              <a:lnSpc>
+                <a:spcPct val="90000"/>
+              </a:lnSpc>
+              <a:spcBef>
+                <a:spcPts val="500"/>
+              </a:spcBef>
+              <a:buFont typeface="Arial" panose="020B0604020202020204" pitchFamily="34" charset="0"/>
+              <a:buChar char="•"/>
+              <a:defRPr sz="1800" kern="1200">
+                <a:solidFill>
+                  <a:schemeClr val="tx1"/>
+                </a:solidFill>
+                <a:latin typeface="+mn-lt"/>
+                <a:ea typeface="+mn-ea"/>
+                <a:cs typeface="+mn-cs"/>
+              </a:defRPr>
+            </a:lvl6pPr>
+            <a:lvl7pPr marL="2971800" indent="-228600" algn="l" defTabSz="914400" rtl="0" eaLnBrk="1" latinLnBrk="0" hangingPunct="1">
+              <a:lnSpc>
+                <a:spcPct val="90000"/>
+              </a:lnSpc>
+              <a:spcBef>
+                <a:spcPts val="500"/>
+              </a:spcBef>
+              <a:buFont typeface="Arial" panose="020B0604020202020204" pitchFamily="34" charset="0"/>
+              <a:buChar char="•"/>
+              <a:defRPr sz="1800" kern="1200">
+                <a:solidFill>
+                  <a:schemeClr val="tx1"/>
+                </a:solidFill>
+                <a:latin typeface="+mn-lt"/>
+                <a:ea typeface="+mn-ea"/>
+                <a:cs typeface="+mn-cs"/>
+              </a:defRPr>
+            </a:lvl7pPr>
+            <a:lvl8pPr marL="3429000" indent="-228600" algn="l" defTabSz="914400" rtl="0" eaLnBrk="1" latinLnBrk="0" hangingPunct="1">
+              <a:lnSpc>
+                <a:spcPct val="90000"/>
+              </a:lnSpc>
+              <a:spcBef>
+                <a:spcPts val="500"/>
+              </a:spcBef>
+              <a:buFont typeface="Arial" panose="020B0604020202020204" pitchFamily="34" charset="0"/>
+              <a:buChar char="•"/>
+              <a:defRPr sz="1800" kern="1200">
+                <a:solidFill>
+                  <a:schemeClr val="tx1"/>
+                </a:solidFill>
+                <a:latin typeface="+mn-lt"/>
+                <a:ea typeface="+mn-ea"/>
+                <a:cs typeface="+mn-cs"/>
+              </a:defRPr>
+            </a:lvl8pPr>
+            <a:lvl9pPr marL="3886200" indent="-228600" algn="l" defTabSz="914400" rtl="0" eaLnBrk="1" latinLnBrk="0" hangingPunct="1">
+              <a:lnSpc>
+                <a:spcPct val="90000"/>
+              </a:lnSpc>
+              <a:spcBef>
+                <a:spcPts val="500"/>
+              </a:spcBef>
+              <a:buFont typeface="Arial" panose="020B0604020202020204" pitchFamily="34" charset="0"/>
+              <a:buChar char="•"/>
+              <a:defRPr sz="1800" kern="1200">
+                <a:solidFill>
+                  <a:schemeClr val="tx1"/>
+                </a:solidFill>
+                <a:latin typeface="+mn-lt"/>
+                <a:ea typeface="+mn-ea"/>
+                <a:cs typeface="+mn-cs"/>
+              </a:defRPr>
+            </a:lvl9pPr>
+          </a:lstStyle>
+          <a:p>
+            <a:pPr>
+              <a:lnSpc>
+                <a:spcPct val="130000"/>
+              </a:lnSpc>
+            </a:pPr>
+            <a:r>
+              <a:rPr lang="en-US" sz="2400" dirty="0">
+                <a:solidFill>
+                  <a:schemeClr val="bg1">
+                    <a:lumMod val="50000"/>
+                  </a:schemeClr>
+                </a:solidFill>
+                <a:latin typeface="Times New Roman" panose="02020603050405020304" pitchFamily="18" charset="0"/>
+                <a:cs typeface="Times New Roman" panose="02020603050405020304" pitchFamily="18" charset="0"/>
+              </a:rPr>
+              <a:t>Introduction</a:t>
+            </a:r>
+          </a:p>
+          <a:p>
+            <a:pPr>
+              <a:lnSpc>
+                <a:spcPct val="130000"/>
+              </a:lnSpc>
+            </a:pPr>
+            <a:r>
+              <a:rPr lang="en-US" sz="2400" dirty="0">
+                <a:solidFill>
+                  <a:schemeClr val="bg1">
+                    <a:lumMod val="50000"/>
+                  </a:schemeClr>
+                </a:solidFill>
+                <a:latin typeface="Times New Roman" panose="02020603050405020304" pitchFamily="18" charset="0"/>
+                <a:cs typeface="Times New Roman" panose="02020603050405020304" pitchFamily="18" charset="0"/>
+              </a:rPr>
+              <a:t>Preliminaries</a:t>
+            </a:r>
+          </a:p>
+          <a:p>
+            <a:pPr>
+              <a:lnSpc>
+                <a:spcPct val="130000"/>
+              </a:lnSpc>
+            </a:pPr>
+            <a:r>
+              <a:rPr lang="en-US" sz="2400" dirty="0">
+                <a:latin typeface="Times New Roman" panose="02020603050405020304" pitchFamily="18" charset="0"/>
+                <a:cs typeface="Times New Roman" panose="02020603050405020304" pitchFamily="18" charset="0"/>
+              </a:rPr>
+              <a:t>MOGA-</a:t>
+            </a:r>
+            <a:r>
+              <a:rPr lang="en-US" sz="2400" dirty="0" err="1">
+                <a:latin typeface="Times New Roman" panose="02020603050405020304" pitchFamily="18" charset="0"/>
+                <a:cs typeface="Times New Roman" panose="02020603050405020304" pitchFamily="18" charset="0"/>
+              </a:rPr>
+              <a:t>CmpCNN</a:t>
+            </a:r>
+            <a:r>
+              <a:rPr lang="en-US" sz="2400" dirty="0">
+                <a:latin typeface="Times New Roman" panose="02020603050405020304" pitchFamily="18" charset="0"/>
+                <a:cs typeface="Times New Roman" panose="02020603050405020304" pitchFamily="18" charset="0"/>
+              </a:rPr>
+              <a:t> Framework</a:t>
+            </a:r>
+          </a:p>
+          <a:p>
+            <a:pPr>
+              <a:lnSpc>
+                <a:spcPct val="130000"/>
+              </a:lnSpc>
+            </a:pPr>
+            <a:r>
+              <a:rPr lang="en-US" sz="2400" dirty="0">
+                <a:solidFill>
+                  <a:schemeClr val="bg1">
+                    <a:lumMod val="50000"/>
+                  </a:schemeClr>
+                </a:solidFill>
+                <a:latin typeface="Times New Roman" panose="02020603050405020304" pitchFamily="18" charset="0"/>
+                <a:cs typeface="Times New Roman" panose="02020603050405020304" pitchFamily="18" charset="0"/>
+              </a:rPr>
+              <a:t>Experimental Result</a:t>
+            </a:r>
+          </a:p>
+        </p:txBody>
+      </p:sp>
+    </p:spTree>
+    <p:extLst>
+      <p:ext uri="{BB962C8B-B14F-4D97-AF65-F5344CB8AC3E}">
+        <p14:creationId xmlns:p14="http://schemas.microsoft.com/office/powerpoint/2010/main" val="2732898075"/>
+      </p:ext>
+    </p:extLst>
+  </p:cSld>
+  <p:clrMapOvr>
+    <a:masterClrMapping/>
+  </p:clrMapOvr>
+</p:sld>
+</file>
+
+<file path=ppt/slides/slide11.xml><?xml version="1.0" encoding="utf-8"?>
 <p:sld xmlns:a="http://schemas.openxmlformats.org/drawingml/2006/main" xmlns:r="http://schemas.openxmlformats.org/officeDocument/2006/relationships" xmlns:p="http://schemas.openxmlformats.org/presentationml/2006/main">
   <p:cSld>
     <p:spTree>
@@ -9388,7 +9860,7 @@
           <a:p>
             <a:fld id="{666274A1-CF9C-426A-8DD4-B13ED0C24231}" type="slidenum">
               <a:rPr lang="en-US" smtClean="0"/>
-              <a:t>9</a:t>
+              <a:t>10</a:t>
             </a:fld>
             <a:endParaRPr lang="en-US"/>
           </a:p>
@@ -9407,7 +9879,7 @@
 </p:sld>
 </file>
 
-<file path=ppt/slides/slide11.xml><?xml version="1.0" encoding="utf-8"?>
+<file path=ppt/slides/slide12.xml><?xml version="1.0" encoding="utf-8"?>
 <p:sld xmlns:a="http://schemas.openxmlformats.org/drawingml/2006/main" xmlns:r="http://schemas.openxmlformats.org/officeDocument/2006/relationships" xmlns:p="http://schemas.openxmlformats.org/presentationml/2006/main" show="0">
   <p:cSld>
     <p:spTree>
@@ -9501,7 +9973,7 @@
           <a:p>
             <a:fld id="{666274A1-CF9C-426A-8DD4-B13ED0C24231}" type="slidenum">
               <a:rPr lang="en-US" smtClean="0"/>
-              <a:t>10</a:t>
+              <a:t>11</a:t>
             </a:fld>
             <a:endParaRPr lang="en-US"/>
           </a:p>
@@ -9520,7 +9992,7 @@
 </p:sld>
 </file>
 
-<file path=ppt/slides/slide12.xml><?xml version="1.0" encoding="utf-8"?>
+<file path=ppt/slides/slide13.xml><?xml version="1.0" encoding="utf-8"?>
 <p:sld xmlns:a="http://schemas.openxmlformats.org/drawingml/2006/main" xmlns:r="http://schemas.openxmlformats.org/officeDocument/2006/relationships" xmlns:p="http://schemas.openxmlformats.org/presentationml/2006/main">
   <p:cSld>
     <p:spTree>
@@ -9610,7 +10082,7 @@
           <a:p>
             <a:fld id="{666274A1-CF9C-426A-8DD4-B13ED0C24231}" type="slidenum">
               <a:rPr lang="en-US" smtClean="0"/>
-              <a:t>11</a:t>
+              <a:t>12</a:t>
             </a:fld>
             <a:endParaRPr lang="en-US"/>
           </a:p>
@@ -9687,7 +10159,7 @@
 </p:sld>
 </file>
 
-<file path=ppt/slides/slide13.xml><?xml version="1.0" encoding="utf-8"?>
+<file path=ppt/slides/slide14.xml><?xml version="1.0" encoding="utf-8"?>
 <p:sld xmlns:a="http://schemas.openxmlformats.org/drawingml/2006/main" xmlns:r="http://schemas.openxmlformats.org/officeDocument/2006/relationships" xmlns:p="http://schemas.openxmlformats.org/presentationml/2006/main">
   <p:cSld>
     <p:spTree>
@@ -10234,7 +10706,7 @@
           <a:p>
             <a:fld id="{666274A1-CF9C-426A-8DD4-B13ED0C24231}" type="slidenum">
               <a:rPr lang="en-US" smtClean="0"/>
-              <a:t>12</a:t>
+              <a:t>13</a:t>
             </a:fld>
             <a:endParaRPr lang="en-US"/>
           </a:p>
@@ -10244,282 +10716,6 @@
     <p:extLst>
       <p:ext uri="{BB962C8B-B14F-4D97-AF65-F5344CB8AC3E}">
         <p14:creationId xmlns:p14="http://schemas.microsoft.com/office/powerpoint/2010/main" val="1378858122"/>
-      </p:ext>
-    </p:extLst>
-  </p:cSld>
-  <p:clrMapOvr>
-    <a:masterClrMapping/>
-  </p:clrMapOvr>
-</p:sld>
-</file>
-
-<file path=ppt/slides/slide14.xml><?xml version="1.0" encoding="utf-8"?>
-<p:sld xmlns:a="http://schemas.openxmlformats.org/drawingml/2006/main" xmlns:r="http://schemas.openxmlformats.org/officeDocument/2006/relationships" xmlns:p="http://schemas.openxmlformats.org/presentationml/2006/main">
-  <p:cSld>
-    <p:spTree>
-      <p:nvGrpSpPr>
-        <p:cNvPr id="1" name=""/>
-        <p:cNvGrpSpPr/>
-        <p:nvPr/>
-      </p:nvGrpSpPr>
-      <p:grpSpPr>
-        <a:xfrm>
-          <a:off x="0" y="0"/>
-          <a:ext cx="0" cy="0"/>
-          <a:chOff x="0" y="0"/>
-          <a:chExt cx="0" cy="0"/>
-        </a:xfrm>
-      </p:grpSpPr>
-      <p:sp>
-        <p:nvSpPr>
-          <p:cNvPr id="2" name="標題 1">
-            <a:extLst>
-              <a:ext uri="{FF2B5EF4-FFF2-40B4-BE49-F238E27FC236}">
-                <a16:creationId xmlns:a16="http://schemas.microsoft.com/office/drawing/2014/main" id="{F49B282A-FF7E-D28E-E7C9-7C9011B3A142}"/>
-              </a:ext>
-            </a:extLst>
-          </p:cNvPr>
-          <p:cNvSpPr>
-            <a:spLocks noGrp="1"/>
-          </p:cNvSpPr>
-          <p:nvPr>
-            <p:ph type="title"/>
-          </p:nvPr>
-        </p:nvSpPr>
-        <p:spPr/>
-        <p:txBody>
-          <a:bodyPr>
-            <a:normAutofit/>
-          </a:bodyPr>
-          <a:lstStyle/>
-          <a:p>
-            <a:r>
-              <a:rPr lang="en-US" altLang="zh-TW" sz="4000" dirty="0">
-                <a:latin typeface="Times" panose="02020603050405020304" pitchFamily="18" charset="0"/>
-                <a:cs typeface="Times" panose="02020603050405020304" pitchFamily="18" charset="0"/>
-              </a:rPr>
-              <a:t>MOGA-</a:t>
-            </a:r>
-            <a:r>
-              <a:rPr lang="en-US" altLang="zh-TW" sz="4000" dirty="0" err="1">
-                <a:latin typeface="Times" panose="02020603050405020304" pitchFamily="18" charset="0"/>
-                <a:cs typeface="Times" panose="02020603050405020304" pitchFamily="18" charset="0"/>
-              </a:rPr>
-              <a:t>CmpCNN</a:t>
-            </a:r>
-            <a:r>
-              <a:rPr lang="en-US" altLang="zh-TW" sz="4000" dirty="0">
-                <a:latin typeface="Times" panose="02020603050405020304" pitchFamily="18" charset="0"/>
-                <a:cs typeface="Times" panose="02020603050405020304" pitchFamily="18" charset="0"/>
-              </a:rPr>
-              <a:t> Framework</a:t>
-            </a:r>
-            <a:endParaRPr lang="zh-TW" altLang="en-US" sz="4000" dirty="0">
-              <a:latin typeface="Times" panose="02020603050405020304" pitchFamily="18" charset="0"/>
-              <a:cs typeface="Times" panose="02020603050405020304" pitchFamily="18" charset="0"/>
-            </a:endParaRPr>
-          </a:p>
-        </p:txBody>
-      </p:sp>
-      <p:sp>
-        <p:nvSpPr>
-          <p:cNvPr id="3" name="內容版面配置區 2">
-            <a:extLst>
-              <a:ext uri="{FF2B5EF4-FFF2-40B4-BE49-F238E27FC236}">
-                <a16:creationId xmlns:a16="http://schemas.microsoft.com/office/drawing/2014/main" id="{6532586F-2B33-9C61-58DC-9046125E1570}"/>
-              </a:ext>
-            </a:extLst>
-          </p:cNvPr>
-          <p:cNvSpPr>
-            <a:spLocks noGrp="1"/>
-          </p:cNvSpPr>
-          <p:nvPr>
-            <p:ph idx="1"/>
-          </p:nvPr>
-        </p:nvSpPr>
-        <p:spPr>
-          <a:xfrm>
-            <a:off x="838199" y="1825625"/>
-            <a:ext cx="11823551" cy="4351338"/>
-          </a:xfrm>
-        </p:spPr>
-        <p:txBody>
-          <a:bodyPr>
-            <a:normAutofit/>
-          </a:bodyPr>
-          <a:lstStyle/>
-          <a:p>
-            <a:pPr marL="457200" indent="-457200">
-              <a:lnSpc>
-                <a:spcPct val="150000"/>
-              </a:lnSpc>
-              <a:buFont typeface="+mj-lt"/>
-              <a:buAutoNum type="arabicPeriod" startAt="3"/>
-            </a:pPr>
-            <a:r>
-              <a:rPr lang="en-US" altLang="zh-TW" sz="2200" dirty="0">
-                <a:latin typeface="Times" panose="02020603050405020304" pitchFamily="18" charset="0"/>
-                <a:ea typeface="標楷體" panose="03000509000000000000" pitchFamily="65" charset="-120"/>
-                <a:cs typeface="Times" panose="02020603050405020304" pitchFamily="18" charset="0"/>
-              </a:rPr>
-              <a:t>MOGA-</a:t>
-            </a:r>
-            <a:r>
-              <a:rPr lang="en-US" altLang="zh-TW" sz="2200" dirty="0" err="1">
-                <a:latin typeface="Times" panose="02020603050405020304" pitchFamily="18" charset="0"/>
-                <a:ea typeface="標楷體" panose="03000509000000000000" pitchFamily="65" charset="-120"/>
-                <a:cs typeface="Times" panose="02020603050405020304" pitchFamily="18" charset="0"/>
-              </a:rPr>
-              <a:t>CmpCNN</a:t>
-            </a:r>
-            <a:r>
-              <a:rPr lang="en-US" altLang="zh-TW" sz="2200" dirty="0">
-                <a:latin typeface="Times" panose="02020603050405020304" pitchFamily="18" charset="0"/>
-                <a:ea typeface="標楷體" panose="03000509000000000000" pitchFamily="65" charset="-120"/>
-                <a:cs typeface="Times" panose="02020603050405020304" pitchFamily="18" charset="0"/>
-              </a:rPr>
-              <a:t> Fill Insertion</a:t>
-            </a:r>
-          </a:p>
-          <a:p>
-            <a:pPr marL="457200" indent="-457200">
-              <a:lnSpc>
-                <a:spcPct val="150000"/>
-              </a:lnSpc>
-              <a:buFont typeface="+mj-lt"/>
-              <a:buAutoNum type="arabicPeriod" startAt="3"/>
-            </a:pPr>
-            <a:endParaRPr lang="en-US" altLang="zh-TW" sz="500" dirty="0">
-              <a:latin typeface="Times" panose="02020603050405020304" pitchFamily="18" charset="0"/>
-              <a:ea typeface="標楷體" panose="03000509000000000000" pitchFamily="65" charset="-120"/>
-              <a:cs typeface="Times" panose="02020603050405020304" pitchFamily="18" charset="0"/>
-            </a:endParaRPr>
-          </a:p>
-          <a:p>
-            <a:pPr lvl="1">
-              <a:lnSpc>
-                <a:spcPct val="150000"/>
-              </a:lnSpc>
-            </a:pPr>
-            <a:r>
-              <a:rPr lang="en-US" altLang="zh-TW" sz="2000" dirty="0">
-                <a:latin typeface="Times" panose="02020603050405020304" pitchFamily="18" charset="0"/>
-                <a:ea typeface="標楷體" panose="03000509000000000000" pitchFamily="65" charset="-120"/>
-                <a:cs typeface="Times" panose="02020603050405020304" pitchFamily="18" charset="0"/>
-              </a:rPr>
-              <a:t>View the entire metal fill process as a unified entity.</a:t>
-            </a:r>
-          </a:p>
-          <a:p>
-            <a:pPr lvl="1">
-              <a:lnSpc>
-                <a:spcPct val="150000"/>
-              </a:lnSpc>
-            </a:pPr>
-            <a:r>
-              <a:rPr lang="en-US" altLang="zh-TW" sz="2000" dirty="0">
-                <a:latin typeface="Times" panose="02020603050405020304" pitchFamily="18" charset="0"/>
-                <a:ea typeface="標楷體" panose="03000509000000000000" pitchFamily="65" charset="-120"/>
-                <a:cs typeface="Times" panose="02020603050405020304" pitchFamily="18" charset="0"/>
-              </a:rPr>
-              <a:t>Integrate MOGA with </a:t>
-            </a:r>
-            <a:r>
-              <a:rPr lang="en-US" altLang="zh-TW" sz="2000" dirty="0" err="1">
-                <a:latin typeface="Times" panose="02020603050405020304" pitchFamily="18" charset="0"/>
-                <a:ea typeface="標楷體" panose="03000509000000000000" pitchFamily="65" charset="-120"/>
-                <a:cs typeface="Times" panose="02020603050405020304" pitchFamily="18" charset="0"/>
-              </a:rPr>
-              <a:t>CmpCNN</a:t>
-            </a:r>
-            <a:r>
-              <a:rPr lang="en-US" altLang="zh-TW" sz="2000" dirty="0">
-                <a:latin typeface="Times" panose="02020603050405020304" pitchFamily="18" charset="0"/>
-                <a:ea typeface="標楷體" panose="03000509000000000000" pitchFamily="65" charset="-120"/>
-                <a:cs typeface="Times" panose="02020603050405020304" pitchFamily="18" charset="0"/>
-              </a:rPr>
-              <a:t> model to optimize </a:t>
-            </a:r>
-            <a:r>
-              <a:rPr lang="en-US" altLang="zh-TW" sz="2000" i="1" dirty="0">
-                <a:latin typeface="Times" panose="02020603050405020304" pitchFamily="18" charset="0"/>
-                <a:ea typeface="標楷體" panose="03000509000000000000" pitchFamily="65" charset="-120"/>
-                <a:cs typeface="Times" panose="02020603050405020304" pitchFamily="18" charset="0"/>
-              </a:rPr>
-              <a:t>fill width, fill length, </a:t>
-            </a:r>
-            <a:r>
-              <a:rPr lang="en-US" altLang="zh-TW" sz="2000" dirty="0">
-                <a:latin typeface="Times" panose="02020603050405020304" pitchFamily="18" charset="0"/>
-                <a:ea typeface="標楷體" panose="03000509000000000000" pitchFamily="65" charset="-120"/>
-                <a:cs typeface="Times" panose="02020603050405020304" pitchFamily="18" charset="0"/>
-              </a:rPr>
-              <a:t>and </a:t>
-            </a:r>
-            <a:r>
-              <a:rPr lang="en-US" altLang="zh-TW" sz="2000" i="1" dirty="0">
-                <a:latin typeface="Times" panose="02020603050405020304" pitchFamily="18" charset="0"/>
-                <a:ea typeface="標楷體" panose="03000509000000000000" pitchFamily="65" charset="-120"/>
-                <a:cs typeface="Times" panose="02020603050405020304" pitchFamily="18" charset="0"/>
-              </a:rPr>
-              <a:t>fill space </a:t>
-            </a:r>
-            <a:r>
-              <a:rPr lang="en-US" altLang="zh-TW" sz="2000" dirty="0">
-                <a:latin typeface="Times" panose="02020603050405020304" pitchFamily="18" charset="0"/>
-                <a:ea typeface="標楷體" panose="03000509000000000000" pitchFamily="65" charset="-120"/>
-                <a:cs typeface="Times" panose="02020603050405020304" pitchFamily="18" charset="0"/>
-              </a:rPr>
-              <a:t>in 2 directions.</a:t>
-            </a:r>
-          </a:p>
-          <a:p>
-            <a:pPr lvl="1">
-              <a:lnSpc>
-                <a:spcPct val="150000"/>
-              </a:lnSpc>
-            </a:pPr>
-            <a:endParaRPr lang="en-US" altLang="zh-TW" sz="2000" dirty="0">
-              <a:latin typeface="Times" panose="02020603050405020304" pitchFamily="18" charset="0"/>
-              <a:ea typeface="標楷體" panose="03000509000000000000" pitchFamily="65" charset="-120"/>
-              <a:cs typeface="Times" panose="02020603050405020304" pitchFamily="18" charset="0"/>
-            </a:endParaRPr>
-          </a:p>
-        </p:txBody>
-      </p:sp>
-      <p:sp>
-        <p:nvSpPr>
-          <p:cNvPr id="4" name="投影片編號版面配置區 3">
-            <a:extLst>
-              <a:ext uri="{FF2B5EF4-FFF2-40B4-BE49-F238E27FC236}">
-                <a16:creationId xmlns:a16="http://schemas.microsoft.com/office/drawing/2014/main" id="{4F34BD4F-A1A7-2695-B9CD-0B31024175B2}"/>
-              </a:ext>
-            </a:extLst>
-          </p:cNvPr>
-          <p:cNvSpPr>
-            <a:spLocks noGrp="1"/>
-          </p:cNvSpPr>
-          <p:nvPr>
-            <p:ph type="sldNum" sz="quarter" idx="12"/>
-          </p:nvPr>
-        </p:nvSpPr>
-        <p:spPr/>
-        <p:txBody>
-          <a:bodyPr/>
-          <a:lstStyle/>
-          <a:p>
-            <a:fld id="{666274A1-CF9C-426A-8DD4-B13ED0C24231}" type="slidenum">
-              <a:rPr lang="en-US" smtClean="0"/>
-              <a:t>13</a:t>
-            </a:fld>
-            <a:endParaRPr lang="en-US"/>
-          </a:p>
-        </p:txBody>
-      </p:sp>
-    </p:spTree>
-    <p:extLst>
-      <p:ext uri="{BB962C8B-B14F-4D97-AF65-F5344CB8AC3E}">
-        <p14:creationId xmlns:p14="http://schemas.microsoft.com/office/powerpoint/2010/main" val="978978491"/>
       </p:ext>
     </p:extLst>
   </p:cSld>
@@ -10665,18 +10861,17 @@
               <a:buFont typeface="+mj-lt"/>
               <a:buAutoNum type="arabicPeriod" startAt="3"/>
             </a:pPr>
-            <a:endParaRPr lang="en-US" altLang="zh-TW" sz="400" dirty="0">
+            <a:endParaRPr lang="en-US" altLang="zh-TW" sz="500" dirty="0">
               <a:latin typeface="Times" panose="02020603050405020304" pitchFamily="18" charset="0"/>
               <a:ea typeface="標楷體" panose="03000509000000000000" pitchFamily="65" charset="-120"/>
               <a:cs typeface="Times" panose="02020603050405020304" pitchFamily="18" charset="0"/>
             </a:endParaRPr>
           </a:p>
           <a:p>
-            <a:pPr marL="971550" lvl="1" indent="-514350">
+            <a:pPr lvl="1">
               <a:lnSpc>
                 <a:spcPct val="150000"/>
               </a:lnSpc>
-              <a:buAutoNum type="romanLcParenBoth"/>
             </a:pPr>
             <a:r>
               <a:rPr lang="en-US" altLang="zh-TW" sz="2000" dirty="0">
@@ -10684,39 +10879,83 @@
                 <a:ea typeface="標楷體" panose="03000509000000000000" pitchFamily="65" charset="-120"/>
                 <a:cs typeface="Times" panose="02020603050405020304" pitchFamily="18" charset="0"/>
               </a:rPr>
-              <a:t>Initialization</a:t>
-            </a:r>
-          </a:p>
-          <a:p>
-            <a:pPr lvl="2">
+              <a:t>View the entire metal fill process as a unified entity.</a:t>
+            </a:r>
+          </a:p>
+          <a:p>
+            <a:pPr lvl="1">
               <a:lnSpc>
-                <a:spcPct val="125000"/>
+                <a:spcPct val="150000"/>
               </a:lnSpc>
             </a:pPr>
             <a:r>
-              <a:rPr lang="en-US" altLang="zh-TW" sz="1800" dirty="0">
+              <a:rPr lang="en-US" altLang="zh-TW" sz="2000" dirty="0">
                 <a:latin typeface="Times" panose="02020603050405020304" pitchFamily="18" charset="0"/>
                 <a:ea typeface="標楷體" panose="03000509000000000000" pitchFamily="65" charset="-120"/>
                 <a:cs typeface="Times" panose="02020603050405020304" pitchFamily="18" charset="0"/>
               </a:rPr>
-              <a:t>Generate an initial population of individuals, </a:t>
-            </a:r>
-          </a:p>
-          <a:p>
-            <a:pPr marL="914400" lvl="2" indent="0">
-              <a:lnSpc>
-                <a:spcPct val="125000"/>
-              </a:lnSpc>
-              <a:buNone/>
-            </a:pPr>
-            <a:r>
-              <a:rPr lang="en-US" altLang="zh-TW" sz="1800" dirty="0">
+              <a:t>Integrate MOGA with </a:t>
+            </a:r>
+            <a:r>
+              <a:rPr lang="en-US" altLang="zh-TW" sz="2000" dirty="0" err="1">
                 <a:latin typeface="Times" panose="02020603050405020304" pitchFamily="18" charset="0"/>
                 <a:ea typeface="標楷體" panose="03000509000000000000" pitchFamily="65" charset="-120"/>
                 <a:cs typeface="Times" panose="02020603050405020304" pitchFamily="18" charset="0"/>
               </a:rPr>
-              <a:t>    each characterized by values for fill parameters.</a:t>
-            </a:r>
+              <a:t>CmpCNN</a:t>
+            </a:r>
+            <a:r>
+              <a:rPr lang="en-US" altLang="zh-TW" sz="2000" dirty="0">
+                <a:latin typeface="Times" panose="02020603050405020304" pitchFamily="18" charset="0"/>
+                <a:ea typeface="標楷體" panose="03000509000000000000" pitchFamily="65" charset="-120"/>
+                <a:cs typeface="Times" panose="02020603050405020304" pitchFamily="18" charset="0"/>
+              </a:rPr>
+              <a:t> model to optimize </a:t>
+            </a:r>
+            <a:r>
+              <a:rPr lang="en-US" altLang="zh-TW" sz="2000" i="1" dirty="0">
+                <a:latin typeface="Times" panose="02020603050405020304" pitchFamily="18" charset="0"/>
+                <a:ea typeface="標楷體" panose="03000509000000000000" pitchFamily="65" charset="-120"/>
+                <a:cs typeface="Times" panose="02020603050405020304" pitchFamily="18" charset="0"/>
+              </a:rPr>
+              <a:t>fill width, fill length, </a:t>
+            </a:r>
+            <a:r>
+              <a:rPr lang="en-US" altLang="zh-TW" sz="2000" dirty="0">
+                <a:latin typeface="Times" panose="02020603050405020304" pitchFamily="18" charset="0"/>
+                <a:ea typeface="標楷體" panose="03000509000000000000" pitchFamily="65" charset="-120"/>
+                <a:cs typeface="Times" panose="02020603050405020304" pitchFamily="18" charset="0"/>
+              </a:rPr>
+              <a:t>and </a:t>
+            </a:r>
+            <a:r>
+              <a:rPr lang="en-US" altLang="zh-TW" sz="2000" i="1" dirty="0">
+                <a:latin typeface="Times" panose="02020603050405020304" pitchFamily="18" charset="0"/>
+                <a:ea typeface="標楷體" panose="03000509000000000000" pitchFamily="65" charset="-120"/>
+                <a:cs typeface="Times" panose="02020603050405020304" pitchFamily="18" charset="0"/>
+              </a:rPr>
+              <a:t>fill space </a:t>
+            </a:r>
+            <a:r>
+              <a:rPr lang="en-US" altLang="zh-TW" sz="2000" dirty="0">
+                <a:latin typeface="Times" panose="02020603050405020304" pitchFamily="18" charset="0"/>
+                <a:ea typeface="標楷體" panose="03000509000000000000" pitchFamily="65" charset="-120"/>
+                <a:cs typeface="Times" panose="02020603050405020304" pitchFamily="18" charset="0"/>
+              </a:rPr>
+              <a:t>in 2 directions.</a:t>
+            </a:r>
+          </a:p>
+          <a:p>
+            <a:pPr lvl="1">
+              <a:lnSpc>
+                <a:spcPct val="150000"/>
+              </a:lnSpc>
+            </a:pPr>
+            <a:endParaRPr lang="en-US" altLang="zh-TW" sz="2000" dirty="0">
+              <a:latin typeface="Times" panose="02020603050405020304" pitchFamily="18" charset="0"/>
+              <a:ea typeface="標楷體" panose="03000509000000000000" pitchFamily="65" charset="-120"/>
+              <a:cs typeface="Times" panose="02020603050405020304" pitchFamily="18" charset="0"/>
+            </a:endParaRPr>
           </a:p>
         </p:txBody>
       </p:sp>
@@ -10744,6 +10983,239 @@
             <a:fld id="{666274A1-CF9C-426A-8DD4-B13ED0C24231}" type="slidenum">
               <a:rPr lang="en-US" smtClean="0"/>
               <a:t>14</a:t>
+            </a:fld>
+            <a:endParaRPr lang="en-US"/>
+          </a:p>
+        </p:txBody>
+      </p:sp>
+    </p:spTree>
+    <p:extLst>
+      <p:ext uri="{BB962C8B-B14F-4D97-AF65-F5344CB8AC3E}">
+        <p14:creationId xmlns:p14="http://schemas.microsoft.com/office/powerpoint/2010/main" val="978978491"/>
+      </p:ext>
+    </p:extLst>
+  </p:cSld>
+  <p:clrMapOvr>
+    <a:masterClrMapping/>
+  </p:clrMapOvr>
+</p:sld>
+</file>
+
+<file path=ppt/slides/slide16.xml><?xml version="1.0" encoding="utf-8"?>
+<p:sld xmlns:a="http://schemas.openxmlformats.org/drawingml/2006/main" xmlns:r="http://schemas.openxmlformats.org/officeDocument/2006/relationships" xmlns:p="http://schemas.openxmlformats.org/presentationml/2006/main">
+  <p:cSld>
+    <p:spTree>
+      <p:nvGrpSpPr>
+        <p:cNvPr id="1" name=""/>
+        <p:cNvGrpSpPr/>
+        <p:nvPr/>
+      </p:nvGrpSpPr>
+      <p:grpSpPr>
+        <a:xfrm>
+          <a:off x="0" y="0"/>
+          <a:ext cx="0" cy="0"/>
+          <a:chOff x="0" y="0"/>
+          <a:chExt cx="0" cy="0"/>
+        </a:xfrm>
+      </p:grpSpPr>
+      <p:sp>
+        <p:nvSpPr>
+          <p:cNvPr id="2" name="標題 1">
+            <a:extLst>
+              <a:ext uri="{FF2B5EF4-FFF2-40B4-BE49-F238E27FC236}">
+                <a16:creationId xmlns:a16="http://schemas.microsoft.com/office/drawing/2014/main" id="{F49B282A-FF7E-D28E-E7C9-7C9011B3A142}"/>
+              </a:ext>
+            </a:extLst>
+          </p:cNvPr>
+          <p:cNvSpPr>
+            <a:spLocks noGrp="1"/>
+          </p:cNvSpPr>
+          <p:nvPr>
+            <p:ph type="title"/>
+          </p:nvPr>
+        </p:nvSpPr>
+        <p:spPr/>
+        <p:txBody>
+          <a:bodyPr>
+            <a:normAutofit/>
+          </a:bodyPr>
+          <a:lstStyle/>
+          <a:p>
+            <a:r>
+              <a:rPr lang="en-US" altLang="zh-TW" sz="4000" dirty="0">
+                <a:latin typeface="Times" panose="02020603050405020304" pitchFamily="18" charset="0"/>
+                <a:cs typeface="Times" panose="02020603050405020304" pitchFamily="18" charset="0"/>
+              </a:rPr>
+              <a:t>MOGA-</a:t>
+            </a:r>
+            <a:r>
+              <a:rPr lang="en-US" altLang="zh-TW" sz="4000" dirty="0" err="1">
+                <a:latin typeface="Times" panose="02020603050405020304" pitchFamily="18" charset="0"/>
+                <a:cs typeface="Times" panose="02020603050405020304" pitchFamily="18" charset="0"/>
+              </a:rPr>
+              <a:t>CmpCNN</a:t>
+            </a:r>
+            <a:r>
+              <a:rPr lang="en-US" altLang="zh-TW" sz="4000" dirty="0">
+                <a:latin typeface="Times" panose="02020603050405020304" pitchFamily="18" charset="0"/>
+                <a:cs typeface="Times" panose="02020603050405020304" pitchFamily="18" charset="0"/>
+              </a:rPr>
+              <a:t> Framework</a:t>
+            </a:r>
+            <a:endParaRPr lang="zh-TW" altLang="en-US" sz="4000" dirty="0">
+              <a:latin typeface="Times" panose="02020603050405020304" pitchFamily="18" charset="0"/>
+              <a:cs typeface="Times" panose="02020603050405020304" pitchFamily="18" charset="0"/>
+            </a:endParaRPr>
+          </a:p>
+        </p:txBody>
+      </p:sp>
+      <p:sp>
+        <p:nvSpPr>
+          <p:cNvPr id="3" name="內容版面配置區 2">
+            <a:extLst>
+              <a:ext uri="{FF2B5EF4-FFF2-40B4-BE49-F238E27FC236}">
+                <a16:creationId xmlns:a16="http://schemas.microsoft.com/office/drawing/2014/main" id="{6532586F-2B33-9C61-58DC-9046125E1570}"/>
+              </a:ext>
+            </a:extLst>
+          </p:cNvPr>
+          <p:cNvSpPr>
+            <a:spLocks noGrp="1"/>
+          </p:cNvSpPr>
+          <p:nvPr>
+            <p:ph idx="1"/>
+          </p:nvPr>
+        </p:nvSpPr>
+        <p:spPr>
+          <a:xfrm>
+            <a:off x="838199" y="1825625"/>
+            <a:ext cx="11823551" cy="4351338"/>
+          </a:xfrm>
+        </p:spPr>
+        <p:txBody>
+          <a:bodyPr>
+            <a:normAutofit/>
+          </a:bodyPr>
+          <a:lstStyle/>
+          <a:p>
+            <a:pPr marL="457200" indent="-457200">
+              <a:lnSpc>
+                <a:spcPct val="150000"/>
+              </a:lnSpc>
+              <a:buFont typeface="+mj-lt"/>
+              <a:buAutoNum type="arabicPeriod" startAt="3"/>
+            </a:pPr>
+            <a:r>
+              <a:rPr lang="en-US" altLang="zh-TW" sz="2200" dirty="0">
+                <a:latin typeface="Times" panose="02020603050405020304" pitchFamily="18" charset="0"/>
+                <a:ea typeface="標楷體" panose="03000509000000000000" pitchFamily="65" charset="-120"/>
+                <a:cs typeface="Times" panose="02020603050405020304" pitchFamily="18" charset="0"/>
+              </a:rPr>
+              <a:t>MOGA-</a:t>
+            </a:r>
+            <a:r>
+              <a:rPr lang="en-US" altLang="zh-TW" sz="2200" dirty="0" err="1">
+                <a:latin typeface="Times" panose="02020603050405020304" pitchFamily="18" charset="0"/>
+                <a:ea typeface="標楷體" panose="03000509000000000000" pitchFamily="65" charset="-120"/>
+                <a:cs typeface="Times" panose="02020603050405020304" pitchFamily="18" charset="0"/>
+              </a:rPr>
+              <a:t>CmpCNN</a:t>
+            </a:r>
+            <a:r>
+              <a:rPr lang="en-US" altLang="zh-TW" sz="2200" dirty="0">
+                <a:latin typeface="Times" panose="02020603050405020304" pitchFamily="18" charset="0"/>
+                <a:ea typeface="標楷體" panose="03000509000000000000" pitchFamily="65" charset="-120"/>
+                <a:cs typeface="Times" panose="02020603050405020304" pitchFamily="18" charset="0"/>
+              </a:rPr>
+              <a:t> Fill Insertion</a:t>
+            </a:r>
+          </a:p>
+          <a:p>
+            <a:pPr marL="457200" indent="-457200">
+              <a:lnSpc>
+                <a:spcPct val="150000"/>
+              </a:lnSpc>
+              <a:buFont typeface="+mj-lt"/>
+              <a:buAutoNum type="arabicPeriod" startAt="3"/>
+            </a:pPr>
+            <a:endParaRPr lang="en-US" altLang="zh-TW" sz="400" dirty="0">
+              <a:latin typeface="Times" panose="02020603050405020304" pitchFamily="18" charset="0"/>
+              <a:ea typeface="標楷體" panose="03000509000000000000" pitchFamily="65" charset="-120"/>
+              <a:cs typeface="Times" panose="02020603050405020304" pitchFamily="18" charset="0"/>
+            </a:endParaRPr>
+          </a:p>
+          <a:p>
+            <a:pPr marL="971550" lvl="1" indent="-514350">
+              <a:lnSpc>
+                <a:spcPct val="150000"/>
+              </a:lnSpc>
+              <a:buAutoNum type="romanLcParenBoth"/>
+            </a:pPr>
+            <a:r>
+              <a:rPr lang="en-US" altLang="zh-TW" sz="2000" dirty="0">
+                <a:latin typeface="Times" panose="02020603050405020304" pitchFamily="18" charset="0"/>
+                <a:ea typeface="標楷體" panose="03000509000000000000" pitchFamily="65" charset="-120"/>
+                <a:cs typeface="Times" panose="02020603050405020304" pitchFamily="18" charset="0"/>
+              </a:rPr>
+              <a:t>Initialization</a:t>
+            </a:r>
+          </a:p>
+          <a:p>
+            <a:pPr lvl="2">
+              <a:lnSpc>
+                <a:spcPct val="125000"/>
+              </a:lnSpc>
+            </a:pPr>
+            <a:r>
+              <a:rPr lang="en-US" altLang="zh-TW" sz="1800" dirty="0">
+                <a:latin typeface="Times" panose="02020603050405020304" pitchFamily="18" charset="0"/>
+                <a:ea typeface="標楷體" panose="03000509000000000000" pitchFamily="65" charset="-120"/>
+                <a:cs typeface="Times" panose="02020603050405020304" pitchFamily="18" charset="0"/>
+              </a:rPr>
+              <a:t>Generate an initial population of individuals, </a:t>
+            </a:r>
+          </a:p>
+          <a:p>
+            <a:pPr marL="914400" lvl="2" indent="0">
+              <a:lnSpc>
+                <a:spcPct val="125000"/>
+              </a:lnSpc>
+              <a:buNone/>
+            </a:pPr>
+            <a:r>
+              <a:rPr lang="en-US" altLang="zh-TW" sz="1800" dirty="0">
+                <a:latin typeface="Times" panose="02020603050405020304" pitchFamily="18" charset="0"/>
+                <a:ea typeface="標楷體" panose="03000509000000000000" pitchFamily="65" charset="-120"/>
+                <a:cs typeface="Times" panose="02020603050405020304" pitchFamily="18" charset="0"/>
+              </a:rPr>
+              <a:t>    each characterized by values for fill parameters.</a:t>
+            </a:r>
+          </a:p>
+        </p:txBody>
+      </p:sp>
+      <p:sp>
+        <p:nvSpPr>
+          <p:cNvPr id="4" name="投影片編號版面配置區 3">
+            <a:extLst>
+              <a:ext uri="{FF2B5EF4-FFF2-40B4-BE49-F238E27FC236}">
+                <a16:creationId xmlns:a16="http://schemas.microsoft.com/office/drawing/2014/main" id="{4F34BD4F-A1A7-2695-B9CD-0B31024175B2}"/>
+              </a:ext>
+            </a:extLst>
+          </p:cNvPr>
+          <p:cNvSpPr>
+            <a:spLocks noGrp="1"/>
+          </p:cNvSpPr>
+          <p:nvPr>
+            <p:ph type="sldNum" sz="quarter" idx="12"/>
+          </p:nvPr>
+        </p:nvSpPr>
+        <p:spPr/>
+        <p:txBody>
+          <a:bodyPr/>
+          <a:lstStyle/>
+          <a:p>
+            <a:fld id="{666274A1-CF9C-426A-8DD4-B13ED0C24231}" type="slidenum">
+              <a:rPr lang="en-US" smtClean="0"/>
+              <a:t>15</a:t>
             </a:fld>
             <a:endParaRPr lang="en-US"/>
           </a:p>
@@ -10792,7 +11264,7 @@
 </p:sld>
 </file>
 
-<file path=ppt/slides/slide16.xml><?xml version="1.0" encoding="utf-8"?>
+<file path=ppt/slides/slide17.xml><?xml version="1.0" encoding="utf-8"?>
 <p:sld xmlns:a="http://schemas.openxmlformats.org/drawingml/2006/main" xmlns:r="http://schemas.openxmlformats.org/officeDocument/2006/relationships" xmlns:p="http://schemas.openxmlformats.org/presentationml/2006/main">
   <p:cSld>
     <p:spTree>
@@ -11022,7 +11494,7 @@
           <a:p>
             <a:fld id="{666274A1-CF9C-426A-8DD4-B13ED0C24231}" type="slidenum">
               <a:rPr lang="en-US" smtClean="0"/>
-              <a:t>15</a:t>
+              <a:t>16</a:t>
             </a:fld>
             <a:endParaRPr lang="en-US"/>
           </a:p>
@@ -11071,7 +11543,7 @@
 </p:sld>
 </file>
 
-<file path=ppt/slides/slide17.xml><?xml version="1.0" encoding="utf-8"?>
+<file path=ppt/slides/slide18.xml><?xml version="1.0" encoding="utf-8"?>
 <p:sld xmlns:a="http://schemas.openxmlformats.org/drawingml/2006/main" xmlns:r="http://schemas.openxmlformats.org/officeDocument/2006/relationships" xmlns:p="http://schemas.openxmlformats.org/presentationml/2006/main">
   <p:cSld>
     <p:spTree>
@@ -11169,7 +11641,7 @@
           <a:p>
             <a:fld id="{666274A1-CF9C-426A-8DD4-B13ED0C24231}" type="slidenum">
               <a:rPr lang="en-US" smtClean="0"/>
-              <a:t>16</a:t>
+              <a:t>17</a:t>
             </a:fld>
             <a:endParaRPr lang="en-US" dirty="0"/>
           </a:p>
@@ -11248,7 +11720,7 @@
 </p:sld>
 </file>
 
-<file path=ppt/slides/slide18.xml><?xml version="1.0" encoding="utf-8"?>
+<file path=ppt/slides/slide19.xml><?xml version="1.0" encoding="utf-8"?>
 <p:sld xmlns:a="http://schemas.openxmlformats.org/drawingml/2006/main" xmlns:r="http://schemas.openxmlformats.org/officeDocument/2006/relationships" xmlns:p="http://schemas.openxmlformats.org/presentationml/2006/main">
   <p:cSld>
     <p:spTree>
@@ -11494,7 +11966,7 @@
           <a:p>
             <a:fld id="{666274A1-CF9C-426A-8DD4-B13ED0C24231}" type="slidenum">
               <a:rPr lang="en-US" smtClean="0"/>
-              <a:t>17</a:t>
+              <a:t>18</a:t>
             </a:fld>
             <a:endParaRPr lang="en-US"/>
           </a:p>
@@ -11534,333 +12006,6 @@
     <p:extLst>
       <p:ext uri="{BB962C8B-B14F-4D97-AF65-F5344CB8AC3E}">
         <p14:creationId xmlns:p14="http://schemas.microsoft.com/office/powerpoint/2010/main" val="2611884970"/>
-      </p:ext>
-    </p:extLst>
-  </p:cSld>
-  <p:clrMapOvr>
-    <a:masterClrMapping/>
-  </p:clrMapOvr>
-</p:sld>
-</file>
-
-<file path=ppt/slides/slide19.xml><?xml version="1.0" encoding="utf-8"?>
-<p:sld xmlns:a="http://schemas.openxmlformats.org/drawingml/2006/main" xmlns:r="http://schemas.openxmlformats.org/officeDocument/2006/relationships" xmlns:p="http://schemas.openxmlformats.org/presentationml/2006/main">
-  <p:cSld>
-    <p:spTree>
-      <p:nvGrpSpPr>
-        <p:cNvPr id="1" name=""/>
-        <p:cNvGrpSpPr/>
-        <p:nvPr/>
-      </p:nvGrpSpPr>
-      <p:grpSpPr>
-        <a:xfrm>
-          <a:off x="0" y="0"/>
-          <a:ext cx="0" cy="0"/>
-          <a:chOff x="0" y="0"/>
-          <a:chExt cx="0" cy="0"/>
-        </a:xfrm>
-      </p:grpSpPr>
-      <p:sp>
-        <p:nvSpPr>
-          <p:cNvPr id="2" name="標題 1">
-            <a:extLst>
-              <a:ext uri="{FF2B5EF4-FFF2-40B4-BE49-F238E27FC236}">
-                <a16:creationId xmlns:a16="http://schemas.microsoft.com/office/drawing/2014/main" id="{F49B282A-FF7E-D28E-E7C9-7C9011B3A142}"/>
-              </a:ext>
-            </a:extLst>
-          </p:cNvPr>
-          <p:cNvSpPr>
-            <a:spLocks noGrp="1"/>
-          </p:cNvSpPr>
-          <p:nvPr>
-            <p:ph type="title"/>
-          </p:nvPr>
-        </p:nvSpPr>
-        <p:spPr/>
-        <p:txBody>
-          <a:bodyPr>
-            <a:normAutofit/>
-          </a:bodyPr>
-          <a:lstStyle/>
-          <a:p>
-            <a:r>
-              <a:rPr lang="en-US" altLang="zh-TW" sz="4000" dirty="0">
-                <a:latin typeface="Times" panose="02020603050405020304" pitchFamily="18" charset="0"/>
-                <a:cs typeface="Times" panose="02020603050405020304" pitchFamily="18" charset="0"/>
-              </a:rPr>
-              <a:t>MOGA-</a:t>
-            </a:r>
-            <a:r>
-              <a:rPr lang="en-US" altLang="zh-TW" sz="4000" dirty="0" err="1">
-                <a:latin typeface="Times" panose="02020603050405020304" pitchFamily="18" charset="0"/>
-                <a:cs typeface="Times" panose="02020603050405020304" pitchFamily="18" charset="0"/>
-              </a:rPr>
-              <a:t>CmpCNN</a:t>
-            </a:r>
-            <a:r>
-              <a:rPr lang="en-US" altLang="zh-TW" sz="4000" dirty="0">
-                <a:latin typeface="Times" panose="02020603050405020304" pitchFamily="18" charset="0"/>
-                <a:cs typeface="Times" panose="02020603050405020304" pitchFamily="18" charset="0"/>
-              </a:rPr>
-              <a:t> Framework</a:t>
-            </a:r>
-            <a:endParaRPr lang="zh-TW" altLang="en-US" sz="4000" dirty="0">
-              <a:latin typeface="Times" panose="02020603050405020304" pitchFamily="18" charset="0"/>
-              <a:cs typeface="Times" panose="02020603050405020304" pitchFamily="18" charset="0"/>
-            </a:endParaRPr>
-          </a:p>
-        </p:txBody>
-      </p:sp>
-      <p:sp>
-        <p:nvSpPr>
-          <p:cNvPr id="3" name="內容版面配置區 2">
-            <a:extLst>
-              <a:ext uri="{FF2B5EF4-FFF2-40B4-BE49-F238E27FC236}">
-                <a16:creationId xmlns:a16="http://schemas.microsoft.com/office/drawing/2014/main" id="{6532586F-2B33-9C61-58DC-9046125E1570}"/>
-              </a:ext>
-            </a:extLst>
-          </p:cNvPr>
-          <p:cNvSpPr>
-            <a:spLocks noGrp="1"/>
-          </p:cNvSpPr>
-          <p:nvPr>
-            <p:ph idx="1"/>
-          </p:nvPr>
-        </p:nvSpPr>
-        <p:spPr>
-          <a:xfrm>
-            <a:off x="838199" y="1825625"/>
-            <a:ext cx="11823551" cy="4351338"/>
-          </a:xfrm>
-        </p:spPr>
-        <p:txBody>
-          <a:bodyPr>
-            <a:normAutofit/>
-          </a:bodyPr>
-          <a:lstStyle/>
-          <a:p>
-            <a:pPr marL="457200" indent="-457200">
-              <a:lnSpc>
-                <a:spcPct val="150000"/>
-              </a:lnSpc>
-              <a:buFont typeface="+mj-lt"/>
-              <a:buAutoNum type="arabicPeriod" startAt="3"/>
-            </a:pPr>
-            <a:r>
-              <a:rPr lang="en-US" altLang="zh-TW" sz="2200" dirty="0">
-                <a:latin typeface="Times" panose="02020603050405020304" pitchFamily="18" charset="0"/>
-                <a:ea typeface="標楷體" panose="03000509000000000000" pitchFamily="65" charset="-120"/>
-                <a:cs typeface="Times" panose="02020603050405020304" pitchFamily="18" charset="0"/>
-              </a:rPr>
-              <a:t>MOGA-</a:t>
-            </a:r>
-            <a:r>
-              <a:rPr lang="en-US" altLang="zh-TW" sz="2200" dirty="0" err="1">
-                <a:latin typeface="Times" panose="02020603050405020304" pitchFamily="18" charset="0"/>
-                <a:ea typeface="標楷體" panose="03000509000000000000" pitchFamily="65" charset="-120"/>
-                <a:cs typeface="Times" panose="02020603050405020304" pitchFamily="18" charset="0"/>
-              </a:rPr>
-              <a:t>CmpCNN</a:t>
-            </a:r>
-            <a:r>
-              <a:rPr lang="en-US" altLang="zh-TW" sz="2200" dirty="0">
-                <a:latin typeface="Times" panose="02020603050405020304" pitchFamily="18" charset="0"/>
-                <a:ea typeface="標楷體" panose="03000509000000000000" pitchFamily="65" charset="-120"/>
-                <a:cs typeface="Times" panose="02020603050405020304" pitchFamily="18" charset="0"/>
-              </a:rPr>
-              <a:t> Fill Insertion</a:t>
-            </a:r>
-          </a:p>
-          <a:p>
-            <a:pPr marL="457200" indent="-457200">
-              <a:lnSpc>
-                <a:spcPct val="150000"/>
-              </a:lnSpc>
-              <a:buFont typeface="+mj-lt"/>
-              <a:buAutoNum type="arabicPeriod" startAt="3"/>
-            </a:pPr>
-            <a:endParaRPr lang="en-US" altLang="zh-TW" sz="400" dirty="0">
-              <a:latin typeface="Times" panose="02020603050405020304" pitchFamily="18" charset="0"/>
-              <a:ea typeface="標楷體" panose="03000509000000000000" pitchFamily="65" charset="-120"/>
-              <a:cs typeface="Times" panose="02020603050405020304" pitchFamily="18" charset="0"/>
-            </a:endParaRPr>
-          </a:p>
-          <a:p>
-            <a:pPr marL="457200" lvl="1" indent="0">
-              <a:lnSpc>
-                <a:spcPct val="150000"/>
-              </a:lnSpc>
-              <a:buNone/>
-            </a:pPr>
-            <a:r>
-              <a:rPr lang="en-US" altLang="zh-TW" sz="2000" dirty="0">
-                <a:latin typeface="Times" panose="02020603050405020304" pitchFamily="18" charset="0"/>
-                <a:ea typeface="標楷體" panose="03000509000000000000" pitchFamily="65" charset="-120"/>
-                <a:cs typeface="Times" panose="02020603050405020304" pitchFamily="18" charset="0"/>
-              </a:rPr>
-              <a:t>(iv)  Stop or iteration</a:t>
-            </a:r>
-          </a:p>
-          <a:p>
-            <a:pPr lvl="2">
-              <a:lnSpc>
-                <a:spcPct val="125000"/>
-              </a:lnSpc>
-            </a:pPr>
-            <a:r>
-              <a:rPr lang="en-US" altLang="zh-TW" sz="1800" dirty="0">
-                <a:latin typeface="Times" panose="02020603050405020304" pitchFamily="18" charset="0"/>
-                <a:ea typeface="標楷體" panose="03000509000000000000" pitchFamily="65" charset="-120"/>
-                <a:cs typeface="Times" panose="02020603050405020304" pitchFamily="18" charset="0"/>
-              </a:rPr>
-              <a:t>If stop conditions are satisfied (e.g., number of </a:t>
-            </a:r>
-          </a:p>
-          <a:p>
-            <a:pPr marL="914400" lvl="2" indent="0">
-              <a:lnSpc>
-                <a:spcPct val="125000"/>
-              </a:lnSpc>
-              <a:buNone/>
-            </a:pPr>
-            <a:r>
-              <a:rPr lang="en-US" altLang="zh-TW" sz="1800" dirty="0">
-                <a:latin typeface="Times" panose="02020603050405020304" pitchFamily="18" charset="0"/>
-                <a:ea typeface="標楷體" panose="03000509000000000000" pitchFamily="65" charset="-120"/>
-                <a:cs typeface="Times" panose="02020603050405020304" pitchFamily="18" charset="0"/>
-              </a:rPr>
-              <a:t>    generations, achieving   satisfactory fitness </a:t>
-            </a:r>
-          </a:p>
-          <a:p>
-            <a:pPr marL="914400" lvl="2" indent="0">
-              <a:lnSpc>
-                <a:spcPct val="125000"/>
-              </a:lnSpc>
-              <a:buNone/>
-            </a:pPr>
-            <a:r>
-              <a:rPr lang="en-US" altLang="zh-TW" sz="1800" dirty="0">
-                <a:latin typeface="Times" panose="02020603050405020304" pitchFamily="18" charset="0"/>
-                <a:ea typeface="標楷體" panose="03000509000000000000" pitchFamily="65" charset="-120"/>
-                <a:cs typeface="Times" panose="02020603050405020304" pitchFamily="18" charset="0"/>
-              </a:rPr>
-              <a:t>    score, or convergence), the algorithm </a:t>
-            </a:r>
-          </a:p>
-          <a:p>
-            <a:pPr marL="914400" lvl="2" indent="0">
-              <a:lnSpc>
-                <a:spcPct val="125000"/>
-              </a:lnSpc>
-              <a:buNone/>
-            </a:pPr>
-            <a:r>
-              <a:rPr lang="en-US" altLang="zh-TW" sz="1800" dirty="0">
-                <a:latin typeface="Times" panose="02020603050405020304" pitchFamily="18" charset="0"/>
-                <a:ea typeface="標楷體" panose="03000509000000000000" pitchFamily="65" charset="-120"/>
-                <a:cs typeface="Times" panose="02020603050405020304" pitchFamily="18" charset="0"/>
-              </a:rPr>
-              <a:t>    stops, returning the best fill solution. Otherwise, </a:t>
-            </a:r>
-          </a:p>
-          <a:p>
-            <a:pPr marL="914400" lvl="2" indent="0">
-              <a:lnSpc>
-                <a:spcPct val="125000"/>
-              </a:lnSpc>
-              <a:buNone/>
-            </a:pPr>
-            <a:r>
-              <a:rPr lang="en-US" altLang="zh-TW" sz="1800" dirty="0">
-                <a:latin typeface="Times" panose="02020603050405020304" pitchFamily="18" charset="0"/>
-                <a:ea typeface="標楷體" panose="03000509000000000000" pitchFamily="65" charset="-120"/>
-                <a:cs typeface="Times" panose="02020603050405020304" pitchFamily="18" charset="0"/>
-              </a:rPr>
-              <a:t>    return to step (ii) and repeat the optimization </a:t>
-            </a:r>
-          </a:p>
-          <a:p>
-            <a:pPr marL="914400" lvl="2" indent="0">
-              <a:lnSpc>
-                <a:spcPct val="125000"/>
-              </a:lnSpc>
-              <a:buNone/>
-            </a:pPr>
-            <a:r>
-              <a:rPr lang="en-US" altLang="zh-TW" sz="1800" dirty="0">
-                <a:latin typeface="Times" panose="02020603050405020304" pitchFamily="18" charset="0"/>
-                <a:ea typeface="標楷體" panose="03000509000000000000" pitchFamily="65" charset="-120"/>
-                <a:cs typeface="Times" panose="02020603050405020304" pitchFamily="18" charset="0"/>
-              </a:rPr>
-              <a:t>    process.</a:t>
-            </a:r>
-          </a:p>
-        </p:txBody>
-      </p:sp>
-      <p:sp>
-        <p:nvSpPr>
-          <p:cNvPr id="4" name="投影片編號版面配置區 3">
-            <a:extLst>
-              <a:ext uri="{FF2B5EF4-FFF2-40B4-BE49-F238E27FC236}">
-                <a16:creationId xmlns:a16="http://schemas.microsoft.com/office/drawing/2014/main" id="{4F34BD4F-A1A7-2695-B9CD-0B31024175B2}"/>
-              </a:ext>
-            </a:extLst>
-          </p:cNvPr>
-          <p:cNvSpPr>
-            <a:spLocks noGrp="1"/>
-          </p:cNvSpPr>
-          <p:nvPr>
-            <p:ph type="sldNum" sz="quarter" idx="12"/>
-          </p:nvPr>
-        </p:nvSpPr>
-        <p:spPr/>
-        <p:txBody>
-          <a:bodyPr/>
-          <a:lstStyle/>
-          <a:p>
-            <a:fld id="{666274A1-CF9C-426A-8DD4-B13ED0C24231}" type="slidenum">
-              <a:rPr lang="en-US" smtClean="0"/>
-              <a:t>18</a:t>
-            </a:fld>
-            <a:endParaRPr lang="en-US"/>
-          </a:p>
-        </p:txBody>
-      </p:sp>
-      <p:pic>
-        <p:nvPicPr>
-          <p:cNvPr id="6" name="圖片 5">
-            <a:extLst>
-              <a:ext uri="{FF2B5EF4-FFF2-40B4-BE49-F238E27FC236}">
-                <a16:creationId xmlns:a16="http://schemas.microsoft.com/office/drawing/2014/main" id="{B4003395-F28F-F980-8EEC-CBA4912DEDD0}"/>
-              </a:ext>
-            </a:extLst>
-          </p:cNvPr>
-          <p:cNvPicPr>
-            <a:picLocks noChangeAspect="1"/>
-          </p:cNvPicPr>
-          <p:nvPr/>
-        </p:nvPicPr>
-        <p:blipFill>
-          <a:blip r:embed="rId3"/>
-          <a:stretch>
-            <a:fillRect/>
-          </a:stretch>
-        </p:blipFill>
-        <p:spPr>
-          <a:xfrm>
-            <a:off x="6669451" y="1378475"/>
-            <a:ext cx="5433530" cy="4538232"/>
-          </a:xfrm>
-          <a:prstGeom prst="rect">
-            <a:avLst/>
-          </a:prstGeom>
-        </p:spPr>
-      </p:pic>
-    </p:spTree>
-    <p:extLst>
-      <p:ext uri="{BB962C8B-B14F-4D97-AF65-F5344CB8AC3E}">
-        <p14:creationId xmlns:p14="http://schemas.microsoft.com/office/powerpoint/2010/main" val="2658445840"/>
       </p:ext>
     </p:extLst>
   </p:cSld>
@@ -12228,6 +12373,333 @@
 </file>
 
 <file path=ppt/slides/slide20.xml><?xml version="1.0" encoding="utf-8"?>
+<p:sld xmlns:a="http://schemas.openxmlformats.org/drawingml/2006/main" xmlns:r="http://schemas.openxmlformats.org/officeDocument/2006/relationships" xmlns:p="http://schemas.openxmlformats.org/presentationml/2006/main">
+  <p:cSld>
+    <p:spTree>
+      <p:nvGrpSpPr>
+        <p:cNvPr id="1" name=""/>
+        <p:cNvGrpSpPr/>
+        <p:nvPr/>
+      </p:nvGrpSpPr>
+      <p:grpSpPr>
+        <a:xfrm>
+          <a:off x="0" y="0"/>
+          <a:ext cx="0" cy="0"/>
+          <a:chOff x="0" y="0"/>
+          <a:chExt cx="0" cy="0"/>
+        </a:xfrm>
+      </p:grpSpPr>
+      <p:sp>
+        <p:nvSpPr>
+          <p:cNvPr id="2" name="標題 1">
+            <a:extLst>
+              <a:ext uri="{FF2B5EF4-FFF2-40B4-BE49-F238E27FC236}">
+                <a16:creationId xmlns:a16="http://schemas.microsoft.com/office/drawing/2014/main" id="{F49B282A-FF7E-D28E-E7C9-7C9011B3A142}"/>
+              </a:ext>
+            </a:extLst>
+          </p:cNvPr>
+          <p:cNvSpPr>
+            <a:spLocks noGrp="1"/>
+          </p:cNvSpPr>
+          <p:nvPr>
+            <p:ph type="title"/>
+          </p:nvPr>
+        </p:nvSpPr>
+        <p:spPr/>
+        <p:txBody>
+          <a:bodyPr>
+            <a:normAutofit/>
+          </a:bodyPr>
+          <a:lstStyle/>
+          <a:p>
+            <a:r>
+              <a:rPr lang="en-US" altLang="zh-TW" sz="4000" dirty="0">
+                <a:latin typeface="Times" panose="02020603050405020304" pitchFamily="18" charset="0"/>
+                <a:cs typeface="Times" panose="02020603050405020304" pitchFamily="18" charset="0"/>
+              </a:rPr>
+              <a:t>MOGA-</a:t>
+            </a:r>
+            <a:r>
+              <a:rPr lang="en-US" altLang="zh-TW" sz="4000" dirty="0" err="1">
+                <a:latin typeface="Times" panose="02020603050405020304" pitchFamily="18" charset="0"/>
+                <a:cs typeface="Times" panose="02020603050405020304" pitchFamily="18" charset="0"/>
+              </a:rPr>
+              <a:t>CmpCNN</a:t>
+            </a:r>
+            <a:r>
+              <a:rPr lang="en-US" altLang="zh-TW" sz="4000" dirty="0">
+                <a:latin typeface="Times" panose="02020603050405020304" pitchFamily="18" charset="0"/>
+                <a:cs typeface="Times" panose="02020603050405020304" pitchFamily="18" charset="0"/>
+              </a:rPr>
+              <a:t> Framework</a:t>
+            </a:r>
+            <a:endParaRPr lang="zh-TW" altLang="en-US" sz="4000" dirty="0">
+              <a:latin typeface="Times" panose="02020603050405020304" pitchFamily="18" charset="0"/>
+              <a:cs typeface="Times" panose="02020603050405020304" pitchFamily="18" charset="0"/>
+            </a:endParaRPr>
+          </a:p>
+        </p:txBody>
+      </p:sp>
+      <p:sp>
+        <p:nvSpPr>
+          <p:cNvPr id="3" name="內容版面配置區 2">
+            <a:extLst>
+              <a:ext uri="{FF2B5EF4-FFF2-40B4-BE49-F238E27FC236}">
+                <a16:creationId xmlns:a16="http://schemas.microsoft.com/office/drawing/2014/main" id="{6532586F-2B33-9C61-58DC-9046125E1570}"/>
+              </a:ext>
+            </a:extLst>
+          </p:cNvPr>
+          <p:cNvSpPr>
+            <a:spLocks noGrp="1"/>
+          </p:cNvSpPr>
+          <p:nvPr>
+            <p:ph idx="1"/>
+          </p:nvPr>
+        </p:nvSpPr>
+        <p:spPr>
+          <a:xfrm>
+            <a:off x="838199" y="1825625"/>
+            <a:ext cx="11823551" cy="4351338"/>
+          </a:xfrm>
+        </p:spPr>
+        <p:txBody>
+          <a:bodyPr>
+            <a:normAutofit/>
+          </a:bodyPr>
+          <a:lstStyle/>
+          <a:p>
+            <a:pPr marL="457200" indent="-457200">
+              <a:lnSpc>
+                <a:spcPct val="150000"/>
+              </a:lnSpc>
+              <a:buFont typeface="+mj-lt"/>
+              <a:buAutoNum type="arabicPeriod" startAt="3"/>
+            </a:pPr>
+            <a:r>
+              <a:rPr lang="en-US" altLang="zh-TW" sz="2200" dirty="0">
+                <a:latin typeface="Times" panose="02020603050405020304" pitchFamily="18" charset="0"/>
+                <a:ea typeface="標楷體" panose="03000509000000000000" pitchFamily="65" charset="-120"/>
+                <a:cs typeface="Times" panose="02020603050405020304" pitchFamily="18" charset="0"/>
+              </a:rPr>
+              <a:t>MOGA-</a:t>
+            </a:r>
+            <a:r>
+              <a:rPr lang="en-US" altLang="zh-TW" sz="2200" dirty="0" err="1">
+                <a:latin typeface="Times" panose="02020603050405020304" pitchFamily="18" charset="0"/>
+                <a:ea typeface="標楷體" panose="03000509000000000000" pitchFamily="65" charset="-120"/>
+                <a:cs typeface="Times" panose="02020603050405020304" pitchFamily="18" charset="0"/>
+              </a:rPr>
+              <a:t>CmpCNN</a:t>
+            </a:r>
+            <a:r>
+              <a:rPr lang="en-US" altLang="zh-TW" sz="2200" dirty="0">
+                <a:latin typeface="Times" panose="02020603050405020304" pitchFamily="18" charset="0"/>
+                <a:ea typeface="標楷體" panose="03000509000000000000" pitchFamily="65" charset="-120"/>
+                <a:cs typeface="Times" panose="02020603050405020304" pitchFamily="18" charset="0"/>
+              </a:rPr>
+              <a:t> Fill Insertion</a:t>
+            </a:r>
+          </a:p>
+          <a:p>
+            <a:pPr marL="457200" indent="-457200">
+              <a:lnSpc>
+                <a:spcPct val="150000"/>
+              </a:lnSpc>
+              <a:buFont typeface="+mj-lt"/>
+              <a:buAutoNum type="arabicPeriod" startAt="3"/>
+            </a:pPr>
+            <a:endParaRPr lang="en-US" altLang="zh-TW" sz="400" dirty="0">
+              <a:latin typeface="Times" panose="02020603050405020304" pitchFamily="18" charset="0"/>
+              <a:ea typeface="標楷體" panose="03000509000000000000" pitchFamily="65" charset="-120"/>
+              <a:cs typeface="Times" panose="02020603050405020304" pitchFamily="18" charset="0"/>
+            </a:endParaRPr>
+          </a:p>
+          <a:p>
+            <a:pPr marL="457200" lvl="1" indent="0">
+              <a:lnSpc>
+                <a:spcPct val="150000"/>
+              </a:lnSpc>
+              <a:buNone/>
+            </a:pPr>
+            <a:r>
+              <a:rPr lang="en-US" altLang="zh-TW" sz="2000" dirty="0">
+                <a:latin typeface="Times" panose="02020603050405020304" pitchFamily="18" charset="0"/>
+                <a:ea typeface="標楷體" panose="03000509000000000000" pitchFamily="65" charset="-120"/>
+                <a:cs typeface="Times" panose="02020603050405020304" pitchFamily="18" charset="0"/>
+              </a:rPr>
+              <a:t>(iv)  Stop or iteration</a:t>
+            </a:r>
+          </a:p>
+          <a:p>
+            <a:pPr lvl="2">
+              <a:lnSpc>
+                <a:spcPct val="125000"/>
+              </a:lnSpc>
+            </a:pPr>
+            <a:r>
+              <a:rPr lang="en-US" altLang="zh-TW" sz="1800" dirty="0">
+                <a:latin typeface="Times" panose="02020603050405020304" pitchFamily="18" charset="0"/>
+                <a:ea typeface="標楷體" panose="03000509000000000000" pitchFamily="65" charset="-120"/>
+                <a:cs typeface="Times" panose="02020603050405020304" pitchFamily="18" charset="0"/>
+              </a:rPr>
+              <a:t>If stop conditions are satisfied (e.g., number of </a:t>
+            </a:r>
+          </a:p>
+          <a:p>
+            <a:pPr marL="914400" lvl="2" indent="0">
+              <a:lnSpc>
+                <a:spcPct val="125000"/>
+              </a:lnSpc>
+              <a:buNone/>
+            </a:pPr>
+            <a:r>
+              <a:rPr lang="en-US" altLang="zh-TW" sz="1800" dirty="0">
+                <a:latin typeface="Times" panose="02020603050405020304" pitchFamily="18" charset="0"/>
+                <a:ea typeface="標楷體" panose="03000509000000000000" pitchFamily="65" charset="-120"/>
+                <a:cs typeface="Times" panose="02020603050405020304" pitchFamily="18" charset="0"/>
+              </a:rPr>
+              <a:t>    generations, achieving   satisfactory fitness </a:t>
+            </a:r>
+          </a:p>
+          <a:p>
+            <a:pPr marL="914400" lvl="2" indent="0">
+              <a:lnSpc>
+                <a:spcPct val="125000"/>
+              </a:lnSpc>
+              <a:buNone/>
+            </a:pPr>
+            <a:r>
+              <a:rPr lang="en-US" altLang="zh-TW" sz="1800" dirty="0">
+                <a:latin typeface="Times" panose="02020603050405020304" pitchFamily="18" charset="0"/>
+                <a:ea typeface="標楷體" panose="03000509000000000000" pitchFamily="65" charset="-120"/>
+                <a:cs typeface="Times" panose="02020603050405020304" pitchFamily="18" charset="0"/>
+              </a:rPr>
+              <a:t>    score, or convergence), the algorithm </a:t>
+            </a:r>
+          </a:p>
+          <a:p>
+            <a:pPr marL="914400" lvl="2" indent="0">
+              <a:lnSpc>
+                <a:spcPct val="125000"/>
+              </a:lnSpc>
+              <a:buNone/>
+            </a:pPr>
+            <a:r>
+              <a:rPr lang="en-US" altLang="zh-TW" sz="1800" dirty="0">
+                <a:latin typeface="Times" panose="02020603050405020304" pitchFamily="18" charset="0"/>
+                <a:ea typeface="標楷體" panose="03000509000000000000" pitchFamily="65" charset="-120"/>
+                <a:cs typeface="Times" panose="02020603050405020304" pitchFamily="18" charset="0"/>
+              </a:rPr>
+              <a:t>    stops, returning the best fill solution. Otherwise, </a:t>
+            </a:r>
+          </a:p>
+          <a:p>
+            <a:pPr marL="914400" lvl="2" indent="0">
+              <a:lnSpc>
+                <a:spcPct val="125000"/>
+              </a:lnSpc>
+              <a:buNone/>
+            </a:pPr>
+            <a:r>
+              <a:rPr lang="en-US" altLang="zh-TW" sz="1800" dirty="0">
+                <a:latin typeface="Times" panose="02020603050405020304" pitchFamily="18" charset="0"/>
+                <a:ea typeface="標楷體" panose="03000509000000000000" pitchFamily="65" charset="-120"/>
+                <a:cs typeface="Times" panose="02020603050405020304" pitchFamily="18" charset="0"/>
+              </a:rPr>
+              <a:t>    return to step (ii) and repeat the optimization </a:t>
+            </a:r>
+          </a:p>
+          <a:p>
+            <a:pPr marL="914400" lvl="2" indent="0">
+              <a:lnSpc>
+                <a:spcPct val="125000"/>
+              </a:lnSpc>
+              <a:buNone/>
+            </a:pPr>
+            <a:r>
+              <a:rPr lang="en-US" altLang="zh-TW" sz="1800" dirty="0">
+                <a:latin typeface="Times" panose="02020603050405020304" pitchFamily="18" charset="0"/>
+                <a:ea typeface="標楷體" panose="03000509000000000000" pitchFamily="65" charset="-120"/>
+                <a:cs typeface="Times" panose="02020603050405020304" pitchFamily="18" charset="0"/>
+              </a:rPr>
+              <a:t>    process.</a:t>
+            </a:r>
+          </a:p>
+        </p:txBody>
+      </p:sp>
+      <p:sp>
+        <p:nvSpPr>
+          <p:cNvPr id="4" name="投影片編號版面配置區 3">
+            <a:extLst>
+              <a:ext uri="{FF2B5EF4-FFF2-40B4-BE49-F238E27FC236}">
+                <a16:creationId xmlns:a16="http://schemas.microsoft.com/office/drawing/2014/main" id="{4F34BD4F-A1A7-2695-B9CD-0B31024175B2}"/>
+              </a:ext>
+            </a:extLst>
+          </p:cNvPr>
+          <p:cNvSpPr>
+            <a:spLocks noGrp="1"/>
+          </p:cNvSpPr>
+          <p:nvPr>
+            <p:ph type="sldNum" sz="quarter" idx="12"/>
+          </p:nvPr>
+        </p:nvSpPr>
+        <p:spPr/>
+        <p:txBody>
+          <a:bodyPr/>
+          <a:lstStyle/>
+          <a:p>
+            <a:fld id="{666274A1-CF9C-426A-8DD4-B13ED0C24231}" type="slidenum">
+              <a:rPr lang="en-US" smtClean="0"/>
+              <a:t>19</a:t>
+            </a:fld>
+            <a:endParaRPr lang="en-US"/>
+          </a:p>
+        </p:txBody>
+      </p:sp>
+      <p:pic>
+        <p:nvPicPr>
+          <p:cNvPr id="6" name="圖片 5">
+            <a:extLst>
+              <a:ext uri="{FF2B5EF4-FFF2-40B4-BE49-F238E27FC236}">
+                <a16:creationId xmlns:a16="http://schemas.microsoft.com/office/drawing/2014/main" id="{B4003395-F28F-F980-8EEC-CBA4912DEDD0}"/>
+              </a:ext>
+            </a:extLst>
+          </p:cNvPr>
+          <p:cNvPicPr>
+            <a:picLocks noChangeAspect="1"/>
+          </p:cNvPicPr>
+          <p:nvPr/>
+        </p:nvPicPr>
+        <p:blipFill>
+          <a:blip r:embed="rId3"/>
+          <a:stretch>
+            <a:fillRect/>
+          </a:stretch>
+        </p:blipFill>
+        <p:spPr>
+          <a:xfrm>
+            <a:off x="6669451" y="1378475"/>
+            <a:ext cx="5433530" cy="4538232"/>
+          </a:xfrm>
+          <a:prstGeom prst="rect">
+            <a:avLst/>
+          </a:prstGeom>
+        </p:spPr>
+      </p:pic>
+    </p:spTree>
+    <p:extLst>
+      <p:ext uri="{BB962C8B-B14F-4D97-AF65-F5344CB8AC3E}">
+        <p14:creationId xmlns:p14="http://schemas.microsoft.com/office/powerpoint/2010/main" val="2658445840"/>
+      </p:ext>
+    </p:extLst>
+  </p:cSld>
+  <p:clrMapOvr>
+    <a:masterClrMapping/>
+  </p:clrMapOvr>
+</p:sld>
+</file>
+
+<file path=ppt/slides/slide21.xml><?xml version="1.0" encoding="utf-8"?>
 <p:sld xmlns:a="http://schemas.openxmlformats.org/drawingml/2006/main" xmlns:r="http://schemas.openxmlformats.org/officeDocument/2006/relationships" xmlns:p="http://schemas.openxmlformats.org/presentationml/2006/main">
   <p:cSld>
     <p:spTree>
@@ -12762,7 +13234,7 @@
           <a:p>
             <a:fld id="{666274A1-CF9C-426A-8DD4-B13ED0C24231}" type="slidenum">
               <a:rPr lang="en-US" smtClean="0"/>
-              <a:t>19</a:t>
+              <a:t>20</a:t>
             </a:fld>
             <a:endParaRPr lang="en-US" dirty="0"/>
           </a:p>
@@ -13393,7 +13865,7 @@
 </p:sld>
 </file>
 
-<file path=ppt/slides/slide21.xml><?xml version="1.0" encoding="utf-8"?>
+<file path=ppt/slides/slide22.xml><?xml version="1.0" encoding="utf-8"?>
 <p:sld xmlns:a="http://schemas.openxmlformats.org/drawingml/2006/main" xmlns:r="http://schemas.openxmlformats.org/officeDocument/2006/relationships" xmlns:p="http://schemas.openxmlformats.org/presentationml/2006/main">
   <p:cSld>
     <p:spTree>
@@ -13468,7 +13940,7 @@
           <a:p>
             <a:fld id="{666274A1-CF9C-426A-8DD4-B13ED0C24231}" type="slidenum">
               <a:rPr lang="en-US" smtClean="0"/>
-              <a:t>20</a:t>
+              <a:t>21</a:t>
             </a:fld>
             <a:endParaRPr lang="en-US"/>
           </a:p>
@@ -13775,7 +14247,7 @@
 </p:sld>
 </file>
 
-<file path=ppt/slides/slide22.xml><?xml version="1.0" encoding="utf-8"?>
+<file path=ppt/slides/slide23.xml><?xml version="1.0" encoding="utf-8"?>
 <p:sld xmlns:a="http://schemas.openxmlformats.org/drawingml/2006/main" xmlns:r="http://schemas.openxmlformats.org/officeDocument/2006/relationships" xmlns:p="http://schemas.openxmlformats.org/presentationml/2006/main">
   <p:cSld>
     <p:spTree>
@@ -14111,7 +14583,7 @@
           <a:p>
             <a:fld id="{666274A1-CF9C-426A-8DD4-B13ED0C24231}" type="slidenum">
               <a:rPr lang="en-US" smtClean="0"/>
-              <a:t>21</a:t>
+              <a:t>22</a:t>
             </a:fld>
             <a:endParaRPr lang="en-US"/>
           </a:p>
@@ -14160,7 +14632,7 @@
 </p:sld>
 </file>
 
-<file path=ppt/slides/slide23.xml><?xml version="1.0" encoding="utf-8"?>
+<file path=ppt/slides/slide24.xml><?xml version="1.0" encoding="utf-8"?>
 <p:sld xmlns:a="http://schemas.openxmlformats.org/drawingml/2006/main" xmlns:r="http://schemas.openxmlformats.org/officeDocument/2006/relationships" xmlns:p="http://schemas.openxmlformats.org/presentationml/2006/main">
   <p:cSld>
     <p:spTree>
@@ -14669,7 +15141,7 @@
           <a:p>
             <a:fld id="{666274A1-CF9C-426A-8DD4-B13ED0C24231}" type="slidenum">
               <a:rPr lang="en-US" smtClean="0"/>
-              <a:t>22</a:t>
+              <a:t>23</a:t>
             </a:fld>
             <a:endParaRPr lang="en-US"/>
           </a:p>
@@ -14748,7 +15220,7 @@
 </p:sld>
 </file>
 
-<file path=ppt/slides/slide24.xml><?xml version="1.0" encoding="utf-8"?>
+<file path=ppt/slides/slide25.xml><?xml version="1.0" encoding="utf-8"?>
 <p:sld xmlns:a="http://schemas.openxmlformats.org/drawingml/2006/main" xmlns:r="http://schemas.openxmlformats.org/officeDocument/2006/relationships" xmlns:p="http://schemas.openxmlformats.org/presentationml/2006/main">
   <p:cSld>
     <p:spTree>
@@ -15338,7 +15810,7 @@
           <a:p>
             <a:fld id="{666274A1-CF9C-426A-8DD4-B13ED0C24231}" type="slidenum">
               <a:rPr lang="en-US" smtClean="0"/>
-              <a:t>23</a:t>
+              <a:t>24</a:t>
             </a:fld>
             <a:endParaRPr lang="en-US"/>
           </a:p>
@@ -15387,7 +15859,7 @@
 </p:sld>
 </file>
 
-<file path=ppt/slides/slide25.xml><?xml version="1.0" encoding="utf-8"?>
+<file path=ppt/slides/slide26.xml><?xml version="1.0" encoding="utf-8"?>
 <p:sld xmlns:a="http://schemas.openxmlformats.org/drawingml/2006/main" xmlns:r="http://schemas.openxmlformats.org/officeDocument/2006/relationships" xmlns:p="http://schemas.openxmlformats.org/presentationml/2006/main">
   <p:cSld>
     <p:spTree>
@@ -15728,7 +16200,7 @@
           <a:p>
             <a:fld id="{666274A1-CF9C-426A-8DD4-B13ED0C24231}" type="slidenum">
               <a:rPr lang="en-US" smtClean="0"/>
-              <a:t>24</a:t>
+              <a:t>25</a:t>
             </a:fld>
             <a:endParaRPr lang="en-US"/>
           </a:p>
@@ -15807,7 +16279,7 @@
 </p:sld>
 </file>
 
-<file path=ppt/slides/slide26.xml><?xml version="1.0" encoding="utf-8"?>
+<file path=ppt/slides/slide27.xml><?xml version="1.0" encoding="utf-8"?>
 <p:sld xmlns:a="http://schemas.openxmlformats.org/drawingml/2006/main" xmlns:r="http://schemas.openxmlformats.org/officeDocument/2006/relationships" xmlns:p="http://schemas.openxmlformats.org/presentationml/2006/main">
   <p:cSld>
     <p:spTree>
@@ -16290,7 +16762,7 @@
           <a:p>
             <a:fld id="{666274A1-CF9C-426A-8DD4-B13ED0C24231}" type="slidenum">
               <a:rPr lang="en-US" smtClean="0"/>
-              <a:t>25</a:t>
+              <a:t>26</a:t>
             </a:fld>
             <a:endParaRPr lang="en-US"/>
           </a:p>
@@ -16339,7 +16811,7 @@
 </p:sld>
 </file>
 
-<file path=ppt/slides/slide27.xml><?xml version="1.0" encoding="utf-8"?>
+<file path=ppt/slides/slide28.xml><?xml version="1.0" encoding="utf-8"?>
 <p:sld xmlns:a="http://schemas.openxmlformats.org/drawingml/2006/main" xmlns:r="http://schemas.openxmlformats.org/officeDocument/2006/relationships" xmlns:p="http://schemas.openxmlformats.org/presentationml/2006/main">
   <p:cSld>
     <p:spTree>
@@ -16683,7 +17155,7 @@
           <a:p>
             <a:fld id="{666274A1-CF9C-426A-8DD4-B13ED0C24231}" type="slidenum">
               <a:rPr lang="en-US" smtClean="0"/>
-              <a:t>26</a:t>
+              <a:t>27</a:t>
             </a:fld>
             <a:endParaRPr lang="en-US"/>
           </a:p>
@@ -16762,7 +17234,7 @@
 </p:sld>
 </file>
 
-<file path=ppt/slides/slide28.xml><?xml version="1.0" encoding="utf-8"?>
+<file path=ppt/slides/slide29.xml><?xml version="1.0" encoding="utf-8"?>
 <p:sld xmlns:a="http://schemas.openxmlformats.org/drawingml/2006/main" xmlns:r="http://schemas.openxmlformats.org/officeDocument/2006/relationships" xmlns:p="http://schemas.openxmlformats.org/presentationml/2006/main">
   <p:cSld>
     <p:spTree>
@@ -17058,7 +17530,7 @@
           <a:p>
             <a:fld id="{666274A1-CF9C-426A-8DD4-B13ED0C24231}" type="slidenum">
               <a:rPr lang="en-US" smtClean="0"/>
-              <a:t>27</a:t>
+              <a:t>28</a:t>
             </a:fld>
             <a:endParaRPr lang="en-US"/>
           </a:p>
@@ -17098,284 +17570,6 @@
     <p:extLst>
       <p:ext uri="{BB962C8B-B14F-4D97-AF65-F5344CB8AC3E}">
         <p14:creationId xmlns:p14="http://schemas.microsoft.com/office/powerpoint/2010/main" val="3016136167"/>
-      </p:ext>
-    </p:extLst>
-  </p:cSld>
-  <p:clrMapOvr>
-    <a:masterClrMapping/>
-  </p:clrMapOvr>
-</p:sld>
-</file>
-
-<file path=ppt/slides/slide29.xml><?xml version="1.0" encoding="utf-8"?>
-<p:sld xmlns:a="http://schemas.openxmlformats.org/drawingml/2006/main" xmlns:r="http://schemas.openxmlformats.org/officeDocument/2006/relationships" xmlns:p="http://schemas.openxmlformats.org/presentationml/2006/main">
-  <p:cSld>
-    <p:spTree>
-      <p:nvGrpSpPr>
-        <p:cNvPr id="1" name=""/>
-        <p:cNvGrpSpPr/>
-        <p:nvPr/>
-      </p:nvGrpSpPr>
-      <p:grpSpPr>
-        <a:xfrm>
-          <a:off x="0" y="0"/>
-          <a:ext cx="0" cy="0"/>
-          <a:chOff x="0" y="0"/>
-          <a:chExt cx="0" cy="0"/>
-        </a:xfrm>
-      </p:grpSpPr>
-      <p:sp>
-        <p:nvSpPr>
-          <p:cNvPr id="2" name="標題 1">
-            <a:extLst>
-              <a:ext uri="{FF2B5EF4-FFF2-40B4-BE49-F238E27FC236}">
-                <a16:creationId xmlns:a16="http://schemas.microsoft.com/office/drawing/2014/main" id="{F49B282A-FF7E-D28E-E7C9-7C9011B3A142}"/>
-              </a:ext>
-            </a:extLst>
-          </p:cNvPr>
-          <p:cNvSpPr>
-            <a:spLocks noGrp="1"/>
-          </p:cNvSpPr>
-          <p:nvPr>
-            <p:ph type="title"/>
-          </p:nvPr>
-        </p:nvSpPr>
-        <p:spPr/>
-        <p:txBody>
-          <a:bodyPr>
-            <a:normAutofit/>
-          </a:bodyPr>
-          <a:lstStyle/>
-          <a:p>
-            <a:r>
-              <a:rPr lang="en-US" altLang="zh-TW" sz="4000" dirty="0">
-                <a:latin typeface="Times" panose="02020603050405020304" pitchFamily="18" charset="0"/>
-                <a:cs typeface="Times" panose="02020603050405020304" pitchFamily="18" charset="0"/>
-              </a:rPr>
-              <a:t>Experimental Result</a:t>
-            </a:r>
-            <a:endParaRPr lang="zh-TW" altLang="en-US" sz="4000" dirty="0">
-              <a:latin typeface="Times" panose="02020603050405020304" pitchFamily="18" charset="0"/>
-              <a:cs typeface="Times" panose="02020603050405020304" pitchFamily="18" charset="0"/>
-            </a:endParaRPr>
-          </a:p>
-        </p:txBody>
-      </p:sp>
-      <p:sp>
-        <p:nvSpPr>
-          <p:cNvPr id="3" name="內容版面配置區 2">
-            <a:extLst>
-              <a:ext uri="{FF2B5EF4-FFF2-40B4-BE49-F238E27FC236}">
-                <a16:creationId xmlns:a16="http://schemas.microsoft.com/office/drawing/2014/main" id="{6532586F-2B33-9C61-58DC-9046125E1570}"/>
-              </a:ext>
-            </a:extLst>
-          </p:cNvPr>
-          <p:cNvSpPr>
-            <a:spLocks noGrp="1"/>
-          </p:cNvSpPr>
-          <p:nvPr>
-            <p:ph idx="1"/>
-          </p:nvPr>
-        </p:nvSpPr>
-        <p:spPr>
-          <a:xfrm>
-            <a:off x="838200" y="1825625"/>
-            <a:ext cx="11353800" cy="4895850"/>
-          </a:xfrm>
-        </p:spPr>
-        <p:txBody>
-          <a:bodyPr>
-            <a:normAutofit/>
-          </a:bodyPr>
-          <a:lstStyle/>
-          <a:p>
-            <a:pPr>
-              <a:lnSpc>
-                <a:spcPct val="200000"/>
-              </a:lnSpc>
-            </a:pPr>
-            <a:r>
-              <a:rPr lang="en-US" altLang="zh-TW" sz="2200" dirty="0">
-                <a:latin typeface="Times" panose="02020603050405020304" pitchFamily="18" charset="0"/>
-                <a:ea typeface="標楷體" panose="03000509000000000000" pitchFamily="65" charset="-120"/>
-                <a:cs typeface="Times" panose="02020603050405020304" pitchFamily="18" charset="0"/>
-              </a:rPr>
-              <a:t>Performance of </a:t>
-            </a:r>
-            <a:r>
-              <a:rPr lang="en-US" altLang="zh-TW" sz="2200" dirty="0" err="1">
-                <a:latin typeface="Times" panose="02020603050405020304" pitchFamily="18" charset="0"/>
-                <a:ea typeface="標楷體" panose="03000509000000000000" pitchFamily="65" charset="-120"/>
-                <a:cs typeface="Times" panose="02020603050405020304" pitchFamily="18" charset="0"/>
-              </a:rPr>
-              <a:t>CmpCNN</a:t>
-            </a:r>
-            <a:r>
-              <a:rPr lang="en-US" altLang="zh-TW" sz="2200" dirty="0">
-                <a:latin typeface="Times" panose="02020603050405020304" pitchFamily="18" charset="0"/>
-                <a:ea typeface="標楷體" panose="03000509000000000000" pitchFamily="65" charset="-120"/>
-                <a:cs typeface="Times" panose="02020603050405020304" pitchFamily="18" charset="0"/>
-              </a:rPr>
-              <a:t> Model</a:t>
-            </a:r>
-          </a:p>
-          <a:p>
-            <a:pPr lvl="1">
-              <a:lnSpc>
-                <a:spcPct val="200000"/>
-              </a:lnSpc>
-            </a:pPr>
-            <a:r>
-              <a:rPr lang="en-US" altLang="zh-TW" sz="2000" dirty="0">
-                <a:latin typeface="Times" panose="02020603050405020304" pitchFamily="18" charset="0"/>
-                <a:ea typeface="標楷體" panose="03000509000000000000" pitchFamily="65" charset="-120"/>
-                <a:cs typeface="Times" panose="02020603050405020304" pitchFamily="18" charset="0"/>
-              </a:rPr>
-              <a:t>Employ commercial metal fill tool (</a:t>
-            </a:r>
-            <a:r>
-              <a:rPr lang="en-US" altLang="zh-TW" sz="2000" dirty="0" err="1">
-                <a:latin typeface="Times" panose="02020603050405020304" pitchFamily="18" charset="0"/>
-                <a:ea typeface="標楷體" panose="03000509000000000000" pitchFamily="65" charset="-120"/>
-                <a:cs typeface="Times" panose="02020603050405020304" pitchFamily="18" charset="0"/>
-              </a:rPr>
-              <a:t>Smartfill</a:t>
-            </a:r>
-            <a:r>
-              <a:rPr lang="en-US" altLang="zh-TW" sz="2000" dirty="0">
-                <a:latin typeface="Times" panose="02020603050405020304" pitchFamily="18" charset="0"/>
-                <a:ea typeface="標楷體" panose="03000509000000000000" pitchFamily="65" charset="-120"/>
-                <a:cs typeface="Times" panose="02020603050405020304" pitchFamily="18" charset="0"/>
-              </a:rPr>
-              <a:t>), to generate fill solutions with different fill parameters.</a:t>
-            </a:r>
-          </a:p>
-          <a:p>
-            <a:pPr lvl="1">
-              <a:lnSpc>
-                <a:spcPct val="200000"/>
-              </a:lnSpc>
-            </a:pPr>
-            <a:r>
-              <a:rPr lang="en-US" altLang="zh-TW" sz="2000" dirty="0">
-                <a:latin typeface="Times" panose="02020603050405020304" pitchFamily="18" charset="0"/>
-                <a:ea typeface="標楷體" panose="03000509000000000000" pitchFamily="65" charset="-120"/>
-                <a:cs typeface="Times" panose="02020603050405020304" pitchFamily="18" charset="0"/>
-              </a:rPr>
-              <a:t>Perform </a:t>
-            </a:r>
-            <a:r>
-              <a:rPr lang="en-US" altLang="zh-TW" sz="2000" b="1" dirty="0">
-                <a:latin typeface="Times" panose="02020603050405020304" pitchFamily="18" charset="0"/>
-                <a:ea typeface="標楷體" panose="03000509000000000000" pitchFamily="65" charset="-120"/>
-                <a:cs typeface="Times" panose="02020603050405020304" pitchFamily="18" charset="0"/>
-              </a:rPr>
-              <a:t>clip generation </a:t>
-            </a:r>
-            <a:r>
-              <a:rPr lang="en-US" altLang="zh-TW" sz="2000" dirty="0">
-                <a:latin typeface="Times" panose="02020603050405020304" pitchFamily="18" charset="0"/>
-                <a:ea typeface="標楷體" panose="03000509000000000000" pitchFamily="65" charset="-120"/>
-                <a:cs typeface="Times" panose="02020603050405020304" pitchFamily="18" charset="0"/>
-              </a:rPr>
-              <a:t>to partition layout with/without fill solutions into multiple clips (20×20μm).</a:t>
-            </a:r>
-          </a:p>
-          <a:p>
-            <a:pPr lvl="1">
-              <a:lnSpc>
-                <a:spcPct val="200000"/>
-              </a:lnSpc>
-            </a:pPr>
-            <a:r>
-              <a:rPr lang="en-US" altLang="zh-TW" sz="2000" dirty="0">
-                <a:latin typeface="Times" panose="02020603050405020304" pitchFamily="18" charset="0"/>
-                <a:ea typeface="標楷體" panose="03000509000000000000" pitchFamily="65" charset="-120"/>
-                <a:cs typeface="Times" panose="02020603050405020304" pitchFamily="18" charset="0"/>
-              </a:rPr>
-              <a:t>Perform CMP simulation and image binarization to generate data samples (&gt;10000) to train a model.</a:t>
-            </a:r>
-          </a:p>
-          <a:p>
-            <a:pPr lvl="1">
-              <a:lnSpc>
-                <a:spcPct val="200000"/>
-              </a:lnSpc>
-            </a:pPr>
-            <a:r>
-              <a:rPr lang="en-US" altLang="zh-TW" sz="2000" dirty="0">
-                <a:latin typeface="Times" panose="02020603050405020304" pitchFamily="18" charset="0"/>
-                <a:ea typeface="標楷體" panose="03000509000000000000" pitchFamily="65" charset="-120"/>
-                <a:cs typeface="Times" panose="02020603050405020304" pitchFamily="18" charset="0"/>
-              </a:rPr>
-              <a:t>The normalized root mean square error of our model is 5% (&lt;10%).</a:t>
-            </a:r>
-          </a:p>
-        </p:txBody>
-      </p:sp>
-      <p:sp>
-        <p:nvSpPr>
-          <p:cNvPr id="4" name="投影片編號版面配置區 3">
-            <a:extLst>
-              <a:ext uri="{FF2B5EF4-FFF2-40B4-BE49-F238E27FC236}">
-                <a16:creationId xmlns:a16="http://schemas.microsoft.com/office/drawing/2014/main" id="{4F34BD4F-A1A7-2695-B9CD-0B31024175B2}"/>
-              </a:ext>
-            </a:extLst>
-          </p:cNvPr>
-          <p:cNvSpPr>
-            <a:spLocks noGrp="1"/>
-          </p:cNvSpPr>
-          <p:nvPr>
-            <p:ph type="sldNum" sz="quarter" idx="12"/>
-          </p:nvPr>
-        </p:nvSpPr>
-        <p:spPr/>
-        <p:txBody>
-          <a:bodyPr/>
-          <a:lstStyle/>
-          <a:p>
-            <a:fld id="{666274A1-CF9C-426A-8DD4-B13ED0C24231}" type="slidenum">
-              <a:rPr lang="en-US" smtClean="0"/>
-              <a:t>28</a:t>
-            </a:fld>
-            <a:endParaRPr lang="en-US"/>
-          </a:p>
-        </p:txBody>
-      </p:sp>
-      <p:pic>
-        <p:nvPicPr>
-          <p:cNvPr id="6" name="圖片 5">
-            <a:extLst>
-              <a:ext uri="{FF2B5EF4-FFF2-40B4-BE49-F238E27FC236}">
-                <a16:creationId xmlns:a16="http://schemas.microsoft.com/office/drawing/2014/main" id="{23CA0547-CECD-06A5-7202-712C744CCB1A}"/>
-              </a:ext>
-            </a:extLst>
-          </p:cNvPr>
-          <p:cNvPicPr>
-            <a:picLocks noChangeAspect="1"/>
-          </p:cNvPicPr>
-          <p:nvPr/>
-        </p:nvPicPr>
-        <p:blipFill>
-          <a:blip r:embed="rId3"/>
-          <a:stretch>
-            <a:fillRect/>
-          </a:stretch>
-        </p:blipFill>
-        <p:spPr>
-          <a:xfrm>
-            <a:off x="6137446" y="441326"/>
-            <a:ext cx="4946307" cy="1565332"/>
-          </a:xfrm>
-          <a:prstGeom prst="rect">
-            <a:avLst/>
-          </a:prstGeom>
-        </p:spPr>
-      </p:pic>
-    </p:spTree>
-    <p:extLst>
-      <p:ext uri="{BB962C8B-B14F-4D97-AF65-F5344CB8AC3E}">
-        <p14:creationId xmlns:p14="http://schemas.microsoft.com/office/powerpoint/2010/main" val="3044858616"/>
       </p:ext>
     </p:extLst>
   </p:cSld>
@@ -17860,7 +18054,115 @@
                 <a:ea typeface="標楷體" panose="03000509000000000000" pitchFamily="65" charset="-120"/>
                 <a:cs typeface="Times" panose="02020603050405020304" pitchFamily="18" charset="0"/>
               </a:rPr>
-              <a:t>Investigation of Different Fill Patterns</a:t>
+              <a:t>Performance of </a:t>
+            </a:r>
+            <a:r>
+              <a:rPr lang="en-US" altLang="zh-TW" sz="2200" dirty="0" err="1">
+                <a:latin typeface="Times" panose="02020603050405020304" pitchFamily="18" charset="0"/>
+                <a:ea typeface="標楷體" panose="03000509000000000000" pitchFamily="65" charset="-120"/>
+                <a:cs typeface="Times" panose="02020603050405020304" pitchFamily="18" charset="0"/>
+              </a:rPr>
+              <a:t>CmpCNN</a:t>
+            </a:r>
+            <a:r>
+              <a:rPr lang="en-US" altLang="zh-TW" sz="2200" dirty="0">
+                <a:latin typeface="Times" panose="02020603050405020304" pitchFamily="18" charset="0"/>
+                <a:ea typeface="標楷體" panose="03000509000000000000" pitchFamily="65" charset="-120"/>
+                <a:cs typeface="Times" panose="02020603050405020304" pitchFamily="18" charset="0"/>
+              </a:rPr>
+              <a:t> Model</a:t>
+            </a:r>
+          </a:p>
+          <a:p>
+            <a:pPr lvl="1">
+              <a:lnSpc>
+                <a:spcPct val="200000"/>
+              </a:lnSpc>
+            </a:pPr>
+            <a:r>
+              <a:rPr lang="en-US" altLang="zh-TW" sz="2000" dirty="0">
+                <a:latin typeface="Times" panose="02020603050405020304" pitchFamily="18" charset="0"/>
+                <a:ea typeface="標楷體" panose="03000509000000000000" pitchFamily="65" charset="-120"/>
+                <a:cs typeface="Times" panose="02020603050405020304" pitchFamily="18" charset="0"/>
+              </a:rPr>
+              <a:t>Employ commercial metal fill tool (</a:t>
+            </a:r>
+            <a:r>
+              <a:rPr lang="en-US" altLang="zh-TW" sz="2000" dirty="0" err="1">
+                <a:latin typeface="Times" panose="02020603050405020304" pitchFamily="18" charset="0"/>
+                <a:ea typeface="標楷體" panose="03000509000000000000" pitchFamily="65" charset="-120"/>
+                <a:cs typeface="Times" panose="02020603050405020304" pitchFamily="18" charset="0"/>
+              </a:rPr>
+              <a:t>Smartfill</a:t>
+            </a:r>
+            <a:r>
+              <a:rPr lang="en-US" altLang="zh-TW" sz="2000" dirty="0">
+                <a:latin typeface="Times" panose="02020603050405020304" pitchFamily="18" charset="0"/>
+                <a:ea typeface="標楷體" panose="03000509000000000000" pitchFamily="65" charset="-120"/>
+                <a:cs typeface="Times" panose="02020603050405020304" pitchFamily="18" charset="0"/>
+              </a:rPr>
+              <a:t>), to generate fill solutions with different fill parameters.</a:t>
+            </a:r>
+          </a:p>
+          <a:p>
+            <a:pPr lvl="1">
+              <a:lnSpc>
+                <a:spcPct val="200000"/>
+              </a:lnSpc>
+            </a:pPr>
+            <a:r>
+              <a:rPr lang="en-US" altLang="zh-TW" sz="2000" dirty="0">
+                <a:latin typeface="Times" panose="02020603050405020304" pitchFamily="18" charset="0"/>
+                <a:ea typeface="標楷體" panose="03000509000000000000" pitchFamily="65" charset="-120"/>
+                <a:cs typeface="Times" panose="02020603050405020304" pitchFamily="18" charset="0"/>
+              </a:rPr>
+              <a:t>Perform </a:t>
+            </a:r>
+            <a:r>
+              <a:rPr lang="en-US" altLang="zh-TW" sz="2000" b="1" dirty="0">
+                <a:latin typeface="Times" panose="02020603050405020304" pitchFamily="18" charset="0"/>
+                <a:ea typeface="標楷體" panose="03000509000000000000" pitchFamily="65" charset="-120"/>
+                <a:cs typeface="Times" panose="02020603050405020304" pitchFamily="18" charset="0"/>
+              </a:rPr>
+              <a:t>clip generation </a:t>
+            </a:r>
+            <a:r>
+              <a:rPr lang="en-US" altLang="zh-TW" sz="2000" dirty="0">
+                <a:latin typeface="Times" panose="02020603050405020304" pitchFamily="18" charset="0"/>
+                <a:ea typeface="標楷體" panose="03000509000000000000" pitchFamily="65" charset="-120"/>
+                <a:cs typeface="Times" panose="02020603050405020304" pitchFamily="18" charset="0"/>
+              </a:rPr>
+              <a:t>to partition layout with/without fill solutions into multiple clips (20×20μm).</a:t>
+            </a:r>
+          </a:p>
+          <a:p>
+            <a:pPr lvl="1">
+              <a:lnSpc>
+                <a:spcPct val="200000"/>
+              </a:lnSpc>
+            </a:pPr>
+            <a:r>
+              <a:rPr lang="en-US" altLang="zh-TW" sz="2000" dirty="0">
+                <a:latin typeface="Times" panose="02020603050405020304" pitchFamily="18" charset="0"/>
+                <a:ea typeface="標楷體" panose="03000509000000000000" pitchFamily="65" charset="-120"/>
+                <a:cs typeface="Times" panose="02020603050405020304" pitchFamily="18" charset="0"/>
+              </a:rPr>
+              <a:t>Perform CMP simulation and image binarization to generate data samples (&gt;10000) to train a model.</a:t>
+            </a:r>
+          </a:p>
+          <a:p>
+            <a:pPr lvl="1">
+              <a:lnSpc>
+                <a:spcPct val="200000"/>
+              </a:lnSpc>
+            </a:pPr>
+            <a:r>
+              <a:rPr lang="en-US" altLang="zh-TW" sz="2000" dirty="0">
+                <a:latin typeface="Times" panose="02020603050405020304" pitchFamily="18" charset="0"/>
+                <a:ea typeface="標楷體" panose="03000509000000000000" pitchFamily="65" charset="-120"/>
+                <a:cs typeface="Times" panose="02020603050405020304" pitchFamily="18" charset="0"/>
+              </a:rPr>
+              <a:t>The normalized root mean square error of our model is 5% (&lt;10%).</a:t>
             </a:r>
           </a:p>
         </p:txBody>
@@ -17889,6 +18191,176 @@
             <a:fld id="{666274A1-CF9C-426A-8DD4-B13ED0C24231}" type="slidenum">
               <a:rPr lang="en-US" smtClean="0"/>
               <a:t>29</a:t>
+            </a:fld>
+            <a:endParaRPr lang="en-US"/>
+          </a:p>
+        </p:txBody>
+      </p:sp>
+      <p:pic>
+        <p:nvPicPr>
+          <p:cNvPr id="6" name="圖片 5">
+            <a:extLst>
+              <a:ext uri="{FF2B5EF4-FFF2-40B4-BE49-F238E27FC236}">
+                <a16:creationId xmlns:a16="http://schemas.microsoft.com/office/drawing/2014/main" id="{23CA0547-CECD-06A5-7202-712C744CCB1A}"/>
+              </a:ext>
+            </a:extLst>
+          </p:cNvPr>
+          <p:cNvPicPr>
+            <a:picLocks noChangeAspect="1"/>
+          </p:cNvPicPr>
+          <p:nvPr/>
+        </p:nvPicPr>
+        <p:blipFill>
+          <a:blip r:embed="rId3"/>
+          <a:stretch>
+            <a:fillRect/>
+          </a:stretch>
+        </p:blipFill>
+        <p:spPr>
+          <a:xfrm>
+            <a:off x="6137446" y="441326"/>
+            <a:ext cx="4946307" cy="1565332"/>
+          </a:xfrm>
+          <a:prstGeom prst="rect">
+            <a:avLst/>
+          </a:prstGeom>
+        </p:spPr>
+      </p:pic>
+    </p:spTree>
+    <p:extLst>
+      <p:ext uri="{BB962C8B-B14F-4D97-AF65-F5344CB8AC3E}">
+        <p14:creationId xmlns:p14="http://schemas.microsoft.com/office/powerpoint/2010/main" val="3044858616"/>
+      </p:ext>
+    </p:extLst>
+  </p:cSld>
+  <p:clrMapOvr>
+    <a:masterClrMapping/>
+  </p:clrMapOvr>
+</p:sld>
+</file>
+
+<file path=ppt/slides/slide31.xml><?xml version="1.0" encoding="utf-8"?>
+<p:sld xmlns:a="http://schemas.openxmlformats.org/drawingml/2006/main" xmlns:r="http://schemas.openxmlformats.org/officeDocument/2006/relationships" xmlns:p="http://schemas.openxmlformats.org/presentationml/2006/main">
+  <p:cSld>
+    <p:spTree>
+      <p:nvGrpSpPr>
+        <p:cNvPr id="1" name=""/>
+        <p:cNvGrpSpPr/>
+        <p:nvPr/>
+      </p:nvGrpSpPr>
+      <p:grpSpPr>
+        <a:xfrm>
+          <a:off x="0" y="0"/>
+          <a:ext cx="0" cy="0"/>
+          <a:chOff x="0" y="0"/>
+          <a:chExt cx="0" cy="0"/>
+        </a:xfrm>
+      </p:grpSpPr>
+      <p:sp>
+        <p:nvSpPr>
+          <p:cNvPr id="2" name="標題 1">
+            <a:extLst>
+              <a:ext uri="{FF2B5EF4-FFF2-40B4-BE49-F238E27FC236}">
+                <a16:creationId xmlns:a16="http://schemas.microsoft.com/office/drawing/2014/main" id="{F49B282A-FF7E-D28E-E7C9-7C9011B3A142}"/>
+              </a:ext>
+            </a:extLst>
+          </p:cNvPr>
+          <p:cNvSpPr>
+            <a:spLocks noGrp="1"/>
+          </p:cNvSpPr>
+          <p:nvPr>
+            <p:ph type="title"/>
+          </p:nvPr>
+        </p:nvSpPr>
+        <p:spPr/>
+        <p:txBody>
+          <a:bodyPr>
+            <a:normAutofit/>
+          </a:bodyPr>
+          <a:lstStyle/>
+          <a:p>
+            <a:r>
+              <a:rPr lang="en-US" altLang="zh-TW" sz="4000" dirty="0">
+                <a:latin typeface="Times" panose="02020603050405020304" pitchFamily="18" charset="0"/>
+                <a:cs typeface="Times" panose="02020603050405020304" pitchFamily="18" charset="0"/>
+              </a:rPr>
+              <a:t>Experimental Result</a:t>
+            </a:r>
+            <a:endParaRPr lang="zh-TW" altLang="en-US" sz="4000" dirty="0">
+              <a:latin typeface="Times" panose="02020603050405020304" pitchFamily="18" charset="0"/>
+              <a:cs typeface="Times" panose="02020603050405020304" pitchFamily="18" charset="0"/>
+            </a:endParaRPr>
+          </a:p>
+        </p:txBody>
+      </p:sp>
+      <p:sp>
+        <p:nvSpPr>
+          <p:cNvPr id="3" name="內容版面配置區 2">
+            <a:extLst>
+              <a:ext uri="{FF2B5EF4-FFF2-40B4-BE49-F238E27FC236}">
+                <a16:creationId xmlns:a16="http://schemas.microsoft.com/office/drawing/2014/main" id="{6532586F-2B33-9C61-58DC-9046125E1570}"/>
+              </a:ext>
+            </a:extLst>
+          </p:cNvPr>
+          <p:cNvSpPr>
+            <a:spLocks noGrp="1"/>
+          </p:cNvSpPr>
+          <p:nvPr>
+            <p:ph idx="1"/>
+          </p:nvPr>
+        </p:nvSpPr>
+        <p:spPr>
+          <a:xfrm>
+            <a:off x="838200" y="1825625"/>
+            <a:ext cx="11353800" cy="4895850"/>
+          </a:xfrm>
+        </p:spPr>
+        <p:txBody>
+          <a:bodyPr>
+            <a:normAutofit/>
+          </a:bodyPr>
+          <a:lstStyle/>
+          <a:p>
+            <a:pPr>
+              <a:lnSpc>
+                <a:spcPct val="200000"/>
+              </a:lnSpc>
+            </a:pPr>
+            <a:r>
+              <a:rPr lang="en-US" altLang="zh-TW" sz="2200" dirty="0">
+                <a:latin typeface="Times" panose="02020603050405020304" pitchFamily="18" charset="0"/>
+                <a:ea typeface="標楷體" panose="03000509000000000000" pitchFamily="65" charset="-120"/>
+                <a:cs typeface="Times" panose="02020603050405020304" pitchFamily="18" charset="0"/>
+              </a:rPr>
+              <a:t>Investigation of Different Fill Patterns</a:t>
+            </a:r>
+          </a:p>
+        </p:txBody>
+      </p:sp>
+      <p:sp>
+        <p:nvSpPr>
+          <p:cNvPr id="4" name="投影片編號版面配置區 3">
+            <a:extLst>
+              <a:ext uri="{FF2B5EF4-FFF2-40B4-BE49-F238E27FC236}">
+                <a16:creationId xmlns:a16="http://schemas.microsoft.com/office/drawing/2014/main" id="{4F34BD4F-A1A7-2695-B9CD-0B31024175B2}"/>
+              </a:ext>
+            </a:extLst>
+          </p:cNvPr>
+          <p:cNvSpPr>
+            <a:spLocks noGrp="1"/>
+          </p:cNvSpPr>
+          <p:nvPr>
+            <p:ph type="sldNum" sz="quarter" idx="12"/>
+          </p:nvPr>
+        </p:nvSpPr>
+        <p:spPr/>
+        <p:txBody>
+          <a:bodyPr/>
+          <a:lstStyle/>
+          <a:p>
+            <a:fld id="{666274A1-CF9C-426A-8DD4-B13ED0C24231}" type="slidenum">
+              <a:rPr lang="en-US" smtClean="0"/>
+              <a:t>30</a:t>
             </a:fld>
             <a:endParaRPr lang="en-US"/>
           </a:p>
@@ -17967,7 +18439,7 @@
 </p:sld>
 </file>
 
-<file path=ppt/slides/slide31.xml><?xml version="1.0" encoding="utf-8"?>
+<file path=ppt/slides/slide32.xml><?xml version="1.0" encoding="utf-8"?>
 <p:sld xmlns:a="http://schemas.openxmlformats.org/drawingml/2006/main" xmlns:r="http://schemas.openxmlformats.org/officeDocument/2006/relationships" xmlns:p="http://schemas.openxmlformats.org/presentationml/2006/main">
   <p:cSld>
     <p:spTree>
@@ -18066,7 +18538,7 @@
           <a:p>
             <a:fld id="{666274A1-CF9C-426A-8DD4-B13ED0C24231}" type="slidenum">
               <a:rPr lang="en-US" smtClean="0"/>
-              <a:t>30</a:t>
+              <a:t>31</a:t>
             </a:fld>
             <a:endParaRPr lang="en-US"/>
           </a:p>
@@ -18085,7 +18557,7 @@
 </p:sld>
 </file>
 
-<file path=ppt/slides/slide32.xml><?xml version="1.0" encoding="utf-8"?>
+<file path=ppt/slides/slide33.xml><?xml version="1.0" encoding="utf-8"?>
 <p:sld xmlns:a="http://schemas.openxmlformats.org/drawingml/2006/main" xmlns:r="http://schemas.openxmlformats.org/officeDocument/2006/relationships" xmlns:p="http://schemas.openxmlformats.org/presentationml/2006/main">
   <p:cSld>
     <p:spTree>
@@ -18453,7 +18925,7 @@
           <a:p>
             <a:fld id="{666274A1-CF9C-426A-8DD4-B13ED0C24231}" type="slidenum">
               <a:rPr lang="en-US" smtClean="0"/>
-              <a:t>31</a:t>
+              <a:t>32</a:t>
             </a:fld>
             <a:endParaRPr lang="en-US"/>
           </a:p>
@@ -18502,7 +18974,7 @@
 </p:sld>
 </file>
 
-<file path=ppt/slides/slide33.xml><?xml version="1.0" encoding="utf-8"?>
+<file path=ppt/slides/slide34.xml><?xml version="1.0" encoding="utf-8"?>
 <p:sld xmlns:a="http://schemas.openxmlformats.org/drawingml/2006/main" xmlns:r="http://schemas.openxmlformats.org/officeDocument/2006/relationships" xmlns:p="http://schemas.openxmlformats.org/presentationml/2006/main">
   <p:cSld>
     <p:spTree>
@@ -18646,7 +19118,7 @@
           <a:p>
             <a:fld id="{666274A1-CF9C-426A-8DD4-B13ED0C24231}" type="slidenum">
               <a:rPr lang="en-US" smtClean="0"/>
-              <a:t>32</a:t>
+              <a:t>33</a:t>
             </a:fld>
             <a:endParaRPr lang="en-US"/>
           </a:p>
@@ -18695,7 +19167,7 @@
 </p:sld>
 </file>
 
-<file path=ppt/slides/slide34.xml><?xml version="1.0" encoding="utf-8"?>
+<file path=ppt/slides/slide35.xml><?xml version="1.0" encoding="utf-8"?>
 <p:sld xmlns:a="http://schemas.openxmlformats.org/drawingml/2006/main" xmlns:r="http://schemas.openxmlformats.org/officeDocument/2006/relationships" xmlns:p="http://schemas.openxmlformats.org/presentationml/2006/main">
   <p:cSld>
     <p:spTree>
@@ -18816,7 +19288,7 @@
           <a:p>
             <a:fld id="{666274A1-CF9C-426A-8DD4-B13ED0C24231}" type="slidenum">
               <a:rPr lang="en-US" smtClean="0"/>
-              <a:t>33</a:t>
+              <a:t>34</a:t>
             </a:fld>
             <a:endParaRPr lang="en-US"/>
           </a:p>
@@ -18865,7 +19337,7 @@
 </p:sld>
 </file>
 
-<file path=ppt/slides/slide35.xml><?xml version="1.0" encoding="utf-8"?>
+<file path=ppt/slides/slide36.xml><?xml version="1.0" encoding="utf-8"?>
 <p:sld xmlns:a="http://schemas.openxmlformats.org/drawingml/2006/main" xmlns:r="http://schemas.openxmlformats.org/officeDocument/2006/relationships" xmlns:p="http://schemas.openxmlformats.org/presentationml/2006/main">
   <p:cSld>
     <p:spTree>
@@ -18905,7 +19377,7 @@
           <a:p>
             <a:fld id="{666274A1-CF9C-426A-8DD4-B13ED0C24231}" type="slidenum">
               <a:rPr lang="en-US" smtClean="0"/>
-              <a:t>34</a:t>
+              <a:t>35</a:t>
             </a:fld>
             <a:endParaRPr lang="en-US"/>
           </a:p>
@@ -19329,7 +19801,7 @@
               </a:lnSpc>
             </a:pPr>
             <a:r>
-              <a:rPr lang="en-US" altLang="zh-TW" sz="2000" dirty="0">
+              <a:rPr lang="en-US" altLang="zh-TW" sz="1800" dirty="0">
                 <a:latin typeface="Times" panose="02020603050405020304" pitchFamily="18" charset="0"/>
                 <a:ea typeface="標楷體" panose="03000509000000000000" pitchFamily="65" charset="-120"/>
                 <a:cs typeface="Times" panose="02020603050405020304" pitchFamily="18" charset="0"/>
@@ -19361,7 +19833,7 @@
               </a:lnSpc>
             </a:pPr>
             <a:r>
-              <a:rPr lang="en-US" altLang="zh-TW" sz="2000" dirty="0">
+              <a:rPr lang="en-US" altLang="zh-TW" sz="1800" dirty="0">
                 <a:latin typeface="Times" panose="02020603050405020304" pitchFamily="18" charset="0"/>
                 <a:ea typeface="標楷體" panose="03000509000000000000" pitchFamily="65" charset="-120"/>
                 <a:cs typeface="Times" panose="02020603050405020304" pitchFamily="18" charset="0"/>
@@ -20231,21 +20703,7 @@
                 <a:latin typeface="Times" panose="02020603050405020304" pitchFamily="18" charset="0"/>
                 <a:cs typeface="Times" panose="02020603050405020304" pitchFamily="18" charset="0"/>
               </a:rPr>
-              <a:t>Preliminaries – </a:t>
-            </a:r>
-            <a:r>
-              <a:rPr lang="en-US" altLang="zh-TW" sz="4000" dirty="0" err="1">
-                <a:latin typeface="Times" panose="02020603050405020304" pitchFamily="18" charset="0"/>
-                <a:cs typeface="Times" panose="02020603050405020304" pitchFamily="18" charset="0"/>
-              </a:rPr>
-              <a:t>CmpCNN</a:t>
-            </a:r>
-            <a:r>
-              <a:rPr lang="en-US" altLang="zh-TW" sz="4000" dirty="0">
-                <a:latin typeface="Times" panose="02020603050405020304" pitchFamily="18" charset="0"/>
-                <a:cs typeface="Times" panose="02020603050405020304" pitchFamily="18" charset="0"/>
-              </a:rPr>
-              <a:t> Model</a:t>
+              <a:t>Preliminaries – Fill Patterns</a:t>
             </a:r>
             <a:endParaRPr lang="zh-TW" altLang="en-US" sz="4000" dirty="0">
               <a:latin typeface="Times" panose="02020603050405020304" pitchFamily="18" charset="0"/>
@@ -20254,72 +20712,34 @@
           </a:p>
         </p:txBody>
       </p:sp>
-      <p:sp>
-        <p:nvSpPr>
-          <p:cNvPr id="3" name="內容版面配置區 2">
+      <p:pic>
+        <p:nvPicPr>
+          <p:cNvPr id="6" name="內容版面配置區 5">
             <a:extLst>
               <a:ext uri="{FF2B5EF4-FFF2-40B4-BE49-F238E27FC236}">
-                <a16:creationId xmlns:a16="http://schemas.microsoft.com/office/drawing/2014/main" id="{6532586F-2B33-9C61-58DC-9046125E1570}"/>
+                <a16:creationId xmlns:a16="http://schemas.microsoft.com/office/drawing/2014/main" id="{BC673EDF-B841-62DD-A074-2EA3100C4154}"/>
               </a:ext>
             </a:extLst>
           </p:cNvPr>
-          <p:cNvSpPr>
-            <a:spLocks noGrp="1"/>
-          </p:cNvSpPr>
+          <p:cNvPicPr>
+            <a:picLocks noGrp="1" noChangeAspect="1"/>
+          </p:cNvPicPr>
           <p:nvPr>
             <p:ph idx="1"/>
           </p:nvPr>
-        </p:nvSpPr>
-        <p:spPr/>
-        <p:txBody>
-          <a:bodyPr>
-            <a:normAutofit/>
-          </a:bodyPr>
-          <a:lstStyle/>
-          <a:p>
-            <a:pPr>
-              <a:lnSpc>
-                <a:spcPct val="150000"/>
-              </a:lnSpc>
-            </a:pPr>
-            <a:r>
-              <a:rPr lang="en-US" altLang="zh-TW" sz="2200" dirty="0">
-                <a:latin typeface="Times" panose="02020603050405020304" pitchFamily="18" charset="0"/>
-                <a:ea typeface="標楷體" panose="03000509000000000000" pitchFamily="65" charset="-120"/>
-                <a:cs typeface="Times" panose="02020603050405020304" pitchFamily="18" charset="0"/>
-              </a:rPr>
-              <a:t>Accurate CMP model for height prediction to guide the fill process is of great importance.</a:t>
-            </a:r>
-          </a:p>
-          <a:p>
-            <a:pPr>
-              <a:lnSpc>
-                <a:spcPct val="150000"/>
-              </a:lnSpc>
-            </a:pPr>
-            <a:r>
-              <a:rPr lang="en-US" altLang="zh-TW" sz="2200" dirty="0">
-                <a:latin typeface="Times" panose="02020603050405020304" pitchFamily="18" charset="0"/>
-                <a:ea typeface="標楷體" panose="03000509000000000000" pitchFamily="65" charset="-120"/>
-                <a:cs typeface="Times" panose="02020603050405020304" pitchFamily="18" charset="0"/>
-              </a:rPr>
-              <a:t>Achieve 1.89× error reduction while also maintaining 57× speedup.</a:t>
-            </a:r>
-          </a:p>
-          <a:p>
-            <a:pPr>
-              <a:lnSpc>
-                <a:spcPct val="150000"/>
-              </a:lnSpc>
-            </a:pPr>
-            <a:endParaRPr lang="zh-TW" altLang="en-US" sz="2200" dirty="0">
-              <a:latin typeface="Times" panose="02020603050405020304" pitchFamily="18" charset="0"/>
-              <a:ea typeface="標楷體" panose="03000509000000000000" pitchFamily="65" charset="-120"/>
-              <a:cs typeface="Times" panose="02020603050405020304" pitchFamily="18" charset="0"/>
-            </a:endParaRPr>
-          </a:p>
-        </p:txBody>
-      </p:sp>
+        </p:nvPicPr>
+        <p:blipFill rotWithShape="1">
+          <a:blip r:embed="rId3"/>
+          <a:srcRect l="7174" r="51856" b="11642"/>
+          <a:stretch/>
+        </p:blipFill>
+        <p:spPr>
+          <a:xfrm>
+            <a:off x="2282650" y="2051053"/>
+            <a:ext cx="7264959" cy="3944932"/>
+          </a:xfrm>
+        </p:spPr>
+      </p:pic>
       <p:sp>
         <p:nvSpPr>
           <p:cNvPr id="4" name="投影片編號版面配置區 3">
@@ -20349,10 +20769,44 @@
           </a:p>
         </p:txBody>
       </p:sp>
+      <p:sp>
+        <p:nvSpPr>
+          <p:cNvPr id="3" name="文字方塊 2">
+            <a:extLst>
+              <a:ext uri="{FF2B5EF4-FFF2-40B4-BE49-F238E27FC236}">
+                <a16:creationId xmlns:a16="http://schemas.microsoft.com/office/drawing/2014/main" id="{927D1B7A-8DC4-D32E-7DE8-423F8E7234D5}"/>
+              </a:ext>
+            </a:extLst>
+          </p:cNvPr>
+          <p:cNvSpPr txBox="1"/>
+          <p:nvPr/>
+        </p:nvSpPr>
+        <p:spPr>
+          <a:xfrm>
+            <a:off x="9214339" y="2672525"/>
+            <a:ext cx="878067" cy="369332"/>
+          </a:xfrm>
+          <a:prstGeom prst="rect">
+            <a:avLst/>
+          </a:prstGeom>
+          <a:solidFill>
+            <a:schemeClr val="bg1"/>
+          </a:solidFill>
+        </p:spPr>
+        <p:txBody>
+          <a:bodyPr wrap="square" rtlCol="0">
+            <a:spAutoFit/>
+          </a:bodyPr>
+          <a:lstStyle/>
+          <a:p>
+            <a:endParaRPr lang="zh-TW" altLang="en-US" dirty="0"/>
+          </a:p>
+        </p:txBody>
+      </p:sp>
     </p:spTree>
     <p:extLst>
       <p:ext uri="{BB962C8B-B14F-4D97-AF65-F5344CB8AC3E}">
-        <p14:creationId xmlns:p14="http://schemas.microsoft.com/office/powerpoint/2010/main" val="2895692459"/>
+        <p14:creationId xmlns:p14="http://schemas.microsoft.com/office/powerpoint/2010/main" val="2046601313"/>
       </p:ext>
     </p:extLst>
   </p:cSld>
@@ -20381,10 +20835,10 @@
       </p:grpSpPr>
       <p:sp>
         <p:nvSpPr>
-          <p:cNvPr id="2" name="Title 1">
+          <p:cNvPr id="2" name="標題 1">
             <a:extLst>
               <a:ext uri="{FF2B5EF4-FFF2-40B4-BE49-F238E27FC236}">
-                <a16:creationId xmlns:a16="http://schemas.microsoft.com/office/drawing/2014/main" id="{034B2B09-3A89-725A-85C2-749F88A4474D}"/>
+                <a16:creationId xmlns:a16="http://schemas.microsoft.com/office/drawing/2014/main" id="{F49B282A-FF7E-D28E-E7C9-7C9011B3A142}"/>
               </a:ext>
             </a:extLst>
           </p:cNvPr>
@@ -20397,29 +20851,111 @@
         </p:nvSpPr>
         <p:spPr/>
         <p:txBody>
-          <a:bodyPr/>
+          <a:bodyPr>
+            <a:normAutofit/>
+          </a:bodyPr>
           <a:lstStyle/>
           <a:p>
             <a:r>
-              <a:rPr lang="en-US" sz="4000" dirty="0">
-                <a:latin typeface="Times New Roman" panose="02020603050405020304" pitchFamily="18" charset="0"/>
-                <a:cs typeface="Times New Roman" panose="02020603050405020304" pitchFamily="18" charset="0"/>
-              </a:rPr>
-              <a:t>Outline</a:t>
-            </a:r>
-            <a:endParaRPr lang="en-US" dirty="0">
-              <a:latin typeface="Times New Roman" panose="02020603050405020304" pitchFamily="18" charset="0"/>
-              <a:cs typeface="Times New Roman" panose="02020603050405020304" pitchFamily="18" charset="0"/>
+              <a:rPr lang="en-US" altLang="zh-TW" sz="4000" dirty="0">
+                <a:latin typeface="Times" panose="02020603050405020304" pitchFamily="18" charset="0"/>
+                <a:cs typeface="Times" panose="02020603050405020304" pitchFamily="18" charset="0"/>
+              </a:rPr>
+              <a:t>Preliminaries – </a:t>
+            </a:r>
+            <a:r>
+              <a:rPr lang="en-US" altLang="zh-TW" sz="4000" dirty="0" err="1">
+                <a:latin typeface="Times" panose="02020603050405020304" pitchFamily="18" charset="0"/>
+                <a:cs typeface="Times" panose="02020603050405020304" pitchFamily="18" charset="0"/>
+              </a:rPr>
+              <a:t>CmpCNN</a:t>
+            </a:r>
+            <a:r>
+              <a:rPr lang="en-US" altLang="zh-TW" sz="4000" dirty="0">
+                <a:latin typeface="Times" panose="02020603050405020304" pitchFamily="18" charset="0"/>
+                <a:cs typeface="Times" panose="02020603050405020304" pitchFamily="18" charset="0"/>
+              </a:rPr>
+              <a:t> Model</a:t>
+            </a:r>
+            <a:endParaRPr lang="zh-TW" altLang="en-US" sz="4000" dirty="0">
+              <a:latin typeface="Times" panose="02020603050405020304" pitchFamily="18" charset="0"/>
+              <a:cs typeface="Times" panose="02020603050405020304" pitchFamily="18" charset="0"/>
             </a:endParaRPr>
           </a:p>
         </p:txBody>
       </p:sp>
       <p:sp>
         <p:nvSpPr>
-          <p:cNvPr id="4" name="Slide Number Placeholder 3">
+          <p:cNvPr id="3" name="內容版面配置區 2">
             <a:extLst>
               <a:ext uri="{FF2B5EF4-FFF2-40B4-BE49-F238E27FC236}">
-                <a16:creationId xmlns:a16="http://schemas.microsoft.com/office/drawing/2014/main" id="{3592E110-E718-0573-BF00-CE5E90916A66}"/>
+                <a16:creationId xmlns:a16="http://schemas.microsoft.com/office/drawing/2014/main" id="{6532586F-2B33-9C61-58DC-9046125E1570}"/>
+              </a:ext>
+            </a:extLst>
+          </p:cNvPr>
+          <p:cNvSpPr>
+            <a:spLocks noGrp="1"/>
+          </p:cNvSpPr>
+          <p:nvPr>
+            <p:ph idx="1"/>
+          </p:nvPr>
+        </p:nvSpPr>
+        <p:spPr/>
+        <p:txBody>
+          <a:bodyPr>
+            <a:normAutofit/>
+          </a:bodyPr>
+          <a:lstStyle/>
+          <a:p>
+            <a:pPr>
+              <a:lnSpc>
+                <a:spcPct val="150000"/>
+              </a:lnSpc>
+            </a:pPr>
+            <a:r>
+              <a:rPr lang="en-US" altLang="zh-TW" sz="2200" dirty="0">
+                <a:latin typeface="Times" panose="02020603050405020304" pitchFamily="18" charset="0"/>
+                <a:ea typeface="標楷體" panose="03000509000000000000" pitchFamily="65" charset="-120"/>
+                <a:cs typeface="Times" panose="02020603050405020304" pitchFamily="18" charset="0"/>
+              </a:rPr>
+              <a:t>Accurate CMP model for height prediction to guide the fill process is of great importance.</a:t>
+            </a:r>
+          </a:p>
+          <a:p>
+            <a:pPr>
+              <a:lnSpc>
+                <a:spcPct val="150000"/>
+              </a:lnSpc>
+            </a:pPr>
+            <a:r>
+              <a:rPr lang="en-US" altLang="zh-TW" sz="2200" dirty="0">
+                <a:latin typeface="Times" panose="02020603050405020304" pitchFamily="18" charset="0"/>
+                <a:ea typeface="標楷體" panose="03000509000000000000" pitchFamily="65" charset="-120"/>
+                <a:cs typeface="Times" panose="02020603050405020304" pitchFamily="18" charset="0"/>
+              </a:rPr>
+              <a:t>Achieve 1.89× error reduction while also maintaining 57× speedup.</a:t>
+            </a:r>
+          </a:p>
+          <a:p>
+            <a:pPr>
+              <a:lnSpc>
+                <a:spcPct val="150000"/>
+              </a:lnSpc>
+            </a:pPr>
+            <a:endParaRPr lang="zh-TW" altLang="en-US" sz="2200" dirty="0">
+              <a:latin typeface="Times" panose="02020603050405020304" pitchFamily="18" charset="0"/>
+              <a:ea typeface="標楷體" panose="03000509000000000000" pitchFamily="65" charset="-120"/>
+              <a:cs typeface="Times" panose="02020603050405020304" pitchFamily="18" charset="0"/>
+            </a:endParaRPr>
+          </a:p>
+        </p:txBody>
+      </p:sp>
+      <p:sp>
+        <p:nvSpPr>
+          <p:cNvPr id="4" name="投影片編號版面配置區 3">
+            <a:extLst>
+              <a:ext uri="{FF2B5EF4-FFF2-40B4-BE49-F238E27FC236}">
+                <a16:creationId xmlns:a16="http://schemas.microsoft.com/office/drawing/2014/main" id="{4F34BD4F-A1A7-2695-B9CD-0B31024175B2}"/>
               </a:ext>
             </a:extLst>
           </p:cNvPr>
@@ -20443,288 +20979,10 @@
           </a:p>
         </p:txBody>
       </p:sp>
-      <p:sp>
-        <p:nvSpPr>
-          <p:cNvPr id="7" name="Content Placeholder 2">
-            <a:extLst>
-              <a:ext uri="{FF2B5EF4-FFF2-40B4-BE49-F238E27FC236}">
-                <a16:creationId xmlns:a16="http://schemas.microsoft.com/office/drawing/2014/main" id="{85FB6EDC-A81C-417F-C3B2-4378D3D43B94}"/>
-              </a:ext>
-            </a:extLst>
-          </p:cNvPr>
-          <p:cNvSpPr txBox="1">
-            <a:spLocks/>
-          </p:cNvSpPr>
-          <p:nvPr/>
-        </p:nvSpPr>
-        <p:spPr>
-          <a:xfrm>
-            <a:off x="1028700" y="1690688"/>
-            <a:ext cx="10515600" cy="4351338"/>
-          </a:xfrm>
-          <a:prstGeom prst="rect">
-            <a:avLst/>
-          </a:prstGeom>
-        </p:spPr>
-        <p:txBody>
-          <a:bodyPr vert="horz" lIns="91440" tIns="45720" rIns="91440" bIns="45720" rtlCol="0">
-            <a:normAutofit/>
-          </a:bodyPr>
-          <a:lstStyle>
-            <a:lvl1pPr marL="228600" indent="-228600" algn="l" defTabSz="914400" rtl="0" eaLnBrk="1" latinLnBrk="0" hangingPunct="1">
-              <a:lnSpc>
-                <a:spcPct val="90000"/>
-              </a:lnSpc>
-              <a:spcBef>
-                <a:spcPts val="1000"/>
-              </a:spcBef>
-              <a:buFont typeface="Arial" panose="020B0604020202020204" pitchFamily="34" charset="0"/>
-              <a:buChar char="•"/>
-              <a:defRPr sz="2800" kern="1200">
-                <a:solidFill>
-                  <a:schemeClr val="tx1"/>
-                </a:solidFill>
-                <a:latin typeface="+mn-lt"/>
-                <a:ea typeface="+mn-ea"/>
-                <a:cs typeface="+mn-cs"/>
-              </a:defRPr>
-            </a:lvl1pPr>
-            <a:lvl2pPr marL="685800" indent="-228600" algn="l" defTabSz="914400" rtl="0" eaLnBrk="1" latinLnBrk="0" hangingPunct="1">
-              <a:lnSpc>
-                <a:spcPct val="90000"/>
-              </a:lnSpc>
-              <a:spcBef>
-                <a:spcPts val="500"/>
-              </a:spcBef>
-              <a:buFont typeface="Arial" panose="020B0604020202020204" pitchFamily="34" charset="0"/>
-              <a:buChar char="•"/>
-              <a:defRPr sz="2400" kern="1200">
-                <a:solidFill>
-                  <a:schemeClr val="tx1"/>
-                </a:solidFill>
-                <a:latin typeface="+mn-lt"/>
-                <a:ea typeface="+mn-ea"/>
-                <a:cs typeface="+mn-cs"/>
-              </a:defRPr>
-            </a:lvl2pPr>
-            <a:lvl3pPr marL="1143000" indent="-228600" algn="l" defTabSz="914400" rtl="0" eaLnBrk="1" latinLnBrk="0" hangingPunct="1">
-              <a:lnSpc>
-                <a:spcPct val="90000"/>
-              </a:lnSpc>
-              <a:spcBef>
-                <a:spcPts val="500"/>
-              </a:spcBef>
-              <a:buFont typeface="Arial" panose="020B0604020202020204" pitchFamily="34" charset="0"/>
-              <a:buChar char="•"/>
-              <a:defRPr sz="2000" kern="1200">
-                <a:solidFill>
-                  <a:schemeClr val="tx1"/>
-                </a:solidFill>
-                <a:latin typeface="+mn-lt"/>
-                <a:ea typeface="+mn-ea"/>
-                <a:cs typeface="+mn-cs"/>
-              </a:defRPr>
-            </a:lvl3pPr>
-            <a:lvl4pPr marL="1600200" indent="-228600" algn="l" defTabSz="914400" rtl="0" eaLnBrk="1" latinLnBrk="0" hangingPunct="1">
-              <a:lnSpc>
-                <a:spcPct val="90000"/>
-              </a:lnSpc>
-              <a:spcBef>
-                <a:spcPts val="500"/>
-              </a:spcBef>
-              <a:buFont typeface="Arial" panose="020B0604020202020204" pitchFamily="34" charset="0"/>
-              <a:buChar char="•"/>
-              <a:defRPr sz="1800" kern="1200">
-                <a:solidFill>
-                  <a:schemeClr val="tx1"/>
-                </a:solidFill>
-                <a:latin typeface="+mn-lt"/>
-                <a:ea typeface="+mn-ea"/>
-                <a:cs typeface="+mn-cs"/>
-              </a:defRPr>
-            </a:lvl4pPr>
-            <a:lvl5pPr marL="2057400" indent="-228600" algn="l" defTabSz="914400" rtl="0" eaLnBrk="1" latinLnBrk="0" hangingPunct="1">
-              <a:lnSpc>
-                <a:spcPct val="90000"/>
-              </a:lnSpc>
-              <a:spcBef>
-                <a:spcPts val="500"/>
-              </a:spcBef>
-              <a:buFont typeface="Arial" panose="020B0604020202020204" pitchFamily="34" charset="0"/>
-              <a:buChar char="•"/>
-              <a:defRPr sz="1800" kern="1200">
-                <a:solidFill>
-                  <a:schemeClr val="tx1"/>
-                </a:solidFill>
-                <a:latin typeface="+mn-lt"/>
-                <a:ea typeface="+mn-ea"/>
-                <a:cs typeface="+mn-cs"/>
-              </a:defRPr>
-            </a:lvl5pPr>
-            <a:lvl6pPr marL="2514600" indent="-228600" algn="l" defTabSz="914400" rtl="0" eaLnBrk="1" latinLnBrk="0" hangingPunct="1">
-              <a:lnSpc>
-                <a:spcPct val="90000"/>
-              </a:lnSpc>
-              <a:spcBef>
-                <a:spcPts val="500"/>
-              </a:spcBef>
-              <a:buFont typeface="Arial" panose="020B0604020202020204" pitchFamily="34" charset="0"/>
-              <a:buChar char="•"/>
-              <a:defRPr sz="1800" kern="1200">
-                <a:solidFill>
-                  <a:schemeClr val="tx1"/>
-                </a:solidFill>
-                <a:latin typeface="+mn-lt"/>
-                <a:ea typeface="+mn-ea"/>
-                <a:cs typeface="+mn-cs"/>
-              </a:defRPr>
-            </a:lvl6pPr>
-            <a:lvl7pPr marL="2971800" indent="-228600" algn="l" defTabSz="914400" rtl="0" eaLnBrk="1" latinLnBrk="0" hangingPunct="1">
-              <a:lnSpc>
-                <a:spcPct val="90000"/>
-              </a:lnSpc>
-              <a:spcBef>
-                <a:spcPts val="500"/>
-              </a:spcBef>
-              <a:buFont typeface="Arial" panose="020B0604020202020204" pitchFamily="34" charset="0"/>
-              <a:buChar char="•"/>
-              <a:defRPr sz="1800" kern="1200">
-                <a:solidFill>
-                  <a:schemeClr val="tx1"/>
-                </a:solidFill>
-                <a:latin typeface="+mn-lt"/>
-                <a:ea typeface="+mn-ea"/>
-                <a:cs typeface="+mn-cs"/>
-              </a:defRPr>
-            </a:lvl7pPr>
-            <a:lvl8pPr marL="3429000" indent="-228600" algn="l" defTabSz="914400" rtl="0" eaLnBrk="1" latinLnBrk="0" hangingPunct="1">
-              <a:lnSpc>
-                <a:spcPct val="90000"/>
-              </a:lnSpc>
-              <a:spcBef>
-                <a:spcPts val="500"/>
-              </a:spcBef>
-              <a:buFont typeface="Arial" panose="020B0604020202020204" pitchFamily="34" charset="0"/>
-              <a:buChar char="•"/>
-              <a:defRPr sz="1800" kern="1200">
-                <a:solidFill>
-                  <a:schemeClr val="tx1"/>
-                </a:solidFill>
-                <a:latin typeface="+mn-lt"/>
-                <a:ea typeface="+mn-ea"/>
-                <a:cs typeface="+mn-cs"/>
-              </a:defRPr>
-            </a:lvl8pPr>
-            <a:lvl9pPr marL="3886200" indent="-228600" algn="l" defTabSz="914400" rtl="0" eaLnBrk="1" latinLnBrk="0" hangingPunct="1">
-              <a:lnSpc>
-                <a:spcPct val="90000"/>
-              </a:lnSpc>
-              <a:spcBef>
-                <a:spcPts val="500"/>
-              </a:spcBef>
-              <a:buFont typeface="Arial" panose="020B0604020202020204" pitchFamily="34" charset="0"/>
-              <a:buChar char="•"/>
-              <a:defRPr sz="1800" kern="1200">
-                <a:solidFill>
-                  <a:schemeClr val="tx1"/>
-                </a:solidFill>
-                <a:latin typeface="+mn-lt"/>
-                <a:ea typeface="+mn-ea"/>
-                <a:cs typeface="+mn-cs"/>
-              </a:defRPr>
-            </a:lvl9pPr>
-          </a:lstStyle>
-          <a:p>
-            <a:pPr>
-              <a:lnSpc>
-                <a:spcPct val="130000"/>
-              </a:lnSpc>
-            </a:pPr>
-            <a:r>
-              <a:rPr lang="en-US" sz="2400" dirty="0">
-                <a:solidFill>
-                  <a:schemeClr val="bg1">
-                    <a:lumMod val="50000"/>
-                  </a:schemeClr>
-                </a:solidFill>
-                <a:latin typeface="Times New Roman" panose="02020603050405020304" pitchFamily="18" charset="0"/>
-                <a:cs typeface="Times New Roman" panose="02020603050405020304" pitchFamily="18" charset="0"/>
-              </a:rPr>
-              <a:t>Introduction</a:t>
-            </a:r>
-          </a:p>
-          <a:p>
-            <a:pPr>
-              <a:lnSpc>
-                <a:spcPct val="130000"/>
-              </a:lnSpc>
-            </a:pPr>
-            <a:r>
-              <a:rPr lang="en-US" sz="2400" dirty="0">
-                <a:solidFill>
-                  <a:schemeClr val="bg1">
-                    <a:lumMod val="50000"/>
-                  </a:schemeClr>
-                </a:solidFill>
-                <a:latin typeface="Times New Roman" panose="02020603050405020304" pitchFamily="18" charset="0"/>
-                <a:cs typeface="Times New Roman" panose="02020603050405020304" pitchFamily="18" charset="0"/>
-              </a:rPr>
-              <a:t>Preliminaries</a:t>
-            </a:r>
-          </a:p>
-          <a:p>
-            <a:pPr>
-              <a:lnSpc>
-                <a:spcPct val="130000"/>
-              </a:lnSpc>
-            </a:pPr>
-            <a:r>
-              <a:rPr lang="en-US" sz="2400" dirty="0">
-                <a:latin typeface="Times New Roman" panose="02020603050405020304" pitchFamily="18" charset="0"/>
-                <a:cs typeface="Times New Roman" panose="02020603050405020304" pitchFamily="18" charset="0"/>
-              </a:rPr>
-              <a:t>MOGA-</a:t>
-            </a:r>
-            <a:r>
-              <a:rPr lang="en-US" sz="2400" dirty="0" err="1">
-                <a:latin typeface="Times New Roman" panose="02020603050405020304" pitchFamily="18" charset="0"/>
-                <a:cs typeface="Times New Roman" panose="02020603050405020304" pitchFamily="18" charset="0"/>
-              </a:rPr>
-              <a:t>CmpCNN</a:t>
-            </a:r>
-            <a:r>
-              <a:rPr lang="en-US" sz="2400" dirty="0">
-                <a:latin typeface="Times New Roman" panose="02020603050405020304" pitchFamily="18" charset="0"/>
-                <a:cs typeface="Times New Roman" panose="02020603050405020304" pitchFamily="18" charset="0"/>
-              </a:rPr>
-              <a:t> Framework</a:t>
-            </a:r>
-          </a:p>
-          <a:p>
-            <a:pPr>
-              <a:lnSpc>
-                <a:spcPct val="130000"/>
-              </a:lnSpc>
-            </a:pPr>
-            <a:r>
-              <a:rPr lang="en-US" sz="2400" dirty="0">
-                <a:solidFill>
-                  <a:schemeClr val="bg1">
-                    <a:lumMod val="50000"/>
-                  </a:schemeClr>
-                </a:solidFill>
-                <a:latin typeface="Times New Roman" panose="02020603050405020304" pitchFamily="18" charset="0"/>
-                <a:cs typeface="Times New Roman" panose="02020603050405020304" pitchFamily="18" charset="0"/>
-              </a:rPr>
-              <a:t>Experimental Result</a:t>
-            </a:r>
-          </a:p>
-        </p:txBody>
-      </p:sp>
     </p:spTree>
     <p:extLst>
       <p:ext uri="{BB962C8B-B14F-4D97-AF65-F5344CB8AC3E}">
-        <p14:creationId xmlns:p14="http://schemas.microsoft.com/office/powerpoint/2010/main" val="2732898075"/>
+        <p14:creationId xmlns:p14="http://schemas.microsoft.com/office/powerpoint/2010/main" val="2895692459"/>
       </p:ext>
     </p:extLst>
   </p:cSld>
